--- a/TaskScheduler/TaskScheduler.pptx
+++ b/TaskScheduler/TaskScheduler.pptx
@@ -1010,7 +1010,7 @@
           <a:p>
             <a:fld id="{857CC94D-E614-4874-A919-F25B27309A09}" type="datetimeFigureOut">
               <a:rPr lang="en-CA" smtClean="0"/>
-              <a:t>2024-08-11</a:t>
+              <a:t>2024-08-20</a:t>
             </a:fld>
             <a:endParaRPr lang="en-CA"/>
           </a:p>
@@ -3961,7 +3961,7 @@
           <a:noFill/>
           <a:extLst>
             <a:ext uri="{909E8E84-426E-40dd-AFC4-6F175D3DCCD1}">
-              <a14:hiddenFill xmlns="" xmlns:a14="http://schemas.microsoft.com/office/drawing/2010/main">
+              <a14:hiddenFill xmlns:a14="http://schemas.microsoft.com/office/drawing/2010/main" xmlns="">
                 <a:solidFill>
                   <a:srgbClr val="FFFFFF"/>
                 </a:solidFill>
@@ -4027,7 +4027,7 @@
             </a:ln>
             <a:extLst>
               <a:ext uri="{91240B29-F687-4f45-9708-019B960494DF}">
-                <a14:hiddenLine xmlns="" xmlns:a14="http://schemas.microsoft.com/office/drawing/2010/main" w="9525">
+                <a14:hiddenLine xmlns:a14="http://schemas.microsoft.com/office/drawing/2010/main" xmlns="" w="9525">
                   <a:solidFill>
                     <a:srgbClr val="000000"/>
                   </a:solidFill>
@@ -4117,7 +4117,7 @@
             </a:ln>
             <a:extLst>
               <a:ext uri="{91240B29-F687-4f45-9708-019B960494DF}">
-                <a14:hiddenLine xmlns="" xmlns:a14="http://schemas.microsoft.com/office/drawing/2010/main" w="9525">
+                <a14:hiddenLine xmlns:a14="http://schemas.microsoft.com/office/drawing/2010/main" xmlns="" w="9525">
                   <a:solidFill>
                     <a:srgbClr val="000000"/>
                   </a:solidFill>
@@ -4207,7 +4207,7 @@
             </a:ln>
             <a:extLst>
               <a:ext uri="{91240B29-F687-4f45-9708-019B960494DF}">
-                <a14:hiddenLine xmlns="" xmlns:a14="http://schemas.microsoft.com/office/drawing/2010/main" w="9525">
+                <a14:hiddenLine xmlns:a14="http://schemas.microsoft.com/office/drawing/2010/main" xmlns="" w="9525">
                   <a:solidFill>
                     <a:srgbClr val="000000"/>
                   </a:solidFill>
@@ -4241,7 +4241,7 @@
             </a:ln>
             <a:extLst>
               <a:ext uri="{91240B29-F687-4f45-9708-019B960494DF}">
-                <a14:hiddenLine xmlns="" xmlns:a14="http://schemas.microsoft.com/office/drawing/2010/main" w="9525">
+                <a14:hiddenLine xmlns:a14="http://schemas.microsoft.com/office/drawing/2010/main" xmlns="" w="9525">
                   <a:solidFill>
                     <a:srgbClr val="000000"/>
                   </a:solidFill>
@@ -4331,7 +4331,7 @@
             </a:ln>
             <a:extLst>
               <a:ext uri="{91240B29-F687-4f45-9708-019B960494DF}">
-                <a14:hiddenLine xmlns="" xmlns:a14="http://schemas.microsoft.com/office/drawing/2010/main" w="9525">
+                <a14:hiddenLine xmlns:a14="http://schemas.microsoft.com/office/drawing/2010/main" xmlns="" w="9525">
                   <a:solidFill>
                     <a:srgbClr val="000000"/>
                   </a:solidFill>
@@ -4393,7 +4393,7 @@
             </a:ln>
             <a:extLst>
               <a:ext uri="{91240B29-F687-4f45-9708-019B960494DF}">
-                <a14:hiddenLine xmlns="" xmlns:a14="http://schemas.microsoft.com/office/drawing/2010/main" w="9525">
+                <a14:hiddenLine xmlns:a14="http://schemas.microsoft.com/office/drawing/2010/main" xmlns="" w="9525">
                   <a:solidFill>
                     <a:srgbClr val="000000"/>
                   </a:solidFill>
@@ -4455,7 +4455,7 @@
             </a:ln>
             <a:extLst>
               <a:ext uri="{91240B29-F687-4f45-9708-019B960494DF}">
-                <a14:hiddenLine xmlns="" xmlns:a14="http://schemas.microsoft.com/office/drawing/2010/main" w="9525">
+                <a14:hiddenLine xmlns:a14="http://schemas.microsoft.com/office/drawing/2010/main" xmlns="" w="9525">
                   <a:solidFill>
                     <a:srgbClr val="000000"/>
                   </a:solidFill>
@@ -4545,7 +4545,7 @@
             </a:ln>
             <a:extLst>
               <a:ext uri="{91240B29-F687-4f45-9708-019B960494DF}">
-                <a14:hiddenLine xmlns="" xmlns:a14="http://schemas.microsoft.com/office/drawing/2010/main" w="9525">
+                <a14:hiddenLine xmlns:a14="http://schemas.microsoft.com/office/drawing/2010/main" xmlns="" w="9525">
                   <a:solidFill>
                     <a:srgbClr val="000000"/>
                   </a:solidFill>
@@ -4607,7 +4607,7 @@
             </a:ln>
             <a:extLst>
               <a:ext uri="{91240B29-F687-4f45-9708-019B960494DF}">
-                <a14:hiddenLine xmlns="" xmlns:a14="http://schemas.microsoft.com/office/drawing/2010/main" w="9525">
+                <a14:hiddenLine xmlns:a14="http://schemas.microsoft.com/office/drawing/2010/main" xmlns="" w="9525">
                   <a:solidFill>
                     <a:srgbClr val="000000"/>
                   </a:solidFill>
@@ -4669,7 +4669,7 @@
             </a:ln>
             <a:extLst>
               <a:ext uri="{91240B29-F687-4f45-9708-019B960494DF}">
-                <a14:hiddenLine xmlns="" xmlns:a14="http://schemas.microsoft.com/office/drawing/2010/main" w="9525">
+                <a14:hiddenLine xmlns:a14="http://schemas.microsoft.com/office/drawing/2010/main" xmlns="" w="9525">
                   <a:solidFill>
                     <a:srgbClr val="000000"/>
                   </a:solidFill>
@@ -4759,7 +4759,7 @@
             </a:ln>
             <a:extLst>
               <a:ext uri="{91240B29-F687-4f45-9708-019B960494DF}">
-                <a14:hiddenLine xmlns="" xmlns:a14="http://schemas.microsoft.com/office/drawing/2010/main" w="9525">
+                <a14:hiddenLine xmlns:a14="http://schemas.microsoft.com/office/drawing/2010/main" xmlns="" w="9525">
                   <a:solidFill>
                     <a:srgbClr val="000000"/>
                   </a:solidFill>
@@ -4849,7 +4849,7 @@
             </a:ln>
             <a:extLst>
               <a:ext uri="{91240B29-F687-4f45-9708-019B960494DF}">
-                <a14:hiddenLine xmlns="" xmlns:a14="http://schemas.microsoft.com/office/drawing/2010/main" w="9525">
+                <a14:hiddenLine xmlns:a14="http://schemas.microsoft.com/office/drawing/2010/main" xmlns="" w="9525">
                   <a:solidFill>
                     <a:srgbClr val="000000"/>
                   </a:solidFill>
@@ -4911,7 +4911,7 @@
             </a:ln>
             <a:extLst>
               <a:ext uri="{91240B29-F687-4f45-9708-019B960494DF}">
-                <a14:hiddenLine xmlns="" xmlns:a14="http://schemas.microsoft.com/office/drawing/2010/main" w="9525">
+                <a14:hiddenLine xmlns:a14="http://schemas.microsoft.com/office/drawing/2010/main" xmlns="" w="9525">
                   <a:solidFill>
                     <a:srgbClr val="000000"/>
                   </a:solidFill>
@@ -5021,7 +5021,7 @@
             </a:ln>
             <a:extLst>
               <a:ext uri="{91240B29-F687-4f45-9708-019B960494DF}">
-                <a14:hiddenLine xmlns="" xmlns:a14="http://schemas.microsoft.com/office/drawing/2010/main" w="9525">
+                <a14:hiddenLine xmlns:a14="http://schemas.microsoft.com/office/drawing/2010/main" xmlns="" w="9525">
                   <a:solidFill>
                     <a:srgbClr val="000000"/>
                   </a:solidFill>
@@ -5083,7 +5083,7 @@
             </a:ln>
             <a:extLst>
               <a:ext uri="{91240B29-F687-4f45-9708-019B960494DF}">
-                <a14:hiddenLine xmlns="" xmlns:a14="http://schemas.microsoft.com/office/drawing/2010/main" w="9525">
+                <a14:hiddenLine xmlns:a14="http://schemas.microsoft.com/office/drawing/2010/main" xmlns="" w="9525">
                   <a:solidFill>
                     <a:srgbClr val="000000"/>
                   </a:solidFill>
@@ -5173,7 +5173,7 @@
             </a:ln>
             <a:extLst>
               <a:ext uri="{91240B29-F687-4f45-9708-019B960494DF}">
-                <a14:hiddenLine xmlns="" xmlns:a14="http://schemas.microsoft.com/office/drawing/2010/main" w="9525">
+                <a14:hiddenLine xmlns:a14="http://schemas.microsoft.com/office/drawing/2010/main" xmlns="" w="9525">
                   <a:solidFill>
                     <a:srgbClr val="000000"/>
                   </a:solidFill>
@@ -5263,7 +5263,7 @@
             </a:ln>
             <a:extLst>
               <a:ext uri="{91240B29-F687-4f45-9708-019B960494DF}">
-                <a14:hiddenLine xmlns="" xmlns:a14="http://schemas.microsoft.com/office/drawing/2010/main" w="9525">
+                <a14:hiddenLine xmlns:a14="http://schemas.microsoft.com/office/drawing/2010/main" xmlns="" w="9525">
                   <a:solidFill>
                     <a:srgbClr val="000000"/>
                   </a:solidFill>
@@ -5325,7 +5325,7 @@
             </a:ln>
             <a:extLst>
               <a:ext uri="{91240B29-F687-4f45-9708-019B960494DF}">
-                <a14:hiddenLine xmlns="" xmlns:a14="http://schemas.microsoft.com/office/drawing/2010/main" w="9525">
+                <a14:hiddenLine xmlns:a14="http://schemas.microsoft.com/office/drawing/2010/main" xmlns="" w="9525">
                   <a:solidFill>
                     <a:srgbClr val="000000"/>
                   </a:solidFill>
@@ -5415,7 +5415,7 @@
             </a:ln>
             <a:extLst>
               <a:ext uri="{91240B29-F687-4f45-9708-019B960494DF}">
-                <a14:hiddenLine xmlns="" xmlns:a14="http://schemas.microsoft.com/office/drawing/2010/main" w="9525">
+                <a14:hiddenLine xmlns:a14="http://schemas.microsoft.com/office/drawing/2010/main" xmlns="" w="9525">
                   <a:solidFill>
                     <a:srgbClr val="000000"/>
                   </a:solidFill>
@@ -5505,7 +5505,7 @@
             </a:ln>
             <a:extLst>
               <a:ext uri="{91240B29-F687-4f45-9708-019B960494DF}">
-                <a14:hiddenLine xmlns="" xmlns:a14="http://schemas.microsoft.com/office/drawing/2010/main" w="9525">
+                <a14:hiddenLine xmlns:a14="http://schemas.microsoft.com/office/drawing/2010/main" xmlns="" w="9525">
                   <a:solidFill>
                     <a:srgbClr val="000000"/>
                   </a:solidFill>
@@ -5561,7 +5561,7 @@
             </a:ln>
             <a:extLst>
               <a:ext uri="{91240B29-F687-4f45-9708-019B960494DF}">
-                <a14:hiddenLine xmlns="" xmlns:a14="http://schemas.microsoft.com/office/drawing/2010/main" w="9525">
+                <a14:hiddenLine xmlns:a14="http://schemas.microsoft.com/office/drawing/2010/main" xmlns="" w="9525">
                   <a:solidFill>
                     <a:srgbClr val="000000"/>
                   </a:solidFill>
@@ -5651,7 +5651,7 @@
             </a:ln>
             <a:extLst>
               <a:ext uri="{91240B29-F687-4f45-9708-019B960494DF}">
-                <a14:hiddenLine xmlns="" xmlns:a14="http://schemas.microsoft.com/office/drawing/2010/main" w="9525">
+                <a14:hiddenLine xmlns:a14="http://schemas.microsoft.com/office/drawing/2010/main" xmlns="" w="9525">
                   <a:solidFill>
                     <a:srgbClr val="000000"/>
                   </a:solidFill>
@@ -5707,7 +5707,7 @@
             </a:ln>
             <a:extLst>
               <a:ext uri="{91240B29-F687-4f45-9708-019B960494DF}">
-                <a14:hiddenLine xmlns="" xmlns:a14="http://schemas.microsoft.com/office/drawing/2010/main" w="9525">
+                <a14:hiddenLine xmlns:a14="http://schemas.microsoft.com/office/drawing/2010/main" xmlns="" w="9525">
                   <a:solidFill>
                     <a:srgbClr val="000000"/>
                   </a:solidFill>
@@ -5797,7 +5797,7 @@
             </a:ln>
             <a:extLst>
               <a:ext uri="{91240B29-F687-4f45-9708-019B960494DF}">
-                <a14:hiddenLine xmlns="" xmlns:a14="http://schemas.microsoft.com/office/drawing/2010/main" w="9525">
+                <a14:hiddenLine xmlns:a14="http://schemas.microsoft.com/office/drawing/2010/main" xmlns="" w="9525">
                   <a:solidFill>
                     <a:srgbClr val="000000"/>
                   </a:solidFill>
@@ -5865,7 +5865,7 @@
             </a:ln>
             <a:extLst>
               <a:ext uri="{91240B29-F687-4f45-9708-019B960494DF}">
-                <a14:hiddenLine xmlns="" xmlns:a14="http://schemas.microsoft.com/office/drawing/2010/main" w="9525">
+                <a14:hiddenLine xmlns:a14="http://schemas.microsoft.com/office/drawing/2010/main" xmlns="" w="9525">
                   <a:solidFill>
                     <a:srgbClr val="000000"/>
                   </a:solidFill>
@@ -5955,7 +5955,7 @@
             </a:ln>
             <a:extLst>
               <a:ext uri="{91240B29-F687-4f45-9708-019B960494DF}">
-                <a14:hiddenLine xmlns="" xmlns:a14="http://schemas.microsoft.com/office/drawing/2010/main" w="9525">
+                <a14:hiddenLine xmlns:a14="http://schemas.microsoft.com/office/drawing/2010/main" xmlns="" w="9525">
                   <a:solidFill>
                     <a:srgbClr val="000000"/>
                   </a:solidFill>
@@ -6023,7 +6023,7 @@
             </a:ln>
             <a:extLst>
               <a:ext uri="{91240B29-F687-4f45-9708-019B960494DF}">
-                <a14:hiddenLine xmlns="" xmlns:a14="http://schemas.microsoft.com/office/drawing/2010/main" w="9525">
+                <a14:hiddenLine xmlns:a14="http://schemas.microsoft.com/office/drawing/2010/main" xmlns="" w="9525">
                   <a:solidFill>
                     <a:srgbClr val="000000"/>
                   </a:solidFill>
@@ -6113,7 +6113,7 @@
             </a:ln>
             <a:extLst>
               <a:ext uri="{91240B29-F687-4f45-9708-019B960494DF}">
-                <a14:hiddenLine xmlns="" xmlns:a14="http://schemas.microsoft.com/office/drawing/2010/main" w="9525">
+                <a14:hiddenLine xmlns:a14="http://schemas.microsoft.com/office/drawing/2010/main" xmlns="" w="9525">
                   <a:solidFill>
                     <a:srgbClr val="000000"/>
                   </a:solidFill>
@@ -6147,7 +6147,7 @@
             </a:ln>
             <a:extLst>
               <a:ext uri="{91240B29-F687-4f45-9708-019B960494DF}">
-                <a14:hiddenLine xmlns="" xmlns:a14="http://schemas.microsoft.com/office/drawing/2010/main" w="9525">
+                <a14:hiddenLine xmlns:a14="http://schemas.microsoft.com/office/drawing/2010/main" xmlns="" w="9525">
                   <a:solidFill>
                     <a:srgbClr val="000000"/>
                   </a:solidFill>
@@ -6237,7 +6237,7 @@
             </a:ln>
             <a:extLst>
               <a:ext uri="{91240B29-F687-4f45-9708-019B960494DF}">
-                <a14:hiddenLine xmlns="" xmlns:a14="http://schemas.microsoft.com/office/drawing/2010/main" w="9525">
+                <a14:hiddenLine xmlns:a14="http://schemas.microsoft.com/office/drawing/2010/main" xmlns="" w="9525">
                   <a:solidFill>
                     <a:srgbClr val="000000"/>
                   </a:solidFill>
@@ -6299,7 +6299,7 @@
             </a:ln>
             <a:extLst>
               <a:ext uri="{91240B29-F687-4f45-9708-019B960494DF}">
-                <a14:hiddenLine xmlns="" xmlns:a14="http://schemas.microsoft.com/office/drawing/2010/main" w="9525">
+                <a14:hiddenLine xmlns:a14="http://schemas.microsoft.com/office/drawing/2010/main" xmlns="" w="9525">
                   <a:solidFill>
                     <a:srgbClr val="000000"/>
                   </a:solidFill>
@@ -6361,7 +6361,7 @@
             </a:ln>
             <a:extLst>
               <a:ext uri="{91240B29-F687-4f45-9708-019B960494DF}">
-                <a14:hiddenLine xmlns="" xmlns:a14="http://schemas.microsoft.com/office/drawing/2010/main" w="9525">
+                <a14:hiddenLine xmlns:a14="http://schemas.microsoft.com/office/drawing/2010/main" xmlns="" w="9525">
                   <a:solidFill>
                     <a:srgbClr val="000000"/>
                   </a:solidFill>
@@ -6451,7 +6451,7 @@
             </a:ln>
             <a:extLst>
               <a:ext uri="{91240B29-F687-4f45-9708-019B960494DF}">
-                <a14:hiddenLine xmlns="" xmlns:a14="http://schemas.microsoft.com/office/drawing/2010/main" w="9525">
+                <a14:hiddenLine xmlns:a14="http://schemas.microsoft.com/office/drawing/2010/main" xmlns="" w="9525">
                   <a:solidFill>
                     <a:srgbClr val="000000"/>
                   </a:solidFill>
@@ -6519,7 +6519,7 @@
             </a:ln>
             <a:extLst>
               <a:ext uri="{91240B29-F687-4f45-9708-019B960494DF}">
-                <a14:hiddenLine xmlns="" xmlns:a14="http://schemas.microsoft.com/office/drawing/2010/main" w="9525">
+                <a14:hiddenLine xmlns:a14="http://schemas.microsoft.com/office/drawing/2010/main" xmlns="" w="9525">
                   <a:solidFill>
                     <a:srgbClr val="000000"/>
                   </a:solidFill>
@@ -6581,7 +6581,7 @@
             </a:ln>
             <a:extLst>
               <a:ext uri="{91240B29-F687-4f45-9708-019B960494DF}">
-                <a14:hiddenLine xmlns="" xmlns:a14="http://schemas.microsoft.com/office/drawing/2010/main" w="9525">
+                <a14:hiddenLine xmlns:a14="http://schemas.microsoft.com/office/drawing/2010/main" xmlns="" w="9525">
                   <a:solidFill>
                     <a:srgbClr val="000000"/>
                   </a:solidFill>
@@ -6671,7 +6671,7 @@
             </a:ln>
             <a:extLst>
               <a:ext uri="{91240B29-F687-4f45-9708-019B960494DF}">
-                <a14:hiddenLine xmlns="" xmlns:a14="http://schemas.microsoft.com/office/drawing/2010/main" w="9525">
+                <a14:hiddenLine xmlns:a14="http://schemas.microsoft.com/office/drawing/2010/main" xmlns="" w="9525">
                   <a:solidFill>
                     <a:srgbClr val="000000"/>
                   </a:solidFill>
@@ -6733,7 +6733,7 @@
             </a:ln>
             <a:extLst>
               <a:ext uri="{91240B29-F687-4f45-9708-019B960494DF}">
-                <a14:hiddenLine xmlns="" xmlns:a14="http://schemas.microsoft.com/office/drawing/2010/main" w="9525">
+                <a14:hiddenLine xmlns:a14="http://schemas.microsoft.com/office/drawing/2010/main" xmlns="" w="9525">
                   <a:solidFill>
                     <a:srgbClr val="000000"/>
                   </a:solidFill>
@@ -6823,7 +6823,7 @@
             </a:ln>
             <a:extLst>
               <a:ext uri="{91240B29-F687-4f45-9708-019B960494DF}">
-                <a14:hiddenLine xmlns="" xmlns:a14="http://schemas.microsoft.com/office/drawing/2010/main" w="9525">
+                <a14:hiddenLine xmlns:a14="http://schemas.microsoft.com/office/drawing/2010/main" xmlns="" w="9525">
                   <a:solidFill>
                     <a:srgbClr val="000000"/>
                   </a:solidFill>
@@ -6885,7 +6885,7 @@
             </a:ln>
             <a:extLst>
               <a:ext uri="{91240B29-F687-4f45-9708-019B960494DF}">
-                <a14:hiddenLine xmlns="" xmlns:a14="http://schemas.microsoft.com/office/drawing/2010/main" w="9525">
+                <a14:hiddenLine xmlns:a14="http://schemas.microsoft.com/office/drawing/2010/main" xmlns="" w="9525">
                   <a:solidFill>
                     <a:srgbClr val="000000"/>
                   </a:solidFill>
@@ -6975,7 +6975,7 @@
             </a:ln>
             <a:extLst>
               <a:ext uri="{91240B29-F687-4f45-9708-019B960494DF}">
-                <a14:hiddenLine xmlns="" xmlns:a14="http://schemas.microsoft.com/office/drawing/2010/main" w="9525">
+                <a14:hiddenLine xmlns:a14="http://schemas.microsoft.com/office/drawing/2010/main" xmlns="" w="9525">
                   <a:solidFill>
                     <a:srgbClr val="000000"/>
                   </a:solidFill>
@@ -7009,7 +7009,7 @@
             </a:ln>
             <a:extLst>
               <a:ext uri="{91240B29-F687-4f45-9708-019B960494DF}">
-                <a14:hiddenLine xmlns="" xmlns:a14="http://schemas.microsoft.com/office/drawing/2010/main" w="9525">
+                <a14:hiddenLine xmlns:a14="http://schemas.microsoft.com/office/drawing/2010/main" xmlns="" w="9525">
                   <a:solidFill>
                     <a:srgbClr val="000000"/>
                   </a:solidFill>
@@ -7074,7 +7074,7 @@
             </a:ln>
             <a:extLst>
               <a:ext uri="{91240B29-F687-4f45-9708-019B960494DF}">
-                <a14:hiddenLine xmlns="" xmlns:a14="http://schemas.microsoft.com/office/drawing/2010/main" w="9525">
+                <a14:hiddenLine xmlns:a14="http://schemas.microsoft.com/office/drawing/2010/main" xmlns="" w="9525">
                   <a:solidFill>
                     <a:srgbClr val="000000"/>
                   </a:solidFill>
@@ -7164,7 +7164,7 @@
             </a:ln>
             <a:extLst>
               <a:ext uri="{91240B29-F687-4f45-9708-019B960494DF}">
-                <a14:hiddenLine xmlns="" xmlns:a14="http://schemas.microsoft.com/office/drawing/2010/main" w="9525">
+                <a14:hiddenLine xmlns:a14="http://schemas.microsoft.com/office/drawing/2010/main" xmlns="" w="9525">
                   <a:solidFill>
                     <a:srgbClr val="000000"/>
                   </a:solidFill>
@@ -7226,7 +7226,7 @@
             </a:ln>
             <a:extLst>
               <a:ext uri="{91240B29-F687-4f45-9708-019B960494DF}">
-                <a14:hiddenLine xmlns="" xmlns:a14="http://schemas.microsoft.com/office/drawing/2010/main" w="9525">
+                <a14:hiddenLine xmlns:a14="http://schemas.microsoft.com/office/drawing/2010/main" xmlns="" w="9525">
                   <a:solidFill>
                     <a:srgbClr val="000000"/>
                   </a:solidFill>
@@ -7316,7 +7316,7 @@
             </a:ln>
             <a:extLst>
               <a:ext uri="{91240B29-F687-4f45-9708-019B960494DF}">
-                <a14:hiddenLine xmlns="" xmlns:a14="http://schemas.microsoft.com/office/drawing/2010/main" w="9525">
+                <a14:hiddenLine xmlns:a14="http://schemas.microsoft.com/office/drawing/2010/main" xmlns="" w="9525">
                   <a:solidFill>
                     <a:srgbClr val="000000"/>
                   </a:solidFill>
@@ -7406,7 +7406,7 @@
             </a:ln>
             <a:extLst>
               <a:ext uri="{91240B29-F687-4f45-9708-019B960494DF}">
-                <a14:hiddenLine xmlns="" xmlns:a14="http://schemas.microsoft.com/office/drawing/2010/main" w="9525">
+                <a14:hiddenLine xmlns:a14="http://schemas.microsoft.com/office/drawing/2010/main" xmlns="" w="9525">
                   <a:solidFill>
                     <a:srgbClr val="000000"/>
                   </a:solidFill>
@@ -7471,7 +7471,7 @@
             </a:ln>
             <a:extLst>
               <a:ext uri="{91240B29-F687-4f45-9708-019B960494DF}">
-                <a14:hiddenLine xmlns="" xmlns:a14="http://schemas.microsoft.com/office/drawing/2010/main" w="9525">
+                <a14:hiddenLine xmlns:a14="http://schemas.microsoft.com/office/drawing/2010/main" xmlns="" w="9525">
                   <a:solidFill>
                     <a:srgbClr val="000000"/>
                   </a:solidFill>
@@ -7533,7 +7533,7 @@
             </a:ln>
             <a:extLst>
               <a:ext uri="{91240B29-F687-4f45-9708-019B960494DF}">
-                <a14:hiddenLine xmlns="" xmlns:a14="http://schemas.microsoft.com/office/drawing/2010/main" w="9525">
+                <a14:hiddenLine xmlns:a14="http://schemas.microsoft.com/office/drawing/2010/main" xmlns="" w="9525">
                   <a:solidFill>
                     <a:srgbClr val="000000"/>
                   </a:solidFill>
@@ -7623,7 +7623,7 @@
             </a:ln>
             <a:extLst>
               <a:ext uri="{91240B29-F687-4f45-9708-019B960494DF}">
-                <a14:hiddenLine xmlns="" xmlns:a14="http://schemas.microsoft.com/office/drawing/2010/main" w="9525">
+                <a14:hiddenLine xmlns:a14="http://schemas.microsoft.com/office/drawing/2010/main" xmlns="" w="9525">
                   <a:solidFill>
                     <a:srgbClr val="000000"/>
                   </a:solidFill>
@@ -7713,7 +7713,7 @@
             </a:ln>
             <a:extLst>
               <a:ext uri="{91240B29-F687-4f45-9708-019B960494DF}">
-                <a14:hiddenLine xmlns="" xmlns:a14="http://schemas.microsoft.com/office/drawing/2010/main" w="9525">
+                <a14:hiddenLine xmlns:a14="http://schemas.microsoft.com/office/drawing/2010/main" xmlns="" w="9525">
                   <a:solidFill>
                     <a:srgbClr val="000000"/>
                   </a:solidFill>
@@ -7775,7 +7775,7 @@
             </a:ln>
             <a:extLst>
               <a:ext uri="{91240B29-F687-4f45-9708-019B960494DF}">
-                <a14:hiddenLine xmlns="" xmlns:a14="http://schemas.microsoft.com/office/drawing/2010/main" w="9525">
+                <a14:hiddenLine xmlns:a14="http://schemas.microsoft.com/office/drawing/2010/main" xmlns="" w="9525">
                   <a:solidFill>
                     <a:srgbClr val="000000"/>
                   </a:solidFill>
@@ -7895,7 +7895,7 @@
             </a:ln>
             <a:extLst>
               <a:ext uri="{91240B29-F687-4f45-9708-019B960494DF}">
-                <a14:hiddenLine xmlns="" xmlns:a14="http://schemas.microsoft.com/office/drawing/2010/main" w="9525">
+                <a14:hiddenLine xmlns:a14="http://schemas.microsoft.com/office/drawing/2010/main" xmlns="" w="9525">
                   <a:solidFill>
                     <a:srgbClr val="000000"/>
                   </a:solidFill>
@@ -7963,7 +7963,7 @@
             </a:ln>
             <a:extLst>
               <a:ext uri="{91240B29-F687-4f45-9708-019B960494DF}">
-                <a14:hiddenLine xmlns="" xmlns:a14="http://schemas.microsoft.com/office/drawing/2010/main" w="9525">
+                <a14:hiddenLine xmlns:a14="http://schemas.microsoft.com/office/drawing/2010/main" xmlns="" w="9525">
                   <a:solidFill>
                     <a:srgbClr val="000000"/>
                   </a:solidFill>
@@ -8053,7 +8053,7 @@
             </a:ln>
             <a:extLst>
               <a:ext uri="{91240B29-F687-4f45-9708-019B960494DF}">
-                <a14:hiddenLine xmlns="" xmlns:a14="http://schemas.microsoft.com/office/drawing/2010/main" w="9525">
+                <a14:hiddenLine xmlns:a14="http://schemas.microsoft.com/office/drawing/2010/main" xmlns="" w="9525">
                   <a:solidFill>
                     <a:srgbClr val="000000"/>
                   </a:solidFill>
@@ -8241,7 +8241,7 @@
           <a:p>
             <a:r>
               <a:rPr lang="en-US"/>
-              <a:t>2024-08-09</a:t>
+              <a:t>2024-08-20</a:t>
             </a:r>
             <a:endParaRPr lang="en-US" dirty="0"/>
           </a:p>
@@ -8695,7 +8695,7 @@
           <a:p>
             <a:r>
               <a:rPr lang="en-US"/>
-              <a:t>2024-08-09</a:t>
+              <a:t>2024-08-20</a:t>
             </a:r>
             <a:endParaRPr lang="en-US" dirty="0"/>
           </a:p>
@@ -9062,7 +9062,7 @@
           <a:p>
             <a:r>
               <a:rPr lang="en-US"/>
-              <a:t>2024-08-09</a:t>
+              <a:t>2024-08-20</a:t>
             </a:r>
             <a:endParaRPr lang="en-US" dirty="0"/>
           </a:p>
@@ -9306,7 +9306,7 @@
           <a:p>
             <a:r>
               <a:rPr lang="en-US"/>
-              <a:t>2024-08-09</a:t>
+              <a:t>2024-08-20</a:t>
             </a:r>
             <a:endParaRPr lang="en-US" dirty="0"/>
           </a:p>
@@ -9594,7 +9594,7 @@
           <a:p>
             <a:r>
               <a:rPr lang="en-US"/>
-              <a:t>2024-08-09</a:t>
+              <a:t>2024-08-20</a:t>
             </a:r>
             <a:endParaRPr lang="en-US" dirty="0"/>
           </a:p>
@@ -10096,7 +10096,7 @@
           <a:p>
             <a:r>
               <a:rPr lang="en-US"/>
-              <a:t>2024-08-09</a:t>
+              <a:t>2024-08-20</a:t>
             </a:r>
             <a:endParaRPr lang="en-US" dirty="0"/>
           </a:p>
@@ -10755,7 +10755,7 @@
           <a:p>
             <a:r>
               <a:rPr lang="en-US"/>
-              <a:t>2024-08-09</a:t>
+              <a:t>2024-08-20</a:t>
             </a:r>
             <a:endParaRPr lang="en-US" dirty="0"/>
           </a:p>
@@ -11491,7 +11491,7 @@
           <a:p>
             <a:r>
               <a:rPr lang="en-US"/>
-              <a:t>2024-08-09</a:t>
+              <a:t>2024-08-20</a:t>
             </a:r>
             <a:endParaRPr lang="en-US" dirty="0"/>
           </a:p>
@@ -11677,7 +11677,7 @@
           <a:p>
             <a:r>
               <a:rPr lang="en-US"/>
-              <a:t>2024-08-09</a:t>
+              <a:t>2024-08-20</a:t>
             </a:r>
             <a:endParaRPr lang="en-US" dirty="0"/>
           </a:p>
@@ -11873,7 +11873,7 @@
           <a:p>
             <a:r>
               <a:rPr lang="en-US"/>
-              <a:t>2024-08-09</a:t>
+              <a:t>2024-08-20</a:t>
             </a:r>
             <a:endParaRPr lang="en-US" dirty="0"/>
           </a:p>
@@ -12059,7 +12059,7 @@
           <a:p>
             <a:r>
               <a:rPr lang="en-US"/>
-              <a:t>2024-08-09</a:t>
+              <a:t>2024-08-20</a:t>
             </a:r>
             <a:endParaRPr lang="en-US" dirty="0"/>
           </a:p>
@@ -12361,7 +12361,7 @@
           <a:p>
             <a:r>
               <a:rPr lang="en-US"/>
-              <a:t>2024-08-09</a:t>
+              <a:t>2024-08-20</a:t>
             </a:r>
             <a:endParaRPr lang="en-US" dirty="0"/>
           </a:p>
@@ -12618,7 +12618,7 @@
           <a:p>
             <a:r>
               <a:rPr lang="en-US"/>
-              <a:t>2024-08-09</a:t>
+              <a:t>2024-08-20</a:t>
             </a:r>
             <a:endParaRPr lang="en-US" dirty="0"/>
           </a:p>
@@ -13015,7 +13015,7 @@
           <a:p>
             <a:r>
               <a:rPr lang="en-US"/>
-              <a:t>2024-08-09</a:t>
+              <a:t>2024-08-20</a:t>
             </a:r>
             <a:endParaRPr lang="en-US" dirty="0"/>
           </a:p>
@@ -13181,7 +13181,7 @@
           <a:p>
             <a:r>
               <a:rPr lang="en-US"/>
-              <a:t>2024-08-09</a:t>
+              <a:t>2024-08-20</a:t>
             </a:r>
             <a:endParaRPr lang="en-US" dirty="0"/>
           </a:p>
@@ -13301,7 +13301,7 @@
           <a:p>
             <a:r>
               <a:rPr lang="en-US"/>
-              <a:t>2024-08-09</a:t>
+              <a:t>2024-08-20</a:t>
             </a:r>
             <a:endParaRPr lang="en-US" dirty="0"/>
           </a:p>
@@ -13566,7 +13566,7 @@
           <a:p>
             <a:r>
               <a:rPr lang="en-US"/>
-              <a:t>2024-08-09</a:t>
+              <a:t>2024-08-20</a:t>
             </a:r>
             <a:endParaRPr lang="en-US" dirty="0"/>
           </a:p>
@@ -13862,7 +13862,7 @@
           <a:p>
             <a:r>
               <a:rPr lang="en-US"/>
-              <a:t>2024-08-09</a:t>
+              <a:t>2024-08-20</a:t>
             </a:r>
             <a:endParaRPr lang="en-US" dirty="0"/>
           </a:p>
@@ -13980,7 +13980,7 @@
           <a:noFill/>
           <a:extLst>
             <a:ext uri="{909E8E84-426E-40dd-AFC4-6F175D3DCCD1}">
-              <a14:hiddenFill xmlns="" xmlns:a14="http://schemas.microsoft.com/office/drawing/2010/main">
+              <a14:hiddenFill xmlns:a14="http://schemas.microsoft.com/office/drawing/2010/main" xmlns="">
                 <a:solidFill>
                   <a:srgbClr val="FFFFFF"/>
                 </a:solidFill>
@@ -14060,7 +14060,7 @@
               </a:ln>
               <a:extLst>
                 <a:ext uri="{91240B29-F687-4f45-9708-019B960494DF}">
-                  <a14:hiddenLine xmlns="" xmlns:a14="http://schemas.microsoft.com/office/drawing/2010/main" w="9525">
+                  <a14:hiddenLine xmlns:a14="http://schemas.microsoft.com/office/drawing/2010/main" xmlns="" w="9525">
                     <a:solidFill>
                       <a:srgbClr val="000000"/>
                     </a:solidFill>
@@ -14150,7 +14150,7 @@
               </a:ln>
               <a:extLst>
                 <a:ext uri="{91240B29-F687-4f45-9708-019B960494DF}">
-                  <a14:hiddenLine xmlns="" xmlns:a14="http://schemas.microsoft.com/office/drawing/2010/main" w="9525">
+                  <a14:hiddenLine xmlns:a14="http://schemas.microsoft.com/office/drawing/2010/main" xmlns="" w="9525">
                     <a:solidFill>
                       <a:srgbClr val="000000"/>
                     </a:solidFill>
@@ -14240,7 +14240,7 @@
               </a:ln>
               <a:extLst>
                 <a:ext uri="{91240B29-F687-4f45-9708-019B960494DF}">
-                  <a14:hiddenLine xmlns="" xmlns:a14="http://schemas.microsoft.com/office/drawing/2010/main" w="9525">
+                  <a14:hiddenLine xmlns:a14="http://schemas.microsoft.com/office/drawing/2010/main" xmlns="" w="9525">
                     <a:solidFill>
                       <a:srgbClr val="000000"/>
                     </a:solidFill>
@@ -14302,7 +14302,7 @@
               </a:ln>
               <a:extLst>
                 <a:ext uri="{91240B29-F687-4f45-9708-019B960494DF}">
-                  <a14:hiddenLine xmlns="" xmlns:a14="http://schemas.microsoft.com/office/drawing/2010/main" w="9525">
+                  <a14:hiddenLine xmlns:a14="http://schemas.microsoft.com/office/drawing/2010/main" xmlns="" w="9525">
                     <a:solidFill>
                       <a:srgbClr val="000000"/>
                     </a:solidFill>
@@ -14392,7 +14392,7 @@
               </a:ln>
               <a:extLst>
                 <a:ext uri="{91240B29-F687-4f45-9708-019B960494DF}">
-                  <a14:hiddenLine xmlns="" xmlns:a14="http://schemas.microsoft.com/office/drawing/2010/main" w="9525">
+                  <a14:hiddenLine xmlns:a14="http://schemas.microsoft.com/office/drawing/2010/main" xmlns="" w="9525">
                     <a:solidFill>
                       <a:srgbClr val="000000"/>
                     </a:solidFill>
@@ -14454,7 +14454,7 @@
               </a:ln>
               <a:extLst>
                 <a:ext uri="{91240B29-F687-4f45-9708-019B960494DF}">
-                  <a14:hiddenLine xmlns="" xmlns:a14="http://schemas.microsoft.com/office/drawing/2010/main" w="9525">
+                  <a14:hiddenLine xmlns:a14="http://schemas.microsoft.com/office/drawing/2010/main" xmlns="" w="9525">
                     <a:solidFill>
                       <a:srgbClr val="000000"/>
                     </a:solidFill>
@@ -14516,7 +14516,7 @@
               </a:ln>
               <a:extLst>
                 <a:ext uri="{91240B29-F687-4f45-9708-019B960494DF}">
-                  <a14:hiddenLine xmlns="" xmlns:a14="http://schemas.microsoft.com/office/drawing/2010/main" w="9525">
+                  <a14:hiddenLine xmlns:a14="http://schemas.microsoft.com/office/drawing/2010/main" xmlns="" w="9525">
                     <a:solidFill>
                       <a:srgbClr val="000000"/>
                     </a:solidFill>
@@ -14606,7 +14606,7 @@
               </a:ln>
               <a:extLst>
                 <a:ext uri="{91240B29-F687-4f45-9708-019B960494DF}">
-                  <a14:hiddenLine xmlns="" xmlns:a14="http://schemas.microsoft.com/office/drawing/2010/main" w="9525">
+                  <a14:hiddenLine xmlns:a14="http://schemas.microsoft.com/office/drawing/2010/main" xmlns="" w="9525">
                     <a:solidFill>
                       <a:srgbClr val="000000"/>
                     </a:solidFill>
@@ -14696,7 +14696,7 @@
               </a:ln>
               <a:extLst>
                 <a:ext uri="{91240B29-F687-4f45-9708-019B960494DF}">
-                  <a14:hiddenLine xmlns="" xmlns:a14="http://schemas.microsoft.com/office/drawing/2010/main" w="9525">
+                  <a14:hiddenLine xmlns:a14="http://schemas.microsoft.com/office/drawing/2010/main" xmlns="" w="9525">
                     <a:solidFill>
                       <a:srgbClr val="000000"/>
                     </a:solidFill>
@@ -14758,7 +14758,7 @@
               </a:ln>
               <a:extLst>
                 <a:ext uri="{91240B29-F687-4f45-9708-019B960494DF}">
-                  <a14:hiddenLine xmlns="" xmlns:a14="http://schemas.microsoft.com/office/drawing/2010/main" w="9525">
+                  <a14:hiddenLine xmlns:a14="http://schemas.microsoft.com/office/drawing/2010/main" xmlns="" w="9525">
                     <a:solidFill>
                       <a:srgbClr val="000000"/>
                     </a:solidFill>
@@ -14868,7 +14868,7 @@
               </a:ln>
               <a:extLst>
                 <a:ext uri="{91240B29-F687-4f45-9708-019B960494DF}">
-                  <a14:hiddenLine xmlns="" xmlns:a14="http://schemas.microsoft.com/office/drawing/2010/main" w="9525">
+                  <a14:hiddenLine xmlns:a14="http://schemas.microsoft.com/office/drawing/2010/main" xmlns="" w="9525">
                     <a:solidFill>
                       <a:srgbClr val="000000"/>
                     </a:solidFill>
@@ -14952,7 +14952,7 @@
               </a:ln>
               <a:extLst>
                 <a:ext uri="{91240B29-F687-4f45-9708-019B960494DF}">
-                  <a14:hiddenLine xmlns="" xmlns:a14="http://schemas.microsoft.com/office/drawing/2010/main" w="9525">
+                  <a14:hiddenLine xmlns:a14="http://schemas.microsoft.com/office/drawing/2010/main" xmlns="" w="9525">
                     <a:solidFill>
                       <a:srgbClr val="000000"/>
                     </a:solidFill>
@@ -15014,7 +15014,7 @@
               </a:ln>
               <a:extLst>
                 <a:ext uri="{91240B29-F687-4f45-9708-019B960494DF}">
-                  <a14:hiddenLine xmlns="" xmlns:a14="http://schemas.microsoft.com/office/drawing/2010/main" w="9525">
+                  <a14:hiddenLine xmlns:a14="http://schemas.microsoft.com/office/drawing/2010/main" xmlns="" w="9525">
                     <a:solidFill>
                       <a:srgbClr val="000000"/>
                     </a:solidFill>
@@ -15076,7 +15076,7 @@
               </a:ln>
               <a:extLst>
                 <a:ext uri="{91240B29-F687-4f45-9708-019B960494DF}">
-                  <a14:hiddenLine xmlns="" xmlns:a14="http://schemas.microsoft.com/office/drawing/2010/main" w="9525">
+                  <a14:hiddenLine xmlns:a14="http://schemas.microsoft.com/office/drawing/2010/main" xmlns="" w="9525">
                     <a:solidFill>
                       <a:srgbClr val="000000"/>
                     </a:solidFill>
@@ -15166,7 +15166,7 @@
               </a:ln>
               <a:extLst>
                 <a:ext uri="{91240B29-F687-4f45-9708-019B960494DF}">
-                  <a14:hiddenLine xmlns="" xmlns:a14="http://schemas.microsoft.com/office/drawing/2010/main" w="9525">
+                  <a14:hiddenLine xmlns:a14="http://schemas.microsoft.com/office/drawing/2010/main" xmlns="" w="9525">
                     <a:solidFill>
                       <a:srgbClr val="000000"/>
                     </a:solidFill>
@@ -15200,7 +15200,7 @@
               </a:ln>
               <a:extLst>
                 <a:ext uri="{91240B29-F687-4f45-9708-019B960494DF}">
-                  <a14:hiddenLine xmlns="" xmlns:a14="http://schemas.microsoft.com/office/drawing/2010/main" w="9525">
+                  <a14:hiddenLine xmlns:a14="http://schemas.microsoft.com/office/drawing/2010/main" xmlns="" w="9525">
                     <a:solidFill>
                       <a:srgbClr val="000000"/>
                     </a:solidFill>
@@ -15265,7 +15265,7 @@
               </a:ln>
               <a:extLst>
                 <a:ext uri="{91240B29-F687-4f45-9708-019B960494DF}">
-                  <a14:hiddenLine xmlns="" xmlns:a14="http://schemas.microsoft.com/office/drawing/2010/main" w="9525">
+                  <a14:hiddenLine xmlns:a14="http://schemas.microsoft.com/office/drawing/2010/main" xmlns="" w="9525">
                     <a:solidFill>
                       <a:srgbClr val="000000"/>
                     </a:solidFill>
@@ -15355,7 +15355,7 @@
               </a:ln>
               <a:extLst>
                 <a:ext uri="{91240B29-F687-4f45-9708-019B960494DF}">
-                  <a14:hiddenLine xmlns="" xmlns:a14="http://schemas.microsoft.com/office/drawing/2010/main" w="9525">
+                  <a14:hiddenLine xmlns:a14="http://schemas.microsoft.com/office/drawing/2010/main" xmlns="" w="9525">
                     <a:solidFill>
                       <a:srgbClr val="000000"/>
                     </a:solidFill>
@@ -15417,7 +15417,7 @@
               </a:ln>
               <a:extLst>
                 <a:ext uri="{91240B29-F687-4f45-9708-019B960494DF}">
-                  <a14:hiddenLine xmlns="" xmlns:a14="http://schemas.microsoft.com/office/drawing/2010/main" w="9525">
+                  <a14:hiddenLine xmlns:a14="http://schemas.microsoft.com/office/drawing/2010/main" xmlns="" w="9525">
                     <a:solidFill>
                       <a:srgbClr val="000000"/>
                     </a:solidFill>
@@ -15507,7 +15507,7 @@
               </a:ln>
               <a:extLst>
                 <a:ext uri="{91240B29-F687-4f45-9708-019B960494DF}">
-                  <a14:hiddenLine xmlns="" xmlns:a14="http://schemas.microsoft.com/office/drawing/2010/main" w="9525">
+                  <a14:hiddenLine xmlns:a14="http://schemas.microsoft.com/office/drawing/2010/main" xmlns="" w="9525">
                     <a:solidFill>
                       <a:srgbClr val="000000"/>
                     </a:solidFill>
@@ -15572,7 +15572,7 @@
               </a:ln>
               <a:extLst>
                 <a:ext uri="{91240B29-F687-4f45-9708-019B960494DF}">
-                  <a14:hiddenLine xmlns="" xmlns:a14="http://schemas.microsoft.com/office/drawing/2010/main" w="9525">
+                  <a14:hiddenLine xmlns:a14="http://schemas.microsoft.com/office/drawing/2010/main" xmlns="" w="9525">
                     <a:solidFill>
                       <a:srgbClr val="000000"/>
                     </a:solidFill>
@@ -15634,7 +15634,7 @@
               </a:ln>
               <a:extLst>
                 <a:ext uri="{91240B29-F687-4f45-9708-019B960494DF}">
-                  <a14:hiddenLine xmlns="" xmlns:a14="http://schemas.microsoft.com/office/drawing/2010/main" w="9525">
+                  <a14:hiddenLine xmlns:a14="http://schemas.microsoft.com/office/drawing/2010/main" xmlns="" w="9525">
                     <a:solidFill>
                       <a:srgbClr val="000000"/>
                     </a:solidFill>
@@ -15724,7 +15724,7 @@
               </a:ln>
               <a:extLst>
                 <a:ext uri="{91240B29-F687-4f45-9708-019B960494DF}">
-                  <a14:hiddenLine xmlns="" xmlns:a14="http://schemas.microsoft.com/office/drawing/2010/main" w="9525">
+                  <a14:hiddenLine xmlns:a14="http://schemas.microsoft.com/office/drawing/2010/main" xmlns="" w="9525">
                     <a:solidFill>
                       <a:srgbClr val="000000"/>
                     </a:solidFill>
@@ -15814,7 +15814,7 @@
               </a:ln>
               <a:extLst>
                 <a:ext uri="{91240B29-F687-4f45-9708-019B960494DF}">
-                  <a14:hiddenLine xmlns="" xmlns:a14="http://schemas.microsoft.com/office/drawing/2010/main" w="9525">
+                  <a14:hiddenLine xmlns:a14="http://schemas.microsoft.com/office/drawing/2010/main" xmlns="" w="9525">
                     <a:solidFill>
                       <a:srgbClr val="000000"/>
                     </a:solidFill>
@@ -15879,7 +15879,7 @@
               </a:ln>
               <a:extLst>
                 <a:ext uri="{91240B29-F687-4f45-9708-019B960494DF}">
-                  <a14:hiddenLine xmlns="" xmlns:a14="http://schemas.microsoft.com/office/drawing/2010/main" w="9525">
+                  <a14:hiddenLine xmlns:a14="http://schemas.microsoft.com/office/drawing/2010/main" xmlns="" w="9525">
                     <a:solidFill>
                       <a:srgbClr val="000000"/>
                     </a:solidFill>
@@ -15999,7 +15999,7 @@
               </a:ln>
               <a:extLst>
                 <a:ext uri="{91240B29-F687-4f45-9708-019B960494DF}">
-                  <a14:hiddenLine xmlns="" xmlns:a14="http://schemas.microsoft.com/office/drawing/2010/main" w="9525">
+                  <a14:hiddenLine xmlns:a14="http://schemas.microsoft.com/office/drawing/2010/main" xmlns="" w="9525">
                     <a:solidFill>
                       <a:srgbClr val="000000"/>
                     </a:solidFill>
@@ -16097,7 +16097,7 @@
               </a:ln>
               <a:extLst>
                 <a:ext uri="{91240B29-F687-4f45-9708-019B960494DF}">
-                  <a14:hiddenLine xmlns="" xmlns:a14="http://schemas.microsoft.com/office/drawing/2010/main" w="9525">
+                  <a14:hiddenLine xmlns:a14="http://schemas.microsoft.com/office/drawing/2010/main" xmlns="" w="9525">
                     <a:solidFill>
                       <a:srgbClr val="000000"/>
                     </a:solidFill>
@@ -16212,7 +16212,7 @@
               </a:ln>
               <a:extLst>
                 <a:ext uri="{91240B29-F687-4f45-9708-019B960494DF}">
-                  <a14:hiddenLine xmlns="" xmlns:a14="http://schemas.microsoft.com/office/drawing/2010/main" w="9525">
+                  <a14:hiddenLine xmlns:a14="http://schemas.microsoft.com/office/drawing/2010/main" xmlns="" w="9525">
                     <a:solidFill>
                       <a:srgbClr val="000000"/>
                     </a:solidFill>
@@ -16302,7 +16302,7 @@
               </a:ln>
               <a:extLst>
                 <a:ext uri="{91240B29-F687-4f45-9708-019B960494DF}">
-                  <a14:hiddenLine xmlns="" xmlns:a14="http://schemas.microsoft.com/office/drawing/2010/main" w="9525">
+                  <a14:hiddenLine xmlns:a14="http://schemas.microsoft.com/office/drawing/2010/main" xmlns="" w="9525">
                     <a:solidFill>
                       <a:srgbClr val="000000"/>
                     </a:solidFill>
@@ -16367,7 +16367,7 @@
               </a:ln>
               <a:extLst>
                 <a:ext uri="{91240B29-F687-4f45-9708-019B960494DF}">
-                  <a14:hiddenLine xmlns="" xmlns:a14="http://schemas.microsoft.com/office/drawing/2010/main" w="9525">
+                  <a14:hiddenLine xmlns:a14="http://schemas.microsoft.com/office/drawing/2010/main" xmlns="" w="9525">
                     <a:solidFill>
                       <a:srgbClr val="000000"/>
                     </a:solidFill>
@@ -16457,7 +16457,7 @@
               </a:ln>
               <a:extLst>
                 <a:ext uri="{91240B29-F687-4f45-9708-019B960494DF}">
-                  <a14:hiddenLine xmlns="" xmlns:a14="http://schemas.microsoft.com/office/drawing/2010/main" w="9525">
+                  <a14:hiddenLine xmlns:a14="http://schemas.microsoft.com/office/drawing/2010/main" xmlns="" w="9525">
                     <a:solidFill>
                       <a:srgbClr val="000000"/>
                     </a:solidFill>
@@ -16525,7 +16525,7 @@
               </a:ln>
               <a:extLst>
                 <a:ext uri="{91240B29-F687-4f45-9708-019B960494DF}">
-                  <a14:hiddenLine xmlns="" xmlns:a14="http://schemas.microsoft.com/office/drawing/2010/main" w="9525">
+                  <a14:hiddenLine xmlns:a14="http://schemas.microsoft.com/office/drawing/2010/main" xmlns="" w="9525">
                     <a:solidFill>
                       <a:srgbClr val="000000"/>
                     </a:solidFill>
@@ -16615,7 +16615,7 @@
               </a:ln>
               <a:extLst>
                 <a:ext uri="{91240B29-F687-4f45-9708-019B960494DF}">
-                  <a14:hiddenLine xmlns="" xmlns:a14="http://schemas.microsoft.com/office/drawing/2010/main" w="9525">
+                  <a14:hiddenLine xmlns:a14="http://schemas.microsoft.com/office/drawing/2010/main" xmlns="" w="9525">
                     <a:solidFill>
                       <a:srgbClr val="000000"/>
                     </a:solidFill>
@@ -16683,7 +16683,7 @@
               </a:ln>
               <a:extLst>
                 <a:ext uri="{91240B29-F687-4f45-9708-019B960494DF}">
-                  <a14:hiddenLine xmlns="" xmlns:a14="http://schemas.microsoft.com/office/drawing/2010/main" w="9525">
+                  <a14:hiddenLine xmlns:a14="http://schemas.microsoft.com/office/drawing/2010/main" xmlns="" w="9525">
                     <a:solidFill>
                       <a:srgbClr val="000000"/>
                     </a:solidFill>
@@ -16773,7 +16773,7 @@
               </a:ln>
               <a:extLst>
                 <a:ext uri="{91240B29-F687-4f45-9708-019B960494DF}">
-                  <a14:hiddenLine xmlns="" xmlns:a14="http://schemas.microsoft.com/office/drawing/2010/main" w="9525">
+                  <a14:hiddenLine xmlns:a14="http://schemas.microsoft.com/office/drawing/2010/main" xmlns="" w="9525">
                     <a:solidFill>
                       <a:srgbClr val="000000"/>
                     </a:solidFill>
@@ -16807,7 +16807,7 @@
               </a:ln>
               <a:extLst>
                 <a:ext uri="{91240B29-F687-4f45-9708-019B960494DF}">
-                  <a14:hiddenLine xmlns="" xmlns:a14="http://schemas.microsoft.com/office/drawing/2010/main" w="9525">
+                  <a14:hiddenLine xmlns:a14="http://schemas.microsoft.com/office/drawing/2010/main" xmlns="" w="9525">
                     <a:solidFill>
                       <a:srgbClr val="000000"/>
                     </a:solidFill>
@@ -16984,7 +16984,7 @@
           <a:p>
             <a:r>
               <a:rPr lang="en-US"/>
-              <a:t>2024-08-09</a:t>
+              <a:t>2024-08-20</a:t>
             </a:r>
             <a:endParaRPr lang="en-US" dirty="0"/>
           </a:p>
@@ -18048,7 +18048,7 @@
           <a:p>
             <a:r>
               <a:rPr lang="en-US"/>
-              <a:t>2024-08-09</a:t>
+              <a:t>2024-08-20</a:t>
             </a:r>
             <a:endParaRPr lang="en-US" dirty="0"/>
           </a:p>
@@ -18433,7 +18433,7 @@
           <a:p>
             <a:r>
               <a:rPr lang="en-US"/>
-              <a:t>2024-08-09</a:t>
+              <a:t>2024-08-20</a:t>
             </a:r>
             <a:endParaRPr lang="en-US" dirty="0"/>
           </a:p>
@@ -18645,7 +18645,7 @@
           <a:p>
             <a:r>
               <a:rPr lang="en-US"/>
-              <a:t>2024-08-09</a:t>
+              <a:t>2024-08-20</a:t>
             </a:r>
             <a:endParaRPr lang="en-US" dirty="0"/>
           </a:p>
@@ -18850,7 +18850,7 @@
           <a:p>
             <a:r>
               <a:rPr lang="en-US"/>
-              <a:t>2024-08-09</a:t>
+              <a:t>2024-08-20</a:t>
             </a:r>
             <a:endParaRPr lang="en-US" dirty="0"/>
           </a:p>
@@ -19035,7 +19035,7 @@
           <a:p>
             <a:r>
               <a:rPr lang="en-US"/>
-              <a:t>2024-08-09</a:t>
+              <a:t>2024-08-20</a:t>
             </a:r>
             <a:endParaRPr lang="en-US" dirty="0"/>
           </a:p>
@@ -19999,7 +19999,7 @@
           <a:p>
             <a:r>
               <a:rPr lang="en-US"/>
-              <a:t>2024-08-09</a:t>
+              <a:t>2024-08-20</a:t>
             </a:r>
             <a:endParaRPr lang="en-US" dirty="0"/>
           </a:p>
@@ -20962,18 +20962,26 @@
               <a:t>Done automatically by </a:t>
             </a:r>
             <a:r>
-              <a:rPr lang="en-CA" sz="1100" dirty="0" err="1">
+              <a:rPr lang="en-CA" sz="1100" dirty="0">
                 <a:solidFill>
                   <a:schemeClr val="bg2"/>
                 </a:solidFill>
-                <a:highlight>
-                  <a:srgbClr val="FFFFFF"/>
-                </a:highlight>
                 <a:latin typeface="Hack" panose="020B0609030202020204" pitchFamily="49" charset="0"/>
                 <a:ea typeface="Hack" panose="020B0609030202020204" pitchFamily="49" charset="0"/>
                 <a:cs typeface="Hack" panose="020B0609030202020204" pitchFamily="49" charset="0"/>
               </a:rPr>
-              <a:t>makeTaskList</a:t>
+              <a:t>Tasks::</a:t>
+            </a:r>
+            <a:r>
+              <a:rPr lang="en-CA" sz="1100" dirty="0" err="1">
+                <a:solidFill>
+                  <a:schemeClr val="bg2"/>
+                </a:solidFill>
+                <a:latin typeface="Hack" panose="020B0609030202020204" pitchFamily="49" charset="0"/>
+                <a:ea typeface="Hack" panose="020B0609030202020204" pitchFamily="49" charset="0"/>
+                <a:cs typeface="Hack" panose="020B0609030202020204" pitchFamily="49" charset="0"/>
+              </a:rPr>
+              <a:t>TaskList</a:t>
             </a:r>
             <a:endParaRPr lang="en-CA" sz="1200" dirty="0">
               <a:solidFill>
@@ -21984,7 +21992,7 @@
           <a:p>
             <a:r>
               <a:rPr lang="en-US"/>
-              <a:t>2024-08-09</a:t>
+              <a:t>2024-08-20</a:t>
             </a:r>
             <a:endParaRPr lang="en-US" dirty="0"/>
           </a:p>
@@ -23039,7 +23047,7 @@
           <a:p>
             <a:r>
               <a:rPr lang="en-US"/>
-              <a:t>2024-08-09</a:t>
+              <a:t>2024-08-20</a:t>
             </a:r>
             <a:endParaRPr lang="en-US" dirty="0"/>
           </a:p>
@@ -24517,7 +24525,7 @@
           <a:p>
             <a:r>
               <a:rPr lang="en-US"/>
-              <a:t>2024-08-09</a:t>
+              <a:t>2024-08-20</a:t>
             </a:r>
             <a:endParaRPr lang="en-US" dirty="0"/>
           </a:p>
@@ -26738,7 +26746,7 @@
           <a:p>
             <a:r>
               <a:rPr lang="en-US"/>
-              <a:t>2024-08-09</a:t>
+              <a:t>2024-08-20</a:t>
             </a:r>
             <a:endParaRPr lang="en-US" dirty="0"/>
           </a:p>
@@ -28935,7 +28943,7 @@
           <a:p>
             <a:r>
               <a:rPr lang="en-US"/>
-              <a:t>2024-08-09</a:t>
+              <a:t>2024-08-20</a:t>
             </a:r>
             <a:endParaRPr lang="en-US" dirty="0"/>
           </a:p>
@@ -29367,7 +29375,7 @@
           <a:p>
             <a:r>
               <a:rPr lang="en-US"/>
-              <a:t>2024-08-09</a:t>
+              <a:t>2024-08-20</a:t>
             </a:r>
             <a:endParaRPr lang="en-US" dirty="0"/>
           </a:p>
@@ -29586,7 +29594,7 @@
           <a:p>
             <a:r>
               <a:rPr lang="en-US"/>
-              <a:t>2024-08-09</a:t>
+              <a:t>2024-08-20</a:t>
             </a:r>
             <a:endParaRPr lang="en-US" dirty="0"/>
           </a:p>
@@ -29811,7 +29819,7 @@
           <a:p>
             <a:r>
               <a:rPr lang="en-US"/>
-              <a:t>2024-08-09</a:t>
+              <a:t>2024-08-20</a:t>
             </a:r>
             <a:endParaRPr lang="en-US" dirty="0"/>
           </a:p>
@@ -30003,7 +30011,7 @@
           <a:p>
             <a:r>
               <a:rPr lang="en-US"/>
-              <a:t>2024-08-09</a:t>
+              <a:t>2024-08-20</a:t>
             </a:r>
             <a:endParaRPr lang="en-US" dirty="0"/>
           </a:p>
@@ -30194,7 +30202,7 @@
           <a:p>
             <a:r>
               <a:rPr lang="en-US"/>
-              <a:t>2024-08-09</a:t>
+              <a:t>2024-08-20</a:t>
             </a:r>
             <a:endParaRPr lang="en-US" dirty="0"/>
           </a:p>
@@ -30379,7 +30387,7 @@
           <a:p>
             <a:r>
               <a:rPr lang="en-US"/>
-              <a:t>2024-08-09</a:t>
+              <a:t>2024-08-20</a:t>
             </a:r>
             <a:endParaRPr lang="en-US" dirty="0"/>
           </a:p>
@@ -30551,7 +30559,7 @@
           <a:p>
             <a:r>
               <a:rPr lang="en-US"/>
-              <a:t>2024-08-09</a:t>
+              <a:t>2024-08-20</a:t>
             </a:r>
             <a:endParaRPr lang="en-US" dirty="0"/>
           </a:p>
@@ -30816,7 +30824,7 @@
           <a:p>
             <a:r>
               <a:rPr lang="en-US"/>
-              <a:t>2024-08-09</a:t>
+              <a:t>2024-08-20</a:t>
             </a:r>
             <a:endParaRPr lang="en-US" dirty="0"/>
           </a:p>
@@ -31007,7 +31015,7 @@
           <a:p>
             <a:r>
               <a:rPr lang="en-US"/>
-              <a:t>2024-08-09</a:t>
+              <a:t>2024-08-20</a:t>
             </a:r>
             <a:endParaRPr lang="en-US" dirty="0"/>
           </a:p>
@@ -31237,7 +31245,7 @@
           <a:p>
             <a:r>
               <a:rPr lang="en-US"/>
-              <a:t>2024-08-09</a:t>
+              <a:t>2024-08-20</a:t>
             </a:r>
             <a:endParaRPr lang="en-US" dirty="0"/>
           </a:p>
@@ -31559,7 +31567,7 @@
           <a:p>
             <a:r>
               <a:rPr lang="en-US"/>
-              <a:t>2024-08-09</a:t>
+              <a:t>2024-08-20</a:t>
             </a:r>
             <a:endParaRPr lang="en-US" dirty="0"/>
           </a:p>
@@ -32409,7 +32417,7 @@
           <a:p>
             <a:r>
               <a:rPr lang="en-US"/>
-              <a:t>2024-08-09</a:t>
+              <a:t>2024-08-20</a:t>
             </a:r>
             <a:endParaRPr lang="en-US" dirty="0"/>
           </a:p>
@@ -33025,7 +33033,7 @@
           <a:p>
             <a:r>
               <a:rPr lang="en-US"/>
-              <a:t>2024-08-09</a:t>
+              <a:t>2024-08-20</a:t>
             </a:r>
             <a:endParaRPr lang="en-US" dirty="0"/>
           </a:p>

--- a/TaskScheduler/TaskScheduler.pptx
+++ b/TaskScheduler/TaskScheduler.pptx
@@ -2474,7 +2474,15 @@
             </a:pPr>
             <a:r>
               <a:rPr lang="en-CA" dirty="0"/>
-              <a:t>Constructor is declared </a:t>
+              <a:t>(C++</a:t>
+            </a:r>
+            <a:r>
+              <a:rPr lang="en-CA"/>
+              <a:t>20 warning): Constructor </a:t>
+            </a:r>
+            <a:r>
+              <a:rPr lang="en-CA" dirty="0"/>
+              <a:t>is declared </a:t>
             </a:r>
             <a:r>
               <a:rPr lang="en-CA" dirty="0" err="1"/>
@@ -3961,7 +3969,7 @@
           <a:noFill/>
           <a:extLst>
             <a:ext uri="{909E8E84-426E-40dd-AFC4-6F175D3DCCD1}">
-              <a14:hiddenFill xmlns:a14="http://schemas.microsoft.com/office/drawing/2010/main" xmlns="">
+              <a14:hiddenFill xmlns="" xmlns:a14="http://schemas.microsoft.com/office/drawing/2010/main">
                 <a:solidFill>
                   <a:srgbClr val="FFFFFF"/>
                 </a:solidFill>
@@ -4027,7 +4035,7 @@
             </a:ln>
             <a:extLst>
               <a:ext uri="{91240B29-F687-4f45-9708-019B960494DF}">
-                <a14:hiddenLine xmlns:a14="http://schemas.microsoft.com/office/drawing/2010/main" xmlns="" w="9525">
+                <a14:hiddenLine xmlns="" xmlns:a14="http://schemas.microsoft.com/office/drawing/2010/main" w="9525">
                   <a:solidFill>
                     <a:srgbClr val="000000"/>
                   </a:solidFill>
@@ -4117,7 +4125,7 @@
             </a:ln>
             <a:extLst>
               <a:ext uri="{91240B29-F687-4f45-9708-019B960494DF}">
-                <a14:hiddenLine xmlns:a14="http://schemas.microsoft.com/office/drawing/2010/main" xmlns="" w="9525">
+                <a14:hiddenLine xmlns="" xmlns:a14="http://schemas.microsoft.com/office/drawing/2010/main" w="9525">
                   <a:solidFill>
                     <a:srgbClr val="000000"/>
                   </a:solidFill>
@@ -4207,7 +4215,7 @@
             </a:ln>
             <a:extLst>
               <a:ext uri="{91240B29-F687-4f45-9708-019B960494DF}">
-                <a14:hiddenLine xmlns:a14="http://schemas.microsoft.com/office/drawing/2010/main" xmlns="" w="9525">
+                <a14:hiddenLine xmlns="" xmlns:a14="http://schemas.microsoft.com/office/drawing/2010/main" w="9525">
                   <a:solidFill>
                     <a:srgbClr val="000000"/>
                   </a:solidFill>
@@ -4241,7 +4249,7 @@
             </a:ln>
             <a:extLst>
               <a:ext uri="{91240B29-F687-4f45-9708-019B960494DF}">
-                <a14:hiddenLine xmlns:a14="http://schemas.microsoft.com/office/drawing/2010/main" xmlns="" w="9525">
+                <a14:hiddenLine xmlns="" xmlns:a14="http://schemas.microsoft.com/office/drawing/2010/main" w="9525">
                   <a:solidFill>
                     <a:srgbClr val="000000"/>
                   </a:solidFill>
@@ -4331,7 +4339,7 @@
             </a:ln>
             <a:extLst>
               <a:ext uri="{91240B29-F687-4f45-9708-019B960494DF}">
-                <a14:hiddenLine xmlns:a14="http://schemas.microsoft.com/office/drawing/2010/main" xmlns="" w="9525">
+                <a14:hiddenLine xmlns="" xmlns:a14="http://schemas.microsoft.com/office/drawing/2010/main" w="9525">
                   <a:solidFill>
                     <a:srgbClr val="000000"/>
                   </a:solidFill>
@@ -4393,7 +4401,7 @@
             </a:ln>
             <a:extLst>
               <a:ext uri="{91240B29-F687-4f45-9708-019B960494DF}">
-                <a14:hiddenLine xmlns:a14="http://schemas.microsoft.com/office/drawing/2010/main" xmlns="" w="9525">
+                <a14:hiddenLine xmlns="" xmlns:a14="http://schemas.microsoft.com/office/drawing/2010/main" w="9525">
                   <a:solidFill>
                     <a:srgbClr val="000000"/>
                   </a:solidFill>
@@ -4455,7 +4463,7 @@
             </a:ln>
             <a:extLst>
               <a:ext uri="{91240B29-F687-4f45-9708-019B960494DF}">
-                <a14:hiddenLine xmlns:a14="http://schemas.microsoft.com/office/drawing/2010/main" xmlns="" w="9525">
+                <a14:hiddenLine xmlns="" xmlns:a14="http://schemas.microsoft.com/office/drawing/2010/main" w="9525">
                   <a:solidFill>
                     <a:srgbClr val="000000"/>
                   </a:solidFill>
@@ -4545,7 +4553,7 @@
             </a:ln>
             <a:extLst>
               <a:ext uri="{91240B29-F687-4f45-9708-019B960494DF}">
-                <a14:hiddenLine xmlns:a14="http://schemas.microsoft.com/office/drawing/2010/main" xmlns="" w="9525">
+                <a14:hiddenLine xmlns="" xmlns:a14="http://schemas.microsoft.com/office/drawing/2010/main" w="9525">
                   <a:solidFill>
                     <a:srgbClr val="000000"/>
                   </a:solidFill>
@@ -4607,7 +4615,7 @@
             </a:ln>
             <a:extLst>
               <a:ext uri="{91240B29-F687-4f45-9708-019B960494DF}">
-                <a14:hiddenLine xmlns:a14="http://schemas.microsoft.com/office/drawing/2010/main" xmlns="" w="9525">
+                <a14:hiddenLine xmlns="" xmlns:a14="http://schemas.microsoft.com/office/drawing/2010/main" w="9525">
                   <a:solidFill>
                     <a:srgbClr val="000000"/>
                   </a:solidFill>
@@ -4669,7 +4677,7 @@
             </a:ln>
             <a:extLst>
               <a:ext uri="{91240B29-F687-4f45-9708-019B960494DF}">
-                <a14:hiddenLine xmlns:a14="http://schemas.microsoft.com/office/drawing/2010/main" xmlns="" w="9525">
+                <a14:hiddenLine xmlns="" xmlns:a14="http://schemas.microsoft.com/office/drawing/2010/main" w="9525">
                   <a:solidFill>
                     <a:srgbClr val="000000"/>
                   </a:solidFill>
@@ -4759,7 +4767,7 @@
             </a:ln>
             <a:extLst>
               <a:ext uri="{91240B29-F687-4f45-9708-019B960494DF}">
-                <a14:hiddenLine xmlns:a14="http://schemas.microsoft.com/office/drawing/2010/main" xmlns="" w="9525">
+                <a14:hiddenLine xmlns="" xmlns:a14="http://schemas.microsoft.com/office/drawing/2010/main" w="9525">
                   <a:solidFill>
                     <a:srgbClr val="000000"/>
                   </a:solidFill>
@@ -4849,7 +4857,7 @@
             </a:ln>
             <a:extLst>
               <a:ext uri="{91240B29-F687-4f45-9708-019B960494DF}">
-                <a14:hiddenLine xmlns:a14="http://schemas.microsoft.com/office/drawing/2010/main" xmlns="" w="9525">
+                <a14:hiddenLine xmlns="" xmlns:a14="http://schemas.microsoft.com/office/drawing/2010/main" w="9525">
                   <a:solidFill>
                     <a:srgbClr val="000000"/>
                   </a:solidFill>
@@ -4911,7 +4919,7 @@
             </a:ln>
             <a:extLst>
               <a:ext uri="{91240B29-F687-4f45-9708-019B960494DF}">
-                <a14:hiddenLine xmlns:a14="http://schemas.microsoft.com/office/drawing/2010/main" xmlns="" w="9525">
+                <a14:hiddenLine xmlns="" xmlns:a14="http://schemas.microsoft.com/office/drawing/2010/main" w="9525">
                   <a:solidFill>
                     <a:srgbClr val="000000"/>
                   </a:solidFill>
@@ -5021,7 +5029,7 @@
             </a:ln>
             <a:extLst>
               <a:ext uri="{91240B29-F687-4f45-9708-019B960494DF}">
-                <a14:hiddenLine xmlns:a14="http://schemas.microsoft.com/office/drawing/2010/main" xmlns="" w="9525">
+                <a14:hiddenLine xmlns="" xmlns:a14="http://schemas.microsoft.com/office/drawing/2010/main" w="9525">
                   <a:solidFill>
                     <a:srgbClr val="000000"/>
                   </a:solidFill>
@@ -5083,7 +5091,7 @@
             </a:ln>
             <a:extLst>
               <a:ext uri="{91240B29-F687-4f45-9708-019B960494DF}">
-                <a14:hiddenLine xmlns:a14="http://schemas.microsoft.com/office/drawing/2010/main" xmlns="" w="9525">
+                <a14:hiddenLine xmlns="" xmlns:a14="http://schemas.microsoft.com/office/drawing/2010/main" w="9525">
                   <a:solidFill>
                     <a:srgbClr val="000000"/>
                   </a:solidFill>
@@ -5173,7 +5181,7 @@
             </a:ln>
             <a:extLst>
               <a:ext uri="{91240B29-F687-4f45-9708-019B960494DF}">
-                <a14:hiddenLine xmlns:a14="http://schemas.microsoft.com/office/drawing/2010/main" xmlns="" w="9525">
+                <a14:hiddenLine xmlns="" xmlns:a14="http://schemas.microsoft.com/office/drawing/2010/main" w="9525">
                   <a:solidFill>
                     <a:srgbClr val="000000"/>
                   </a:solidFill>
@@ -5263,7 +5271,7 @@
             </a:ln>
             <a:extLst>
               <a:ext uri="{91240B29-F687-4f45-9708-019B960494DF}">
-                <a14:hiddenLine xmlns:a14="http://schemas.microsoft.com/office/drawing/2010/main" xmlns="" w="9525">
+                <a14:hiddenLine xmlns="" xmlns:a14="http://schemas.microsoft.com/office/drawing/2010/main" w="9525">
                   <a:solidFill>
                     <a:srgbClr val="000000"/>
                   </a:solidFill>
@@ -5325,7 +5333,7 @@
             </a:ln>
             <a:extLst>
               <a:ext uri="{91240B29-F687-4f45-9708-019B960494DF}">
-                <a14:hiddenLine xmlns:a14="http://schemas.microsoft.com/office/drawing/2010/main" xmlns="" w="9525">
+                <a14:hiddenLine xmlns="" xmlns:a14="http://schemas.microsoft.com/office/drawing/2010/main" w="9525">
                   <a:solidFill>
                     <a:srgbClr val="000000"/>
                   </a:solidFill>
@@ -5415,7 +5423,7 @@
             </a:ln>
             <a:extLst>
               <a:ext uri="{91240B29-F687-4f45-9708-019B960494DF}">
-                <a14:hiddenLine xmlns:a14="http://schemas.microsoft.com/office/drawing/2010/main" xmlns="" w="9525">
+                <a14:hiddenLine xmlns="" xmlns:a14="http://schemas.microsoft.com/office/drawing/2010/main" w="9525">
                   <a:solidFill>
                     <a:srgbClr val="000000"/>
                   </a:solidFill>
@@ -5505,7 +5513,7 @@
             </a:ln>
             <a:extLst>
               <a:ext uri="{91240B29-F687-4f45-9708-019B960494DF}">
-                <a14:hiddenLine xmlns:a14="http://schemas.microsoft.com/office/drawing/2010/main" xmlns="" w="9525">
+                <a14:hiddenLine xmlns="" xmlns:a14="http://schemas.microsoft.com/office/drawing/2010/main" w="9525">
                   <a:solidFill>
                     <a:srgbClr val="000000"/>
                   </a:solidFill>
@@ -5561,7 +5569,7 @@
             </a:ln>
             <a:extLst>
               <a:ext uri="{91240B29-F687-4f45-9708-019B960494DF}">
-                <a14:hiddenLine xmlns:a14="http://schemas.microsoft.com/office/drawing/2010/main" xmlns="" w="9525">
+                <a14:hiddenLine xmlns="" xmlns:a14="http://schemas.microsoft.com/office/drawing/2010/main" w="9525">
                   <a:solidFill>
                     <a:srgbClr val="000000"/>
                   </a:solidFill>
@@ -5651,7 +5659,7 @@
             </a:ln>
             <a:extLst>
               <a:ext uri="{91240B29-F687-4f45-9708-019B960494DF}">
-                <a14:hiddenLine xmlns:a14="http://schemas.microsoft.com/office/drawing/2010/main" xmlns="" w="9525">
+                <a14:hiddenLine xmlns="" xmlns:a14="http://schemas.microsoft.com/office/drawing/2010/main" w="9525">
                   <a:solidFill>
                     <a:srgbClr val="000000"/>
                   </a:solidFill>
@@ -5707,7 +5715,7 @@
             </a:ln>
             <a:extLst>
               <a:ext uri="{91240B29-F687-4f45-9708-019B960494DF}">
-                <a14:hiddenLine xmlns:a14="http://schemas.microsoft.com/office/drawing/2010/main" xmlns="" w="9525">
+                <a14:hiddenLine xmlns="" xmlns:a14="http://schemas.microsoft.com/office/drawing/2010/main" w="9525">
                   <a:solidFill>
                     <a:srgbClr val="000000"/>
                   </a:solidFill>
@@ -5797,7 +5805,7 @@
             </a:ln>
             <a:extLst>
               <a:ext uri="{91240B29-F687-4f45-9708-019B960494DF}">
-                <a14:hiddenLine xmlns:a14="http://schemas.microsoft.com/office/drawing/2010/main" xmlns="" w="9525">
+                <a14:hiddenLine xmlns="" xmlns:a14="http://schemas.microsoft.com/office/drawing/2010/main" w="9525">
                   <a:solidFill>
                     <a:srgbClr val="000000"/>
                   </a:solidFill>
@@ -5865,7 +5873,7 @@
             </a:ln>
             <a:extLst>
               <a:ext uri="{91240B29-F687-4f45-9708-019B960494DF}">
-                <a14:hiddenLine xmlns:a14="http://schemas.microsoft.com/office/drawing/2010/main" xmlns="" w="9525">
+                <a14:hiddenLine xmlns="" xmlns:a14="http://schemas.microsoft.com/office/drawing/2010/main" w="9525">
                   <a:solidFill>
                     <a:srgbClr val="000000"/>
                   </a:solidFill>
@@ -5955,7 +5963,7 @@
             </a:ln>
             <a:extLst>
               <a:ext uri="{91240B29-F687-4f45-9708-019B960494DF}">
-                <a14:hiddenLine xmlns:a14="http://schemas.microsoft.com/office/drawing/2010/main" xmlns="" w="9525">
+                <a14:hiddenLine xmlns="" xmlns:a14="http://schemas.microsoft.com/office/drawing/2010/main" w="9525">
                   <a:solidFill>
                     <a:srgbClr val="000000"/>
                   </a:solidFill>
@@ -6023,7 +6031,7 @@
             </a:ln>
             <a:extLst>
               <a:ext uri="{91240B29-F687-4f45-9708-019B960494DF}">
-                <a14:hiddenLine xmlns:a14="http://schemas.microsoft.com/office/drawing/2010/main" xmlns="" w="9525">
+                <a14:hiddenLine xmlns="" xmlns:a14="http://schemas.microsoft.com/office/drawing/2010/main" w="9525">
                   <a:solidFill>
                     <a:srgbClr val="000000"/>
                   </a:solidFill>
@@ -6113,7 +6121,7 @@
             </a:ln>
             <a:extLst>
               <a:ext uri="{91240B29-F687-4f45-9708-019B960494DF}">
-                <a14:hiddenLine xmlns:a14="http://schemas.microsoft.com/office/drawing/2010/main" xmlns="" w="9525">
+                <a14:hiddenLine xmlns="" xmlns:a14="http://schemas.microsoft.com/office/drawing/2010/main" w="9525">
                   <a:solidFill>
                     <a:srgbClr val="000000"/>
                   </a:solidFill>
@@ -6147,7 +6155,7 @@
             </a:ln>
             <a:extLst>
               <a:ext uri="{91240B29-F687-4f45-9708-019B960494DF}">
-                <a14:hiddenLine xmlns:a14="http://schemas.microsoft.com/office/drawing/2010/main" xmlns="" w="9525">
+                <a14:hiddenLine xmlns="" xmlns:a14="http://schemas.microsoft.com/office/drawing/2010/main" w="9525">
                   <a:solidFill>
                     <a:srgbClr val="000000"/>
                   </a:solidFill>
@@ -6237,7 +6245,7 @@
             </a:ln>
             <a:extLst>
               <a:ext uri="{91240B29-F687-4f45-9708-019B960494DF}">
-                <a14:hiddenLine xmlns:a14="http://schemas.microsoft.com/office/drawing/2010/main" xmlns="" w="9525">
+                <a14:hiddenLine xmlns="" xmlns:a14="http://schemas.microsoft.com/office/drawing/2010/main" w="9525">
                   <a:solidFill>
                     <a:srgbClr val="000000"/>
                   </a:solidFill>
@@ -6299,7 +6307,7 @@
             </a:ln>
             <a:extLst>
               <a:ext uri="{91240B29-F687-4f45-9708-019B960494DF}">
-                <a14:hiddenLine xmlns:a14="http://schemas.microsoft.com/office/drawing/2010/main" xmlns="" w="9525">
+                <a14:hiddenLine xmlns="" xmlns:a14="http://schemas.microsoft.com/office/drawing/2010/main" w="9525">
                   <a:solidFill>
                     <a:srgbClr val="000000"/>
                   </a:solidFill>
@@ -6361,7 +6369,7 @@
             </a:ln>
             <a:extLst>
               <a:ext uri="{91240B29-F687-4f45-9708-019B960494DF}">
-                <a14:hiddenLine xmlns:a14="http://schemas.microsoft.com/office/drawing/2010/main" xmlns="" w="9525">
+                <a14:hiddenLine xmlns="" xmlns:a14="http://schemas.microsoft.com/office/drawing/2010/main" w="9525">
                   <a:solidFill>
                     <a:srgbClr val="000000"/>
                   </a:solidFill>
@@ -6451,7 +6459,7 @@
             </a:ln>
             <a:extLst>
               <a:ext uri="{91240B29-F687-4f45-9708-019B960494DF}">
-                <a14:hiddenLine xmlns:a14="http://schemas.microsoft.com/office/drawing/2010/main" xmlns="" w="9525">
+                <a14:hiddenLine xmlns="" xmlns:a14="http://schemas.microsoft.com/office/drawing/2010/main" w="9525">
                   <a:solidFill>
                     <a:srgbClr val="000000"/>
                   </a:solidFill>
@@ -6519,7 +6527,7 @@
             </a:ln>
             <a:extLst>
               <a:ext uri="{91240B29-F687-4f45-9708-019B960494DF}">
-                <a14:hiddenLine xmlns:a14="http://schemas.microsoft.com/office/drawing/2010/main" xmlns="" w="9525">
+                <a14:hiddenLine xmlns="" xmlns:a14="http://schemas.microsoft.com/office/drawing/2010/main" w="9525">
                   <a:solidFill>
                     <a:srgbClr val="000000"/>
                   </a:solidFill>
@@ -6581,7 +6589,7 @@
             </a:ln>
             <a:extLst>
               <a:ext uri="{91240B29-F687-4f45-9708-019B960494DF}">
-                <a14:hiddenLine xmlns:a14="http://schemas.microsoft.com/office/drawing/2010/main" xmlns="" w="9525">
+                <a14:hiddenLine xmlns="" xmlns:a14="http://schemas.microsoft.com/office/drawing/2010/main" w="9525">
                   <a:solidFill>
                     <a:srgbClr val="000000"/>
                   </a:solidFill>
@@ -6671,7 +6679,7 @@
             </a:ln>
             <a:extLst>
               <a:ext uri="{91240B29-F687-4f45-9708-019B960494DF}">
-                <a14:hiddenLine xmlns:a14="http://schemas.microsoft.com/office/drawing/2010/main" xmlns="" w="9525">
+                <a14:hiddenLine xmlns="" xmlns:a14="http://schemas.microsoft.com/office/drawing/2010/main" w="9525">
                   <a:solidFill>
                     <a:srgbClr val="000000"/>
                   </a:solidFill>
@@ -6733,7 +6741,7 @@
             </a:ln>
             <a:extLst>
               <a:ext uri="{91240B29-F687-4f45-9708-019B960494DF}">
-                <a14:hiddenLine xmlns:a14="http://schemas.microsoft.com/office/drawing/2010/main" xmlns="" w="9525">
+                <a14:hiddenLine xmlns="" xmlns:a14="http://schemas.microsoft.com/office/drawing/2010/main" w="9525">
                   <a:solidFill>
                     <a:srgbClr val="000000"/>
                   </a:solidFill>
@@ -6823,7 +6831,7 @@
             </a:ln>
             <a:extLst>
               <a:ext uri="{91240B29-F687-4f45-9708-019B960494DF}">
-                <a14:hiddenLine xmlns:a14="http://schemas.microsoft.com/office/drawing/2010/main" xmlns="" w="9525">
+                <a14:hiddenLine xmlns="" xmlns:a14="http://schemas.microsoft.com/office/drawing/2010/main" w="9525">
                   <a:solidFill>
                     <a:srgbClr val="000000"/>
                   </a:solidFill>
@@ -6885,7 +6893,7 @@
             </a:ln>
             <a:extLst>
               <a:ext uri="{91240B29-F687-4f45-9708-019B960494DF}">
-                <a14:hiddenLine xmlns:a14="http://schemas.microsoft.com/office/drawing/2010/main" xmlns="" w="9525">
+                <a14:hiddenLine xmlns="" xmlns:a14="http://schemas.microsoft.com/office/drawing/2010/main" w="9525">
                   <a:solidFill>
                     <a:srgbClr val="000000"/>
                   </a:solidFill>
@@ -6975,7 +6983,7 @@
             </a:ln>
             <a:extLst>
               <a:ext uri="{91240B29-F687-4f45-9708-019B960494DF}">
-                <a14:hiddenLine xmlns:a14="http://schemas.microsoft.com/office/drawing/2010/main" xmlns="" w="9525">
+                <a14:hiddenLine xmlns="" xmlns:a14="http://schemas.microsoft.com/office/drawing/2010/main" w="9525">
                   <a:solidFill>
                     <a:srgbClr val="000000"/>
                   </a:solidFill>
@@ -7009,7 +7017,7 @@
             </a:ln>
             <a:extLst>
               <a:ext uri="{91240B29-F687-4f45-9708-019B960494DF}">
-                <a14:hiddenLine xmlns:a14="http://schemas.microsoft.com/office/drawing/2010/main" xmlns="" w="9525">
+                <a14:hiddenLine xmlns="" xmlns:a14="http://schemas.microsoft.com/office/drawing/2010/main" w="9525">
                   <a:solidFill>
                     <a:srgbClr val="000000"/>
                   </a:solidFill>
@@ -7074,7 +7082,7 @@
             </a:ln>
             <a:extLst>
               <a:ext uri="{91240B29-F687-4f45-9708-019B960494DF}">
-                <a14:hiddenLine xmlns:a14="http://schemas.microsoft.com/office/drawing/2010/main" xmlns="" w="9525">
+                <a14:hiddenLine xmlns="" xmlns:a14="http://schemas.microsoft.com/office/drawing/2010/main" w="9525">
                   <a:solidFill>
                     <a:srgbClr val="000000"/>
                   </a:solidFill>
@@ -7164,7 +7172,7 @@
             </a:ln>
             <a:extLst>
               <a:ext uri="{91240B29-F687-4f45-9708-019B960494DF}">
-                <a14:hiddenLine xmlns:a14="http://schemas.microsoft.com/office/drawing/2010/main" xmlns="" w="9525">
+                <a14:hiddenLine xmlns="" xmlns:a14="http://schemas.microsoft.com/office/drawing/2010/main" w="9525">
                   <a:solidFill>
                     <a:srgbClr val="000000"/>
                   </a:solidFill>
@@ -7226,7 +7234,7 @@
             </a:ln>
             <a:extLst>
               <a:ext uri="{91240B29-F687-4f45-9708-019B960494DF}">
-                <a14:hiddenLine xmlns:a14="http://schemas.microsoft.com/office/drawing/2010/main" xmlns="" w="9525">
+                <a14:hiddenLine xmlns="" xmlns:a14="http://schemas.microsoft.com/office/drawing/2010/main" w="9525">
                   <a:solidFill>
                     <a:srgbClr val="000000"/>
                   </a:solidFill>
@@ -7316,7 +7324,7 @@
             </a:ln>
             <a:extLst>
               <a:ext uri="{91240B29-F687-4f45-9708-019B960494DF}">
-                <a14:hiddenLine xmlns:a14="http://schemas.microsoft.com/office/drawing/2010/main" xmlns="" w="9525">
+                <a14:hiddenLine xmlns="" xmlns:a14="http://schemas.microsoft.com/office/drawing/2010/main" w="9525">
                   <a:solidFill>
                     <a:srgbClr val="000000"/>
                   </a:solidFill>
@@ -7406,7 +7414,7 @@
             </a:ln>
             <a:extLst>
               <a:ext uri="{91240B29-F687-4f45-9708-019B960494DF}">
-                <a14:hiddenLine xmlns:a14="http://schemas.microsoft.com/office/drawing/2010/main" xmlns="" w="9525">
+                <a14:hiddenLine xmlns="" xmlns:a14="http://schemas.microsoft.com/office/drawing/2010/main" w="9525">
                   <a:solidFill>
                     <a:srgbClr val="000000"/>
                   </a:solidFill>
@@ -7471,7 +7479,7 @@
             </a:ln>
             <a:extLst>
               <a:ext uri="{91240B29-F687-4f45-9708-019B960494DF}">
-                <a14:hiddenLine xmlns:a14="http://schemas.microsoft.com/office/drawing/2010/main" xmlns="" w="9525">
+                <a14:hiddenLine xmlns="" xmlns:a14="http://schemas.microsoft.com/office/drawing/2010/main" w="9525">
                   <a:solidFill>
                     <a:srgbClr val="000000"/>
                   </a:solidFill>
@@ -7533,7 +7541,7 @@
             </a:ln>
             <a:extLst>
               <a:ext uri="{91240B29-F687-4f45-9708-019B960494DF}">
-                <a14:hiddenLine xmlns:a14="http://schemas.microsoft.com/office/drawing/2010/main" xmlns="" w="9525">
+                <a14:hiddenLine xmlns="" xmlns:a14="http://schemas.microsoft.com/office/drawing/2010/main" w="9525">
                   <a:solidFill>
                     <a:srgbClr val="000000"/>
                   </a:solidFill>
@@ -7623,7 +7631,7 @@
             </a:ln>
             <a:extLst>
               <a:ext uri="{91240B29-F687-4f45-9708-019B960494DF}">
-                <a14:hiddenLine xmlns:a14="http://schemas.microsoft.com/office/drawing/2010/main" xmlns="" w="9525">
+                <a14:hiddenLine xmlns="" xmlns:a14="http://schemas.microsoft.com/office/drawing/2010/main" w="9525">
                   <a:solidFill>
                     <a:srgbClr val="000000"/>
                   </a:solidFill>
@@ -7713,7 +7721,7 @@
             </a:ln>
             <a:extLst>
               <a:ext uri="{91240B29-F687-4f45-9708-019B960494DF}">
-                <a14:hiddenLine xmlns:a14="http://schemas.microsoft.com/office/drawing/2010/main" xmlns="" w="9525">
+                <a14:hiddenLine xmlns="" xmlns:a14="http://schemas.microsoft.com/office/drawing/2010/main" w="9525">
                   <a:solidFill>
                     <a:srgbClr val="000000"/>
                   </a:solidFill>
@@ -7775,7 +7783,7 @@
             </a:ln>
             <a:extLst>
               <a:ext uri="{91240B29-F687-4f45-9708-019B960494DF}">
-                <a14:hiddenLine xmlns:a14="http://schemas.microsoft.com/office/drawing/2010/main" xmlns="" w="9525">
+                <a14:hiddenLine xmlns="" xmlns:a14="http://schemas.microsoft.com/office/drawing/2010/main" w="9525">
                   <a:solidFill>
                     <a:srgbClr val="000000"/>
                   </a:solidFill>
@@ -7895,7 +7903,7 @@
             </a:ln>
             <a:extLst>
               <a:ext uri="{91240B29-F687-4f45-9708-019B960494DF}">
-                <a14:hiddenLine xmlns:a14="http://schemas.microsoft.com/office/drawing/2010/main" xmlns="" w="9525">
+                <a14:hiddenLine xmlns="" xmlns:a14="http://schemas.microsoft.com/office/drawing/2010/main" w="9525">
                   <a:solidFill>
                     <a:srgbClr val="000000"/>
                   </a:solidFill>
@@ -7963,7 +7971,7 @@
             </a:ln>
             <a:extLst>
               <a:ext uri="{91240B29-F687-4f45-9708-019B960494DF}">
-                <a14:hiddenLine xmlns:a14="http://schemas.microsoft.com/office/drawing/2010/main" xmlns="" w="9525">
+                <a14:hiddenLine xmlns="" xmlns:a14="http://schemas.microsoft.com/office/drawing/2010/main" w="9525">
                   <a:solidFill>
                     <a:srgbClr val="000000"/>
                   </a:solidFill>
@@ -8053,7 +8061,7 @@
             </a:ln>
             <a:extLst>
               <a:ext uri="{91240B29-F687-4f45-9708-019B960494DF}">
-                <a14:hiddenLine xmlns:a14="http://schemas.microsoft.com/office/drawing/2010/main" xmlns="" w="9525">
+                <a14:hiddenLine xmlns="" xmlns:a14="http://schemas.microsoft.com/office/drawing/2010/main" w="9525">
                   <a:solidFill>
                     <a:srgbClr val="000000"/>
                   </a:solidFill>
@@ -13980,7 +13988,7 @@
           <a:noFill/>
           <a:extLst>
             <a:ext uri="{909E8E84-426E-40dd-AFC4-6F175D3DCCD1}">
-              <a14:hiddenFill xmlns:a14="http://schemas.microsoft.com/office/drawing/2010/main" xmlns="">
+              <a14:hiddenFill xmlns="" xmlns:a14="http://schemas.microsoft.com/office/drawing/2010/main">
                 <a:solidFill>
                   <a:srgbClr val="FFFFFF"/>
                 </a:solidFill>
@@ -14060,7 +14068,7 @@
               </a:ln>
               <a:extLst>
                 <a:ext uri="{91240B29-F687-4f45-9708-019B960494DF}">
-                  <a14:hiddenLine xmlns:a14="http://schemas.microsoft.com/office/drawing/2010/main" xmlns="" w="9525">
+                  <a14:hiddenLine xmlns="" xmlns:a14="http://schemas.microsoft.com/office/drawing/2010/main" w="9525">
                     <a:solidFill>
                       <a:srgbClr val="000000"/>
                     </a:solidFill>
@@ -14150,7 +14158,7 @@
               </a:ln>
               <a:extLst>
                 <a:ext uri="{91240B29-F687-4f45-9708-019B960494DF}">
-                  <a14:hiddenLine xmlns:a14="http://schemas.microsoft.com/office/drawing/2010/main" xmlns="" w="9525">
+                  <a14:hiddenLine xmlns="" xmlns:a14="http://schemas.microsoft.com/office/drawing/2010/main" w="9525">
                     <a:solidFill>
                       <a:srgbClr val="000000"/>
                     </a:solidFill>
@@ -14240,7 +14248,7 @@
               </a:ln>
               <a:extLst>
                 <a:ext uri="{91240B29-F687-4f45-9708-019B960494DF}">
-                  <a14:hiddenLine xmlns:a14="http://schemas.microsoft.com/office/drawing/2010/main" xmlns="" w="9525">
+                  <a14:hiddenLine xmlns="" xmlns:a14="http://schemas.microsoft.com/office/drawing/2010/main" w="9525">
                     <a:solidFill>
                       <a:srgbClr val="000000"/>
                     </a:solidFill>
@@ -14302,7 +14310,7 @@
               </a:ln>
               <a:extLst>
                 <a:ext uri="{91240B29-F687-4f45-9708-019B960494DF}">
-                  <a14:hiddenLine xmlns:a14="http://schemas.microsoft.com/office/drawing/2010/main" xmlns="" w="9525">
+                  <a14:hiddenLine xmlns="" xmlns:a14="http://schemas.microsoft.com/office/drawing/2010/main" w="9525">
                     <a:solidFill>
                       <a:srgbClr val="000000"/>
                     </a:solidFill>
@@ -14392,7 +14400,7 @@
               </a:ln>
               <a:extLst>
                 <a:ext uri="{91240B29-F687-4f45-9708-019B960494DF}">
-                  <a14:hiddenLine xmlns:a14="http://schemas.microsoft.com/office/drawing/2010/main" xmlns="" w="9525">
+                  <a14:hiddenLine xmlns="" xmlns:a14="http://schemas.microsoft.com/office/drawing/2010/main" w="9525">
                     <a:solidFill>
                       <a:srgbClr val="000000"/>
                     </a:solidFill>
@@ -14454,7 +14462,7 @@
               </a:ln>
               <a:extLst>
                 <a:ext uri="{91240B29-F687-4f45-9708-019B960494DF}">
-                  <a14:hiddenLine xmlns:a14="http://schemas.microsoft.com/office/drawing/2010/main" xmlns="" w="9525">
+                  <a14:hiddenLine xmlns="" xmlns:a14="http://schemas.microsoft.com/office/drawing/2010/main" w="9525">
                     <a:solidFill>
                       <a:srgbClr val="000000"/>
                     </a:solidFill>
@@ -14516,7 +14524,7 @@
               </a:ln>
               <a:extLst>
                 <a:ext uri="{91240B29-F687-4f45-9708-019B960494DF}">
-                  <a14:hiddenLine xmlns:a14="http://schemas.microsoft.com/office/drawing/2010/main" xmlns="" w="9525">
+                  <a14:hiddenLine xmlns="" xmlns:a14="http://schemas.microsoft.com/office/drawing/2010/main" w="9525">
                     <a:solidFill>
                       <a:srgbClr val="000000"/>
                     </a:solidFill>
@@ -14606,7 +14614,7 @@
               </a:ln>
               <a:extLst>
                 <a:ext uri="{91240B29-F687-4f45-9708-019B960494DF}">
-                  <a14:hiddenLine xmlns:a14="http://schemas.microsoft.com/office/drawing/2010/main" xmlns="" w="9525">
+                  <a14:hiddenLine xmlns="" xmlns:a14="http://schemas.microsoft.com/office/drawing/2010/main" w="9525">
                     <a:solidFill>
                       <a:srgbClr val="000000"/>
                     </a:solidFill>
@@ -14696,7 +14704,7 @@
               </a:ln>
               <a:extLst>
                 <a:ext uri="{91240B29-F687-4f45-9708-019B960494DF}">
-                  <a14:hiddenLine xmlns:a14="http://schemas.microsoft.com/office/drawing/2010/main" xmlns="" w="9525">
+                  <a14:hiddenLine xmlns="" xmlns:a14="http://schemas.microsoft.com/office/drawing/2010/main" w="9525">
                     <a:solidFill>
                       <a:srgbClr val="000000"/>
                     </a:solidFill>
@@ -14758,7 +14766,7 @@
               </a:ln>
               <a:extLst>
                 <a:ext uri="{91240B29-F687-4f45-9708-019B960494DF}">
-                  <a14:hiddenLine xmlns:a14="http://schemas.microsoft.com/office/drawing/2010/main" xmlns="" w="9525">
+                  <a14:hiddenLine xmlns="" xmlns:a14="http://schemas.microsoft.com/office/drawing/2010/main" w="9525">
                     <a:solidFill>
                       <a:srgbClr val="000000"/>
                     </a:solidFill>
@@ -14868,7 +14876,7 @@
               </a:ln>
               <a:extLst>
                 <a:ext uri="{91240B29-F687-4f45-9708-019B960494DF}">
-                  <a14:hiddenLine xmlns:a14="http://schemas.microsoft.com/office/drawing/2010/main" xmlns="" w="9525">
+                  <a14:hiddenLine xmlns="" xmlns:a14="http://schemas.microsoft.com/office/drawing/2010/main" w="9525">
                     <a:solidFill>
                       <a:srgbClr val="000000"/>
                     </a:solidFill>
@@ -14952,7 +14960,7 @@
               </a:ln>
               <a:extLst>
                 <a:ext uri="{91240B29-F687-4f45-9708-019B960494DF}">
-                  <a14:hiddenLine xmlns:a14="http://schemas.microsoft.com/office/drawing/2010/main" xmlns="" w="9525">
+                  <a14:hiddenLine xmlns="" xmlns:a14="http://schemas.microsoft.com/office/drawing/2010/main" w="9525">
                     <a:solidFill>
                       <a:srgbClr val="000000"/>
                     </a:solidFill>
@@ -15014,7 +15022,7 @@
               </a:ln>
               <a:extLst>
                 <a:ext uri="{91240B29-F687-4f45-9708-019B960494DF}">
-                  <a14:hiddenLine xmlns:a14="http://schemas.microsoft.com/office/drawing/2010/main" xmlns="" w="9525">
+                  <a14:hiddenLine xmlns="" xmlns:a14="http://schemas.microsoft.com/office/drawing/2010/main" w="9525">
                     <a:solidFill>
                       <a:srgbClr val="000000"/>
                     </a:solidFill>
@@ -15076,7 +15084,7 @@
               </a:ln>
               <a:extLst>
                 <a:ext uri="{91240B29-F687-4f45-9708-019B960494DF}">
-                  <a14:hiddenLine xmlns:a14="http://schemas.microsoft.com/office/drawing/2010/main" xmlns="" w="9525">
+                  <a14:hiddenLine xmlns="" xmlns:a14="http://schemas.microsoft.com/office/drawing/2010/main" w="9525">
                     <a:solidFill>
                       <a:srgbClr val="000000"/>
                     </a:solidFill>
@@ -15166,7 +15174,7 @@
               </a:ln>
               <a:extLst>
                 <a:ext uri="{91240B29-F687-4f45-9708-019B960494DF}">
-                  <a14:hiddenLine xmlns:a14="http://schemas.microsoft.com/office/drawing/2010/main" xmlns="" w="9525">
+                  <a14:hiddenLine xmlns="" xmlns:a14="http://schemas.microsoft.com/office/drawing/2010/main" w="9525">
                     <a:solidFill>
                       <a:srgbClr val="000000"/>
                     </a:solidFill>
@@ -15200,7 +15208,7 @@
               </a:ln>
               <a:extLst>
                 <a:ext uri="{91240B29-F687-4f45-9708-019B960494DF}">
-                  <a14:hiddenLine xmlns:a14="http://schemas.microsoft.com/office/drawing/2010/main" xmlns="" w="9525">
+                  <a14:hiddenLine xmlns="" xmlns:a14="http://schemas.microsoft.com/office/drawing/2010/main" w="9525">
                     <a:solidFill>
                       <a:srgbClr val="000000"/>
                     </a:solidFill>
@@ -15265,7 +15273,7 @@
               </a:ln>
               <a:extLst>
                 <a:ext uri="{91240B29-F687-4f45-9708-019B960494DF}">
-                  <a14:hiddenLine xmlns:a14="http://schemas.microsoft.com/office/drawing/2010/main" xmlns="" w="9525">
+                  <a14:hiddenLine xmlns="" xmlns:a14="http://schemas.microsoft.com/office/drawing/2010/main" w="9525">
                     <a:solidFill>
                       <a:srgbClr val="000000"/>
                     </a:solidFill>
@@ -15355,7 +15363,7 @@
               </a:ln>
               <a:extLst>
                 <a:ext uri="{91240B29-F687-4f45-9708-019B960494DF}">
-                  <a14:hiddenLine xmlns:a14="http://schemas.microsoft.com/office/drawing/2010/main" xmlns="" w="9525">
+                  <a14:hiddenLine xmlns="" xmlns:a14="http://schemas.microsoft.com/office/drawing/2010/main" w="9525">
                     <a:solidFill>
                       <a:srgbClr val="000000"/>
                     </a:solidFill>
@@ -15417,7 +15425,7 @@
               </a:ln>
               <a:extLst>
                 <a:ext uri="{91240B29-F687-4f45-9708-019B960494DF}">
-                  <a14:hiddenLine xmlns:a14="http://schemas.microsoft.com/office/drawing/2010/main" xmlns="" w="9525">
+                  <a14:hiddenLine xmlns="" xmlns:a14="http://schemas.microsoft.com/office/drawing/2010/main" w="9525">
                     <a:solidFill>
                       <a:srgbClr val="000000"/>
                     </a:solidFill>
@@ -15507,7 +15515,7 @@
               </a:ln>
               <a:extLst>
                 <a:ext uri="{91240B29-F687-4f45-9708-019B960494DF}">
-                  <a14:hiddenLine xmlns:a14="http://schemas.microsoft.com/office/drawing/2010/main" xmlns="" w="9525">
+                  <a14:hiddenLine xmlns="" xmlns:a14="http://schemas.microsoft.com/office/drawing/2010/main" w="9525">
                     <a:solidFill>
                       <a:srgbClr val="000000"/>
                     </a:solidFill>
@@ -15572,7 +15580,7 @@
               </a:ln>
               <a:extLst>
                 <a:ext uri="{91240B29-F687-4f45-9708-019B960494DF}">
-                  <a14:hiddenLine xmlns:a14="http://schemas.microsoft.com/office/drawing/2010/main" xmlns="" w="9525">
+                  <a14:hiddenLine xmlns="" xmlns:a14="http://schemas.microsoft.com/office/drawing/2010/main" w="9525">
                     <a:solidFill>
                       <a:srgbClr val="000000"/>
                     </a:solidFill>
@@ -15634,7 +15642,7 @@
               </a:ln>
               <a:extLst>
                 <a:ext uri="{91240B29-F687-4f45-9708-019B960494DF}">
-                  <a14:hiddenLine xmlns:a14="http://schemas.microsoft.com/office/drawing/2010/main" xmlns="" w="9525">
+                  <a14:hiddenLine xmlns="" xmlns:a14="http://schemas.microsoft.com/office/drawing/2010/main" w="9525">
                     <a:solidFill>
                       <a:srgbClr val="000000"/>
                     </a:solidFill>
@@ -15724,7 +15732,7 @@
               </a:ln>
               <a:extLst>
                 <a:ext uri="{91240B29-F687-4f45-9708-019B960494DF}">
-                  <a14:hiddenLine xmlns:a14="http://schemas.microsoft.com/office/drawing/2010/main" xmlns="" w="9525">
+                  <a14:hiddenLine xmlns="" xmlns:a14="http://schemas.microsoft.com/office/drawing/2010/main" w="9525">
                     <a:solidFill>
                       <a:srgbClr val="000000"/>
                     </a:solidFill>
@@ -15814,7 +15822,7 @@
               </a:ln>
               <a:extLst>
                 <a:ext uri="{91240B29-F687-4f45-9708-019B960494DF}">
-                  <a14:hiddenLine xmlns:a14="http://schemas.microsoft.com/office/drawing/2010/main" xmlns="" w="9525">
+                  <a14:hiddenLine xmlns="" xmlns:a14="http://schemas.microsoft.com/office/drawing/2010/main" w="9525">
                     <a:solidFill>
                       <a:srgbClr val="000000"/>
                     </a:solidFill>
@@ -15879,7 +15887,7 @@
               </a:ln>
               <a:extLst>
                 <a:ext uri="{91240B29-F687-4f45-9708-019B960494DF}">
-                  <a14:hiddenLine xmlns:a14="http://schemas.microsoft.com/office/drawing/2010/main" xmlns="" w="9525">
+                  <a14:hiddenLine xmlns="" xmlns:a14="http://schemas.microsoft.com/office/drawing/2010/main" w="9525">
                     <a:solidFill>
                       <a:srgbClr val="000000"/>
                     </a:solidFill>
@@ -15999,7 +16007,7 @@
               </a:ln>
               <a:extLst>
                 <a:ext uri="{91240B29-F687-4f45-9708-019B960494DF}">
-                  <a14:hiddenLine xmlns:a14="http://schemas.microsoft.com/office/drawing/2010/main" xmlns="" w="9525">
+                  <a14:hiddenLine xmlns="" xmlns:a14="http://schemas.microsoft.com/office/drawing/2010/main" w="9525">
                     <a:solidFill>
                       <a:srgbClr val="000000"/>
                     </a:solidFill>
@@ -16097,7 +16105,7 @@
               </a:ln>
               <a:extLst>
                 <a:ext uri="{91240B29-F687-4f45-9708-019B960494DF}">
-                  <a14:hiddenLine xmlns:a14="http://schemas.microsoft.com/office/drawing/2010/main" xmlns="" w="9525">
+                  <a14:hiddenLine xmlns="" xmlns:a14="http://schemas.microsoft.com/office/drawing/2010/main" w="9525">
                     <a:solidFill>
                       <a:srgbClr val="000000"/>
                     </a:solidFill>
@@ -16212,7 +16220,7 @@
               </a:ln>
               <a:extLst>
                 <a:ext uri="{91240B29-F687-4f45-9708-019B960494DF}">
-                  <a14:hiddenLine xmlns:a14="http://schemas.microsoft.com/office/drawing/2010/main" xmlns="" w="9525">
+                  <a14:hiddenLine xmlns="" xmlns:a14="http://schemas.microsoft.com/office/drawing/2010/main" w="9525">
                     <a:solidFill>
                       <a:srgbClr val="000000"/>
                     </a:solidFill>
@@ -16302,7 +16310,7 @@
               </a:ln>
               <a:extLst>
                 <a:ext uri="{91240B29-F687-4f45-9708-019B960494DF}">
-                  <a14:hiddenLine xmlns:a14="http://schemas.microsoft.com/office/drawing/2010/main" xmlns="" w="9525">
+                  <a14:hiddenLine xmlns="" xmlns:a14="http://schemas.microsoft.com/office/drawing/2010/main" w="9525">
                     <a:solidFill>
                       <a:srgbClr val="000000"/>
                     </a:solidFill>
@@ -16367,7 +16375,7 @@
               </a:ln>
               <a:extLst>
                 <a:ext uri="{91240B29-F687-4f45-9708-019B960494DF}">
-                  <a14:hiddenLine xmlns:a14="http://schemas.microsoft.com/office/drawing/2010/main" xmlns="" w="9525">
+                  <a14:hiddenLine xmlns="" xmlns:a14="http://schemas.microsoft.com/office/drawing/2010/main" w="9525">
                     <a:solidFill>
                       <a:srgbClr val="000000"/>
                     </a:solidFill>
@@ -16457,7 +16465,7 @@
               </a:ln>
               <a:extLst>
                 <a:ext uri="{91240B29-F687-4f45-9708-019B960494DF}">
-                  <a14:hiddenLine xmlns:a14="http://schemas.microsoft.com/office/drawing/2010/main" xmlns="" w="9525">
+                  <a14:hiddenLine xmlns="" xmlns:a14="http://schemas.microsoft.com/office/drawing/2010/main" w="9525">
                     <a:solidFill>
                       <a:srgbClr val="000000"/>
                     </a:solidFill>
@@ -16525,7 +16533,7 @@
               </a:ln>
               <a:extLst>
                 <a:ext uri="{91240B29-F687-4f45-9708-019B960494DF}">
-                  <a14:hiddenLine xmlns:a14="http://schemas.microsoft.com/office/drawing/2010/main" xmlns="" w="9525">
+                  <a14:hiddenLine xmlns="" xmlns:a14="http://schemas.microsoft.com/office/drawing/2010/main" w="9525">
                     <a:solidFill>
                       <a:srgbClr val="000000"/>
                     </a:solidFill>
@@ -16615,7 +16623,7 @@
               </a:ln>
               <a:extLst>
                 <a:ext uri="{91240B29-F687-4f45-9708-019B960494DF}">
-                  <a14:hiddenLine xmlns:a14="http://schemas.microsoft.com/office/drawing/2010/main" xmlns="" w="9525">
+                  <a14:hiddenLine xmlns="" xmlns:a14="http://schemas.microsoft.com/office/drawing/2010/main" w="9525">
                     <a:solidFill>
                       <a:srgbClr val="000000"/>
                     </a:solidFill>
@@ -16683,7 +16691,7 @@
               </a:ln>
               <a:extLst>
                 <a:ext uri="{91240B29-F687-4f45-9708-019B960494DF}">
-                  <a14:hiddenLine xmlns:a14="http://schemas.microsoft.com/office/drawing/2010/main" xmlns="" w="9525">
+                  <a14:hiddenLine xmlns="" xmlns:a14="http://schemas.microsoft.com/office/drawing/2010/main" w="9525">
                     <a:solidFill>
                       <a:srgbClr val="000000"/>
                     </a:solidFill>
@@ -16773,7 +16781,7 @@
               </a:ln>
               <a:extLst>
                 <a:ext uri="{91240B29-F687-4f45-9708-019B960494DF}">
-                  <a14:hiddenLine xmlns:a14="http://schemas.microsoft.com/office/drawing/2010/main" xmlns="" w="9525">
+                  <a14:hiddenLine xmlns="" xmlns:a14="http://schemas.microsoft.com/office/drawing/2010/main" w="9525">
                     <a:solidFill>
                       <a:srgbClr val="000000"/>
                     </a:solidFill>
@@ -16807,7 +16815,7 @@
               </a:ln>
               <a:extLst>
                 <a:ext uri="{91240B29-F687-4f45-9708-019B960494DF}">
-                  <a14:hiddenLine xmlns:a14="http://schemas.microsoft.com/office/drawing/2010/main" xmlns="" w="9525">
+                  <a14:hiddenLine xmlns="" xmlns:a14="http://schemas.microsoft.com/office/drawing/2010/main" w="9525">
                     <a:solidFill>
                       <a:srgbClr val="000000"/>
                     </a:solidFill>

--- a/TaskScheduler/TaskScheduler.pptx
+++ b/TaskScheduler/TaskScheduler.pptx
@@ -1010,7 +1010,7 @@
           <a:p>
             <a:fld id="{857CC94D-E614-4874-A919-F25B27309A09}" type="datetimeFigureOut">
               <a:rPr lang="en-CA" smtClean="0"/>
-              <a:t>2024-08-20</a:t>
+              <a:t>2024-08-28</a:t>
             </a:fld>
             <a:endParaRPr lang="en-CA"/>
           </a:p>
@@ -2691,7 +2691,7 @@
           <a:bodyPr/>
           <a:lstStyle/>
           <a:p>
-            <a:pPr marL="0" marR="0" lvl="0" indent="0" algn="l" defTabSz="914400" rtl="0" eaLnBrk="1" fontAlgn="auto" latinLnBrk="0" hangingPunct="1">
+            <a:pPr marL="171450" marR="0" lvl="0" indent="-171450" algn="l" defTabSz="914400" rtl="0" eaLnBrk="1" fontAlgn="auto" latinLnBrk="0" hangingPunct="1">
               <a:lnSpc>
                 <a:spcPct val="100000"/>
               </a:lnSpc>
@@ -2703,8 +2703,8 @@
               </a:spcAft>
               <a:buClrTx/>
               <a:buSzTx/>
-              <a:buFontTx/>
-              <a:buNone/>
+              <a:buFont typeface="Arial" panose="020B0604020202020204" pitchFamily="34" charset="0"/>
+              <a:buChar char="•"/>
               <a:tabLst/>
               <a:defRPr/>
             </a:pPr>
@@ -2718,11 +2718,42 @@
             </a:r>
             <a:r>
               <a:rPr lang="en-CA" dirty="0"/>
-              <a:t> Systems for a </a:t>
-            </a:r>
-            <a:r>
-              <a:rPr lang="en-CA"/>
-              <a:t>long time</a:t>
+              <a:t> Systems for a long time</a:t>
+            </a:r>
+          </a:p>
+          <a:p>
+            <a:pPr marL="171450" marR="0" lvl="0" indent="-171450" algn="l" defTabSz="914400" rtl="0" eaLnBrk="1" fontAlgn="auto" latinLnBrk="0" hangingPunct="1">
+              <a:lnSpc>
+                <a:spcPct val="100000"/>
+              </a:lnSpc>
+              <a:spcBef>
+                <a:spcPts val="0"/>
+              </a:spcBef>
+              <a:spcAft>
+                <a:spcPts val="0"/>
+              </a:spcAft>
+              <a:buClrTx/>
+              <a:buSzTx/>
+              <a:buFont typeface="Arial" panose="020B0604020202020204" pitchFamily="34" charset="0"/>
+              <a:buChar char="•"/>
+              <a:tabLst/>
+              <a:defRPr/>
+            </a:pPr>
+            <a:r>
+              <a:rPr lang="en-CA" dirty="0"/>
+              <a:t>This is based on my hobby projects – I don’t have </a:t>
+            </a:r>
+            <a:r>
+              <a:rPr lang="en-CA" i="1" dirty="0"/>
+              <a:t>professional</a:t>
+            </a:r>
+            <a:r>
+              <a:rPr lang="en-CA" i="0" dirty="0"/>
+              <a:t> experience in embedded </a:t>
+            </a:r>
+            <a:r>
+              <a:rPr lang="en-CA" i="0"/>
+              <a:t>systems programming</a:t>
             </a:r>
             <a:endParaRPr lang="en-CA" dirty="0"/>
           </a:p>
@@ -3969,7 +4000,7 @@
           <a:noFill/>
           <a:extLst>
             <a:ext uri="{909E8E84-426E-40dd-AFC4-6F175D3DCCD1}">
-              <a14:hiddenFill xmlns="" xmlns:a14="http://schemas.microsoft.com/office/drawing/2010/main">
+              <a14:hiddenFill xmlns:a14="http://schemas.microsoft.com/office/drawing/2010/main" xmlns="">
                 <a:solidFill>
                   <a:srgbClr val="FFFFFF"/>
                 </a:solidFill>
@@ -4035,7 +4066,7 @@
             </a:ln>
             <a:extLst>
               <a:ext uri="{91240B29-F687-4f45-9708-019B960494DF}">
-                <a14:hiddenLine xmlns="" xmlns:a14="http://schemas.microsoft.com/office/drawing/2010/main" w="9525">
+                <a14:hiddenLine xmlns:a14="http://schemas.microsoft.com/office/drawing/2010/main" xmlns="" w="9525">
                   <a:solidFill>
                     <a:srgbClr val="000000"/>
                   </a:solidFill>
@@ -4125,7 +4156,7 @@
             </a:ln>
             <a:extLst>
               <a:ext uri="{91240B29-F687-4f45-9708-019B960494DF}">
-                <a14:hiddenLine xmlns="" xmlns:a14="http://schemas.microsoft.com/office/drawing/2010/main" w="9525">
+                <a14:hiddenLine xmlns:a14="http://schemas.microsoft.com/office/drawing/2010/main" xmlns="" w="9525">
                   <a:solidFill>
                     <a:srgbClr val="000000"/>
                   </a:solidFill>
@@ -4215,7 +4246,7 @@
             </a:ln>
             <a:extLst>
               <a:ext uri="{91240B29-F687-4f45-9708-019B960494DF}">
-                <a14:hiddenLine xmlns="" xmlns:a14="http://schemas.microsoft.com/office/drawing/2010/main" w="9525">
+                <a14:hiddenLine xmlns:a14="http://schemas.microsoft.com/office/drawing/2010/main" xmlns="" w="9525">
                   <a:solidFill>
                     <a:srgbClr val="000000"/>
                   </a:solidFill>
@@ -4249,7 +4280,7 @@
             </a:ln>
             <a:extLst>
               <a:ext uri="{91240B29-F687-4f45-9708-019B960494DF}">
-                <a14:hiddenLine xmlns="" xmlns:a14="http://schemas.microsoft.com/office/drawing/2010/main" w="9525">
+                <a14:hiddenLine xmlns:a14="http://schemas.microsoft.com/office/drawing/2010/main" xmlns="" w="9525">
                   <a:solidFill>
                     <a:srgbClr val="000000"/>
                   </a:solidFill>
@@ -4339,7 +4370,7 @@
             </a:ln>
             <a:extLst>
               <a:ext uri="{91240B29-F687-4f45-9708-019B960494DF}">
-                <a14:hiddenLine xmlns="" xmlns:a14="http://schemas.microsoft.com/office/drawing/2010/main" w="9525">
+                <a14:hiddenLine xmlns:a14="http://schemas.microsoft.com/office/drawing/2010/main" xmlns="" w="9525">
                   <a:solidFill>
                     <a:srgbClr val="000000"/>
                   </a:solidFill>
@@ -4401,7 +4432,7 @@
             </a:ln>
             <a:extLst>
               <a:ext uri="{91240B29-F687-4f45-9708-019B960494DF}">
-                <a14:hiddenLine xmlns="" xmlns:a14="http://schemas.microsoft.com/office/drawing/2010/main" w="9525">
+                <a14:hiddenLine xmlns:a14="http://schemas.microsoft.com/office/drawing/2010/main" xmlns="" w="9525">
                   <a:solidFill>
                     <a:srgbClr val="000000"/>
                   </a:solidFill>
@@ -4463,7 +4494,7 @@
             </a:ln>
             <a:extLst>
               <a:ext uri="{91240B29-F687-4f45-9708-019B960494DF}">
-                <a14:hiddenLine xmlns="" xmlns:a14="http://schemas.microsoft.com/office/drawing/2010/main" w="9525">
+                <a14:hiddenLine xmlns:a14="http://schemas.microsoft.com/office/drawing/2010/main" xmlns="" w="9525">
                   <a:solidFill>
                     <a:srgbClr val="000000"/>
                   </a:solidFill>
@@ -4553,7 +4584,7 @@
             </a:ln>
             <a:extLst>
               <a:ext uri="{91240B29-F687-4f45-9708-019B960494DF}">
-                <a14:hiddenLine xmlns="" xmlns:a14="http://schemas.microsoft.com/office/drawing/2010/main" w="9525">
+                <a14:hiddenLine xmlns:a14="http://schemas.microsoft.com/office/drawing/2010/main" xmlns="" w="9525">
                   <a:solidFill>
                     <a:srgbClr val="000000"/>
                   </a:solidFill>
@@ -4615,7 +4646,7 @@
             </a:ln>
             <a:extLst>
               <a:ext uri="{91240B29-F687-4f45-9708-019B960494DF}">
-                <a14:hiddenLine xmlns="" xmlns:a14="http://schemas.microsoft.com/office/drawing/2010/main" w="9525">
+                <a14:hiddenLine xmlns:a14="http://schemas.microsoft.com/office/drawing/2010/main" xmlns="" w="9525">
                   <a:solidFill>
                     <a:srgbClr val="000000"/>
                   </a:solidFill>
@@ -4677,7 +4708,7 @@
             </a:ln>
             <a:extLst>
               <a:ext uri="{91240B29-F687-4f45-9708-019B960494DF}">
-                <a14:hiddenLine xmlns="" xmlns:a14="http://schemas.microsoft.com/office/drawing/2010/main" w="9525">
+                <a14:hiddenLine xmlns:a14="http://schemas.microsoft.com/office/drawing/2010/main" xmlns="" w="9525">
                   <a:solidFill>
                     <a:srgbClr val="000000"/>
                   </a:solidFill>
@@ -4767,7 +4798,7 @@
             </a:ln>
             <a:extLst>
               <a:ext uri="{91240B29-F687-4f45-9708-019B960494DF}">
-                <a14:hiddenLine xmlns="" xmlns:a14="http://schemas.microsoft.com/office/drawing/2010/main" w="9525">
+                <a14:hiddenLine xmlns:a14="http://schemas.microsoft.com/office/drawing/2010/main" xmlns="" w="9525">
                   <a:solidFill>
                     <a:srgbClr val="000000"/>
                   </a:solidFill>
@@ -4857,7 +4888,7 @@
             </a:ln>
             <a:extLst>
               <a:ext uri="{91240B29-F687-4f45-9708-019B960494DF}">
-                <a14:hiddenLine xmlns="" xmlns:a14="http://schemas.microsoft.com/office/drawing/2010/main" w="9525">
+                <a14:hiddenLine xmlns:a14="http://schemas.microsoft.com/office/drawing/2010/main" xmlns="" w="9525">
                   <a:solidFill>
                     <a:srgbClr val="000000"/>
                   </a:solidFill>
@@ -4919,7 +4950,7 @@
             </a:ln>
             <a:extLst>
               <a:ext uri="{91240B29-F687-4f45-9708-019B960494DF}">
-                <a14:hiddenLine xmlns="" xmlns:a14="http://schemas.microsoft.com/office/drawing/2010/main" w="9525">
+                <a14:hiddenLine xmlns:a14="http://schemas.microsoft.com/office/drawing/2010/main" xmlns="" w="9525">
                   <a:solidFill>
                     <a:srgbClr val="000000"/>
                   </a:solidFill>
@@ -5029,7 +5060,7 @@
             </a:ln>
             <a:extLst>
               <a:ext uri="{91240B29-F687-4f45-9708-019B960494DF}">
-                <a14:hiddenLine xmlns="" xmlns:a14="http://schemas.microsoft.com/office/drawing/2010/main" w="9525">
+                <a14:hiddenLine xmlns:a14="http://schemas.microsoft.com/office/drawing/2010/main" xmlns="" w="9525">
                   <a:solidFill>
                     <a:srgbClr val="000000"/>
                   </a:solidFill>
@@ -5091,7 +5122,7 @@
             </a:ln>
             <a:extLst>
               <a:ext uri="{91240B29-F687-4f45-9708-019B960494DF}">
-                <a14:hiddenLine xmlns="" xmlns:a14="http://schemas.microsoft.com/office/drawing/2010/main" w="9525">
+                <a14:hiddenLine xmlns:a14="http://schemas.microsoft.com/office/drawing/2010/main" xmlns="" w="9525">
                   <a:solidFill>
                     <a:srgbClr val="000000"/>
                   </a:solidFill>
@@ -5181,7 +5212,7 @@
             </a:ln>
             <a:extLst>
               <a:ext uri="{91240B29-F687-4f45-9708-019B960494DF}">
-                <a14:hiddenLine xmlns="" xmlns:a14="http://schemas.microsoft.com/office/drawing/2010/main" w="9525">
+                <a14:hiddenLine xmlns:a14="http://schemas.microsoft.com/office/drawing/2010/main" xmlns="" w="9525">
                   <a:solidFill>
                     <a:srgbClr val="000000"/>
                   </a:solidFill>
@@ -5271,7 +5302,7 @@
             </a:ln>
             <a:extLst>
               <a:ext uri="{91240B29-F687-4f45-9708-019B960494DF}">
-                <a14:hiddenLine xmlns="" xmlns:a14="http://schemas.microsoft.com/office/drawing/2010/main" w="9525">
+                <a14:hiddenLine xmlns:a14="http://schemas.microsoft.com/office/drawing/2010/main" xmlns="" w="9525">
                   <a:solidFill>
                     <a:srgbClr val="000000"/>
                   </a:solidFill>
@@ -5333,7 +5364,7 @@
             </a:ln>
             <a:extLst>
               <a:ext uri="{91240B29-F687-4f45-9708-019B960494DF}">
-                <a14:hiddenLine xmlns="" xmlns:a14="http://schemas.microsoft.com/office/drawing/2010/main" w="9525">
+                <a14:hiddenLine xmlns:a14="http://schemas.microsoft.com/office/drawing/2010/main" xmlns="" w="9525">
                   <a:solidFill>
                     <a:srgbClr val="000000"/>
                   </a:solidFill>
@@ -5423,7 +5454,7 @@
             </a:ln>
             <a:extLst>
               <a:ext uri="{91240B29-F687-4f45-9708-019B960494DF}">
-                <a14:hiddenLine xmlns="" xmlns:a14="http://schemas.microsoft.com/office/drawing/2010/main" w="9525">
+                <a14:hiddenLine xmlns:a14="http://schemas.microsoft.com/office/drawing/2010/main" xmlns="" w="9525">
                   <a:solidFill>
                     <a:srgbClr val="000000"/>
                   </a:solidFill>
@@ -5513,7 +5544,7 @@
             </a:ln>
             <a:extLst>
               <a:ext uri="{91240B29-F687-4f45-9708-019B960494DF}">
-                <a14:hiddenLine xmlns="" xmlns:a14="http://schemas.microsoft.com/office/drawing/2010/main" w="9525">
+                <a14:hiddenLine xmlns:a14="http://schemas.microsoft.com/office/drawing/2010/main" xmlns="" w="9525">
                   <a:solidFill>
                     <a:srgbClr val="000000"/>
                   </a:solidFill>
@@ -5569,7 +5600,7 @@
             </a:ln>
             <a:extLst>
               <a:ext uri="{91240B29-F687-4f45-9708-019B960494DF}">
-                <a14:hiddenLine xmlns="" xmlns:a14="http://schemas.microsoft.com/office/drawing/2010/main" w="9525">
+                <a14:hiddenLine xmlns:a14="http://schemas.microsoft.com/office/drawing/2010/main" xmlns="" w="9525">
                   <a:solidFill>
                     <a:srgbClr val="000000"/>
                   </a:solidFill>
@@ -5659,7 +5690,7 @@
             </a:ln>
             <a:extLst>
               <a:ext uri="{91240B29-F687-4f45-9708-019B960494DF}">
-                <a14:hiddenLine xmlns="" xmlns:a14="http://schemas.microsoft.com/office/drawing/2010/main" w="9525">
+                <a14:hiddenLine xmlns:a14="http://schemas.microsoft.com/office/drawing/2010/main" xmlns="" w="9525">
                   <a:solidFill>
                     <a:srgbClr val="000000"/>
                   </a:solidFill>
@@ -5715,7 +5746,7 @@
             </a:ln>
             <a:extLst>
               <a:ext uri="{91240B29-F687-4f45-9708-019B960494DF}">
-                <a14:hiddenLine xmlns="" xmlns:a14="http://schemas.microsoft.com/office/drawing/2010/main" w="9525">
+                <a14:hiddenLine xmlns:a14="http://schemas.microsoft.com/office/drawing/2010/main" xmlns="" w="9525">
                   <a:solidFill>
                     <a:srgbClr val="000000"/>
                   </a:solidFill>
@@ -5805,7 +5836,7 @@
             </a:ln>
             <a:extLst>
               <a:ext uri="{91240B29-F687-4f45-9708-019B960494DF}">
-                <a14:hiddenLine xmlns="" xmlns:a14="http://schemas.microsoft.com/office/drawing/2010/main" w="9525">
+                <a14:hiddenLine xmlns:a14="http://schemas.microsoft.com/office/drawing/2010/main" xmlns="" w="9525">
                   <a:solidFill>
                     <a:srgbClr val="000000"/>
                   </a:solidFill>
@@ -5873,7 +5904,7 @@
             </a:ln>
             <a:extLst>
               <a:ext uri="{91240B29-F687-4f45-9708-019B960494DF}">
-                <a14:hiddenLine xmlns="" xmlns:a14="http://schemas.microsoft.com/office/drawing/2010/main" w="9525">
+                <a14:hiddenLine xmlns:a14="http://schemas.microsoft.com/office/drawing/2010/main" xmlns="" w="9525">
                   <a:solidFill>
                     <a:srgbClr val="000000"/>
                   </a:solidFill>
@@ -5963,7 +5994,7 @@
             </a:ln>
             <a:extLst>
               <a:ext uri="{91240B29-F687-4f45-9708-019B960494DF}">
-                <a14:hiddenLine xmlns="" xmlns:a14="http://schemas.microsoft.com/office/drawing/2010/main" w="9525">
+                <a14:hiddenLine xmlns:a14="http://schemas.microsoft.com/office/drawing/2010/main" xmlns="" w="9525">
                   <a:solidFill>
                     <a:srgbClr val="000000"/>
                   </a:solidFill>
@@ -6031,7 +6062,7 @@
             </a:ln>
             <a:extLst>
               <a:ext uri="{91240B29-F687-4f45-9708-019B960494DF}">
-                <a14:hiddenLine xmlns="" xmlns:a14="http://schemas.microsoft.com/office/drawing/2010/main" w="9525">
+                <a14:hiddenLine xmlns:a14="http://schemas.microsoft.com/office/drawing/2010/main" xmlns="" w="9525">
                   <a:solidFill>
                     <a:srgbClr val="000000"/>
                   </a:solidFill>
@@ -6121,7 +6152,7 @@
             </a:ln>
             <a:extLst>
               <a:ext uri="{91240B29-F687-4f45-9708-019B960494DF}">
-                <a14:hiddenLine xmlns="" xmlns:a14="http://schemas.microsoft.com/office/drawing/2010/main" w="9525">
+                <a14:hiddenLine xmlns:a14="http://schemas.microsoft.com/office/drawing/2010/main" xmlns="" w="9525">
                   <a:solidFill>
                     <a:srgbClr val="000000"/>
                   </a:solidFill>
@@ -6155,7 +6186,7 @@
             </a:ln>
             <a:extLst>
               <a:ext uri="{91240B29-F687-4f45-9708-019B960494DF}">
-                <a14:hiddenLine xmlns="" xmlns:a14="http://schemas.microsoft.com/office/drawing/2010/main" w="9525">
+                <a14:hiddenLine xmlns:a14="http://schemas.microsoft.com/office/drawing/2010/main" xmlns="" w="9525">
                   <a:solidFill>
                     <a:srgbClr val="000000"/>
                   </a:solidFill>
@@ -6245,7 +6276,7 @@
             </a:ln>
             <a:extLst>
               <a:ext uri="{91240B29-F687-4f45-9708-019B960494DF}">
-                <a14:hiddenLine xmlns="" xmlns:a14="http://schemas.microsoft.com/office/drawing/2010/main" w="9525">
+                <a14:hiddenLine xmlns:a14="http://schemas.microsoft.com/office/drawing/2010/main" xmlns="" w="9525">
                   <a:solidFill>
                     <a:srgbClr val="000000"/>
                   </a:solidFill>
@@ -6307,7 +6338,7 @@
             </a:ln>
             <a:extLst>
               <a:ext uri="{91240B29-F687-4f45-9708-019B960494DF}">
-                <a14:hiddenLine xmlns="" xmlns:a14="http://schemas.microsoft.com/office/drawing/2010/main" w="9525">
+                <a14:hiddenLine xmlns:a14="http://schemas.microsoft.com/office/drawing/2010/main" xmlns="" w="9525">
                   <a:solidFill>
                     <a:srgbClr val="000000"/>
                   </a:solidFill>
@@ -6369,7 +6400,7 @@
             </a:ln>
             <a:extLst>
               <a:ext uri="{91240B29-F687-4f45-9708-019B960494DF}">
-                <a14:hiddenLine xmlns="" xmlns:a14="http://schemas.microsoft.com/office/drawing/2010/main" w="9525">
+                <a14:hiddenLine xmlns:a14="http://schemas.microsoft.com/office/drawing/2010/main" xmlns="" w="9525">
                   <a:solidFill>
                     <a:srgbClr val="000000"/>
                   </a:solidFill>
@@ -6459,7 +6490,7 @@
             </a:ln>
             <a:extLst>
               <a:ext uri="{91240B29-F687-4f45-9708-019B960494DF}">
-                <a14:hiddenLine xmlns="" xmlns:a14="http://schemas.microsoft.com/office/drawing/2010/main" w="9525">
+                <a14:hiddenLine xmlns:a14="http://schemas.microsoft.com/office/drawing/2010/main" xmlns="" w="9525">
                   <a:solidFill>
                     <a:srgbClr val="000000"/>
                   </a:solidFill>
@@ -6527,7 +6558,7 @@
             </a:ln>
             <a:extLst>
               <a:ext uri="{91240B29-F687-4f45-9708-019B960494DF}">
-                <a14:hiddenLine xmlns="" xmlns:a14="http://schemas.microsoft.com/office/drawing/2010/main" w="9525">
+                <a14:hiddenLine xmlns:a14="http://schemas.microsoft.com/office/drawing/2010/main" xmlns="" w="9525">
                   <a:solidFill>
                     <a:srgbClr val="000000"/>
                   </a:solidFill>
@@ -6589,7 +6620,7 @@
             </a:ln>
             <a:extLst>
               <a:ext uri="{91240B29-F687-4f45-9708-019B960494DF}">
-                <a14:hiddenLine xmlns="" xmlns:a14="http://schemas.microsoft.com/office/drawing/2010/main" w="9525">
+                <a14:hiddenLine xmlns:a14="http://schemas.microsoft.com/office/drawing/2010/main" xmlns="" w="9525">
                   <a:solidFill>
                     <a:srgbClr val="000000"/>
                   </a:solidFill>
@@ -6679,7 +6710,7 @@
             </a:ln>
             <a:extLst>
               <a:ext uri="{91240B29-F687-4f45-9708-019B960494DF}">
-                <a14:hiddenLine xmlns="" xmlns:a14="http://schemas.microsoft.com/office/drawing/2010/main" w="9525">
+                <a14:hiddenLine xmlns:a14="http://schemas.microsoft.com/office/drawing/2010/main" xmlns="" w="9525">
                   <a:solidFill>
                     <a:srgbClr val="000000"/>
                   </a:solidFill>
@@ -6741,7 +6772,7 @@
             </a:ln>
             <a:extLst>
               <a:ext uri="{91240B29-F687-4f45-9708-019B960494DF}">
-                <a14:hiddenLine xmlns="" xmlns:a14="http://schemas.microsoft.com/office/drawing/2010/main" w="9525">
+                <a14:hiddenLine xmlns:a14="http://schemas.microsoft.com/office/drawing/2010/main" xmlns="" w="9525">
                   <a:solidFill>
                     <a:srgbClr val="000000"/>
                   </a:solidFill>
@@ -6831,7 +6862,7 @@
             </a:ln>
             <a:extLst>
               <a:ext uri="{91240B29-F687-4f45-9708-019B960494DF}">
-                <a14:hiddenLine xmlns="" xmlns:a14="http://schemas.microsoft.com/office/drawing/2010/main" w="9525">
+                <a14:hiddenLine xmlns:a14="http://schemas.microsoft.com/office/drawing/2010/main" xmlns="" w="9525">
                   <a:solidFill>
                     <a:srgbClr val="000000"/>
                   </a:solidFill>
@@ -6893,7 +6924,7 @@
             </a:ln>
             <a:extLst>
               <a:ext uri="{91240B29-F687-4f45-9708-019B960494DF}">
-                <a14:hiddenLine xmlns="" xmlns:a14="http://schemas.microsoft.com/office/drawing/2010/main" w="9525">
+                <a14:hiddenLine xmlns:a14="http://schemas.microsoft.com/office/drawing/2010/main" xmlns="" w="9525">
                   <a:solidFill>
                     <a:srgbClr val="000000"/>
                   </a:solidFill>
@@ -6983,7 +7014,7 @@
             </a:ln>
             <a:extLst>
               <a:ext uri="{91240B29-F687-4f45-9708-019B960494DF}">
-                <a14:hiddenLine xmlns="" xmlns:a14="http://schemas.microsoft.com/office/drawing/2010/main" w="9525">
+                <a14:hiddenLine xmlns:a14="http://schemas.microsoft.com/office/drawing/2010/main" xmlns="" w="9525">
                   <a:solidFill>
                     <a:srgbClr val="000000"/>
                   </a:solidFill>
@@ -7017,7 +7048,7 @@
             </a:ln>
             <a:extLst>
               <a:ext uri="{91240B29-F687-4f45-9708-019B960494DF}">
-                <a14:hiddenLine xmlns="" xmlns:a14="http://schemas.microsoft.com/office/drawing/2010/main" w="9525">
+                <a14:hiddenLine xmlns:a14="http://schemas.microsoft.com/office/drawing/2010/main" xmlns="" w="9525">
                   <a:solidFill>
                     <a:srgbClr val="000000"/>
                   </a:solidFill>
@@ -7082,7 +7113,7 @@
             </a:ln>
             <a:extLst>
               <a:ext uri="{91240B29-F687-4f45-9708-019B960494DF}">
-                <a14:hiddenLine xmlns="" xmlns:a14="http://schemas.microsoft.com/office/drawing/2010/main" w="9525">
+                <a14:hiddenLine xmlns:a14="http://schemas.microsoft.com/office/drawing/2010/main" xmlns="" w="9525">
                   <a:solidFill>
                     <a:srgbClr val="000000"/>
                   </a:solidFill>
@@ -7172,7 +7203,7 @@
             </a:ln>
             <a:extLst>
               <a:ext uri="{91240B29-F687-4f45-9708-019B960494DF}">
-                <a14:hiddenLine xmlns="" xmlns:a14="http://schemas.microsoft.com/office/drawing/2010/main" w="9525">
+                <a14:hiddenLine xmlns:a14="http://schemas.microsoft.com/office/drawing/2010/main" xmlns="" w="9525">
                   <a:solidFill>
                     <a:srgbClr val="000000"/>
                   </a:solidFill>
@@ -7234,7 +7265,7 @@
             </a:ln>
             <a:extLst>
               <a:ext uri="{91240B29-F687-4f45-9708-019B960494DF}">
-                <a14:hiddenLine xmlns="" xmlns:a14="http://schemas.microsoft.com/office/drawing/2010/main" w="9525">
+                <a14:hiddenLine xmlns:a14="http://schemas.microsoft.com/office/drawing/2010/main" xmlns="" w="9525">
                   <a:solidFill>
                     <a:srgbClr val="000000"/>
                   </a:solidFill>
@@ -7324,7 +7355,7 @@
             </a:ln>
             <a:extLst>
               <a:ext uri="{91240B29-F687-4f45-9708-019B960494DF}">
-                <a14:hiddenLine xmlns="" xmlns:a14="http://schemas.microsoft.com/office/drawing/2010/main" w="9525">
+                <a14:hiddenLine xmlns:a14="http://schemas.microsoft.com/office/drawing/2010/main" xmlns="" w="9525">
                   <a:solidFill>
                     <a:srgbClr val="000000"/>
                   </a:solidFill>
@@ -7414,7 +7445,7 @@
             </a:ln>
             <a:extLst>
               <a:ext uri="{91240B29-F687-4f45-9708-019B960494DF}">
-                <a14:hiddenLine xmlns="" xmlns:a14="http://schemas.microsoft.com/office/drawing/2010/main" w="9525">
+                <a14:hiddenLine xmlns:a14="http://schemas.microsoft.com/office/drawing/2010/main" xmlns="" w="9525">
                   <a:solidFill>
                     <a:srgbClr val="000000"/>
                   </a:solidFill>
@@ -7479,7 +7510,7 @@
             </a:ln>
             <a:extLst>
               <a:ext uri="{91240B29-F687-4f45-9708-019B960494DF}">
-                <a14:hiddenLine xmlns="" xmlns:a14="http://schemas.microsoft.com/office/drawing/2010/main" w="9525">
+                <a14:hiddenLine xmlns:a14="http://schemas.microsoft.com/office/drawing/2010/main" xmlns="" w="9525">
                   <a:solidFill>
                     <a:srgbClr val="000000"/>
                   </a:solidFill>
@@ -7541,7 +7572,7 @@
             </a:ln>
             <a:extLst>
               <a:ext uri="{91240B29-F687-4f45-9708-019B960494DF}">
-                <a14:hiddenLine xmlns="" xmlns:a14="http://schemas.microsoft.com/office/drawing/2010/main" w="9525">
+                <a14:hiddenLine xmlns:a14="http://schemas.microsoft.com/office/drawing/2010/main" xmlns="" w="9525">
                   <a:solidFill>
                     <a:srgbClr val="000000"/>
                   </a:solidFill>
@@ -7631,7 +7662,7 @@
             </a:ln>
             <a:extLst>
               <a:ext uri="{91240B29-F687-4f45-9708-019B960494DF}">
-                <a14:hiddenLine xmlns="" xmlns:a14="http://schemas.microsoft.com/office/drawing/2010/main" w="9525">
+                <a14:hiddenLine xmlns:a14="http://schemas.microsoft.com/office/drawing/2010/main" xmlns="" w="9525">
                   <a:solidFill>
                     <a:srgbClr val="000000"/>
                   </a:solidFill>
@@ -7721,7 +7752,7 @@
             </a:ln>
             <a:extLst>
               <a:ext uri="{91240B29-F687-4f45-9708-019B960494DF}">
-                <a14:hiddenLine xmlns="" xmlns:a14="http://schemas.microsoft.com/office/drawing/2010/main" w="9525">
+                <a14:hiddenLine xmlns:a14="http://schemas.microsoft.com/office/drawing/2010/main" xmlns="" w="9525">
                   <a:solidFill>
                     <a:srgbClr val="000000"/>
                   </a:solidFill>
@@ -7783,7 +7814,7 @@
             </a:ln>
             <a:extLst>
               <a:ext uri="{91240B29-F687-4f45-9708-019B960494DF}">
-                <a14:hiddenLine xmlns="" xmlns:a14="http://schemas.microsoft.com/office/drawing/2010/main" w="9525">
+                <a14:hiddenLine xmlns:a14="http://schemas.microsoft.com/office/drawing/2010/main" xmlns="" w="9525">
                   <a:solidFill>
                     <a:srgbClr val="000000"/>
                   </a:solidFill>
@@ -7903,7 +7934,7 @@
             </a:ln>
             <a:extLst>
               <a:ext uri="{91240B29-F687-4f45-9708-019B960494DF}">
-                <a14:hiddenLine xmlns="" xmlns:a14="http://schemas.microsoft.com/office/drawing/2010/main" w="9525">
+                <a14:hiddenLine xmlns:a14="http://schemas.microsoft.com/office/drawing/2010/main" xmlns="" w="9525">
                   <a:solidFill>
                     <a:srgbClr val="000000"/>
                   </a:solidFill>
@@ -7971,7 +8002,7 @@
             </a:ln>
             <a:extLst>
               <a:ext uri="{91240B29-F687-4f45-9708-019B960494DF}">
-                <a14:hiddenLine xmlns="" xmlns:a14="http://schemas.microsoft.com/office/drawing/2010/main" w="9525">
+                <a14:hiddenLine xmlns:a14="http://schemas.microsoft.com/office/drawing/2010/main" xmlns="" w="9525">
                   <a:solidFill>
                     <a:srgbClr val="000000"/>
                   </a:solidFill>
@@ -8061,7 +8092,7 @@
             </a:ln>
             <a:extLst>
               <a:ext uri="{91240B29-F687-4f45-9708-019B960494DF}">
-                <a14:hiddenLine xmlns="" xmlns:a14="http://schemas.microsoft.com/office/drawing/2010/main" w="9525">
+                <a14:hiddenLine xmlns:a14="http://schemas.microsoft.com/office/drawing/2010/main" xmlns="" w="9525">
                   <a:solidFill>
                     <a:srgbClr val="000000"/>
                   </a:solidFill>
@@ -13988,7 +14019,7 @@
           <a:noFill/>
           <a:extLst>
             <a:ext uri="{909E8E84-426E-40dd-AFC4-6F175D3DCCD1}">
-              <a14:hiddenFill xmlns="" xmlns:a14="http://schemas.microsoft.com/office/drawing/2010/main">
+              <a14:hiddenFill xmlns:a14="http://schemas.microsoft.com/office/drawing/2010/main" xmlns="">
                 <a:solidFill>
                   <a:srgbClr val="FFFFFF"/>
                 </a:solidFill>
@@ -14068,7 +14099,7 @@
               </a:ln>
               <a:extLst>
                 <a:ext uri="{91240B29-F687-4f45-9708-019B960494DF}">
-                  <a14:hiddenLine xmlns="" xmlns:a14="http://schemas.microsoft.com/office/drawing/2010/main" w="9525">
+                  <a14:hiddenLine xmlns:a14="http://schemas.microsoft.com/office/drawing/2010/main" xmlns="" w="9525">
                     <a:solidFill>
                       <a:srgbClr val="000000"/>
                     </a:solidFill>
@@ -14158,7 +14189,7 @@
               </a:ln>
               <a:extLst>
                 <a:ext uri="{91240B29-F687-4f45-9708-019B960494DF}">
-                  <a14:hiddenLine xmlns="" xmlns:a14="http://schemas.microsoft.com/office/drawing/2010/main" w="9525">
+                  <a14:hiddenLine xmlns:a14="http://schemas.microsoft.com/office/drawing/2010/main" xmlns="" w="9525">
                     <a:solidFill>
                       <a:srgbClr val="000000"/>
                     </a:solidFill>
@@ -14248,7 +14279,7 @@
               </a:ln>
               <a:extLst>
                 <a:ext uri="{91240B29-F687-4f45-9708-019B960494DF}">
-                  <a14:hiddenLine xmlns="" xmlns:a14="http://schemas.microsoft.com/office/drawing/2010/main" w="9525">
+                  <a14:hiddenLine xmlns:a14="http://schemas.microsoft.com/office/drawing/2010/main" xmlns="" w="9525">
                     <a:solidFill>
                       <a:srgbClr val="000000"/>
                     </a:solidFill>
@@ -14310,7 +14341,7 @@
               </a:ln>
               <a:extLst>
                 <a:ext uri="{91240B29-F687-4f45-9708-019B960494DF}">
-                  <a14:hiddenLine xmlns="" xmlns:a14="http://schemas.microsoft.com/office/drawing/2010/main" w="9525">
+                  <a14:hiddenLine xmlns:a14="http://schemas.microsoft.com/office/drawing/2010/main" xmlns="" w="9525">
                     <a:solidFill>
                       <a:srgbClr val="000000"/>
                     </a:solidFill>
@@ -14400,7 +14431,7 @@
               </a:ln>
               <a:extLst>
                 <a:ext uri="{91240B29-F687-4f45-9708-019B960494DF}">
-                  <a14:hiddenLine xmlns="" xmlns:a14="http://schemas.microsoft.com/office/drawing/2010/main" w="9525">
+                  <a14:hiddenLine xmlns:a14="http://schemas.microsoft.com/office/drawing/2010/main" xmlns="" w="9525">
                     <a:solidFill>
                       <a:srgbClr val="000000"/>
                     </a:solidFill>
@@ -14462,7 +14493,7 @@
               </a:ln>
               <a:extLst>
                 <a:ext uri="{91240B29-F687-4f45-9708-019B960494DF}">
-                  <a14:hiddenLine xmlns="" xmlns:a14="http://schemas.microsoft.com/office/drawing/2010/main" w="9525">
+                  <a14:hiddenLine xmlns:a14="http://schemas.microsoft.com/office/drawing/2010/main" xmlns="" w="9525">
                     <a:solidFill>
                       <a:srgbClr val="000000"/>
                     </a:solidFill>
@@ -14524,7 +14555,7 @@
               </a:ln>
               <a:extLst>
                 <a:ext uri="{91240B29-F687-4f45-9708-019B960494DF}">
-                  <a14:hiddenLine xmlns="" xmlns:a14="http://schemas.microsoft.com/office/drawing/2010/main" w="9525">
+                  <a14:hiddenLine xmlns:a14="http://schemas.microsoft.com/office/drawing/2010/main" xmlns="" w="9525">
                     <a:solidFill>
                       <a:srgbClr val="000000"/>
                     </a:solidFill>
@@ -14614,7 +14645,7 @@
               </a:ln>
               <a:extLst>
                 <a:ext uri="{91240B29-F687-4f45-9708-019B960494DF}">
-                  <a14:hiddenLine xmlns="" xmlns:a14="http://schemas.microsoft.com/office/drawing/2010/main" w="9525">
+                  <a14:hiddenLine xmlns:a14="http://schemas.microsoft.com/office/drawing/2010/main" xmlns="" w="9525">
                     <a:solidFill>
                       <a:srgbClr val="000000"/>
                     </a:solidFill>
@@ -14704,7 +14735,7 @@
               </a:ln>
               <a:extLst>
                 <a:ext uri="{91240B29-F687-4f45-9708-019B960494DF}">
-                  <a14:hiddenLine xmlns="" xmlns:a14="http://schemas.microsoft.com/office/drawing/2010/main" w="9525">
+                  <a14:hiddenLine xmlns:a14="http://schemas.microsoft.com/office/drawing/2010/main" xmlns="" w="9525">
                     <a:solidFill>
                       <a:srgbClr val="000000"/>
                     </a:solidFill>
@@ -14766,7 +14797,7 @@
               </a:ln>
               <a:extLst>
                 <a:ext uri="{91240B29-F687-4f45-9708-019B960494DF}">
-                  <a14:hiddenLine xmlns="" xmlns:a14="http://schemas.microsoft.com/office/drawing/2010/main" w="9525">
+                  <a14:hiddenLine xmlns:a14="http://schemas.microsoft.com/office/drawing/2010/main" xmlns="" w="9525">
                     <a:solidFill>
                       <a:srgbClr val="000000"/>
                     </a:solidFill>
@@ -14876,7 +14907,7 @@
               </a:ln>
               <a:extLst>
                 <a:ext uri="{91240B29-F687-4f45-9708-019B960494DF}">
-                  <a14:hiddenLine xmlns="" xmlns:a14="http://schemas.microsoft.com/office/drawing/2010/main" w="9525">
+                  <a14:hiddenLine xmlns:a14="http://schemas.microsoft.com/office/drawing/2010/main" xmlns="" w="9525">
                     <a:solidFill>
                       <a:srgbClr val="000000"/>
                     </a:solidFill>
@@ -14960,7 +14991,7 @@
               </a:ln>
               <a:extLst>
                 <a:ext uri="{91240B29-F687-4f45-9708-019B960494DF}">
-                  <a14:hiddenLine xmlns="" xmlns:a14="http://schemas.microsoft.com/office/drawing/2010/main" w="9525">
+                  <a14:hiddenLine xmlns:a14="http://schemas.microsoft.com/office/drawing/2010/main" xmlns="" w="9525">
                     <a:solidFill>
                       <a:srgbClr val="000000"/>
                     </a:solidFill>
@@ -15022,7 +15053,7 @@
               </a:ln>
               <a:extLst>
                 <a:ext uri="{91240B29-F687-4f45-9708-019B960494DF}">
-                  <a14:hiddenLine xmlns="" xmlns:a14="http://schemas.microsoft.com/office/drawing/2010/main" w="9525">
+                  <a14:hiddenLine xmlns:a14="http://schemas.microsoft.com/office/drawing/2010/main" xmlns="" w="9525">
                     <a:solidFill>
                       <a:srgbClr val="000000"/>
                     </a:solidFill>
@@ -15084,7 +15115,7 @@
               </a:ln>
               <a:extLst>
                 <a:ext uri="{91240B29-F687-4f45-9708-019B960494DF}">
-                  <a14:hiddenLine xmlns="" xmlns:a14="http://schemas.microsoft.com/office/drawing/2010/main" w="9525">
+                  <a14:hiddenLine xmlns:a14="http://schemas.microsoft.com/office/drawing/2010/main" xmlns="" w="9525">
                     <a:solidFill>
                       <a:srgbClr val="000000"/>
                     </a:solidFill>
@@ -15174,7 +15205,7 @@
               </a:ln>
               <a:extLst>
                 <a:ext uri="{91240B29-F687-4f45-9708-019B960494DF}">
-                  <a14:hiddenLine xmlns="" xmlns:a14="http://schemas.microsoft.com/office/drawing/2010/main" w="9525">
+                  <a14:hiddenLine xmlns:a14="http://schemas.microsoft.com/office/drawing/2010/main" xmlns="" w="9525">
                     <a:solidFill>
                       <a:srgbClr val="000000"/>
                     </a:solidFill>
@@ -15208,7 +15239,7 @@
               </a:ln>
               <a:extLst>
                 <a:ext uri="{91240B29-F687-4f45-9708-019B960494DF}">
-                  <a14:hiddenLine xmlns="" xmlns:a14="http://schemas.microsoft.com/office/drawing/2010/main" w="9525">
+                  <a14:hiddenLine xmlns:a14="http://schemas.microsoft.com/office/drawing/2010/main" xmlns="" w="9525">
                     <a:solidFill>
                       <a:srgbClr val="000000"/>
                     </a:solidFill>
@@ -15273,7 +15304,7 @@
               </a:ln>
               <a:extLst>
                 <a:ext uri="{91240B29-F687-4f45-9708-019B960494DF}">
-                  <a14:hiddenLine xmlns="" xmlns:a14="http://schemas.microsoft.com/office/drawing/2010/main" w="9525">
+                  <a14:hiddenLine xmlns:a14="http://schemas.microsoft.com/office/drawing/2010/main" xmlns="" w="9525">
                     <a:solidFill>
                       <a:srgbClr val="000000"/>
                     </a:solidFill>
@@ -15363,7 +15394,7 @@
               </a:ln>
               <a:extLst>
                 <a:ext uri="{91240B29-F687-4f45-9708-019B960494DF}">
-                  <a14:hiddenLine xmlns="" xmlns:a14="http://schemas.microsoft.com/office/drawing/2010/main" w="9525">
+                  <a14:hiddenLine xmlns:a14="http://schemas.microsoft.com/office/drawing/2010/main" xmlns="" w="9525">
                     <a:solidFill>
                       <a:srgbClr val="000000"/>
                     </a:solidFill>
@@ -15425,7 +15456,7 @@
               </a:ln>
               <a:extLst>
                 <a:ext uri="{91240B29-F687-4f45-9708-019B960494DF}">
-                  <a14:hiddenLine xmlns="" xmlns:a14="http://schemas.microsoft.com/office/drawing/2010/main" w="9525">
+                  <a14:hiddenLine xmlns:a14="http://schemas.microsoft.com/office/drawing/2010/main" xmlns="" w="9525">
                     <a:solidFill>
                       <a:srgbClr val="000000"/>
                     </a:solidFill>
@@ -15515,7 +15546,7 @@
               </a:ln>
               <a:extLst>
                 <a:ext uri="{91240B29-F687-4f45-9708-019B960494DF}">
-                  <a14:hiddenLine xmlns="" xmlns:a14="http://schemas.microsoft.com/office/drawing/2010/main" w="9525">
+                  <a14:hiddenLine xmlns:a14="http://schemas.microsoft.com/office/drawing/2010/main" xmlns="" w="9525">
                     <a:solidFill>
                       <a:srgbClr val="000000"/>
                     </a:solidFill>
@@ -15580,7 +15611,7 @@
               </a:ln>
               <a:extLst>
                 <a:ext uri="{91240B29-F687-4f45-9708-019B960494DF}">
-                  <a14:hiddenLine xmlns="" xmlns:a14="http://schemas.microsoft.com/office/drawing/2010/main" w="9525">
+                  <a14:hiddenLine xmlns:a14="http://schemas.microsoft.com/office/drawing/2010/main" xmlns="" w="9525">
                     <a:solidFill>
                       <a:srgbClr val="000000"/>
                     </a:solidFill>
@@ -15642,7 +15673,7 @@
               </a:ln>
               <a:extLst>
                 <a:ext uri="{91240B29-F687-4f45-9708-019B960494DF}">
-                  <a14:hiddenLine xmlns="" xmlns:a14="http://schemas.microsoft.com/office/drawing/2010/main" w="9525">
+                  <a14:hiddenLine xmlns:a14="http://schemas.microsoft.com/office/drawing/2010/main" xmlns="" w="9525">
                     <a:solidFill>
                       <a:srgbClr val="000000"/>
                     </a:solidFill>
@@ -15732,7 +15763,7 @@
               </a:ln>
               <a:extLst>
                 <a:ext uri="{91240B29-F687-4f45-9708-019B960494DF}">
-                  <a14:hiddenLine xmlns="" xmlns:a14="http://schemas.microsoft.com/office/drawing/2010/main" w="9525">
+                  <a14:hiddenLine xmlns:a14="http://schemas.microsoft.com/office/drawing/2010/main" xmlns="" w="9525">
                     <a:solidFill>
                       <a:srgbClr val="000000"/>
                     </a:solidFill>
@@ -15822,7 +15853,7 @@
               </a:ln>
               <a:extLst>
                 <a:ext uri="{91240B29-F687-4f45-9708-019B960494DF}">
-                  <a14:hiddenLine xmlns="" xmlns:a14="http://schemas.microsoft.com/office/drawing/2010/main" w="9525">
+                  <a14:hiddenLine xmlns:a14="http://schemas.microsoft.com/office/drawing/2010/main" xmlns="" w="9525">
                     <a:solidFill>
                       <a:srgbClr val="000000"/>
                     </a:solidFill>
@@ -15887,7 +15918,7 @@
               </a:ln>
               <a:extLst>
                 <a:ext uri="{91240B29-F687-4f45-9708-019B960494DF}">
-                  <a14:hiddenLine xmlns="" xmlns:a14="http://schemas.microsoft.com/office/drawing/2010/main" w="9525">
+                  <a14:hiddenLine xmlns:a14="http://schemas.microsoft.com/office/drawing/2010/main" xmlns="" w="9525">
                     <a:solidFill>
                       <a:srgbClr val="000000"/>
                     </a:solidFill>
@@ -16007,7 +16038,7 @@
               </a:ln>
               <a:extLst>
                 <a:ext uri="{91240B29-F687-4f45-9708-019B960494DF}">
-                  <a14:hiddenLine xmlns="" xmlns:a14="http://schemas.microsoft.com/office/drawing/2010/main" w="9525">
+                  <a14:hiddenLine xmlns:a14="http://schemas.microsoft.com/office/drawing/2010/main" xmlns="" w="9525">
                     <a:solidFill>
                       <a:srgbClr val="000000"/>
                     </a:solidFill>
@@ -16105,7 +16136,7 @@
               </a:ln>
               <a:extLst>
                 <a:ext uri="{91240B29-F687-4f45-9708-019B960494DF}">
-                  <a14:hiddenLine xmlns="" xmlns:a14="http://schemas.microsoft.com/office/drawing/2010/main" w="9525">
+                  <a14:hiddenLine xmlns:a14="http://schemas.microsoft.com/office/drawing/2010/main" xmlns="" w="9525">
                     <a:solidFill>
                       <a:srgbClr val="000000"/>
                     </a:solidFill>
@@ -16220,7 +16251,7 @@
               </a:ln>
               <a:extLst>
                 <a:ext uri="{91240B29-F687-4f45-9708-019B960494DF}">
-                  <a14:hiddenLine xmlns="" xmlns:a14="http://schemas.microsoft.com/office/drawing/2010/main" w="9525">
+                  <a14:hiddenLine xmlns:a14="http://schemas.microsoft.com/office/drawing/2010/main" xmlns="" w="9525">
                     <a:solidFill>
                       <a:srgbClr val="000000"/>
                     </a:solidFill>
@@ -16310,7 +16341,7 @@
               </a:ln>
               <a:extLst>
                 <a:ext uri="{91240B29-F687-4f45-9708-019B960494DF}">
-                  <a14:hiddenLine xmlns="" xmlns:a14="http://schemas.microsoft.com/office/drawing/2010/main" w="9525">
+                  <a14:hiddenLine xmlns:a14="http://schemas.microsoft.com/office/drawing/2010/main" xmlns="" w="9525">
                     <a:solidFill>
                       <a:srgbClr val="000000"/>
                     </a:solidFill>
@@ -16375,7 +16406,7 @@
               </a:ln>
               <a:extLst>
                 <a:ext uri="{91240B29-F687-4f45-9708-019B960494DF}">
-                  <a14:hiddenLine xmlns="" xmlns:a14="http://schemas.microsoft.com/office/drawing/2010/main" w="9525">
+                  <a14:hiddenLine xmlns:a14="http://schemas.microsoft.com/office/drawing/2010/main" xmlns="" w="9525">
                     <a:solidFill>
                       <a:srgbClr val="000000"/>
                     </a:solidFill>
@@ -16465,7 +16496,7 @@
               </a:ln>
               <a:extLst>
                 <a:ext uri="{91240B29-F687-4f45-9708-019B960494DF}">
-                  <a14:hiddenLine xmlns="" xmlns:a14="http://schemas.microsoft.com/office/drawing/2010/main" w="9525">
+                  <a14:hiddenLine xmlns:a14="http://schemas.microsoft.com/office/drawing/2010/main" xmlns="" w="9525">
                     <a:solidFill>
                       <a:srgbClr val="000000"/>
                     </a:solidFill>
@@ -16533,7 +16564,7 @@
               </a:ln>
               <a:extLst>
                 <a:ext uri="{91240B29-F687-4f45-9708-019B960494DF}">
-                  <a14:hiddenLine xmlns="" xmlns:a14="http://schemas.microsoft.com/office/drawing/2010/main" w="9525">
+                  <a14:hiddenLine xmlns:a14="http://schemas.microsoft.com/office/drawing/2010/main" xmlns="" w="9525">
                     <a:solidFill>
                       <a:srgbClr val="000000"/>
                     </a:solidFill>
@@ -16623,7 +16654,7 @@
               </a:ln>
               <a:extLst>
                 <a:ext uri="{91240B29-F687-4f45-9708-019B960494DF}">
-                  <a14:hiddenLine xmlns="" xmlns:a14="http://schemas.microsoft.com/office/drawing/2010/main" w="9525">
+                  <a14:hiddenLine xmlns:a14="http://schemas.microsoft.com/office/drawing/2010/main" xmlns="" w="9525">
                     <a:solidFill>
                       <a:srgbClr val="000000"/>
                     </a:solidFill>
@@ -16691,7 +16722,7 @@
               </a:ln>
               <a:extLst>
                 <a:ext uri="{91240B29-F687-4f45-9708-019B960494DF}">
-                  <a14:hiddenLine xmlns="" xmlns:a14="http://schemas.microsoft.com/office/drawing/2010/main" w="9525">
+                  <a14:hiddenLine xmlns:a14="http://schemas.microsoft.com/office/drawing/2010/main" xmlns="" w="9525">
                     <a:solidFill>
                       <a:srgbClr val="000000"/>
                     </a:solidFill>
@@ -16781,7 +16812,7 @@
               </a:ln>
               <a:extLst>
                 <a:ext uri="{91240B29-F687-4f45-9708-019B960494DF}">
-                  <a14:hiddenLine xmlns="" xmlns:a14="http://schemas.microsoft.com/office/drawing/2010/main" w="9525">
+                  <a14:hiddenLine xmlns:a14="http://schemas.microsoft.com/office/drawing/2010/main" xmlns="" w="9525">
                     <a:solidFill>
                       <a:srgbClr val="000000"/>
                     </a:solidFill>
@@ -16815,7 +16846,7 @@
               </a:ln>
               <a:extLst>
                 <a:ext uri="{91240B29-F687-4f45-9708-019B960494DF}">
-                  <a14:hiddenLine xmlns="" xmlns:a14="http://schemas.microsoft.com/office/drawing/2010/main" w="9525">
+                  <a14:hiddenLine xmlns:a14="http://schemas.microsoft.com/office/drawing/2010/main" xmlns="" w="9525">
                     <a:solidFill>
                       <a:srgbClr val="000000"/>
                     </a:solidFill>

--- a/TaskScheduler/TaskScheduler.pptx
+++ b/TaskScheduler/TaskScheduler.pptx
@@ -1010,7 +1010,7 @@
           <a:p>
             <a:fld id="{857CC94D-E614-4874-A919-F25B27309A09}" type="datetimeFigureOut">
               <a:rPr lang="en-CA" smtClean="0"/>
-              <a:t>2024-08-28</a:t>
+              <a:t>2024-09-24</a:t>
             </a:fld>
             <a:endParaRPr lang="en-CA"/>
           </a:p>
@@ -2348,6 +2348,53 @@
               <a:t>Can work on any other microcontroller, coded appropriately</a:t>
             </a:r>
           </a:p>
+          <a:p>
+            <a:pPr marL="171450" indent="-171450">
+              <a:buFont typeface="Arial" panose="020B0604020202020204" pitchFamily="34" charset="0"/>
+              <a:buChar char="•"/>
+            </a:pPr>
+            <a:r>
+              <a:rPr lang="en-CA" dirty="0"/>
+              <a:t>Note: Could use compile-time polymorphism instead (CRTP)</a:t>
+            </a:r>
+          </a:p>
+          <a:p>
+            <a:pPr marL="628650" lvl="1" indent="-171450">
+              <a:buFont typeface="Arial" panose="020B0604020202020204" pitchFamily="34" charset="0"/>
+              <a:buChar char="•"/>
+            </a:pPr>
+            <a:r>
+              <a:rPr lang="en-CA" dirty="0"/>
+              <a:t>No virtual functions, more efficient</a:t>
+            </a:r>
+          </a:p>
+          <a:p>
+            <a:pPr marL="628650" lvl="1" indent="-171450">
+              <a:buFont typeface="Arial" panose="020B0604020202020204" pitchFamily="34" charset="0"/>
+              <a:buChar char="•"/>
+            </a:pPr>
+            <a:r>
+              <a:rPr lang="en-CA" dirty="0"/>
+              <a:t>But it makes Task subclasses a bit more complicated</a:t>
+            </a:r>
+          </a:p>
+          <a:p>
+            <a:pPr marL="628650" lvl="1" indent="-171450">
+              <a:buFont typeface="Arial" panose="020B0604020202020204" pitchFamily="34" charset="0"/>
+              <a:buChar char="•"/>
+            </a:pPr>
+            <a:r>
+              <a:rPr lang="en-CA" dirty="0"/>
+              <a:t>Maybe discuss later</a:t>
+            </a:r>
+          </a:p>
+          <a:p>
+            <a:pPr marL="171450" indent="-171450">
+              <a:buFont typeface="Arial" panose="020B0604020202020204" pitchFamily="34" charset="0"/>
+              <a:buChar char="•"/>
+            </a:pPr>
+            <a:endParaRPr lang="en-CA" dirty="0"/>
+          </a:p>
         </p:txBody>
       </p:sp>
       <p:sp>
@@ -4000,7 +4047,7 @@
           <a:noFill/>
           <a:extLst>
             <a:ext uri="{909E8E84-426E-40dd-AFC4-6F175D3DCCD1}">
-              <a14:hiddenFill xmlns:a14="http://schemas.microsoft.com/office/drawing/2010/main" xmlns="">
+              <a14:hiddenFill xmlns="" xmlns:a14="http://schemas.microsoft.com/office/drawing/2010/main">
                 <a:solidFill>
                   <a:srgbClr val="FFFFFF"/>
                 </a:solidFill>
@@ -4066,7 +4113,7 @@
             </a:ln>
             <a:extLst>
               <a:ext uri="{91240B29-F687-4f45-9708-019B960494DF}">
-                <a14:hiddenLine xmlns:a14="http://schemas.microsoft.com/office/drawing/2010/main" xmlns="" w="9525">
+                <a14:hiddenLine xmlns="" xmlns:a14="http://schemas.microsoft.com/office/drawing/2010/main" w="9525">
                   <a:solidFill>
                     <a:srgbClr val="000000"/>
                   </a:solidFill>
@@ -4156,7 +4203,7 @@
             </a:ln>
             <a:extLst>
               <a:ext uri="{91240B29-F687-4f45-9708-019B960494DF}">
-                <a14:hiddenLine xmlns:a14="http://schemas.microsoft.com/office/drawing/2010/main" xmlns="" w="9525">
+                <a14:hiddenLine xmlns="" xmlns:a14="http://schemas.microsoft.com/office/drawing/2010/main" w="9525">
                   <a:solidFill>
                     <a:srgbClr val="000000"/>
                   </a:solidFill>
@@ -4246,7 +4293,7 @@
             </a:ln>
             <a:extLst>
               <a:ext uri="{91240B29-F687-4f45-9708-019B960494DF}">
-                <a14:hiddenLine xmlns:a14="http://schemas.microsoft.com/office/drawing/2010/main" xmlns="" w="9525">
+                <a14:hiddenLine xmlns="" xmlns:a14="http://schemas.microsoft.com/office/drawing/2010/main" w="9525">
                   <a:solidFill>
                     <a:srgbClr val="000000"/>
                   </a:solidFill>
@@ -4280,7 +4327,7 @@
             </a:ln>
             <a:extLst>
               <a:ext uri="{91240B29-F687-4f45-9708-019B960494DF}">
-                <a14:hiddenLine xmlns:a14="http://schemas.microsoft.com/office/drawing/2010/main" xmlns="" w="9525">
+                <a14:hiddenLine xmlns="" xmlns:a14="http://schemas.microsoft.com/office/drawing/2010/main" w="9525">
                   <a:solidFill>
                     <a:srgbClr val="000000"/>
                   </a:solidFill>
@@ -4370,7 +4417,7 @@
             </a:ln>
             <a:extLst>
               <a:ext uri="{91240B29-F687-4f45-9708-019B960494DF}">
-                <a14:hiddenLine xmlns:a14="http://schemas.microsoft.com/office/drawing/2010/main" xmlns="" w="9525">
+                <a14:hiddenLine xmlns="" xmlns:a14="http://schemas.microsoft.com/office/drawing/2010/main" w="9525">
                   <a:solidFill>
                     <a:srgbClr val="000000"/>
                   </a:solidFill>
@@ -4432,7 +4479,7 @@
             </a:ln>
             <a:extLst>
               <a:ext uri="{91240B29-F687-4f45-9708-019B960494DF}">
-                <a14:hiddenLine xmlns:a14="http://schemas.microsoft.com/office/drawing/2010/main" xmlns="" w="9525">
+                <a14:hiddenLine xmlns="" xmlns:a14="http://schemas.microsoft.com/office/drawing/2010/main" w="9525">
                   <a:solidFill>
                     <a:srgbClr val="000000"/>
                   </a:solidFill>
@@ -4494,7 +4541,7 @@
             </a:ln>
             <a:extLst>
               <a:ext uri="{91240B29-F687-4f45-9708-019B960494DF}">
-                <a14:hiddenLine xmlns:a14="http://schemas.microsoft.com/office/drawing/2010/main" xmlns="" w="9525">
+                <a14:hiddenLine xmlns="" xmlns:a14="http://schemas.microsoft.com/office/drawing/2010/main" w="9525">
                   <a:solidFill>
                     <a:srgbClr val="000000"/>
                   </a:solidFill>
@@ -4584,7 +4631,7 @@
             </a:ln>
             <a:extLst>
               <a:ext uri="{91240B29-F687-4f45-9708-019B960494DF}">
-                <a14:hiddenLine xmlns:a14="http://schemas.microsoft.com/office/drawing/2010/main" xmlns="" w="9525">
+                <a14:hiddenLine xmlns="" xmlns:a14="http://schemas.microsoft.com/office/drawing/2010/main" w="9525">
                   <a:solidFill>
                     <a:srgbClr val="000000"/>
                   </a:solidFill>
@@ -4646,7 +4693,7 @@
             </a:ln>
             <a:extLst>
               <a:ext uri="{91240B29-F687-4f45-9708-019B960494DF}">
-                <a14:hiddenLine xmlns:a14="http://schemas.microsoft.com/office/drawing/2010/main" xmlns="" w="9525">
+                <a14:hiddenLine xmlns="" xmlns:a14="http://schemas.microsoft.com/office/drawing/2010/main" w="9525">
                   <a:solidFill>
                     <a:srgbClr val="000000"/>
                   </a:solidFill>
@@ -4708,7 +4755,7 @@
             </a:ln>
             <a:extLst>
               <a:ext uri="{91240B29-F687-4f45-9708-019B960494DF}">
-                <a14:hiddenLine xmlns:a14="http://schemas.microsoft.com/office/drawing/2010/main" xmlns="" w="9525">
+                <a14:hiddenLine xmlns="" xmlns:a14="http://schemas.microsoft.com/office/drawing/2010/main" w="9525">
                   <a:solidFill>
                     <a:srgbClr val="000000"/>
                   </a:solidFill>
@@ -4798,7 +4845,7 @@
             </a:ln>
             <a:extLst>
               <a:ext uri="{91240B29-F687-4f45-9708-019B960494DF}">
-                <a14:hiddenLine xmlns:a14="http://schemas.microsoft.com/office/drawing/2010/main" xmlns="" w="9525">
+                <a14:hiddenLine xmlns="" xmlns:a14="http://schemas.microsoft.com/office/drawing/2010/main" w="9525">
                   <a:solidFill>
                     <a:srgbClr val="000000"/>
                   </a:solidFill>
@@ -4888,7 +4935,7 @@
             </a:ln>
             <a:extLst>
               <a:ext uri="{91240B29-F687-4f45-9708-019B960494DF}">
-                <a14:hiddenLine xmlns:a14="http://schemas.microsoft.com/office/drawing/2010/main" xmlns="" w="9525">
+                <a14:hiddenLine xmlns="" xmlns:a14="http://schemas.microsoft.com/office/drawing/2010/main" w="9525">
                   <a:solidFill>
                     <a:srgbClr val="000000"/>
                   </a:solidFill>
@@ -4950,7 +4997,7 @@
             </a:ln>
             <a:extLst>
               <a:ext uri="{91240B29-F687-4f45-9708-019B960494DF}">
-                <a14:hiddenLine xmlns:a14="http://schemas.microsoft.com/office/drawing/2010/main" xmlns="" w="9525">
+                <a14:hiddenLine xmlns="" xmlns:a14="http://schemas.microsoft.com/office/drawing/2010/main" w="9525">
                   <a:solidFill>
                     <a:srgbClr val="000000"/>
                   </a:solidFill>
@@ -5060,7 +5107,7 @@
             </a:ln>
             <a:extLst>
               <a:ext uri="{91240B29-F687-4f45-9708-019B960494DF}">
-                <a14:hiddenLine xmlns:a14="http://schemas.microsoft.com/office/drawing/2010/main" xmlns="" w="9525">
+                <a14:hiddenLine xmlns="" xmlns:a14="http://schemas.microsoft.com/office/drawing/2010/main" w="9525">
                   <a:solidFill>
                     <a:srgbClr val="000000"/>
                   </a:solidFill>
@@ -5122,7 +5169,7 @@
             </a:ln>
             <a:extLst>
               <a:ext uri="{91240B29-F687-4f45-9708-019B960494DF}">
-                <a14:hiddenLine xmlns:a14="http://schemas.microsoft.com/office/drawing/2010/main" xmlns="" w="9525">
+                <a14:hiddenLine xmlns="" xmlns:a14="http://schemas.microsoft.com/office/drawing/2010/main" w="9525">
                   <a:solidFill>
                     <a:srgbClr val="000000"/>
                   </a:solidFill>
@@ -5212,7 +5259,7 @@
             </a:ln>
             <a:extLst>
               <a:ext uri="{91240B29-F687-4f45-9708-019B960494DF}">
-                <a14:hiddenLine xmlns:a14="http://schemas.microsoft.com/office/drawing/2010/main" xmlns="" w="9525">
+                <a14:hiddenLine xmlns="" xmlns:a14="http://schemas.microsoft.com/office/drawing/2010/main" w="9525">
                   <a:solidFill>
                     <a:srgbClr val="000000"/>
                   </a:solidFill>
@@ -5302,7 +5349,7 @@
             </a:ln>
             <a:extLst>
               <a:ext uri="{91240B29-F687-4f45-9708-019B960494DF}">
-                <a14:hiddenLine xmlns:a14="http://schemas.microsoft.com/office/drawing/2010/main" xmlns="" w="9525">
+                <a14:hiddenLine xmlns="" xmlns:a14="http://schemas.microsoft.com/office/drawing/2010/main" w="9525">
                   <a:solidFill>
                     <a:srgbClr val="000000"/>
                   </a:solidFill>
@@ -5364,7 +5411,7 @@
             </a:ln>
             <a:extLst>
               <a:ext uri="{91240B29-F687-4f45-9708-019B960494DF}">
-                <a14:hiddenLine xmlns:a14="http://schemas.microsoft.com/office/drawing/2010/main" xmlns="" w="9525">
+                <a14:hiddenLine xmlns="" xmlns:a14="http://schemas.microsoft.com/office/drawing/2010/main" w="9525">
                   <a:solidFill>
                     <a:srgbClr val="000000"/>
                   </a:solidFill>
@@ -5454,7 +5501,7 @@
             </a:ln>
             <a:extLst>
               <a:ext uri="{91240B29-F687-4f45-9708-019B960494DF}">
-                <a14:hiddenLine xmlns:a14="http://schemas.microsoft.com/office/drawing/2010/main" xmlns="" w="9525">
+                <a14:hiddenLine xmlns="" xmlns:a14="http://schemas.microsoft.com/office/drawing/2010/main" w="9525">
                   <a:solidFill>
                     <a:srgbClr val="000000"/>
                   </a:solidFill>
@@ -5544,7 +5591,7 @@
             </a:ln>
             <a:extLst>
               <a:ext uri="{91240B29-F687-4f45-9708-019B960494DF}">
-                <a14:hiddenLine xmlns:a14="http://schemas.microsoft.com/office/drawing/2010/main" xmlns="" w="9525">
+                <a14:hiddenLine xmlns="" xmlns:a14="http://schemas.microsoft.com/office/drawing/2010/main" w="9525">
                   <a:solidFill>
                     <a:srgbClr val="000000"/>
                   </a:solidFill>
@@ -5600,7 +5647,7 @@
             </a:ln>
             <a:extLst>
               <a:ext uri="{91240B29-F687-4f45-9708-019B960494DF}">
-                <a14:hiddenLine xmlns:a14="http://schemas.microsoft.com/office/drawing/2010/main" xmlns="" w="9525">
+                <a14:hiddenLine xmlns="" xmlns:a14="http://schemas.microsoft.com/office/drawing/2010/main" w="9525">
                   <a:solidFill>
                     <a:srgbClr val="000000"/>
                   </a:solidFill>
@@ -5690,7 +5737,7 @@
             </a:ln>
             <a:extLst>
               <a:ext uri="{91240B29-F687-4f45-9708-019B960494DF}">
-                <a14:hiddenLine xmlns:a14="http://schemas.microsoft.com/office/drawing/2010/main" xmlns="" w="9525">
+                <a14:hiddenLine xmlns="" xmlns:a14="http://schemas.microsoft.com/office/drawing/2010/main" w="9525">
                   <a:solidFill>
                     <a:srgbClr val="000000"/>
                   </a:solidFill>
@@ -5746,7 +5793,7 @@
             </a:ln>
             <a:extLst>
               <a:ext uri="{91240B29-F687-4f45-9708-019B960494DF}">
-                <a14:hiddenLine xmlns:a14="http://schemas.microsoft.com/office/drawing/2010/main" xmlns="" w="9525">
+                <a14:hiddenLine xmlns="" xmlns:a14="http://schemas.microsoft.com/office/drawing/2010/main" w="9525">
                   <a:solidFill>
                     <a:srgbClr val="000000"/>
                   </a:solidFill>
@@ -5836,7 +5883,7 @@
             </a:ln>
             <a:extLst>
               <a:ext uri="{91240B29-F687-4f45-9708-019B960494DF}">
-                <a14:hiddenLine xmlns:a14="http://schemas.microsoft.com/office/drawing/2010/main" xmlns="" w="9525">
+                <a14:hiddenLine xmlns="" xmlns:a14="http://schemas.microsoft.com/office/drawing/2010/main" w="9525">
                   <a:solidFill>
                     <a:srgbClr val="000000"/>
                   </a:solidFill>
@@ -5904,7 +5951,7 @@
             </a:ln>
             <a:extLst>
               <a:ext uri="{91240B29-F687-4f45-9708-019B960494DF}">
-                <a14:hiddenLine xmlns:a14="http://schemas.microsoft.com/office/drawing/2010/main" xmlns="" w="9525">
+                <a14:hiddenLine xmlns="" xmlns:a14="http://schemas.microsoft.com/office/drawing/2010/main" w="9525">
                   <a:solidFill>
                     <a:srgbClr val="000000"/>
                   </a:solidFill>
@@ -5994,7 +6041,7 @@
             </a:ln>
             <a:extLst>
               <a:ext uri="{91240B29-F687-4f45-9708-019B960494DF}">
-                <a14:hiddenLine xmlns:a14="http://schemas.microsoft.com/office/drawing/2010/main" xmlns="" w="9525">
+                <a14:hiddenLine xmlns="" xmlns:a14="http://schemas.microsoft.com/office/drawing/2010/main" w="9525">
                   <a:solidFill>
                     <a:srgbClr val="000000"/>
                   </a:solidFill>
@@ -6062,7 +6109,7 @@
             </a:ln>
             <a:extLst>
               <a:ext uri="{91240B29-F687-4f45-9708-019B960494DF}">
-                <a14:hiddenLine xmlns:a14="http://schemas.microsoft.com/office/drawing/2010/main" xmlns="" w="9525">
+                <a14:hiddenLine xmlns="" xmlns:a14="http://schemas.microsoft.com/office/drawing/2010/main" w="9525">
                   <a:solidFill>
                     <a:srgbClr val="000000"/>
                   </a:solidFill>
@@ -6152,7 +6199,7 @@
             </a:ln>
             <a:extLst>
               <a:ext uri="{91240B29-F687-4f45-9708-019B960494DF}">
-                <a14:hiddenLine xmlns:a14="http://schemas.microsoft.com/office/drawing/2010/main" xmlns="" w="9525">
+                <a14:hiddenLine xmlns="" xmlns:a14="http://schemas.microsoft.com/office/drawing/2010/main" w="9525">
                   <a:solidFill>
                     <a:srgbClr val="000000"/>
                   </a:solidFill>
@@ -6186,7 +6233,7 @@
             </a:ln>
             <a:extLst>
               <a:ext uri="{91240B29-F687-4f45-9708-019B960494DF}">
-                <a14:hiddenLine xmlns:a14="http://schemas.microsoft.com/office/drawing/2010/main" xmlns="" w="9525">
+                <a14:hiddenLine xmlns="" xmlns:a14="http://schemas.microsoft.com/office/drawing/2010/main" w="9525">
                   <a:solidFill>
                     <a:srgbClr val="000000"/>
                   </a:solidFill>
@@ -6276,7 +6323,7 @@
             </a:ln>
             <a:extLst>
               <a:ext uri="{91240B29-F687-4f45-9708-019B960494DF}">
-                <a14:hiddenLine xmlns:a14="http://schemas.microsoft.com/office/drawing/2010/main" xmlns="" w="9525">
+                <a14:hiddenLine xmlns="" xmlns:a14="http://schemas.microsoft.com/office/drawing/2010/main" w="9525">
                   <a:solidFill>
                     <a:srgbClr val="000000"/>
                   </a:solidFill>
@@ -6338,7 +6385,7 @@
             </a:ln>
             <a:extLst>
               <a:ext uri="{91240B29-F687-4f45-9708-019B960494DF}">
-                <a14:hiddenLine xmlns:a14="http://schemas.microsoft.com/office/drawing/2010/main" xmlns="" w="9525">
+                <a14:hiddenLine xmlns="" xmlns:a14="http://schemas.microsoft.com/office/drawing/2010/main" w="9525">
                   <a:solidFill>
                     <a:srgbClr val="000000"/>
                   </a:solidFill>
@@ -6400,7 +6447,7 @@
             </a:ln>
             <a:extLst>
               <a:ext uri="{91240B29-F687-4f45-9708-019B960494DF}">
-                <a14:hiddenLine xmlns:a14="http://schemas.microsoft.com/office/drawing/2010/main" xmlns="" w="9525">
+                <a14:hiddenLine xmlns="" xmlns:a14="http://schemas.microsoft.com/office/drawing/2010/main" w="9525">
                   <a:solidFill>
                     <a:srgbClr val="000000"/>
                   </a:solidFill>
@@ -6490,7 +6537,7 @@
             </a:ln>
             <a:extLst>
               <a:ext uri="{91240B29-F687-4f45-9708-019B960494DF}">
-                <a14:hiddenLine xmlns:a14="http://schemas.microsoft.com/office/drawing/2010/main" xmlns="" w="9525">
+                <a14:hiddenLine xmlns="" xmlns:a14="http://schemas.microsoft.com/office/drawing/2010/main" w="9525">
                   <a:solidFill>
                     <a:srgbClr val="000000"/>
                   </a:solidFill>
@@ -6558,7 +6605,7 @@
             </a:ln>
             <a:extLst>
               <a:ext uri="{91240B29-F687-4f45-9708-019B960494DF}">
-                <a14:hiddenLine xmlns:a14="http://schemas.microsoft.com/office/drawing/2010/main" xmlns="" w="9525">
+                <a14:hiddenLine xmlns="" xmlns:a14="http://schemas.microsoft.com/office/drawing/2010/main" w="9525">
                   <a:solidFill>
                     <a:srgbClr val="000000"/>
                   </a:solidFill>
@@ -6620,7 +6667,7 @@
             </a:ln>
             <a:extLst>
               <a:ext uri="{91240B29-F687-4f45-9708-019B960494DF}">
-                <a14:hiddenLine xmlns:a14="http://schemas.microsoft.com/office/drawing/2010/main" xmlns="" w="9525">
+                <a14:hiddenLine xmlns="" xmlns:a14="http://schemas.microsoft.com/office/drawing/2010/main" w="9525">
                   <a:solidFill>
                     <a:srgbClr val="000000"/>
                   </a:solidFill>
@@ -6710,7 +6757,7 @@
             </a:ln>
             <a:extLst>
               <a:ext uri="{91240B29-F687-4f45-9708-019B960494DF}">
-                <a14:hiddenLine xmlns:a14="http://schemas.microsoft.com/office/drawing/2010/main" xmlns="" w="9525">
+                <a14:hiddenLine xmlns="" xmlns:a14="http://schemas.microsoft.com/office/drawing/2010/main" w="9525">
                   <a:solidFill>
                     <a:srgbClr val="000000"/>
                   </a:solidFill>
@@ -6772,7 +6819,7 @@
             </a:ln>
             <a:extLst>
               <a:ext uri="{91240B29-F687-4f45-9708-019B960494DF}">
-                <a14:hiddenLine xmlns:a14="http://schemas.microsoft.com/office/drawing/2010/main" xmlns="" w="9525">
+                <a14:hiddenLine xmlns="" xmlns:a14="http://schemas.microsoft.com/office/drawing/2010/main" w="9525">
                   <a:solidFill>
                     <a:srgbClr val="000000"/>
                   </a:solidFill>
@@ -6862,7 +6909,7 @@
             </a:ln>
             <a:extLst>
               <a:ext uri="{91240B29-F687-4f45-9708-019B960494DF}">
-                <a14:hiddenLine xmlns:a14="http://schemas.microsoft.com/office/drawing/2010/main" xmlns="" w="9525">
+                <a14:hiddenLine xmlns="" xmlns:a14="http://schemas.microsoft.com/office/drawing/2010/main" w="9525">
                   <a:solidFill>
                     <a:srgbClr val="000000"/>
                   </a:solidFill>
@@ -6924,7 +6971,7 @@
             </a:ln>
             <a:extLst>
               <a:ext uri="{91240B29-F687-4f45-9708-019B960494DF}">
-                <a14:hiddenLine xmlns:a14="http://schemas.microsoft.com/office/drawing/2010/main" xmlns="" w="9525">
+                <a14:hiddenLine xmlns="" xmlns:a14="http://schemas.microsoft.com/office/drawing/2010/main" w="9525">
                   <a:solidFill>
                     <a:srgbClr val="000000"/>
                   </a:solidFill>
@@ -7014,7 +7061,7 @@
             </a:ln>
             <a:extLst>
               <a:ext uri="{91240B29-F687-4f45-9708-019B960494DF}">
-                <a14:hiddenLine xmlns:a14="http://schemas.microsoft.com/office/drawing/2010/main" xmlns="" w="9525">
+                <a14:hiddenLine xmlns="" xmlns:a14="http://schemas.microsoft.com/office/drawing/2010/main" w="9525">
                   <a:solidFill>
                     <a:srgbClr val="000000"/>
                   </a:solidFill>
@@ -7048,7 +7095,7 @@
             </a:ln>
             <a:extLst>
               <a:ext uri="{91240B29-F687-4f45-9708-019B960494DF}">
-                <a14:hiddenLine xmlns:a14="http://schemas.microsoft.com/office/drawing/2010/main" xmlns="" w="9525">
+                <a14:hiddenLine xmlns="" xmlns:a14="http://schemas.microsoft.com/office/drawing/2010/main" w="9525">
                   <a:solidFill>
                     <a:srgbClr val="000000"/>
                   </a:solidFill>
@@ -7113,7 +7160,7 @@
             </a:ln>
             <a:extLst>
               <a:ext uri="{91240B29-F687-4f45-9708-019B960494DF}">
-                <a14:hiddenLine xmlns:a14="http://schemas.microsoft.com/office/drawing/2010/main" xmlns="" w="9525">
+                <a14:hiddenLine xmlns="" xmlns:a14="http://schemas.microsoft.com/office/drawing/2010/main" w="9525">
                   <a:solidFill>
                     <a:srgbClr val="000000"/>
                   </a:solidFill>
@@ -7203,7 +7250,7 @@
             </a:ln>
             <a:extLst>
               <a:ext uri="{91240B29-F687-4f45-9708-019B960494DF}">
-                <a14:hiddenLine xmlns:a14="http://schemas.microsoft.com/office/drawing/2010/main" xmlns="" w="9525">
+                <a14:hiddenLine xmlns="" xmlns:a14="http://schemas.microsoft.com/office/drawing/2010/main" w="9525">
                   <a:solidFill>
                     <a:srgbClr val="000000"/>
                   </a:solidFill>
@@ -7265,7 +7312,7 @@
             </a:ln>
             <a:extLst>
               <a:ext uri="{91240B29-F687-4f45-9708-019B960494DF}">
-                <a14:hiddenLine xmlns:a14="http://schemas.microsoft.com/office/drawing/2010/main" xmlns="" w="9525">
+                <a14:hiddenLine xmlns="" xmlns:a14="http://schemas.microsoft.com/office/drawing/2010/main" w="9525">
                   <a:solidFill>
                     <a:srgbClr val="000000"/>
                   </a:solidFill>
@@ -7355,7 +7402,7 @@
             </a:ln>
             <a:extLst>
               <a:ext uri="{91240B29-F687-4f45-9708-019B960494DF}">
-                <a14:hiddenLine xmlns:a14="http://schemas.microsoft.com/office/drawing/2010/main" xmlns="" w="9525">
+                <a14:hiddenLine xmlns="" xmlns:a14="http://schemas.microsoft.com/office/drawing/2010/main" w="9525">
                   <a:solidFill>
                     <a:srgbClr val="000000"/>
                   </a:solidFill>
@@ -7445,7 +7492,7 @@
             </a:ln>
             <a:extLst>
               <a:ext uri="{91240B29-F687-4f45-9708-019B960494DF}">
-                <a14:hiddenLine xmlns:a14="http://schemas.microsoft.com/office/drawing/2010/main" xmlns="" w="9525">
+                <a14:hiddenLine xmlns="" xmlns:a14="http://schemas.microsoft.com/office/drawing/2010/main" w="9525">
                   <a:solidFill>
                     <a:srgbClr val="000000"/>
                   </a:solidFill>
@@ -7510,7 +7557,7 @@
             </a:ln>
             <a:extLst>
               <a:ext uri="{91240B29-F687-4f45-9708-019B960494DF}">
-                <a14:hiddenLine xmlns:a14="http://schemas.microsoft.com/office/drawing/2010/main" xmlns="" w="9525">
+                <a14:hiddenLine xmlns="" xmlns:a14="http://schemas.microsoft.com/office/drawing/2010/main" w="9525">
                   <a:solidFill>
                     <a:srgbClr val="000000"/>
                   </a:solidFill>
@@ -7572,7 +7619,7 @@
             </a:ln>
             <a:extLst>
               <a:ext uri="{91240B29-F687-4f45-9708-019B960494DF}">
-                <a14:hiddenLine xmlns:a14="http://schemas.microsoft.com/office/drawing/2010/main" xmlns="" w="9525">
+                <a14:hiddenLine xmlns="" xmlns:a14="http://schemas.microsoft.com/office/drawing/2010/main" w="9525">
                   <a:solidFill>
                     <a:srgbClr val="000000"/>
                   </a:solidFill>
@@ -7662,7 +7709,7 @@
             </a:ln>
             <a:extLst>
               <a:ext uri="{91240B29-F687-4f45-9708-019B960494DF}">
-                <a14:hiddenLine xmlns:a14="http://schemas.microsoft.com/office/drawing/2010/main" xmlns="" w="9525">
+                <a14:hiddenLine xmlns="" xmlns:a14="http://schemas.microsoft.com/office/drawing/2010/main" w="9525">
                   <a:solidFill>
                     <a:srgbClr val="000000"/>
                   </a:solidFill>
@@ -7752,7 +7799,7 @@
             </a:ln>
             <a:extLst>
               <a:ext uri="{91240B29-F687-4f45-9708-019B960494DF}">
-                <a14:hiddenLine xmlns:a14="http://schemas.microsoft.com/office/drawing/2010/main" xmlns="" w="9525">
+                <a14:hiddenLine xmlns="" xmlns:a14="http://schemas.microsoft.com/office/drawing/2010/main" w="9525">
                   <a:solidFill>
                     <a:srgbClr val="000000"/>
                   </a:solidFill>
@@ -7814,7 +7861,7 @@
             </a:ln>
             <a:extLst>
               <a:ext uri="{91240B29-F687-4f45-9708-019B960494DF}">
-                <a14:hiddenLine xmlns:a14="http://schemas.microsoft.com/office/drawing/2010/main" xmlns="" w="9525">
+                <a14:hiddenLine xmlns="" xmlns:a14="http://schemas.microsoft.com/office/drawing/2010/main" w="9525">
                   <a:solidFill>
                     <a:srgbClr val="000000"/>
                   </a:solidFill>
@@ -7934,7 +7981,7 @@
             </a:ln>
             <a:extLst>
               <a:ext uri="{91240B29-F687-4f45-9708-019B960494DF}">
-                <a14:hiddenLine xmlns:a14="http://schemas.microsoft.com/office/drawing/2010/main" xmlns="" w="9525">
+                <a14:hiddenLine xmlns="" xmlns:a14="http://schemas.microsoft.com/office/drawing/2010/main" w="9525">
                   <a:solidFill>
                     <a:srgbClr val="000000"/>
                   </a:solidFill>
@@ -8002,7 +8049,7 @@
             </a:ln>
             <a:extLst>
               <a:ext uri="{91240B29-F687-4f45-9708-019B960494DF}">
-                <a14:hiddenLine xmlns:a14="http://schemas.microsoft.com/office/drawing/2010/main" xmlns="" w="9525">
+                <a14:hiddenLine xmlns="" xmlns:a14="http://schemas.microsoft.com/office/drawing/2010/main" w="9525">
                   <a:solidFill>
                     <a:srgbClr val="000000"/>
                   </a:solidFill>
@@ -8092,7 +8139,7 @@
             </a:ln>
             <a:extLst>
               <a:ext uri="{91240B29-F687-4f45-9708-019B960494DF}">
-                <a14:hiddenLine xmlns:a14="http://schemas.microsoft.com/office/drawing/2010/main" xmlns="" w="9525">
+                <a14:hiddenLine xmlns="" xmlns:a14="http://schemas.microsoft.com/office/drawing/2010/main" w="9525">
                   <a:solidFill>
                     <a:srgbClr val="000000"/>
                   </a:solidFill>
@@ -14019,7 +14066,7 @@
           <a:noFill/>
           <a:extLst>
             <a:ext uri="{909E8E84-426E-40dd-AFC4-6F175D3DCCD1}">
-              <a14:hiddenFill xmlns:a14="http://schemas.microsoft.com/office/drawing/2010/main" xmlns="">
+              <a14:hiddenFill xmlns="" xmlns:a14="http://schemas.microsoft.com/office/drawing/2010/main">
                 <a:solidFill>
                   <a:srgbClr val="FFFFFF"/>
                 </a:solidFill>
@@ -14099,7 +14146,7 @@
               </a:ln>
               <a:extLst>
                 <a:ext uri="{91240B29-F687-4f45-9708-019B960494DF}">
-                  <a14:hiddenLine xmlns:a14="http://schemas.microsoft.com/office/drawing/2010/main" xmlns="" w="9525">
+                  <a14:hiddenLine xmlns="" xmlns:a14="http://schemas.microsoft.com/office/drawing/2010/main" w="9525">
                     <a:solidFill>
                       <a:srgbClr val="000000"/>
                     </a:solidFill>
@@ -14189,7 +14236,7 @@
               </a:ln>
               <a:extLst>
                 <a:ext uri="{91240B29-F687-4f45-9708-019B960494DF}">
-                  <a14:hiddenLine xmlns:a14="http://schemas.microsoft.com/office/drawing/2010/main" xmlns="" w="9525">
+                  <a14:hiddenLine xmlns="" xmlns:a14="http://schemas.microsoft.com/office/drawing/2010/main" w="9525">
                     <a:solidFill>
                       <a:srgbClr val="000000"/>
                     </a:solidFill>
@@ -14279,7 +14326,7 @@
               </a:ln>
               <a:extLst>
                 <a:ext uri="{91240B29-F687-4f45-9708-019B960494DF}">
-                  <a14:hiddenLine xmlns:a14="http://schemas.microsoft.com/office/drawing/2010/main" xmlns="" w="9525">
+                  <a14:hiddenLine xmlns="" xmlns:a14="http://schemas.microsoft.com/office/drawing/2010/main" w="9525">
                     <a:solidFill>
                       <a:srgbClr val="000000"/>
                     </a:solidFill>
@@ -14341,7 +14388,7 @@
               </a:ln>
               <a:extLst>
                 <a:ext uri="{91240B29-F687-4f45-9708-019B960494DF}">
-                  <a14:hiddenLine xmlns:a14="http://schemas.microsoft.com/office/drawing/2010/main" xmlns="" w="9525">
+                  <a14:hiddenLine xmlns="" xmlns:a14="http://schemas.microsoft.com/office/drawing/2010/main" w="9525">
                     <a:solidFill>
                       <a:srgbClr val="000000"/>
                     </a:solidFill>
@@ -14431,7 +14478,7 @@
               </a:ln>
               <a:extLst>
                 <a:ext uri="{91240B29-F687-4f45-9708-019B960494DF}">
-                  <a14:hiddenLine xmlns:a14="http://schemas.microsoft.com/office/drawing/2010/main" xmlns="" w="9525">
+                  <a14:hiddenLine xmlns="" xmlns:a14="http://schemas.microsoft.com/office/drawing/2010/main" w="9525">
                     <a:solidFill>
                       <a:srgbClr val="000000"/>
                     </a:solidFill>
@@ -14493,7 +14540,7 @@
               </a:ln>
               <a:extLst>
                 <a:ext uri="{91240B29-F687-4f45-9708-019B960494DF}">
-                  <a14:hiddenLine xmlns:a14="http://schemas.microsoft.com/office/drawing/2010/main" xmlns="" w="9525">
+                  <a14:hiddenLine xmlns="" xmlns:a14="http://schemas.microsoft.com/office/drawing/2010/main" w="9525">
                     <a:solidFill>
                       <a:srgbClr val="000000"/>
                     </a:solidFill>
@@ -14555,7 +14602,7 @@
               </a:ln>
               <a:extLst>
                 <a:ext uri="{91240B29-F687-4f45-9708-019B960494DF}">
-                  <a14:hiddenLine xmlns:a14="http://schemas.microsoft.com/office/drawing/2010/main" xmlns="" w="9525">
+                  <a14:hiddenLine xmlns="" xmlns:a14="http://schemas.microsoft.com/office/drawing/2010/main" w="9525">
                     <a:solidFill>
                       <a:srgbClr val="000000"/>
                     </a:solidFill>
@@ -14645,7 +14692,7 @@
               </a:ln>
               <a:extLst>
                 <a:ext uri="{91240B29-F687-4f45-9708-019B960494DF}">
-                  <a14:hiddenLine xmlns:a14="http://schemas.microsoft.com/office/drawing/2010/main" xmlns="" w="9525">
+                  <a14:hiddenLine xmlns="" xmlns:a14="http://schemas.microsoft.com/office/drawing/2010/main" w="9525">
                     <a:solidFill>
                       <a:srgbClr val="000000"/>
                     </a:solidFill>
@@ -14735,7 +14782,7 @@
               </a:ln>
               <a:extLst>
                 <a:ext uri="{91240B29-F687-4f45-9708-019B960494DF}">
-                  <a14:hiddenLine xmlns:a14="http://schemas.microsoft.com/office/drawing/2010/main" xmlns="" w="9525">
+                  <a14:hiddenLine xmlns="" xmlns:a14="http://schemas.microsoft.com/office/drawing/2010/main" w="9525">
                     <a:solidFill>
                       <a:srgbClr val="000000"/>
                     </a:solidFill>
@@ -14797,7 +14844,7 @@
               </a:ln>
               <a:extLst>
                 <a:ext uri="{91240B29-F687-4f45-9708-019B960494DF}">
-                  <a14:hiddenLine xmlns:a14="http://schemas.microsoft.com/office/drawing/2010/main" xmlns="" w="9525">
+                  <a14:hiddenLine xmlns="" xmlns:a14="http://schemas.microsoft.com/office/drawing/2010/main" w="9525">
                     <a:solidFill>
                       <a:srgbClr val="000000"/>
                     </a:solidFill>
@@ -14907,7 +14954,7 @@
               </a:ln>
               <a:extLst>
                 <a:ext uri="{91240B29-F687-4f45-9708-019B960494DF}">
-                  <a14:hiddenLine xmlns:a14="http://schemas.microsoft.com/office/drawing/2010/main" xmlns="" w="9525">
+                  <a14:hiddenLine xmlns="" xmlns:a14="http://schemas.microsoft.com/office/drawing/2010/main" w="9525">
                     <a:solidFill>
                       <a:srgbClr val="000000"/>
                     </a:solidFill>
@@ -14991,7 +15038,7 @@
               </a:ln>
               <a:extLst>
                 <a:ext uri="{91240B29-F687-4f45-9708-019B960494DF}">
-                  <a14:hiddenLine xmlns:a14="http://schemas.microsoft.com/office/drawing/2010/main" xmlns="" w="9525">
+                  <a14:hiddenLine xmlns="" xmlns:a14="http://schemas.microsoft.com/office/drawing/2010/main" w="9525">
                     <a:solidFill>
                       <a:srgbClr val="000000"/>
                     </a:solidFill>
@@ -15053,7 +15100,7 @@
               </a:ln>
               <a:extLst>
                 <a:ext uri="{91240B29-F687-4f45-9708-019B960494DF}">
-                  <a14:hiddenLine xmlns:a14="http://schemas.microsoft.com/office/drawing/2010/main" xmlns="" w="9525">
+                  <a14:hiddenLine xmlns="" xmlns:a14="http://schemas.microsoft.com/office/drawing/2010/main" w="9525">
                     <a:solidFill>
                       <a:srgbClr val="000000"/>
                     </a:solidFill>
@@ -15115,7 +15162,7 @@
               </a:ln>
               <a:extLst>
                 <a:ext uri="{91240B29-F687-4f45-9708-019B960494DF}">
-                  <a14:hiddenLine xmlns:a14="http://schemas.microsoft.com/office/drawing/2010/main" xmlns="" w="9525">
+                  <a14:hiddenLine xmlns="" xmlns:a14="http://schemas.microsoft.com/office/drawing/2010/main" w="9525">
                     <a:solidFill>
                       <a:srgbClr val="000000"/>
                     </a:solidFill>
@@ -15205,7 +15252,7 @@
               </a:ln>
               <a:extLst>
                 <a:ext uri="{91240B29-F687-4f45-9708-019B960494DF}">
-                  <a14:hiddenLine xmlns:a14="http://schemas.microsoft.com/office/drawing/2010/main" xmlns="" w="9525">
+                  <a14:hiddenLine xmlns="" xmlns:a14="http://schemas.microsoft.com/office/drawing/2010/main" w="9525">
                     <a:solidFill>
                       <a:srgbClr val="000000"/>
                     </a:solidFill>
@@ -15239,7 +15286,7 @@
               </a:ln>
               <a:extLst>
                 <a:ext uri="{91240B29-F687-4f45-9708-019B960494DF}">
-                  <a14:hiddenLine xmlns:a14="http://schemas.microsoft.com/office/drawing/2010/main" xmlns="" w="9525">
+                  <a14:hiddenLine xmlns="" xmlns:a14="http://schemas.microsoft.com/office/drawing/2010/main" w="9525">
                     <a:solidFill>
                       <a:srgbClr val="000000"/>
                     </a:solidFill>
@@ -15304,7 +15351,7 @@
               </a:ln>
               <a:extLst>
                 <a:ext uri="{91240B29-F687-4f45-9708-019B960494DF}">
-                  <a14:hiddenLine xmlns:a14="http://schemas.microsoft.com/office/drawing/2010/main" xmlns="" w="9525">
+                  <a14:hiddenLine xmlns="" xmlns:a14="http://schemas.microsoft.com/office/drawing/2010/main" w="9525">
                     <a:solidFill>
                       <a:srgbClr val="000000"/>
                     </a:solidFill>
@@ -15394,7 +15441,7 @@
               </a:ln>
               <a:extLst>
                 <a:ext uri="{91240B29-F687-4f45-9708-019B960494DF}">
-                  <a14:hiddenLine xmlns:a14="http://schemas.microsoft.com/office/drawing/2010/main" xmlns="" w="9525">
+                  <a14:hiddenLine xmlns="" xmlns:a14="http://schemas.microsoft.com/office/drawing/2010/main" w="9525">
                     <a:solidFill>
                       <a:srgbClr val="000000"/>
                     </a:solidFill>
@@ -15456,7 +15503,7 @@
               </a:ln>
               <a:extLst>
                 <a:ext uri="{91240B29-F687-4f45-9708-019B960494DF}">
-                  <a14:hiddenLine xmlns:a14="http://schemas.microsoft.com/office/drawing/2010/main" xmlns="" w="9525">
+                  <a14:hiddenLine xmlns="" xmlns:a14="http://schemas.microsoft.com/office/drawing/2010/main" w="9525">
                     <a:solidFill>
                       <a:srgbClr val="000000"/>
                     </a:solidFill>
@@ -15546,7 +15593,7 @@
               </a:ln>
               <a:extLst>
                 <a:ext uri="{91240B29-F687-4f45-9708-019B960494DF}">
-                  <a14:hiddenLine xmlns:a14="http://schemas.microsoft.com/office/drawing/2010/main" xmlns="" w="9525">
+                  <a14:hiddenLine xmlns="" xmlns:a14="http://schemas.microsoft.com/office/drawing/2010/main" w="9525">
                     <a:solidFill>
                       <a:srgbClr val="000000"/>
                     </a:solidFill>
@@ -15611,7 +15658,7 @@
               </a:ln>
               <a:extLst>
                 <a:ext uri="{91240B29-F687-4f45-9708-019B960494DF}">
-                  <a14:hiddenLine xmlns:a14="http://schemas.microsoft.com/office/drawing/2010/main" xmlns="" w="9525">
+                  <a14:hiddenLine xmlns="" xmlns:a14="http://schemas.microsoft.com/office/drawing/2010/main" w="9525">
                     <a:solidFill>
                       <a:srgbClr val="000000"/>
                     </a:solidFill>
@@ -15673,7 +15720,7 @@
               </a:ln>
               <a:extLst>
                 <a:ext uri="{91240B29-F687-4f45-9708-019B960494DF}">
-                  <a14:hiddenLine xmlns:a14="http://schemas.microsoft.com/office/drawing/2010/main" xmlns="" w="9525">
+                  <a14:hiddenLine xmlns="" xmlns:a14="http://schemas.microsoft.com/office/drawing/2010/main" w="9525">
                     <a:solidFill>
                       <a:srgbClr val="000000"/>
                     </a:solidFill>
@@ -15763,7 +15810,7 @@
               </a:ln>
               <a:extLst>
                 <a:ext uri="{91240B29-F687-4f45-9708-019B960494DF}">
-                  <a14:hiddenLine xmlns:a14="http://schemas.microsoft.com/office/drawing/2010/main" xmlns="" w="9525">
+                  <a14:hiddenLine xmlns="" xmlns:a14="http://schemas.microsoft.com/office/drawing/2010/main" w="9525">
                     <a:solidFill>
                       <a:srgbClr val="000000"/>
                     </a:solidFill>
@@ -15853,7 +15900,7 @@
               </a:ln>
               <a:extLst>
                 <a:ext uri="{91240B29-F687-4f45-9708-019B960494DF}">
-                  <a14:hiddenLine xmlns:a14="http://schemas.microsoft.com/office/drawing/2010/main" xmlns="" w="9525">
+                  <a14:hiddenLine xmlns="" xmlns:a14="http://schemas.microsoft.com/office/drawing/2010/main" w="9525">
                     <a:solidFill>
                       <a:srgbClr val="000000"/>
                     </a:solidFill>
@@ -15918,7 +15965,7 @@
               </a:ln>
               <a:extLst>
                 <a:ext uri="{91240B29-F687-4f45-9708-019B960494DF}">
-                  <a14:hiddenLine xmlns:a14="http://schemas.microsoft.com/office/drawing/2010/main" xmlns="" w="9525">
+                  <a14:hiddenLine xmlns="" xmlns:a14="http://schemas.microsoft.com/office/drawing/2010/main" w="9525">
                     <a:solidFill>
                       <a:srgbClr val="000000"/>
                     </a:solidFill>
@@ -16038,7 +16085,7 @@
               </a:ln>
               <a:extLst>
                 <a:ext uri="{91240B29-F687-4f45-9708-019B960494DF}">
-                  <a14:hiddenLine xmlns:a14="http://schemas.microsoft.com/office/drawing/2010/main" xmlns="" w="9525">
+                  <a14:hiddenLine xmlns="" xmlns:a14="http://schemas.microsoft.com/office/drawing/2010/main" w="9525">
                     <a:solidFill>
                       <a:srgbClr val="000000"/>
                     </a:solidFill>
@@ -16136,7 +16183,7 @@
               </a:ln>
               <a:extLst>
                 <a:ext uri="{91240B29-F687-4f45-9708-019B960494DF}">
-                  <a14:hiddenLine xmlns:a14="http://schemas.microsoft.com/office/drawing/2010/main" xmlns="" w="9525">
+                  <a14:hiddenLine xmlns="" xmlns:a14="http://schemas.microsoft.com/office/drawing/2010/main" w="9525">
                     <a:solidFill>
                       <a:srgbClr val="000000"/>
                     </a:solidFill>
@@ -16251,7 +16298,7 @@
               </a:ln>
               <a:extLst>
                 <a:ext uri="{91240B29-F687-4f45-9708-019B960494DF}">
-                  <a14:hiddenLine xmlns:a14="http://schemas.microsoft.com/office/drawing/2010/main" xmlns="" w="9525">
+                  <a14:hiddenLine xmlns="" xmlns:a14="http://schemas.microsoft.com/office/drawing/2010/main" w="9525">
                     <a:solidFill>
                       <a:srgbClr val="000000"/>
                     </a:solidFill>
@@ -16341,7 +16388,7 @@
               </a:ln>
               <a:extLst>
                 <a:ext uri="{91240B29-F687-4f45-9708-019B960494DF}">
-                  <a14:hiddenLine xmlns:a14="http://schemas.microsoft.com/office/drawing/2010/main" xmlns="" w="9525">
+                  <a14:hiddenLine xmlns="" xmlns:a14="http://schemas.microsoft.com/office/drawing/2010/main" w="9525">
                     <a:solidFill>
                       <a:srgbClr val="000000"/>
                     </a:solidFill>
@@ -16406,7 +16453,7 @@
               </a:ln>
               <a:extLst>
                 <a:ext uri="{91240B29-F687-4f45-9708-019B960494DF}">
-                  <a14:hiddenLine xmlns:a14="http://schemas.microsoft.com/office/drawing/2010/main" xmlns="" w="9525">
+                  <a14:hiddenLine xmlns="" xmlns:a14="http://schemas.microsoft.com/office/drawing/2010/main" w="9525">
                     <a:solidFill>
                       <a:srgbClr val="000000"/>
                     </a:solidFill>
@@ -16496,7 +16543,7 @@
               </a:ln>
               <a:extLst>
                 <a:ext uri="{91240B29-F687-4f45-9708-019B960494DF}">
-                  <a14:hiddenLine xmlns:a14="http://schemas.microsoft.com/office/drawing/2010/main" xmlns="" w="9525">
+                  <a14:hiddenLine xmlns="" xmlns:a14="http://schemas.microsoft.com/office/drawing/2010/main" w="9525">
                     <a:solidFill>
                       <a:srgbClr val="000000"/>
                     </a:solidFill>
@@ -16564,7 +16611,7 @@
               </a:ln>
               <a:extLst>
                 <a:ext uri="{91240B29-F687-4f45-9708-019B960494DF}">
-                  <a14:hiddenLine xmlns:a14="http://schemas.microsoft.com/office/drawing/2010/main" xmlns="" w="9525">
+                  <a14:hiddenLine xmlns="" xmlns:a14="http://schemas.microsoft.com/office/drawing/2010/main" w="9525">
                     <a:solidFill>
                       <a:srgbClr val="000000"/>
                     </a:solidFill>
@@ -16654,7 +16701,7 @@
               </a:ln>
               <a:extLst>
                 <a:ext uri="{91240B29-F687-4f45-9708-019B960494DF}">
-                  <a14:hiddenLine xmlns:a14="http://schemas.microsoft.com/office/drawing/2010/main" xmlns="" w="9525">
+                  <a14:hiddenLine xmlns="" xmlns:a14="http://schemas.microsoft.com/office/drawing/2010/main" w="9525">
                     <a:solidFill>
                       <a:srgbClr val="000000"/>
                     </a:solidFill>
@@ -16722,7 +16769,7 @@
               </a:ln>
               <a:extLst>
                 <a:ext uri="{91240B29-F687-4f45-9708-019B960494DF}">
-                  <a14:hiddenLine xmlns:a14="http://schemas.microsoft.com/office/drawing/2010/main" xmlns="" w="9525">
+                  <a14:hiddenLine xmlns="" xmlns:a14="http://schemas.microsoft.com/office/drawing/2010/main" w="9525">
                     <a:solidFill>
                       <a:srgbClr val="000000"/>
                     </a:solidFill>
@@ -16812,7 +16859,7 @@
               </a:ln>
               <a:extLst>
                 <a:ext uri="{91240B29-F687-4f45-9708-019B960494DF}">
-                  <a14:hiddenLine xmlns:a14="http://schemas.microsoft.com/office/drawing/2010/main" xmlns="" w="9525">
+                  <a14:hiddenLine xmlns="" xmlns:a14="http://schemas.microsoft.com/office/drawing/2010/main" w="9525">
                     <a:solidFill>
                       <a:srgbClr val="000000"/>
                     </a:solidFill>
@@ -16846,7 +16893,7 @@
               </a:ln>
               <a:extLst>
                 <a:ext uri="{91240B29-F687-4f45-9708-019B960494DF}">
-                  <a14:hiddenLine xmlns:a14="http://schemas.microsoft.com/office/drawing/2010/main" xmlns="" w="9525">
+                  <a14:hiddenLine xmlns="" xmlns:a14="http://schemas.microsoft.com/office/drawing/2010/main" w="9525">
                     <a:solidFill>
                       <a:srgbClr val="000000"/>
                     </a:solidFill>

--- a/TaskScheduler/TaskScheduler.pptx
+++ b/TaskScheduler/TaskScheduler.pptx
@@ -1010,7 +1010,7 @@
           <a:p>
             <a:fld id="{857CC94D-E614-4874-A919-F25B27309A09}" type="datetimeFigureOut">
               <a:rPr lang="en-CA" smtClean="0"/>
-              <a:t>2024-09-24</a:t>
+              <a:t>2024-09-26</a:t>
             </a:fld>
             <a:endParaRPr lang="en-CA"/>
           </a:p>
@@ -2365,8 +2365,13 @@
             </a:pPr>
             <a:r>
               <a:rPr lang="en-CA" dirty="0"/>
-              <a:t>No virtual functions, more efficient</a:t>
-            </a:r>
+              <a:t>No virtual functions, more efficient </a:t>
+            </a:r>
+            <a:r>
+              <a:rPr lang="en-CA" i="1" dirty="0"/>
+              <a:t>in theory</a:t>
+            </a:r>
+            <a:endParaRPr lang="en-CA" dirty="0"/>
           </a:p>
           <a:p>
             <a:pPr marL="628650" lvl="1" indent="-171450">
@@ -2385,7 +2390,30 @@
             </a:pPr>
             <a:r>
               <a:rPr lang="en-CA" dirty="0"/>
-              <a:t>Maybe discuss later</a:t>
+              <a:t>And it’s not more efficient because the compiler </a:t>
+            </a:r>
+            <a:r>
+              <a:rPr lang="en-CA" dirty="0" err="1"/>
+              <a:t>inlines</a:t>
+            </a:r>
+            <a:r>
+              <a:rPr lang="en-CA" dirty="0"/>
+              <a:t> the virtual calls (in </a:t>
+            </a:r>
+            <a:r>
+              <a:rPr lang="en-CA"/>
+              <a:t>my projects)</a:t>
+            </a:r>
+            <a:endParaRPr lang="en-CA" dirty="0"/>
+          </a:p>
+          <a:p>
+            <a:pPr marL="628650" lvl="1" indent="-171450">
+              <a:buFont typeface="Arial" panose="020B0604020202020204" pitchFamily="34" charset="0"/>
+              <a:buChar char="•"/>
+            </a:pPr>
+            <a:r>
+              <a:rPr lang="en-CA" dirty="0"/>
+              <a:t>Maybe discuss more later</a:t>
             </a:r>
           </a:p>
           <a:p>
@@ -4047,7 +4075,7 @@
           <a:noFill/>
           <a:extLst>
             <a:ext uri="{909E8E84-426E-40dd-AFC4-6F175D3DCCD1}">
-              <a14:hiddenFill xmlns="" xmlns:a14="http://schemas.microsoft.com/office/drawing/2010/main">
+              <a14:hiddenFill xmlns:a14="http://schemas.microsoft.com/office/drawing/2010/main" xmlns="">
                 <a:solidFill>
                   <a:srgbClr val="FFFFFF"/>
                 </a:solidFill>
@@ -4113,7 +4141,7 @@
             </a:ln>
             <a:extLst>
               <a:ext uri="{91240B29-F687-4f45-9708-019B960494DF}">
-                <a14:hiddenLine xmlns="" xmlns:a14="http://schemas.microsoft.com/office/drawing/2010/main" w="9525">
+                <a14:hiddenLine xmlns:a14="http://schemas.microsoft.com/office/drawing/2010/main" xmlns="" w="9525">
                   <a:solidFill>
                     <a:srgbClr val="000000"/>
                   </a:solidFill>
@@ -4203,7 +4231,7 @@
             </a:ln>
             <a:extLst>
               <a:ext uri="{91240B29-F687-4f45-9708-019B960494DF}">
-                <a14:hiddenLine xmlns="" xmlns:a14="http://schemas.microsoft.com/office/drawing/2010/main" w="9525">
+                <a14:hiddenLine xmlns:a14="http://schemas.microsoft.com/office/drawing/2010/main" xmlns="" w="9525">
                   <a:solidFill>
                     <a:srgbClr val="000000"/>
                   </a:solidFill>
@@ -4293,7 +4321,7 @@
             </a:ln>
             <a:extLst>
               <a:ext uri="{91240B29-F687-4f45-9708-019B960494DF}">
-                <a14:hiddenLine xmlns="" xmlns:a14="http://schemas.microsoft.com/office/drawing/2010/main" w="9525">
+                <a14:hiddenLine xmlns:a14="http://schemas.microsoft.com/office/drawing/2010/main" xmlns="" w="9525">
                   <a:solidFill>
                     <a:srgbClr val="000000"/>
                   </a:solidFill>
@@ -4327,7 +4355,7 @@
             </a:ln>
             <a:extLst>
               <a:ext uri="{91240B29-F687-4f45-9708-019B960494DF}">
-                <a14:hiddenLine xmlns="" xmlns:a14="http://schemas.microsoft.com/office/drawing/2010/main" w="9525">
+                <a14:hiddenLine xmlns:a14="http://schemas.microsoft.com/office/drawing/2010/main" xmlns="" w="9525">
                   <a:solidFill>
                     <a:srgbClr val="000000"/>
                   </a:solidFill>
@@ -4417,7 +4445,7 @@
             </a:ln>
             <a:extLst>
               <a:ext uri="{91240B29-F687-4f45-9708-019B960494DF}">
-                <a14:hiddenLine xmlns="" xmlns:a14="http://schemas.microsoft.com/office/drawing/2010/main" w="9525">
+                <a14:hiddenLine xmlns:a14="http://schemas.microsoft.com/office/drawing/2010/main" xmlns="" w="9525">
                   <a:solidFill>
                     <a:srgbClr val="000000"/>
                   </a:solidFill>
@@ -4479,7 +4507,7 @@
             </a:ln>
             <a:extLst>
               <a:ext uri="{91240B29-F687-4f45-9708-019B960494DF}">
-                <a14:hiddenLine xmlns="" xmlns:a14="http://schemas.microsoft.com/office/drawing/2010/main" w="9525">
+                <a14:hiddenLine xmlns:a14="http://schemas.microsoft.com/office/drawing/2010/main" xmlns="" w="9525">
                   <a:solidFill>
                     <a:srgbClr val="000000"/>
                   </a:solidFill>
@@ -4541,7 +4569,7 @@
             </a:ln>
             <a:extLst>
               <a:ext uri="{91240B29-F687-4f45-9708-019B960494DF}">
-                <a14:hiddenLine xmlns="" xmlns:a14="http://schemas.microsoft.com/office/drawing/2010/main" w="9525">
+                <a14:hiddenLine xmlns:a14="http://schemas.microsoft.com/office/drawing/2010/main" xmlns="" w="9525">
                   <a:solidFill>
                     <a:srgbClr val="000000"/>
                   </a:solidFill>
@@ -4631,7 +4659,7 @@
             </a:ln>
             <a:extLst>
               <a:ext uri="{91240B29-F687-4f45-9708-019B960494DF}">
-                <a14:hiddenLine xmlns="" xmlns:a14="http://schemas.microsoft.com/office/drawing/2010/main" w="9525">
+                <a14:hiddenLine xmlns:a14="http://schemas.microsoft.com/office/drawing/2010/main" xmlns="" w="9525">
                   <a:solidFill>
                     <a:srgbClr val="000000"/>
                   </a:solidFill>
@@ -4693,7 +4721,7 @@
             </a:ln>
             <a:extLst>
               <a:ext uri="{91240B29-F687-4f45-9708-019B960494DF}">
-                <a14:hiddenLine xmlns="" xmlns:a14="http://schemas.microsoft.com/office/drawing/2010/main" w="9525">
+                <a14:hiddenLine xmlns:a14="http://schemas.microsoft.com/office/drawing/2010/main" xmlns="" w="9525">
                   <a:solidFill>
                     <a:srgbClr val="000000"/>
                   </a:solidFill>
@@ -4755,7 +4783,7 @@
             </a:ln>
             <a:extLst>
               <a:ext uri="{91240B29-F687-4f45-9708-019B960494DF}">
-                <a14:hiddenLine xmlns="" xmlns:a14="http://schemas.microsoft.com/office/drawing/2010/main" w="9525">
+                <a14:hiddenLine xmlns:a14="http://schemas.microsoft.com/office/drawing/2010/main" xmlns="" w="9525">
                   <a:solidFill>
                     <a:srgbClr val="000000"/>
                   </a:solidFill>
@@ -4845,7 +4873,7 @@
             </a:ln>
             <a:extLst>
               <a:ext uri="{91240B29-F687-4f45-9708-019B960494DF}">
-                <a14:hiddenLine xmlns="" xmlns:a14="http://schemas.microsoft.com/office/drawing/2010/main" w="9525">
+                <a14:hiddenLine xmlns:a14="http://schemas.microsoft.com/office/drawing/2010/main" xmlns="" w="9525">
                   <a:solidFill>
                     <a:srgbClr val="000000"/>
                   </a:solidFill>
@@ -4935,7 +4963,7 @@
             </a:ln>
             <a:extLst>
               <a:ext uri="{91240B29-F687-4f45-9708-019B960494DF}">
-                <a14:hiddenLine xmlns="" xmlns:a14="http://schemas.microsoft.com/office/drawing/2010/main" w="9525">
+                <a14:hiddenLine xmlns:a14="http://schemas.microsoft.com/office/drawing/2010/main" xmlns="" w="9525">
                   <a:solidFill>
                     <a:srgbClr val="000000"/>
                   </a:solidFill>
@@ -4997,7 +5025,7 @@
             </a:ln>
             <a:extLst>
               <a:ext uri="{91240B29-F687-4f45-9708-019B960494DF}">
-                <a14:hiddenLine xmlns="" xmlns:a14="http://schemas.microsoft.com/office/drawing/2010/main" w="9525">
+                <a14:hiddenLine xmlns:a14="http://schemas.microsoft.com/office/drawing/2010/main" xmlns="" w="9525">
                   <a:solidFill>
                     <a:srgbClr val="000000"/>
                   </a:solidFill>
@@ -5107,7 +5135,7 @@
             </a:ln>
             <a:extLst>
               <a:ext uri="{91240B29-F687-4f45-9708-019B960494DF}">
-                <a14:hiddenLine xmlns="" xmlns:a14="http://schemas.microsoft.com/office/drawing/2010/main" w="9525">
+                <a14:hiddenLine xmlns:a14="http://schemas.microsoft.com/office/drawing/2010/main" xmlns="" w="9525">
                   <a:solidFill>
                     <a:srgbClr val="000000"/>
                   </a:solidFill>
@@ -5169,7 +5197,7 @@
             </a:ln>
             <a:extLst>
               <a:ext uri="{91240B29-F687-4f45-9708-019B960494DF}">
-                <a14:hiddenLine xmlns="" xmlns:a14="http://schemas.microsoft.com/office/drawing/2010/main" w="9525">
+                <a14:hiddenLine xmlns:a14="http://schemas.microsoft.com/office/drawing/2010/main" xmlns="" w="9525">
                   <a:solidFill>
                     <a:srgbClr val="000000"/>
                   </a:solidFill>
@@ -5259,7 +5287,7 @@
             </a:ln>
             <a:extLst>
               <a:ext uri="{91240B29-F687-4f45-9708-019B960494DF}">
-                <a14:hiddenLine xmlns="" xmlns:a14="http://schemas.microsoft.com/office/drawing/2010/main" w="9525">
+                <a14:hiddenLine xmlns:a14="http://schemas.microsoft.com/office/drawing/2010/main" xmlns="" w="9525">
                   <a:solidFill>
                     <a:srgbClr val="000000"/>
                   </a:solidFill>
@@ -5349,7 +5377,7 @@
             </a:ln>
             <a:extLst>
               <a:ext uri="{91240B29-F687-4f45-9708-019B960494DF}">
-                <a14:hiddenLine xmlns="" xmlns:a14="http://schemas.microsoft.com/office/drawing/2010/main" w="9525">
+                <a14:hiddenLine xmlns:a14="http://schemas.microsoft.com/office/drawing/2010/main" xmlns="" w="9525">
                   <a:solidFill>
                     <a:srgbClr val="000000"/>
                   </a:solidFill>
@@ -5411,7 +5439,7 @@
             </a:ln>
             <a:extLst>
               <a:ext uri="{91240B29-F687-4f45-9708-019B960494DF}">
-                <a14:hiddenLine xmlns="" xmlns:a14="http://schemas.microsoft.com/office/drawing/2010/main" w="9525">
+                <a14:hiddenLine xmlns:a14="http://schemas.microsoft.com/office/drawing/2010/main" xmlns="" w="9525">
                   <a:solidFill>
                     <a:srgbClr val="000000"/>
                   </a:solidFill>
@@ -5501,7 +5529,7 @@
             </a:ln>
             <a:extLst>
               <a:ext uri="{91240B29-F687-4f45-9708-019B960494DF}">
-                <a14:hiddenLine xmlns="" xmlns:a14="http://schemas.microsoft.com/office/drawing/2010/main" w="9525">
+                <a14:hiddenLine xmlns:a14="http://schemas.microsoft.com/office/drawing/2010/main" xmlns="" w="9525">
                   <a:solidFill>
                     <a:srgbClr val="000000"/>
                   </a:solidFill>
@@ -5591,7 +5619,7 @@
             </a:ln>
             <a:extLst>
               <a:ext uri="{91240B29-F687-4f45-9708-019B960494DF}">
-                <a14:hiddenLine xmlns="" xmlns:a14="http://schemas.microsoft.com/office/drawing/2010/main" w="9525">
+                <a14:hiddenLine xmlns:a14="http://schemas.microsoft.com/office/drawing/2010/main" xmlns="" w="9525">
                   <a:solidFill>
                     <a:srgbClr val="000000"/>
                   </a:solidFill>
@@ -5647,7 +5675,7 @@
             </a:ln>
             <a:extLst>
               <a:ext uri="{91240B29-F687-4f45-9708-019B960494DF}">
-                <a14:hiddenLine xmlns="" xmlns:a14="http://schemas.microsoft.com/office/drawing/2010/main" w="9525">
+                <a14:hiddenLine xmlns:a14="http://schemas.microsoft.com/office/drawing/2010/main" xmlns="" w="9525">
                   <a:solidFill>
                     <a:srgbClr val="000000"/>
                   </a:solidFill>
@@ -5737,7 +5765,7 @@
             </a:ln>
             <a:extLst>
               <a:ext uri="{91240B29-F687-4f45-9708-019B960494DF}">
-                <a14:hiddenLine xmlns="" xmlns:a14="http://schemas.microsoft.com/office/drawing/2010/main" w="9525">
+                <a14:hiddenLine xmlns:a14="http://schemas.microsoft.com/office/drawing/2010/main" xmlns="" w="9525">
                   <a:solidFill>
                     <a:srgbClr val="000000"/>
                   </a:solidFill>
@@ -5793,7 +5821,7 @@
             </a:ln>
             <a:extLst>
               <a:ext uri="{91240B29-F687-4f45-9708-019B960494DF}">
-                <a14:hiddenLine xmlns="" xmlns:a14="http://schemas.microsoft.com/office/drawing/2010/main" w="9525">
+                <a14:hiddenLine xmlns:a14="http://schemas.microsoft.com/office/drawing/2010/main" xmlns="" w="9525">
                   <a:solidFill>
                     <a:srgbClr val="000000"/>
                   </a:solidFill>
@@ -5883,7 +5911,7 @@
             </a:ln>
             <a:extLst>
               <a:ext uri="{91240B29-F687-4f45-9708-019B960494DF}">
-                <a14:hiddenLine xmlns="" xmlns:a14="http://schemas.microsoft.com/office/drawing/2010/main" w="9525">
+                <a14:hiddenLine xmlns:a14="http://schemas.microsoft.com/office/drawing/2010/main" xmlns="" w="9525">
                   <a:solidFill>
                     <a:srgbClr val="000000"/>
                   </a:solidFill>
@@ -5951,7 +5979,7 @@
             </a:ln>
             <a:extLst>
               <a:ext uri="{91240B29-F687-4f45-9708-019B960494DF}">
-                <a14:hiddenLine xmlns="" xmlns:a14="http://schemas.microsoft.com/office/drawing/2010/main" w="9525">
+                <a14:hiddenLine xmlns:a14="http://schemas.microsoft.com/office/drawing/2010/main" xmlns="" w="9525">
                   <a:solidFill>
                     <a:srgbClr val="000000"/>
                   </a:solidFill>
@@ -6041,7 +6069,7 @@
             </a:ln>
             <a:extLst>
               <a:ext uri="{91240B29-F687-4f45-9708-019B960494DF}">
-                <a14:hiddenLine xmlns="" xmlns:a14="http://schemas.microsoft.com/office/drawing/2010/main" w="9525">
+                <a14:hiddenLine xmlns:a14="http://schemas.microsoft.com/office/drawing/2010/main" xmlns="" w="9525">
                   <a:solidFill>
                     <a:srgbClr val="000000"/>
                   </a:solidFill>
@@ -6109,7 +6137,7 @@
             </a:ln>
             <a:extLst>
               <a:ext uri="{91240B29-F687-4f45-9708-019B960494DF}">
-                <a14:hiddenLine xmlns="" xmlns:a14="http://schemas.microsoft.com/office/drawing/2010/main" w="9525">
+                <a14:hiddenLine xmlns:a14="http://schemas.microsoft.com/office/drawing/2010/main" xmlns="" w="9525">
                   <a:solidFill>
                     <a:srgbClr val="000000"/>
                   </a:solidFill>
@@ -6199,7 +6227,7 @@
             </a:ln>
             <a:extLst>
               <a:ext uri="{91240B29-F687-4f45-9708-019B960494DF}">
-                <a14:hiddenLine xmlns="" xmlns:a14="http://schemas.microsoft.com/office/drawing/2010/main" w="9525">
+                <a14:hiddenLine xmlns:a14="http://schemas.microsoft.com/office/drawing/2010/main" xmlns="" w="9525">
                   <a:solidFill>
                     <a:srgbClr val="000000"/>
                   </a:solidFill>
@@ -6233,7 +6261,7 @@
             </a:ln>
             <a:extLst>
               <a:ext uri="{91240B29-F687-4f45-9708-019B960494DF}">
-                <a14:hiddenLine xmlns="" xmlns:a14="http://schemas.microsoft.com/office/drawing/2010/main" w="9525">
+                <a14:hiddenLine xmlns:a14="http://schemas.microsoft.com/office/drawing/2010/main" xmlns="" w="9525">
                   <a:solidFill>
                     <a:srgbClr val="000000"/>
                   </a:solidFill>
@@ -6323,7 +6351,7 @@
             </a:ln>
             <a:extLst>
               <a:ext uri="{91240B29-F687-4f45-9708-019B960494DF}">
-                <a14:hiddenLine xmlns="" xmlns:a14="http://schemas.microsoft.com/office/drawing/2010/main" w="9525">
+                <a14:hiddenLine xmlns:a14="http://schemas.microsoft.com/office/drawing/2010/main" xmlns="" w="9525">
                   <a:solidFill>
                     <a:srgbClr val="000000"/>
                   </a:solidFill>
@@ -6385,7 +6413,7 @@
             </a:ln>
             <a:extLst>
               <a:ext uri="{91240B29-F687-4f45-9708-019B960494DF}">
-                <a14:hiddenLine xmlns="" xmlns:a14="http://schemas.microsoft.com/office/drawing/2010/main" w="9525">
+                <a14:hiddenLine xmlns:a14="http://schemas.microsoft.com/office/drawing/2010/main" xmlns="" w="9525">
                   <a:solidFill>
                     <a:srgbClr val="000000"/>
                   </a:solidFill>
@@ -6447,7 +6475,7 @@
             </a:ln>
             <a:extLst>
               <a:ext uri="{91240B29-F687-4f45-9708-019B960494DF}">
-                <a14:hiddenLine xmlns="" xmlns:a14="http://schemas.microsoft.com/office/drawing/2010/main" w="9525">
+                <a14:hiddenLine xmlns:a14="http://schemas.microsoft.com/office/drawing/2010/main" xmlns="" w="9525">
                   <a:solidFill>
                     <a:srgbClr val="000000"/>
                   </a:solidFill>
@@ -6537,7 +6565,7 @@
             </a:ln>
             <a:extLst>
               <a:ext uri="{91240B29-F687-4f45-9708-019B960494DF}">
-                <a14:hiddenLine xmlns="" xmlns:a14="http://schemas.microsoft.com/office/drawing/2010/main" w="9525">
+                <a14:hiddenLine xmlns:a14="http://schemas.microsoft.com/office/drawing/2010/main" xmlns="" w="9525">
                   <a:solidFill>
                     <a:srgbClr val="000000"/>
                   </a:solidFill>
@@ -6605,7 +6633,7 @@
             </a:ln>
             <a:extLst>
               <a:ext uri="{91240B29-F687-4f45-9708-019B960494DF}">
-                <a14:hiddenLine xmlns="" xmlns:a14="http://schemas.microsoft.com/office/drawing/2010/main" w="9525">
+                <a14:hiddenLine xmlns:a14="http://schemas.microsoft.com/office/drawing/2010/main" xmlns="" w="9525">
                   <a:solidFill>
                     <a:srgbClr val="000000"/>
                   </a:solidFill>
@@ -6667,7 +6695,7 @@
             </a:ln>
             <a:extLst>
               <a:ext uri="{91240B29-F687-4f45-9708-019B960494DF}">
-                <a14:hiddenLine xmlns="" xmlns:a14="http://schemas.microsoft.com/office/drawing/2010/main" w="9525">
+                <a14:hiddenLine xmlns:a14="http://schemas.microsoft.com/office/drawing/2010/main" xmlns="" w="9525">
                   <a:solidFill>
                     <a:srgbClr val="000000"/>
                   </a:solidFill>
@@ -6757,7 +6785,7 @@
             </a:ln>
             <a:extLst>
               <a:ext uri="{91240B29-F687-4f45-9708-019B960494DF}">
-                <a14:hiddenLine xmlns="" xmlns:a14="http://schemas.microsoft.com/office/drawing/2010/main" w="9525">
+                <a14:hiddenLine xmlns:a14="http://schemas.microsoft.com/office/drawing/2010/main" xmlns="" w="9525">
                   <a:solidFill>
                     <a:srgbClr val="000000"/>
                   </a:solidFill>
@@ -6819,7 +6847,7 @@
             </a:ln>
             <a:extLst>
               <a:ext uri="{91240B29-F687-4f45-9708-019B960494DF}">
-                <a14:hiddenLine xmlns="" xmlns:a14="http://schemas.microsoft.com/office/drawing/2010/main" w="9525">
+                <a14:hiddenLine xmlns:a14="http://schemas.microsoft.com/office/drawing/2010/main" xmlns="" w="9525">
                   <a:solidFill>
                     <a:srgbClr val="000000"/>
                   </a:solidFill>
@@ -6909,7 +6937,7 @@
             </a:ln>
             <a:extLst>
               <a:ext uri="{91240B29-F687-4f45-9708-019B960494DF}">
-                <a14:hiddenLine xmlns="" xmlns:a14="http://schemas.microsoft.com/office/drawing/2010/main" w="9525">
+                <a14:hiddenLine xmlns:a14="http://schemas.microsoft.com/office/drawing/2010/main" xmlns="" w="9525">
                   <a:solidFill>
                     <a:srgbClr val="000000"/>
                   </a:solidFill>
@@ -6971,7 +6999,7 @@
             </a:ln>
             <a:extLst>
               <a:ext uri="{91240B29-F687-4f45-9708-019B960494DF}">
-                <a14:hiddenLine xmlns="" xmlns:a14="http://schemas.microsoft.com/office/drawing/2010/main" w="9525">
+                <a14:hiddenLine xmlns:a14="http://schemas.microsoft.com/office/drawing/2010/main" xmlns="" w="9525">
                   <a:solidFill>
                     <a:srgbClr val="000000"/>
                   </a:solidFill>
@@ -7061,7 +7089,7 @@
             </a:ln>
             <a:extLst>
               <a:ext uri="{91240B29-F687-4f45-9708-019B960494DF}">
-                <a14:hiddenLine xmlns="" xmlns:a14="http://schemas.microsoft.com/office/drawing/2010/main" w="9525">
+                <a14:hiddenLine xmlns:a14="http://schemas.microsoft.com/office/drawing/2010/main" xmlns="" w="9525">
                   <a:solidFill>
                     <a:srgbClr val="000000"/>
                   </a:solidFill>
@@ -7095,7 +7123,7 @@
             </a:ln>
             <a:extLst>
               <a:ext uri="{91240B29-F687-4f45-9708-019B960494DF}">
-                <a14:hiddenLine xmlns="" xmlns:a14="http://schemas.microsoft.com/office/drawing/2010/main" w="9525">
+                <a14:hiddenLine xmlns:a14="http://schemas.microsoft.com/office/drawing/2010/main" xmlns="" w="9525">
                   <a:solidFill>
                     <a:srgbClr val="000000"/>
                   </a:solidFill>
@@ -7160,7 +7188,7 @@
             </a:ln>
             <a:extLst>
               <a:ext uri="{91240B29-F687-4f45-9708-019B960494DF}">
-                <a14:hiddenLine xmlns="" xmlns:a14="http://schemas.microsoft.com/office/drawing/2010/main" w="9525">
+                <a14:hiddenLine xmlns:a14="http://schemas.microsoft.com/office/drawing/2010/main" xmlns="" w="9525">
                   <a:solidFill>
                     <a:srgbClr val="000000"/>
                   </a:solidFill>
@@ -7250,7 +7278,7 @@
             </a:ln>
             <a:extLst>
               <a:ext uri="{91240B29-F687-4f45-9708-019B960494DF}">
-                <a14:hiddenLine xmlns="" xmlns:a14="http://schemas.microsoft.com/office/drawing/2010/main" w="9525">
+                <a14:hiddenLine xmlns:a14="http://schemas.microsoft.com/office/drawing/2010/main" xmlns="" w="9525">
                   <a:solidFill>
                     <a:srgbClr val="000000"/>
                   </a:solidFill>
@@ -7312,7 +7340,7 @@
             </a:ln>
             <a:extLst>
               <a:ext uri="{91240B29-F687-4f45-9708-019B960494DF}">
-                <a14:hiddenLine xmlns="" xmlns:a14="http://schemas.microsoft.com/office/drawing/2010/main" w="9525">
+                <a14:hiddenLine xmlns:a14="http://schemas.microsoft.com/office/drawing/2010/main" xmlns="" w="9525">
                   <a:solidFill>
                     <a:srgbClr val="000000"/>
                   </a:solidFill>
@@ -7402,7 +7430,7 @@
             </a:ln>
             <a:extLst>
               <a:ext uri="{91240B29-F687-4f45-9708-019B960494DF}">
-                <a14:hiddenLine xmlns="" xmlns:a14="http://schemas.microsoft.com/office/drawing/2010/main" w="9525">
+                <a14:hiddenLine xmlns:a14="http://schemas.microsoft.com/office/drawing/2010/main" xmlns="" w="9525">
                   <a:solidFill>
                     <a:srgbClr val="000000"/>
                   </a:solidFill>
@@ -7492,7 +7520,7 @@
             </a:ln>
             <a:extLst>
               <a:ext uri="{91240B29-F687-4f45-9708-019B960494DF}">
-                <a14:hiddenLine xmlns="" xmlns:a14="http://schemas.microsoft.com/office/drawing/2010/main" w="9525">
+                <a14:hiddenLine xmlns:a14="http://schemas.microsoft.com/office/drawing/2010/main" xmlns="" w="9525">
                   <a:solidFill>
                     <a:srgbClr val="000000"/>
                   </a:solidFill>
@@ -7557,7 +7585,7 @@
             </a:ln>
             <a:extLst>
               <a:ext uri="{91240B29-F687-4f45-9708-019B960494DF}">
-                <a14:hiddenLine xmlns="" xmlns:a14="http://schemas.microsoft.com/office/drawing/2010/main" w="9525">
+                <a14:hiddenLine xmlns:a14="http://schemas.microsoft.com/office/drawing/2010/main" xmlns="" w="9525">
                   <a:solidFill>
                     <a:srgbClr val="000000"/>
                   </a:solidFill>
@@ -7619,7 +7647,7 @@
             </a:ln>
             <a:extLst>
               <a:ext uri="{91240B29-F687-4f45-9708-019B960494DF}">
-                <a14:hiddenLine xmlns="" xmlns:a14="http://schemas.microsoft.com/office/drawing/2010/main" w="9525">
+                <a14:hiddenLine xmlns:a14="http://schemas.microsoft.com/office/drawing/2010/main" xmlns="" w="9525">
                   <a:solidFill>
                     <a:srgbClr val="000000"/>
                   </a:solidFill>
@@ -7709,7 +7737,7 @@
             </a:ln>
             <a:extLst>
               <a:ext uri="{91240B29-F687-4f45-9708-019B960494DF}">
-                <a14:hiddenLine xmlns="" xmlns:a14="http://schemas.microsoft.com/office/drawing/2010/main" w="9525">
+                <a14:hiddenLine xmlns:a14="http://schemas.microsoft.com/office/drawing/2010/main" xmlns="" w="9525">
                   <a:solidFill>
                     <a:srgbClr val="000000"/>
                   </a:solidFill>
@@ -7799,7 +7827,7 @@
             </a:ln>
             <a:extLst>
               <a:ext uri="{91240B29-F687-4f45-9708-019B960494DF}">
-                <a14:hiddenLine xmlns="" xmlns:a14="http://schemas.microsoft.com/office/drawing/2010/main" w="9525">
+                <a14:hiddenLine xmlns:a14="http://schemas.microsoft.com/office/drawing/2010/main" xmlns="" w="9525">
                   <a:solidFill>
                     <a:srgbClr val="000000"/>
                   </a:solidFill>
@@ -7861,7 +7889,7 @@
             </a:ln>
             <a:extLst>
               <a:ext uri="{91240B29-F687-4f45-9708-019B960494DF}">
-                <a14:hiddenLine xmlns="" xmlns:a14="http://schemas.microsoft.com/office/drawing/2010/main" w="9525">
+                <a14:hiddenLine xmlns:a14="http://schemas.microsoft.com/office/drawing/2010/main" xmlns="" w="9525">
                   <a:solidFill>
                     <a:srgbClr val="000000"/>
                   </a:solidFill>
@@ -7981,7 +8009,7 @@
             </a:ln>
             <a:extLst>
               <a:ext uri="{91240B29-F687-4f45-9708-019B960494DF}">
-                <a14:hiddenLine xmlns="" xmlns:a14="http://schemas.microsoft.com/office/drawing/2010/main" w="9525">
+                <a14:hiddenLine xmlns:a14="http://schemas.microsoft.com/office/drawing/2010/main" xmlns="" w="9525">
                   <a:solidFill>
                     <a:srgbClr val="000000"/>
                   </a:solidFill>
@@ -8049,7 +8077,7 @@
             </a:ln>
             <a:extLst>
               <a:ext uri="{91240B29-F687-4f45-9708-019B960494DF}">
-                <a14:hiddenLine xmlns="" xmlns:a14="http://schemas.microsoft.com/office/drawing/2010/main" w="9525">
+                <a14:hiddenLine xmlns:a14="http://schemas.microsoft.com/office/drawing/2010/main" xmlns="" w="9525">
                   <a:solidFill>
                     <a:srgbClr val="000000"/>
                   </a:solidFill>
@@ -8139,7 +8167,7 @@
             </a:ln>
             <a:extLst>
               <a:ext uri="{91240B29-F687-4f45-9708-019B960494DF}">
-                <a14:hiddenLine xmlns="" xmlns:a14="http://schemas.microsoft.com/office/drawing/2010/main" w="9525">
+                <a14:hiddenLine xmlns:a14="http://schemas.microsoft.com/office/drawing/2010/main" xmlns="" w="9525">
                   <a:solidFill>
                     <a:srgbClr val="000000"/>
                   </a:solidFill>
@@ -14066,7 +14094,7 @@
           <a:noFill/>
           <a:extLst>
             <a:ext uri="{909E8E84-426E-40dd-AFC4-6F175D3DCCD1}">
-              <a14:hiddenFill xmlns="" xmlns:a14="http://schemas.microsoft.com/office/drawing/2010/main">
+              <a14:hiddenFill xmlns:a14="http://schemas.microsoft.com/office/drawing/2010/main" xmlns="">
                 <a:solidFill>
                   <a:srgbClr val="FFFFFF"/>
                 </a:solidFill>
@@ -14146,7 +14174,7 @@
               </a:ln>
               <a:extLst>
                 <a:ext uri="{91240B29-F687-4f45-9708-019B960494DF}">
-                  <a14:hiddenLine xmlns="" xmlns:a14="http://schemas.microsoft.com/office/drawing/2010/main" w="9525">
+                  <a14:hiddenLine xmlns:a14="http://schemas.microsoft.com/office/drawing/2010/main" xmlns="" w="9525">
                     <a:solidFill>
                       <a:srgbClr val="000000"/>
                     </a:solidFill>
@@ -14236,7 +14264,7 @@
               </a:ln>
               <a:extLst>
                 <a:ext uri="{91240B29-F687-4f45-9708-019B960494DF}">
-                  <a14:hiddenLine xmlns="" xmlns:a14="http://schemas.microsoft.com/office/drawing/2010/main" w="9525">
+                  <a14:hiddenLine xmlns:a14="http://schemas.microsoft.com/office/drawing/2010/main" xmlns="" w="9525">
                     <a:solidFill>
                       <a:srgbClr val="000000"/>
                     </a:solidFill>
@@ -14326,7 +14354,7 @@
               </a:ln>
               <a:extLst>
                 <a:ext uri="{91240B29-F687-4f45-9708-019B960494DF}">
-                  <a14:hiddenLine xmlns="" xmlns:a14="http://schemas.microsoft.com/office/drawing/2010/main" w="9525">
+                  <a14:hiddenLine xmlns:a14="http://schemas.microsoft.com/office/drawing/2010/main" xmlns="" w="9525">
                     <a:solidFill>
                       <a:srgbClr val="000000"/>
                     </a:solidFill>
@@ -14388,7 +14416,7 @@
               </a:ln>
               <a:extLst>
                 <a:ext uri="{91240B29-F687-4f45-9708-019B960494DF}">
-                  <a14:hiddenLine xmlns="" xmlns:a14="http://schemas.microsoft.com/office/drawing/2010/main" w="9525">
+                  <a14:hiddenLine xmlns:a14="http://schemas.microsoft.com/office/drawing/2010/main" xmlns="" w="9525">
                     <a:solidFill>
                       <a:srgbClr val="000000"/>
                     </a:solidFill>
@@ -14478,7 +14506,7 @@
               </a:ln>
               <a:extLst>
                 <a:ext uri="{91240B29-F687-4f45-9708-019B960494DF}">
-                  <a14:hiddenLine xmlns="" xmlns:a14="http://schemas.microsoft.com/office/drawing/2010/main" w="9525">
+                  <a14:hiddenLine xmlns:a14="http://schemas.microsoft.com/office/drawing/2010/main" xmlns="" w="9525">
                     <a:solidFill>
                       <a:srgbClr val="000000"/>
                     </a:solidFill>
@@ -14540,7 +14568,7 @@
               </a:ln>
               <a:extLst>
                 <a:ext uri="{91240B29-F687-4f45-9708-019B960494DF}">
-                  <a14:hiddenLine xmlns="" xmlns:a14="http://schemas.microsoft.com/office/drawing/2010/main" w="9525">
+                  <a14:hiddenLine xmlns:a14="http://schemas.microsoft.com/office/drawing/2010/main" xmlns="" w="9525">
                     <a:solidFill>
                       <a:srgbClr val="000000"/>
                     </a:solidFill>
@@ -14602,7 +14630,7 @@
               </a:ln>
               <a:extLst>
                 <a:ext uri="{91240B29-F687-4f45-9708-019B960494DF}">
-                  <a14:hiddenLine xmlns="" xmlns:a14="http://schemas.microsoft.com/office/drawing/2010/main" w="9525">
+                  <a14:hiddenLine xmlns:a14="http://schemas.microsoft.com/office/drawing/2010/main" xmlns="" w="9525">
                     <a:solidFill>
                       <a:srgbClr val="000000"/>
                     </a:solidFill>
@@ -14692,7 +14720,7 @@
               </a:ln>
               <a:extLst>
                 <a:ext uri="{91240B29-F687-4f45-9708-019B960494DF}">
-                  <a14:hiddenLine xmlns="" xmlns:a14="http://schemas.microsoft.com/office/drawing/2010/main" w="9525">
+                  <a14:hiddenLine xmlns:a14="http://schemas.microsoft.com/office/drawing/2010/main" xmlns="" w="9525">
                     <a:solidFill>
                       <a:srgbClr val="000000"/>
                     </a:solidFill>
@@ -14782,7 +14810,7 @@
               </a:ln>
               <a:extLst>
                 <a:ext uri="{91240B29-F687-4f45-9708-019B960494DF}">
-                  <a14:hiddenLine xmlns="" xmlns:a14="http://schemas.microsoft.com/office/drawing/2010/main" w="9525">
+                  <a14:hiddenLine xmlns:a14="http://schemas.microsoft.com/office/drawing/2010/main" xmlns="" w="9525">
                     <a:solidFill>
                       <a:srgbClr val="000000"/>
                     </a:solidFill>
@@ -14844,7 +14872,7 @@
               </a:ln>
               <a:extLst>
                 <a:ext uri="{91240B29-F687-4f45-9708-019B960494DF}">
-                  <a14:hiddenLine xmlns="" xmlns:a14="http://schemas.microsoft.com/office/drawing/2010/main" w="9525">
+                  <a14:hiddenLine xmlns:a14="http://schemas.microsoft.com/office/drawing/2010/main" xmlns="" w="9525">
                     <a:solidFill>
                       <a:srgbClr val="000000"/>
                     </a:solidFill>
@@ -14954,7 +14982,7 @@
               </a:ln>
               <a:extLst>
                 <a:ext uri="{91240B29-F687-4f45-9708-019B960494DF}">
-                  <a14:hiddenLine xmlns="" xmlns:a14="http://schemas.microsoft.com/office/drawing/2010/main" w="9525">
+                  <a14:hiddenLine xmlns:a14="http://schemas.microsoft.com/office/drawing/2010/main" xmlns="" w="9525">
                     <a:solidFill>
                       <a:srgbClr val="000000"/>
                     </a:solidFill>
@@ -15038,7 +15066,7 @@
               </a:ln>
               <a:extLst>
                 <a:ext uri="{91240B29-F687-4f45-9708-019B960494DF}">
-                  <a14:hiddenLine xmlns="" xmlns:a14="http://schemas.microsoft.com/office/drawing/2010/main" w="9525">
+                  <a14:hiddenLine xmlns:a14="http://schemas.microsoft.com/office/drawing/2010/main" xmlns="" w="9525">
                     <a:solidFill>
                       <a:srgbClr val="000000"/>
                     </a:solidFill>
@@ -15100,7 +15128,7 @@
               </a:ln>
               <a:extLst>
                 <a:ext uri="{91240B29-F687-4f45-9708-019B960494DF}">
-                  <a14:hiddenLine xmlns="" xmlns:a14="http://schemas.microsoft.com/office/drawing/2010/main" w="9525">
+                  <a14:hiddenLine xmlns:a14="http://schemas.microsoft.com/office/drawing/2010/main" xmlns="" w="9525">
                     <a:solidFill>
                       <a:srgbClr val="000000"/>
                     </a:solidFill>
@@ -15162,7 +15190,7 @@
               </a:ln>
               <a:extLst>
                 <a:ext uri="{91240B29-F687-4f45-9708-019B960494DF}">
-                  <a14:hiddenLine xmlns="" xmlns:a14="http://schemas.microsoft.com/office/drawing/2010/main" w="9525">
+                  <a14:hiddenLine xmlns:a14="http://schemas.microsoft.com/office/drawing/2010/main" xmlns="" w="9525">
                     <a:solidFill>
                       <a:srgbClr val="000000"/>
                     </a:solidFill>
@@ -15252,7 +15280,7 @@
               </a:ln>
               <a:extLst>
                 <a:ext uri="{91240B29-F687-4f45-9708-019B960494DF}">
-                  <a14:hiddenLine xmlns="" xmlns:a14="http://schemas.microsoft.com/office/drawing/2010/main" w="9525">
+                  <a14:hiddenLine xmlns:a14="http://schemas.microsoft.com/office/drawing/2010/main" xmlns="" w="9525">
                     <a:solidFill>
                       <a:srgbClr val="000000"/>
                     </a:solidFill>
@@ -15286,7 +15314,7 @@
               </a:ln>
               <a:extLst>
                 <a:ext uri="{91240B29-F687-4f45-9708-019B960494DF}">
-                  <a14:hiddenLine xmlns="" xmlns:a14="http://schemas.microsoft.com/office/drawing/2010/main" w="9525">
+                  <a14:hiddenLine xmlns:a14="http://schemas.microsoft.com/office/drawing/2010/main" xmlns="" w="9525">
                     <a:solidFill>
                       <a:srgbClr val="000000"/>
                     </a:solidFill>
@@ -15351,7 +15379,7 @@
               </a:ln>
               <a:extLst>
                 <a:ext uri="{91240B29-F687-4f45-9708-019B960494DF}">
-                  <a14:hiddenLine xmlns="" xmlns:a14="http://schemas.microsoft.com/office/drawing/2010/main" w="9525">
+                  <a14:hiddenLine xmlns:a14="http://schemas.microsoft.com/office/drawing/2010/main" xmlns="" w="9525">
                     <a:solidFill>
                       <a:srgbClr val="000000"/>
                     </a:solidFill>
@@ -15441,7 +15469,7 @@
               </a:ln>
               <a:extLst>
                 <a:ext uri="{91240B29-F687-4f45-9708-019B960494DF}">
-                  <a14:hiddenLine xmlns="" xmlns:a14="http://schemas.microsoft.com/office/drawing/2010/main" w="9525">
+                  <a14:hiddenLine xmlns:a14="http://schemas.microsoft.com/office/drawing/2010/main" xmlns="" w="9525">
                     <a:solidFill>
                       <a:srgbClr val="000000"/>
                     </a:solidFill>
@@ -15503,7 +15531,7 @@
               </a:ln>
               <a:extLst>
                 <a:ext uri="{91240B29-F687-4f45-9708-019B960494DF}">
-                  <a14:hiddenLine xmlns="" xmlns:a14="http://schemas.microsoft.com/office/drawing/2010/main" w="9525">
+                  <a14:hiddenLine xmlns:a14="http://schemas.microsoft.com/office/drawing/2010/main" xmlns="" w="9525">
                     <a:solidFill>
                       <a:srgbClr val="000000"/>
                     </a:solidFill>
@@ -15593,7 +15621,7 @@
               </a:ln>
               <a:extLst>
                 <a:ext uri="{91240B29-F687-4f45-9708-019B960494DF}">
-                  <a14:hiddenLine xmlns="" xmlns:a14="http://schemas.microsoft.com/office/drawing/2010/main" w="9525">
+                  <a14:hiddenLine xmlns:a14="http://schemas.microsoft.com/office/drawing/2010/main" xmlns="" w="9525">
                     <a:solidFill>
                       <a:srgbClr val="000000"/>
                     </a:solidFill>
@@ -15658,7 +15686,7 @@
               </a:ln>
               <a:extLst>
                 <a:ext uri="{91240B29-F687-4f45-9708-019B960494DF}">
-                  <a14:hiddenLine xmlns="" xmlns:a14="http://schemas.microsoft.com/office/drawing/2010/main" w="9525">
+                  <a14:hiddenLine xmlns:a14="http://schemas.microsoft.com/office/drawing/2010/main" xmlns="" w="9525">
                     <a:solidFill>
                       <a:srgbClr val="000000"/>
                     </a:solidFill>
@@ -15720,7 +15748,7 @@
               </a:ln>
               <a:extLst>
                 <a:ext uri="{91240B29-F687-4f45-9708-019B960494DF}">
-                  <a14:hiddenLine xmlns="" xmlns:a14="http://schemas.microsoft.com/office/drawing/2010/main" w="9525">
+                  <a14:hiddenLine xmlns:a14="http://schemas.microsoft.com/office/drawing/2010/main" xmlns="" w="9525">
                     <a:solidFill>
                       <a:srgbClr val="000000"/>
                     </a:solidFill>
@@ -15810,7 +15838,7 @@
               </a:ln>
               <a:extLst>
                 <a:ext uri="{91240B29-F687-4f45-9708-019B960494DF}">
-                  <a14:hiddenLine xmlns="" xmlns:a14="http://schemas.microsoft.com/office/drawing/2010/main" w="9525">
+                  <a14:hiddenLine xmlns:a14="http://schemas.microsoft.com/office/drawing/2010/main" xmlns="" w="9525">
                     <a:solidFill>
                       <a:srgbClr val="000000"/>
                     </a:solidFill>
@@ -15900,7 +15928,7 @@
               </a:ln>
               <a:extLst>
                 <a:ext uri="{91240B29-F687-4f45-9708-019B960494DF}">
-                  <a14:hiddenLine xmlns="" xmlns:a14="http://schemas.microsoft.com/office/drawing/2010/main" w="9525">
+                  <a14:hiddenLine xmlns:a14="http://schemas.microsoft.com/office/drawing/2010/main" xmlns="" w="9525">
                     <a:solidFill>
                       <a:srgbClr val="000000"/>
                     </a:solidFill>
@@ -15965,7 +15993,7 @@
               </a:ln>
               <a:extLst>
                 <a:ext uri="{91240B29-F687-4f45-9708-019B960494DF}">
-                  <a14:hiddenLine xmlns="" xmlns:a14="http://schemas.microsoft.com/office/drawing/2010/main" w="9525">
+                  <a14:hiddenLine xmlns:a14="http://schemas.microsoft.com/office/drawing/2010/main" xmlns="" w="9525">
                     <a:solidFill>
                       <a:srgbClr val="000000"/>
                     </a:solidFill>
@@ -16085,7 +16113,7 @@
               </a:ln>
               <a:extLst>
                 <a:ext uri="{91240B29-F687-4f45-9708-019B960494DF}">
-                  <a14:hiddenLine xmlns="" xmlns:a14="http://schemas.microsoft.com/office/drawing/2010/main" w="9525">
+                  <a14:hiddenLine xmlns:a14="http://schemas.microsoft.com/office/drawing/2010/main" xmlns="" w="9525">
                     <a:solidFill>
                       <a:srgbClr val="000000"/>
                     </a:solidFill>
@@ -16183,7 +16211,7 @@
               </a:ln>
               <a:extLst>
                 <a:ext uri="{91240B29-F687-4f45-9708-019B960494DF}">
-                  <a14:hiddenLine xmlns="" xmlns:a14="http://schemas.microsoft.com/office/drawing/2010/main" w="9525">
+                  <a14:hiddenLine xmlns:a14="http://schemas.microsoft.com/office/drawing/2010/main" xmlns="" w="9525">
                     <a:solidFill>
                       <a:srgbClr val="000000"/>
                     </a:solidFill>
@@ -16298,7 +16326,7 @@
               </a:ln>
               <a:extLst>
                 <a:ext uri="{91240B29-F687-4f45-9708-019B960494DF}">
-                  <a14:hiddenLine xmlns="" xmlns:a14="http://schemas.microsoft.com/office/drawing/2010/main" w="9525">
+                  <a14:hiddenLine xmlns:a14="http://schemas.microsoft.com/office/drawing/2010/main" xmlns="" w="9525">
                     <a:solidFill>
                       <a:srgbClr val="000000"/>
                     </a:solidFill>
@@ -16388,7 +16416,7 @@
               </a:ln>
               <a:extLst>
                 <a:ext uri="{91240B29-F687-4f45-9708-019B960494DF}">
-                  <a14:hiddenLine xmlns="" xmlns:a14="http://schemas.microsoft.com/office/drawing/2010/main" w="9525">
+                  <a14:hiddenLine xmlns:a14="http://schemas.microsoft.com/office/drawing/2010/main" xmlns="" w="9525">
                     <a:solidFill>
                       <a:srgbClr val="000000"/>
                     </a:solidFill>
@@ -16453,7 +16481,7 @@
               </a:ln>
               <a:extLst>
                 <a:ext uri="{91240B29-F687-4f45-9708-019B960494DF}">
-                  <a14:hiddenLine xmlns="" xmlns:a14="http://schemas.microsoft.com/office/drawing/2010/main" w="9525">
+                  <a14:hiddenLine xmlns:a14="http://schemas.microsoft.com/office/drawing/2010/main" xmlns="" w="9525">
                     <a:solidFill>
                       <a:srgbClr val="000000"/>
                     </a:solidFill>
@@ -16543,7 +16571,7 @@
               </a:ln>
               <a:extLst>
                 <a:ext uri="{91240B29-F687-4f45-9708-019B960494DF}">
-                  <a14:hiddenLine xmlns="" xmlns:a14="http://schemas.microsoft.com/office/drawing/2010/main" w="9525">
+                  <a14:hiddenLine xmlns:a14="http://schemas.microsoft.com/office/drawing/2010/main" xmlns="" w="9525">
                     <a:solidFill>
                       <a:srgbClr val="000000"/>
                     </a:solidFill>
@@ -16611,7 +16639,7 @@
               </a:ln>
               <a:extLst>
                 <a:ext uri="{91240B29-F687-4f45-9708-019B960494DF}">
-                  <a14:hiddenLine xmlns="" xmlns:a14="http://schemas.microsoft.com/office/drawing/2010/main" w="9525">
+                  <a14:hiddenLine xmlns:a14="http://schemas.microsoft.com/office/drawing/2010/main" xmlns="" w="9525">
                     <a:solidFill>
                       <a:srgbClr val="000000"/>
                     </a:solidFill>
@@ -16701,7 +16729,7 @@
               </a:ln>
               <a:extLst>
                 <a:ext uri="{91240B29-F687-4f45-9708-019B960494DF}">
-                  <a14:hiddenLine xmlns="" xmlns:a14="http://schemas.microsoft.com/office/drawing/2010/main" w="9525">
+                  <a14:hiddenLine xmlns:a14="http://schemas.microsoft.com/office/drawing/2010/main" xmlns="" w="9525">
                     <a:solidFill>
                       <a:srgbClr val="000000"/>
                     </a:solidFill>
@@ -16769,7 +16797,7 @@
               </a:ln>
               <a:extLst>
                 <a:ext uri="{91240B29-F687-4f45-9708-019B960494DF}">
-                  <a14:hiddenLine xmlns="" xmlns:a14="http://schemas.microsoft.com/office/drawing/2010/main" w="9525">
+                  <a14:hiddenLine xmlns:a14="http://schemas.microsoft.com/office/drawing/2010/main" xmlns="" w="9525">
                     <a:solidFill>
                       <a:srgbClr val="000000"/>
                     </a:solidFill>
@@ -16859,7 +16887,7 @@
               </a:ln>
               <a:extLst>
                 <a:ext uri="{91240B29-F687-4f45-9708-019B960494DF}">
-                  <a14:hiddenLine xmlns="" xmlns:a14="http://schemas.microsoft.com/office/drawing/2010/main" w="9525">
+                  <a14:hiddenLine xmlns:a14="http://schemas.microsoft.com/office/drawing/2010/main" xmlns="" w="9525">
                     <a:solidFill>
                       <a:srgbClr val="000000"/>
                     </a:solidFill>
@@ -16893,7 +16921,7 @@
               </a:ln>
               <a:extLst>
                 <a:ext uri="{91240B29-F687-4f45-9708-019B960494DF}">
-                  <a14:hiddenLine xmlns="" xmlns:a14="http://schemas.microsoft.com/office/drawing/2010/main" w="9525">
+                  <a14:hiddenLine xmlns:a14="http://schemas.microsoft.com/office/drawing/2010/main" xmlns="" w="9525">
                     <a:solidFill>
                       <a:srgbClr val="000000"/>
                     </a:solidFill>

--- a/TaskScheduler/TaskScheduler.pptx
+++ b/TaskScheduler/TaskScheduler.pptx
@@ -1010,7 +1010,7 @@
           <a:p>
             <a:fld id="{857CC94D-E614-4874-A919-F25B27309A09}" type="datetimeFigureOut">
               <a:rPr lang="en-CA" smtClean="0"/>
-              <a:t>2024-09-26</a:t>
+              <a:t>2024-09-28</a:t>
             </a:fld>
             <a:endParaRPr lang="en-CA"/>
           </a:p>
@@ -4075,7 +4075,7 @@
           <a:noFill/>
           <a:extLst>
             <a:ext uri="{909E8E84-426E-40dd-AFC4-6F175D3DCCD1}">
-              <a14:hiddenFill xmlns:a14="http://schemas.microsoft.com/office/drawing/2010/main" xmlns="">
+              <a14:hiddenFill xmlns="" xmlns:a14="http://schemas.microsoft.com/office/drawing/2010/main">
                 <a:solidFill>
                   <a:srgbClr val="FFFFFF"/>
                 </a:solidFill>
@@ -4141,7 +4141,7 @@
             </a:ln>
             <a:extLst>
               <a:ext uri="{91240B29-F687-4f45-9708-019B960494DF}">
-                <a14:hiddenLine xmlns:a14="http://schemas.microsoft.com/office/drawing/2010/main" xmlns="" w="9525">
+                <a14:hiddenLine xmlns="" xmlns:a14="http://schemas.microsoft.com/office/drawing/2010/main" w="9525">
                   <a:solidFill>
                     <a:srgbClr val="000000"/>
                   </a:solidFill>
@@ -4231,7 +4231,7 @@
             </a:ln>
             <a:extLst>
               <a:ext uri="{91240B29-F687-4f45-9708-019B960494DF}">
-                <a14:hiddenLine xmlns:a14="http://schemas.microsoft.com/office/drawing/2010/main" xmlns="" w="9525">
+                <a14:hiddenLine xmlns="" xmlns:a14="http://schemas.microsoft.com/office/drawing/2010/main" w="9525">
                   <a:solidFill>
                     <a:srgbClr val="000000"/>
                   </a:solidFill>
@@ -4321,7 +4321,7 @@
             </a:ln>
             <a:extLst>
               <a:ext uri="{91240B29-F687-4f45-9708-019B960494DF}">
-                <a14:hiddenLine xmlns:a14="http://schemas.microsoft.com/office/drawing/2010/main" xmlns="" w="9525">
+                <a14:hiddenLine xmlns="" xmlns:a14="http://schemas.microsoft.com/office/drawing/2010/main" w="9525">
                   <a:solidFill>
                     <a:srgbClr val="000000"/>
                   </a:solidFill>
@@ -4355,7 +4355,7 @@
             </a:ln>
             <a:extLst>
               <a:ext uri="{91240B29-F687-4f45-9708-019B960494DF}">
-                <a14:hiddenLine xmlns:a14="http://schemas.microsoft.com/office/drawing/2010/main" xmlns="" w="9525">
+                <a14:hiddenLine xmlns="" xmlns:a14="http://schemas.microsoft.com/office/drawing/2010/main" w="9525">
                   <a:solidFill>
                     <a:srgbClr val="000000"/>
                   </a:solidFill>
@@ -4445,7 +4445,7 @@
             </a:ln>
             <a:extLst>
               <a:ext uri="{91240B29-F687-4f45-9708-019B960494DF}">
-                <a14:hiddenLine xmlns:a14="http://schemas.microsoft.com/office/drawing/2010/main" xmlns="" w="9525">
+                <a14:hiddenLine xmlns="" xmlns:a14="http://schemas.microsoft.com/office/drawing/2010/main" w="9525">
                   <a:solidFill>
                     <a:srgbClr val="000000"/>
                   </a:solidFill>
@@ -4507,7 +4507,7 @@
             </a:ln>
             <a:extLst>
               <a:ext uri="{91240B29-F687-4f45-9708-019B960494DF}">
-                <a14:hiddenLine xmlns:a14="http://schemas.microsoft.com/office/drawing/2010/main" xmlns="" w="9525">
+                <a14:hiddenLine xmlns="" xmlns:a14="http://schemas.microsoft.com/office/drawing/2010/main" w="9525">
                   <a:solidFill>
                     <a:srgbClr val="000000"/>
                   </a:solidFill>
@@ -4569,7 +4569,7 @@
             </a:ln>
             <a:extLst>
               <a:ext uri="{91240B29-F687-4f45-9708-019B960494DF}">
-                <a14:hiddenLine xmlns:a14="http://schemas.microsoft.com/office/drawing/2010/main" xmlns="" w="9525">
+                <a14:hiddenLine xmlns="" xmlns:a14="http://schemas.microsoft.com/office/drawing/2010/main" w="9525">
                   <a:solidFill>
                     <a:srgbClr val="000000"/>
                   </a:solidFill>
@@ -4659,7 +4659,7 @@
             </a:ln>
             <a:extLst>
               <a:ext uri="{91240B29-F687-4f45-9708-019B960494DF}">
-                <a14:hiddenLine xmlns:a14="http://schemas.microsoft.com/office/drawing/2010/main" xmlns="" w="9525">
+                <a14:hiddenLine xmlns="" xmlns:a14="http://schemas.microsoft.com/office/drawing/2010/main" w="9525">
                   <a:solidFill>
                     <a:srgbClr val="000000"/>
                   </a:solidFill>
@@ -4721,7 +4721,7 @@
             </a:ln>
             <a:extLst>
               <a:ext uri="{91240B29-F687-4f45-9708-019B960494DF}">
-                <a14:hiddenLine xmlns:a14="http://schemas.microsoft.com/office/drawing/2010/main" xmlns="" w="9525">
+                <a14:hiddenLine xmlns="" xmlns:a14="http://schemas.microsoft.com/office/drawing/2010/main" w="9525">
                   <a:solidFill>
                     <a:srgbClr val="000000"/>
                   </a:solidFill>
@@ -4783,7 +4783,7 @@
             </a:ln>
             <a:extLst>
               <a:ext uri="{91240B29-F687-4f45-9708-019B960494DF}">
-                <a14:hiddenLine xmlns:a14="http://schemas.microsoft.com/office/drawing/2010/main" xmlns="" w="9525">
+                <a14:hiddenLine xmlns="" xmlns:a14="http://schemas.microsoft.com/office/drawing/2010/main" w="9525">
                   <a:solidFill>
                     <a:srgbClr val="000000"/>
                   </a:solidFill>
@@ -4873,7 +4873,7 @@
             </a:ln>
             <a:extLst>
               <a:ext uri="{91240B29-F687-4f45-9708-019B960494DF}">
-                <a14:hiddenLine xmlns:a14="http://schemas.microsoft.com/office/drawing/2010/main" xmlns="" w="9525">
+                <a14:hiddenLine xmlns="" xmlns:a14="http://schemas.microsoft.com/office/drawing/2010/main" w="9525">
                   <a:solidFill>
                     <a:srgbClr val="000000"/>
                   </a:solidFill>
@@ -4963,7 +4963,7 @@
             </a:ln>
             <a:extLst>
               <a:ext uri="{91240B29-F687-4f45-9708-019B960494DF}">
-                <a14:hiddenLine xmlns:a14="http://schemas.microsoft.com/office/drawing/2010/main" xmlns="" w="9525">
+                <a14:hiddenLine xmlns="" xmlns:a14="http://schemas.microsoft.com/office/drawing/2010/main" w="9525">
                   <a:solidFill>
                     <a:srgbClr val="000000"/>
                   </a:solidFill>
@@ -5025,7 +5025,7 @@
             </a:ln>
             <a:extLst>
               <a:ext uri="{91240B29-F687-4f45-9708-019B960494DF}">
-                <a14:hiddenLine xmlns:a14="http://schemas.microsoft.com/office/drawing/2010/main" xmlns="" w="9525">
+                <a14:hiddenLine xmlns="" xmlns:a14="http://schemas.microsoft.com/office/drawing/2010/main" w="9525">
                   <a:solidFill>
                     <a:srgbClr val="000000"/>
                   </a:solidFill>
@@ -5135,7 +5135,7 @@
             </a:ln>
             <a:extLst>
               <a:ext uri="{91240B29-F687-4f45-9708-019B960494DF}">
-                <a14:hiddenLine xmlns:a14="http://schemas.microsoft.com/office/drawing/2010/main" xmlns="" w="9525">
+                <a14:hiddenLine xmlns="" xmlns:a14="http://schemas.microsoft.com/office/drawing/2010/main" w="9525">
                   <a:solidFill>
                     <a:srgbClr val="000000"/>
                   </a:solidFill>
@@ -5197,7 +5197,7 @@
             </a:ln>
             <a:extLst>
               <a:ext uri="{91240B29-F687-4f45-9708-019B960494DF}">
-                <a14:hiddenLine xmlns:a14="http://schemas.microsoft.com/office/drawing/2010/main" xmlns="" w="9525">
+                <a14:hiddenLine xmlns="" xmlns:a14="http://schemas.microsoft.com/office/drawing/2010/main" w="9525">
                   <a:solidFill>
                     <a:srgbClr val="000000"/>
                   </a:solidFill>
@@ -5287,7 +5287,7 @@
             </a:ln>
             <a:extLst>
               <a:ext uri="{91240B29-F687-4f45-9708-019B960494DF}">
-                <a14:hiddenLine xmlns:a14="http://schemas.microsoft.com/office/drawing/2010/main" xmlns="" w="9525">
+                <a14:hiddenLine xmlns="" xmlns:a14="http://schemas.microsoft.com/office/drawing/2010/main" w="9525">
                   <a:solidFill>
                     <a:srgbClr val="000000"/>
                   </a:solidFill>
@@ -5377,7 +5377,7 @@
             </a:ln>
             <a:extLst>
               <a:ext uri="{91240B29-F687-4f45-9708-019B960494DF}">
-                <a14:hiddenLine xmlns:a14="http://schemas.microsoft.com/office/drawing/2010/main" xmlns="" w="9525">
+                <a14:hiddenLine xmlns="" xmlns:a14="http://schemas.microsoft.com/office/drawing/2010/main" w="9525">
                   <a:solidFill>
                     <a:srgbClr val="000000"/>
                   </a:solidFill>
@@ -5439,7 +5439,7 @@
             </a:ln>
             <a:extLst>
               <a:ext uri="{91240B29-F687-4f45-9708-019B960494DF}">
-                <a14:hiddenLine xmlns:a14="http://schemas.microsoft.com/office/drawing/2010/main" xmlns="" w="9525">
+                <a14:hiddenLine xmlns="" xmlns:a14="http://schemas.microsoft.com/office/drawing/2010/main" w="9525">
                   <a:solidFill>
                     <a:srgbClr val="000000"/>
                   </a:solidFill>
@@ -5529,7 +5529,7 @@
             </a:ln>
             <a:extLst>
               <a:ext uri="{91240B29-F687-4f45-9708-019B960494DF}">
-                <a14:hiddenLine xmlns:a14="http://schemas.microsoft.com/office/drawing/2010/main" xmlns="" w="9525">
+                <a14:hiddenLine xmlns="" xmlns:a14="http://schemas.microsoft.com/office/drawing/2010/main" w="9525">
                   <a:solidFill>
                     <a:srgbClr val="000000"/>
                   </a:solidFill>
@@ -5619,7 +5619,7 @@
             </a:ln>
             <a:extLst>
               <a:ext uri="{91240B29-F687-4f45-9708-019B960494DF}">
-                <a14:hiddenLine xmlns:a14="http://schemas.microsoft.com/office/drawing/2010/main" xmlns="" w="9525">
+                <a14:hiddenLine xmlns="" xmlns:a14="http://schemas.microsoft.com/office/drawing/2010/main" w="9525">
                   <a:solidFill>
                     <a:srgbClr val="000000"/>
                   </a:solidFill>
@@ -5675,7 +5675,7 @@
             </a:ln>
             <a:extLst>
               <a:ext uri="{91240B29-F687-4f45-9708-019B960494DF}">
-                <a14:hiddenLine xmlns:a14="http://schemas.microsoft.com/office/drawing/2010/main" xmlns="" w="9525">
+                <a14:hiddenLine xmlns="" xmlns:a14="http://schemas.microsoft.com/office/drawing/2010/main" w="9525">
                   <a:solidFill>
                     <a:srgbClr val="000000"/>
                   </a:solidFill>
@@ -5765,7 +5765,7 @@
             </a:ln>
             <a:extLst>
               <a:ext uri="{91240B29-F687-4f45-9708-019B960494DF}">
-                <a14:hiddenLine xmlns:a14="http://schemas.microsoft.com/office/drawing/2010/main" xmlns="" w="9525">
+                <a14:hiddenLine xmlns="" xmlns:a14="http://schemas.microsoft.com/office/drawing/2010/main" w="9525">
                   <a:solidFill>
                     <a:srgbClr val="000000"/>
                   </a:solidFill>
@@ -5821,7 +5821,7 @@
             </a:ln>
             <a:extLst>
               <a:ext uri="{91240B29-F687-4f45-9708-019B960494DF}">
-                <a14:hiddenLine xmlns:a14="http://schemas.microsoft.com/office/drawing/2010/main" xmlns="" w="9525">
+                <a14:hiddenLine xmlns="" xmlns:a14="http://schemas.microsoft.com/office/drawing/2010/main" w="9525">
                   <a:solidFill>
                     <a:srgbClr val="000000"/>
                   </a:solidFill>
@@ -5911,7 +5911,7 @@
             </a:ln>
             <a:extLst>
               <a:ext uri="{91240B29-F687-4f45-9708-019B960494DF}">
-                <a14:hiddenLine xmlns:a14="http://schemas.microsoft.com/office/drawing/2010/main" xmlns="" w="9525">
+                <a14:hiddenLine xmlns="" xmlns:a14="http://schemas.microsoft.com/office/drawing/2010/main" w="9525">
                   <a:solidFill>
                     <a:srgbClr val="000000"/>
                   </a:solidFill>
@@ -5979,7 +5979,7 @@
             </a:ln>
             <a:extLst>
               <a:ext uri="{91240B29-F687-4f45-9708-019B960494DF}">
-                <a14:hiddenLine xmlns:a14="http://schemas.microsoft.com/office/drawing/2010/main" xmlns="" w="9525">
+                <a14:hiddenLine xmlns="" xmlns:a14="http://schemas.microsoft.com/office/drawing/2010/main" w="9525">
                   <a:solidFill>
                     <a:srgbClr val="000000"/>
                   </a:solidFill>
@@ -6069,7 +6069,7 @@
             </a:ln>
             <a:extLst>
               <a:ext uri="{91240B29-F687-4f45-9708-019B960494DF}">
-                <a14:hiddenLine xmlns:a14="http://schemas.microsoft.com/office/drawing/2010/main" xmlns="" w="9525">
+                <a14:hiddenLine xmlns="" xmlns:a14="http://schemas.microsoft.com/office/drawing/2010/main" w="9525">
                   <a:solidFill>
                     <a:srgbClr val="000000"/>
                   </a:solidFill>
@@ -6137,7 +6137,7 @@
             </a:ln>
             <a:extLst>
               <a:ext uri="{91240B29-F687-4f45-9708-019B960494DF}">
-                <a14:hiddenLine xmlns:a14="http://schemas.microsoft.com/office/drawing/2010/main" xmlns="" w="9525">
+                <a14:hiddenLine xmlns="" xmlns:a14="http://schemas.microsoft.com/office/drawing/2010/main" w="9525">
                   <a:solidFill>
                     <a:srgbClr val="000000"/>
                   </a:solidFill>
@@ -6227,7 +6227,7 @@
             </a:ln>
             <a:extLst>
               <a:ext uri="{91240B29-F687-4f45-9708-019B960494DF}">
-                <a14:hiddenLine xmlns:a14="http://schemas.microsoft.com/office/drawing/2010/main" xmlns="" w="9525">
+                <a14:hiddenLine xmlns="" xmlns:a14="http://schemas.microsoft.com/office/drawing/2010/main" w="9525">
                   <a:solidFill>
                     <a:srgbClr val="000000"/>
                   </a:solidFill>
@@ -6261,7 +6261,7 @@
             </a:ln>
             <a:extLst>
               <a:ext uri="{91240B29-F687-4f45-9708-019B960494DF}">
-                <a14:hiddenLine xmlns:a14="http://schemas.microsoft.com/office/drawing/2010/main" xmlns="" w="9525">
+                <a14:hiddenLine xmlns="" xmlns:a14="http://schemas.microsoft.com/office/drawing/2010/main" w="9525">
                   <a:solidFill>
                     <a:srgbClr val="000000"/>
                   </a:solidFill>
@@ -6351,7 +6351,7 @@
             </a:ln>
             <a:extLst>
               <a:ext uri="{91240B29-F687-4f45-9708-019B960494DF}">
-                <a14:hiddenLine xmlns:a14="http://schemas.microsoft.com/office/drawing/2010/main" xmlns="" w="9525">
+                <a14:hiddenLine xmlns="" xmlns:a14="http://schemas.microsoft.com/office/drawing/2010/main" w="9525">
                   <a:solidFill>
                     <a:srgbClr val="000000"/>
                   </a:solidFill>
@@ -6413,7 +6413,7 @@
             </a:ln>
             <a:extLst>
               <a:ext uri="{91240B29-F687-4f45-9708-019B960494DF}">
-                <a14:hiddenLine xmlns:a14="http://schemas.microsoft.com/office/drawing/2010/main" xmlns="" w="9525">
+                <a14:hiddenLine xmlns="" xmlns:a14="http://schemas.microsoft.com/office/drawing/2010/main" w="9525">
                   <a:solidFill>
                     <a:srgbClr val="000000"/>
                   </a:solidFill>
@@ -6475,7 +6475,7 @@
             </a:ln>
             <a:extLst>
               <a:ext uri="{91240B29-F687-4f45-9708-019B960494DF}">
-                <a14:hiddenLine xmlns:a14="http://schemas.microsoft.com/office/drawing/2010/main" xmlns="" w="9525">
+                <a14:hiddenLine xmlns="" xmlns:a14="http://schemas.microsoft.com/office/drawing/2010/main" w="9525">
                   <a:solidFill>
                     <a:srgbClr val="000000"/>
                   </a:solidFill>
@@ -6565,7 +6565,7 @@
             </a:ln>
             <a:extLst>
               <a:ext uri="{91240B29-F687-4f45-9708-019B960494DF}">
-                <a14:hiddenLine xmlns:a14="http://schemas.microsoft.com/office/drawing/2010/main" xmlns="" w="9525">
+                <a14:hiddenLine xmlns="" xmlns:a14="http://schemas.microsoft.com/office/drawing/2010/main" w="9525">
                   <a:solidFill>
                     <a:srgbClr val="000000"/>
                   </a:solidFill>
@@ -6633,7 +6633,7 @@
             </a:ln>
             <a:extLst>
               <a:ext uri="{91240B29-F687-4f45-9708-019B960494DF}">
-                <a14:hiddenLine xmlns:a14="http://schemas.microsoft.com/office/drawing/2010/main" xmlns="" w="9525">
+                <a14:hiddenLine xmlns="" xmlns:a14="http://schemas.microsoft.com/office/drawing/2010/main" w="9525">
                   <a:solidFill>
                     <a:srgbClr val="000000"/>
                   </a:solidFill>
@@ -6695,7 +6695,7 @@
             </a:ln>
             <a:extLst>
               <a:ext uri="{91240B29-F687-4f45-9708-019B960494DF}">
-                <a14:hiddenLine xmlns:a14="http://schemas.microsoft.com/office/drawing/2010/main" xmlns="" w="9525">
+                <a14:hiddenLine xmlns="" xmlns:a14="http://schemas.microsoft.com/office/drawing/2010/main" w="9525">
                   <a:solidFill>
                     <a:srgbClr val="000000"/>
                   </a:solidFill>
@@ -6785,7 +6785,7 @@
             </a:ln>
             <a:extLst>
               <a:ext uri="{91240B29-F687-4f45-9708-019B960494DF}">
-                <a14:hiddenLine xmlns:a14="http://schemas.microsoft.com/office/drawing/2010/main" xmlns="" w="9525">
+                <a14:hiddenLine xmlns="" xmlns:a14="http://schemas.microsoft.com/office/drawing/2010/main" w="9525">
                   <a:solidFill>
                     <a:srgbClr val="000000"/>
                   </a:solidFill>
@@ -6847,7 +6847,7 @@
             </a:ln>
             <a:extLst>
               <a:ext uri="{91240B29-F687-4f45-9708-019B960494DF}">
-                <a14:hiddenLine xmlns:a14="http://schemas.microsoft.com/office/drawing/2010/main" xmlns="" w="9525">
+                <a14:hiddenLine xmlns="" xmlns:a14="http://schemas.microsoft.com/office/drawing/2010/main" w="9525">
                   <a:solidFill>
                     <a:srgbClr val="000000"/>
                   </a:solidFill>
@@ -6937,7 +6937,7 @@
             </a:ln>
             <a:extLst>
               <a:ext uri="{91240B29-F687-4f45-9708-019B960494DF}">
-                <a14:hiddenLine xmlns:a14="http://schemas.microsoft.com/office/drawing/2010/main" xmlns="" w="9525">
+                <a14:hiddenLine xmlns="" xmlns:a14="http://schemas.microsoft.com/office/drawing/2010/main" w="9525">
                   <a:solidFill>
                     <a:srgbClr val="000000"/>
                   </a:solidFill>
@@ -6999,7 +6999,7 @@
             </a:ln>
             <a:extLst>
               <a:ext uri="{91240B29-F687-4f45-9708-019B960494DF}">
-                <a14:hiddenLine xmlns:a14="http://schemas.microsoft.com/office/drawing/2010/main" xmlns="" w="9525">
+                <a14:hiddenLine xmlns="" xmlns:a14="http://schemas.microsoft.com/office/drawing/2010/main" w="9525">
                   <a:solidFill>
                     <a:srgbClr val="000000"/>
                   </a:solidFill>
@@ -7089,7 +7089,7 @@
             </a:ln>
             <a:extLst>
               <a:ext uri="{91240B29-F687-4f45-9708-019B960494DF}">
-                <a14:hiddenLine xmlns:a14="http://schemas.microsoft.com/office/drawing/2010/main" xmlns="" w="9525">
+                <a14:hiddenLine xmlns="" xmlns:a14="http://schemas.microsoft.com/office/drawing/2010/main" w="9525">
                   <a:solidFill>
                     <a:srgbClr val="000000"/>
                   </a:solidFill>
@@ -7123,7 +7123,7 @@
             </a:ln>
             <a:extLst>
               <a:ext uri="{91240B29-F687-4f45-9708-019B960494DF}">
-                <a14:hiddenLine xmlns:a14="http://schemas.microsoft.com/office/drawing/2010/main" xmlns="" w="9525">
+                <a14:hiddenLine xmlns="" xmlns:a14="http://schemas.microsoft.com/office/drawing/2010/main" w="9525">
                   <a:solidFill>
                     <a:srgbClr val="000000"/>
                   </a:solidFill>
@@ -7188,7 +7188,7 @@
             </a:ln>
             <a:extLst>
               <a:ext uri="{91240B29-F687-4f45-9708-019B960494DF}">
-                <a14:hiddenLine xmlns:a14="http://schemas.microsoft.com/office/drawing/2010/main" xmlns="" w="9525">
+                <a14:hiddenLine xmlns="" xmlns:a14="http://schemas.microsoft.com/office/drawing/2010/main" w="9525">
                   <a:solidFill>
                     <a:srgbClr val="000000"/>
                   </a:solidFill>
@@ -7278,7 +7278,7 @@
             </a:ln>
             <a:extLst>
               <a:ext uri="{91240B29-F687-4f45-9708-019B960494DF}">
-                <a14:hiddenLine xmlns:a14="http://schemas.microsoft.com/office/drawing/2010/main" xmlns="" w="9525">
+                <a14:hiddenLine xmlns="" xmlns:a14="http://schemas.microsoft.com/office/drawing/2010/main" w="9525">
                   <a:solidFill>
                     <a:srgbClr val="000000"/>
                   </a:solidFill>
@@ -7340,7 +7340,7 @@
             </a:ln>
             <a:extLst>
               <a:ext uri="{91240B29-F687-4f45-9708-019B960494DF}">
-                <a14:hiddenLine xmlns:a14="http://schemas.microsoft.com/office/drawing/2010/main" xmlns="" w="9525">
+                <a14:hiddenLine xmlns="" xmlns:a14="http://schemas.microsoft.com/office/drawing/2010/main" w="9525">
                   <a:solidFill>
                     <a:srgbClr val="000000"/>
                   </a:solidFill>
@@ -7430,7 +7430,7 @@
             </a:ln>
             <a:extLst>
               <a:ext uri="{91240B29-F687-4f45-9708-019B960494DF}">
-                <a14:hiddenLine xmlns:a14="http://schemas.microsoft.com/office/drawing/2010/main" xmlns="" w="9525">
+                <a14:hiddenLine xmlns="" xmlns:a14="http://schemas.microsoft.com/office/drawing/2010/main" w="9525">
                   <a:solidFill>
                     <a:srgbClr val="000000"/>
                   </a:solidFill>
@@ -7520,7 +7520,7 @@
             </a:ln>
             <a:extLst>
               <a:ext uri="{91240B29-F687-4f45-9708-019B960494DF}">
-                <a14:hiddenLine xmlns:a14="http://schemas.microsoft.com/office/drawing/2010/main" xmlns="" w="9525">
+                <a14:hiddenLine xmlns="" xmlns:a14="http://schemas.microsoft.com/office/drawing/2010/main" w="9525">
                   <a:solidFill>
                     <a:srgbClr val="000000"/>
                   </a:solidFill>
@@ -7585,7 +7585,7 @@
             </a:ln>
             <a:extLst>
               <a:ext uri="{91240B29-F687-4f45-9708-019B960494DF}">
-                <a14:hiddenLine xmlns:a14="http://schemas.microsoft.com/office/drawing/2010/main" xmlns="" w="9525">
+                <a14:hiddenLine xmlns="" xmlns:a14="http://schemas.microsoft.com/office/drawing/2010/main" w="9525">
                   <a:solidFill>
                     <a:srgbClr val="000000"/>
                   </a:solidFill>
@@ -7647,7 +7647,7 @@
             </a:ln>
             <a:extLst>
               <a:ext uri="{91240B29-F687-4f45-9708-019B960494DF}">
-                <a14:hiddenLine xmlns:a14="http://schemas.microsoft.com/office/drawing/2010/main" xmlns="" w="9525">
+                <a14:hiddenLine xmlns="" xmlns:a14="http://schemas.microsoft.com/office/drawing/2010/main" w="9525">
                   <a:solidFill>
                     <a:srgbClr val="000000"/>
                   </a:solidFill>
@@ -7737,7 +7737,7 @@
             </a:ln>
             <a:extLst>
               <a:ext uri="{91240B29-F687-4f45-9708-019B960494DF}">
-                <a14:hiddenLine xmlns:a14="http://schemas.microsoft.com/office/drawing/2010/main" xmlns="" w="9525">
+                <a14:hiddenLine xmlns="" xmlns:a14="http://schemas.microsoft.com/office/drawing/2010/main" w="9525">
                   <a:solidFill>
                     <a:srgbClr val="000000"/>
                   </a:solidFill>
@@ -7827,7 +7827,7 @@
             </a:ln>
             <a:extLst>
               <a:ext uri="{91240B29-F687-4f45-9708-019B960494DF}">
-                <a14:hiddenLine xmlns:a14="http://schemas.microsoft.com/office/drawing/2010/main" xmlns="" w="9525">
+                <a14:hiddenLine xmlns="" xmlns:a14="http://schemas.microsoft.com/office/drawing/2010/main" w="9525">
                   <a:solidFill>
                     <a:srgbClr val="000000"/>
                   </a:solidFill>
@@ -7889,7 +7889,7 @@
             </a:ln>
             <a:extLst>
               <a:ext uri="{91240B29-F687-4f45-9708-019B960494DF}">
-                <a14:hiddenLine xmlns:a14="http://schemas.microsoft.com/office/drawing/2010/main" xmlns="" w="9525">
+                <a14:hiddenLine xmlns="" xmlns:a14="http://schemas.microsoft.com/office/drawing/2010/main" w="9525">
                   <a:solidFill>
                     <a:srgbClr val="000000"/>
                   </a:solidFill>
@@ -8009,7 +8009,7 @@
             </a:ln>
             <a:extLst>
               <a:ext uri="{91240B29-F687-4f45-9708-019B960494DF}">
-                <a14:hiddenLine xmlns:a14="http://schemas.microsoft.com/office/drawing/2010/main" xmlns="" w="9525">
+                <a14:hiddenLine xmlns="" xmlns:a14="http://schemas.microsoft.com/office/drawing/2010/main" w="9525">
                   <a:solidFill>
                     <a:srgbClr val="000000"/>
                   </a:solidFill>
@@ -8077,7 +8077,7 @@
             </a:ln>
             <a:extLst>
               <a:ext uri="{91240B29-F687-4f45-9708-019B960494DF}">
-                <a14:hiddenLine xmlns:a14="http://schemas.microsoft.com/office/drawing/2010/main" xmlns="" w="9525">
+                <a14:hiddenLine xmlns="" xmlns:a14="http://schemas.microsoft.com/office/drawing/2010/main" w="9525">
                   <a:solidFill>
                     <a:srgbClr val="000000"/>
                   </a:solidFill>
@@ -8167,7 +8167,7 @@
             </a:ln>
             <a:extLst>
               <a:ext uri="{91240B29-F687-4f45-9708-019B960494DF}">
-                <a14:hiddenLine xmlns:a14="http://schemas.microsoft.com/office/drawing/2010/main" xmlns="" w="9525">
+                <a14:hiddenLine xmlns="" xmlns:a14="http://schemas.microsoft.com/office/drawing/2010/main" w="9525">
                   <a:solidFill>
                     <a:srgbClr val="000000"/>
                   </a:solidFill>
@@ -8319,7 +8319,7 @@
           <a:p>
             <a:r>
               <a:rPr lang="en-US"/>
-              <a:t>https://lenp.net/presentations/</a:t>
+              <a:t>Len Popp – https://lenp.net/presentations/</a:t>
             </a:r>
             <a:endParaRPr lang="en-US" dirty="0"/>
           </a:p>
@@ -8786,7 +8786,7 @@
           <a:p>
             <a:r>
               <a:rPr lang="en-US"/>
-              <a:t>https://lenp.net/presentations/</a:t>
+              <a:t>Len Popp – https://lenp.net/presentations/</a:t>
             </a:r>
             <a:endParaRPr lang="en-US" dirty="0"/>
           </a:p>
@@ -9153,7 +9153,7 @@
           <a:p>
             <a:r>
               <a:rPr lang="en-US"/>
-              <a:t>https://lenp.net/presentations/</a:t>
+              <a:t>Len Popp – https://lenp.net/presentations/</a:t>
             </a:r>
             <a:endParaRPr lang="en-US" dirty="0"/>
           </a:p>
@@ -9389,7 +9389,7 @@
           <a:p>
             <a:r>
               <a:rPr lang="en-US"/>
-              <a:t>https://lenp.net/presentations/</a:t>
+              <a:t>Len Popp – https://lenp.net/presentations/</a:t>
             </a:r>
             <a:endParaRPr lang="en-US" dirty="0"/>
           </a:p>
@@ -9685,7 +9685,7 @@
           <a:p>
             <a:r>
               <a:rPr lang="en-US"/>
-              <a:t>https://lenp.net/presentations/</a:t>
+              <a:t>Len Popp – https://lenp.net/presentations/</a:t>
             </a:r>
             <a:endParaRPr lang="en-US" dirty="0"/>
           </a:p>
@@ -10187,7 +10187,7 @@
           <a:p>
             <a:r>
               <a:rPr lang="en-US"/>
-              <a:t>https://lenp.net/presentations/</a:t>
+              <a:t>Len Popp – https://lenp.net/presentations/</a:t>
             </a:r>
             <a:endParaRPr lang="en-US" dirty="0"/>
           </a:p>
@@ -10846,7 +10846,7 @@
           <a:p>
             <a:r>
               <a:rPr lang="en-US"/>
-              <a:t>https://lenp.net/presentations/</a:t>
+              <a:t>Len Popp – https://lenp.net/presentations/</a:t>
             </a:r>
             <a:endParaRPr lang="en-US" dirty="0"/>
           </a:p>
@@ -11582,7 +11582,7 @@
           <a:p>
             <a:r>
               <a:rPr lang="en-US"/>
-              <a:t>https://lenp.net/presentations/</a:t>
+              <a:t>Len Popp – https://lenp.net/presentations/</a:t>
             </a:r>
             <a:endParaRPr lang="en-US" dirty="0"/>
           </a:p>
@@ -11768,7 +11768,7 @@
           <a:p>
             <a:r>
               <a:rPr lang="en-US"/>
-              <a:t>https://lenp.net/presentations/</a:t>
+              <a:t>Len Popp – https://lenp.net/presentations/</a:t>
             </a:r>
             <a:endParaRPr lang="en-US" dirty="0"/>
           </a:p>
@@ -11964,7 +11964,7 @@
           <a:p>
             <a:r>
               <a:rPr lang="en-US"/>
-              <a:t>https://lenp.net/presentations/</a:t>
+              <a:t>Len Popp – https://lenp.net/presentations/</a:t>
             </a:r>
             <a:endParaRPr lang="en-US" dirty="0"/>
           </a:p>
@@ -12150,7 +12150,7 @@
           <a:p>
             <a:r>
               <a:rPr lang="en-US"/>
-              <a:t>https://lenp.net/presentations/</a:t>
+              <a:t>Len Popp – https://lenp.net/presentations/</a:t>
             </a:r>
             <a:endParaRPr lang="en-US" dirty="0"/>
           </a:p>
@@ -12444,7 +12444,7 @@
           <a:p>
             <a:r>
               <a:rPr lang="en-US"/>
-              <a:t>https://lenp.net/presentations/</a:t>
+              <a:t>Len Popp – https://lenp.net/presentations/</a:t>
             </a:r>
             <a:endParaRPr lang="en-US" dirty="0"/>
           </a:p>
@@ -12709,7 +12709,7 @@
           <a:p>
             <a:r>
               <a:rPr lang="en-US"/>
-              <a:t>https://lenp.net/presentations/</a:t>
+              <a:t>Len Popp – https://lenp.net/presentations/</a:t>
             </a:r>
             <a:endParaRPr lang="en-US" dirty="0"/>
           </a:p>
@@ -13106,7 +13106,7 @@
           <a:p>
             <a:r>
               <a:rPr lang="en-US"/>
-              <a:t>https://lenp.net/presentations/</a:t>
+              <a:t>Len Popp – https://lenp.net/presentations/</a:t>
             </a:r>
             <a:endParaRPr lang="en-US" dirty="0"/>
           </a:p>
@@ -13264,7 +13264,7 @@
           <a:p>
             <a:r>
               <a:rPr lang="en-US"/>
-              <a:t>https://lenp.net/presentations/</a:t>
+              <a:t>Len Popp – https://lenp.net/presentations/</a:t>
             </a:r>
             <a:endParaRPr lang="en-US" dirty="0"/>
           </a:p>
@@ -13392,7 +13392,7 @@
           <a:p>
             <a:r>
               <a:rPr lang="en-US"/>
-              <a:t>https://lenp.net/presentations/</a:t>
+              <a:t>Len Popp – https://lenp.net/presentations/</a:t>
             </a:r>
             <a:endParaRPr lang="en-US" dirty="0"/>
           </a:p>
@@ -13657,7 +13657,7 @@
           <a:p>
             <a:r>
               <a:rPr lang="en-US"/>
-              <a:t>https://lenp.net/presentations/</a:t>
+              <a:t>Len Popp – https://lenp.net/presentations/</a:t>
             </a:r>
             <a:endParaRPr lang="en-US" dirty="0"/>
           </a:p>
@@ -13953,7 +13953,7 @@
           <a:p>
             <a:r>
               <a:rPr lang="en-US"/>
-              <a:t>https://lenp.net/presentations/</a:t>
+              <a:t>Len Popp – https://lenp.net/presentations/</a:t>
             </a:r>
             <a:endParaRPr lang="en-US" dirty="0"/>
           </a:p>
@@ -14094,7 +14094,7 @@
           <a:noFill/>
           <a:extLst>
             <a:ext uri="{909E8E84-426E-40dd-AFC4-6F175D3DCCD1}">
-              <a14:hiddenFill xmlns:a14="http://schemas.microsoft.com/office/drawing/2010/main" xmlns="">
+              <a14:hiddenFill xmlns="" xmlns:a14="http://schemas.microsoft.com/office/drawing/2010/main">
                 <a:solidFill>
                   <a:srgbClr val="FFFFFF"/>
                 </a:solidFill>
@@ -14174,7 +14174,7 @@
               </a:ln>
               <a:extLst>
                 <a:ext uri="{91240B29-F687-4f45-9708-019B960494DF}">
-                  <a14:hiddenLine xmlns:a14="http://schemas.microsoft.com/office/drawing/2010/main" xmlns="" w="9525">
+                  <a14:hiddenLine xmlns="" xmlns:a14="http://schemas.microsoft.com/office/drawing/2010/main" w="9525">
                     <a:solidFill>
                       <a:srgbClr val="000000"/>
                     </a:solidFill>
@@ -14264,7 +14264,7 @@
               </a:ln>
               <a:extLst>
                 <a:ext uri="{91240B29-F687-4f45-9708-019B960494DF}">
-                  <a14:hiddenLine xmlns:a14="http://schemas.microsoft.com/office/drawing/2010/main" xmlns="" w="9525">
+                  <a14:hiddenLine xmlns="" xmlns:a14="http://schemas.microsoft.com/office/drawing/2010/main" w="9525">
                     <a:solidFill>
                       <a:srgbClr val="000000"/>
                     </a:solidFill>
@@ -14354,7 +14354,7 @@
               </a:ln>
               <a:extLst>
                 <a:ext uri="{91240B29-F687-4f45-9708-019B960494DF}">
-                  <a14:hiddenLine xmlns:a14="http://schemas.microsoft.com/office/drawing/2010/main" xmlns="" w="9525">
+                  <a14:hiddenLine xmlns="" xmlns:a14="http://schemas.microsoft.com/office/drawing/2010/main" w="9525">
                     <a:solidFill>
                       <a:srgbClr val="000000"/>
                     </a:solidFill>
@@ -14416,7 +14416,7 @@
               </a:ln>
               <a:extLst>
                 <a:ext uri="{91240B29-F687-4f45-9708-019B960494DF}">
-                  <a14:hiddenLine xmlns:a14="http://schemas.microsoft.com/office/drawing/2010/main" xmlns="" w="9525">
+                  <a14:hiddenLine xmlns="" xmlns:a14="http://schemas.microsoft.com/office/drawing/2010/main" w="9525">
                     <a:solidFill>
                       <a:srgbClr val="000000"/>
                     </a:solidFill>
@@ -14506,7 +14506,7 @@
               </a:ln>
               <a:extLst>
                 <a:ext uri="{91240B29-F687-4f45-9708-019B960494DF}">
-                  <a14:hiddenLine xmlns:a14="http://schemas.microsoft.com/office/drawing/2010/main" xmlns="" w="9525">
+                  <a14:hiddenLine xmlns="" xmlns:a14="http://schemas.microsoft.com/office/drawing/2010/main" w="9525">
                     <a:solidFill>
                       <a:srgbClr val="000000"/>
                     </a:solidFill>
@@ -14568,7 +14568,7 @@
               </a:ln>
               <a:extLst>
                 <a:ext uri="{91240B29-F687-4f45-9708-019B960494DF}">
-                  <a14:hiddenLine xmlns:a14="http://schemas.microsoft.com/office/drawing/2010/main" xmlns="" w="9525">
+                  <a14:hiddenLine xmlns="" xmlns:a14="http://schemas.microsoft.com/office/drawing/2010/main" w="9525">
                     <a:solidFill>
                       <a:srgbClr val="000000"/>
                     </a:solidFill>
@@ -14630,7 +14630,7 @@
               </a:ln>
               <a:extLst>
                 <a:ext uri="{91240B29-F687-4f45-9708-019B960494DF}">
-                  <a14:hiddenLine xmlns:a14="http://schemas.microsoft.com/office/drawing/2010/main" xmlns="" w="9525">
+                  <a14:hiddenLine xmlns="" xmlns:a14="http://schemas.microsoft.com/office/drawing/2010/main" w="9525">
                     <a:solidFill>
                       <a:srgbClr val="000000"/>
                     </a:solidFill>
@@ -14720,7 +14720,7 @@
               </a:ln>
               <a:extLst>
                 <a:ext uri="{91240B29-F687-4f45-9708-019B960494DF}">
-                  <a14:hiddenLine xmlns:a14="http://schemas.microsoft.com/office/drawing/2010/main" xmlns="" w="9525">
+                  <a14:hiddenLine xmlns="" xmlns:a14="http://schemas.microsoft.com/office/drawing/2010/main" w="9525">
                     <a:solidFill>
                       <a:srgbClr val="000000"/>
                     </a:solidFill>
@@ -14810,7 +14810,7 @@
               </a:ln>
               <a:extLst>
                 <a:ext uri="{91240B29-F687-4f45-9708-019B960494DF}">
-                  <a14:hiddenLine xmlns:a14="http://schemas.microsoft.com/office/drawing/2010/main" xmlns="" w="9525">
+                  <a14:hiddenLine xmlns="" xmlns:a14="http://schemas.microsoft.com/office/drawing/2010/main" w="9525">
                     <a:solidFill>
                       <a:srgbClr val="000000"/>
                     </a:solidFill>
@@ -14872,7 +14872,7 @@
               </a:ln>
               <a:extLst>
                 <a:ext uri="{91240B29-F687-4f45-9708-019B960494DF}">
-                  <a14:hiddenLine xmlns:a14="http://schemas.microsoft.com/office/drawing/2010/main" xmlns="" w="9525">
+                  <a14:hiddenLine xmlns="" xmlns:a14="http://schemas.microsoft.com/office/drawing/2010/main" w="9525">
                     <a:solidFill>
                       <a:srgbClr val="000000"/>
                     </a:solidFill>
@@ -14982,7 +14982,7 @@
               </a:ln>
               <a:extLst>
                 <a:ext uri="{91240B29-F687-4f45-9708-019B960494DF}">
-                  <a14:hiddenLine xmlns:a14="http://schemas.microsoft.com/office/drawing/2010/main" xmlns="" w="9525">
+                  <a14:hiddenLine xmlns="" xmlns:a14="http://schemas.microsoft.com/office/drawing/2010/main" w="9525">
                     <a:solidFill>
                       <a:srgbClr val="000000"/>
                     </a:solidFill>
@@ -15066,7 +15066,7 @@
               </a:ln>
               <a:extLst>
                 <a:ext uri="{91240B29-F687-4f45-9708-019B960494DF}">
-                  <a14:hiddenLine xmlns:a14="http://schemas.microsoft.com/office/drawing/2010/main" xmlns="" w="9525">
+                  <a14:hiddenLine xmlns="" xmlns:a14="http://schemas.microsoft.com/office/drawing/2010/main" w="9525">
                     <a:solidFill>
                       <a:srgbClr val="000000"/>
                     </a:solidFill>
@@ -15128,7 +15128,7 @@
               </a:ln>
               <a:extLst>
                 <a:ext uri="{91240B29-F687-4f45-9708-019B960494DF}">
-                  <a14:hiddenLine xmlns:a14="http://schemas.microsoft.com/office/drawing/2010/main" xmlns="" w="9525">
+                  <a14:hiddenLine xmlns="" xmlns:a14="http://schemas.microsoft.com/office/drawing/2010/main" w="9525">
                     <a:solidFill>
                       <a:srgbClr val="000000"/>
                     </a:solidFill>
@@ -15190,7 +15190,7 @@
               </a:ln>
               <a:extLst>
                 <a:ext uri="{91240B29-F687-4f45-9708-019B960494DF}">
-                  <a14:hiddenLine xmlns:a14="http://schemas.microsoft.com/office/drawing/2010/main" xmlns="" w="9525">
+                  <a14:hiddenLine xmlns="" xmlns:a14="http://schemas.microsoft.com/office/drawing/2010/main" w="9525">
                     <a:solidFill>
                       <a:srgbClr val="000000"/>
                     </a:solidFill>
@@ -15280,7 +15280,7 @@
               </a:ln>
               <a:extLst>
                 <a:ext uri="{91240B29-F687-4f45-9708-019B960494DF}">
-                  <a14:hiddenLine xmlns:a14="http://schemas.microsoft.com/office/drawing/2010/main" xmlns="" w="9525">
+                  <a14:hiddenLine xmlns="" xmlns:a14="http://schemas.microsoft.com/office/drawing/2010/main" w="9525">
                     <a:solidFill>
                       <a:srgbClr val="000000"/>
                     </a:solidFill>
@@ -15314,7 +15314,7 @@
               </a:ln>
               <a:extLst>
                 <a:ext uri="{91240B29-F687-4f45-9708-019B960494DF}">
-                  <a14:hiddenLine xmlns:a14="http://schemas.microsoft.com/office/drawing/2010/main" xmlns="" w="9525">
+                  <a14:hiddenLine xmlns="" xmlns:a14="http://schemas.microsoft.com/office/drawing/2010/main" w="9525">
                     <a:solidFill>
                       <a:srgbClr val="000000"/>
                     </a:solidFill>
@@ -15379,7 +15379,7 @@
               </a:ln>
               <a:extLst>
                 <a:ext uri="{91240B29-F687-4f45-9708-019B960494DF}">
-                  <a14:hiddenLine xmlns:a14="http://schemas.microsoft.com/office/drawing/2010/main" xmlns="" w="9525">
+                  <a14:hiddenLine xmlns="" xmlns:a14="http://schemas.microsoft.com/office/drawing/2010/main" w="9525">
                     <a:solidFill>
                       <a:srgbClr val="000000"/>
                     </a:solidFill>
@@ -15469,7 +15469,7 @@
               </a:ln>
               <a:extLst>
                 <a:ext uri="{91240B29-F687-4f45-9708-019B960494DF}">
-                  <a14:hiddenLine xmlns:a14="http://schemas.microsoft.com/office/drawing/2010/main" xmlns="" w="9525">
+                  <a14:hiddenLine xmlns="" xmlns:a14="http://schemas.microsoft.com/office/drawing/2010/main" w="9525">
                     <a:solidFill>
                       <a:srgbClr val="000000"/>
                     </a:solidFill>
@@ -15531,7 +15531,7 @@
               </a:ln>
               <a:extLst>
                 <a:ext uri="{91240B29-F687-4f45-9708-019B960494DF}">
-                  <a14:hiddenLine xmlns:a14="http://schemas.microsoft.com/office/drawing/2010/main" xmlns="" w="9525">
+                  <a14:hiddenLine xmlns="" xmlns:a14="http://schemas.microsoft.com/office/drawing/2010/main" w="9525">
                     <a:solidFill>
                       <a:srgbClr val="000000"/>
                     </a:solidFill>
@@ -15621,7 +15621,7 @@
               </a:ln>
               <a:extLst>
                 <a:ext uri="{91240B29-F687-4f45-9708-019B960494DF}">
-                  <a14:hiddenLine xmlns:a14="http://schemas.microsoft.com/office/drawing/2010/main" xmlns="" w="9525">
+                  <a14:hiddenLine xmlns="" xmlns:a14="http://schemas.microsoft.com/office/drawing/2010/main" w="9525">
                     <a:solidFill>
                       <a:srgbClr val="000000"/>
                     </a:solidFill>
@@ -15686,7 +15686,7 @@
               </a:ln>
               <a:extLst>
                 <a:ext uri="{91240B29-F687-4f45-9708-019B960494DF}">
-                  <a14:hiddenLine xmlns:a14="http://schemas.microsoft.com/office/drawing/2010/main" xmlns="" w="9525">
+                  <a14:hiddenLine xmlns="" xmlns:a14="http://schemas.microsoft.com/office/drawing/2010/main" w="9525">
                     <a:solidFill>
                       <a:srgbClr val="000000"/>
                     </a:solidFill>
@@ -15748,7 +15748,7 @@
               </a:ln>
               <a:extLst>
                 <a:ext uri="{91240B29-F687-4f45-9708-019B960494DF}">
-                  <a14:hiddenLine xmlns:a14="http://schemas.microsoft.com/office/drawing/2010/main" xmlns="" w="9525">
+                  <a14:hiddenLine xmlns="" xmlns:a14="http://schemas.microsoft.com/office/drawing/2010/main" w="9525">
                     <a:solidFill>
                       <a:srgbClr val="000000"/>
                     </a:solidFill>
@@ -15838,7 +15838,7 @@
               </a:ln>
               <a:extLst>
                 <a:ext uri="{91240B29-F687-4f45-9708-019B960494DF}">
-                  <a14:hiddenLine xmlns:a14="http://schemas.microsoft.com/office/drawing/2010/main" xmlns="" w="9525">
+                  <a14:hiddenLine xmlns="" xmlns:a14="http://schemas.microsoft.com/office/drawing/2010/main" w="9525">
                     <a:solidFill>
                       <a:srgbClr val="000000"/>
                     </a:solidFill>
@@ -15928,7 +15928,7 @@
               </a:ln>
               <a:extLst>
                 <a:ext uri="{91240B29-F687-4f45-9708-019B960494DF}">
-                  <a14:hiddenLine xmlns:a14="http://schemas.microsoft.com/office/drawing/2010/main" xmlns="" w="9525">
+                  <a14:hiddenLine xmlns="" xmlns:a14="http://schemas.microsoft.com/office/drawing/2010/main" w="9525">
                     <a:solidFill>
                       <a:srgbClr val="000000"/>
                     </a:solidFill>
@@ -15993,7 +15993,7 @@
               </a:ln>
               <a:extLst>
                 <a:ext uri="{91240B29-F687-4f45-9708-019B960494DF}">
-                  <a14:hiddenLine xmlns:a14="http://schemas.microsoft.com/office/drawing/2010/main" xmlns="" w="9525">
+                  <a14:hiddenLine xmlns="" xmlns:a14="http://schemas.microsoft.com/office/drawing/2010/main" w="9525">
                     <a:solidFill>
                       <a:srgbClr val="000000"/>
                     </a:solidFill>
@@ -16113,7 +16113,7 @@
               </a:ln>
               <a:extLst>
                 <a:ext uri="{91240B29-F687-4f45-9708-019B960494DF}">
-                  <a14:hiddenLine xmlns:a14="http://schemas.microsoft.com/office/drawing/2010/main" xmlns="" w="9525">
+                  <a14:hiddenLine xmlns="" xmlns:a14="http://schemas.microsoft.com/office/drawing/2010/main" w="9525">
                     <a:solidFill>
                       <a:srgbClr val="000000"/>
                     </a:solidFill>
@@ -16211,7 +16211,7 @@
               </a:ln>
               <a:extLst>
                 <a:ext uri="{91240B29-F687-4f45-9708-019B960494DF}">
-                  <a14:hiddenLine xmlns:a14="http://schemas.microsoft.com/office/drawing/2010/main" xmlns="" w="9525">
+                  <a14:hiddenLine xmlns="" xmlns:a14="http://schemas.microsoft.com/office/drawing/2010/main" w="9525">
                     <a:solidFill>
                       <a:srgbClr val="000000"/>
                     </a:solidFill>
@@ -16326,7 +16326,7 @@
               </a:ln>
               <a:extLst>
                 <a:ext uri="{91240B29-F687-4f45-9708-019B960494DF}">
-                  <a14:hiddenLine xmlns:a14="http://schemas.microsoft.com/office/drawing/2010/main" xmlns="" w="9525">
+                  <a14:hiddenLine xmlns="" xmlns:a14="http://schemas.microsoft.com/office/drawing/2010/main" w="9525">
                     <a:solidFill>
                       <a:srgbClr val="000000"/>
                     </a:solidFill>
@@ -16416,7 +16416,7 @@
               </a:ln>
               <a:extLst>
                 <a:ext uri="{91240B29-F687-4f45-9708-019B960494DF}">
-                  <a14:hiddenLine xmlns:a14="http://schemas.microsoft.com/office/drawing/2010/main" xmlns="" w="9525">
+                  <a14:hiddenLine xmlns="" xmlns:a14="http://schemas.microsoft.com/office/drawing/2010/main" w="9525">
                     <a:solidFill>
                       <a:srgbClr val="000000"/>
                     </a:solidFill>
@@ -16481,7 +16481,7 @@
               </a:ln>
               <a:extLst>
                 <a:ext uri="{91240B29-F687-4f45-9708-019B960494DF}">
-                  <a14:hiddenLine xmlns:a14="http://schemas.microsoft.com/office/drawing/2010/main" xmlns="" w="9525">
+                  <a14:hiddenLine xmlns="" xmlns:a14="http://schemas.microsoft.com/office/drawing/2010/main" w="9525">
                     <a:solidFill>
                       <a:srgbClr val="000000"/>
                     </a:solidFill>
@@ -16571,7 +16571,7 @@
               </a:ln>
               <a:extLst>
                 <a:ext uri="{91240B29-F687-4f45-9708-019B960494DF}">
-                  <a14:hiddenLine xmlns:a14="http://schemas.microsoft.com/office/drawing/2010/main" xmlns="" w="9525">
+                  <a14:hiddenLine xmlns="" xmlns:a14="http://schemas.microsoft.com/office/drawing/2010/main" w="9525">
                     <a:solidFill>
                       <a:srgbClr val="000000"/>
                     </a:solidFill>
@@ -16639,7 +16639,7 @@
               </a:ln>
               <a:extLst>
                 <a:ext uri="{91240B29-F687-4f45-9708-019B960494DF}">
-                  <a14:hiddenLine xmlns:a14="http://schemas.microsoft.com/office/drawing/2010/main" xmlns="" w="9525">
+                  <a14:hiddenLine xmlns="" xmlns:a14="http://schemas.microsoft.com/office/drawing/2010/main" w="9525">
                     <a:solidFill>
                       <a:srgbClr val="000000"/>
                     </a:solidFill>
@@ -16729,7 +16729,7 @@
               </a:ln>
               <a:extLst>
                 <a:ext uri="{91240B29-F687-4f45-9708-019B960494DF}">
-                  <a14:hiddenLine xmlns:a14="http://schemas.microsoft.com/office/drawing/2010/main" xmlns="" w="9525">
+                  <a14:hiddenLine xmlns="" xmlns:a14="http://schemas.microsoft.com/office/drawing/2010/main" w="9525">
                     <a:solidFill>
                       <a:srgbClr val="000000"/>
                     </a:solidFill>
@@ -16797,7 +16797,7 @@
               </a:ln>
               <a:extLst>
                 <a:ext uri="{91240B29-F687-4f45-9708-019B960494DF}">
-                  <a14:hiddenLine xmlns:a14="http://schemas.microsoft.com/office/drawing/2010/main" xmlns="" w="9525">
+                  <a14:hiddenLine xmlns="" xmlns:a14="http://schemas.microsoft.com/office/drawing/2010/main" w="9525">
                     <a:solidFill>
                       <a:srgbClr val="000000"/>
                     </a:solidFill>
@@ -16887,7 +16887,7 @@
               </a:ln>
               <a:extLst>
                 <a:ext uri="{91240B29-F687-4f45-9708-019B960494DF}">
-                  <a14:hiddenLine xmlns:a14="http://schemas.microsoft.com/office/drawing/2010/main" xmlns="" w="9525">
+                  <a14:hiddenLine xmlns="" xmlns:a14="http://schemas.microsoft.com/office/drawing/2010/main" w="9525">
                     <a:solidFill>
                       <a:srgbClr val="000000"/>
                     </a:solidFill>
@@ -16921,7 +16921,7 @@
               </a:ln>
               <a:extLst>
                 <a:ext uri="{91240B29-F687-4f45-9708-019B960494DF}">
-                  <a14:hiddenLine xmlns:a14="http://schemas.microsoft.com/office/drawing/2010/main" xmlns="" w="9525">
+                  <a14:hiddenLine xmlns="" xmlns:a14="http://schemas.microsoft.com/office/drawing/2010/main" w="9525">
                     <a:solidFill>
                       <a:srgbClr val="000000"/>
                     </a:solidFill>
@@ -17059,7 +17059,7 @@
           <a:p>
             <a:r>
               <a:rPr lang="en-US"/>
-              <a:t>https://lenp.net/presentations/</a:t>
+              <a:t>Len Popp – https://lenp.net/presentations/</a:t>
             </a:r>
             <a:endParaRPr lang="en-US" dirty="0"/>
           </a:p>
@@ -18128,9 +18128,10 @@
           <a:lstStyle/>
           <a:p>
             <a:r>
-              <a:rPr lang="en-US" dirty="0"/>
-              <a:t>https://lenp.net/presentations/</a:t>
-            </a:r>
+              <a:rPr lang="en-US"/>
+              <a:t>Len Popp – https://lenp.net/presentations/</a:t>
+            </a:r>
+            <a:endParaRPr lang="en-US" dirty="0"/>
           </a:p>
         </p:txBody>
       </p:sp>
@@ -18518,7 +18519,7 @@
           <a:p>
             <a:r>
               <a:rPr lang="en-US"/>
-              <a:t>https://lenp.net/presentations/</a:t>
+              <a:t>Len Popp – https://lenp.net/presentations/</a:t>
             </a:r>
             <a:endParaRPr lang="en-US" dirty="0"/>
           </a:p>
@@ -18730,7 +18731,7 @@
           <a:p>
             <a:r>
               <a:rPr lang="en-US"/>
-              <a:t>https://lenp.net/presentations/</a:t>
+              <a:t>Len Popp – https://lenp.net/presentations/</a:t>
             </a:r>
             <a:endParaRPr lang="en-US" dirty="0"/>
           </a:p>
@@ -18935,7 +18936,7 @@
           <a:p>
             <a:r>
               <a:rPr lang="en-US"/>
-              <a:t>https://lenp.net/presentations/</a:t>
+              <a:t>Len Popp – https://lenp.net/presentations/</a:t>
             </a:r>
             <a:endParaRPr lang="en-US" dirty="0"/>
           </a:p>
@@ -19120,7 +19121,7 @@
           <a:p>
             <a:r>
               <a:rPr lang="en-US"/>
-              <a:t>https://lenp.net/presentations/</a:t>
+              <a:t>Len Popp – https://lenp.net/presentations/</a:t>
             </a:r>
             <a:endParaRPr lang="en-US" dirty="0"/>
           </a:p>
@@ -20084,7 +20085,7 @@
           <a:p>
             <a:r>
               <a:rPr lang="en-US"/>
-              <a:t>https://lenp.net/presentations/</a:t>
+              <a:t>Len Popp – https://lenp.net/presentations/</a:t>
             </a:r>
             <a:endParaRPr lang="en-US" dirty="0"/>
           </a:p>
@@ -22077,7 +22078,7 @@
           <a:p>
             <a:r>
               <a:rPr lang="en-US"/>
-              <a:t>https://lenp.net/presentations/</a:t>
+              <a:t>Len Popp – https://lenp.net/presentations/</a:t>
             </a:r>
             <a:endParaRPr lang="en-US" dirty="0"/>
           </a:p>
@@ -23132,7 +23133,7 @@
           <a:p>
             <a:r>
               <a:rPr lang="en-US"/>
-              <a:t>https://lenp.net/presentations/</a:t>
+              <a:t>Len Popp – https://lenp.net/presentations/</a:t>
             </a:r>
             <a:endParaRPr lang="en-US" dirty="0"/>
           </a:p>
@@ -24610,7 +24611,7 @@
           <a:p>
             <a:r>
               <a:rPr lang="en-US"/>
-              <a:t>https://lenp.net/presentations/</a:t>
+              <a:t>Len Popp – https://lenp.net/presentations/</a:t>
             </a:r>
             <a:endParaRPr lang="en-US" dirty="0"/>
           </a:p>
@@ -26831,7 +26832,7 @@
           <a:p>
             <a:r>
               <a:rPr lang="en-US"/>
-              <a:t>https://lenp.net/presentations/</a:t>
+              <a:t>Len Popp – https://lenp.net/presentations/</a:t>
             </a:r>
             <a:endParaRPr lang="en-US" dirty="0"/>
           </a:p>
@@ -29028,7 +29029,7 @@
           <a:p>
             <a:r>
               <a:rPr lang="en-US"/>
-              <a:t>https://lenp.net/presentations/</a:t>
+              <a:t>Len Popp – https://lenp.net/presentations/</a:t>
             </a:r>
             <a:endParaRPr lang="en-US" dirty="0"/>
           </a:p>
@@ -29455,9 +29456,10 @@
           <a:lstStyle/>
           <a:p>
             <a:r>
-              <a:rPr lang="en-US" dirty="0"/>
-              <a:t>https://lenp.net/presentations/</a:t>
-            </a:r>
+              <a:rPr lang="en-US"/>
+              <a:t>Len Popp – https://lenp.net/presentations/</a:t>
+            </a:r>
+            <a:endParaRPr lang="en-US" dirty="0"/>
           </a:p>
         </p:txBody>
       </p:sp>
@@ -29679,7 +29681,7 @@
           <a:p>
             <a:r>
               <a:rPr lang="en-US"/>
-              <a:t>https://lenp.net/presentations/</a:t>
+              <a:t>Len Popp – https://lenp.net/presentations/</a:t>
             </a:r>
             <a:endParaRPr lang="en-US" dirty="0"/>
           </a:p>
@@ -29904,7 +29906,7 @@
           <a:p>
             <a:r>
               <a:rPr lang="en-US"/>
-              <a:t>https://lenp.net/presentations/</a:t>
+              <a:t>Len Popp – https://lenp.net/presentations/</a:t>
             </a:r>
             <a:endParaRPr lang="en-US" dirty="0"/>
           </a:p>
@@ -30096,7 +30098,7 @@
           <a:p>
             <a:r>
               <a:rPr lang="en-US"/>
-              <a:t>https://lenp.net/presentations/</a:t>
+              <a:t>Len Popp – https://lenp.net/presentations/</a:t>
             </a:r>
             <a:endParaRPr lang="en-US" dirty="0"/>
           </a:p>
@@ -30287,7 +30289,7 @@
           <a:p>
             <a:r>
               <a:rPr lang="en-US"/>
-              <a:t>https://lenp.net/presentations/</a:t>
+              <a:t>Len Popp – https://lenp.net/presentations/</a:t>
             </a:r>
             <a:endParaRPr lang="en-US" dirty="0"/>
           </a:p>
@@ -30472,7 +30474,7 @@
           <a:p>
             <a:r>
               <a:rPr lang="en-US"/>
-              <a:t>https://lenp.net/presentations/</a:t>
+              <a:t>Len Popp – https://lenp.net/presentations/</a:t>
             </a:r>
             <a:endParaRPr lang="en-US" dirty="0"/>
           </a:p>
@@ -30639,9 +30641,10 @@
           <a:lstStyle/>
           <a:p>
             <a:r>
-              <a:rPr lang="en-US" dirty="0"/>
-              <a:t>https://lenp.net/presentations/</a:t>
-            </a:r>
+              <a:rPr lang="en-US"/>
+              <a:t>Len Popp – https://lenp.net/presentations/</a:t>
+            </a:r>
+            <a:endParaRPr lang="en-US" dirty="0"/>
           </a:p>
         </p:txBody>
       </p:sp>
@@ -30909,7 +30912,7 @@
           <a:p>
             <a:r>
               <a:rPr lang="en-US"/>
-              <a:t>https://lenp.net/presentations/</a:t>
+              <a:t>Len Popp – https://lenp.net/presentations/</a:t>
             </a:r>
             <a:endParaRPr lang="en-US" dirty="0"/>
           </a:p>
@@ -31095,9 +31098,10 @@
           <a:lstStyle/>
           <a:p>
             <a:r>
-              <a:rPr lang="en-US" dirty="0"/>
-              <a:t>https://lenp.net/presentations/</a:t>
-            </a:r>
+              <a:rPr lang="en-US"/>
+              <a:t>Len Popp – https://lenp.net/presentations/</a:t>
+            </a:r>
+            <a:endParaRPr lang="en-US" dirty="0"/>
           </a:p>
         </p:txBody>
       </p:sp>
@@ -31330,9 +31334,10 @@
           <a:lstStyle/>
           <a:p>
             <a:r>
-              <a:rPr lang="en-US" dirty="0"/>
-              <a:t>https://lenp.net/presentations/</a:t>
-            </a:r>
+              <a:rPr lang="en-US"/>
+              <a:t>Len Popp – https://lenp.net/presentations/</a:t>
+            </a:r>
+            <a:endParaRPr lang="en-US" dirty="0"/>
           </a:p>
         </p:txBody>
       </p:sp>
@@ -31652,7 +31657,7 @@
           <a:p>
             <a:r>
               <a:rPr lang="en-US"/>
-              <a:t>https://lenp.net/presentations/</a:t>
+              <a:t>Len Popp – https://lenp.net/presentations/</a:t>
             </a:r>
             <a:endParaRPr lang="en-US" dirty="0"/>
           </a:p>
@@ -32502,7 +32507,7 @@
           <a:p>
             <a:r>
               <a:rPr lang="en-US"/>
-              <a:t>https://lenp.net/presentations/</a:t>
+              <a:t>Len Popp – https://lenp.net/presentations/</a:t>
             </a:r>
             <a:endParaRPr lang="en-US" dirty="0"/>
           </a:p>
@@ -33118,7 +33123,7 @@
           <a:p>
             <a:r>
               <a:rPr lang="en-US"/>
-              <a:t>https://lenp.net/presentations/</a:t>
+              <a:t>Len Popp – https://lenp.net/presentations/</a:t>
             </a:r>
             <a:endParaRPr lang="en-US" dirty="0"/>
           </a:p>

--- a/TaskScheduler/TaskScheduler.pptx
+++ b/TaskScheduler/TaskScheduler.pptx
@@ -1010,7 +1010,7 @@
           <a:p>
             <a:fld id="{857CC94D-E614-4874-A919-F25B27309A09}" type="datetimeFigureOut">
               <a:rPr lang="en-CA" smtClean="0"/>
-              <a:t>2024-09-28</a:t>
+              <a:t>2024-10-05</a:t>
             </a:fld>
             <a:endParaRPr lang="en-CA"/>
           </a:p>
@@ -2815,8 +2815,12 @@
               <a:defRPr/>
             </a:pPr>
             <a:r>
+              <a:rPr lang="en-CA"/>
+              <a:t>This talk is </a:t>
+            </a:r>
+            <a:r>
               <a:rPr lang="en-CA" dirty="0"/>
-              <a:t>This is based on my hobby projects – I don’t have </a:t>
+              <a:t>based on my hobby projects – I don’t have </a:t>
             </a:r>
             <a:r>
               <a:rPr lang="en-CA" i="1" dirty="0"/>
@@ -2824,11 +2828,30 @@
             </a:r>
             <a:r>
               <a:rPr lang="en-CA" i="0" dirty="0"/>
-              <a:t> experience in embedded </a:t>
-            </a:r>
-            <a:r>
-              <a:rPr lang="en-CA" i="0"/>
-              <a:t>systems programming</a:t>
+              <a:t> experience in embedded systems programming</a:t>
+            </a:r>
+          </a:p>
+          <a:p>
+            <a:pPr marL="171450" marR="0" lvl="0" indent="-171450" algn="l" defTabSz="914400" rtl="0" eaLnBrk="1" fontAlgn="auto" latinLnBrk="0" hangingPunct="1">
+              <a:lnSpc>
+                <a:spcPct val="100000"/>
+              </a:lnSpc>
+              <a:spcBef>
+                <a:spcPts val="0"/>
+              </a:spcBef>
+              <a:spcAft>
+                <a:spcPts val="0"/>
+              </a:spcAft>
+              <a:buClrTx/>
+              <a:buSzTx/>
+              <a:buFont typeface="Arial" panose="020B0604020202020204" pitchFamily="34" charset="0"/>
+              <a:buChar char="•"/>
+              <a:tabLst/>
+              <a:defRPr/>
+            </a:pPr>
+            <a:r>
+              <a:rPr lang="en-CA" i="0" dirty="0"/>
+              <a:t>Web site: https://lenp.net/</a:t>
             </a:r>
             <a:endParaRPr lang="en-CA" dirty="0"/>
           </a:p>
@@ -4075,7 +4098,7 @@
           <a:noFill/>
           <a:extLst>
             <a:ext uri="{909E8E84-426E-40dd-AFC4-6F175D3DCCD1}">
-              <a14:hiddenFill xmlns="" xmlns:a14="http://schemas.microsoft.com/office/drawing/2010/main">
+              <a14:hiddenFill xmlns:a14="http://schemas.microsoft.com/office/drawing/2010/main" xmlns="">
                 <a:solidFill>
                   <a:srgbClr val="FFFFFF"/>
                 </a:solidFill>
@@ -4141,7 +4164,7 @@
             </a:ln>
             <a:extLst>
               <a:ext uri="{91240B29-F687-4f45-9708-019B960494DF}">
-                <a14:hiddenLine xmlns="" xmlns:a14="http://schemas.microsoft.com/office/drawing/2010/main" w="9525">
+                <a14:hiddenLine xmlns:a14="http://schemas.microsoft.com/office/drawing/2010/main" xmlns="" w="9525">
                   <a:solidFill>
                     <a:srgbClr val="000000"/>
                   </a:solidFill>
@@ -4231,7 +4254,7 @@
             </a:ln>
             <a:extLst>
               <a:ext uri="{91240B29-F687-4f45-9708-019B960494DF}">
-                <a14:hiddenLine xmlns="" xmlns:a14="http://schemas.microsoft.com/office/drawing/2010/main" w="9525">
+                <a14:hiddenLine xmlns:a14="http://schemas.microsoft.com/office/drawing/2010/main" xmlns="" w="9525">
                   <a:solidFill>
                     <a:srgbClr val="000000"/>
                   </a:solidFill>
@@ -4321,7 +4344,7 @@
             </a:ln>
             <a:extLst>
               <a:ext uri="{91240B29-F687-4f45-9708-019B960494DF}">
-                <a14:hiddenLine xmlns="" xmlns:a14="http://schemas.microsoft.com/office/drawing/2010/main" w="9525">
+                <a14:hiddenLine xmlns:a14="http://schemas.microsoft.com/office/drawing/2010/main" xmlns="" w="9525">
                   <a:solidFill>
                     <a:srgbClr val="000000"/>
                   </a:solidFill>
@@ -4355,7 +4378,7 @@
             </a:ln>
             <a:extLst>
               <a:ext uri="{91240B29-F687-4f45-9708-019B960494DF}">
-                <a14:hiddenLine xmlns="" xmlns:a14="http://schemas.microsoft.com/office/drawing/2010/main" w="9525">
+                <a14:hiddenLine xmlns:a14="http://schemas.microsoft.com/office/drawing/2010/main" xmlns="" w="9525">
                   <a:solidFill>
                     <a:srgbClr val="000000"/>
                   </a:solidFill>
@@ -4445,7 +4468,7 @@
             </a:ln>
             <a:extLst>
               <a:ext uri="{91240B29-F687-4f45-9708-019B960494DF}">
-                <a14:hiddenLine xmlns="" xmlns:a14="http://schemas.microsoft.com/office/drawing/2010/main" w="9525">
+                <a14:hiddenLine xmlns:a14="http://schemas.microsoft.com/office/drawing/2010/main" xmlns="" w="9525">
                   <a:solidFill>
                     <a:srgbClr val="000000"/>
                   </a:solidFill>
@@ -4507,7 +4530,7 @@
             </a:ln>
             <a:extLst>
               <a:ext uri="{91240B29-F687-4f45-9708-019B960494DF}">
-                <a14:hiddenLine xmlns="" xmlns:a14="http://schemas.microsoft.com/office/drawing/2010/main" w="9525">
+                <a14:hiddenLine xmlns:a14="http://schemas.microsoft.com/office/drawing/2010/main" xmlns="" w="9525">
                   <a:solidFill>
                     <a:srgbClr val="000000"/>
                   </a:solidFill>
@@ -4569,7 +4592,7 @@
             </a:ln>
             <a:extLst>
               <a:ext uri="{91240B29-F687-4f45-9708-019B960494DF}">
-                <a14:hiddenLine xmlns="" xmlns:a14="http://schemas.microsoft.com/office/drawing/2010/main" w="9525">
+                <a14:hiddenLine xmlns:a14="http://schemas.microsoft.com/office/drawing/2010/main" xmlns="" w="9525">
                   <a:solidFill>
                     <a:srgbClr val="000000"/>
                   </a:solidFill>
@@ -4659,7 +4682,7 @@
             </a:ln>
             <a:extLst>
               <a:ext uri="{91240B29-F687-4f45-9708-019B960494DF}">
-                <a14:hiddenLine xmlns="" xmlns:a14="http://schemas.microsoft.com/office/drawing/2010/main" w="9525">
+                <a14:hiddenLine xmlns:a14="http://schemas.microsoft.com/office/drawing/2010/main" xmlns="" w="9525">
                   <a:solidFill>
                     <a:srgbClr val="000000"/>
                   </a:solidFill>
@@ -4721,7 +4744,7 @@
             </a:ln>
             <a:extLst>
               <a:ext uri="{91240B29-F687-4f45-9708-019B960494DF}">
-                <a14:hiddenLine xmlns="" xmlns:a14="http://schemas.microsoft.com/office/drawing/2010/main" w="9525">
+                <a14:hiddenLine xmlns:a14="http://schemas.microsoft.com/office/drawing/2010/main" xmlns="" w="9525">
                   <a:solidFill>
                     <a:srgbClr val="000000"/>
                   </a:solidFill>
@@ -4783,7 +4806,7 @@
             </a:ln>
             <a:extLst>
               <a:ext uri="{91240B29-F687-4f45-9708-019B960494DF}">
-                <a14:hiddenLine xmlns="" xmlns:a14="http://schemas.microsoft.com/office/drawing/2010/main" w="9525">
+                <a14:hiddenLine xmlns:a14="http://schemas.microsoft.com/office/drawing/2010/main" xmlns="" w="9525">
                   <a:solidFill>
                     <a:srgbClr val="000000"/>
                   </a:solidFill>
@@ -4873,7 +4896,7 @@
             </a:ln>
             <a:extLst>
               <a:ext uri="{91240B29-F687-4f45-9708-019B960494DF}">
-                <a14:hiddenLine xmlns="" xmlns:a14="http://schemas.microsoft.com/office/drawing/2010/main" w="9525">
+                <a14:hiddenLine xmlns:a14="http://schemas.microsoft.com/office/drawing/2010/main" xmlns="" w="9525">
                   <a:solidFill>
                     <a:srgbClr val="000000"/>
                   </a:solidFill>
@@ -4963,7 +4986,7 @@
             </a:ln>
             <a:extLst>
               <a:ext uri="{91240B29-F687-4f45-9708-019B960494DF}">
-                <a14:hiddenLine xmlns="" xmlns:a14="http://schemas.microsoft.com/office/drawing/2010/main" w="9525">
+                <a14:hiddenLine xmlns:a14="http://schemas.microsoft.com/office/drawing/2010/main" xmlns="" w="9525">
                   <a:solidFill>
                     <a:srgbClr val="000000"/>
                   </a:solidFill>
@@ -5025,7 +5048,7 @@
             </a:ln>
             <a:extLst>
               <a:ext uri="{91240B29-F687-4f45-9708-019B960494DF}">
-                <a14:hiddenLine xmlns="" xmlns:a14="http://schemas.microsoft.com/office/drawing/2010/main" w="9525">
+                <a14:hiddenLine xmlns:a14="http://schemas.microsoft.com/office/drawing/2010/main" xmlns="" w="9525">
                   <a:solidFill>
                     <a:srgbClr val="000000"/>
                   </a:solidFill>
@@ -5135,7 +5158,7 @@
             </a:ln>
             <a:extLst>
               <a:ext uri="{91240B29-F687-4f45-9708-019B960494DF}">
-                <a14:hiddenLine xmlns="" xmlns:a14="http://schemas.microsoft.com/office/drawing/2010/main" w="9525">
+                <a14:hiddenLine xmlns:a14="http://schemas.microsoft.com/office/drawing/2010/main" xmlns="" w="9525">
                   <a:solidFill>
                     <a:srgbClr val="000000"/>
                   </a:solidFill>
@@ -5197,7 +5220,7 @@
             </a:ln>
             <a:extLst>
               <a:ext uri="{91240B29-F687-4f45-9708-019B960494DF}">
-                <a14:hiddenLine xmlns="" xmlns:a14="http://schemas.microsoft.com/office/drawing/2010/main" w="9525">
+                <a14:hiddenLine xmlns:a14="http://schemas.microsoft.com/office/drawing/2010/main" xmlns="" w="9525">
                   <a:solidFill>
                     <a:srgbClr val="000000"/>
                   </a:solidFill>
@@ -5287,7 +5310,7 @@
             </a:ln>
             <a:extLst>
               <a:ext uri="{91240B29-F687-4f45-9708-019B960494DF}">
-                <a14:hiddenLine xmlns="" xmlns:a14="http://schemas.microsoft.com/office/drawing/2010/main" w="9525">
+                <a14:hiddenLine xmlns:a14="http://schemas.microsoft.com/office/drawing/2010/main" xmlns="" w="9525">
                   <a:solidFill>
                     <a:srgbClr val="000000"/>
                   </a:solidFill>
@@ -5377,7 +5400,7 @@
             </a:ln>
             <a:extLst>
               <a:ext uri="{91240B29-F687-4f45-9708-019B960494DF}">
-                <a14:hiddenLine xmlns="" xmlns:a14="http://schemas.microsoft.com/office/drawing/2010/main" w="9525">
+                <a14:hiddenLine xmlns:a14="http://schemas.microsoft.com/office/drawing/2010/main" xmlns="" w="9525">
                   <a:solidFill>
                     <a:srgbClr val="000000"/>
                   </a:solidFill>
@@ -5439,7 +5462,7 @@
             </a:ln>
             <a:extLst>
               <a:ext uri="{91240B29-F687-4f45-9708-019B960494DF}">
-                <a14:hiddenLine xmlns="" xmlns:a14="http://schemas.microsoft.com/office/drawing/2010/main" w="9525">
+                <a14:hiddenLine xmlns:a14="http://schemas.microsoft.com/office/drawing/2010/main" xmlns="" w="9525">
                   <a:solidFill>
                     <a:srgbClr val="000000"/>
                   </a:solidFill>
@@ -5529,7 +5552,7 @@
             </a:ln>
             <a:extLst>
               <a:ext uri="{91240B29-F687-4f45-9708-019B960494DF}">
-                <a14:hiddenLine xmlns="" xmlns:a14="http://schemas.microsoft.com/office/drawing/2010/main" w="9525">
+                <a14:hiddenLine xmlns:a14="http://schemas.microsoft.com/office/drawing/2010/main" xmlns="" w="9525">
                   <a:solidFill>
                     <a:srgbClr val="000000"/>
                   </a:solidFill>
@@ -5619,7 +5642,7 @@
             </a:ln>
             <a:extLst>
               <a:ext uri="{91240B29-F687-4f45-9708-019B960494DF}">
-                <a14:hiddenLine xmlns="" xmlns:a14="http://schemas.microsoft.com/office/drawing/2010/main" w="9525">
+                <a14:hiddenLine xmlns:a14="http://schemas.microsoft.com/office/drawing/2010/main" xmlns="" w="9525">
                   <a:solidFill>
                     <a:srgbClr val="000000"/>
                   </a:solidFill>
@@ -5675,7 +5698,7 @@
             </a:ln>
             <a:extLst>
               <a:ext uri="{91240B29-F687-4f45-9708-019B960494DF}">
-                <a14:hiddenLine xmlns="" xmlns:a14="http://schemas.microsoft.com/office/drawing/2010/main" w="9525">
+                <a14:hiddenLine xmlns:a14="http://schemas.microsoft.com/office/drawing/2010/main" xmlns="" w="9525">
                   <a:solidFill>
                     <a:srgbClr val="000000"/>
                   </a:solidFill>
@@ -5765,7 +5788,7 @@
             </a:ln>
             <a:extLst>
               <a:ext uri="{91240B29-F687-4f45-9708-019B960494DF}">
-                <a14:hiddenLine xmlns="" xmlns:a14="http://schemas.microsoft.com/office/drawing/2010/main" w="9525">
+                <a14:hiddenLine xmlns:a14="http://schemas.microsoft.com/office/drawing/2010/main" xmlns="" w="9525">
                   <a:solidFill>
                     <a:srgbClr val="000000"/>
                   </a:solidFill>
@@ -5821,7 +5844,7 @@
             </a:ln>
             <a:extLst>
               <a:ext uri="{91240B29-F687-4f45-9708-019B960494DF}">
-                <a14:hiddenLine xmlns="" xmlns:a14="http://schemas.microsoft.com/office/drawing/2010/main" w="9525">
+                <a14:hiddenLine xmlns:a14="http://schemas.microsoft.com/office/drawing/2010/main" xmlns="" w="9525">
                   <a:solidFill>
                     <a:srgbClr val="000000"/>
                   </a:solidFill>
@@ -5911,7 +5934,7 @@
             </a:ln>
             <a:extLst>
               <a:ext uri="{91240B29-F687-4f45-9708-019B960494DF}">
-                <a14:hiddenLine xmlns="" xmlns:a14="http://schemas.microsoft.com/office/drawing/2010/main" w="9525">
+                <a14:hiddenLine xmlns:a14="http://schemas.microsoft.com/office/drawing/2010/main" xmlns="" w="9525">
                   <a:solidFill>
                     <a:srgbClr val="000000"/>
                   </a:solidFill>
@@ -5979,7 +6002,7 @@
             </a:ln>
             <a:extLst>
               <a:ext uri="{91240B29-F687-4f45-9708-019B960494DF}">
-                <a14:hiddenLine xmlns="" xmlns:a14="http://schemas.microsoft.com/office/drawing/2010/main" w="9525">
+                <a14:hiddenLine xmlns:a14="http://schemas.microsoft.com/office/drawing/2010/main" xmlns="" w="9525">
                   <a:solidFill>
                     <a:srgbClr val="000000"/>
                   </a:solidFill>
@@ -6069,7 +6092,7 @@
             </a:ln>
             <a:extLst>
               <a:ext uri="{91240B29-F687-4f45-9708-019B960494DF}">
-                <a14:hiddenLine xmlns="" xmlns:a14="http://schemas.microsoft.com/office/drawing/2010/main" w="9525">
+                <a14:hiddenLine xmlns:a14="http://schemas.microsoft.com/office/drawing/2010/main" xmlns="" w="9525">
                   <a:solidFill>
                     <a:srgbClr val="000000"/>
                   </a:solidFill>
@@ -6137,7 +6160,7 @@
             </a:ln>
             <a:extLst>
               <a:ext uri="{91240B29-F687-4f45-9708-019B960494DF}">
-                <a14:hiddenLine xmlns="" xmlns:a14="http://schemas.microsoft.com/office/drawing/2010/main" w="9525">
+                <a14:hiddenLine xmlns:a14="http://schemas.microsoft.com/office/drawing/2010/main" xmlns="" w="9525">
                   <a:solidFill>
                     <a:srgbClr val="000000"/>
                   </a:solidFill>
@@ -6227,7 +6250,7 @@
             </a:ln>
             <a:extLst>
               <a:ext uri="{91240B29-F687-4f45-9708-019B960494DF}">
-                <a14:hiddenLine xmlns="" xmlns:a14="http://schemas.microsoft.com/office/drawing/2010/main" w="9525">
+                <a14:hiddenLine xmlns:a14="http://schemas.microsoft.com/office/drawing/2010/main" xmlns="" w="9525">
                   <a:solidFill>
                     <a:srgbClr val="000000"/>
                   </a:solidFill>
@@ -6261,7 +6284,7 @@
             </a:ln>
             <a:extLst>
               <a:ext uri="{91240B29-F687-4f45-9708-019B960494DF}">
-                <a14:hiddenLine xmlns="" xmlns:a14="http://schemas.microsoft.com/office/drawing/2010/main" w="9525">
+                <a14:hiddenLine xmlns:a14="http://schemas.microsoft.com/office/drawing/2010/main" xmlns="" w="9525">
                   <a:solidFill>
                     <a:srgbClr val="000000"/>
                   </a:solidFill>
@@ -6351,7 +6374,7 @@
             </a:ln>
             <a:extLst>
               <a:ext uri="{91240B29-F687-4f45-9708-019B960494DF}">
-                <a14:hiddenLine xmlns="" xmlns:a14="http://schemas.microsoft.com/office/drawing/2010/main" w="9525">
+                <a14:hiddenLine xmlns:a14="http://schemas.microsoft.com/office/drawing/2010/main" xmlns="" w="9525">
                   <a:solidFill>
                     <a:srgbClr val="000000"/>
                   </a:solidFill>
@@ -6413,7 +6436,7 @@
             </a:ln>
             <a:extLst>
               <a:ext uri="{91240B29-F687-4f45-9708-019B960494DF}">
-                <a14:hiddenLine xmlns="" xmlns:a14="http://schemas.microsoft.com/office/drawing/2010/main" w="9525">
+                <a14:hiddenLine xmlns:a14="http://schemas.microsoft.com/office/drawing/2010/main" xmlns="" w="9525">
                   <a:solidFill>
                     <a:srgbClr val="000000"/>
                   </a:solidFill>
@@ -6475,7 +6498,7 @@
             </a:ln>
             <a:extLst>
               <a:ext uri="{91240B29-F687-4f45-9708-019B960494DF}">
-                <a14:hiddenLine xmlns="" xmlns:a14="http://schemas.microsoft.com/office/drawing/2010/main" w="9525">
+                <a14:hiddenLine xmlns:a14="http://schemas.microsoft.com/office/drawing/2010/main" xmlns="" w="9525">
                   <a:solidFill>
                     <a:srgbClr val="000000"/>
                   </a:solidFill>
@@ -6565,7 +6588,7 @@
             </a:ln>
             <a:extLst>
               <a:ext uri="{91240B29-F687-4f45-9708-019B960494DF}">
-                <a14:hiddenLine xmlns="" xmlns:a14="http://schemas.microsoft.com/office/drawing/2010/main" w="9525">
+                <a14:hiddenLine xmlns:a14="http://schemas.microsoft.com/office/drawing/2010/main" xmlns="" w="9525">
                   <a:solidFill>
                     <a:srgbClr val="000000"/>
                   </a:solidFill>
@@ -6633,7 +6656,7 @@
             </a:ln>
             <a:extLst>
               <a:ext uri="{91240B29-F687-4f45-9708-019B960494DF}">
-                <a14:hiddenLine xmlns="" xmlns:a14="http://schemas.microsoft.com/office/drawing/2010/main" w="9525">
+                <a14:hiddenLine xmlns:a14="http://schemas.microsoft.com/office/drawing/2010/main" xmlns="" w="9525">
                   <a:solidFill>
                     <a:srgbClr val="000000"/>
                   </a:solidFill>
@@ -6695,7 +6718,7 @@
             </a:ln>
             <a:extLst>
               <a:ext uri="{91240B29-F687-4f45-9708-019B960494DF}">
-                <a14:hiddenLine xmlns="" xmlns:a14="http://schemas.microsoft.com/office/drawing/2010/main" w="9525">
+                <a14:hiddenLine xmlns:a14="http://schemas.microsoft.com/office/drawing/2010/main" xmlns="" w="9525">
                   <a:solidFill>
                     <a:srgbClr val="000000"/>
                   </a:solidFill>
@@ -6785,7 +6808,7 @@
             </a:ln>
             <a:extLst>
               <a:ext uri="{91240B29-F687-4f45-9708-019B960494DF}">
-                <a14:hiddenLine xmlns="" xmlns:a14="http://schemas.microsoft.com/office/drawing/2010/main" w="9525">
+                <a14:hiddenLine xmlns:a14="http://schemas.microsoft.com/office/drawing/2010/main" xmlns="" w="9525">
                   <a:solidFill>
                     <a:srgbClr val="000000"/>
                   </a:solidFill>
@@ -6847,7 +6870,7 @@
             </a:ln>
             <a:extLst>
               <a:ext uri="{91240B29-F687-4f45-9708-019B960494DF}">
-                <a14:hiddenLine xmlns="" xmlns:a14="http://schemas.microsoft.com/office/drawing/2010/main" w="9525">
+                <a14:hiddenLine xmlns:a14="http://schemas.microsoft.com/office/drawing/2010/main" xmlns="" w="9525">
                   <a:solidFill>
                     <a:srgbClr val="000000"/>
                   </a:solidFill>
@@ -6937,7 +6960,7 @@
             </a:ln>
             <a:extLst>
               <a:ext uri="{91240B29-F687-4f45-9708-019B960494DF}">
-                <a14:hiddenLine xmlns="" xmlns:a14="http://schemas.microsoft.com/office/drawing/2010/main" w="9525">
+                <a14:hiddenLine xmlns:a14="http://schemas.microsoft.com/office/drawing/2010/main" xmlns="" w="9525">
                   <a:solidFill>
                     <a:srgbClr val="000000"/>
                   </a:solidFill>
@@ -6999,7 +7022,7 @@
             </a:ln>
             <a:extLst>
               <a:ext uri="{91240B29-F687-4f45-9708-019B960494DF}">
-                <a14:hiddenLine xmlns="" xmlns:a14="http://schemas.microsoft.com/office/drawing/2010/main" w="9525">
+                <a14:hiddenLine xmlns:a14="http://schemas.microsoft.com/office/drawing/2010/main" xmlns="" w="9525">
                   <a:solidFill>
                     <a:srgbClr val="000000"/>
                   </a:solidFill>
@@ -7089,7 +7112,7 @@
             </a:ln>
             <a:extLst>
               <a:ext uri="{91240B29-F687-4f45-9708-019B960494DF}">
-                <a14:hiddenLine xmlns="" xmlns:a14="http://schemas.microsoft.com/office/drawing/2010/main" w="9525">
+                <a14:hiddenLine xmlns:a14="http://schemas.microsoft.com/office/drawing/2010/main" xmlns="" w="9525">
                   <a:solidFill>
                     <a:srgbClr val="000000"/>
                   </a:solidFill>
@@ -7123,7 +7146,7 @@
             </a:ln>
             <a:extLst>
               <a:ext uri="{91240B29-F687-4f45-9708-019B960494DF}">
-                <a14:hiddenLine xmlns="" xmlns:a14="http://schemas.microsoft.com/office/drawing/2010/main" w="9525">
+                <a14:hiddenLine xmlns:a14="http://schemas.microsoft.com/office/drawing/2010/main" xmlns="" w="9525">
                   <a:solidFill>
                     <a:srgbClr val="000000"/>
                   </a:solidFill>
@@ -7188,7 +7211,7 @@
             </a:ln>
             <a:extLst>
               <a:ext uri="{91240B29-F687-4f45-9708-019B960494DF}">
-                <a14:hiddenLine xmlns="" xmlns:a14="http://schemas.microsoft.com/office/drawing/2010/main" w="9525">
+                <a14:hiddenLine xmlns:a14="http://schemas.microsoft.com/office/drawing/2010/main" xmlns="" w="9525">
                   <a:solidFill>
                     <a:srgbClr val="000000"/>
                   </a:solidFill>
@@ -7278,7 +7301,7 @@
             </a:ln>
             <a:extLst>
               <a:ext uri="{91240B29-F687-4f45-9708-019B960494DF}">
-                <a14:hiddenLine xmlns="" xmlns:a14="http://schemas.microsoft.com/office/drawing/2010/main" w="9525">
+                <a14:hiddenLine xmlns:a14="http://schemas.microsoft.com/office/drawing/2010/main" xmlns="" w="9525">
                   <a:solidFill>
                     <a:srgbClr val="000000"/>
                   </a:solidFill>
@@ -7340,7 +7363,7 @@
             </a:ln>
             <a:extLst>
               <a:ext uri="{91240B29-F687-4f45-9708-019B960494DF}">
-                <a14:hiddenLine xmlns="" xmlns:a14="http://schemas.microsoft.com/office/drawing/2010/main" w="9525">
+                <a14:hiddenLine xmlns:a14="http://schemas.microsoft.com/office/drawing/2010/main" xmlns="" w="9525">
                   <a:solidFill>
                     <a:srgbClr val="000000"/>
                   </a:solidFill>
@@ -7430,7 +7453,7 @@
             </a:ln>
             <a:extLst>
               <a:ext uri="{91240B29-F687-4f45-9708-019B960494DF}">
-                <a14:hiddenLine xmlns="" xmlns:a14="http://schemas.microsoft.com/office/drawing/2010/main" w="9525">
+                <a14:hiddenLine xmlns:a14="http://schemas.microsoft.com/office/drawing/2010/main" xmlns="" w="9525">
                   <a:solidFill>
                     <a:srgbClr val="000000"/>
                   </a:solidFill>
@@ -7520,7 +7543,7 @@
             </a:ln>
             <a:extLst>
               <a:ext uri="{91240B29-F687-4f45-9708-019B960494DF}">
-                <a14:hiddenLine xmlns="" xmlns:a14="http://schemas.microsoft.com/office/drawing/2010/main" w="9525">
+                <a14:hiddenLine xmlns:a14="http://schemas.microsoft.com/office/drawing/2010/main" xmlns="" w="9525">
                   <a:solidFill>
                     <a:srgbClr val="000000"/>
                   </a:solidFill>
@@ -7585,7 +7608,7 @@
             </a:ln>
             <a:extLst>
               <a:ext uri="{91240B29-F687-4f45-9708-019B960494DF}">
-                <a14:hiddenLine xmlns="" xmlns:a14="http://schemas.microsoft.com/office/drawing/2010/main" w="9525">
+                <a14:hiddenLine xmlns:a14="http://schemas.microsoft.com/office/drawing/2010/main" xmlns="" w="9525">
                   <a:solidFill>
                     <a:srgbClr val="000000"/>
                   </a:solidFill>
@@ -7647,7 +7670,7 @@
             </a:ln>
             <a:extLst>
               <a:ext uri="{91240B29-F687-4f45-9708-019B960494DF}">
-                <a14:hiddenLine xmlns="" xmlns:a14="http://schemas.microsoft.com/office/drawing/2010/main" w="9525">
+                <a14:hiddenLine xmlns:a14="http://schemas.microsoft.com/office/drawing/2010/main" xmlns="" w="9525">
                   <a:solidFill>
                     <a:srgbClr val="000000"/>
                   </a:solidFill>
@@ -7737,7 +7760,7 @@
             </a:ln>
             <a:extLst>
               <a:ext uri="{91240B29-F687-4f45-9708-019B960494DF}">
-                <a14:hiddenLine xmlns="" xmlns:a14="http://schemas.microsoft.com/office/drawing/2010/main" w="9525">
+                <a14:hiddenLine xmlns:a14="http://schemas.microsoft.com/office/drawing/2010/main" xmlns="" w="9525">
                   <a:solidFill>
                     <a:srgbClr val="000000"/>
                   </a:solidFill>
@@ -7827,7 +7850,7 @@
             </a:ln>
             <a:extLst>
               <a:ext uri="{91240B29-F687-4f45-9708-019B960494DF}">
-                <a14:hiddenLine xmlns="" xmlns:a14="http://schemas.microsoft.com/office/drawing/2010/main" w="9525">
+                <a14:hiddenLine xmlns:a14="http://schemas.microsoft.com/office/drawing/2010/main" xmlns="" w="9525">
                   <a:solidFill>
                     <a:srgbClr val="000000"/>
                   </a:solidFill>
@@ -7889,7 +7912,7 @@
             </a:ln>
             <a:extLst>
               <a:ext uri="{91240B29-F687-4f45-9708-019B960494DF}">
-                <a14:hiddenLine xmlns="" xmlns:a14="http://schemas.microsoft.com/office/drawing/2010/main" w="9525">
+                <a14:hiddenLine xmlns:a14="http://schemas.microsoft.com/office/drawing/2010/main" xmlns="" w="9525">
                   <a:solidFill>
                     <a:srgbClr val="000000"/>
                   </a:solidFill>
@@ -8009,7 +8032,7 @@
             </a:ln>
             <a:extLst>
               <a:ext uri="{91240B29-F687-4f45-9708-019B960494DF}">
-                <a14:hiddenLine xmlns="" xmlns:a14="http://schemas.microsoft.com/office/drawing/2010/main" w="9525">
+                <a14:hiddenLine xmlns:a14="http://schemas.microsoft.com/office/drawing/2010/main" xmlns="" w="9525">
                   <a:solidFill>
                     <a:srgbClr val="000000"/>
                   </a:solidFill>
@@ -8077,7 +8100,7 @@
             </a:ln>
             <a:extLst>
               <a:ext uri="{91240B29-F687-4f45-9708-019B960494DF}">
-                <a14:hiddenLine xmlns="" xmlns:a14="http://schemas.microsoft.com/office/drawing/2010/main" w="9525">
+                <a14:hiddenLine xmlns:a14="http://schemas.microsoft.com/office/drawing/2010/main" xmlns="" w="9525">
                   <a:solidFill>
                     <a:srgbClr val="000000"/>
                   </a:solidFill>
@@ -8167,7 +8190,7 @@
             </a:ln>
             <a:extLst>
               <a:ext uri="{91240B29-F687-4f45-9708-019B960494DF}">
-                <a14:hiddenLine xmlns="" xmlns:a14="http://schemas.microsoft.com/office/drawing/2010/main" w="9525">
+                <a14:hiddenLine xmlns:a14="http://schemas.microsoft.com/office/drawing/2010/main" xmlns="" w="9525">
                   <a:solidFill>
                     <a:srgbClr val="000000"/>
                   </a:solidFill>
@@ -14094,7 +14117,7 @@
           <a:noFill/>
           <a:extLst>
             <a:ext uri="{909E8E84-426E-40dd-AFC4-6F175D3DCCD1}">
-              <a14:hiddenFill xmlns="" xmlns:a14="http://schemas.microsoft.com/office/drawing/2010/main">
+              <a14:hiddenFill xmlns:a14="http://schemas.microsoft.com/office/drawing/2010/main" xmlns="">
                 <a:solidFill>
                   <a:srgbClr val="FFFFFF"/>
                 </a:solidFill>
@@ -14174,7 +14197,7 @@
               </a:ln>
               <a:extLst>
                 <a:ext uri="{91240B29-F687-4f45-9708-019B960494DF}">
-                  <a14:hiddenLine xmlns="" xmlns:a14="http://schemas.microsoft.com/office/drawing/2010/main" w="9525">
+                  <a14:hiddenLine xmlns:a14="http://schemas.microsoft.com/office/drawing/2010/main" xmlns="" w="9525">
                     <a:solidFill>
                       <a:srgbClr val="000000"/>
                     </a:solidFill>
@@ -14264,7 +14287,7 @@
               </a:ln>
               <a:extLst>
                 <a:ext uri="{91240B29-F687-4f45-9708-019B960494DF}">
-                  <a14:hiddenLine xmlns="" xmlns:a14="http://schemas.microsoft.com/office/drawing/2010/main" w="9525">
+                  <a14:hiddenLine xmlns:a14="http://schemas.microsoft.com/office/drawing/2010/main" xmlns="" w="9525">
                     <a:solidFill>
                       <a:srgbClr val="000000"/>
                     </a:solidFill>
@@ -14354,7 +14377,7 @@
               </a:ln>
               <a:extLst>
                 <a:ext uri="{91240B29-F687-4f45-9708-019B960494DF}">
-                  <a14:hiddenLine xmlns="" xmlns:a14="http://schemas.microsoft.com/office/drawing/2010/main" w="9525">
+                  <a14:hiddenLine xmlns:a14="http://schemas.microsoft.com/office/drawing/2010/main" xmlns="" w="9525">
                     <a:solidFill>
                       <a:srgbClr val="000000"/>
                     </a:solidFill>
@@ -14416,7 +14439,7 @@
               </a:ln>
               <a:extLst>
                 <a:ext uri="{91240B29-F687-4f45-9708-019B960494DF}">
-                  <a14:hiddenLine xmlns="" xmlns:a14="http://schemas.microsoft.com/office/drawing/2010/main" w="9525">
+                  <a14:hiddenLine xmlns:a14="http://schemas.microsoft.com/office/drawing/2010/main" xmlns="" w="9525">
                     <a:solidFill>
                       <a:srgbClr val="000000"/>
                     </a:solidFill>
@@ -14506,7 +14529,7 @@
               </a:ln>
               <a:extLst>
                 <a:ext uri="{91240B29-F687-4f45-9708-019B960494DF}">
-                  <a14:hiddenLine xmlns="" xmlns:a14="http://schemas.microsoft.com/office/drawing/2010/main" w="9525">
+                  <a14:hiddenLine xmlns:a14="http://schemas.microsoft.com/office/drawing/2010/main" xmlns="" w="9525">
                     <a:solidFill>
                       <a:srgbClr val="000000"/>
                     </a:solidFill>
@@ -14568,7 +14591,7 @@
               </a:ln>
               <a:extLst>
                 <a:ext uri="{91240B29-F687-4f45-9708-019B960494DF}">
-                  <a14:hiddenLine xmlns="" xmlns:a14="http://schemas.microsoft.com/office/drawing/2010/main" w="9525">
+                  <a14:hiddenLine xmlns:a14="http://schemas.microsoft.com/office/drawing/2010/main" xmlns="" w="9525">
                     <a:solidFill>
                       <a:srgbClr val="000000"/>
                     </a:solidFill>
@@ -14630,7 +14653,7 @@
               </a:ln>
               <a:extLst>
                 <a:ext uri="{91240B29-F687-4f45-9708-019B960494DF}">
-                  <a14:hiddenLine xmlns="" xmlns:a14="http://schemas.microsoft.com/office/drawing/2010/main" w="9525">
+                  <a14:hiddenLine xmlns:a14="http://schemas.microsoft.com/office/drawing/2010/main" xmlns="" w="9525">
                     <a:solidFill>
                       <a:srgbClr val="000000"/>
                     </a:solidFill>
@@ -14720,7 +14743,7 @@
               </a:ln>
               <a:extLst>
                 <a:ext uri="{91240B29-F687-4f45-9708-019B960494DF}">
-                  <a14:hiddenLine xmlns="" xmlns:a14="http://schemas.microsoft.com/office/drawing/2010/main" w="9525">
+                  <a14:hiddenLine xmlns:a14="http://schemas.microsoft.com/office/drawing/2010/main" xmlns="" w="9525">
                     <a:solidFill>
                       <a:srgbClr val="000000"/>
                     </a:solidFill>
@@ -14810,7 +14833,7 @@
               </a:ln>
               <a:extLst>
                 <a:ext uri="{91240B29-F687-4f45-9708-019B960494DF}">
-                  <a14:hiddenLine xmlns="" xmlns:a14="http://schemas.microsoft.com/office/drawing/2010/main" w="9525">
+                  <a14:hiddenLine xmlns:a14="http://schemas.microsoft.com/office/drawing/2010/main" xmlns="" w="9525">
                     <a:solidFill>
                       <a:srgbClr val="000000"/>
                     </a:solidFill>
@@ -14872,7 +14895,7 @@
               </a:ln>
               <a:extLst>
                 <a:ext uri="{91240B29-F687-4f45-9708-019B960494DF}">
-                  <a14:hiddenLine xmlns="" xmlns:a14="http://schemas.microsoft.com/office/drawing/2010/main" w="9525">
+                  <a14:hiddenLine xmlns:a14="http://schemas.microsoft.com/office/drawing/2010/main" xmlns="" w="9525">
                     <a:solidFill>
                       <a:srgbClr val="000000"/>
                     </a:solidFill>
@@ -14982,7 +15005,7 @@
               </a:ln>
               <a:extLst>
                 <a:ext uri="{91240B29-F687-4f45-9708-019B960494DF}">
-                  <a14:hiddenLine xmlns="" xmlns:a14="http://schemas.microsoft.com/office/drawing/2010/main" w="9525">
+                  <a14:hiddenLine xmlns:a14="http://schemas.microsoft.com/office/drawing/2010/main" xmlns="" w="9525">
                     <a:solidFill>
                       <a:srgbClr val="000000"/>
                     </a:solidFill>
@@ -15066,7 +15089,7 @@
               </a:ln>
               <a:extLst>
                 <a:ext uri="{91240B29-F687-4f45-9708-019B960494DF}">
-                  <a14:hiddenLine xmlns="" xmlns:a14="http://schemas.microsoft.com/office/drawing/2010/main" w="9525">
+                  <a14:hiddenLine xmlns:a14="http://schemas.microsoft.com/office/drawing/2010/main" xmlns="" w="9525">
                     <a:solidFill>
                       <a:srgbClr val="000000"/>
                     </a:solidFill>
@@ -15128,7 +15151,7 @@
               </a:ln>
               <a:extLst>
                 <a:ext uri="{91240B29-F687-4f45-9708-019B960494DF}">
-                  <a14:hiddenLine xmlns="" xmlns:a14="http://schemas.microsoft.com/office/drawing/2010/main" w="9525">
+                  <a14:hiddenLine xmlns:a14="http://schemas.microsoft.com/office/drawing/2010/main" xmlns="" w="9525">
                     <a:solidFill>
                       <a:srgbClr val="000000"/>
                     </a:solidFill>
@@ -15190,7 +15213,7 @@
               </a:ln>
               <a:extLst>
                 <a:ext uri="{91240B29-F687-4f45-9708-019B960494DF}">
-                  <a14:hiddenLine xmlns="" xmlns:a14="http://schemas.microsoft.com/office/drawing/2010/main" w="9525">
+                  <a14:hiddenLine xmlns:a14="http://schemas.microsoft.com/office/drawing/2010/main" xmlns="" w="9525">
                     <a:solidFill>
                       <a:srgbClr val="000000"/>
                     </a:solidFill>
@@ -15280,7 +15303,7 @@
               </a:ln>
               <a:extLst>
                 <a:ext uri="{91240B29-F687-4f45-9708-019B960494DF}">
-                  <a14:hiddenLine xmlns="" xmlns:a14="http://schemas.microsoft.com/office/drawing/2010/main" w="9525">
+                  <a14:hiddenLine xmlns:a14="http://schemas.microsoft.com/office/drawing/2010/main" xmlns="" w="9525">
                     <a:solidFill>
                       <a:srgbClr val="000000"/>
                     </a:solidFill>
@@ -15314,7 +15337,7 @@
               </a:ln>
               <a:extLst>
                 <a:ext uri="{91240B29-F687-4f45-9708-019B960494DF}">
-                  <a14:hiddenLine xmlns="" xmlns:a14="http://schemas.microsoft.com/office/drawing/2010/main" w="9525">
+                  <a14:hiddenLine xmlns:a14="http://schemas.microsoft.com/office/drawing/2010/main" xmlns="" w="9525">
                     <a:solidFill>
                       <a:srgbClr val="000000"/>
                     </a:solidFill>
@@ -15379,7 +15402,7 @@
               </a:ln>
               <a:extLst>
                 <a:ext uri="{91240B29-F687-4f45-9708-019B960494DF}">
-                  <a14:hiddenLine xmlns="" xmlns:a14="http://schemas.microsoft.com/office/drawing/2010/main" w="9525">
+                  <a14:hiddenLine xmlns:a14="http://schemas.microsoft.com/office/drawing/2010/main" xmlns="" w="9525">
                     <a:solidFill>
                       <a:srgbClr val="000000"/>
                     </a:solidFill>
@@ -15469,7 +15492,7 @@
               </a:ln>
               <a:extLst>
                 <a:ext uri="{91240B29-F687-4f45-9708-019B960494DF}">
-                  <a14:hiddenLine xmlns="" xmlns:a14="http://schemas.microsoft.com/office/drawing/2010/main" w="9525">
+                  <a14:hiddenLine xmlns:a14="http://schemas.microsoft.com/office/drawing/2010/main" xmlns="" w="9525">
                     <a:solidFill>
                       <a:srgbClr val="000000"/>
                     </a:solidFill>
@@ -15531,7 +15554,7 @@
               </a:ln>
               <a:extLst>
                 <a:ext uri="{91240B29-F687-4f45-9708-019B960494DF}">
-                  <a14:hiddenLine xmlns="" xmlns:a14="http://schemas.microsoft.com/office/drawing/2010/main" w="9525">
+                  <a14:hiddenLine xmlns:a14="http://schemas.microsoft.com/office/drawing/2010/main" xmlns="" w="9525">
                     <a:solidFill>
                       <a:srgbClr val="000000"/>
                     </a:solidFill>
@@ -15621,7 +15644,7 @@
               </a:ln>
               <a:extLst>
                 <a:ext uri="{91240B29-F687-4f45-9708-019B960494DF}">
-                  <a14:hiddenLine xmlns="" xmlns:a14="http://schemas.microsoft.com/office/drawing/2010/main" w="9525">
+                  <a14:hiddenLine xmlns:a14="http://schemas.microsoft.com/office/drawing/2010/main" xmlns="" w="9525">
                     <a:solidFill>
                       <a:srgbClr val="000000"/>
                     </a:solidFill>
@@ -15686,7 +15709,7 @@
               </a:ln>
               <a:extLst>
                 <a:ext uri="{91240B29-F687-4f45-9708-019B960494DF}">
-                  <a14:hiddenLine xmlns="" xmlns:a14="http://schemas.microsoft.com/office/drawing/2010/main" w="9525">
+                  <a14:hiddenLine xmlns:a14="http://schemas.microsoft.com/office/drawing/2010/main" xmlns="" w="9525">
                     <a:solidFill>
                       <a:srgbClr val="000000"/>
                     </a:solidFill>
@@ -15748,7 +15771,7 @@
               </a:ln>
               <a:extLst>
                 <a:ext uri="{91240B29-F687-4f45-9708-019B960494DF}">
-                  <a14:hiddenLine xmlns="" xmlns:a14="http://schemas.microsoft.com/office/drawing/2010/main" w="9525">
+                  <a14:hiddenLine xmlns:a14="http://schemas.microsoft.com/office/drawing/2010/main" xmlns="" w="9525">
                     <a:solidFill>
                       <a:srgbClr val="000000"/>
                     </a:solidFill>
@@ -15838,7 +15861,7 @@
               </a:ln>
               <a:extLst>
                 <a:ext uri="{91240B29-F687-4f45-9708-019B960494DF}">
-                  <a14:hiddenLine xmlns="" xmlns:a14="http://schemas.microsoft.com/office/drawing/2010/main" w="9525">
+                  <a14:hiddenLine xmlns:a14="http://schemas.microsoft.com/office/drawing/2010/main" xmlns="" w="9525">
                     <a:solidFill>
                       <a:srgbClr val="000000"/>
                     </a:solidFill>
@@ -15928,7 +15951,7 @@
               </a:ln>
               <a:extLst>
                 <a:ext uri="{91240B29-F687-4f45-9708-019B960494DF}">
-                  <a14:hiddenLine xmlns="" xmlns:a14="http://schemas.microsoft.com/office/drawing/2010/main" w="9525">
+                  <a14:hiddenLine xmlns:a14="http://schemas.microsoft.com/office/drawing/2010/main" xmlns="" w="9525">
                     <a:solidFill>
                       <a:srgbClr val="000000"/>
                     </a:solidFill>
@@ -15993,7 +16016,7 @@
               </a:ln>
               <a:extLst>
                 <a:ext uri="{91240B29-F687-4f45-9708-019B960494DF}">
-                  <a14:hiddenLine xmlns="" xmlns:a14="http://schemas.microsoft.com/office/drawing/2010/main" w="9525">
+                  <a14:hiddenLine xmlns:a14="http://schemas.microsoft.com/office/drawing/2010/main" xmlns="" w="9525">
                     <a:solidFill>
                       <a:srgbClr val="000000"/>
                     </a:solidFill>
@@ -16113,7 +16136,7 @@
               </a:ln>
               <a:extLst>
                 <a:ext uri="{91240B29-F687-4f45-9708-019B960494DF}">
-                  <a14:hiddenLine xmlns="" xmlns:a14="http://schemas.microsoft.com/office/drawing/2010/main" w="9525">
+                  <a14:hiddenLine xmlns:a14="http://schemas.microsoft.com/office/drawing/2010/main" xmlns="" w="9525">
                     <a:solidFill>
                       <a:srgbClr val="000000"/>
                     </a:solidFill>
@@ -16211,7 +16234,7 @@
               </a:ln>
               <a:extLst>
                 <a:ext uri="{91240B29-F687-4f45-9708-019B960494DF}">
-                  <a14:hiddenLine xmlns="" xmlns:a14="http://schemas.microsoft.com/office/drawing/2010/main" w="9525">
+                  <a14:hiddenLine xmlns:a14="http://schemas.microsoft.com/office/drawing/2010/main" xmlns="" w="9525">
                     <a:solidFill>
                       <a:srgbClr val="000000"/>
                     </a:solidFill>
@@ -16326,7 +16349,7 @@
               </a:ln>
               <a:extLst>
                 <a:ext uri="{91240B29-F687-4f45-9708-019B960494DF}">
-                  <a14:hiddenLine xmlns="" xmlns:a14="http://schemas.microsoft.com/office/drawing/2010/main" w="9525">
+                  <a14:hiddenLine xmlns:a14="http://schemas.microsoft.com/office/drawing/2010/main" xmlns="" w="9525">
                     <a:solidFill>
                       <a:srgbClr val="000000"/>
                     </a:solidFill>
@@ -16416,7 +16439,7 @@
               </a:ln>
               <a:extLst>
                 <a:ext uri="{91240B29-F687-4f45-9708-019B960494DF}">
-                  <a14:hiddenLine xmlns="" xmlns:a14="http://schemas.microsoft.com/office/drawing/2010/main" w="9525">
+                  <a14:hiddenLine xmlns:a14="http://schemas.microsoft.com/office/drawing/2010/main" xmlns="" w="9525">
                     <a:solidFill>
                       <a:srgbClr val="000000"/>
                     </a:solidFill>
@@ -16481,7 +16504,7 @@
               </a:ln>
               <a:extLst>
                 <a:ext uri="{91240B29-F687-4f45-9708-019B960494DF}">
-                  <a14:hiddenLine xmlns="" xmlns:a14="http://schemas.microsoft.com/office/drawing/2010/main" w="9525">
+                  <a14:hiddenLine xmlns:a14="http://schemas.microsoft.com/office/drawing/2010/main" xmlns="" w="9525">
                     <a:solidFill>
                       <a:srgbClr val="000000"/>
                     </a:solidFill>
@@ -16571,7 +16594,7 @@
               </a:ln>
               <a:extLst>
                 <a:ext uri="{91240B29-F687-4f45-9708-019B960494DF}">
-                  <a14:hiddenLine xmlns="" xmlns:a14="http://schemas.microsoft.com/office/drawing/2010/main" w="9525">
+                  <a14:hiddenLine xmlns:a14="http://schemas.microsoft.com/office/drawing/2010/main" xmlns="" w="9525">
                     <a:solidFill>
                       <a:srgbClr val="000000"/>
                     </a:solidFill>
@@ -16639,7 +16662,7 @@
               </a:ln>
               <a:extLst>
                 <a:ext uri="{91240B29-F687-4f45-9708-019B960494DF}">
-                  <a14:hiddenLine xmlns="" xmlns:a14="http://schemas.microsoft.com/office/drawing/2010/main" w="9525">
+                  <a14:hiddenLine xmlns:a14="http://schemas.microsoft.com/office/drawing/2010/main" xmlns="" w="9525">
                     <a:solidFill>
                       <a:srgbClr val="000000"/>
                     </a:solidFill>
@@ -16729,7 +16752,7 @@
               </a:ln>
               <a:extLst>
                 <a:ext uri="{91240B29-F687-4f45-9708-019B960494DF}">
-                  <a14:hiddenLine xmlns="" xmlns:a14="http://schemas.microsoft.com/office/drawing/2010/main" w="9525">
+                  <a14:hiddenLine xmlns:a14="http://schemas.microsoft.com/office/drawing/2010/main" xmlns="" w="9525">
                     <a:solidFill>
                       <a:srgbClr val="000000"/>
                     </a:solidFill>
@@ -16797,7 +16820,7 @@
               </a:ln>
               <a:extLst>
                 <a:ext uri="{91240B29-F687-4f45-9708-019B960494DF}">
-                  <a14:hiddenLine xmlns="" xmlns:a14="http://schemas.microsoft.com/office/drawing/2010/main" w="9525">
+                  <a14:hiddenLine xmlns:a14="http://schemas.microsoft.com/office/drawing/2010/main" xmlns="" w="9525">
                     <a:solidFill>
                       <a:srgbClr val="000000"/>
                     </a:solidFill>
@@ -16887,7 +16910,7 @@
               </a:ln>
               <a:extLst>
                 <a:ext uri="{91240B29-F687-4f45-9708-019B960494DF}">
-                  <a14:hiddenLine xmlns="" xmlns:a14="http://schemas.microsoft.com/office/drawing/2010/main" w="9525">
+                  <a14:hiddenLine xmlns:a14="http://schemas.microsoft.com/office/drawing/2010/main" xmlns="" w="9525">
                     <a:solidFill>
                       <a:srgbClr val="000000"/>
                     </a:solidFill>
@@ -16921,7 +16944,7 @@
               </a:ln>
               <a:extLst>
                 <a:ext uri="{91240B29-F687-4f45-9708-019B960494DF}">
-                  <a14:hiddenLine xmlns="" xmlns:a14="http://schemas.microsoft.com/office/drawing/2010/main" w="9525">
+                  <a14:hiddenLine xmlns:a14="http://schemas.microsoft.com/office/drawing/2010/main" xmlns="" w="9525">
                     <a:solidFill>
                       <a:srgbClr val="000000"/>
                     </a:solidFill>

--- a/TaskScheduler/TaskScheduler.pptx
+++ b/TaskScheduler/TaskScheduler.pptx
@@ -5,7 +5,7 @@
     <p:sldMasterId id="2147483669" r:id="rId1"/>
   </p:sldMasterIdLst>
   <p:notesMasterIdLst>
-    <p:notesMasterId r:id="rId26"/>
+    <p:notesMasterId r:id="rId25"/>
   </p:notesMasterIdLst>
   <p:sldIdLst>
     <p:sldId id="256" r:id="rId2"/>
@@ -24,14 +24,13 @@
     <p:sldId id="271" r:id="rId15"/>
     <p:sldId id="270" r:id="rId16"/>
     <p:sldId id="268" r:id="rId17"/>
-    <p:sldId id="273" r:id="rId18"/>
-    <p:sldId id="274" r:id="rId19"/>
-    <p:sldId id="282" r:id="rId20"/>
-    <p:sldId id="278" r:id="rId21"/>
-    <p:sldId id="279" r:id="rId22"/>
-    <p:sldId id="280" r:id="rId23"/>
-    <p:sldId id="264" r:id="rId24"/>
-    <p:sldId id="261" r:id="rId25"/>
+    <p:sldId id="283" r:id="rId18"/>
+    <p:sldId id="284" r:id="rId19"/>
+    <p:sldId id="278" r:id="rId20"/>
+    <p:sldId id="279" r:id="rId21"/>
+    <p:sldId id="280" r:id="rId22"/>
+    <p:sldId id="264" r:id="rId23"/>
+    <p:sldId id="261" r:id="rId24"/>
   </p:sldIdLst>
   <p:sldSz cx="12192000" cy="6858000"/>
   <p:notesSz cx="6858000" cy="9144000"/>
@@ -1010,7 +1009,7 @@
           <a:p>
             <a:fld id="{857CC94D-E614-4874-A919-F25B27309A09}" type="datetimeFigureOut">
               <a:rPr lang="en-CA" smtClean="0"/>
-              <a:t>2024-10-05</a:t>
+              <a:t>2024-10-08</a:t>
             </a:fld>
             <a:endParaRPr lang="en-CA"/>
           </a:p>
@@ -1873,11 +1872,11 @@
             </a:pPr>
             <a:r>
               <a:rPr lang="en-CA" dirty="0" err="1"/>
-              <a:t>taskList</a:t>
+              <a:t>TaskList</a:t>
             </a:r>
             <a:r>
               <a:rPr lang="en-CA" dirty="0"/>
-              <a:t> is initialized at compile time</a:t>
+              <a:t> is defined at compile time</a:t>
             </a:r>
           </a:p>
           <a:p>
@@ -1888,24 +1887,6 @@
             <a:r>
               <a:rPr lang="en-CA" dirty="0"/>
               <a:t>Hence the funny brackets &lt;&gt;</a:t>
-            </a:r>
-          </a:p>
-          <a:p>
-            <a:pPr marL="171450" lvl="0" indent="-171450">
-              <a:buFont typeface="Arial" panose="020B0604020202020204" pitchFamily="34" charset="0"/>
-              <a:buChar char="•"/>
-            </a:pPr>
-            <a:r>
-              <a:rPr lang="en-CA" dirty="0"/>
-              <a:t>Lots of constexpr &amp; </a:t>
-            </a:r>
-            <a:r>
-              <a:rPr lang="en-CA" dirty="0" err="1"/>
-              <a:t>consteval</a:t>
-            </a:r>
-            <a:r>
-              <a:rPr lang="en-CA" dirty="0"/>
-              <a:t> used to force things to be done at compile time</a:t>
             </a:r>
           </a:p>
         </p:txBody>
@@ -2163,6 +2144,98 @@
               <a:t>I don’t like having to define/declare things in 2 places – annoying and error prone</a:t>
             </a:r>
           </a:p>
+          <a:p>
+            <a:pPr marL="171450" indent="-171450">
+              <a:buFont typeface="Arial" panose="020B0604020202020204" pitchFamily="34" charset="0"/>
+              <a:buChar char="•"/>
+            </a:pPr>
+            <a:r>
+              <a:rPr lang="en-CA" i="1" dirty="0"/>
+              <a:t>Note: Brief aside about virtual functions</a:t>
+            </a:r>
+          </a:p>
+          <a:p>
+            <a:pPr marL="628650" lvl="1" indent="-171450">
+              <a:buFont typeface="Arial" panose="020B0604020202020204" pitchFamily="34" charset="0"/>
+              <a:buChar char="•"/>
+            </a:pPr>
+            <a:r>
+              <a:rPr lang="en-CA" i="0" dirty="0"/>
+              <a:t>Small overhead calling a virtual function – </a:t>
+            </a:r>
+            <a:r>
+              <a:rPr lang="en-CA" i="0" dirty="0" err="1"/>
+              <a:t>vtbl</a:t>
+            </a:r>
+            <a:r>
+              <a:rPr lang="en-CA" i="0" dirty="0"/>
+              <a:t> in memory, 1 memory access per call in this implementation</a:t>
+            </a:r>
+          </a:p>
+          <a:p>
+            <a:pPr marL="628650" lvl="1" indent="-171450">
+              <a:buFont typeface="Arial" panose="020B0604020202020204" pitchFamily="34" charset="0"/>
+              <a:buChar char="•"/>
+            </a:pPr>
+            <a:r>
+              <a:rPr lang="en-CA" i="0" dirty="0"/>
+              <a:t>But since there is one static instance of </a:t>
+            </a:r>
+            <a:r>
+              <a:rPr lang="en-CA" i="0" dirty="0" err="1"/>
+              <a:t>LedBlinkTask</a:t>
+            </a:r>
+            <a:r>
+              <a:rPr lang="en-CA" i="0" dirty="0"/>
+              <a:t>, the compiler can figure out which virtual function to call</a:t>
+            </a:r>
+          </a:p>
+          <a:p>
+            <a:pPr marL="628650" lvl="1" indent="-171450">
+              <a:buFont typeface="Arial" panose="020B0604020202020204" pitchFamily="34" charset="0"/>
+              <a:buChar char="•"/>
+            </a:pPr>
+            <a:r>
+              <a:rPr lang="en-CA" i="1" dirty="0"/>
+              <a:t>Sometimes</a:t>
+            </a:r>
+            <a:r>
+              <a:rPr lang="en-CA" i="0" dirty="0"/>
+              <a:t> </a:t>
+            </a:r>
+            <a:r>
+              <a:rPr lang="en-CA" i="0" dirty="0" err="1"/>
+              <a:t>gcc</a:t>
+            </a:r>
+            <a:r>
+              <a:rPr lang="en-CA" i="0" dirty="0"/>
+              <a:t> optimizes to call the function directly or pull it inline</a:t>
+            </a:r>
+          </a:p>
+          <a:p>
+            <a:pPr marL="628650" lvl="1" indent="-171450">
+              <a:buFont typeface="Arial" panose="020B0604020202020204" pitchFamily="34" charset="0"/>
+              <a:buChar char="•"/>
+            </a:pPr>
+            <a:r>
+              <a:rPr lang="en-CA" i="0" dirty="0"/>
+              <a:t>There’s still some overhead so it can be helpful to use </a:t>
+            </a:r>
+            <a:r>
+              <a:rPr lang="en-CA" dirty="0"/>
+              <a:t>compile-time polymorphism instead</a:t>
+            </a:r>
+          </a:p>
+          <a:p>
+            <a:pPr marL="628650" lvl="1" indent="-171450">
+              <a:buFont typeface="Arial" panose="020B0604020202020204" pitchFamily="34" charset="0"/>
+              <a:buChar char="•"/>
+            </a:pPr>
+            <a:r>
+              <a:rPr lang="en-CA" i="1" dirty="0"/>
+              <a:t>Discuss that later</a:t>
+            </a:r>
+          </a:p>
         </p:txBody>
       </p:sp>
       <p:sp>
@@ -2348,81 +2421,6 @@
               <a:t>Can work on any other microcontroller, coded appropriately</a:t>
             </a:r>
           </a:p>
-          <a:p>
-            <a:pPr marL="171450" indent="-171450">
-              <a:buFont typeface="Arial" panose="020B0604020202020204" pitchFamily="34" charset="0"/>
-              <a:buChar char="•"/>
-            </a:pPr>
-            <a:r>
-              <a:rPr lang="en-CA" dirty="0"/>
-              <a:t>Note: Could use compile-time polymorphism instead (CRTP)</a:t>
-            </a:r>
-          </a:p>
-          <a:p>
-            <a:pPr marL="628650" lvl="1" indent="-171450">
-              <a:buFont typeface="Arial" panose="020B0604020202020204" pitchFamily="34" charset="0"/>
-              <a:buChar char="•"/>
-            </a:pPr>
-            <a:r>
-              <a:rPr lang="en-CA" dirty="0"/>
-              <a:t>No virtual functions, more efficient </a:t>
-            </a:r>
-            <a:r>
-              <a:rPr lang="en-CA" i="1" dirty="0"/>
-              <a:t>in theory</a:t>
-            </a:r>
-            <a:endParaRPr lang="en-CA" dirty="0"/>
-          </a:p>
-          <a:p>
-            <a:pPr marL="628650" lvl="1" indent="-171450">
-              <a:buFont typeface="Arial" panose="020B0604020202020204" pitchFamily="34" charset="0"/>
-              <a:buChar char="•"/>
-            </a:pPr>
-            <a:r>
-              <a:rPr lang="en-CA" dirty="0"/>
-              <a:t>But it makes Task subclasses a bit more complicated</a:t>
-            </a:r>
-          </a:p>
-          <a:p>
-            <a:pPr marL="628650" lvl="1" indent="-171450">
-              <a:buFont typeface="Arial" panose="020B0604020202020204" pitchFamily="34" charset="0"/>
-              <a:buChar char="•"/>
-            </a:pPr>
-            <a:r>
-              <a:rPr lang="en-CA" dirty="0"/>
-              <a:t>And it’s not more efficient because the compiler </a:t>
-            </a:r>
-            <a:r>
-              <a:rPr lang="en-CA" dirty="0" err="1"/>
-              <a:t>inlines</a:t>
-            </a:r>
-            <a:r>
-              <a:rPr lang="en-CA" dirty="0"/>
-              <a:t> the virtual calls (in </a:t>
-            </a:r>
-            <a:r>
-              <a:rPr lang="en-CA"/>
-              <a:t>my projects)</a:t>
-            </a:r>
-            <a:endParaRPr lang="en-CA" dirty="0"/>
-          </a:p>
-          <a:p>
-            <a:pPr marL="628650" lvl="1" indent="-171450">
-              <a:buFont typeface="Arial" panose="020B0604020202020204" pitchFamily="34" charset="0"/>
-              <a:buChar char="•"/>
-            </a:pPr>
-            <a:r>
-              <a:rPr lang="en-CA" dirty="0"/>
-              <a:t>Maybe discuss more later</a:t>
-            </a:r>
-          </a:p>
-          <a:p>
-            <a:pPr marL="171450" indent="-171450">
-              <a:buFont typeface="Arial" panose="020B0604020202020204" pitchFamily="34" charset="0"/>
-              <a:buChar char="•"/>
-            </a:pPr>
-            <a:endParaRPr lang="en-CA" dirty="0"/>
-          </a:p>
         </p:txBody>
       </p:sp>
       <p:sp>
@@ -2451,7 +2449,7 @@
     </p:spTree>
     <p:extLst>
       <p:ext uri="{BB962C8B-B14F-4D97-AF65-F5344CB8AC3E}">
-        <p14:creationId xmlns:p14="http://schemas.microsoft.com/office/powerpoint/2010/main" val="1690009570"/>
+        <p14:creationId xmlns:p14="http://schemas.microsoft.com/office/powerpoint/2010/main" val="3789836100"/>
       </p:ext>
     </p:extLst>
   </p:cSld>
@@ -2510,8 +2508,12 @@
               <a:buChar char="•"/>
             </a:pPr>
             <a:r>
+              <a:rPr lang="en-CA" dirty="0" err="1"/>
+              <a:t>TaskList</a:t>
+            </a:r>
+            <a:r>
               <a:rPr lang="en-CA" dirty="0"/>
-              <a:t>Declaration from main.cpp included at the bottom</a:t>
+              <a:t> is the template that was used in main.cpp</a:t>
             </a:r>
           </a:p>
           <a:p>
@@ -2531,15 +2533,7 @@
             </a:pPr>
             <a:r>
               <a:rPr lang="en-CA" dirty="0"/>
-              <a:t>“</a:t>
-            </a:r>
-            <a:r>
-              <a:rPr lang="en-CA" dirty="0" err="1"/>
-              <a:t>sizeof</a:t>
-            </a:r>
-            <a:r>
-              <a:rPr lang="en-CA" dirty="0"/>
-              <a:t>…(TASKS)” gives the number of template arguments</a:t>
+              <a:t>Fold expression (C++17) iterates over the template parameters</a:t>
             </a:r>
           </a:p>
           <a:p>
@@ -2548,48 +2542,12 @@
               <a:buChar char="•"/>
             </a:pPr>
             <a:r>
-              <a:rPr lang="en-CA" dirty="0"/>
-              <a:t>(C++</a:t>
-            </a:r>
-            <a:r>
-              <a:rPr lang="en-CA"/>
-              <a:t>20 warning): Constructor </a:t>
-            </a:r>
-            <a:r>
-              <a:rPr lang="en-CA" dirty="0"/>
-              <a:t>is declared </a:t>
-            </a:r>
-            <a:r>
-              <a:rPr lang="en-CA" dirty="0" err="1"/>
-              <a:t>consteval</a:t>
-            </a:r>
-            <a:r>
-              <a:rPr lang="en-CA" dirty="0"/>
-              <a:t> – necessary for compile-time initialization</a:t>
-            </a:r>
-          </a:p>
-          <a:p>
-            <a:pPr marL="171450" indent="-171450">
-              <a:buFont typeface="Arial" panose="020B0604020202020204" pitchFamily="34" charset="0"/>
-              <a:buChar char="•"/>
-            </a:pPr>
-            <a:r>
               <a:rPr lang="en-CA" dirty="0" err="1"/>
               <a:t>taskInstance</a:t>
             </a:r>
             <a:r>
               <a:rPr lang="en-CA" dirty="0"/>
-              <a:t>&lt;&gt; is the variable template defined earlier</a:t>
-            </a:r>
-          </a:p>
-          <a:p>
-            <a:pPr marL="628650" lvl="1" indent="-171450">
-              <a:buFont typeface="Arial" panose="020B0604020202020204" pitchFamily="34" charset="0"/>
-              <a:buChar char="•"/>
-            </a:pPr>
-            <a:r>
-              <a:rPr lang="en-CA" dirty="0"/>
-              <a:t>Refers to one instance of the given class</a:t>
+              <a:t>&lt;&gt; is a variable template declaring one instance of any Task class</a:t>
             </a:r>
           </a:p>
         </p:txBody>
@@ -2620,7 +2578,7 @@
     </p:spTree>
     <p:extLst>
       <p:ext uri="{BB962C8B-B14F-4D97-AF65-F5344CB8AC3E}">
-        <p14:creationId xmlns:p14="http://schemas.microsoft.com/office/powerpoint/2010/main" val="3999173398"/>
+        <p14:creationId xmlns:p14="http://schemas.microsoft.com/office/powerpoint/2010/main" val="2085878101"/>
       </p:ext>
     </p:extLst>
   </p:cSld>
@@ -2674,15 +2632,7 @@
           <a:bodyPr/>
           <a:lstStyle/>
           <a:p>
-            <a:pPr marL="171450" indent="-171450">
-              <a:buFont typeface="Arial" panose="020B0604020202020204" pitchFamily="34" charset="0"/>
-              <a:buChar char="•"/>
-            </a:pPr>
-            <a:r>
-              <a:rPr lang="en-CA"/>
-              <a:t>Device-specific code</a:t>
-            </a:r>
-            <a:endParaRPr lang="en-CA" dirty="0"/>
+            <a:endParaRPr lang="en-CA"/>
           </a:p>
         </p:txBody>
       </p:sp>
@@ -2712,7 +2662,7 @@
     </p:spTree>
     <p:extLst>
       <p:ext uri="{BB962C8B-B14F-4D97-AF65-F5344CB8AC3E}">
-        <p14:creationId xmlns:p14="http://schemas.microsoft.com/office/powerpoint/2010/main" val="3889162959"/>
+        <p14:creationId xmlns:p14="http://schemas.microsoft.com/office/powerpoint/2010/main" val="2783662801"/>
       </p:ext>
     </p:extLst>
   </p:cSld>
@@ -2970,7 +2920,7 @@
     </p:spTree>
     <p:extLst>
       <p:ext uri="{BB962C8B-B14F-4D97-AF65-F5344CB8AC3E}">
-        <p14:creationId xmlns:p14="http://schemas.microsoft.com/office/powerpoint/2010/main" val="2783662801"/>
+        <p14:creationId xmlns:p14="http://schemas.microsoft.com/office/powerpoint/2010/main" val="3469384080"/>
       </p:ext>
     </p:extLst>
   </p:cSld>
@@ -3054,7 +3004,7 @@
     </p:spTree>
     <p:extLst>
       <p:ext uri="{BB962C8B-B14F-4D97-AF65-F5344CB8AC3E}">
-        <p14:creationId xmlns:p14="http://schemas.microsoft.com/office/powerpoint/2010/main" val="3469384080"/>
+        <p14:creationId xmlns:p14="http://schemas.microsoft.com/office/powerpoint/2010/main" val="2192752291"/>
       </p:ext>
     </p:extLst>
   </p:cSld>
@@ -3108,7 +3058,14 @@
           <a:bodyPr/>
           <a:lstStyle/>
           <a:p>
-            <a:endParaRPr lang="en-CA"/>
+            <a:pPr marL="171450" indent="-171450">
+              <a:buFont typeface="Arial" panose="020B0604020202020204" pitchFamily="34" charset="0"/>
+              <a:buChar char="•"/>
+            </a:pPr>
+            <a:r>
+              <a:rPr lang="en-CA" dirty="0"/>
+              <a:t>Or go to lenp.net</a:t>
+            </a:r>
           </a:p>
         </p:txBody>
       </p:sp>
@@ -3138,7 +3095,7 @@
     </p:spTree>
     <p:extLst>
       <p:ext uri="{BB962C8B-B14F-4D97-AF65-F5344CB8AC3E}">
-        <p14:creationId xmlns:p14="http://schemas.microsoft.com/office/powerpoint/2010/main" val="2192752291"/>
+        <p14:creationId xmlns:p14="http://schemas.microsoft.com/office/powerpoint/2010/main" val="3751973649"/>
       </p:ext>
     </p:extLst>
   </p:cSld>
@@ -3192,13 +3149,9 @@
           <a:bodyPr/>
           <a:lstStyle/>
           <a:p>
-            <a:pPr marL="171450" indent="-171450">
-              <a:buFont typeface="Arial" panose="020B0604020202020204" pitchFamily="34" charset="0"/>
-              <a:buChar char="•"/>
-            </a:pPr>
-            <a:r>
-              <a:rPr lang="en-CA" dirty="0"/>
-              <a:t>Or go to lenp.net</a:t>
+            <a:r>
+              <a:rPr lang="en-CA"/>
+              <a:t>Thank you.</a:t>
             </a:r>
           </a:p>
         </p:txBody>
@@ -3221,93 +3174,6 @@
             <a:fld id="{A2E8EC5D-AF6A-40C0-9969-DE3CD2E745D4}" type="slidenum">
               <a:rPr lang="en-CA" smtClean="0"/>
               <a:t>23</a:t>
-            </a:fld>
-            <a:endParaRPr lang="en-CA"/>
-          </a:p>
-        </p:txBody>
-      </p:sp>
-    </p:spTree>
-    <p:extLst>
-      <p:ext uri="{BB962C8B-B14F-4D97-AF65-F5344CB8AC3E}">
-        <p14:creationId xmlns:p14="http://schemas.microsoft.com/office/powerpoint/2010/main" val="3751973649"/>
-      </p:ext>
-    </p:extLst>
-  </p:cSld>
-  <p:clrMapOvr>
-    <a:masterClrMapping/>
-  </p:clrMapOvr>
-</p:notes>
-</file>
-
-<file path=ppt/notesSlides/notesSlide24.xml><?xml version="1.0" encoding="utf-8"?>
-<p:notes xmlns:a="http://schemas.openxmlformats.org/drawingml/2006/main" xmlns:r="http://schemas.openxmlformats.org/officeDocument/2006/relationships" xmlns:p="http://schemas.openxmlformats.org/presentationml/2006/main">
-  <p:cSld>
-    <p:spTree>
-      <p:nvGrpSpPr>
-        <p:cNvPr id="1" name=""/>
-        <p:cNvGrpSpPr/>
-        <p:nvPr/>
-      </p:nvGrpSpPr>
-      <p:grpSpPr>
-        <a:xfrm>
-          <a:off x="0" y="0"/>
-          <a:ext cx="0" cy="0"/>
-          <a:chOff x="0" y="0"/>
-          <a:chExt cx="0" cy="0"/>
-        </a:xfrm>
-      </p:grpSpPr>
-      <p:sp>
-        <p:nvSpPr>
-          <p:cNvPr id="2" name="Slide Image Placeholder 1"/>
-          <p:cNvSpPr>
-            <a:spLocks noGrp="1" noRot="1" noChangeAspect="1"/>
-          </p:cNvSpPr>
-          <p:nvPr>
-            <p:ph type="sldImg"/>
-          </p:nvPr>
-        </p:nvSpPr>
-        <p:spPr/>
-      </p:sp>
-      <p:sp>
-        <p:nvSpPr>
-          <p:cNvPr id="3" name="Notes Placeholder 2"/>
-          <p:cNvSpPr>
-            <a:spLocks noGrp="1"/>
-          </p:cNvSpPr>
-          <p:nvPr>
-            <p:ph type="body" idx="1"/>
-          </p:nvPr>
-        </p:nvSpPr>
-        <p:spPr/>
-        <p:txBody>
-          <a:bodyPr/>
-          <a:lstStyle/>
-          <a:p>
-            <a:r>
-              <a:rPr lang="en-CA"/>
-              <a:t>Thank you.</a:t>
-            </a:r>
-          </a:p>
-        </p:txBody>
-      </p:sp>
-      <p:sp>
-        <p:nvSpPr>
-          <p:cNvPr id="4" name="Slide Number Placeholder 3"/>
-          <p:cNvSpPr>
-            <a:spLocks noGrp="1"/>
-          </p:cNvSpPr>
-          <p:nvPr>
-            <p:ph type="sldNum" sz="quarter" idx="5"/>
-          </p:nvPr>
-        </p:nvSpPr>
-        <p:spPr/>
-        <p:txBody>
-          <a:bodyPr/>
-          <a:lstStyle/>
-          <a:p>
-            <a:fld id="{A2E8EC5D-AF6A-40C0-9969-DE3CD2E745D4}" type="slidenum">
-              <a:rPr lang="en-CA" smtClean="0"/>
-              <a:t>24</a:t>
             </a:fld>
             <a:endParaRPr lang="en-CA"/>
           </a:p>
@@ -8378,7 +8244,7 @@
           <a:p>
             <a:r>
               <a:rPr lang="en-US"/>
-              <a:t>2024-08-20</a:t>
+              <a:t>2024-10-08</a:t>
             </a:r>
             <a:endParaRPr lang="en-US" dirty="0"/>
           </a:p>
@@ -8832,7 +8698,7 @@
           <a:p>
             <a:r>
               <a:rPr lang="en-US"/>
-              <a:t>2024-08-20</a:t>
+              <a:t>2024-10-08</a:t>
             </a:r>
             <a:endParaRPr lang="en-US" dirty="0"/>
           </a:p>
@@ -9199,7 +9065,7 @@
           <a:p>
             <a:r>
               <a:rPr lang="en-US"/>
-              <a:t>2024-08-20</a:t>
+              <a:t>2024-10-08</a:t>
             </a:r>
             <a:endParaRPr lang="en-US" dirty="0"/>
           </a:p>
@@ -9443,7 +9309,7 @@
           <a:p>
             <a:r>
               <a:rPr lang="en-US"/>
-              <a:t>2024-08-20</a:t>
+              <a:t>2024-10-08</a:t>
             </a:r>
             <a:endParaRPr lang="en-US" dirty="0"/>
           </a:p>
@@ -9731,7 +9597,7 @@
           <a:p>
             <a:r>
               <a:rPr lang="en-US"/>
-              <a:t>2024-08-20</a:t>
+              <a:t>2024-10-08</a:t>
             </a:r>
             <a:endParaRPr lang="en-US" dirty="0"/>
           </a:p>
@@ -10233,7 +10099,7 @@
           <a:p>
             <a:r>
               <a:rPr lang="en-US"/>
-              <a:t>2024-08-20</a:t>
+              <a:t>2024-10-08</a:t>
             </a:r>
             <a:endParaRPr lang="en-US" dirty="0"/>
           </a:p>
@@ -10892,7 +10758,7 @@
           <a:p>
             <a:r>
               <a:rPr lang="en-US"/>
-              <a:t>2024-08-20</a:t>
+              <a:t>2024-10-08</a:t>
             </a:r>
             <a:endParaRPr lang="en-US" dirty="0"/>
           </a:p>
@@ -11628,7 +11494,7 @@
           <a:p>
             <a:r>
               <a:rPr lang="en-US"/>
-              <a:t>2024-08-20</a:t>
+              <a:t>2024-10-08</a:t>
             </a:r>
             <a:endParaRPr lang="en-US" dirty="0"/>
           </a:p>
@@ -11814,7 +11680,7 @@
           <a:p>
             <a:r>
               <a:rPr lang="en-US"/>
-              <a:t>2024-08-20</a:t>
+              <a:t>2024-10-08</a:t>
             </a:r>
             <a:endParaRPr lang="en-US" dirty="0"/>
           </a:p>
@@ -12010,7 +11876,7 @@
           <a:p>
             <a:r>
               <a:rPr lang="en-US"/>
-              <a:t>2024-08-20</a:t>
+              <a:t>2024-10-08</a:t>
             </a:r>
             <a:endParaRPr lang="en-US" dirty="0"/>
           </a:p>
@@ -12121,38 +11987,37 @@
           <a:p>
             <a:pPr lvl="0"/>
             <a:r>
-              <a:rPr lang="en-US"/>
+              <a:rPr lang="en-US" dirty="0"/>
               <a:t>Click to edit Master text styles</a:t>
             </a:r>
           </a:p>
           <a:p>
             <a:pPr lvl="1"/>
             <a:r>
-              <a:rPr lang="en-US"/>
+              <a:rPr lang="en-US" dirty="0"/>
               <a:t>Second level</a:t>
             </a:r>
           </a:p>
           <a:p>
             <a:pPr lvl="2"/>
             <a:r>
-              <a:rPr lang="en-US"/>
+              <a:rPr lang="en-US" dirty="0"/>
               <a:t>Third level</a:t>
             </a:r>
           </a:p>
           <a:p>
             <a:pPr lvl="3"/>
             <a:r>
-              <a:rPr lang="en-US"/>
+              <a:rPr lang="en-US" dirty="0"/>
               <a:t>Fourth level</a:t>
             </a:r>
           </a:p>
           <a:p>
             <a:pPr lvl="4"/>
             <a:r>
-              <a:rPr lang="en-US"/>
+              <a:rPr lang="en-US" dirty="0"/>
               <a:t>Fifth level</a:t>
             </a:r>
-            <a:endParaRPr lang="en-US" dirty="0"/>
           </a:p>
         </p:txBody>
       </p:sp>
@@ -12196,7 +12061,7 @@
           <a:p>
             <a:r>
               <a:rPr lang="en-US"/>
-              <a:t>2024-08-20</a:t>
+              <a:t>2024-10-08</a:t>
             </a:r>
             <a:endParaRPr lang="en-US" dirty="0"/>
           </a:p>
@@ -12498,7 +12363,7 @@
           <a:p>
             <a:r>
               <a:rPr lang="en-US"/>
-              <a:t>2024-08-20</a:t>
+              <a:t>2024-10-08</a:t>
             </a:r>
             <a:endParaRPr lang="en-US" dirty="0"/>
           </a:p>
@@ -12755,7 +12620,7 @@
           <a:p>
             <a:r>
               <a:rPr lang="en-US"/>
-              <a:t>2024-08-20</a:t>
+              <a:t>2024-10-08</a:t>
             </a:r>
             <a:endParaRPr lang="en-US" dirty="0"/>
           </a:p>
@@ -13152,7 +13017,7 @@
           <a:p>
             <a:r>
               <a:rPr lang="en-US"/>
-              <a:t>2024-08-20</a:t>
+              <a:t>2024-10-08</a:t>
             </a:r>
             <a:endParaRPr lang="en-US" dirty="0"/>
           </a:p>
@@ -13318,7 +13183,7 @@
           <a:p>
             <a:r>
               <a:rPr lang="en-US"/>
-              <a:t>2024-08-20</a:t>
+              <a:t>2024-10-08</a:t>
             </a:r>
             <a:endParaRPr lang="en-US" dirty="0"/>
           </a:p>
@@ -13438,7 +13303,7 @@
           <a:p>
             <a:r>
               <a:rPr lang="en-US"/>
-              <a:t>2024-08-20</a:t>
+              <a:t>2024-10-08</a:t>
             </a:r>
             <a:endParaRPr lang="en-US" dirty="0"/>
           </a:p>
@@ -13703,7 +13568,7 @@
           <a:p>
             <a:r>
               <a:rPr lang="en-US"/>
-              <a:t>2024-08-20</a:t>
+              <a:t>2024-10-08</a:t>
             </a:r>
             <a:endParaRPr lang="en-US" dirty="0"/>
           </a:p>
@@ -13999,7 +13864,7 @@
           <a:p>
             <a:r>
               <a:rPr lang="en-US"/>
-              <a:t>2024-08-20</a:t>
+              <a:t>2024-10-08</a:t>
             </a:r>
             <a:endParaRPr lang="en-US" dirty="0"/>
           </a:p>
@@ -17121,7 +16986,7 @@
           <a:p>
             <a:r>
               <a:rPr lang="en-US"/>
-              <a:t>2024-08-20</a:t>
+              <a:t>2024-10-08</a:t>
             </a:r>
             <a:endParaRPr lang="en-US" dirty="0"/>
           </a:p>
@@ -18186,7 +18051,7 @@
           <a:p>
             <a:r>
               <a:rPr lang="en-US"/>
-              <a:t>2024-08-20</a:t>
+              <a:t>2024-10-08</a:t>
             </a:r>
             <a:endParaRPr lang="en-US" dirty="0"/>
           </a:p>
@@ -18571,7 +18436,7 @@
           <a:p>
             <a:r>
               <a:rPr lang="en-US"/>
-              <a:t>2024-08-20</a:t>
+              <a:t>2024-10-08</a:t>
             </a:r>
             <a:endParaRPr lang="en-US" dirty="0"/>
           </a:p>
@@ -18783,7 +18648,7 @@
           <a:p>
             <a:r>
               <a:rPr lang="en-US"/>
-              <a:t>2024-08-20</a:t>
+              <a:t>2024-10-08</a:t>
             </a:r>
             <a:endParaRPr lang="en-US" dirty="0"/>
           </a:p>
@@ -18911,7 +18776,7 @@
           <a:p>
             <a:r>
               <a:rPr lang="en-CA" dirty="0"/>
-              <a:t>C++ 20</a:t>
+              <a:t>C++ 17 (or 20 or 23, depending on implementation)</a:t>
             </a:r>
           </a:p>
           <a:p>
@@ -18988,7 +18853,7 @@
           <a:p>
             <a:r>
               <a:rPr lang="en-US"/>
-              <a:t>2024-08-20</a:t>
+              <a:t>2024-10-08</a:t>
             </a:r>
             <a:endParaRPr lang="en-US" dirty="0"/>
           </a:p>
@@ -19173,7 +19038,7 @@
           <a:p>
             <a:r>
               <a:rPr lang="en-US"/>
-              <a:t>2024-08-20</a:t>
+              <a:t>2024-10-08</a:t>
             </a:r>
             <a:endParaRPr lang="en-US" dirty="0"/>
           </a:p>
@@ -19625,7 +19490,7 @@
                 </a:highlight>
                 <a:latin typeface="Hack" panose="020B0609030202020204" pitchFamily="49" charset="0"/>
               </a:rPr>
-              <a:t>constexpr</a:t>
+              <a:t>using</a:t>
             </a:r>
             <a:r>
               <a:rPr lang="en-CA" b="0" dirty="0">
@@ -19638,7 +19503,33 @@
                 </a:highlight>
                 <a:latin typeface="Hack" panose="020B0609030202020204" pitchFamily="49" charset="0"/>
               </a:rPr>
-              <a:t> Tasks::</a:t>
+              <a:t> </a:t>
+            </a:r>
+            <a:r>
+              <a:rPr lang="en-CA" b="0" dirty="0" err="1">
+                <a:solidFill>
+                  <a:srgbClr val="000000"/>
+                </a:solidFill>
+                <a:effectLst/>
+                <a:highlight>
+                  <a:srgbClr val="FFFFFF"/>
+                </a:highlight>
+                <a:latin typeface="Hack" panose="020B0609030202020204" pitchFamily="49" charset="0"/>
+              </a:rPr>
+              <a:t>TaskList</a:t>
+            </a:r>
+            <a:r>
+              <a:rPr lang="en-CA" b="0" dirty="0">
+                <a:solidFill>
+                  <a:srgbClr val="000000"/>
+                </a:solidFill>
+                <a:effectLst/>
+                <a:highlight>
+                  <a:srgbClr val="FFFFFF"/>
+                </a:highlight>
+                <a:latin typeface="Hack" panose="020B0609030202020204" pitchFamily="49" charset="0"/>
+              </a:rPr>
+              <a:t> = Tasks::</a:t>
             </a:r>
             <a:r>
               <a:rPr lang="en-CA" b="0" dirty="0" err="1">
@@ -19809,33 +19700,7 @@
                 </a:highlight>
                 <a:latin typeface="Hack" panose="020B0609030202020204" pitchFamily="49" charset="0"/>
               </a:rPr>
-              <a:t>&gt; </a:t>
-            </a:r>
-            <a:r>
-              <a:rPr lang="en-CA" b="0" dirty="0" err="1">
-                <a:solidFill>
-                  <a:srgbClr val="000000"/>
-                </a:solidFill>
-                <a:effectLst/>
-                <a:highlight>
-                  <a:srgbClr val="FFFFFF"/>
-                </a:highlight>
-                <a:latin typeface="Hack" panose="020B0609030202020204" pitchFamily="49" charset="0"/>
-              </a:rPr>
-              <a:t>taskList</a:t>
-            </a:r>
-            <a:r>
-              <a:rPr lang="en-CA" b="0" dirty="0">
-                <a:solidFill>
-                  <a:srgbClr val="000000"/>
-                </a:solidFill>
-                <a:effectLst/>
-                <a:highlight>
-                  <a:srgbClr val="FFFFFF"/>
-                </a:highlight>
-                <a:latin typeface="Hack" panose="020B0609030202020204" pitchFamily="49" charset="0"/>
-              </a:rPr>
-              <a:t>;</a:t>
+              <a:t>&gt;;</a:t>
             </a:r>
           </a:p>
           <a:p>
@@ -19941,7 +19806,29 @@
                   <a:srgbClr val="FFFFFF"/>
                 </a:highlight>
               </a:rPr>
-              <a:t>taskList.initAll</a:t>
+              <a:t>TaskList</a:t>
+            </a:r>
+            <a:r>
+              <a:rPr lang="en-CA" dirty="0">
+                <a:solidFill>
+                  <a:srgbClr val="000000"/>
+                </a:solidFill>
+                <a:highlight>
+                  <a:srgbClr val="FFFFFF"/>
+                </a:highlight>
+              </a:rPr>
+              <a:t>::</a:t>
+            </a:r>
+            <a:r>
+              <a:rPr lang="en-CA" dirty="0" err="1">
+                <a:solidFill>
+                  <a:srgbClr val="000000"/>
+                </a:solidFill>
+                <a:highlight>
+                  <a:srgbClr val="FFFFFF"/>
+                </a:highlight>
+              </a:rPr>
+              <a:t>initAll</a:t>
             </a:r>
             <a:r>
               <a:rPr lang="en-CA" dirty="0">
@@ -20033,7 +19920,29 @@
                   <a:srgbClr val="FFFFFF"/>
                 </a:highlight>
               </a:rPr>
-              <a:t>taskList.runAll</a:t>
+              <a:t>TaskList</a:t>
+            </a:r>
+            <a:r>
+              <a:rPr lang="en-CA" dirty="0">
+                <a:solidFill>
+                  <a:srgbClr val="000000"/>
+                </a:solidFill>
+                <a:highlight>
+                  <a:srgbClr val="FFFFFF"/>
+                </a:highlight>
+              </a:rPr>
+              <a:t>::</a:t>
+            </a:r>
+            <a:r>
+              <a:rPr lang="en-CA" dirty="0" err="1">
+                <a:solidFill>
+                  <a:srgbClr val="000000"/>
+                </a:solidFill>
+                <a:highlight>
+                  <a:srgbClr val="FFFFFF"/>
+                </a:highlight>
+              </a:rPr>
+              <a:t>runAll</a:t>
             </a:r>
             <a:r>
               <a:rPr lang="en-CA" dirty="0">
@@ -20137,7 +20046,7 @@
           <a:p>
             <a:r>
               <a:rPr lang="en-US"/>
-              <a:t>2024-08-20</a:t>
+              <a:t>2024-10-08</a:t>
             </a:r>
             <a:endParaRPr lang="en-US" dirty="0"/>
           </a:p>
@@ -20256,7 +20165,7 @@
         <p:spPr>
           <a:xfrm>
             <a:off x="5112329" y="841663"/>
-            <a:ext cx="5087792" cy="1485901"/>
+            <a:ext cx="3292762" cy="1485901"/>
           </a:xfrm>
           <a:prstGeom prst="roundRect">
             <a:avLst>
@@ -22130,7 +22039,7 @@
           <a:p>
             <a:r>
               <a:rPr lang="en-US"/>
-              <a:t>2024-08-20</a:t>
+              <a:t>2024-10-08</a:t>
             </a:r>
             <a:endParaRPr lang="en-US" dirty="0"/>
           </a:p>
@@ -22248,8 +22157,8 @@
         </p:nvSpPr>
         <p:spPr>
           <a:xfrm>
-            <a:off x="5421632" y="1884882"/>
-            <a:ext cx="5281004" cy="345196"/>
+            <a:off x="5421632" y="1690255"/>
+            <a:ext cx="5281004" cy="539823"/>
           </a:xfrm>
           <a:prstGeom prst="roundRect">
             <a:avLst>
@@ -23185,7 +23094,7 @@
           <a:p>
             <a:r>
               <a:rPr lang="en-US"/>
-              <a:t>2024-08-20</a:t>
+              <a:t>2024-10-08</a:t>
             </a:r>
             <a:endParaRPr lang="en-US" dirty="0"/>
           </a:p>
@@ -23464,7 +23373,7 @@
         <p:spPr/>
         <p:txBody>
           <a:bodyPr>
-            <a:normAutofit fontScale="92500"/>
+            <a:normAutofit/>
           </a:bodyPr>
           <a:lstStyle/>
           <a:p>
@@ -23568,38 +23477,6 @@
             <a:r>
               <a:rPr lang="en-CA" dirty="0"/>
               <a:t> keeps track of the next time to run the task</a:t>
-            </a:r>
-          </a:p>
-          <a:p>
-            <a:pPr marL="285750" indent="-285750">
-              <a:buFont typeface="Arial" panose="020B0604020202020204" pitchFamily="34" charset="0"/>
-              <a:buChar char="•"/>
-            </a:pPr>
-            <a:r>
-              <a:rPr lang="en-CA" sz="1200" dirty="0" err="1">
-                <a:solidFill>
-                  <a:schemeClr val="bg2"/>
-                </a:solidFill>
-                <a:highlight>
-                  <a:srgbClr val="FFFFFF"/>
-                </a:highlight>
-                <a:latin typeface="Hack" panose="020B0609030202020204" pitchFamily="49" charset="0"/>
-                <a:ea typeface="Hack" panose="020B0609030202020204" pitchFamily="49" charset="0"/>
-                <a:cs typeface="Hack" panose="020B0609030202020204" pitchFamily="49" charset="0"/>
-              </a:rPr>
-              <a:t>taskInstance</a:t>
-            </a:r>
-            <a:r>
-              <a:rPr lang="en-CA" dirty="0"/>
-              <a:t> is a </a:t>
-            </a:r>
-            <a:r>
-              <a:rPr lang="en-CA" i="1" dirty="0"/>
-              <a:t>variable template </a:t>
-            </a:r>
-            <a:r>
-              <a:rPr lang="en-CA" dirty="0"/>
-              <a:t>that creates a single instance of each Task subclass</a:t>
             </a:r>
           </a:p>
         </p:txBody>
@@ -23623,7 +23500,7 @@
         <p:spPr/>
         <p:txBody>
           <a:bodyPr>
-            <a:normAutofit lnSpcReduction="10000"/>
+            <a:normAutofit/>
           </a:bodyPr>
           <a:lstStyle/>
           <a:p>
@@ -24516,98 +24393,6 @@
               </a:highlight>
               <a:latin typeface="Hack" panose="020B0609030202020204" pitchFamily="49" charset="0"/>
             </a:endParaRPr>
-          </a:p>
-          <a:p>
-            <a:r>
-              <a:rPr lang="en-CA" dirty="0">
-                <a:solidFill>
-                  <a:srgbClr val="0000FF"/>
-                </a:solidFill>
-                <a:highlight>
-                  <a:srgbClr val="FFFFFF"/>
-                </a:highlight>
-              </a:rPr>
-              <a:t>template</a:t>
-            </a:r>
-            <a:r>
-              <a:rPr lang="en-CA" dirty="0">
-                <a:solidFill>
-                  <a:srgbClr val="000000"/>
-                </a:solidFill>
-                <a:highlight>
-                  <a:srgbClr val="FFFFFF"/>
-                </a:highlight>
-              </a:rPr>
-              <a:t>&lt;</a:t>
-            </a:r>
-            <a:r>
-              <a:rPr lang="en-CA" dirty="0" err="1">
-                <a:solidFill>
-                  <a:srgbClr val="0000FF"/>
-                </a:solidFill>
-                <a:highlight>
-                  <a:srgbClr val="FFFFFF"/>
-                </a:highlight>
-              </a:rPr>
-              <a:t>typename</a:t>
-            </a:r>
-            <a:r>
-              <a:rPr lang="en-CA" dirty="0">
-                <a:solidFill>
-                  <a:srgbClr val="000000"/>
-                </a:solidFill>
-                <a:highlight>
-                  <a:srgbClr val="FFFFFF"/>
-                </a:highlight>
-              </a:rPr>
-              <a:t> TASK_T&gt;</a:t>
-            </a:r>
-          </a:p>
-          <a:p>
-            <a:r>
-              <a:rPr lang="en-CA" dirty="0">
-                <a:solidFill>
-                  <a:srgbClr val="0000FF"/>
-                </a:solidFill>
-                <a:highlight>
-                  <a:srgbClr val="FFFFFF"/>
-                </a:highlight>
-              </a:rPr>
-              <a:t>static</a:t>
-            </a:r>
-            <a:r>
-              <a:rPr lang="en-CA" dirty="0">
-                <a:solidFill>
-                  <a:srgbClr val="000000"/>
-                </a:solidFill>
-                <a:highlight>
-                  <a:srgbClr val="FFFFFF"/>
-                </a:highlight>
-              </a:rPr>
-              <a:t> TASK_T </a:t>
-            </a:r>
-            <a:r>
-              <a:rPr lang="en-CA" dirty="0" err="1">
-                <a:solidFill>
-                  <a:srgbClr val="000000"/>
-                </a:solidFill>
-                <a:highlight>
-                  <a:srgbClr val="FFFFFF"/>
-                </a:highlight>
-              </a:rPr>
-              <a:t>taskInstance</a:t>
-            </a:r>
-            <a:r>
-              <a:rPr lang="en-CA" dirty="0">
-                <a:solidFill>
-                  <a:srgbClr val="000000"/>
-                </a:solidFill>
-                <a:highlight>
-                  <a:srgbClr val="FFFFFF"/>
-                </a:highlight>
-              </a:rPr>
-              <a:t>;</a:t>
-            </a:r>
           </a:p>
         </p:txBody>
       </p:sp>
@@ -24663,7 +24448,7 @@
           <a:p>
             <a:r>
               <a:rPr lang="en-US"/>
-              <a:t>2024-08-20</a:t>
+              <a:t>2024-10-08</a:t>
             </a:r>
             <a:endParaRPr lang="en-US" dirty="0"/>
           </a:p>
@@ -24715,8 +24500,8 @@
         </p:nvSpPr>
         <p:spPr>
           <a:xfrm>
-            <a:off x="5413665" y="1383505"/>
-            <a:ext cx="4333008" cy="1141485"/>
+            <a:off x="5413665" y="1487156"/>
+            <a:ext cx="4333008" cy="1218699"/>
           </a:xfrm>
           <a:prstGeom prst="roundRect">
             <a:avLst>
@@ -24781,8 +24566,8 @@
         </p:nvSpPr>
         <p:spPr>
           <a:xfrm>
-            <a:off x="5413665" y="2493817"/>
-            <a:ext cx="5361708" cy="1644706"/>
+            <a:off x="5413665" y="2714881"/>
+            <a:ext cx="5361708" cy="1726489"/>
           </a:xfrm>
           <a:prstGeom prst="roundRect">
             <a:avLst>
@@ -24847,8 +24632,8 @@
         </p:nvSpPr>
         <p:spPr>
           <a:xfrm>
-            <a:off x="5413664" y="4282344"/>
-            <a:ext cx="5486399" cy="410160"/>
+            <a:off x="5413664" y="4644084"/>
+            <a:ext cx="5486399" cy="450430"/>
           </a:xfrm>
           <a:prstGeom prst="roundRect">
             <a:avLst>
@@ -24896,76 +24681,10 @@
           </a:p>
         </p:txBody>
       </p:sp>
-      <p:sp>
-        <p:nvSpPr>
-          <p:cNvPr id="15" name="Rectangle: Rounded Corners 14">
-            <a:extLst>
-              <a:ext uri="{FF2B5EF4-FFF2-40B4-BE49-F238E27FC236}">
-                <a16:creationId xmlns:a16="http://schemas.microsoft.com/office/drawing/2014/main" id="{4D7C63BE-72C6-5253-A880-2A90428B9F03}"/>
-              </a:ext>
-              <a:ext uri="{C183D7F6-B498-43B3-948B-1728B52AA6E4}">
-                <adec:decorative xmlns:adec="http://schemas.microsoft.com/office/drawing/2017/decorative" val="1"/>
-              </a:ext>
-            </a:extLst>
-          </p:cNvPr>
-          <p:cNvSpPr/>
-          <p:nvPr/>
-        </p:nvSpPr>
-        <p:spPr>
-          <a:xfrm>
-            <a:off x="5112325" y="4898244"/>
-            <a:ext cx="2701639" cy="576251"/>
-          </a:xfrm>
-          <a:prstGeom prst="roundRect">
-            <a:avLst>
-              <a:gd name="adj" fmla="val 4699"/>
-            </a:avLst>
-          </a:prstGeom>
-          <a:noFill/>
-          <a:ln w="19050" cap="sq" cmpd="sng" algn="ctr">
-            <a:solidFill>
-              <a:schemeClr val="tx2"/>
-            </a:solidFill>
-            <a:prstDash val="solid"/>
-            <a:miter lim="800000"/>
-            <a:headEnd type="none" w="med" len="med"/>
-            <a:tailEnd type="none" w="med" len="med"/>
-          </a:ln>
-          <a:effectLst>
-            <a:glow rad="63500">
-              <a:schemeClr val="tx2">
-                <a:alpha val="40000"/>
-              </a:schemeClr>
-            </a:glow>
-          </a:effectLst>
-        </p:spPr>
-        <p:style>
-          <a:lnRef idx="0">
-            <a:scrgbClr r="0" g="0" b="0"/>
-          </a:lnRef>
-          <a:fillRef idx="0">
-            <a:scrgbClr r="0" g="0" b="0"/>
-          </a:fillRef>
-          <a:effectRef idx="0">
-            <a:scrgbClr r="0" g="0" b="0"/>
-          </a:effectRef>
-          <a:fontRef idx="minor">
-            <a:schemeClr val="accent5"/>
-          </a:fontRef>
-        </p:style>
-        <p:txBody>
-          <a:bodyPr rtlCol="0" anchor="ctr"/>
-          <a:lstStyle/>
-          <a:p>
-            <a:pPr algn="ctr"/>
-            <a:endParaRPr lang="en-CA"/>
-          </a:p>
-        </p:txBody>
-      </p:sp>
     </p:spTree>
     <p:extLst>
       <p:ext uri="{BB962C8B-B14F-4D97-AF65-F5344CB8AC3E}">
-        <p14:creationId xmlns:p14="http://schemas.microsoft.com/office/powerpoint/2010/main" val="1562204897"/>
+        <p14:creationId xmlns:p14="http://schemas.microsoft.com/office/powerpoint/2010/main" val="3262534916"/>
       </p:ext>
     </p:extLst>
   </p:cSld>
@@ -25047,33 +24766,15 @@
                                   </p:childTnLst>
                                 </p:cTn>
                               </p:par>
-                            </p:childTnLst>
-                          </p:cTn>
-                        </p:par>
-                      </p:childTnLst>
-                    </p:cTn>
-                  </p:par>
-                  <p:par>
-                    <p:cTn id="8" fill="hold">
-                      <p:stCondLst>
-                        <p:cond delay="indefinite"/>
-                      </p:stCondLst>
-                      <p:childTnLst>
-                        <p:par>
-                          <p:cTn id="9" fill="hold">
-                            <p:stCondLst>
-                              <p:cond delay="0"/>
-                            </p:stCondLst>
-                            <p:childTnLst>
                               <p:par>
-                                <p:cTn id="10" presetID="10" presetClass="entr" presetSubtype="0" fill="hold" grpId="0" nodeType="clickEffect">
+                                <p:cTn id="8" presetID="10" presetClass="entr" presetSubtype="0" fill="hold" grpId="0" nodeType="withEffect">
                                   <p:stCondLst>
                                     <p:cond delay="0"/>
                                   </p:stCondLst>
                                   <p:childTnLst>
                                     <p:set>
                                       <p:cBhvr>
-                                        <p:cTn id="11" dur="1" fill="hold">
+                                        <p:cTn id="9" dur="1" fill="hold">
                                           <p:stCondLst>
                                             <p:cond delay="0"/>
                                           </p:stCondLst>
@@ -25095,7 +24796,7 @@
                                     </p:set>
                                     <p:animEffect transition="in" filter="fade">
                                       <p:cBhvr>
-                                        <p:cTn id="12" dur="250"/>
+                                        <p:cTn id="10" dur="250"/>
                                         <p:tgtEl>
                                           <p:spTgt spid="8">
                                             <p:txEl>
@@ -25109,14 +24810,14 @@
                                 </p:cTn>
                               </p:par>
                               <p:par>
-                                <p:cTn id="13" presetID="10" presetClass="entr" presetSubtype="0" fill="hold" grpId="0" nodeType="withEffect">
+                                <p:cTn id="11" presetID="10" presetClass="entr" presetSubtype="0" fill="hold" grpId="0" nodeType="withEffect">
                                   <p:stCondLst>
                                     <p:cond delay="0"/>
                                   </p:stCondLst>
                                   <p:childTnLst>
                                     <p:set>
                                       <p:cBhvr>
-                                        <p:cTn id="14" dur="1" fill="hold">
+                                        <p:cTn id="12" dur="1" fill="hold">
                                           <p:stCondLst>
                                             <p:cond delay="0"/>
                                           </p:stCondLst>
@@ -25134,7 +24835,7 @@
                                     </p:set>
                                     <p:animEffect transition="in" filter="fade">
                                       <p:cBhvr>
-                                        <p:cTn id="15" dur="250"/>
+                                        <p:cTn id="13" dur="250"/>
                                         <p:tgtEl>
                                           <p:spTgt spid="2"/>
                                         </p:tgtEl>
@@ -25166,26 +24867,26 @@
                     </p:cTn>
                   </p:par>
                   <p:par>
-                    <p:cTn id="16" fill="hold">
+                    <p:cTn id="14" fill="hold">
                       <p:stCondLst>
                         <p:cond delay="indefinite"/>
                       </p:stCondLst>
                       <p:childTnLst>
                         <p:par>
-                          <p:cTn id="17" fill="hold">
+                          <p:cTn id="15" fill="hold">
                             <p:stCondLst>
                               <p:cond delay="0"/>
                             </p:stCondLst>
                             <p:childTnLst>
                               <p:par>
-                                <p:cTn id="18" presetID="10" presetClass="entr" presetSubtype="0" fill="hold" grpId="0" nodeType="clickEffect">
+                                <p:cTn id="16" presetID="10" presetClass="entr" presetSubtype="0" fill="hold" grpId="0" nodeType="clickEffect">
                                   <p:stCondLst>
                                     <p:cond delay="0"/>
                                   </p:stCondLst>
                                   <p:childTnLst>
                                     <p:set>
                                       <p:cBhvr>
-                                        <p:cTn id="19" dur="1" fill="hold">
+                                        <p:cTn id="17" dur="1" fill="hold">
                                           <p:stCondLst>
                                             <p:cond delay="0"/>
                                           </p:stCondLst>
@@ -25207,7 +24908,7 @@
                                     </p:set>
                                     <p:animEffect transition="in" filter="fade">
                                       <p:cBhvr>
-                                        <p:cTn id="20" dur="250"/>
+                                        <p:cTn id="18" dur="250"/>
                                         <p:tgtEl>
                                           <p:spTgt spid="8">
                                             <p:txEl>
@@ -25221,14 +24922,57 @@
                                 </p:cTn>
                               </p:par>
                               <p:par>
-                                <p:cTn id="21" presetID="10" presetClass="entr" presetSubtype="0" fill="hold" grpId="0" nodeType="withEffect">
+                                <p:cTn id="19" presetID="10" presetClass="entr" presetSubtype="0" fill="hold" grpId="0" nodeType="withEffect">
                                   <p:stCondLst>
                                     <p:cond delay="0"/>
                                   </p:stCondLst>
                                   <p:childTnLst>
                                     <p:set>
                                       <p:cBhvr>
-                                        <p:cTn id="22" dur="1" fill="hold">
+                                        <p:cTn id="20" dur="1" fill="hold">
+                                          <p:stCondLst>
+                                            <p:cond delay="0"/>
+                                          </p:stCondLst>
+                                        </p:cTn>
+                                        <p:tgtEl>
+                                          <p:spTgt spid="8">
+                                            <p:txEl>
+                                              <p:pRg st="3" end="3"/>
+                                            </p:txEl>
+                                          </p:spTgt>
+                                        </p:tgtEl>
+                                        <p:attrNameLst>
+                                          <p:attrName>style.visibility</p:attrName>
+                                        </p:attrNameLst>
+                                      </p:cBhvr>
+                                      <p:to>
+                                        <p:strVal val="visible"/>
+                                      </p:to>
+                                    </p:set>
+                                    <p:animEffect transition="in" filter="fade">
+                                      <p:cBhvr>
+                                        <p:cTn id="21" dur="250"/>
+                                        <p:tgtEl>
+                                          <p:spTgt spid="8">
+                                            <p:txEl>
+                                              <p:pRg st="3" end="3"/>
+                                            </p:txEl>
+                                          </p:spTgt>
+                                        </p:tgtEl>
+                                      </p:cBhvr>
+                                    </p:animEffect>
+                                  </p:childTnLst>
+                                </p:cTn>
+                              </p:par>
+                              <p:par>
+                                <p:cTn id="22" presetID="10" presetClass="entr" presetSubtype="0" fill="hold" grpId="0" nodeType="withEffect">
+                                  <p:stCondLst>
+                                    <p:cond delay="0"/>
+                                  </p:stCondLst>
+                                  <p:childTnLst>
+                                    <p:set>
+                                      <p:cBhvr>
+                                        <p:cTn id="23" dur="1" fill="hold">
                                           <p:stCondLst>
                                             <p:cond delay="0"/>
                                           </p:stCondLst>
@@ -25246,7 +24990,7 @@
                                     </p:set>
                                     <p:animEffect transition="in" filter="fade">
                                       <p:cBhvr>
-                                        <p:cTn id="23" dur="250"/>
+                                        <p:cTn id="24" dur="250"/>
                                         <p:tgtEl>
                                           <p:spTgt spid="3"/>
                                         </p:tgtEl>
@@ -25278,87 +25022,26 @@
                     </p:cTn>
                   </p:par>
                   <p:par>
-                    <p:cTn id="24" fill="hold">
+                    <p:cTn id="25" fill="hold">
                       <p:stCondLst>
                         <p:cond delay="indefinite"/>
                       </p:stCondLst>
                       <p:childTnLst>
                         <p:par>
-                          <p:cTn id="25" fill="hold">
+                          <p:cTn id="26" fill="hold">
                             <p:stCondLst>
                               <p:cond delay="0"/>
                             </p:stCondLst>
                             <p:childTnLst>
                               <p:par>
-                                <p:cTn id="26" presetID="10" presetClass="entr" presetSubtype="0" fill="hold" grpId="0" nodeType="clickEffect">
+                                <p:cTn id="27" presetID="10" presetClass="entr" presetSubtype="0" fill="hold" grpId="0" nodeType="clickEffect">
                                   <p:stCondLst>
                                     <p:cond delay="0"/>
                                   </p:stCondLst>
                                   <p:childTnLst>
                                     <p:set>
                                       <p:cBhvr>
-                                        <p:cTn id="27" dur="1" fill="hold">
-                                          <p:stCondLst>
-                                            <p:cond delay="0"/>
-                                          </p:stCondLst>
-                                        </p:cTn>
-                                        <p:tgtEl>
-                                          <p:spTgt spid="8">
-                                            <p:txEl>
-                                              <p:pRg st="3" end="3"/>
-                                            </p:txEl>
-                                          </p:spTgt>
-                                        </p:tgtEl>
-                                        <p:attrNameLst>
-                                          <p:attrName>style.visibility</p:attrName>
-                                        </p:attrNameLst>
-                                      </p:cBhvr>
-                                      <p:to>
-                                        <p:strVal val="visible"/>
-                                      </p:to>
-                                    </p:set>
-                                    <p:animEffect transition="in" filter="fade">
-                                      <p:cBhvr>
-                                        <p:cTn id="28" dur="250"/>
-                                        <p:tgtEl>
-                                          <p:spTgt spid="8">
-                                            <p:txEl>
-                                              <p:pRg st="3" end="3"/>
-                                            </p:txEl>
-                                          </p:spTgt>
-                                        </p:tgtEl>
-                                      </p:cBhvr>
-                                    </p:animEffect>
-                                  </p:childTnLst>
-                                </p:cTn>
-                              </p:par>
-                            </p:childTnLst>
-                          </p:cTn>
-                        </p:par>
-                      </p:childTnLst>
-                    </p:cTn>
-                  </p:par>
-                  <p:par>
-                    <p:cTn id="29" fill="hold">
-                      <p:stCondLst>
-                        <p:cond delay="indefinite"/>
-                      </p:stCondLst>
-                      <p:childTnLst>
-                        <p:par>
-                          <p:cTn id="30" fill="hold">
-                            <p:stCondLst>
-                              <p:cond delay="0"/>
-                            </p:stCondLst>
-                            <p:childTnLst>
-                              <p:par>
-                                <p:cTn id="31" presetID="10" presetClass="entr" presetSubtype="0" fill="hold" grpId="0" nodeType="clickEffect">
-                                  <p:stCondLst>
-                                    <p:cond delay="0"/>
-                                  </p:stCondLst>
-                                  <p:childTnLst>
-                                    <p:set>
-                                      <p:cBhvr>
-                                        <p:cTn id="32" dur="1" fill="hold">
+                                        <p:cTn id="28" dur="1" fill="hold">
                                           <p:stCondLst>
                                             <p:cond delay="0"/>
                                           </p:stCondLst>
@@ -25380,7 +25063,7 @@
                                     </p:set>
                                     <p:animEffect transition="in" filter="fade">
                                       <p:cBhvr>
-                                        <p:cTn id="33" dur="250"/>
+                                        <p:cTn id="29" dur="250"/>
                                         <p:tgtEl>
                                           <p:spTgt spid="8">
                                             <p:txEl>
@@ -25394,14 +25077,14 @@
                                 </p:cTn>
                               </p:par>
                               <p:par>
-                                <p:cTn id="34" presetID="10" presetClass="entr" presetSubtype="0" fill="hold" grpId="0" nodeType="withEffect">
+                                <p:cTn id="30" presetID="10" presetClass="entr" presetSubtype="0" fill="hold" grpId="0" nodeType="withEffect">
                                   <p:stCondLst>
                                     <p:cond delay="0"/>
                                   </p:stCondLst>
                                   <p:childTnLst>
                                     <p:set>
                                       <p:cBhvr>
-                                        <p:cTn id="35" dur="1" fill="hold">
+                                        <p:cTn id="31" dur="1" fill="hold">
                                           <p:stCondLst>
                                             <p:cond delay="0"/>
                                           </p:stCondLst>
@@ -25419,7 +25102,7 @@
                                     </p:set>
                                     <p:animEffect transition="in" filter="fade">
                                       <p:cBhvr>
-                                        <p:cTn id="36" dur="250"/>
+                                        <p:cTn id="32" dur="250"/>
                                         <p:tgtEl>
                                           <p:spTgt spid="10"/>
                                         </p:tgtEl>
@@ -25432,118 +25115,6 @@
                                         <p:cTn dur="1" fill="hold" display="0" masterRel="nextClick" afterEffect="1"/>
                                         <p:tgtEl>
                                           <p:spTgt spid="10"/>
-                                        </p:tgtEl>
-                                        <p:attrNameLst>
-                                          <p:attrName>style.visibility</p:attrName>
-                                        </p:attrNameLst>
-                                      </p:cBhvr>
-                                      <p:to>
-                                        <p:strVal val="hidden"/>
-                                      </p:to>
-                                    </p:set>
-                                  </p:subTnLst>
-                                </p:cTn>
-                              </p:par>
-                            </p:childTnLst>
-                          </p:cTn>
-                        </p:par>
-                      </p:childTnLst>
-                    </p:cTn>
-                  </p:par>
-                  <p:par>
-                    <p:cTn id="37" fill="hold">
-                      <p:stCondLst>
-                        <p:cond delay="indefinite"/>
-                      </p:stCondLst>
-                      <p:childTnLst>
-                        <p:par>
-                          <p:cTn id="38" fill="hold">
-                            <p:stCondLst>
-                              <p:cond delay="0"/>
-                            </p:stCondLst>
-                            <p:childTnLst>
-                              <p:par>
-                                <p:cTn id="39" presetID="10" presetClass="entr" presetSubtype="0" fill="hold" grpId="0" nodeType="clickEffect">
-                                  <p:stCondLst>
-                                    <p:cond delay="0"/>
-                                  </p:stCondLst>
-                                  <p:childTnLst>
-                                    <p:set>
-                                      <p:cBhvr>
-                                        <p:cTn id="40" dur="1" fill="hold">
-                                          <p:stCondLst>
-                                            <p:cond delay="0"/>
-                                          </p:stCondLst>
-                                        </p:cTn>
-                                        <p:tgtEl>
-                                          <p:spTgt spid="8">
-                                            <p:txEl>
-                                              <p:pRg st="5" end="5"/>
-                                            </p:txEl>
-                                          </p:spTgt>
-                                        </p:tgtEl>
-                                        <p:attrNameLst>
-                                          <p:attrName>style.visibility</p:attrName>
-                                        </p:attrNameLst>
-                                      </p:cBhvr>
-                                      <p:to>
-                                        <p:strVal val="visible"/>
-                                      </p:to>
-                                    </p:set>
-                                    <p:animEffect transition="in" filter="fade">
-                                      <p:cBhvr>
-                                        <p:cTn id="41" dur="250"/>
-                                        <p:tgtEl>
-                                          <p:spTgt spid="8">
-                                            <p:txEl>
-                                              <p:pRg st="5" end="5"/>
-                                            </p:txEl>
-                                          </p:spTgt>
-                                        </p:tgtEl>
-                                      </p:cBhvr>
-                                    </p:animEffect>
-                                  </p:childTnLst>
-                                </p:cTn>
-                              </p:par>
-                              <p:par>
-                                <p:cTn id="42" presetID="10" presetClass="entr" presetSubtype="0" fill="hold" grpId="0" nodeType="withEffect">
-                                  <p:stCondLst>
-                                    <p:cond delay="0"/>
-                                  </p:stCondLst>
-                                  <p:childTnLst>
-                                    <p:set>
-                                      <p:cBhvr>
-                                        <p:cTn id="43" dur="1" fill="hold">
-                                          <p:stCondLst>
-                                            <p:cond delay="0"/>
-                                          </p:stCondLst>
-                                        </p:cTn>
-                                        <p:tgtEl>
-                                          <p:spTgt spid="15"/>
-                                        </p:tgtEl>
-                                        <p:attrNameLst>
-                                          <p:attrName>style.visibility</p:attrName>
-                                        </p:attrNameLst>
-                                      </p:cBhvr>
-                                      <p:to>
-                                        <p:strVal val="visible"/>
-                                      </p:to>
-                                    </p:set>
-                                    <p:animEffect transition="in" filter="fade">
-                                      <p:cBhvr>
-                                        <p:cTn id="44" dur="250"/>
-                                        <p:tgtEl>
-                                          <p:spTgt spid="15"/>
-                                        </p:tgtEl>
-                                      </p:cBhvr>
-                                    </p:animEffect>
-                                  </p:childTnLst>
-                                  <p:subTnLst>
-                                    <p:set>
-                                      <p:cBhvr override="childStyle">
-                                        <p:cTn dur="1" fill="hold" display="0" masterRel="nextClick" afterEffect="1"/>
-                                        <p:tgtEl>
-                                          <p:spTgt spid="15"/>
                                         </p:tgtEl>
                                         <p:attrNameLst>
                                           <p:attrName>style.visibility</p:attrName>
@@ -25585,10 +25156,9 @@
     </p:tnLst>
     <p:bldLst>
       <p:bldP spid="8" grpId="0" uiExpand="1" build="p" bldLvl="2"/>
-      <p:bldP spid="2" grpId="0" animBg="1"/>
-      <p:bldP spid="3" grpId="0" animBg="1"/>
+      <p:bldP spid="2" grpId="0" uiExpand="1" animBg="1"/>
+      <p:bldP spid="3" grpId="0" uiExpand="1" animBg="1"/>
       <p:bldP spid="10" grpId="0" animBg="1"/>
-      <p:bldP spid="15" grpId="0" animBg="1"/>
     </p:bldLst>
   </p:timing>
 </p:sld>
@@ -25658,7 +25228,7 @@
         <p:spPr/>
         <p:txBody>
           <a:bodyPr>
-            <a:normAutofit lnSpcReduction="10000"/>
+            <a:normAutofit/>
           </a:bodyPr>
           <a:lstStyle/>
           <a:p>
@@ -25668,7 +25238,7 @@
             </a:pPr>
             <a:r>
               <a:rPr lang="en-CA" dirty="0"/>
-              <a:t>This is the type of </a:t>
+              <a:t>This is the </a:t>
             </a:r>
             <a:r>
               <a:rPr lang="en-CA" sz="1200" dirty="0" err="1">
@@ -25682,31 +25252,11 @@
                 <a:ea typeface="Hack" panose="020B0609030202020204" pitchFamily="49" charset="0"/>
                 <a:cs typeface="Hack" panose="020B0609030202020204" pitchFamily="49" charset="0"/>
               </a:rPr>
-              <a:t>taskList</a:t>
+              <a:t>TaskList</a:t>
             </a:r>
             <a:r>
               <a:rPr lang="en-CA" dirty="0"/>
-              <a:t> seen earlier</a:t>
-            </a:r>
-          </a:p>
-          <a:p>
-            <a:pPr marL="285750" indent="-285750">
-              <a:buFont typeface="Arial" panose="020B0604020202020204" pitchFamily="34" charset="0"/>
-              <a:buChar char="•"/>
-            </a:pPr>
-            <a:r>
-              <a:rPr lang="en-CA" dirty="0"/>
-              <a:t>Template arguments are the Task subclasses</a:t>
-            </a:r>
-          </a:p>
-          <a:p>
-            <a:pPr marL="285750" indent="-285750">
-              <a:buFont typeface="Arial" panose="020B0604020202020204" pitchFamily="34" charset="0"/>
-              <a:buChar char="•"/>
-            </a:pPr>
-            <a:r>
-              <a:rPr lang="en-CA" dirty="0"/>
-              <a:t>Contains an array of </a:t>
+              <a:t> type seen in </a:t>
             </a:r>
             <a:r>
               <a:rPr lang="en-CA" sz="1200" dirty="0">
@@ -25720,8 +25270,9 @@
                 <a:ea typeface="Hack" panose="020B0609030202020204" pitchFamily="49" charset="0"/>
                 <a:cs typeface="Hack" panose="020B0609030202020204" pitchFamily="49" charset="0"/>
               </a:rPr>
-              <a:t>Task*</a:t>
-            </a:r>
+              <a:t>main.cpp</a:t>
+            </a:r>
+            <a:endParaRPr lang="en-CA" sz="1200" dirty="0"/>
           </a:p>
           <a:p>
             <a:pPr marL="285750" indent="-285750">
@@ -25730,10 +25281,20 @@
             </a:pPr>
             <a:r>
               <a:rPr lang="en-CA" dirty="0"/>
-              <a:t>Constructor initializes the list of </a:t>
-            </a:r>
-            <a:r>
-              <a:rPr lang="en-CA" sz="1200" dirty="0">
+              <a:t>Template arguments are the Task subclasses</a:t>
+            </a:r>
+          </a:p>
+          <a:p>
+            <a:pPr marL="285750" indent="-285750">
+              <a:buFont typeface="Arial" panose="020B0604020202020204" pitchFamily="34" charset="0"/>
+              <a:buChar char="•"/>
+            </a:pPr>
+            <a:r>
+              <a:rPr lang="en-CA" dirty="0"/>
+              <a:t>Implements </a:t>
+            </a:r>
+            <a:r>
+              <a:rPr lang="en-CA" sz="1200" dirty="0" err="1">
                 <a:solidFill>
                   <a:schemeClr val="bg2"/>
                 </a:solidFill>
@@ -25744,17 +25305,14 @@
                 <a:ea typeface="Hack" panose="020B0609030202020204" pitchFamily="49" charset="0"/>
                 <a:cs typeface="Hack" panose="020B0609030202020204" pitchFamily="49" charset="0"/>
               </a:rPr>
-              <a:t>tasks</a:t>
-            </a:r>
-            <a:endParaRPr lang="en-CA" dirty="0"/>
-          </a:p>
-          <a:p>
-            <a:pPr marL="742950" lvl="1" indent="-285750">
-              <a:buFont typeface="Arial" panose="020B0604020202020204" pitchFamily="34" charset="0"/>
-              <a:buChar char="•"/>
-            </a:pPr>
-            <a:r>
-              <a:rPr lang="en-CA" sz="1100" dirty="0" err="1">
+              <a:t>initAll</a:t>
+            </a:r>
+            <a:r>
+              <a:rPr lang="en-CA" dirty="0"/>
+              <a:t> and </a:t>
+            </a:r>
+            <a:r>
+              <a:rPr lang="en-CA" sz="1200" dirty="0" err="1">
                 <a:solidFill>
                   <a:schemeClr val="bg2"/>
                 </a:solidFill>
@@ -25765,12 +25323,9 @@
                 <a:ea typeface="Hack" panose="020B0609030202020204" pitchFamily="49" charset="0"/>
                 <a:cs typeface="Hack" panose="020B0609030202020204" pitchFamily="49" charset="0"/>
               </a:rPr>
-              <a:t>consteval</a:t>
-            </a:r>
-            <a:r>
-              <a:rPr lang="en-CA" dirty="0"/>
-              <a:t> – executes at compile time</a:t>
-            </a:r>
+              <a:t>runAll</a:t>
+            </a:r>
+            <a:endParaRPr lang="en-CA" dirty="0"/>
           </a:p>
           <a:p>
             <a:pPr marL="285750" indent="-285750">
@@ -25779,10 +25334,16 @@
             </a:pPr>
             <a:r>
               <a:rPr lang="en-CA" dirty="0"/>
-              <a:t>C++ magic turns a list of class names into a list of </a:t>
-            </a:r>
-            <a:r>
-              <a:rPr lang="en-CA" sz="1200" dirty="0">
+              <a:t>Iteration by fold expression over parameter pack</a:t>
+            </a:r>
+          </a:p>
+          <a:p>
+            <a:pPr marL="285750" indent="-285750">
+              <a:buFont typeface="Arial" panose="020B0604020202020204" pitchFamily="34" charset="0"/>
+              <a:buChar char="•"/>
+            </a:pPr>
+            <a:r>
+              <a:rPr lang="en-CA" sz="1200" dirty="0" err="1">
                 <a:solidFill>
                   <a:schemeClr val="bg2"/>
                 </a:solidFill>
@@ -25793,21 +25354,19 @@
                 <a:ea typeface="Hack" panose="020B0609030202020204" pitchFamily="49" charset="0"/>
                 <a:cs typeface="Hack" panose="020B0609030202020204" pitchFamily="49" charset="0"/>
               </a:rPr>
-              <a:t>Task</a:t>
+              <a:t>taskInstance</a:t>
             </a:r>
             <a:r>
               <a:rPr lang="en-CA" dirty="0"/>
-              <a:t> instances</a:t>
-            </a:r>
-          </a:p>
-          <a:p>
-            <a:pPr marL="285750" indent="-285750">
-              <a:buFont typeface="Arial" panose="020B0604020202020204" pitchFamily="34" charset="0"/>
-              <a:buChar char="•"/>
-            </a:pPr>
+              <a:t> is a </a:t>
+            </a:r>
+            <a:r>
+              <a:rPr lang="en-CA" i="1" dirty="0"/>
+              <a:t>variable template </a:t>
+            </a:r>
             <a:r>
               <a:rPr lang="en-CA" dirty="0"/>
-              <a:t>Iteration by fold expression over parameter pack</a:t>
+              <a:t>that creates a single instance of each Task subclass</a:t>
             </a:r>
           </a:p>
         </p:txBody>
@@ -25831,9 +25390,21 @@
         <p:spPr/>
         <p:txBody>
           <a:bodyPr>
-            <a:normAutofit lnSpcReduction="10000"/>
+            <a:normAutofit/>
           </a:bodyPr>
           <a:lstStyle/>
+          <a:p>
+            <a:endParaRPr lang="en-CA" b="0" dirty="0">
+              <a:solidFill>
+                <a:srgbClr val="0000FF"/>
+              </a:solidFill>
+              <a:effectLst/>
+              <a:highlight>
+                <a:srgbClr val="FFFFFF"/>
+              </a:highlight>
+              <a:latin typeface="Hack" panose="020B0609030202020204" pitchFamily="49" charset="0"/>
+            </a:endParaRPr>
+          </a:p>
           <a:p>
             <a:r>
               <a:rPr lang="en-CA" b="0" dirty="0">
@@ -25994,7 +25565,7 @@
               <a:t>    </a:t>
             </a:r>
             <a:r>
-              <a:rPr lang="en-CA" b="0" dirty="0" err="1">
+              <a:rPr lang="en-CA" b="0" dirty="0">
                 <a:solidFill>
                   <a:srgbClr val="0000FF"/>
                 </a:solidFill>
@@ -26004,7 +25575,7 @@
                 </a:highlight>
                 <a:latin typeface="Hack" panose="020B0609030202020204" pitchFamily="49" charset="0"/>
               </a:rPr>
-              <a:t>consteval</a:t>
+              <a:t>void</a:t>
             </a:r>
             <a:r>
               <a:rPr lang="en-CA" b="0" dirty="0">
@@ -26030,7 +25601,7 @@
                 </a:highlight>
                 <a:latin typeface="Hack" panose="020B0609030202020204" pitchFamily="49" charset="0"/>
               </a:rPr>
-              <a:t>TaskList</a:t>
+              <a:t>initAll</a:t>
             </a:r>
             <a:r>
               <a:rPr lang="en-CA" b="0" dirty="0">
@@ -26043,14 +25614,12 @@
                 </a:highlight>
                 <a:latin typeface="Hack" panose="020B0609030202020204" pitchFamily="49" charset="0"/>
               </a:rPr>
-              <a:t>()</a:t>
-            </a:r>
-          </a:p>
-          <a:p>
+              <a:t>() </a:t>
+            </a:r>
             <a:r>
               <a:rPr lang="en-CA" b="0" dirty="0">
                 <a:solidFill>
-                  <a:srgbClr val="000000"/>
+                  <a:srgbClr val="0000FF"/>
                 </a:solidFill>
                 <a:effectLst/>
                 <a:highlight>
@@ -26058,8 +25627,16 @@
                 </a:highlight>
                 <a:latin typeface="Hack" panose="020B0609030202020204" pitchFamily="49" charset="0"/>
               </a:rPr>
-              <a:t>    {</a:t>
-            </a:r>
+              <a:t>const</a:t>
+            </a:r>
+            <a:endParaRPr lang="en-CA" dirty="0">
+              <a:solidFill>
+                <a:srgbClr val="008000"/>
+              </a:solidFill>
+              <a:highlight>
+                <a:srgbClr val="FFFFFF"/>
+              </a:highlight>
+            </a:endParaRPr>
           </a:p>
           <a:p>
             <a:r>
@@ -26073,12 +25650,14 @@
                 </a:highlight>
                 <a:latin typeface="Hack" panose="020B0609030202020204" pitchFamily="49" charset="0"/>
               </a:rPr>
-              <a:t>        </a:t>
-            </a:r>
+              <a:t>    {</a:t>
+            </a:r>
+          </a:p>
+          <a:p>
             <a:r>
               <a:rPr lang="en-CA" b="0" dirty="0">
                 <a:solidFill>
-                  <a:srgbClr val="0000FF"/>
+                  <a:srgbClr val="000000"/>
                 </a:solidFill>
                 <a:effectLst/>
                 <a:highlight>
@@ -26086,7 +25665,114 @@
                 </a:highlight>
                 <a:latin typeface="Hack" panose="020B0609030202020204" pitchFamily="49" charset="0"/>
               </a:rPr>
-              <a:t>int</a:t>
+              <a:t>        ((</a:t>
+            </a:r>
+            <a:r>
+              <a:rPr lang="en-CA" b="0" dirty="0" err="1">
+                <a:solidFill>
+                  <a:srgbClr val="000000"/>
+                </a:solidFill>
+                <a:effectLst/>
+                <a:highlight>
+                  <a:srgbClr val="FFFFFF"/>
+                </a:highlight>
+                <a:latin typeface="Hack" panose="020B0609030202020204" pitchFamily="49" charset="0"/>
+              </a:rPr>
+              <a:t>taskInstance</a:t>
+            </a:r>
+            <a:r>
+              <a:rPr lang="en-CA" b="0" dirty="0">
+                <a:solidFill>
+                  <a:srgbClr val="000000"/>
+                </a:solidFill>
+                <a:effectLst/>
+                <a:highlight>
+                  <a:srgbClr val="FFFFFF"/>
+                </a:highlight>
+                <a:latin typeface="Hack" panose="020B0609030202020204" pitchFamily="49" charset="0"/>
+              </a:rPr>
+              <a:t>&lt;TASKS&gt;.</a:t>
+            </a:r>
+            <a:r>
+              <a:rPr lang="en-CA" b="0" dirty="0" err="1">
+                <a:solidFill>
+                  <a:srgbClr val="000000"/>
+                </a:solidFill>
+                <a:effectLst/>
+                <a:highlight>
+                  <a:srgbClr val="FFFFFF"/>
+                </a:highlight>
+                <a:latin typeface="Hack" panose="020B0609030202020204" pitchFamily="49" charset="0"/>
+              </a:rPr>
+              <a:t>init</a:t>
+            </a:r>
+            <a:r>
+              <a:rPr lang="en-CA" b="0" dirty="0">
+                <a:solidFill>
+                  <a:srgbClr val="000000"/>
+                </a:solidFill>
+                <a:effectLst/>
+                <a:highlight>
+                  <a:srgbClr val="FFFFFF"/>
+                </a:highlight>
+                <a:latin typeface="Hack" panose="020B0609030202020204" pitchFamily="49" charset="0"/>
+              </a:rPr>
+              <a:t>()), ...);</a:t>
+            </a:r>
+          </a:p>
+          <a:p>
+            <a:r>
+              <a:rPr lang="en-CA" b="0" dirty="0">
+                <a:solidFill>
+                  <a:srgbClr val="000000"/>
+                </a:solidFill>
+                <a:effectLst/>
+                <a:highlight>
+                  <a:srgbClr val="FFFFFF"/>
+                </a:highlight>
+                <a:latin typeface="Hack" panose="020B0609030202020204" pitchFamily="49" charset="0"/>
+              </a:rPr>
+              <a:t>    }</a:t>
+            </a:r>
+          </a:p>
+          <a:p>
+            <a:br>
+              <a:rPr lang="en-CA" b="0" dirty="0">
+                <a:solidFill>
+                  <a:srgbClr val="000000"/>
+                </a:solidFill>
+                <a:effectLst/>
+                <a:highlight>
+                  <a:srgbClr val="FFFFFF"/>
+                </a:highlight>
+                <a:latin typeface="Hack" panose="020B0609030202020204" pitchFamily="49" charset="0"/>
+              </a:rPr>
+            </a:br>
+            <a:r>
+              <a:rPr lang="en-CA" b="0" dirty="0">
+                <a:solidFill>
+                  <a:srgbClr val="000000"/>
+                </a:solidFill>
+                <a:effectLst/>
+                <a:highlight>
+                  <a:srgbClr val="FFFFFF"/>
+                </a:highlight>
+                <a:latin typeface="Hack" panose="020B0609030202020204" pitchFamily="49" charset="0"/>
+              </a:rPr>
+              <a:t>    </a:t>
+            </a:r>
+            <a:r>
+              <a:rPr lang="en-CA" b="0" dirty="0">
+                <a:solidFill>
+                  <a:srgbClr val="0000FF"/>
+                </a:solidFill>
+                <a:effectLst/>
+                <a:highlight>
+                  <a:srgbClr val="FFFFFF"/>
+                </a:highlight>
+                <a:latin typeface="Hack" panose="020B0609030202020204" pitchFamily="49" charset="0"/>
+              </a:rPr>
+              <a:t>void</a:t>
             </a:r>
             <a:r>
               <a:rPr lang="en-CA" b="0" dirty="0">
@@ -26112,7 +25798,7 @@
                 </a:highlight>
                 <a:latin typeface="Hack" panose="020B0609030202020204" pitchFamily="49" charset="0"/>
               </a:rPr>
-              <a:t>i</a:t>
+              <a:t>runAll</a:t>
             </a:r>
             <a:r>
               <a:rPr lang="en-CA" b="0" dirty="0">
@@ -26125,12 +25811,12 @@
                 </a:highlight>
                 <a:latin typeface="Hack" panose="020B0609030202020204" pitchFamily="49" charset="0"/>
               </a:rPr>
-              <a:t> = </a:t>
+              <a:t>() </a:t>
             </a:r>
             <a:r>
               <a:rPr lang="en-CA" b="0" dirty="0">
                 <a:solidFill>
-                  <a:srgbClr val="098658"/>
+                  <a:srgbClr val="0000FF"/>
                 </a:solidFill>
                 <a:effectLst/>
                 <a:highlight>
@@ -26138,8 +25824,18 @@
                 </a:highlight>
                 <a:latin typeface="Hack" panose="020B0609030202020204" pitchFamily="49" charset="0"/>
               </a:rPr>
-              <a:t>0</a:t>
-            </a:r>
+              <a:t>const</a:t>
+            </a:r>
+            <a:endParaRPr lang="en-CA" dirty="0">
+              <a:solidFill>
+                <a:srgbClr val="008000"/>
+              </a:solidFill>
+              <a:highlight>
+                <a:srgbClr val="FFFFFF"/>
+              </a:highlight>
+            </a:endParaRPr>
+          </a:p>
+          <a:p>
             <a:r>
               <a:rPr lang="en-CA" b="0" dirty="0">
                 <a:solidFill>
@@ -26151,7 +25847,7 @@
                 </a:highlight>
                 <a:latin typeface="Hack" panose="020B0609030202020204" pitchFamily="49" charset="0"/>
               </a:rPr>
-              <a:t>;</a:t>
+              <a:t>    {</a:t>
             </a:r>
           </a:p>
           <a:p>
@@ -26166,7 +25862,7 @@
                 </a:highlight>
                 <a:latin typeface="Hack" panose="020B0609030202020204" pitchFamily="49" charset="0"/>
               </a:rPr>
-              <a:t>        ((tasks[</a:t>
+              <a:t>        </a:t>
             </a:r>
             <a:r>
               <a:rPr lang="en-CA" b="0" dirty="0" err="1">
@@ -26179,7 +25875,7 @@
                 </a:highlight>
                 <a:latin typeface="Hack" panose="020B0609030202020204" pitchFamily="49" charset="0"/>
               </a:rPr>
-              <a:t>i</a:t>
+              <a:t>absolute_time_t</a:t>
             </a:r>
             <a:r>
               <a:rPr lang="en-CA" b="0" dirty="0">
@@ -26192,7 +25888,48 @@
                 </a:highlight>
                 <a:latin typeface="Hack" panose="020B0609030202020204" pitchFamily="49" charset="0"/>
               </a:rPr>
-              <a:t>++] = &amp;</a:t>
+              <a:t> now = </a:t>
+            </a:r>
+            <a:r>
+              <a:rPr lang="en-CA" b="0" dirty="0" err="1">
+                <a:solidFill>
+                  <a:srgbClr val="000000"/>
+                </a:solidFill>
+                <a:effectLst/>
+                <a:highlight>
+                  <a:srgbClr val="FFFFFF"/>
+                </a:highlight>
+                <a:latin typeface="Hack" panose="020B0609030202020204" pitchFamily="49" charset="0"/>
+              </a:rPr>
+              <a:t>get_absolute_time</a:t>
+            </a:r>
+            <a:r>
+              <a:rPr lang="en-CA" b="0" dirty="0">
+                <a:solidFill>
+                  <a:srgbClr val="000000"/>
+                </a:solidFill>
+                <a:effectLst/>
+                <a:highlight>
+                  <a:srgbClr val="FFFFFF"/>
+                </a:highlight>
+                <a:latin typeface="Hack" panose="020B0609030202020204" pitchFamily="49" charset="0"/>
+              </a:rPr>
+              <a:t>();</a:t>
+            </a:r>
+          </a:p>
+          <a:p>
+            <a:r>
+              <a:rPr lang="en-CA" b="0" dirty="0">
+                <a:solidFill>
+                  <a:srgbClr val="000000"/>
+                </a:solidFill>
+                <a:effectLst/>
+                <a:highlight>
+                  <a:srgbClr val="FFFFFF"/>
+                </a:highlight>
+                <a:latin typeface="Hack" panose="020B0609030202020204" pitchFamily="49" charset="0"/>
+              </a:rPr>
+              <a:t>        ((</a:t>
             </a:r>
             <a:r>
               <a:rPr lang="en-CA" b="0" dirty="0" err="1">
@@ -26218,7 +25955,7 @@
                 </a:highlight>
                 <a:latin typeface="Hack" panose="020B0609030202020204" pitchFamily="49" charset="0"/>
               </a:rPr>
-              <a:t>&lt;TASKS&gt;), ...);</a:t>
+              <a:t>&lt;TASKS&gt;.tick(now)), ...);</a:t>
             </a:r>
           </a:p>
           <a:p>
@@ -26235,8 +25972,6 @@
               </a:rPr>
               <a:t>    }</a:t>
             </a:r>
-          </a:p>
-          <a:p>
             <a:br>
               <a:rPr lang="en-CA" b="0" dirty="0">
                 <a:solidFill>
@@ -26249,7 +25984,7 @@
                 <a:latin typeface="Hack" panose="020B0609030202020204" pitchFamily="49" charset="0"/>
               </a:rPr>
             </a:br>
-            <a:r>
+            <a:br>
               <a:rPr lang="en-CA" b="0" dirty="0">
                 <a:solidFill>
                   <a:srgbClr val="000000"/>
@@ -26260,8 +25995,7 @@
                 </a:highlight>
                 <a:latin typeface="Hack" panose="020B0609030202020204" pitchFamily="49" charset="0"/>
               </a:rPr>
-              <a:t>    </a:t>
-            </a:r>
+            </a:br>
             <a:r>
               <a:rPr lang="en-CA" b="0" dirty="0">
                 <a:solidFill>
@@ -26273,72 +26007,7 @@
                 </a:highlight>
                 <a:latin typeface="Hack" panose="020B0609030202020204" pitchFamily="49" charset="0"/>
               </a:rPr>
-              <a:t>void</a:t>
-            </a:r>
-            <a:r>
-              <a:rPr lang="en-CA" b="0" dirty="0">
-                <a:solidFill>
-                  <a:srgbClr val="000000"/>
-                </a:solidFill>
-                <a:effectLst/>
-                <a:highlight>
-                  <a:srgbClr val="FFFFFF"/>
-                </a:highlight>
-                <a:latin typeface="Hack" panose="020B0609030202020204" pitchFamily="49" charset="0"/>
-              </a:rPr>
-              <a:t> </a:t>
-            </a:r>
-            <a:r>
-              <a:rPr lang="en-CA" b="0" dirty="0" err="1">
-                <a:solidFill>
-                  <a:srgbClr val="000000"/>
-                </a:solidFill>
-                <a:effectLst/>
-                <a:highlight>
-                  <a:srgbClr val="FFFFFF"/>
-                </a:highlight>
-                <a:latin typeface="Hack" panose="020B0609030202020204" pitchFamily="49" charset="0"/>
-              </a:rPr>
-              <a:t>initAll</a:t>
-            </a:r>
-            <a:r>
-              <a:rPr lang="en-CA" b="0" dirty="0">
-                <a:solidFill>
-                  <a:srgbClr val="000000"/>
-                </a:solidFill>
-                <a:effectLst/>
-                <a:highlight>
-                  <a:srgbClr val="FFFFFF"/>
-                </a:highlight>
-                <a:latin typeface="Hack" panose="020B0609030202020204" pitchFamily="49" charset="0"/>
-              </a:rPr>
-              <a:t>() </a:t>
-            </a:r>
-            <a:r>
-              <a:rPr lang="en-CA" b="0" dirty="0">
-                <a:solidFill>
-                  <a:srgbClr val="0000FF"/>
-                </a:solidFill>
-                <a:effectLst/>
-                <a:highlight>
-                  <a:srgbClr val="FFFFFF"/>
-                </a:highlight>
-                <a:latin typeface="Hack" panose="020B0609030202020204" pitchFamily="49" charset="0"/>
-              </a:rPr>
-              <a:t>const</a:t>
-            </a:r>
-            <a:r>
-              <a:rPr lang="en-CA" b="0" dirty="0">
-                <a:solidFill>
-                  <a:srgbClr val="008000"/>
-                </a:solidFill>
-                <a:effectLst/>
-                <a:highlight>
-                  <a:srgbClr val="FFFFFF"/>
-                </a:highlight>
-                <a:latin typeface="Hack" panose="020B0609030202020204" pitchFamily="49" charset="0"/>
-              </a:rPr>
-              <a:t> /* ... */</a:t>
+              <a:t>private:</a:t>
             </a:r>
             <a:endParaRPr lang="en-CA" b="0" dirty="0">
               <a:solidFill>
@@ -26352,109 +26021,98 @@
             </a:endParaRPr>
           </a:p>
           <a:p>
-            <a:br>
-              <a:rPr lang="en-CA" b="0" dirty="0">
-                <a:solidFill>
-                  <a:srgbClr val="000000"/>
-                </a:solidFill>
-                <a:effectLst/>
+            <a:r>
+              <a:rPr lang="en-CA" dirty="0">
+                <a:solidFill>
+                  <a:srgbClr val="0000FF"/>
+                </a:solidFill>
                 <a:highlight>
                   <a:srgbClr val="FFFFFF"/>
                 </a:highlight>
-                <a:latin typeface="Hack" panose="020B0609030202020204" pitchFamily="49" charset="0"/>
               </a:rPr>
-            </a:br>
-            <a:r>
-              <a:rPr lang="en-CA" b="0" dirty="0">
+              <a:t>    template</a:t>
+            </a:r>
+            <a:r>
+              <a:rPr lang="en-CA" dirty="0">
                 <a:solidFill>
                   <a:srgbClr val="000000"/>
                 </a:solidFill>
-                <a:effectLst/>
                 <a:highlight>
                   <a:srgbClr val="FFFFFF"/>
                 </a:highlight>
-                <a:latin typeface="Hack" panose="020B0609030202020204" pitchFamily="49" charset="0"/>
               </a:rPr>
-              <a:t>    </a:t>
-            </a:r>
-            <a:r>
-              <a:rPr lang="en-CA" b="0" dirty="0">
+              <a:t>&lt;</a:t>
+            </a:r>
+            <a:r>
+              <a:rPr lang="en-CA" dirty="0" err="1">
                 <a:solidFill>
                   <a:srgbClr val="0000FF"/>
                 </a:solidFill>
-                <a:effectLst/>
                 <a:highlight>
                   <a:srgbClr val="FFFFFF"/>
                 </a:highlight>
-                <a:latin typeface="Hack" panose="020B0609030202020204" pitchFamily="49" charset="0"/>
               </a:rPr>
-              <a:t>void</a:t>
-            </a:r>
-            <a:r>
-              <a:rPr lang="en-CA" b="0" dirty="0">
+              <a:t>typename</a:t>
+            </a:r>
+            <a:r>
+              <a:rPr lang="en-CA" dirty="0">
                 <a:solidFill>
                   <a:srgbClr val="000000"/>
                 </a:solidFill>
-                <a:effectLst/>
                 <a:highlight>
                   <a:srgbClr val="FFFFFF"/>
                 </a:highlight>
-                <a:latin typeface="Hack" panose="020B0609030202020204" pitchFamily="49" charset="0"/>
               </a:rPr>
-              <a:t> </a:t>
-            </a:r>
-            <a:r>
-              <a:rPr lang="en-CA" b="0" dirty="0" err="1">
-                <a:solidFill>
-                  <a:srgbClr val="000000"/>
-                </a:solidFill>
-                <a:effectLst/>
+              <a:t> TASK_T&gt;</a:t>
+            </a:r>
+          </a:p>
+          <a:p>
+            <a:r>
+              <a:rPr lang="en-CA" dirty="0">
+                <a:solidFill>
+                  <a:srgbClr val="0000FF"/>
+                </a:solidFill>
                 <a:highlight>
                   <a:srgbClr val="FFFFFF"/>
                 </a:highlight>
-                <a:latin typeface="Hack" panose="020B0609030202020204" pitchFamily="49" charset="0"/>
               </a:rPr>
-              <a:t>runAll</a:t>
-            </a:r>
-            <a:r>
-              <a:rPr lang="en-CA" b="0" dirty="0">
+              <a:t>    static</a:t>
+            </a:r>
+            <a:r>
+              <a:rPr lang="en-CA" dirty="0">
                 <a:solidFill>
                   <a:srgbClr val="000000"/>
                 </a:solidFill>
-                <a:effectLst/>
                 <a:highlight>
                   <a:srgbClr val="FFFFFF"/>
                 </a:highlight>
-                <a:latin typeface="Hack" panose="020B0609030202020204" pitchFamily="49" charset="0"/>
               </a:rPr>
-              <a:t>() </a:t>
-            </a:r>
-            <a:r>
-              <a:rPr lang="en-CA" b="0" dirty="0">
-                <a:solidFill>
-                  <a:srgbClr val="0000FF"/>
-                </a:solidFill>
-                <a:effectLst/>
+              <a:t> TASK_T </a:t>
+            </a:r>
+            <a:r>
+              <a:rPr lang="en-CA" dirty="0" err="1">
+                <a:solidFill>
+                  <a:srgbClr val="000000"/>
+                </a:solidFill>
                 <a:highlight>
                   <a:srgbClr val="FFFFFF"/>
                 </a:highlight>
-                <a:latin typeface="Hack" panose="020B0609030202020204" pitchFamily="49" charset="0"/>
               </a:rPr>
-              <a:t>const</a:t>
-            </a:r>
-            <a:r>
-              <a:rPr lang="en-CA" b="0" dirty="0">
-                <a:solidFill>
-                  <a:srgbClr val="008000"/>
-                </a:solidFill>
-                <a:effectLst/>
+              <a:t>taskInstance</a:t>
+            </a:r>
+            <a:r>
+              <a:rPr lang="en-CA" dirty="0">
+                <a:solidFill>
+                  <a:srgbClr val="000000"/>
+                </a:solidFill>
                 <a:highlight>
                   <a:srgbClr val="FFFFFF"/>
                 </a:highlight>
-                <a:latin typeface="Hack" panose="020B0609030202020204" pitchFamily="49" charset="0"/>
               </a:rPr>
-              <a:t> /* ... */</a:t>
-            </a:r>
+              <a:t>;</a:t>
+            </a:r>
+          </a:p>
+          <a:p>
             <a:endParaRPr lang="en-CA" b="0" dirty="0">
               <a:solidFill>
                 <a:srgbClr val="000000"/>
@@ -26467,97 +26125,6 @@
             </a:endParaRPr>
           </a:p>
           <a:p>
-            <a:br>
-              <a:rPr lang="en-CA" b="0" dirty="0">
-                <a:solidFill>
-                  <a:srgbClr val="000000"/>
-                </a:solidFill>
-                <a:effectLst/>
-                <a:highlight>
-                  <a:srgbClr val="FFFFFF"/>
-                </a:highlight>
-                <a:latin typeface="Hack" panose="020B0609030202020204" pitchFamily="49" charset="0"/>
-              </a:rPr>
-            </a:br>
-            <a:r>
-              <a:rPr lang="en-CA" b="0" dirty="0">
-                <a:solidFill>
-                  <a:srgbClr val="0000FF"/>
-                </a:solidFill>
-                <a:effectLst/>
-                <a:highlight>
-                  <a:srgbClr val="FFFFFF"/>
-                </a:highlight>
-                <a:latin typeface="Hack" panose="020B0609030202020204" pitchFamily="49" charset="0"/>
-              </a:rPr>
-              <a:t>private:</a:t>
-            </a:r>
-            <a:endParaRPr lang="en-CA" b="0" dirty="0">
-              <a:solidFill>
-                <a:srgbClr val="000000"/>
-              </a:solidFill>
-              <a:effectLst/>
-              <a:highlight>
-                <a:srgbClr val="FFFFFF"/>
-              </a:highlight>
-              <a:latin typeface="Hack" panose="020B0609030202020204" pitchFamily="49" charset="0"/>
-            </a:endParaRPr>
-          </a:p>
-          <a:p>
-            <a:r>
-              <a:rPr lang="en-CA" b="0" dirty="0">
-                <a:solidFill>
-                  <a:srgbClr val="000000"/>
-                </a:solidFill>
-                <a:effectLst/>
-                <a:highlight>
-                  <a:srgbClr val="FFFFFF"/>
-                </a:highlight>
-                <a:latin typeface="Hack" panose="020B0609030202020204" pitchFamily="49" charset="0"/>
-              </a:rPr>
-              <a:t>    Task* tasks[</a:t>
-            </a:r>
-            <a:r>
-              <a:rPr lang="en-CA" b="0" dirty="0" err="1">
-                <a:solidFill>
-                  <a:srgbClr val="0000FF"/>
-                </a:solidFill>
-                <a:effectLst/>
-                <a:highlight>
-                  <a:srgbClr val="FFFFFF"/>
-                </a:highlight>
-                <a:latin typeface="Hack" panose="020B0609030202020204" pitchFamily="49" charset="0"/>
-              </a:rPr>
-              <a:t>sizeof</a:t>
-            </a:r>
-            <a:r>
-              <a:rPr lang="en-CA" b="0" dirty="0">
-                <a:solidFill>
-                  <a:srgbClr val="0000FF"/>
-                </a:solidFill>
-                <a:effectLst/>
-                <a:highlight>
-                  <a:srgbClr val="FFFFFF"/>
-                </a:highlight>
-                <a:latin typeface="Hack" panose="020B0609030202020204" pitchFamily="49" charset="0"/>
-              </a:rPr>
-              <a:t>...</a:t>
-            </a:r>
-            <a:r>
-              <a:rPr lang="en-CA" b="0" dirty="0">
-                <a:solidFill>
-                  <a:srgbClr val="000000"/>
-                </a:solidFill>
-                <a:effectLst/>
-                <a:highlight>
-                  <a:srgbClr val="FFFFFF"/>
-                </a:highlight>
-                <a:latin typeface="Hack" panose="020B0609030202020204" pitchFamily="49" charset="0"/>
-              </a:rPr>
-              <a:t>(TASKS)];</a:t>
-            </a:r>
-          </a:p>
-          <a:p>
             <a:r>
               <a:rPr lang="en-CA" b="0" dirty="0">
                 <a:solidFill>
@@ -26570,264 +26137,6 @@
                 <a:latin typeface="Hack" panose="020B0609030202020204" pitchFamily="49" charset="0"/>
               </a:rPr>
               <a:t>};</a:t>
-            </a:r>
-          </a:p>
-          <a:p>
-            <a:endParaRPr lang="en-CA" b="0" dirty="0">
-              <a:solidFill>
-                <a:srgbClr val="000000"/>
-              </a:solidFill>
-              <a:effectLst/>
-              <a:highlight>
-                <a:srgbClr val="FFFFFF"/>
-              </a:highlight>
-              <a:latin typeface="Hack" panose="020B0609030202020204" pitchFamily="49" charset="0"/>
-            </a:endParaRPr>
-          </a:p>
-          <a:p>
-            <a:r>
-              <a:rPr lang="en-CA" dirty="0">
-                <a:solidFill>
-                  <a:srgbClr val="008000"/>
-                </a:solidFill>
-                <a:highlight>
-                  <a:srgbClr val="FFFFFF"/>
-                </a:highlight>
-              </a:rPr>
-              <a:t>// in main.cpp (as seen before):</a:t>
-            </a:r>
-            <a:endParaRPr lang="en-CA" dirty="0">
-              <a:solidFill>
-                <a:srgbClr val="000000"/>
-              </a:solidFill>
-              <a:highlight>
-                <a:srgbClr val="FFFFFF"/>
-              </a:highlight>
-            </a:endParaRPr>
-          </a:p>
-          <a:p>
-            <a:r>
-              <a:rPr lang="en-CA" b="0" dirty="0">
-                <a:solidFill>
-                  <a:srgbClr val="0000FF"/>
-                </a:solidFill>
-                <a:effectLst/>
-                <a:highlight>
-                  <a:srgbClr val="FFFFFF"/>
-                </a:highlight>
-                <a:latin typeface="Hack" panose="020B0609030202020204" pitchFamily="49" charset="0"/>
-              </a:rPr>
-              <a:t>constexpr</a:t>
-            </a:r>
-            <a:r>
-              <a:rPr lang="en-CA" b="0" dirty="0">
-                <a:solidFill>
-                  <a:srgbClr val="000000"/>
-                </a:solidFill>
-                <a:effectLst/>
-                <a:highlight>
-                  <a:srgbClr val="FFFFFF"/>
-                </a:highlight>
-                <a:latin typeface="Hack" panose="020B0609030202020204" pitchFamily="49" charset="0"/>
-              </a:rPr>
-              <a:t> Tasks::</a:t>
-            </a:r>
-            <a:r>
-              <a:rPr lang="en-CA" b="0" dirty="0" err="1">
-                <a:solidFill>
-                  <a:srgbClr val="000000"/>
-                </a:solidFill>
-                <a:effectLst/>
-                <a:highlight>
-                  <a:srgbClr val="FFFFFF"/>
-                </a:highlight>
-                <a:latin typeface="Hack" panose="020B0609030202020204" pitchFamily="49" charset="0"/>
-              </a:rPr>
-              <a:t>TaskList</a:t>
-            </a:r>
-            <a:r>
-              <a:rPr lang="en-CA" b="0" dirty="0">
-                <a:solidFill>
-                  <a:srgbClr val="000000"/>
-                </a:solidFill>
-                <a:effectLst/>
-                <a:highlight>
-                  <a:srgbClr val="FFFFFF"/>
-                </a:highlight>
-                <a:latin typeface="Hack" panose="020B0609030202020204" pitchFamily="49" charset="0"/>
-              </a:rPr>
-              <a:t>&lt;</a:t>
-            </a:r>
-          </a:p>
-          <a:p>
-            <a:r>
-              <a:rPr lang="en-CA" b="0" dirty="0">
-                <a:solidFill>
-                  <a:srgbClr val="008000"/>
-                </a:solidFill>
-                <a:effectLst/>
-                <a:highlight>
-                  <a:srgbClr val="FFFFFF"/>
-                </a:highlight>
-                <a:latin typeface="Hack" panose="020B0609030202020204" pitchFamily="49" charset="0"/>
-              </a:rPr>
-              <a:t>    //</a:t>
-            </a:r>
-            <a:r>
-              <a:rPr lang="en-CA" b="0" dirty="0" err="1">
-                <a:solidFill>
-                  <a:srgbClr val="008000"/>
-                </a:solidFill>
-                <a:effectLst/>
-                <a:highlight>
-                  <a:srgbClr val="FFFFFF"/>
-                </a:highlight>
-                <a:latin typeface="Hack" panose="020B0609030202020204" pitchFamily="49" charset="0"/>
-              </a:rPr>
-              <a:t>DebugTask</a:t>
-            </a:r>
-            <a:r>
-              <a:rPr lang="en-CA" b="0" dirty="0">
-                <a:solidFill>
-                  <a:srgbClr val="008000"/>
-                </a:solidFill>
-                <a:effectLst/>
-                <a:highlight>
-                  <a:srgbClr val="FFFFFF"/>
-                </a:highlight>
-                <a:latin typeface="Hack" panose="020B0609030202020204" pitchFamily="49" charset="0"/>
-              </a:rPr>
-              <a:t>,</a:t>
-            </a:r>
-            <a:endParaRPr lang="en-CA" b="0" dirty="0">
-              <a:solidFill>
-                <a:srgbClr val="000000"/>
-              </a:solidFill>
-              <a:effectLst/>
-              <a:highlight>
-                <a:srgbClr val="FFFFFF"/>
-              </a:highlight>
-              <a:latin typeface="Hack" panose="020B0609030202020204" pitchFamily="49" charset="0"/>
-            </a:endParaRPr>
-          </a:p>
-          <a:p>
-            <a:r>
-              <a:rPr lang="en-CA" b="0" dirty="0">
-                <a:solidFill>
-                  <a:srgbClr val="000000"/>
-                </a:solidFill>
-                <a:effectLst/>
-                <a:highlight>
-                  <a:srgbClr val="FFFFFF"/>
-                </a:highlight>
-                <a:latin typeface="Hack" panose="020B0609030202020204" pitchFamily="49" charset="0"/>
-              </a:rPr>
-              <a:t>    </a:t>
-            </a:r>
-            <a:r>
-              <a:rPr lang="en-CA" b="0" dirty="0" err="1">
-                <a:solidFill>
-                  <a:srgbClr val="000000"/>
-                </a:solidFill>
-                <a:effectLst/>
-                <a:highlight>
-                  <a:srgbClr val="FFFFFF"/>
-                </a:highlight>
-                <a:latin typeface="Hack" panose="020B0609030202020204" pitchFamily="49" charset="0"/>
-              </a:rPr>
-              <a:t>LedBlinkTask</a:t>
-            </a:r>
-            <a:r>
-              <a:rPr lang="en-CA" b="0" dirty="0">
-                <a:solidFill>
-                  <a:srgbClr val="000000"/>
-                </a:solidFill>
-                <a:effectLst/>
-                <a:highlight>
-                  <a:srgbClr val="FFFFFF"/>
-                </a:highlight>
-                <a:latin typeface="Hack" panose="020B0609030202020204" pitchFamily="49" charset="0"/>
-              </a:rPr>
-              <a:t>,</a:t>
-            </a:r>
-          </a:p>
-          <a:p>
-            <a:r>
-              <a:rPr lang="en-CA" b="0" dirty="0">
-                <a:solidFill>
-                  <a:srgbClr val="000000"/>
-                </a:solidFill>
-                <a:effectLst/>
-                <a:highlight>
-                  <a:srgbClr val="FFFFFF"/>
-                </a:highlight>
-                <a:latin typeface="Hack" panose="020B0609030202020204" pitchFamily="49" charset="0"/>
-              </a:rPr>
-              <a:t>    </a:t>
-            </a:r>
-            <a:r>
-              <a:rPr lang="en-CA" b="0" dirty="0" err="1">
-                <a:solidFill>
-                  <a:srgbClr val="000000"/>
-                </a:solidFill>
-                <a:effectLst/>
-                <a:highlight>
-                  <a:srgbClr val="FFFFFF"/>
-                </a:highlight>
-                <a:latin typeface="Hack" panose="020B0609030202020204" pitchFamily="49" charset="0"/>
-              </a:rPr>
-              <a:t>LedColourTask</a:t>
-            </a:r>
-            <a:endParaRPr lang="en-CA" b="0" dirty="0">
-              <a:solidFill>
-                <a:srgbClr val="000000"/>
-              </a:solidFill>
-              <a:effectLst/>
-              <a:highlight>
-                <a:srgbClr val="FFFFFF"/>
-              </a:highlight>
-              <a:latin typeface="Hack" panose="020B0609030202020204" pitchFamily="49" charset="0"/>
-            </a:endParaRPr>
-          </a:p>
-          <a:p>
-            <a:r>
-              <a:rPr lang="en-CA" b="0" dirty="0">
-                <a:solidFill>
-                  <a:srgbClr val="000000"/>
-                </a:solidFill>
-                <a:effectLst/>
-                <a:highlight>
-                  <a:srgbClr val="FFFFFF"/>
-                </a:highlight>
-                <a:latin typeface="Hack" panose="020B0609030202020204" pitchFamily="49" charset="0"/>
-              </a:rPr>
-              <a:t>&gt; </a:t>
-            </a:r>
-            <a:r>
-              <a:rPr lang="en-CA" b="0" dirty="0" err="1">
-                <a:solidFill>
-                  <a:srgbClr val="000000"/>
-                </a:solidFill>
-                <a:effectLst/>
-                <a:highlight>
-                  <a:srgbClr val="FFFFFF"/>
-                </a:highlight>
-                <a:latin typeface="Hack" panose="020B0609030202020204" pitchFamily="49" charset="0"/>
-              </a:rPr>
-              <a:t>taskList</a:t>
-            </a:r>
-            <a:r>
-              <a:rPr lang="en-CA" b="0" dirty="0">
-                <a:solidFill>
-                  <a:srgbClr val="000000"/>
-                </a:solidFill>
-                <a:effectLst/>
-                <a:highlight>
-                  <a:srgbClr val="FFFFFF"/>
-                </a:highlight>
-                <a:latin typeface="Hack" panose="020B0609030202020204" pitchFamily="49" charset="0"/>
-              </a:rPr>
-              <a:t>;</a:t>
             </a:r>
           </a:p>
         </p:txBody>
@@ -26884,7 +26193,7 @@
           <a:p>
             <a:r>
               <a:rPr lang="en-US"/>
-              <a:t>2024-08-20</a:t>
+              <a:t>2024-10-08</a:t>
             </a:r>
             <a:endParaRPr lang="en-US" dirty="0"/>
           </a:p>
@@ -26921,72 +26230,6 @@
       </p:sp>
       <p:sp>
         <p:nvSpPr>
-          <p:cNvPr id="11" name="Rectangle: Rounded Corners 10">
-            <a:extLst>
-              <a:ext uri="{FF2B5EF4-FFF2-40B4-BE49-F238E27FC236}">
-                <a16:creationId xmlns:a16="http://schemas.microsoft.com/office/drawing/2014/main" id="{C431B630-D85E-3F32-580C-F94C8424CD73}"/>
-              </a:ext>
-              <a:ext uri="{C183D7F6-B498-43B3-948B-1728B52AA6E4}">
-                <adec:decorative xmlns:adec="http://schemas.microsoft.com/office/drawing/2017/decorative" val="1"/>
-              </a:ext>
-            </a:extLst>
-          </p:cNvPr>
-          <p:cNvSpPr/>
-          <p:nvPr/>
-        </p:nvSpPr>
-        <p:spPr>
-          <a:xfrm>
-            <a:off x="5488348" y="1418039"/>
-            <a:ext cx="4497316" cy="1179688"/>
-          </a:xfrm>
-          <a:prstGeom prst="roundRect">
-            <a:avLst>
-              <a:gd name="adj" fmla="val 4699"/>
-            </a:avLst>
-          </a:prstGeom>
-          <a:noFill/>
-          <a:ln w="19050" cap="sq" cmpd="sng" algn="ctr">
-            <a:solidFill>
-              <a:schemeClr val="tx2"/>
-            </a:solidFill>
-            <a:prstDash val="solid"/>
-            <a:miter lim="800000"/>
-            <a:headEnd type="none" w="med" len="med"/>
-            <a:tailEnd type="none" w="med" len="med"/>
-          </a:ln>
-          <a:effectLst>
-            <a:glow rad="63500">
-              <a:schemeClr val="tx2">
-                <a:alpha val="40000"/>
-              </a:schemeClr>
-            </a:glow>
-          </a:effectLst>
-        </p:spPr>
-        <p:style>
-          <a:lnRef idx="0">
-            <a:scrgbClr r="0" g="0" b="0"/>
-          </a:lnRef>
-          <a:fillRef idx="0">
-            <a:scrgbClr r="0" g="0" b="0"/>
-          </a:fillRef>
-          <a:effectRef idx="0">
-            <a:scrgbClr r="0" g="0" b="0"/>
-          </a:effectRef>
-          <a:fontRef idx="minor">
-            <a:schemeClr val="accent5"/>
-          </a:fontRef>
-        </p:style>
-        <p:txBody>
-          <a:bodyPr rtlCol="0" anchor="ctr"/>
-          <a:lstStyle/>
-          <a:p>
-            <a:pPr algn="ctr"/>
-            <a:endParaRPr lang="en-CA"/>
-          </a:p>
-        </p:txBody>
-      </p:sp>
-      <p:sp>
-        <p:nvSpPr>
           <p:cNvPr id="12" name="Rectangle: Rounded Corners 11">
             <a:extLst>
               <a:ext uri="{FF2B5EF4-FFF2-40B4-BE49-F238E27FC236}">
@@ -27002,7 +26245,7 @@
         </p:nvSpPr>
         <p:spPr>
           <a:xfrm>
-            <a:off x="5112328" y="599208"/>
+            <a:off x="5112328" y="840508"/>
             <a:ext cx="2863092" cy="358807"/>
           </a:xfrm>
           <a:prstGeom prst="roundRect">
@@ -27068,8 +26311,8 @@
         </p:nvSpPr>
         <p:spPr>
           <a:xfrm>
-            <a:off x="5469888" y="3512120"/>
-            <a:ext cx="2957140" cy="358807"/>
+            <a:off x="5850599" y="2157412"/>
+            <a:ext cx="3532392" cy="358806"/>
           </a:xfrm>
           <a:prstGeom prst="roundRect">
             <a:avLst>
@@ -27119,10 +26362,10 @@
       </p:sp>
       <p:sp>
         <p:nvSpPr>
-          <p:cNvPr id="9" name="Rectangle: Rounded Corners 8">
+          <p:cNvPr id="10" name="Rectangle: Rounded Corners 9">
             <a:extLst>
               <a:ext uri="{FF2B5EF4-FFF2-40B4-BE49-F238E27FC236}">
-                <a16:creationId xmlns:a16="http://schemas.microsoft.com/office/drawing/2014/main" id="{A97E1C99-B8D8-8DBA-7BAD-5BBA25C6C39D}"/>
+                <a16:creationId xmlns:a16="http://schemas.microsoft.com/office/drawing/2014/main" id="{694D34FD-D7EB-8574-723D-E1097D79C977}"/>
               </a:ext>
               <a:ext uri="{C183D7F6-B498-43B3-948B-1728B52AA6E4}">
                 <adec:decorative xmlns:adec="http://schemas.microsoft.com/office/drawing/2017/decorative" val="1"/>
@@ -27134,8 +26377,8 @@
         </p:nvSpPr>
         <p:spPr>
           <a:xfrm>
-            <a:off x="5860586" y="2020884"/>
-            <a:ext cx="4125078" cy="358807"/>
+            <a:off x="5413664" y="4224725"/>
+            <a:ext cx="2863092" cy="700454"/>
           </a:xfrm>
           <a:prstGeom prst="roundRect">
             <a:avLst>
@@ -27183,76 +26426,10 @@
           </a:p>
         </p:txBody>
       </p:sp>
-      <p:sp>
-        <p:nvSpPr>
-          <p:cNvPr id="8" name="Rectangle: Rounded Corners 7">
-            <a:extLst>
-              <a:ext uri="{FF2B5EF4-FFF2-40B4-BE49-F238E27FC236}">
-                <a16:creationId xmlns:a16="http://schemas.microsoft.com/office/drawing/2014/main" id="{0946F050-B63F-D2D2-3D83-28A14B43B301}"/>
-              </a:ext>
-              <a:ext uri="{C183D7F6-B498-43B3-948B-1728B52AA6E4}">
-                <adec:decorative xmlns:adec="http://schemas.microsoft.com/office/drawing/2017/decorative" val="1"/>
-              </a:ext>
-            </a:extLst>
-          </p:cNvPr>
-          <p:cNvSpPr/>
-          <p:nvPr/>
-        </p:nvSpPr>
-        <p:spPr>
-          <a:xfrm>
-            <a:off x="5488348" y="1404355"/>
-            <a:ext cx="974798" cy="358807"/>
-          </a:xfrm>
-          <a:prstGeom prst="roundRect">
-            <a:avLst>
-              <a:gd name="adj" fmla="val 4699"/>
-            </a:avLst>
-          </a:prstGeom>
-          <a:noFill/>
-          <a:ln w="19050" cap="sq" cmpd="sng" algn="ctr">
-            <a:solidFill>
-              <a:schemeClr val="tx2"/>
-            </a:solidFill>
-            <a:prstDash val="solid"/>
-            <a:miter lim="800000"/>
-            <a:headEnd type="none" w="med" len="med"/>
-            <a:tailEnd type="none" w="med" len="med"/>
-          </a:ln>
-          <a:effectLst>
-            <a:glow rad="63500">
-              <a:schemeClr val="tx2">
-                <a:alpha val="40000"/>
-              </a:schemeClr>
-            </a:glow>
-          </a:effectLst>
-        </p:spPr>
-        <p:style>
-          <a:lnRef idx="0">
-            <a:scrgbClr r="0" g="0" b="0"/>
-          </a:lnRef>
-          <a:fillRef idx="0">
-            <a:scrgbClr r="0" g="0" b="0"/>
-          </a:fillRef>
-          <a:effectRef idx="0">
-            <a:scrgbClr r="0" g="0" b="0"/>
-          </a:effectRef>
-          <a:fontRef idx="minor">
-            <a:schemeClr val="accent5"/>
-          </a:fontRef>
-        </p:style>
-        <p:txBody>
-          <a:bodyPr rtlCol="0" anchor="ctr"/>
-          <a:lstStyle/>
-          <a:p>
-            <a:pPr algn="ctr"/>
-            <a:endParaRPr lang="en-CA"/>
-          </a:p>
-        </p:txBody>
-      </p:sp>
     </p:spTree>
     <p:extLst>
       <p:ext uri="{BB962C8B-B14F-4D97-AF65-F5344CB8AC3E}">
-        <p14:creationId xmlns:p14="http://schemas.microsoft.com/office/powerpoint/2010/main" val="638933262"/>
+        <p14:creationId xmlns:p14="http://schemas.microsoft.com/office/powerpoint/2010/main" val="2253988480"/>
       </p:ext>
     </p:extLst>
   </p:cSld>
@@ -27507,15 +26684,76 @@
                                   </p:childTnLst>
                                 </p:cTn>
                               </p:par>
+                            </p:childTnLst>
+                          </p:cTn>
+                        </p:par>
+                      </p:childTnLst>
+                    </p:cTn>
+                  </p:par>
+                  <p:par>
+                    <p:cTn id="21" fill="hold">
+                      <p:stCondLst>
+                        <p:cond delay="indefinite"/>
+                      </p:stCondLst>
+                      <p:childTnLst>
+                        <p:par>
+                          <p:cTn id="22" fill="hold">
+                            <p:stCondLst>
+                              <p:cond delay="0"/>
+                            </p:stCondLst>
+                            <p:childTnLst>
                               <p:par>
-                                <p:cTn id="21" presetID="10" presetClass="entr" presetSubtype="0" fill="hold" grpId="0" nodeType="withEffect">
+                                <p:cTn id="23" presetID="10" presetClass="entr" presetSubtype="0" fill="hold" grpId="0" nodeType="clickEffect">
                                   <p:stCondLst>
                                     <p:cond delay="0"/>
                                   </p:stCondLst>
                                   <p:childTnLst>
                                     <p:set>
                                       <p:cBhvr>
-                                        <p:cTn id="22" dur="1" fill="hold">
+                                        <p:cTn id="24" dur="1" fill="hold">
+                                          <p:stCondLst>
+                                            <p:cond delay="0"/>
+                                          </p:stCondLst>
+                                        </p:cTn>
+                                        <p:tgtEl>
+                                          <p:spTgt spid="3">
+                                            <p:txEl>
+                                              <p:pRg st="3" end="3"/>
+                                            </p:txEl>
+                                          </p:spTgt>
+                                        </p:tgtEl>
+                                        <p:attrNameLst>
+                                          <p:attrName>style.visibility</p:attrName>
+                                        </p:attrNameLst>
+                                      </p:cBhvr>
+                                      <p:to>
+                                        <p:strVal val="visible"/>
+                                      </p:to>
+                                    </p:set>
+                                    <p:animEffect transition="in" filter="fade">
+                                      <p:cBhvr>
+                                        <p:cTn id="25" dur="250"/>
+                                        <p:tgtEl>
+                                          <p:spTgt spid="3">
+                                            <p:txEl>
+                                              <p:pRg st="3" end="3"/>
+                                            </p:txEl>
+                                          </p:spTgt>
+                                        </p:tgtEl>
+                                      </p:cBhvr>
+                                    </p:animEffect>
+                                  </p:childTnLst>
+                                </p:cTn>
+                              </p:par>
+                              <p:par>
+                                <p:cTn id="26" presetID="10" presetClass="entr" presetSubtype="0" fill="hold" grpId="0" nodeType="withEffect">
+                                  <p:stCondLst>
+                                    <p:cond delay="0"/>
+                                  </p:stCondLst>
+                                  <p:childTnLst>
+                                    <p:set>
+                                      <p:cBhvr>
+                                        <p:cTn id="27" dur="1" fill="hold">
                                           <p:stCondLst>
                                             <p:cond delay="0"/>
                                           </p:stCondLst>
@@ -27533,7 +26771,7 @@
                                     </p:set>
                                     <p:animEffect transition="in" filter="fade">
                                       <p:cBhvr>
-                                        <p:cTn id="23" dur="250"/>
+                                        <p:cTn id="28" dur="250"/>
                                         <p:tgtEl>
                                           <p:spTgt spid="13"/>
                                         </p:tgtEl>
@@ -27565,138 +26803,26 @@
                     </p:cTn>
                   </p:par>
                   <p:par>
-                    <p:cTn id="24" fill="hold">
+                    <p:cTn id="29" fill="hold">
                       <p:stCondLst>
                         <p:cond delay="indefinite"/>
                       </p:stCondLst>
                       <p:childTnLst>
                         <p:par>
-                          <p:cTn id="25" fill="hold">
+                          <p:cTn id="30" fill="hold">
                             <p:stCondLst>
                               <p:cond delay="0"/>
                             </p:stCondLst>
                             <p:childTnLst>
                               <p:par>
-                                <p:cTn id="26" presetID="10" presetClass="entr" presetSubtype="0" fill="hold" grpId="0" nodeType="clickEffect">
+                                <p:cTn id="31" presetID="10" presetClass="entr" presetSubtype="0" fill="hold" grpId="0" nodeType="clickEffect">
                                   <p:stCondLst>
                                     <p:cond delay="0"/>
                                   </p:stCondLst>
                                   <p:childTnLst>
                                     <p:set>
                                       <p:cBhvr>
-                                        <p:cTn id="27" dur="1" fill="hold">
-                                          <p:stCondLst>
-                                            <p:cond delay="0"/>
-                                          </p:stCondLst>
-                                        </p:cTn>
-                                        <p:tgtEl>
-                                          <p:spTgt spid="3">
-                                            <p:txEl>
-                                              <p:pRg st="3" end="3"/>
-                                            </p:txEl>
-                                          </p:spTgt>
-                                        </p:tgtEl>
-                                        <p:attrNameLst>
-                                          <p:attrName>style.visibility</p:attrName>
-                                        </p:attrNameLst>
-                                      </p:cBhvr>
-                                      <p:to>
-                                        <p:strVal val="visible"/>
-                                      </p:to>
-                                    </p:set>
-                                    <p:animEffect transition="in" filter="fade">
-                                      <p:cBhvr>
-                                        <p:cTn id="28" dur="250"/>
-                                        <p:tgtEl>
-                                          <p:spTgt spid="3">
-                                            <p:txEl>
-                                              <p:pRg st="3" end="3"/>
-                                            </p:txEl>
-                                          </p:spTgt>
-                                        </p:tgtEl>
-                                      </p:cBhvr>
-                                    </p:animEffect>
-                                  </p:childTnLst>
-                                </p:cTn>
-                              </p:par>
-                              <p:par>
-                                <p:cTn id="29" presetID="10" presetClass="entr" presetSubtype="0" fill="hold" grpId="0" nodeType="withEffect">
-                                  <p:stCondLst>
-                                    <p:cond delay="0"/>
-                                  </p:stCondLst>
-                                  <p:childTnLst>
-                                    <p:set>
-                                      <p:cBhvr>
-                                        <p:cTn id="30" dur="1" fill="hold">
-                                          <p:stCondLst>
-                                            <p:cond delay="0"/>
-                                          </p:stCondLst>
-                                        </p:cTn>
-                                        <p:tgtEl>
-                                          <p:spTgt spid="11"/>
-                                        </p:tgtEl>
-                                        <p:attrNameLst>
-                                          <p:attrName>style.visibility</p:attrName>
-                                        </p:attrNameLst>
-                                      </p:cBhvr>
-                                      <p:to>
-                                        <p:strVal val="visible"/>
-                                      </p:to>
-                                    </p:set>
-                                    <p:animEffect transition="in" filter="fade">
-                                      <p:cBhvr>
-                                        <p:cTn id="31" dur="250"/>
-                                        <p:tgtEl>
-                                          <p:spTgt spid="11"/>
-                                        </p:tgtEl>
-                                      </p:cBhvr>
-                                    </p:animEffect>
-                                  </p:childTnLst>
-                                  <p:subTnLst>
-                                    <p:set>
-                                      <p:cBhvr override="childStyle">
-                                        <p:cTn dur="1" fill="hold" display="0" masterRel="nextClick" afterEffect="1"/>
-                                        <p:tgtEl>
-                                          <p:spTgt spid="11"/>
-                                        </p:tgtEl>
-                                        <p:attrNameLst>
-                                          <p:attrName>style.visibility</p:attrName>
-                                        </p:attrNameLst>
-                                      </p:cBhvr>
-                                      <p:to>
-                                        <p:strVal val="hidden"/>
-                                      </p:to>
-                                    </p:set>
-                                  </p:subTnLst>
-                                </p:cTn>
-                              </p:par>
-                            </p:childTnLst>
-                          </p:cTn>
-                        </p:par>
-                      </p:childTnLst>
-                    </p:cTn>
-                  </p:par>
-                  <p:par>
-                    <p:cTn id="32" fill="hold">
-                      <p:stCondLst>
-                        <p:cond delay="indefinite"/>
-                      </p:stCondLst>
-                      <p:childTnLst>
-                        <p:par>
-                          <p:cTn id="33" fill="hold">
-                            <p:stCondLst>
-                              <p:cond delay="0"/>
-                            </p:stCondLst>
-                            <p:childTnLst>
-                              <p:par>
-                                <p:cTn id="34" presetID="10" presetClass="entr" presetSubtype="0" fill="hold" grpId="0" nodeType="clickEffect">
-                                  <p:stCondLst>
-                                    <p:cond delay="0"/>
-                                  </p:stCondLst>
-                                  <p:childTnLst>
-                                    <p:set>
-                                      <p:cBhvr>
-                                        <p:cTn id="35" dur="1" fill="hold">
+                                        <p:cTn id="32" dur="1" fill="hold">
                                           <p:stCondLst>
                                             <p:cond delay="0"/>
                                           </p:stCondLst>
@@ -27718,7 +26844,7 @@
                                     </p:set>
                                     <p:animEffect transition="in" filter="fade">
                                       <p:cBhvr>
-                                        <p:cTn id="36" dur="250"/>
+                                        <p:cTn id="33" dur="250"/>
                                         <p:tgtEl>
                                           <p:spTgt spid="3">
                                             <p:txEl>
@@ -27732,20 +26858,20 @@
                                 </p:cTn>
                               </p:par>
                               <p:par>
-                                <p:cTn id="37" presetID="10" presetClass="entr" presetSubtype="0" fill="hold" grpId="0" nodeType="withEffect">
+                                <p:cTn id="34" presetID="10" presetClass="entr" presetSubtype="0" fill="hold" grpId="0" nodeType="withEffect">
                                   <p:stCondLst>
                                     <p:cond delay="0"/>
                                   </p:stCondLst>
                                   <p:childTnLst>
                                     <p:set>
                                       <p:cBhvr>
-                                        <p:cTn id="38" dur="1" fill="hold">
+                                        <p:cTn id="35" dur="1" fill="hold">
                                           <p:stCondLst>
                                             <p:cond delay="0"/>
                                           </p:stCondLst>
                                         </p:cTn>
                                         <p:tgtEl>
-                                          <p:spTgt spid="8"/>
+                                          <p:spTgt spid="10"/>
                                         </p:tgtEl>
                                         <p:attrNameLst>
                                           <p:attrName>style.visibility</p:attrName>
@@ -27757,9 +26883,9 @@
                                     </p:set>
                                     <p:animEffect transition="in" filter="fade">
                                       <p:cBhvr>
-                                        <p:cTn id="39" dur="250"/>
+                                        <p:cTn id="36" dur="250"/>
                                         <p:tgtEl>
-                                          <p:spTgt spid="8"/>
+                                          <p:spTgt spid="10"/>
                                         </p:tgtEl>
                                       </p:cBhvr>
                                     </p:animEffect>
@@ -27769,7 +26895,7 @@
                                       <p:cBhvr override="childStyle">
                                         <p:cTn dur="1" fill="hold" display="0" masterRel="nextClick" afterEffect="1"/>
                                         <p:tgtEl>
-                                          <p:spTgt spid="8"/>
+                                          <p:spTgt spid="10"/>
                                         </p:tgtEl>
                                         <p:attrNameLst>
                                           <p:attrName>style.visibility</p:attrName>
@@ -27780,163 +26906,6 @@
                                       </p:to>
                                     </p:set>
                                   </p:subTnLst>
-                                </p:cTn>
-                              </p:par>
-                            </p:childTnLst>
-                          </p:cTn>
-                        </p:par>
-                      </p:childTnLst>
-                    </p:cTn>
-                  </p:par>
-                  <p:par>
-                    <p:cTn id="40" fill="hold">
-                      <p:stCondLst>
-                        <p:cond delay="indefinite"/>
-                      </p:stCondLst>
-                      <p:childTnLst>
-                        <p:par>
-                          <p:cTn id="41" fill="hold">
-                            <p:stCondLst>
-                              <p:cond delay="0"/>
-                            </p:stCondLst>
-                            <p:childTnLst>
-                              <p:par>
-                                <p:cTn id="42" presetID="10" presetClass="entr" presetSubtype="0" fill="hold" grpId="0" nodeType="clickEffect">
-                                  <p:stCondLst>
-                                    <p:cond delay="0"/>
-                                  </p:stCondLst>
-                                  <p:childTnLst>
-                                    <p:set>
-                                      <p:cBhvr>
-                                        <p:cTn id="43" dur="1" fill="hold">
-                                          <p:stCondLst>
-                                            <p:cond delay="0"/>
-                                          </p:stCondLst>
-                                        </p:cTn>
-                                        <p:tgtEl>
-                                          <p:spTgt spid="3">
-                                            <p:txEl>
-                                              <p:pRg st="5" end="5"/>
-                                            </p:txEl>
-                                          </p:spTgt>
-                                        </p:tgtEl>
-                                        <p:attrNameLst>
-                                          <p:attrName>style.visibility</p:attrName>
-                                        </p:attrNameLst>
-                                      </p:cBhvr>
-                                      <p:to>
-                                        <p:strVal val="visible"/>
-                                      </p:to>
-                                    </p:set>
-                                    <p:animEffect transition="in" filter="fade">
-                                      <p:cBhvr>
-                                        <p:cTn id="44" dur="250"/>
-                                        <p:tgtEl>
-                                          <p:spTgt spid="3">
-                                            <p:txEl>
-                                              <p:pRg st="5" end="5"/>
-                                            </p:txEl>
-                                          </p:spTgt>
-                                        </p:tgtEl>
-                                      </p:cBhvr>
-                                    </p:animEffect>
-                                  </p:childTnLst>
-                                </p:cTn>
-                              </p:par>
-                              <p:par>
-                                <p:cTn id="45" presetID="10" presetClass="entr" presetSubtype="0" fill="hold" grpId="0" nodeType="withEffect">
-                                  <p:stCondLst>
-                                    <p:cond delay="0"/>
-                                  </p:stCondLst>
-                                  <p:childTnLst>
-                                    <p:set>
-                                      <p:cBhvr>
-                                        <p:cTn id="46" dur="1" fill="hold">
-                                          <p:stCondLst>
-                                            <p:cond delay="0"/>
-                                          </p:stCondLst>
-                                        </p:cTn>
-                                        <p:tgtEl>
-                                          <p:spTgt spid="9"/>
-                                        </p:tgtEl>
-                                        <p:attrNameLst>
-                                          <p:attrName>style.visibility</p:attrName>
-                                        </p:attrNameLst>
-                                      </p:cBhvr>
-                                      <p:to>
-                                        <p:strVal val="visible"/>
-                                      </p:to>
-                                    </p:set>
-                                    <p:animEffect transition="in" filter="fade">
-                                      <p:cBhvr>
-                                        <p:cTn id="47" dur="250"/>
-                                        <p:tgtEl>
-                                          <p:spTgt spid="9"/>
-                                        </p:tgtEl>
-                                      </p:cBhvr>
-                                    </p:animEffect>
-                                  </p:childTnLst>
-                                </p:cTn>
-                              </p:par>
-                            </p:childTnLst>
-                          </p:cTn>
-                        </p:par>
-                      </p:childTnLst>
-                    </p:cTn>
-                  </p:par>
-                  <p:par>
-                    <p:cTn id="48" fill="hold">
-                      <p:stCondLst>
-                        <p:cond delay="indefinite"/>
-                      </p:stCondLst>
-                      <p:childTnLst>
-                        <p:par>
-                          <p:cTn id="49" fill="hold">
-                            <p:stCondLst>
-                              <p:cond delay="0"/>
-                            </p:stCondLst>
-                            <p:childTnLst>
-                              <p:par>
-                                <p:cTn id="50" presetID="10" presetClass="entr" presetSubtype="0" fill="hold" grpId="0" nodeType="clickEffect">
-                                  <p:stCondLst>
-                                    <p:cond delay="0"/>
-                                  </p:stCondLst>
-                                  <p:childTnLst>
-                                    <p:set>
-                                      <p:cBhvr>
-                                        <p:cTn id="51" dur="1" fill="hold">
-                                          <p:stCondLst>
-                                            <p:cond delay="0"/>
-                                          </p:stCondLst>
-                                        </p:cTn>
-                                        <p:tgtEl>
-                                          <p:spTgt spid="3">
-                                            <p:txEl>
-                                              <p:pRg st="6" end="6"/>
-                                            </p:txEl>
-                                          </p:spTgt>
-                                        </p:tgtEl>
-                                        <p:attrNameLst>
-                                          <p:attrName>style.visibility</p:attrName>
-                                        </p:attrNameLst>
-                                      </p:cBhvr>
-                                      <p:to>
-                                        <p:strVal val="visible"/>
-                                      </p:to>
-                                    </p:set>
-                                    <p:animEffect transition="in" filter="fade">
-                                      <p:cBhvr>
-                                        <p:cTn id="52" dur="250"/>
-                                        <p:tgtEl>
-                                          <p:spTgt spid="3">
-                                            <p:txEl>
-                                              <p:pRg st="6" end="6"/>
-                                            </p:txEl>
-                                          </p:spTgt>
-                                        </p:tgtEl>
-                                      </p:cBhvr>
-                                    </p:animEffect>
-                                  </p:childTnLst>
                                 </p:cTn>
                               </p:par>
                             </p:childTnLst>
@@ -27968,17 +26937,197 @@
     </p:tnLst>
     <p:bldLst>
       <p:bldP spid="3" grpId="0" uiExpand="1" build="p" bldLvl="2"/>
-      <p:bldP spid="11" grpId="0" animBg="1"/>
       <p:bldP spid="12" grpId="0" animBg="1"/>
       <p:bldP spid="13" grpId="0" animBg="1"/>
-      <p:bldP spid="9" grpId="0" animBg="1"/>
-      <p:bldP spid="8" grpId="0" animBg="1"/>
+      <p:bldP spid="10" grpId="0" animBg="1"/>
     </p:bldLst>
   </p:timing>
 </p:sld>
 </file>
 
 <file path=ppt/slides/slide19.xml><?xml version="1.0" encoding="utf-8"?>
+<p:sld xmlns:a="http://schemas.openxmlformats.org/drawingml/2006/main" xmlns:r="http://schemas.openxmlformats.org/officeDocument/2006/relationships" xmlns:p="http://schemas.openxmlformats.org/presentationml/2006/main">
+  <p:cSld>
+    <p:spTree>
+      <p:nvGrpSpPr>
+        <p:cNvPr id="1" name=""/>
+        <p:cNvGrpSpPr/>
+        <p:nvPr/>
+      </p:nvGrpSpPr>
+      <p:grpSpPr>
+        <a:xfrm>
+          <a:off x="0" y="0"/>
+          <a:ext cx="0" cy="0"/>
+          <a:chOff x="0" y="0"/>
+          <a:chExt cx="0" cy="0"/>
+        </a:xfrm>
+      </p:grpSpPr>
+      <p:sp>
+        <p:nvSpPr>
+          <p:cNvPr id="8" name="Title 7">
+            <a:extLst>
+              <a:ext uri="{FF2B5EF4-FFF2-40B4-BE49-F238E27FC236}">
+                <a16:creationId xmlns:a16="http://schemas.microsoft.com/office/drawing/2014/main" id="{A8F77100-4B74-5BB2-6BC2-978BF012A130}"/>
+              </a:ext>
+            </a:extLst>
+          </p:cNvPr>
+          <p:cNvSpPr>
+            <a:spLocks noGrp="1"/>
+          </p:cNvSpPr>
+          <p:nvPr>
+            <p:ph type="title"/>
+          </p:nvPr>
+        </p:nvSpPr>
+        <p:spPr/>
+        <p:txBody>
+          <a:bodyPr/>
+          <a:lstStyle/>
+          <a:p>
+            <a:r>
+              <a:rPr lang="en-CA" dirty="0"/>
+              <a:t>Outro</a:t>
+            </a:r>
+          </a:p>
+        </p:txBody>
+      </p:sp>
+      <p:sp>
+        <p:nvSpPr>
+          <p:cNvPr id="9" name="Text Placeholder 8">
+            <a:extLst>
+              <a:ext uri="{FF2B5EF4-FFF2-40B4-BE49-F238E27FC236}">
+                <a16:creationId xmlns:a16="http://schemas.microsoft.com/office/drawing/2014/main" id="{59FD6452-0D5F-894F-F226-2D1A8594D355}"/>
+              </a:ext>
+            </a:extLst>
+          </p:cNvPr>
+          <p:cNvSpPr>
+            <a:spLocks noGrp="1"/>
+          </p:cNvSpPr>
+          <p:nvPr>
+            <p:ph type="body" idx="1"/>
+          </p:nvPr>
+        </p:nvSpPr>
+        <p:spPr/>
+        <p:txBody>
+          <a:bodyPr/>
+          <a:lstStyle/>
+          <a:p>
+            <a:endParaRPr lang="en-CA"/>
+          </a:p>
+        </p:txBody>
+      </p:sp>
+      <p:sp>
+        <p:nvSpPr>
+          <p:cNvPr id="5" name="Footer Placeholder 4">
+            <a:extLst>
+              <a:ext uri="{FF2B5EF4-FFF2-40B4-BE49-F238E27FC236}">
+                <a16:creationId xmlns:a16="http://schemas.microsoft.com/office/drawing/2014/main" id="{B5165ADB-E9E8-EB47-9242-24962F7A9F0C}"/>
+              </a:ext>
+            </a:extLst>
+          </p:cNvPr>
+          <p:cNvSpPr>
+            <a:spLocks noGrp="1"/>
+          </p:cNvSpPr>
+          <p:nvPr>
+            <p:ph type="ftr" sz="quarter" idx="11"/>
+          </p:nvPr>
+        </p:nvSpPr>
+        <p:spPr/>
+        <p:txBody>
+          <a:bodyPr/>
+          <a:lstStyle/>
+          <a:p>
+            <a:r>
+              <a:rPr lang="en-US"/>
+              <a:t>Len Popp – https://lenp.net/presentations/</a:t>
+            </a:r>
+            <a:endParaRPr lang="en-US" dirty="0"/>
+          </a:p>
+        </p:txBody>
+      </p:sp>
+      <p:sp>
+        <p:nvSpPr>
+          <p:cNvPr id="6" name="Date Placeholder 5">
+            <a:extLst>
+              <a:ext uri="{FF2B5EF4-FFF2-40B4-BE49-F238E27FC236}">
+                <a16:creationId xmlns:a16="http://schemas.microsoft.com/office/drawing/2014/main" id="{40D73181-EC0C-3630-8FD4-5D78A0DFC990}"/>
+              </a:ext>
+            </a:extLst>
+          </p:cNvPr>
+          <p:cNvSpPr>
+            <a:spLocks noGrp="1"/>
+          </p:cNvSpPr>
+          <p:nvPr>
+            <p:ph type="dt" sz="half" idx="10"/>
+          </p:nvPr>
+        </p:nvSpPr>
+        <p:spPr/>
+        <p:txBody>
+          <a:bodyPr/>
+          <a:lstStyle/>
+          <a:p>
+            <a:r>
+              <a:rPr lang="en-US"/>
+              <a:t>2024-10-08</a:t>
+            </a:r>
+            <a:endParaRPr lang="en-US" dirty="0"/>
+          </a:p>
+        </p:txBody>
+      </p:sp>
+      <p:sp>
+        <p:nvSpPr>
+          <p:cNvPr id="7" name="Slide Number Placeholder 6">
+            <a:extLst>
+              <a:ext uri="{FF2B5EF4-FFF2-40B4-BE49-F238E27FC236}">
+                <a16:creationId xmlns:a16="http://schemas.microsoft.com/office/drawing/2014/main" id="{AA09307F-4F5E-B20D-3D2E-E689E01DCAE6}"/>
+              </a:ext>
+            </a:extLst>
+          </p:cNvPr>
+          <p:cNvSpPr>
+            <a:spLocks noGrp="1"/>
+          </p:cNvSpPr>
+          <p:nvPr>
+            <p:ph type="sldNum" sz="quarter" idx="12"/>
+          </p:nvPr>
+        </p:nvSpPr>
+        <p:spPr/>
+        <p:txBody>
+          <a:bodyPr/>
+          <a:lstStyle/>
+          <a:p>
+            <a:fld id="{6D22F896-40B5-4ADD-8801-0D06FADFA095}" type="slidenum">
+              <a:rPr lang="en-US" smtClean="0"/>
+              <a:t>19</a:t>
+            </a:fld>
+            <a:endParaRPr lang="en-US" dirty="0"/>
+          </a:p>
+        </p:txBody>
+      </p:sp>
+    </p:spTree>
+    <p:extLst>
+      <p:ext uri="{BB962C8B-B14F-4D97-AF65-F5344CB8AC3E}">
+        <p14:creationId xmlns:p14="http://schemas.microsoft.com/office/powerpoint/2010/main" val="907805041"/>
+      </p:ext>
+    </p:extLst>
+  </p:cSld>
+  <p:clrMapOvr>
+    <a:masterClrMapping/>
+  </p:clrMapOvr>
+  <mc:AlternateContent xmlns:mc="http://schemas.openxmlformats.org/markup-compatibility/2006" xmlns:p14="http://schemas.microsoft.com/office/powerpoint/2010/main">
+    <mc:Choice Requires="p14">
+      <p:transition p14:dur="250">
+        <p:fade/>
+      </p:transition>
+    </mc:Choice>
+    <mc:Fallback xmlns="">
+      <p:transition>
+        <p:fade/>
+      </p:transition>
+    </mc:Fallback>
+  </mc:AlternateContent>
+</p:sld>
+</file>
+
+<file path=ppt/slides/slide2.xml><?xml version="1.0" encoding="utf-8"?>
 <p:sld xmlns:a="http://schemas.openxmlformats.org/drawingml/2006/main" xmlns:r="http://schemas.openxmlformats.org/officeDocument/2006/relationships" xmlns:p="http://schemas.openxmlformats.org/presentationml/2006/main" showMasterPhAnim="0">
   <p:cSld>
     <p:spTree>
@@ -27997,10 +27146,10 @@
       </p:grpSpPr>
       <p:sp>
         <p:nvSpPr>
-          <p:cNvPr id="2" name="Title 1">
+          <p:cNvPr id="7" name="Title 6">
             <a:extLst>
               <a:ext uri="{FF2B5EF4-FFF2-40B4-BE49-F238E27FC236}">
-                <a16:creationId xmlns:a16="http://schemas.microsoft.com/office/drawing/2014/main" id="{84143923-FBA3-DCC3-C515-7E805A3AF3C1}"/>
+                <a16:creationId xmlns:a16="http://schemas.microsoft.com/office/drawing/2014/main" id="{27F1B507-70EF-E8B3-7029-D5C67E377BA1}"/>
               </a:ext>
             </a:extLst>
           </p:cNvPr>
@@ -28011,24 +27160,29 @@
             <p:ph type="title"/>
           </p:nvPr>
         </p:nvSpPr>
-        <p:spPr/>
+        <p:spPr>
+          <a:xfrm>
+            <a:off x="1141412" y="2137893"/>
+            <a:ext cx="6315510" cy="853502"/>
+          </a:xfrm>
+        </p:spPr>
         <p:txBody>
           <a:bodyPr/>
           <a:lstStyle/>
           <a:p>
             <a:r>
               <a:rPr lang="en-CA" dirty="0"/>
-              <a:t>Task Scheduler (cont.)</a:t>
+              <a:t>Len Popp</a:t>
             </a:r>
           </a:p>
         </p:txBody>
       </p:sp>
       <p:sp>
         <p:nvSpPr>
-          <p:cNvPr id="3" name="Text Placeholder 2">
+          <p:cNvPr id="8" name="Text Placeholder 7">
             <a:extLst>
               <a:ext uri="{FF2B5EF4-FFF2-40B4-BE49-F238E27FC236}">
-                <a16:creationId xmlns:a16="http://schemas.microsoft.com/office/drawing/2014/main" id="{7806B81A-30E2-51DA-16AE-1C9F3AAABA48}"/>
+                <a16:creationId xmlns:a16="http://schemas.microsoft.com/office/drawing/2014/main" id="{A84DA69B-45B2-174B-2BC4-B9CE006BFF6B}"/>
               </a:ext>
             </a:extLst>
           </p:cNvPr>
@@ -28039,993 +27193,36 @@
             <p:ph type="body" sz="half" idx="2"/>
           </p:nvPr>
         </p:nvSpPr>
-        <p:spPr/>
+        <p:spPr>
+          <a:xfrm>
+            <a:off x="1141365" y="3191032"/>
+            <a:ext cx="6315511" cy="2492605"/>
+          </a:xfrm>
+        </p:spPr>
         <p:txBody>
           <a:bodyPr/>
           <a:lstStyle/>
           <a:p>
-            <a:pPr marL="285750" indent="-285750">
-              <a:buFont typeface="Arial" panose="020B0604020202020204" pitchFamily="34" charset="0"/>
-              <a:buChar char="•"/>
-            </a:pPr>
             <a:r>
               <a:rPr lang="en-CA" dirty="0"/>
-              <a:t>Implements the </a:t>
-            </a:r>
-            <a:r>
-              <a:rPr lang="en-CA" sz="1200" dirty="0" err="1">
-                <a:solidFill>
-                  <a:schemeClr val="bg2"/>
-                </a:solidFill>
-                <a:highlight>
-                  <a:srgbClr val="FFFFFF"/>
-                </a:highlight>
-                <a:latin typeface="Hack" panose="020B0609030202020204" pitchFamily="49" charset="0"/>
-                <a:ea typeface="Hack" panose="020B0609030202020204" pitchFamily="49" charset="0"/>
-                <a:cs typeface="Hack" panose="020B0609030202020204" pitchFamily="49" charset="0"/>
+              <a:t>Retired Software Guy,</a:t>
+            </a:r>
+            <a:br>
+              <a:rPr lang="en-CA" dirty="0"/>
+            </a:br>
+            <a:r>
+              <a:rPr lang="en-CA" dirty="0"/>
+              <a:t>Software &amp; Hardware Hobbyist</a:t>
+            </a:r>
+          </a:p>
+          <a:p>
+            <a:r>
+              <a:rPr lang="en-CA" dirty="0">
+                <a:hlinkClick r:id="rId3"/>
               </a:rPr>
-              <a:t>initAll</a:t>
-            </a:r>
-            <a:r>
-              <a:rPr lang="en-CA" dirty="0"/>
-              <a:t> and </a:t>
-            </a:r>
-            <a:r>
-              <a:rPr lang="en-CA" sz="1200" dirty="0" err="1">
-                <a:solidFill>
-                  <a:schemeClr val="bg2"/>
-                </a:solidFill>
-                <a:highlight>
-                  <a:srgbClr val="FFFFFF"/>
-                </a:highlight>
-                <a:latin typeface="Hack" panose="020B0609030202020204" pitchFamily="49" charset="0"/>
-                <a:ea typeface="Hack" panose="020B0609030202020204" pitchFamily="49" charset="0"/>
-                <a:cs typeface="Hack" panose="020B0609030202020204" pitchFamily="49" charset="0"/>
-              </a:rPr>
-              <a:t>runAll</a:t>
-            </a:r>
-            <a:r>
-              <a:rPr lang="en-CA" dirty="0"/>
-              <a:t> functions</a:t>
-            </a:r>
-          </a:p>
-        </p:txBody>
-      </p:sp>
-      <p:sp>
-        <p:nvSpPr>
-          <p:cNvPr id="4" name="Text Placeholder 3">
-            <a:extLst>
-              <a:ext uri="{FF2B5EF4-FFF2-40B4-BE49-F238E27FC236}">
-                <a16:creationId xmlns:a16="http://schemas.microsoft.com/office/drawing/2014/main" id="{76546FCC-D1E8-6B31-0620-CC3A62FE6F24}"/>
-              </a:ext>
-            </a:extLst>
-          </p:cNvPr>
-          <p:cNvSpPr>
-            <a:spLocks noGrp="1"/>
-          </p:cNvSpPr>
-          <p:nvPr>
-            <p:ph type="body" sz="quarter" idx="13"/>
-          </p:nvPr>
-        </p:nvSpPr>
-        <p:spPr/>
-        <p:txBody>
-          <a:bodyPr>
-            <a:normAutofit lnSpcReduction="10000"/>
-          </a:bodyPr>
-          <a:lstStyle/>
-          <a:p>
-            <a:r>
-              <a:rPr lang="en-CA" b="0" dirty="0">
-                <a:solidFill>
-                  <a:srgbClr val="0000FF"/>
-                </a:solidFill>
-                <a:effectLst/>
-                <a:highlight>
-                  <a:srgbClr val="FFFFFF"/>
-                </a:highlight>
-                <a:latin typeface="Hack" panose="020B0609030202020204" pitchFamily="49" charset="0"/>
-              </a:rPr>
-              <a:t>template</a:t>
-            </a:r>
-            <a:r>
-              <a:rPr lang="en-CA" b="0" dirty="0">
-                <a:solidFill>
-                  <a:srgbClr val="000000"/>
-                </a:solidFill>
-                <a:effectLst/>
-                <a:highlight>
-                  <a:srgbClr val="FFFFFF"/>
-                </a:highlight>
-                <a:latin typeface="Hack" panose="020B0609030202020204" pitchFamily="49" charset="0"/>
-              </a:rPr>
-              <a:t>&lt;</a:t>
-            </a:r>
-            <a:r>
-              <a:rPr lang="en-CA" b="0" dirty="0" err="1">
-                <a:solidFill>
-                  <a:srgbClr val="0000FF"/>
-                </a:solidFill>
-                <a:effectLst/>
-                <a:highlight>
-                  <a:srgbClr val="FFFFFF"/>
-                </a:highlight>
-                <a:latin typeface="Hack" panose="020B0609030202020204" pitchFamily="49" charset="0"/>
-              </a:rPr>
-              <a:t>typename</a:t>
-            </a:r>
-            <a:r>
-              <a:rPr lang="en-CA" b="0" dirty="0">
-                <a:solidFill>
-                  <a:srgbClr val="000000"/>
-                </a:solidFill>
-                <a:effectLst/>
-                <a:highlight>
-                  <a:srgbClr val="FFFFFF"/>
-                </a:highlight>
-                <a:latin typeface="Hack" panose="020B0609030202020204" pitchFamily="49" charset="0"/>
-              </a:rPr>
-              <a:t>... TASKS&gt;</a:t>
-            </a:r>
-          </a:p>
-          <a:p>
-            <a:r>
-              <a:rPr lang="en-CA" b="0" dirty="0">
-                <a:solidFill>
-                  <a:srgbClr val="0000FF"/>
-                </a:solidFill>
-                <a:effectLst/>
-                <a:highlight>
-                  <a:srgbClr val="FFFFFF"/>
-                </a:highlight>
-                <a:latin typeface="Hack" panose="020B0609030202020204" pitchFamily="49" charset="0"/>
-              </a:rPr>
-              <a:t>class</a:t>
-            </a:r>
-            <a:r>
-              <a:rPr lang="en-CA" b="0" dirty="0">
-                <a:solidFill>
-                  <a:srgbClr val="000000"/>
-                </a:solidFill>
-                <a:effectLst/>
-                <a:highlight>
-                  <a:srgbClr val="FFFFFF"/>
-                </a:highlight>
-                <a:latin typeface="Hack" panose="020B0609030202020204" pitchFamily="49" charset="0"/>
-              </a:rPr>
-              <a:t> </a:t>
-            </a:r>
-            <a:r>
-              <a:rPr lang="en-CA" b="0" dirty="0" err="1">
-                <a:solidFill>
-                  <a:srgbClr val="000000"/>
-                </a:solidFill>
-                <a:effectLst/>
-                <a:highlight>
-                  <a:srgbClr val="FFFFFF"/>
-                </a:highlight>
-                <a:latin typeface="Hack" panose="020B0609030202020204" pitchFamily="49" charset="0"/>
-              </a:rPr>
-              <a:t>TaskList</a:t>
-            </a:r>
-            <a:endParaRPr lang="en-CA" b="0" dirty="0">
-              <a:solidFill>
-                <a:srgbClr val="000000"/>
-              </a:solidFill>
-              <a:effectLst/>
-              <a:highlight>
-                <a:srgbClr val="FFFFFF"/>
-              </a:highlight>
-              <a:latin typeface="Hack" panose="020B0609030202020204" pitchFamily="49" charset="0"/>
-            </a:endParaRPr>
-          </a:p>
-          <a:p>
-            <a:r>
-              <a:rPr lang="en-CA" b="0" dirty="0">
-                <a:solidFill>
-                  <a:srgbClr val="000000"/>
-                </a:solidFill>
-                <a:effectLst/>
-                <a:highlight>
-                  <a:srgbClr val="FFFFFF"/>
-                </a:highlight>
-                <a:latin typeface="Hack" panose="020B0609030202020204" pitchFamily="49" charset="0"/>
-              </a:rPr>
-              <a:t>{</a:t>
-            </a:r>
-          </a:p>
-          <a:p>
-            <a:r>
-              <a:rPr lang="en-CA" b="0" dirty="0">
-                <a:solidFill>
-                  <a:srgbClr val="0000FF"/>
-                </a:solidFill>
-                <a:effectLst/>
-                <a:highlight>
-                  <a:srgbClr val="FFFFFF"/>
-                </a:highlight>
-                <a:latin typeface="Hack" panose="020B0609030202020204" pitchFamily="49" charset="0"/>
-              </a:rPr>
-              <a:t>public:</a:t>
-            </a:r>
-            <a:endParaRPr lang="en-CA" b="0" dirty="0">
-              <a:solidFill>
-                <a:srgbClr val="000000"/>
-              </a:solidFill>
-              <a:effectLst/>
-              <a:highlight>
-                <a:srgbClr val="FFFFFF"/>
-              </a:highlight>
-              <a:latin typeface="Hack" panose="020B0609030202020204" pitchFamily="49" charset="0"/>
-            </a:endParaRPr>
-          </a:p>
-          <a:p>
-            <a:r>
-              <a:rPr lang="en-CA" b="0" dirty="0">
-                <a:solidFill>
-                  <a:srgbClr val="000000"/>
-                </a:solidFill>
-                <a:effectLst/>
-                <a:highlight>
-                  <a:srgbClr val="FFFFFF"/>
-                </a:highlight>
-                <a:latin typeface="Hack" panose="020B0609030202020204" pitchFamily="49" charset="0"/>
-              </a:rPr>
-              <a:t>    </a:t>
-            </a:r>
-            <a:r>
-              <a:rPr lang="en-CA" b="0" dirty="0" err="1">
-                <a:solidFill>
-                  <a:srgbClr val="0000FF"/>
-                </a:solidFill>
-                <a:effectLst/>
-                <a:highlight>
-                  <a:srgbClr val="FFFFFF"/>
-                </a:highlight>
-                <a:latin typeface="Hack" panose="020B0609030202020204" pitchFamily="49" charset="0"/>
-              </a:rPr>
-              <a:t>consteval</a:t>
-            </a:r>
-            <a:r>
-              <a:rPr lang="en-CA" b="0" dirty="0">
-                <a:solidFill>
-                  <a:srgbClr val="000000"/>
-                </a:solidFill>
-                <a:effectLst/>
-                <a:highlight>
-                  <a:srgbClr val="FFFFFF"/>
-                </a:highlight>
-                <a:latin typeface="Hack" panose="020B0609030202020204" pitchFamily="49" charset="0"/>
-              </a:rPr>
-              <a:t> </a:t>
-            </a:r>
-            <a:r>
-              <a:rPr lang="en-CA" b="0" dirty="0" err="1">
-                <a:solidFill>
-                  <a:srgbClr val="000000"/>
-                </a:solidFill>
-                <a:effectLst/>
-                <a:highlight>
-                  <a:srgbClr val="FFFFFF"/>
-                </a:highlight>
-                <a:latin typeface="Hack" panose="020B0609030202020204" pitchFamily="49" charset="0"/>
-              </a:rPr>
-              <a:t>TaskList</a:t>
-            </a:r>
-            <a:r>
-              <a:rPr lang="en-CA" b="0" dirty="0">
-                <a:solidFill>
-                  <a:srgbClr val="000000"/>
-                </a:solidFill>
-                <a:effectLst/>
-                <a:highlight>
-                  <a:srgbClr val="FFFFFF"/>
-                </a:highlight>
-                <a:latin typeface="Hack" panose="020B0609030202020204" pitchFamily="49" charset="0"/>
-              </a:rPr>
-              <a:t>() </a:t>
-            </a:r>
-            <a:r>
-              <a:rPr lang="en-CA" b="0" dirty="0">
-                <a:solidFill>
-                  <a:srgbClr val="008000"/>
-                </a:solidFill>
-                <a:effectLst/>
-                <a:highlight>
-                  <a:srgbClr val="FFFFFF"/>
-                </a:highlight>
-                <a:latin typeface="Hack" panose="020B0609030202020204" pitchFamily="49" charset="0"/>
-              </a:rPr>
-              <a:t>/* ... */</a:t>
-            </a:r>
-            <a:endParaRPr lang="en-CA" b="0" dirty="0">
-              <a:solidFill>
-                <a:srgbClr val="000000"/>
-              </a:solidFill>
-              <a:effectLst/>
-              <a:highlight>
-                <a:srgbClr val="FFFFFF"/>
-              </a:highlight>
-              <a:latin typeface="Hack" panose="020B0609030202020204" pitchFamily="49" charset="0"/>
-            </a:endParaRPr>
-          </a:p>
-          <a:p>
-            <a:br>
-              <a:rPr lang="en-CA" b="0" dirty="0">
-                <a:solidFill>
-                  <a:srgbClr val="000000"/>
-                </a:solidFill>
-                <a:effectLst/>
-                <a:highlight>
-                  <a:srgbClr val="FFFFFF"/>
-                </a:highlight>
-                <a:latin typeface="Hack" panose="020B0609030202020204" pitchFamily="49" charset="0"/>
-              </a:rPr>
-            </a:br>
-            <a:r>
-              <a:rPr lang="en-CA" b="0" dirty="0">
-                <a:solidFill>
-                  <a:srgbClr val="000000"/>
-                </a:solidFill>
-                <a:effectLst/>
-                <a:highlight>
-                  <a:srgbClr val="FFFFFF"/>
-                </a:highlight>
-                <a:latin typeface="Hack" panose="020B0609030202020204" pitchFamily="49" charset="0"/>
-              </a:rPr>
-              <a:t>    </a:t>
-            </a:r>
-            <a:r>
-              <a:rPr lang="en-CA" b="0" dirty="0">
-                <a:solidFill>
-                  <a:srgbClr val="0000FF"/>
-                </a:solidFill>
-                <a:effectLst/>
-                <a:highlight>
-                  <a:srgbClr val="FFFFFF"/>
-                </a:highlight>
-                <a:latin typeface="Hack" panose="020B0609030202020204" pitchFamily="49" charset="0"/>
-              </a:rPr>
-              <a:t>void</a:t>
-            </a:r>
-            <a:r>
-              <a:rPr lang="en-CA" b="0" dirty="0">
-                <a:solidFill>
-                  <a:srgbClr val="000000"/>
-                </a:solidFill>
-                <a:effectLst/>
-                <a:highlight>
-                  <a:srgbClr val="FFFFFF"/>
-                </a:highlight>
-                <a:latin typeface="Hack" panose="020B0609030202020204" pitchFamily="49" charset="0"/>
-              </a:rPr>
-              <a:t> </a:t>
-            </a:r>
-            <a:r>
-              <a:rPr lang="en-CA" b="0" dirty="0" err="1">
-                <a:solidFill>
-                  <a:srgbClr val="000000"/>
-                </a:solidFill>
-                <a:effectLst/>
-                <a:highlight>
-                  <a:srgbClr val="FFFFFF"/>
-                </a:highlight>
-                <a:latin typeface="Hack" panose="020B0609030202020204" pitchFamily="49" charset="0"/>
-              </a:rPr>
-              <a:t>initAll</a:t>
-            </a:r>
-            <a:r>
-              <a:rPr lang="en-CA" b="0" dirty="0">
-                <a:solidFill>
-                  <a:srgbClr val="000000"/>
-                </a:solidFill>
-                <a:effectLst/>
-                <a:highlight>
-                  <a:srgbClr val="FFFFFF"/>
-                </a:highlight>
-                <a:latin typeface="Hack" panose="020B0609030202020204" pitchFamily="49" charset="0"/>
-              </a:rPr>
-              <a:t>() </a:t>
-            </a:r>
-            <a:r>
-              <a:rPr lang="en-CA" b="0" dirty="0">
-                <a:solidFill>
-                  <a:srgbClr val="0000FF"/>
-                </a:solidFill>
-                <a:effectLst/>
-                <a:highlight>
-                  <a:srgbClr val="FFFFFF"/>
-                </a:highlight>
-                <a:latin typeface="Hack" panose="020B0609030202020204" pitchFamily="49" charset="0"/>
-              </a:rPr>
-              <a:t>const</a:t>
-            </a:r>
-            <a:endParaRPr lang="en-CA" b="0" dirty="0">
-              <a:solidFill>
-                <a:srgbClr val="000000"/>
-              </a:solidFill>
-              <a:effectLst/>
-              <a:highlight>
-                <a:srgbClr val="FFFFFF"/>
-              </a:highlight>
-              <a:latin typeface="Hack" panose="020B0609030202020204" pitchFamily="49" charset="0"/>
-            </a:endParaRPr>
-          </a:p>
-          <a:p>
-            <a:r>
-              <a:rPr lang="en-CA" b="0" dirty="0">
-                <a:solidFill>
-                  <a:srgbClr val="000000"/>
-                </a:solidFill>
-                <a:effectLst/>
-                <a:highlight>
-                  <a:srgbClr val="FFFFFF"/>
-                </a:highlight>
-                <a:latin typeface="Hack" panose="020B0609030202020204" pitchFamily="49" charset="0"/>
-              </a:rPr>
-              <a:t>    {</a:t>
-            </a:r>
-          </a:p>
-          <a:p>
-            <a:r>
-              <a:rPr lang="en-CA" b="0" dirty="0">
-                <a:solidFill>
-                  <a:srgbClr val="000000"/>
-                </a:solidFill>
-                <a:effectLst/>
-                <a:highlight>
-                  <a:srgbClr val="FFFFFF"/>
-                </a:highlight>
-                <a:latin typeface="Hack" panose="020B0609030202020204" pitchFamily="49" charset="0"/>
-              </a:rPr>
-              <a:t>        </a:t>
-            </a:r>
-            <a:r>
-              <a:rPr lang="en-CA" b="0" dirty="0">
-                <a:solidFill>
-                  <a:srgbClr val="0000FF"/>
-                </a:solidFill>
-                <a:effectLst/>
-                <a:highlight>
-                  <a:srgbClr val="FFFFFF"/>
-                </a:highlight>
-                <a:latin typeface="Hack" panose="020B0609030202020204" pitchFamily="49" charset="0"/>
-              </a:rPr>
-              <a:t>for</a:t>
-            </a:r>
-            <a:r>
-              <a:rPr lang="en-CA" b="0" dirty="0">
-                <a:solidFill>
-                  <a:srgbClr val="000000"/>
-                </a:solidFill>
-                <a:effectLst/>
-                <a:highlight>
-                  <a:srgbClr val="FFFFFF"/>
-                </a:highlight>
-                <a:latin typeface="Hack" panose="020B0609030202020204" pitchFamily="49" charset="0"/>
-              </a:rPr>
-              <a:t> (</a:t>
-            </a:r>
-            <a:r>
-              <a:rPr lang="en-CA" b="0" dirty="0">
-                <a:solidFill>
-                  <a:srgbClr val="0000FF"/>
-                </a:solidFill>
-                <a:effectLst/>
-                <a:highlight>
-                  <a:srgbClr val="FFFFFF"/>
-                </a:highlight>
-                <a:latin typeface="Hack" panose="020B0609030202020204" pitchFamily="49" charset="0"/>
-              </a:rPr>
-              <a:t>auto</a:t>
-            </a:r>
-            <a:r>
-              <a:rPr lang="en-CA" b="0" dirty="0">
-                <a:solidFill>
-                  <a:srgbClr val="000000"/>
-                </a:solidFill>
-                <a:effectLst/>
-                <a:highlight>
-                  <a:srgbClr val="FFFFFF"/>
-                </a:highlight>
-                <a:latin typeface="Hack" panose="020B0609030202020204" pitchFamily="49" charset="0"/>
-              </a:rPr>
-              <a:t>&amp;&amp; task : tasks) {</a:t>
-            </a:r>
-          </a:p>
-          <a:p>
-            <a:r>
-              <a:rPr lang="en-CA" b="0" dirty="0">
-                <a:solidFill>
-                  <a:srgbClr val="000000"/>
-                </a:solidFill>
-                <a:effectLst/>
-                <a:highlight>
-                  <a:srgbClr val="FFFFFF"/>
-                </a:highlight>
-                <a:latin typeface="Hack" panose="020B0609030202020204" pitchFamily="49" charset="0"/>
-              </a:rPr>
-              <a:t>            task-&gt;</a:t>
-            </a:r>
-            <a:r>
-              <a:rPr lang="en-CA" b="0" dirty="0" err="1">
-                <a:solidFill>
-                  <a:srgbClr val="000000"/>
-                </a:solidFill>
-                <a:effectLst/>
-                <a:highlight>
-                  <a:srgbClr val="FFFFFF"/>
-                </a:highlight>
-                <a:latin typeface="Hack" panose="020B0609030202020204" pitchFamily="49" charset="0"/>
-              </a:rPr>
-              <a:t>init</a:t>
-            </a:r>
-            <a:r>
-              <a:rPr lang="en-CA" b="0" dirty="0">
-                <a:solidFill>
-                  <a:srgbClr val="000000"/>
-                </a:solidFill>
-                <a:effectLst/>
-                <a:highlight>
-                  <a:srgbClr val="FFFFFF"/>
-                </a:highlight>
-                <a:latin typeface="Hack" panose="020B0609030202020204" pitchFamily="49" charset="0"/>
-              </a:rPr>
-              <a:t>();</a:t>
-            </a:r>
-          </a:p>
-          <a:p>
-            <a:r>
-              <a:rPr lang="en-CA" b="0" dirty="0">
-                <a:solidFill>
-                  <a:srgbClr val="000000"/>
-                </a:solidFill>
-                <a:effectLst/>
-                <a:highlight>
-                  <a:srgbClr val="FFFFFF"/>
-                </a:highlight>
-                <a:latin typeface="Hack" panose="020B0609030202020204" pitchFamily="49" charset="0"/>
-              </a:rPr>
-              <a:t>        }</a:t>
-            </a:r>
-          </a:p>
-          <a:p>
-            <a:r>
-              <a:rPr lang="en-CA" b="0" dirty="0">
-                <a:solidFill>
-                  <a:srgbClr val="000000"/>
-                </a:solidFill>
-                <a:effectLst/>
-                <a:highlight>
-                  <a:srgbClr val="FFFFFF"/>
-                </a:highlight>
-                <a:latin typeface="Hack" panose="020B0609030202020204" pitchFamily="49" charset="0"/>
-              </a:rPr>
-              <a:t>    };</a:t>
-            </a:r>
-          </a:p>
-          <a:p>
-            <a:br>
-              <a:rPr lang="en-CA" b="0" dirty="0">
-                <a:solidFill>
-                  <a:srgbClr val="000000"/>
-                </a:solidFill>
-                <a:effectLst/>
-                <a:highlight>
-                  <a:srgbClr val="FFFFFF"/>
-                </a:highlight>
-                <a:latin typeface="Hack" panose="020B0609030202020204" pitchFamily="49" charset="0"/>
-              </a:rPr>
-            </a:br>
-            <a:r>
-              <a:rPr lang="en-CA" b="0" dirty="0">
-                <a:solidFill>
-                  <a:srgbClr val="000000"/>
-                </a:solidFill>
-                <a:effectLst/>
-                <a:highlight>
-                  <a:srgbClr val="FFFFFF"/>
-                </a:highlight>
-                <a:latin typeface="Hack" panose="020B0609030202020204" pitchFamily="49" charset="0"/>
-              </a:rPr>
-              <a:t>    </a:t>
-            </a:r>
-            <a:r>
-              <a:rPr lang="en-CA" b="0" dirty="0">
-                <a:solidFill>
-                  <a:srgbClr val="0000FF"/>
-                </a:solidFill>
-                <a:effectLst/>
-                <a:highlight>
-                  <a:srgbClr val="FFFFFF"/>
-                </a:highlight>
-                <a:latin typeface="Hack" panose="020B0609030202020204" pitchFamily="49" charset="0"/>
-              </a:rPr>
-              <a:t>void</a:t>
-            </a:r>
-            <a:r>
-              <a:rPr lang="en-CA" b="0" dirty="0">
-                <a:solidFill>
-                  <a:srgbClr val="000000"/>
-                </a:solidFill>
-                <a:effectLst/>
-                <a:highlight>
-                  <a:srgbClr val="FFFFFF"/>
-                </a:highlight>
-                <a:latin typeface="Hack" panose="020B0609030202020204" pitchFamily="49" charset="0"/>
-              </a:rPr>
-              <a:t> </a:t>
-            </a:r>
-            <a:r>
-              <a:rPr lang="en-CA" b="0" dirty="0" err="1">
-                <a:solidFill>
-                  <a:srgbClr val="000000"/>
-                </a:solidFill>
-                <a:effectLst/>
-                <a:highlight>
-                  <a:srgbClr val="FFFFFF"/>
-                </a:highlight>
-                <a:latin typeface="Hack" panose="020B0609030202020204" pitchFamily="49" charset="0"/>
-              </a:rPr>
-              <a:t>runAll</a:t>
-            </a:r>
-            <a:r>
-              <a:rPr lang="en-CA" b="0" dirty="0">
-                <a:solidFill>
-                  <a:srgbClr val="000000"/>
-                </a:solidFill>
-                <a:effectLst/>
-                <a:highlight>
-                  <a:srgbClr val="FFFFFF"/>
-                </a:highlight>
-                <a:latin typeface="Hack" panose="020B0609030202020204" pitchFamily="49" charset="0"/>
-              </a:rPr>
-              <a:t>() </a:t>
-            </a:r>
-            <a:r>
-              <a:rPr lang="en-CA" b="0" dirty="0">
-                <a:solidFill>
-                  <a:srgbClr val="0000FF"/>
-                </a:solidFill>
-                <a:effectLst/>
-                <a:highlight>
-                  <a:srgbClr val="FFFFFF"/>
-                </a:highlight>
-                <a:latin typeface="Hack" panose="020B0609030202020204" pitchFamily="49" charset="0"/>
-              </a:rPr>
-              <a:t>const</a:t>
-            </a:r>
-            <a:endParaRPr lang="en-CA" b="0" dirty="0">
-              <a:solidFill>
-                <a:srgbClr val="000000"/>
-              </a:solidFill>
-              <a:effectLst/>
-              <a:highlight>
-                <a:srgbClr val="FFFFFF"/>
-              </a:highlight>
-              <a:latin typeface="Hack" panose="020B0609030202020204" pitchFamily="49" charset="0"/>
-            </a:endParaRPr>
-          </a:p>
-          <a:p>
-            <a:r>
-              <a:rPr lang="en-CA" b="0" dirty="0">
-                <a:solidFill>
-                  <a:srgbClr val="000000"/>
-                </a:solidFill>
-                <a:effectLst/>
-                <a:highlight>
-                  <a:srgbClr val="FFFFFF"/>
-                </a:highlight>
-                <a:latin typeface="Hack" panose="020B0609030202020204" pitchFamily="49" charset="0"/>
-              </a:rPr>
-              <a:t>    {</a:t>
-            </a:r>
-          </a:p>
-          <a:p>
-            <a:r>
-              <a:rPr lang="en-CA" b="0" dirty="0">
-                <a:solidFill>
-                  <a:srgbClr val="000000"/>
-                </a:solidFill>
-                <a:effectLst/>
-                <a:highlight>
-                  <a:srgbClr val="FFFFFF"/>
-                </a:highlight>
-                <a:latin typeface="Hack" panose="020B0609030202020204" pitchFamily="49" charset="0"/>
-              </a:rPr>
-              <a:t>        </a:t>
-            </a:r>
-            <a:r>
-              <a:rPr lang="en-CA" b="0" dirty="0" err="1">
-                <a:solidFill>
-                  <a:srgbClr val="000000"/>
-                </a:solidFill>
-                <a:effectLst/>
-                <a:highlight>
-                  <a:srgbClr val="FFFFFF"/>
-                </a:highlight>
-                <a:latin typeface="Hack" panose="020B0609030202020204" pitchFamily="49" charset="0"/>
-              </a:rPr>
-              <a:t>absolute_time_t</a:t>
-            </a:r>
-            <a:r>
-              <a:rPr lang="en-CA" b="0" dirty="0">
-                <a:solidFill>
-                  <a:srgbClr val="000000"/>
-                </a:solidFill>
-                <a:effectLst/>
-                <a:highlight>
-                  <a:srgbClr val="FFFFFF"/>
-                </a:highlight>
-                <a:latin typeface="Hack" panose="020B0609030202020204" pitchFamily="49" charset="0"/>
-              </a:rPr>
-              <a:t> now = </a:t>
-            </a:r>
-            <a:r>
-              <a:rPr lang="en-CA" b="0" dirty="0" err="1">
-                <a:solidFill>
-                  <a:srgbClr val="000000"/>
-                </a:solidFill>
-                <a:effectLst/>
-                <a:highlight>
-                  <a:srgbClr val="FFFFFF"/>
-                </a:highlight>
-                <a:latin typeface="Hack" panose="020B0609030202020204" pitchFamily="49" charset="0"/>
-              </a:rPr>
-              <a:t>get_absolute_time</a:t>
-            </a:r>
-            <a:r>
-              <a:rPr lang="en-CA" b="0" dirty="0">
-                <a:solidFill>
-                  <a:srgbClr val="000000"/>
-                </a:solidFill>
-                <a:effectLst/>
-                <a:highlight>
-                  <a:srgbClr val="FFFFFF"/>
-                </a:highlight>
-                <a:latin typeface="Hack" panose="020B0609030202020204" pitchFamily="49" charset="0"/>
-              </a:rPr>
-              <a:t>();</a:t>
-            </a:r>
-          </a:p>
-          <a:p>
-            <a:r>
-              <a:rPr lang="en-CA" b="0" dirty="0">
-                <a:solidFill>
-                  <a:srgbClr val="000000"/>
-                </a:solidFill>
-                <a:effectLst/>
-                <a:highlight>
-                  <a:srgbClr val="FFFFFF"/>
-                </a:highlight>
-                <a:latin typeface="Hack" panose="020B0609030202020204" pitchFamily="49" charset="0"/>
-              </a:rPr>
-              <a:t>        </a:t>
-            </a:r>
-            <a:r>
-              <a:rPr lang="en-CA" b="0" dirty="0">
-                <a:solidFill>
-                  <a:srgbClr val="0000FF"/>
-                </a:solidFill>
-                <a:effectLst/>
-                <a:highlight>
-                  <a:srgbClr val="FFFFFF"/>
-                </a:highlight>
-                <a:latin typeface="Hack" panose="020B0609030202020204" pitchFamily="49" charset="0"/>
-              </a:rPr>
-              <a:t>for</a:t>
-            </a:r>
-            <a:r>
-              <a:rPr lang="en-CA" b="0" dirty="0">
-                <a:solidFill>
-                  <a:srgbClr val="000000"/>
-                </a:solidFill>
-                <a:effectLst/>
-                <a:highlight>
-                  <a:srgbClr val="FFFFFF"/>
-                </a:highlight>
-                <a:latin typeface="Hack" panose="020B0609030202020204" pitchFamily="49" charset="0"/>
-              </a:rPr>
-              <a:t> (</a:t>
-            </a:r>
-            <a:r>
-              <a:rPr lang="en-CA" b="0" dirty="0">
-                <a:solidFill>
-                  <a:srgbClr val="0000FF"/>
-                </a:solidFill>
-                <a:effectLst/>
-                <a:highlight>
-                  <a:srgbClr val="FFFFFF"/>
-                </a:highlight>
-                <a:latin typeface="Hack" panose="020B0609030202020204" pitchFamily="49" charset="0"/>
-              </a:rPr>
-              <a:t>auto</a:t>
-            </a:r>
-            <a:r>
-              <a:rPr lang="en-CA" b="0" dirty="0">
-                <a:solidFill>
-                  <a:srgbClr val="000000"/>
-                </a:solidFill>
-                <a:effectLst/>
-                <a:highlight>
-                  <a:srgbClr val="FFFFFF"/>
-                </a:highlight>
-                <a:latin typeface="Hack" panose="020B0609030202020204" pitchFamily="49" charset="0"/>
-              </a:rPr>
-              <a:t>&amp;&amp; task : tasks) {</a:t>
-            </a:r>
-          </a:p>
-          <a:p>
-            <a:r>
-              <a:rPr lang="en-CA" b="0" dirty="0">
-                <a:solidFill>
-                  <a:srgbClr val="000000"/>
-                </a:solidFill>
-                <a:effectLst/>
-                <a:highlight>
-                  <a:srgbClr val="FFFFFF"/>
-                </a:highlight>
-                <a:latin typeface="Hack" panose="020B0609030202020204" pitchFamily="49" charset="0"/>
-              </a:rPr>
-              <a:t>            task-&gt;tick(now);</a:t>
-            </a:r>
-          </a:p>
-          <a:p>
-            <a:r>
-              <a:rPr lang="en-CA" b="0" dirty="0">
-                <a:solidFill>
-                  <a:srgbClr val="000000"/>
-                </a:solidFill>
-                <a:effectLst/>
-                <a:highlight>
-                  <a:srgbClr val="FFFFFF"/>
-                </a:highlight>
-                <a:latin typeface="Hack" panose="020B0609030202020204" pitchFamily="49" charset="0"/>
-              </a:rPr>
-              <a:t>        }</a:t>
-            </a:r>
-          </a:p>
-          <a:p>
-            <a:r>
-              <a:rPr lang="en-CA" b="0" dirty="0">
-                <a:solidFill>
-                  <a:srgbClr val="000000"/>
-                </a:solidFill>
-                <a:effectLst/>
-                <a:highlight>
-                  <a:srgbClr val="FFFFFF"/>
-                </a:highlight>
-                <a:latin typeface="Hack" panose="020B0609030202020204" pitchFamily="49" charset="0"/>
-              </a:rPr>
-              <a:t>    };</a:t>
-            </a:r>
-          </a:p>
-          <a:p>
-            <a:br>
-              <a:rPr lang="en-CA" b="0" dirty="0">
-                <a:solidFill>
-                  <a:srgbClr val="000000"/>
-                </a:solidFill>
-                <a:effectLst/>
-                <a:highlight>
-                  <a:srgbClr val="FFFFFF"/>
-                </a:highlight>
-                <a:latin typeface="Hack" panose="020B0609030202020204" pitchFamily="49" charset="0"/>
-              </a:rPr>
-            </a:br>
-            <a:r>
-              <a:rPr lang="en-CA" b="0" dirty="0">
-                <a:solidFill>
-                  <a:srgbClr val="0000FF"/>
-                </a:solidFill>
-                <a:effectLst/>
-                <a:highlight>
-                  <a:srgbClr val="FFFFFF"/>
-                </a:highlight>
-                <a:latin typeface="Hack" panose="020B0609030202020204" pitchFamily="49" charset="0"/>
-              </a:rPr>
-              <a:t>private:</a:t>
-            </a:r>
-            <a:endParaRPr lang="en-CA" b="0" dirty="0">
-              <a:solidFill>
-                <a:srgbClr val="000000"/>
-              </a:solidFill>
-              <a:effectLst/>
-              <a:highlight>
-                <a:srgbClr val="FFFFFF"/>
-              </a:highlight>
-              <a:latin typeface="Hack" panose="020B0609030202020204" pitchFamily="49" charset="0"/>
-            </a:endParaRPr>
-          </a:p>
-          <a:p>
-            <a:r>
-              <a:rPr lang="en-CA" b="0" dirty="0">
-                <a:solidFill>
-                  <a:srgbClr val="000000"/>
-                </a:solidFill>
-                <a:effectLst/>
-                <a:highlight>
-                  <a:srgbClr val="FFFFFF"/>
-                </a:highlight>
-                <a:latin typeface="Hack" panose="020B0609030202020204" pitchFamily="49" charset="0"/>
-              </a:rPr>
-              <a:t>    Task* tasks[</a:t>
-            </a:r>
-            <a:r>
-              <a:rPr lang="en-CA" b="0" dirty="0" err="1">
-                <a:solidFill>
-                  <a:srgbClr val="0000FF"/>
-                </a:solidFill>
-                <a:effectLst/>
-                <a:highlight>
-                  <a:srgbClr val="FFFFFF"/>
-                </a:highlight>
-                <a:latin typeface="Hack" panose="020B0609030202020204" pitchFamily="49" charset="0"/>
-              </a:rPr>
-              <a:t>sizeof</a:t>
-            </a:r>
-            <a:r>
-              <a:rPr lang="en-CA" b="0" dirty="0">
-                <a:solidFill>
-                  <a:srgbClr val="0000FF"/>
-                </a:solidFill>
-                <a:effectLst/>
-                <a:highlight>
-                  <a:srgbClr val="FFFFFF"/>
-                </a:highlight>
-                <a:latin typeface="Hack" panose="020B0609030202020204" pitchFamily="49" charset="0"/>
-              </a:rPr>
-              <a:t>...</a:t>
-            </a:r>
-            <a:r>
-              <a:rPr lang="en-CA" b="0" dirty="0">
-                <a:solidFill>
-                  <a:srgbClr val="000000"/>
-                </a:solidFill>
-                <a:effectLst/>
-                <a:highlight>
-                  <a:srgbClr val="FFFFFF"/>
-                </a:highlight>
-                <a:latin typeface="Hack" panose="020B0609030202020204" pitchFamily="49" charset="0"/>
-              </a:rPr>
-              <a:t>(TASKS)];</a:t>
-            </a:r>
-          </a:p>
-          <a:p>
-            <a:r>
-              <a:rPr lang="en-CA" b="0" dirty="0">
-                <a:solidFill>
-                  <a:srgbClr val="000000"/>
-                </a:solidFill>
-                <a:effectLst/>
-                <a:highlight>
-                  <a:srgbClr val="FFFFFF"/>
-                </a:highlight>
-                <a:latin typeface="Hack" panose="020B0609030202020204" pitchFamily="49" charset="0"/>
-              </a:rPr>
-              <a:t>};</a:t>
-            </a:r>
-            <a:br>
-              <a:rPr lang="en-CA" b="0" dirty="0">
-                <a:solidFill>
-                  <a:srgbClr val="000000"/>
-                </a:solidFill>
-                <a:effectLst/>
-                <a:highlight>
-                  <a:srgbClr val="FFFFFF"/>
-                </a:highlight>
-                <a:latin typeface="Hack" panose="020B0609030202020204" pitchFamily="49" charset="0"/>
-              </a:rPr>
-            </a:br>
-            <a:endParaRPr lang="en-CA" b="0" dirty="0">
-              <a:solidFill>
-                <a:srgbClr val="000000"/>
-              </a:solidFill>
-              <a:effectLst/>
-              <a:highlight>
-                <a:srgbClr val="FFFFFF"/>
-              </a:highlight>
-              <a:latin typeface="Hack" panose="020B0609030202020204" pitchFamily="49" charset="0"/>
-            </a:endParaRPr>
+              <a:t>https://lenp.net/</a:t>
+            </a:r>
+            <a:endParaRPr lang="en-CA" dirty="0"/>
           </a:p>
         </p:txBody>
       </p:sp>
@@ -29034,7 +27231,7 @@
           <p:cNvPr id="5" name="Footer Placeholder 4">
             <a:extLst>
               <a:ext uri="{FF2B5EF4-FFF2-40B4-BE49-F238E27FC236}">
-                <a16:creationId xmlns:a16="http://schemas.microsoft.com/office/drawing/2014/main" id="{22629AD1-890E-1CCC-230F-2F90A39D0503}"/>
+                <a16:creationId xmlns:a16="http://schemas.microsoft.com/office/drawing/2014/main" id="{850F3115-32BE-8769-4AF2-BACF793AFF59}"/>
               </a:ext>
             </a:extLst>
           </p:cNvPr>
@@ -29045,7 +27242,12 @@
             <p:ph type="ftr" sz="quarter" idx="11"/>
           </p:nvPr>
         </p:nvSpPr>
-        <p:spPr/>
+        <p:spPr>
+          <a:xfrm>
+            <a:off x="1141411" y="5883275"/>
+            <a:ext cx="6239309" cy="365125"/>
+          </a:xfrm>
+        </p:spPr>
         <p:txBody>
           <a:bodyPr/>
           <a:lstStyle/>
@@ -29060,10 +27262,10 @@
       </p:sp>
       <p:sp>
         <p:nvSpPr>
-          <p:cNvPr id="6" name="Date Placeholder 5">
+          <p:cNvPr id="4" name="Date Placeholder 3">
             <a:extLst>
               <a:ext uri="{FF2B5EF4-FFF2-40B4-BE49-F238E27FC236}">
-                <a16:creationId xmlns:a16="http://schemas.microsoft.com/office/drawing/2014/main" id="{1E33AC0D-64EB-073F-B962-A925E2857800}"/>
+                <a16:creationId xmlns:a16="http://schemas.microsoft.com/office/drawing/2014/main" id="{FAA81F83-FAC6-84E2-344A-C91DE5622DAA}"/>
               </a:ext>
             </a:extLst>
           </p:cNvPr>
@@ -29074,14 +27276,19 @@
             <p:ph type="dt" sz="half" idx="10"/>
           </p:nvPr>
         </p:nvSpPr>
-        <p:spPr/>
+        <p:spPr>
+          <a:xfrm>
+            <a:off x="7456921" y="5883276"/>
+            <a:ext cx="2743200" cy="365125"/>
+          </a:xfrm>
+        </p:spPr>
         <p:txBody>
           <a:bodyPr/>
           <a:lstStyle/>
           <a:p>
             <a:r>
               <a:rPr lang="en-US"/>
-              <a:t>2024-08-20</a:t>
+              <a:t>2024-10-08</a:t>
             </a:r>
             <a:endParaRPr lang="en-US" dirty="0"/>
           </a:p>
@@ -29089,10 +27296,10 @@
       </p:sp>
       <p:sp>
         <p:nvSpPr>
-          <p:cNvPr id="7" name="Slide Number Placeholder 6">
+          <p:cNvPr id="6" name="Slide Number Placeholder 5">
             <a:extLst>
               <a:ext uri="{FF2B5EF4-FFF2-40B4-BE49-F238E27FC236}">
-                <a16:creationId xmlns:a16="http://schemas.microsoft.com/office/drawing/2014/main" id="{0AE11E89-AE1E-39C1-3AD8-F46A1A225554}"/>
+                <a16:creationId xmlns:a16="http://schemas.microsoft.com/office/drawing/2014/main" id="{85FBB39C-4AB8-9090-95AB-CA01F6A4C778}"/>
               </a:ext>
             </a:extLst>
           </p:cNvPr>
@@ -29103,89 +27310,860 @@
             <p:ph type="sldNum" sz="quarter" idx="12"/>
           </p:nvPr>
         </p:nvSpPr>
-        <p:spPr/>
+        <p:spPr>
+          <a:xfrm>
+            <a:off x="10276321" y="5883274"/>
+            <a:ext cx="771089" cy="365125"/>
+          </a:xfrm>
+        </p:spPr>
         <p:txBody>
           <a:bodyPr/>
           <a:lstStyle/>
           <a:p>
             <a:fld id="{6D22F896-40B5-4ADD-8801-0D06FADFA095}" type="slidenum">
               <a:rPr lang="en-US" smtClean="0"/>
-              <a:t>19</a:t>
+              <a:pPr/>
+              <a:t>2</a:t>
             </a:fld>
             <a:endParaRPr lang="en-US" dirty="0"/>
           </a:p>
         </p:txBody>
       </p:sp>
-      <p:sp>
-        <p:nvSpPr>
-          <p:cNvPr id="8" name="Rectangle: Rounded Corners 7">
+      <p:pic>
+        <p:nvPicPr>
+          <p:cNvPr id="14" name="Picture Placeholder 13">
             <a:extLst>
               <a:ext uri="{FF2B5EF4-FFF2-40B4-BE49-F238E27FC236}">
-                <a16:creationId xmlns:a16="http://schemas.microsoft.com/office/drawing/2014/main" id="{CEB5583E-A444-C057-8DE7-6014CCD2925D}"/>
+                <a16:creationId xmlns:a16="http://schemas.microsoft.com/office/drawing/2014/main" id="{6819D260-6640-0D0F-D819-3CE8E747155D}"/>
               </a:ext>
               <a:ext uri="{C183D7F6-B498-43B3-948B-1728B52AA6E4}">
                 <adec:decorative xmlns:adec="http://schemas.microsoft.com/office/drawing/2017/decorative" val="1"/>
               </a:ext>
             </a:extLst>
           </p:cNvPr>
-          <p:cNvSpPr/>
-          <p:nvPr/>
-        </p:nvSpPr>
+          <p:cNvPicPr>
+            <a:picLocks noGrp="1" noChangeAspect="1"/>
+          </p:cNvPicPr>
+          <p:nvPr>
+            <p:ph type="pic" idx="1"/>
+          </p:nvPr>
+        </p:nvPicPr>
+        <p:blipFill>
+          <a:blip r:embed="rId4"/>
+          <a:srcRect l="1050" r="1050"/>
+          <a:stretch/>
+        </p:blipFill>
         <p:spPr>
           <a:xfrm>
-            <a:off x="5469888" y="1776845"/>
-            <a:ext cx="4453430" cy="3023755"/>
+            <a:off x="7549636" y="820197"/>
+            <a:ext cx="3570347" cy="4863439"/>
           </a:xfrm>
-          <a:prstGeom prst="roundRect">
-            <a:avLst>
-              <a:gd name="adj" fmla="val 4699"/>
-            </a:avLst>
-          </a:prstGeom>
-          <a:noFill/>
-          <a:ln w="19050" cap="sq" cmpd="sng" algn="ctr">
-            <a:solidFill>
-              <a:schemeClr val="tx2"/>
-            </a:solidFill>
-            <a:prstDash val="solid"/>
-            <a:miter lim="800000"/>
-            <a:headEnd type="none" w="med" len="med"/>
-            <a:tailEnd type="none" w="med" len="med"/>
-          </a:ln>
-          <a:effectLst>
-            <a:glow rad="63500">
-              <a:schemeClr val="tx2">
-                <a:alpha val="40000"/>
-              </a:schemeClr>
-            </a:glow>
-          </a:effectLst>
         </p:spPr>
-        <p:style>
-          <a:lnRef idx="0">
-            <a:scrgbClr r="0" g="0" b="0"/>
-          </a:lnRef>
-          <a:fillRef idx="0">
-            <a:scrgbClr r="0" g="0" b="0"/>
-          </a:fillRef>
-          <a:effectRef idx="0">
-            <a:scrgbClr r="0" g="0" b="0"/>
-          </a:effectRef>
-          <a:fontRef idx="minor">
-            <a:schemeClr val="accent5"/>
-          </a:fontRef>
-        </p:style>
-        <p:txBody>
-          <a:bodyPr rtlCol="0" anchor="ctr"/>
-          <a:lstStyle/>
-          <a:p>
-            <a:pPr algn="ctr"/>
-            <a:endParaRPr lang="en-CA"/>
-          </a:p>
-        </p:txBody>
-      </p:sp>
+      </p:pic>
     </p:spTree>
     <p:extLst>
       <p:ext uri="{BB962C8B-B14F-4D97-AF65-F5344CB8AC3E}">
-        <p14:creationId xmlns:p14="http://schemas.microsoft.com/office/powerpoint/2010/main" val="3296207414"/>
+        <p14:creationId xmlns:p14="http://schemas.microsoft.com/office/powerpoint/2010/main" val="218761243"/>
+      </p:ext>
+    </p:extLst>
+  </p:cSld>
+  <p:clrMapOvr>
+    <a:masterClrMapping/>
+  </p:clrMapOvr>
+  <mc:AlternateContent xmlns:mc="http://schemas.openxmlformats.org/markup-compatibility/2006" xmlns:p14="http://schemas.microsoft.com/office/powerpoint/2010/main">
+    <mc:Choice Requires="p14">
+      <p:transition p14:dur="250">
+        <p:fade/>
+      </p:transition>
+    </mc:Choice>
+    <mc:Fallback xmlns="">
+      <p:transition>
+        <p:fade/>
+      </p:transition>
+    </mc:Fallback>
+  </mc:AlternateContent>
+</p:sld>
+</file>
+
+<file path=ppt/slides/slide20.xml><?xml version="1.0" encoding="utf-8"?>
+<p:sld xmlns:a="http://schemas.openxmlformats.org/drawingml/2006/main" xmlns:r="http://schemas.openxmlformats.org/officeDocument/2006/relationships" xmlns:p="http://schemas.openxmlformats.org/presentationml/2006/main">
+  <p:cSld>
+    <p:spTree>
+      <p:nvGrpSpPr>
+        <p:cNvPr id="1" name=""/>
+        <p:cNvGrpSpPr/>
+        <p:nvPr/>
+      </p:nvGrpSpPr>
+      <p:grpSpPr>
+        <a:xfrm>
+          <a:off x="0" y="0"/>
+          <a:ext cx="0" cy="0"/>
+          <a:chOff x="0" y="0"/>
+          <a:chExt cx="0" cy="0"/>
+        </a:xfrm>
+      </p:grpSpPr>
+      <p:sp>
+        <p:nvSpPr>
+          <p:cNvPr id="2" name="Title 1">
+            <a:extLst>
+              <a:ext uri="{FF2B5EF4-FFF2-40B4-BE49-F238E27FC236}">
+                <a16:creationId xmlns:a16="http://schemas.microsoft.com/office/drawing/2014/main" id="{32A48A7E-BC29-465B-FC06-A3AC6274523B}"/>
+              </a:ext>
+            </a:extLst>
+          </p:cNvPr>
+          <p:cNvSpPr>
+            <a:spLocks noGrp="1"/>
+          </p:cNvSpPr>
+          <p:nvPr>
+            <p:ph type="title"/>
+          </p:nvPr>
+        </p:nvSpPr>
+        <p:spPr/>
+        <p:txBody>
+          <a:bodyPr/>
+          <a:lstStyle/>
+          <a:p>
+            <a:r>
+              <a:rPr lang="en-CA" dirty="0"/>
+              <a:t>What I Like</a:t>
+            </a:r>
+          </a:p>
+        </p:txBody>
+      </p:sp>
+      <p:sp>
+        <p:nvSpPr>
+          <p:cNvPr id="3" name="Content Placeholder 2">
+            <a:extLst>
+              <a:ext uri="{FF2B5EF4-FFF2-40B4-BE49-F238E27FC236}">
+                <a16:creationId xmlns:a16="http://schemas.microsoft.com/office/drawing/2014/main" id="{B0D34702-20FB-67A3-547C-1A2F93D2702D}"/>
+              </a:ext>
+            </a:extLst>
+          </p:cNvPr>
+          <p:cNvSpPr>
+            <a:spLocks noGrp="1"/>
+          </p:cNvSpPr>
+          <p:nvPr>
+            <p:ph idx="1"/>
+          </p:nvPr>
+        </p:nvSpPr>
+        <p:spPr/>
+        <p:txBody>
+          <a:bodyPr/>
+          <a:lstStyle/>
+          <a:p>
+            <a:r>
+              <a:rPr lang="en-CA" dirty="0"/>
+              <a:t>Tasks are modular, independent</a:t>
+            </a:r>
+          </a:p>
+          <a:p>
+            <a:pPr lvl="1"/>
+            <a:r>
+              <a:rPr lang="en-CA" dirty="0"/>
+              <a:t>Good code organization</a:t>
+            </a:r>
+          </a:p>
+          <a:p>
+            <a:pPr lvl="1"/>
+            <a:r>
+              <a:rPr lang="en-CA" dirty="0"/>
+              <a:t>Easy to add and remove tasks (debugging etc.)</a:t>
+            </a:r>
+          </a:p>
+          <a:p>
+            <a:r>
+              <a:rPr lang="en-CA" dirty="0"/>
+              <a:t>Each task has its own repetition interval</a:t>
+            </a:r>
+          </a:p>
+          <a:p>
+            <a:r>
+              <a:rPr lang="en-CA" dirty="0"/>
+              <a:t>Low overhead</a:t>
+            </a:r>
+          </a:p>
+          <a:p>
+            <a:pPr lvl="1"/>
+            <a:r>
+              <a:rPr lang="en-CA" dirty="0"/>
+              <a:t>No heap memory allocation</a:t>
+            </a:r>
+          </a:p>
+          <a:p>
+            <a:pPr lvl="1"/>
+            <a:r>
+              <a:rPr lang="en-CA" dirty="0"/>
+              <a:t>A few bytes per task compared to inline code</a:t>
+            </a:r>
+          </a:p>
+        </p:txBody>
+      </p:sp>
+      <p:sp>
+        <p:nvSpPr>
+          <p:cNvPr id="4" name="Footer Placeholder 3">
+            <a:extLst>
+              <a:ext uri="{FF2B5EF4-FFF2-40B4-BE49-F238E27FC236}">
+                <a16:creationId xmlns:a16="http://schemas.microsoft.com/office/drawing/2014/main" id="{CF89E2D9-75CE-3645-3487-1C89021FA007}"/>
+              </a:ext>
+            </a:extLst>
+          </p:cNvPr>
+          <p:cNvSpPr>
+            <a:spLocks noGrp="1"/>
+          </p:cNvSpPr>
+          <p:nvPr>
+            <p:ph type="ftr" sz="quarter" idx="11"/>
+          </p:nvPr>
+        </p:nvSpPr>
+        <p:spPr/>
+        <p:txBody>
+          <a:bodyPr/>
+          <a:lstStyle/>
+          <a:p>
+            <a:r>
+              <a:rPr lang="en-US"/>
+              <a:t>Len Popp – https://lenp.net/presentations/</a:t>
+            </a:r>
+            <a:endParaRPr lang="en-US" dirty="0"/>
+          </a:p>
+        </p:txBody>
+      </p:sp>
+      <p:sp>
+        <p:nvSpPr>
+          <p:cNvPr id="5" name="Date Placeholder 4">
+            <a:extLst>
+              <a:ext uri="{FF2B5EF4-FFF2-40B4-BE49-F238E27FC236}">
+                <a16:creationId xmlns:a16="http://schemas.microsoft.com/office/drawing/2014/main" id="{D10A8B81-EDE9-1258-00C1-CC20CB93ABCF}"/>
+              </a:ext>
+            </a:extLst>
+          </p:cNvPr>
+          <p:cNvSpPr>
+            <a:spLocks noGrp="1"/>
+          </p:cNvSpPr>
+          <p:nvPr>
+            <p:ph type="dt" sz="half" idx="10"/>
+          </p:nvPr>
+        </p:nvSpPr>
+        <p:spPr/>
+        <p:txBody>
+          <a:bodyPr/>
+          <a:lstStyle/>
+          <a:p>
+            <a:r>
+              <a:rPr lang="en-US"/>
+              <a:t>2024-10-08</a:t>
+            </a:r>
+            <a:endParaRPr lang="en-US" dirty="0"/>
+          </a:p>
+        </p:txBody>
+      </p:sp>
+      <p:sp>
+        <p:nvSpPr>
+          <p:cNvPr id="6" name="Slide Number Placeholder 5">
+            <a:extLst>
+              <a:ext uri="{FF2B5EF4-FFF2-40B4-BE49-F238E27FC236}">
+                <a16:creationId xmlns:a16="http://schemas.microsoft.com/office/drawing/2014/main" id="{77471136-EC22-FA4B-1C78-F2D031E9E9F3}"/>
+              </a:ext>
+            </a:extLst>
+          </p:cNvPr>
+          <p:cNvSpPr>
+            <a:spLocks noGrp="1"/>
+          </p:cNvSpPr>
+          <p:nvPr>
+            <p:ph type="sldNum" sz="quarter" idx="12"/>
+          </p:nvPr>
+        </p:nvSpPr>
+        <p:spPr/>
+        <p:txBody>
+          <a:bodyPr/>
+          <a:lstStyle/>
+          <a:p>
+            <a:fld id="{6D22F896-40B5-4ADD-8801-0D06FADFA095}" type="slidenum">
+              <a:rPr lang="en-US" smtClean="0"/>
+              <a:t>20</a:t>
+            </a:fld>
+            <a:endParaRPr lang="en-US" dirty="0"/>
+          </a:p>
+        </p:txBody>
+      </p:sp>
+    </p:spTree>
+    <p:extLst>
+      <p:ext uri="{BB962C8B-B14F-4D97-AF65-F5344CB8AC3E}">
+        <p14:creationId xmlns:p14="http://schemas.microsoft.com/office/powerpoint/2010/main" val="3703935561"/>
+      </p:ext>
+    </p:extLst>
+  </p:cSld>
+  <p:clrMapOvr>
+    <a:masterClrMapping/>
+  </p:clrMapOvr>
+  <mc:AlternateContent xmlns:mc="http://schemas.openxmlformats.org/markup-compatibility/2006" xmlns:p14="http://schemas.microsoft.com/office/powerpoint/2010/main">
+    <mc:Choice Requires="p14">
+      <p:transition p14:dur="250">
+        <p:fade/>
+      </p:transition>
+    </mc:Choice>
+    <mc:Fallback xmlns="">
+      <p:transition>
+        <p:fade/>
+      </p:transition>
+    </mc:Fallback>
+  </mc:AlternateContent>
+</p:sld>
+</file>
+
+<file path=ppt/slides/slide21.xml><?xml version="1.0" encoding="utf-8"?>
+<p:sld xmlns:a="http://schemas.openxmlformats.org/drawingml/2006/main" xmlns:r="http://schemas.openxmlformats.org/officeDocument/2006/relationships" xmlns:p="http://schemas.openxmlformats.org/presentationml/2006/main">
+  <p:cSld>
+    <p:spTree>
+      <p:nvGrpSpPr>
+        <p:cNvPr id="1" name=""/>
+        <p:cNvGrpSpPr/>
+        <p:nvPr/>
+      </p:nvGrpSpPr>
+      <p:grpSpPr>
+        <a:xfrm>
+          <a:off x="0" y="0"/>
+          <a:ext cx="0" cy="0"/>
+          <a:chOff x="0" y="0"/>
+          <a:chExt cx="0" cy="0"/>
+        </a:xfrm>
+      </p:grpSpPr>
+      <p:sp>
+        <p:nvSpPr>
+          <p:cNvPr id="2" name="Title 1">
+            <a:extLst>
+              <a:ext uri="{FF2B5EF4-FFF2-40B4-BE49-F238E27FC236}">
+                <a16:creationId xmlns:a16="http://schemas.microsoft.com/office/drawing/2014/main" id="{5DD4A42A-0402-F083-7699-81AD5FCBB873}"/>
+              </a:ext>
+            </a:extLst>
+          </p:cNvPr>
+          <p:cNvSpPr>
+            <a:spLocks noGrp="1"/>
+          </p:cNvSpPr>
+          <p:nvPr>
+            <p:ph type="title"/>
+          </p:nvPr>
+        </p:nvSpPr>
+        <p:spPr/>
+        <p:txBody>
+          <a:bodyPr/>
+          <a:lstStyle/>
+          <a:p>
+            <a:r>
+              <a:rPr lang="en-CA" dirty="0"/>
+              <a:t>What I don’t Like</a:t>
+            </a:r>
+          </a:p>
+        </p:txBody>
+      </p:sp>
+      <p:sp>
+        <p:nvSpPr>
+          <p:cNvPr id="3" name="Content Placeholder 2">
+            <a:extLst>
+              <a:ext uri="{FF2B5EF4-FFF2-40B4-BE49-F238E27FC236}">
+                <a16:creationId xmlns:a16="http://schemas.microsoft.com/office/drawing/2014/main" id="{7385DD49-5087-D539-82DC-7BE8223D191D}"/>
+              </a:ext>
+            </a:extLst>
+          </p:cNvPr>
+          <p:cNvSpPr>
+            <a:spLocks noGrp="1"/>
+          </p:cNvSpPr>
+          <p:nvPr>
+            <p:ph idx="1"/>
+          </p:nvPr>
+        </p:nvSpPr>
+        <p:spPr/>
+        <p:txBody>
+          <a:bodyPr/>
+          <a:lstStyle/>
+          <a:p>
+            <a:r>
+              <a:rPr lang="en-CA" dirty="0"/>
+              <a:t>Not suitable for tasks with hard real-time constraints</a:t>
+            </a:r>
+          </a:p>
+          <a:p>
+            <a:pPr lvl="1"/>
+            <a:r>
+              <a:rPr lang="en-CA" dirty="0"/>
+              <a:t>A long-running task blocks other tasks from running</a:t>
+            </a:r>
+          </a:p>
+        </p:txBody>
+      </p:sp>
+      <p:sp>
+        <p:nvSpPr>
+          <p:cNvPr id="4" name="Footer Placeholder 3">
+            <a:extLst>
+              <a:ext uri="{FF2B5EF4-FFF2-40B4-BE49-F238E27FC236}">
+                <a16:creationId xmlns:a16="http://schemas.microsoft.com/office/drawing/2014/main" id="{A8107D08-4DAE-3E84-1D04-EE4BBACC9076}"/>
+              </a:ext>
+            </a:extLst>
+          </p:cNvPr>
+          <p:cNvSpPr>
+            <a:spLocks noGrp="1"/>
+          </p:cNvSpPr>
+          <p:nvPr>
+            <p:ph type="ftr" sz="quarter" idx="11"/>
+          </p:nvPr>
+        </p:nvSpPr>
+        <p:spPr/>
+        <p:txBody>
+          <a:bodyPr/>
+          <a:lstStyle/>
+          <a:p>
+            <a:r>
+              <a:rPr lang="en-US"/>
+              <a:t>Len Popp – https://lenp.net/presentations/</a:t>
+            </a:r>
+            <a:endParaRPr lang="en-US" dirty="0"/>
+          </a:p>
+        </p:txBody>
+      </p:sp>
+      <p:sp>
+        <p:nvSpPr>
+          <p:cNvPr id="5" name="Date Placeholder 4">
+            <a:extLst>
+              <a:ext uri="{FF2B5EF4-FFF2-40B4-BE49-F238E27FC236}">
+                <a16:creationId xmlns:a16="http://schemas.microsoft.com/office/drawing/2014/main" id="{54BAC8CA-86AA-520C-E92B-FCD384A3D7CA}"/>
+              </a:ext>
+            </a:extLst>
+          </p:cNvPr>
+          <p:cNvSpPr>
+            <a:spLocks noGrp="1"/>
+          </p:cNvSpPr>
+          <p:nvPr>
+            <p:ph type="dt" sz="half" idx="10"/>
+          </p:nvPr>
+        </p:nvSpPr>
+        <p:spPr/>
+        <p:txBody>
+          <a:bodyPr/>
+          <a:lstStyle/>
+          <a:p>
+            <a:r>
+              <a:rPr lang="en-US"/>
+              <a:t>2024-10-08</a:t>
+            </a:r>
+            <a:endParaRPr lang="en-US" dirty="0"/>
+          </a:p>
+        </p:txBody>
+      </p:sp>
+      <p:sp>
+        <p:nvSpPr>
+          <p:cNvPr id="6" name="Slide Number Placeholder 5">
+            <a:extLst>
+              <a:ext uri="{FF2B5EF4-FFF2-40B4-BE49-F238E27FC236}">
+                <a16:creationId xmlns:a16="http://schemas.microsoft.com/office/drawing/2014/main" id="{97A2A12F-11C2-8677-A934-6889892DAEEE}"/>
+              </a:ext>
+            </a:extLst>
+          </p:cNvPr>
+          <p:cNvSpPr>
+            <a:spLocks noGrp="1"/>
+          </p:cNvSpPr>
+          <p:nvPr>
+            <p:ph type="sldNum" sz="quarter" idx="12"/>
+          </p:nvPr>
+        </p:nvSpPr>
+        <p:spPr/>
+        <p:txBody>
+          <a:bodyPr/>
+          <a:lstStyle/>
+          <a:p>
+            <a:fld id="{6D22F896-40B5-4ADD-8801-0D06FADFA095}" type="slidenum">
+              <a:rPr lang="en-US" smtClean="0"/>
+              <a:t>21</a:t>
+            </a:fld>
+            <a:endParaRPr lang="en-US" dirty="0"/>
+          </a:p>
+        </p:txBody>
+      </p:sp>
+    </p:spTree>
+    <p:extLst>
+      <p:ext uri="{BB962C8B-B14F-4D97-AF65-F5344CB8AC3E}">
+        <p14:creationId xmlns:p14="http://schemas.microsoft.com/office/powerpoint/2010/main" val="3970087317"/>
+      </p:ext>
+    </p:extLst>
+  </p:cSld>
+  <p:clrMapOvr>
+    <a:masterClrMapping/>
+  </p:clrMapOvr>
+  <mc:AlternateContent xmlns:mc="http://schemas.openxmlformats.org/markup-compatibility/2006" xmlns:p14="http://schemas.microsoft.com/office/powerpoint/2010/main">
+    <mc:Choice Requires="p14">
+      <p:transition p14:dur="250">
+        <p:fade/>
+      </p:transition>
+    </mc:Choice>
+    <mc:Fallback xmlns="">
+      <p:transition>
+        <p:fade/>
+      </p:transition>
+    </mc:Fallback>
+  </mc:AlternateContent>
+</p:sld>
+</file>
+
+<file path=ppt/slides/slide22.xml><?xml version="1.0" encoding="utf-8"?>
+<p:sld xmlns:a="http://schemas.openxmlformats.org/drawingml/2006/main" xmlns:r="http://schemas.openxmlformats.org/officeDocument/2006/relationships" xmlns:p="http://schemas.openxmlformats.org/presentationml/2006/main" showMasterPhAnim="0">
+  <p:cSld>
+    <p:spTree>
+      <p:nvGrpSpPr>
+        <p:cNvPr id="1" name=""/>
+        <p:cNvGrpSpPr/>
+        <p:nvPr/>
+      </p:nvGrpSpPr>
+      <p:grpSpPr>
+        <a:xfrm>
+          <a:off x="0" y="0"/>
+          <a:ext cx="0" cy="0"/>
+          <a:chOff x="0" y="0"/>
+          <a:chExt cx="0" cy="0"/>
+        </a:xfrm>
+      </p:grpSpPr>
+      <p:sp>
+        <p:nvSpPr>
+          <p:cNvPr id="8" name="Title 7">
+            <a:extLst>
+              <a:ext uri="{FF2B5EF4-FFF2-40B4-BE49-F238E27FC236}">
+                <a16:creationId xmlns:a16="http://schemas.microsoft.com/office/drawing/2014/main" id="{8B8B4D7B-DFFE-D8A3-D206-642E04464D45}"/>
+              </a:ext>
+            </a:extLst>
+          </p:cNvPr>
+          <p:cNvSpPr>
+            <a:spLocks noGrp="1"/>
+          </p:cNvSpPr>
+          <p:nvPr>
+            <p:ph type="title"/>
+          </p:nvPr>
+        </p:nvSpPr>
+        <p:spPr/>
+        <p:txBody>
+          <a:bodyPr/>
+          <a:lstStyle/>
+          <a:p>
+            <a:r>
+              <a:rPr lang="en-CA" dirty="0"/>
+              <a:t>download</a:t>
+            </a:r>
+          </a:p>
+        </p:txBody>
+      </p:sp>
+      <p:sp>
+        <p:nvSpPr>
+          <p:cNvPr id="9" name="Content Placeholder 8">
+            <a:extLst>
+              <a:ext uri="{FF2B5EF4-FFF2-40B4-BE49-F238E27FC236}">
+                <a16:creationId xmlns:a16="http://schemas.microsoft.com/office/drawing/2014/main" id="{0D557348-FA08-6300-4146-565E2E736392}"/>
+              </a:ext>
+            </a:extLst>
+          </p:cNvPr>
+          <p:cNvSpPr>
+            <a:spLocks noGrp="1"/>
+          </p:cNvSpPr>
+          <p:nvPr>
+            <p:ph idx="1"/>
+          </p:nvPr>
+        </p:nvSpPr>
+        <p:spPr/>
+        <p:txBody>
+          <a:bodyPr/>
+          <a:lstStyle/>
+          <a:p>
+            <a:pPr marL="0" indent="0">
+              <a:buNone/>
+            </a:pPr>
+            <a:r>
+              <a:rPr lang="en-CA" dirty="0">
+                <a:hlinkClick r:id="rId3"/>
+              </a:rPr>
+              <a:t>https://github.com/Len42/TaskDemo-RP2040</a:t>
+            </a:r>
+            <a:endParaRPr lang="en-CA" dirty="0"/>
+          </a:p>
+        </p:txBody>
+      </p:sp>
+      <p:sp>
+        <p:nvSpPr>
+          <p:cNvPr id="5" name="Footer Placeholder 4">
+            <a:extLst>
+              <a:ext uri="{FF2B5EF4-FFF2-40B4-BE49-F238E27FC236}">
+                <a16:creationId xmlns:a16="http://schemas.microsoft.com/office/drawing/2014/main" id="{9DADBFF5-4959-0707-C18F-89FB1CAE4555}"/>
+              </a:ext>
+            </a:extLst>
+          </p:cNvPr>
+          <p:cNvSpPr>
+            <a:spLocks noGrp="1"/>
+          </p:cNvSpPr>
+          <p:nvPr>
+            <p:ph type="ftr" sz="quarter" idx="11"/>
+          </p:nvPr>
+        </p:nvSpPr>
+        <p:spPr/>
+        <p:txBody>
+          <a:bodyPr/>
+          <a:lstStyle/>
+          <a:p>
+            <a:r>
+              <a:rPr lang="en-US"/>
+              <a:t>Len Popp – https://lenp.net/presentations/</a:t>
+            </a:r>
+            <a:endParaRPr lang="en-US" dirty="0"/>
+          </a:p>
+        </p:txBody>
+      </p:sp>
+      <p:sp>
+        <p:nvSpPr>
+          <p:cNvPr id="6" name="Date Placeholder 5">
+            <a:extLst>
+              <a:ext uri="{FF2B5EF4-FFF2-40B4-BE49-F238E27FC236}">
+                <a16:creationId xmlns:a16="http://schemas.microsoft.com/office/drawing/2014/main" id="{70045BBB-3FC4-2747-7F45-DA46A83073C3}"/>
+              </a:ext>
+            </a:extLst>
+          </p:cNvPr>
+          <p:cNvSpPr>
+            <a:spLocks noGrp="1"/>
+          </p:cNvSpPr>
+          <p:nvPr>
+            <p:ph type="dt" sz="half" idx="10"/>
+          </p:nvPr>
+        </p:nvSpPr>
+        <p:spPr/>
+        <p:txBody>
+          <a:bodyPr/>
+          <a:lstStyle/>
+          <a:p>
+            <a:r>
+              <a:rPr lang="en-US"/>
+              <a:t>2024-10-08</a:t>
+            </a:r>
+            <a:endParaRPr lang="en-US" dirty="0"/>
+          </a:p>
+        </p:txBody>
+      </p:sp>
+      <p:sp>
+        <p:nvSpPr>
+          <p:cNvPr id="7" name="Slide Number Placeholder 6">
+            <a:extLst>
+              <a:ext uri="{FF2B5EF4-FFF2-40B4-BE49-F238E27FC236}">
+                <a16:creationId xmlns:a16="http://schemas.microsoft.com/office/drawing/2014/main" id="{82F5B19A-6385-A325-FB2D-9E4A6856B9CF}"/>
+              </a:ext>
+            </a:extLst>
+          </p:cNvPr>
+          <p:cNvSpPr>
+            <a:spLocks noGrp="1"/>
+          </p:cNvSpPr>
+          <p:nvPr>
+            <p:ph type="sldNum" sz="quarter" idx="12"/>
+          </p:nvPr>
+        </p:nvSpPr>
+        <p:spPr/>
+        <p:txBody>
+          <a:bodyPr/>
+          <a:lstStyle/>
+          <a:p>
+            <a:fld id="{6D22F896-40B5-4ADD-8801-0D06FADFA095}" type="slidenum">
+              <a:rPr lang="en-US" smtClean="0"/>
+              <a:t>22</a:t>
+            </a:fld>
+            <a:endParaRPr lang="en-US" dirty="0"/>
+          </a:p>
+        </p:txBody>
+      </p:sp>
+    </p:spTree>
+    <p:extLst>
+      <p:ext uri="{BB962C8B-B14F-4D97-AF65-F5344CB8AC3E}">
+        <p14:creationId xmlns:p14="http://schemas.microsoft.com/office/powerpoint/2010/main" val="145137111"/>
+      </p:ext>
+    </p:extLst>
+  </p:cSld>
+  <p:clrMapOvr>
+    <a:masterClrMapping/>
+  </p:clrMapOvr>
+  <mc:AlternateContent xmlns:mc="http://schemas.openxmlformats.org/markup-compatibility/2006" xmlns:p14="http://schemas.microsoft.com/office/powerpoint/2010/main">
+    <mc:Choice Requires="p14">
+      <p:transition p14:dur="250">
+        <p:fade/>
+      </p:transition>
+    </mc:Choice>
+    <mc:Fallback xmlns="">
+      <p:transition>
+        <p:fade/>
+      </p:transition>
+    </mc:Fallback>
+  </mc:AlternateContent>
+</p:sld>
+</file>
+
+<file path=ppt/slides/slide23.xml><?xml version="1.0" encoding="utf-8"?>
+<p:sld xmlns:a="http://schemas.openxmlformats.org/drawingml/2006/main" xmlns:r="http://schemas.openxmlformats.org/officeDocument/2006/relationships" xmlns:p="http://schemas.openxmlformats.org/presentationml/2006/main">
+  <p:cSld>
+    <p:spTree>
+      <p:nvGrpSpPr>
+        <p:cNvPr id="1" name=""/>
+        <p:cNvGrpSpPr/>
+        <p:nvPr/>
+      </p:nvGrpSpPr>
+      <p:grpSpPr>
+        <a:xfrm>
+          <a:off x="0" y="0"/>
+          <a:ext cx="0" cy="0"/>
+          <a:chOff x="0" y="0"/>
+          <a:chExt cx="0" cy="0"/>
+        </a:xfrm>
+      </p:grpSpPr>
+      <p:sp>
+        <p:nvSpPr>
+          <p:cNvPr id="2" name="Title 1">
+            <a:extLst>
+              <a:ext uri="{FF2B5EF4-FFF2-40B4-BE49-F238E27FC236}">
+                <a16:creationId xmlns:a16="http://schemas.microsoft.com/office/drawing/2014/main" id="{F4AA7313-34AF-F069-5C32-8389196A61D3}"/>
+              </a:ext>
+            </a:extLst>
+          </p:cNvPr>
+          <p:cNvSpPr>
+            <a:spLocks noGrp="1"/>
+          </p:cNvSpPr>
+          <p:nvPr>
+            <p:ph type="ctrTitle"/>
+          </p:nvPr>
+        </p:nvSpPr>
+        <p:spPr/>
+        <p:txBody>
+          <a:bodyPr/>
+          <a:lstStyle/>
+          <a:p>
+            <a:r>
+              <a:rPr lang="en-CA" dirty="0"/>
+              <a:t>The end…</a:t>
+            </a:r>
+          </a:p>
+        </p:txBody>
+      </p:sp>
+      <p:sp>
+        <p:nvSpPr>
+          <p:cNvPr id="3" name="Text Placeholder 2">
+            <a:extLst>
+              <a:ext uri="{FF2B5EF4-FFF2-40B4-BE49-F238E27FC236}">
+                <a16:creationId xmlns:a16="http://schemas.microsoft.com/office/drawing/2014/main" id="{88687802-149B-A2A4-AB86-B6866177F1D6}"/>
+              </a:ext>
+            </a:extLst>
+          </p:cNvPr>
+          <p:cNvSpPr>
+            <a:spLocks noGrp="1"/>
+          </p:cNvSpPr>
+          <p:nvPr>
+            <p:ph type="subTitle" idx="1"/>
+          </p:nvPr>
+        </p:nvSpPr>
+        <p:spPr/>
+        <p:txBody>
+          <a:bodyPr/>
+          <a:lstStyle/>
+          <a:p>
+            <a:r>
+              <a:rPr lang="en-CA" dirty="0"/>
+              <a:t>Questions?</a:t>
+            </a:r>
+          </a:p>
+          <a:p>
+            <a:r>
+              <a:rPr lang="en-CA" dirty="0"/>
+              <a:t>Compile-Time Polymorphism</a:t>
+            </a:r>
+          </a:p>
+        </p:txBody>
+      </p:sp>
+      <p:sp>
+        <p:nvSpPr>
+          <p:cNvPr id="4" name="Footer Placeholder 3">
+            <a:extLst>
+              <a:ext uri="{FF2B5EF4-FFF2-40B4-BE49-F238E27FC236}">
+                <a16:creationId xmlns:a16="http://schemas.microsoft.com/office/drawing/2014/main" id="{21D729C1-3806-030B-AFB7-CB40EB5A8DE7}"/>
+              </a:ext>
+            </a:extLst>
+          </p:cNvPr>
+          <p:cNvSpPr>
+            <a:spLocks noGrp="1"/>
+          </p:cNvSpPr>
+          <p:nvPr>
+            <p:ph type="ftr" sz="quarter" idx="11"/>
+          </p:nvPr>
+        </p:nvSpPr>
+        <p:spPr/>
+        <p:txBody>
+          <a:bodyPr/>
+          <a:lstStyle/>
+          <a:p>
+            <a:r>
+              <a:rPr lang="en-US"/>
+              <a:t>Len Popp – https://lenp.net/presentations/</a:t>
+            </a:r>
+            <a:endParaRPr lang="en-US" dirty="0"/>
+          </a:p>
+        </p:txBody>
+      </p:sp>
+      <p:sp>
+        <p:nvSpPr>
+          <p:cNvPr id="5" name="Date Placeholder 4">
+            <a:extLst>
+              <a:ext uri="{FF2B5EF4-FFF2-40B4-BE49-F238E27FC236}">
+                <a16:creationId xmlns:a16="http://schemas.microsoft.com/office/drawing/2014/main" id="{BF00B4BA-A06B-7715-2C24-E8A23CA19B99}"/>
+              </a:ext>
+            </a:extLst>
+          </p:cNvPr>
+          <p:cNvSpPr>
+            <a:spLocks noGrp="1"/>
+          </p:cNvSpPr>
+          <p:nvPr>
+            <p:ph type="dt" sz="half" idx="10"/>
+          </p:nvPr>
+        </p:nvSpPr>
+        <p:spPr/>
+        <p:txBody>
+          <a:bodyPr/>
+          <a:lstStyle/>
+          <a:p>
+            <a:r>
+              <a:rPr lang="en-US"/>
+              <a:t>2024-10-08</a:t>
+            </a:r>
+            <a:endParaRPr lang="en-US" dirty="0"/>
+          </a:p>
+        </p:txBody>
+      </p:sp>
+      <p:sp>
+        <p:nvSpPr>
+          <p:cNvPr id="6" name="Slide Number Placeholder 5">
+            <a:extLst>
+              <a:ext uri="{FF2B5EF4-FFF2-40B4-BE49-F238E27FC236}">
+                <a16:creationId xmlns:a16="http://schemas.microsoft.com/office/drawing/2014/main" id="{E0B220F7-D9C6-83E7-BAEF-97AFCC6FD834}"/>
+              </a:ext>
+            </a:extLst>
+          </p:cNvPr>
+          <p:cNvSpPr>
+            <a:spLocks noGrp="1"/>
+          </p:cNvSpPr>
+          <p:nvPr>
+            <p:ph type="sldNum" sz="quarter" idx="12"/>
+          </p:nvPr>
+        </p:nvSpPr>
+        <p:spPr/>
+        <p:txBody>
+          <a:bodyPr/>
+          <a:lstStyle/>
+          <a:p>
+            <a:fld id="{6D22F896-40B5-4ADD-8801-0D06FADFA095}" type="slidenum">
+              <a:rPr lang="en-US" smtClean="0"/>
+              <a:pPr/>
+              <a:t>23</a:t>
+            </a:fld>
+            <a:endParaRPr lang="en-US" dirty="0"/>
+          </a:p>
+        </p:txBody>
+      </p:sp>
+    </p:spTree>
+    <p:extLst>
+      <p:ext uri="{BB962C8B-B14F-4D97-AF65-F5344CB8AC3E}">
+        <p14:creationId xmlns:p14="http://schemas.microsoft.com/office/powerpoint/2010/main" val="4164895864"/>
       </p:ext>
     </p:extLst>
   </p:cSld>
@@ -29267,21 +28245,43 @@
                                   </p:childTnLst>
                                 </p:cTn>
                               </p:par>
+                            </p:childTnLst>
+                          </p:cTn>
+                        </p:par>
+                      </p:childTnLst>
+                    </p:cTn>
+                  </p:par>
+                  <p:par>
+                    <p:cTn id="8" fill="hold">
+                      <p:stCondLst>
+                        <p:cond delay="indefinite"/>
+                      </p:stCondLst>
+                      <p:childTnLst>
+                        <p:par>
+                          <p:cTn id="9" fill="hold">
+                            <p:stCondLst>
+                              <p:cond delay="0"/>
+                            </p:stCondLst>
+                            <p:childTnLst>
                               <p:par>
-                                <p:cTn id="8" presetID="10" presetClass="entr" presetSubtype="0" fill="hold" grpId="0" nodeType="withEffect">
+                                <p:cTn id="10" presetID="10" presetClass="entr" presetSubtype="0" fill="hold" grpId="0" nodeType="clickEffect">
                                   <p:stCondLst>
                                     <p:cond delay="0"/>
                                   </p:stCondLst>
                                   <p:childTnLst>
                                     <p:set>
                                       <p:cBhvr>
-                                        <p:cTn id="9" dur="1" fill="hold">
+                                        <p:cTn id="11" dur="1" fill="hold">
                                           <p:stCondLst>
                                             <p:cond delay="0"/>
                                           </p:stCondLst>
                                         </p:cTn>
                                         <p:tgtEl>
-                                          <p:spTgt spid="8"/>
+                                          <p:spTgt spid="3">
+                                            <p:txEl>
+                                              <p:pRg st="1" end="1"/>
+                                            </p:txEl>
+                                          </p:spTgt>
                                         </p:tgtEl>
                                         <p:attrNameLst>
                                           <p:attrName>style.visibility</p:attrName>
@@ -29293,29 +28293,17 @@
                                     </p:set>
                                     <p:animEffect transition="in" filter="fade">
                                       <p:cBhvr>
-                                        <p:cTn id="10" dur="250"/>
+                                        <p:cTn id="12" dur="250"/>
                                         <p:tgtEl>
-                                          <p:spTgt spid="8"/>
+                                          <p:spTgt spid="3">
+                                            <p:txEl>
+                                              <p:pRg st="1" end="1"/>
+                                            </p:txEl>
+                                          </p:spTgt>
                                         </p:tgtEl>
                                       </p:cBhvr>
                                     </p:animEffect>
                                   </p:childTnLst>
-                                  <p:subTnLst>
-                                    <p:set>
-                                      <p:cBhvr override="childStyle">
-                                        <p:cTn dur="1" fill="hold" display="0" masterRel="nextClick" afterEffect="1"/>
-                                        <p:tgtEl>
-                                          <p:spTgt spid="8"/>
-                                        </p:tgtEl>
-                                        <p:attrNameLst>
-                                          <p:attrName>style.visibility</p:attrName>
-                                        </p:attrNameLst>
-                                      </p:cBhvr>
-                                      <p:to>
-                                        <p:strVal val="hidden"/>
-                                      </p:to>
-                                    </p:set>
-                                  </p:subTnLst>
                                 </p:cTn>
                               </p:par>
                             </p:childTnLst>
@@ -29346,1244 +28334,9 @@
       </p:par>
     </p:tnLst>
     <p:bldLst>
-      <p:bldP spid="3" grpId="0" uiExpand="1" build="p" bldLvl="2"/>
-      <p:bldP spid="8" grpId="0" animBg="1"/>
+      <p:bldP spid="3" grpId="0" build="p"/>
     </p:bldLst>
   </p:timing>
-</p:sld>
-</file>
-
-<file path=ppt/slides/slide2.xml><?xml version="1.0" encoding="utf-8"?>
-<p:sld xmlns:a="http://schemas.openxmlformats.org/drawingml/2006/main" xmlns:r="http://schemas.openxmlformats.org/officeDocument/2006/relationships" xmlns:p="http://schemas.openxmlformats.org/presentationml/2006/main" showMasterPhAnim="0">
-  <p:cSld>
-    <p:spTree>
-      <p:nvGrpSpPr>
-        <p:cNvPr id="1" name=""/>
-        <p:cNvGrpSpPr/>
-        <p:nvPr/>
-      </p:nvGrpSpPr>
-      <p:grpSpPr>
-        <a:xfrm>
-          <a:off x="0" y="0"/>
-          <a:ext cx="0" cy="0"/>
-          <a:chOff x="0" y="0"/>
-          <a:chExt cx="0" cy="0"/>
-        </a:xfrm>
-      </p:grpSpPr>
-      <p:sp>
-        <p:nvSpPr>
-          <p:cNvPr id="7" name="Title 6">
-            <a:extLst>
-              <a:ext uri="{FF2B5EF4-FFF2-40B4-BE49-F238E27FC236}">
-                <a16:creationId xmlns:a16="http://schemas.microsoft.com/office/drawing/2014/main" id="{27F1B507-70EF-E8B3-7029-D5C67E377BA1}"/>
-              </a:ext>
-            </a:extLst>
-          </p:cNvPr>
-          <p:cNvSpPr>
-            <a:spLocks noGrp="1"/>
-          </p:cNvSpPr>
-          <p:nvPr>
-            <p:ph type="title"/>
-          </p:nvPr>
-        </p:nvSpPr>
-        <p:spPr>
-          <a:xfrm>
-            <a:off x="1141412" y="2137893"/>
-            <a:ext cx="6315510" cy="853502"/>
-          </a:xfrm>
-        </p:spPr>
-        <p:txBody>
-          <a:bodyPr/>
-          <a:lstStyle/>
-          <a:p>
-            <a:r>
-              <a:rPr lang="en-CA" dirty="0"/>
-              <a:t>Len Popp</a:t>
-            </a:r>
-          </a:p>
-        </p:txBody>
-      </p:sp>
-      <p:sp>
-        <p:nvSpPr>
-          <p:cNvPr id="8" name="Text Placeholder 7">
-            <a:extLst>
-              <a:ext uri="{FF2B5EF4-FFF2-40B4-BE49-F238E27FC236}">
-                <a16:creationId xmlns:a16="http://schemas.microsoft.com/office/drawing/2014/main" id="{A84DA69B-45B2-174B-2BC4-B9CE006BFF6B}"/>
-              </a:ext>
-            </a:extLst>
-          </p:cNvPr>
-          <p:cNvSpPr>
-            <a:spLocks noGrp="1"/>
-          </p:cNvSpPr>
-          <p:nvPr>
-            <p:ph type="body" sz="half" idx="2"/>
-          </p:nvPr>
-        </p:nvSpPr>
-        <p:spPr>
-          <a:xfrm>
-            <a:off x="1141365" y="3191032"/>
-            <a:ext cx="6315511" cy="2492605"/>
-          </a:xfrm>
-        </p:spPr>
-        <p:txBody>
-          <a:bodyPr/>
-          <a:lstStyle/>
-          <a:p>
-            <a:r>
-              <a:rPr lang="en-CA" dirty="0"/>
-              <a:t>Retired Software Guy,</a:t>
-            </a:r>
-            <a:br>
-              <a:rPr lang="en-CA" dirty="0"/>
-            </a:br>
-            <a:r>
-              <a:rPr lang="en-CA" dirty="0"/>
-              <a:t>Software &amp; Hardware Hobbyist</a:t>
-            </a:r>
-          </a:p>
-          <a:p>
-            <a:r>
-              <a:rPr lang="en-CA" dirty="0">
-                <a:hlinkClick r:id="rId3"/>
-              </a:rPr>
-              <a:t>https://lenp.net/</a:t>
-            </a:r>
-            <a:endParaRPr lang="en-CA" dirty="0"/>
-          </a:p>
-        </p:txBody>
-      </p:sp>
-      <p:sp>
-        <p:nvSpPr>
-          <p:cNvPr id="5" name="Footer Placeholder 4">
-            <a:extLst>
-              <a:ext uri="{FF2B5EF4-FFF2-40B4-BE49-F238E27FC236}">
-                <a16:creationId xmlns:a16="http://schemas.microsoft.com/office/drawing/2014/main" id="{850F3115-32BE-8769-4AF2-BACF793AFF59}"/>
-              </a:ext>
-            </a:extLst>
-          </p:cNvPr>
-          <p:cNvSpPr>
-            <a:spLocks noGrp="1"/>
-          </p:cNvSpPr>
-          <p:nvPr>
-            <p:ph type="ftr" sz="quarter" idx="11"/>
-          </p:nvPr>
-        </p:nvSpPr>
-        <p:spPr>
-          <a:xfrm>
-            <a:off x="1141411" y="5883275"/>
-            <a:ext cx="6239309" cy="365125"/>
-          </a:xfrm>
-        </p:spPr>
-        <p:txBody>
-          <a:bodyPr/>
-          <a:lstStyle/>
-          <a:p>
-            <a:r>
-              <a:rPr lang="en-US"/>
-              <a:t>Len Popp – https://lenp.net/presentations/</a:t>
-            </a:r>
-            <a:endParaRPr lang="en-US" dirty="0"/>
-          </a:p>
-        </p:txBody>
-      </p:sp>
-      <p:sp>
-        <p:nvSpPr>
-          <p:cNvPr id="4" name="Date Placeholder 3">
-            <a:extLst>
-              <a:ext uri="{FF2B5EF4-FFF2-40B4-BE49-F238E27FC236}">
-                <a16:creationId xmlns:a16="http://schemas.microsoft.com/office/drawing/2014/main" id="{FAA81F83-FAC6-84E2-344A-C91DE5622DAA}"/>
-              </a:ext>
-            </a:extLst>
-          </p:cNvPr>
-          <p:cNvSpPr>
-            <a:spLocks noGrp="1"/>
-          </p:cNvSpPr>
-          <p:nvPr>
-            <p:ph type="dt" sz="half" idx="10"/>
-          </p:nvPr>
-        </p:nvSpPr>
-        <p:spPr>
-          <a:xfrm>
-            <a:off x="7456921" y="5883276"/>
-            <a:ext cx="2743200" cy="365125"/>
-          </a:xfrm>
-        </p:spPr>
-        <p:txBody>
-          <a:bodyPr/>
-          <a:lstStyle/>
-          <a:p>
-            <a:r>
-              <a:rPr lang="en-US"/>
-              <a:t>2024-08-20</a:t>
-            </a:r>
-            <a:endParaRPr lang="en-US" dirty="0"/>
-          </a:p>
-        </p:txBody>
-      </p:sp>
-      <p:sp>
-        <p:nvSpPr>
-          <p:cNvPr id="6" name="Slide Number Placeholder 5">
-            <a:extLst>
-              <a:ext uri="{FF2B5EF4-FFF2-40B4-BE49-F238E27FC236}">
-                <a16:creationId xmlns:a16="http://schemas.microsoft.com/office/drawing/2014/main" id="{85FBB39C-4AB8-9090-95AB-CA01F6A4C778}"/>
-              </a:ext>
-            </a:extLst>
-          </p:cNvPr>
-          <p:cNvSpPr>
-            <a:spLocks noGrp="1"/>
-          </p:cNvSpPr>
-          <p:nvPr>
-            <p:ph type="sldNum" sz="quarter" idx="12"/>
-          </p:nvPr>
-        </p:nvSpPr>
-        <p:spPr>
-          <a:xfrm>
-            <a:off x="10276321" y="5883274"/>
-            <a:ext cx="771089" cy="365125"/>
-          </a:xfrm>
-        </p:spPr>
-        <p:txBody>
-          <a:bodyPr/>
-          <a:lstStyle/>
-          <a:p>
-            <a:fld id="{6D22F896-40B5-4ADD-8801-0D06FADFA095}" type="slidenum">
-              <a:rPr lang="en-US" smtClean="0"/>
-              <a:pPr/>
-              <a:t>2</a:t>
-            </a:fld>
-            <a:endParaRPr lang="en-US" dirty="0"/>
-          </a:p>
-        </p:txBody>
-      </p:sp>
-      <p:pic>
-        <p:nvPicPr>
-          <p:cNvPr id="14" name="Picture Placeholder 13">
-            <a:extLst>
-              <a:ext uri="{FF2B5EF4-FFF2-40B4-BE49-F238E27FC236}">
-                <a16:creationId xmlns:a16="http://schemas.microsoft.com/office/drawing/2014/main" id="{6819D260-6640-0D0F-D819-3CE8E747155D}"/>
-              </a:ext>
-              <a:ext uri="{C183D7F6-B498-43B3-948B-1728B52AA6E4}">
-                <adec:decorative xmlns:adec="http://schemas.microsoft.com/office/drawing/2017/decorative" val="1"/>
-              </a:ext>
-            </a:extLst>
-          </p:cNvPr>
-          <p:cNvPicPr>
-            <a:picLocks noGrp="1" noChangeAspect="1"/>
-          </p:cNvPicPr>
-          <p:nvPr>
-            <p:ph type="pic" idx="1"/>
-          </p:nvPr>
-        </p:nvPicPr>
-        <p:blipFill>
-          <a:blip r:embed="rId4"/>
-          <a:srcRect l="1050" r="1050"/>
-          <a:stretch/>
-        </p:blipFill>
-        <p:spPr>
-          <a:xfrm>
-            <a:off x="7549636" y="820197"/>
-            <a:ext cx="3570347" cy="4863439"/>
-          </a:xfrm>
-        </p:spPr>
-      </p:pic>
-    </p:spTree>
-    <p:extLst>
-      <p:ext uri="{BB962C8B-B14F-4D97-AF65-F5344CB8AC3E}">
-        <p14:creationId xmlns:p14="http://schemas.microsoft.com/office/powerpoint/2010/main" val="218761243"/>
-      </p:ext>
-    </p:extLst>
-  </p:cSld>
-  <p:clrMapOvr>
-    <a:masterClrMapping/>
-  </p:clrMapOvr>
-  <mc:AlternateContent xmlns:mc="http://schemas.openxmlformats.org/markup-compatibility/2006" xmlns:p14="http://schemas.microsoft.com/office/powerpoint/2010/main">
-    <mc:Choice Requires="p14">
-      <p:transition p14:dur="250">
-        <p:fade/>
-      </p:transition>
-    </mc:Choice>
-    <mc:Fallback xmlns="">
-      <p:transition>
-        <p:fade/>
-      </p:transition>
-    </mc:Fallback>
-  </mc:AlternateContent>
-</p:sld>
-</file>
-
-<file path=ppt/slides/slide20.xml><?xml version="1.0" encoding="utf-8"?>
-<p:sld xmlns:a="http://schemas.openxmlformats.org/drawingml/2006/main" xmlns:r="http://schemas.openxmlformats.org/officeDocument/2006/relationships" xmlns:p="http://schemas.openxmlformats.org/presentationml/2006/main">
-  <p:cSld>
-    <p:spTree>
-      <p:nvGrpSpPr>
-        <p:cNvPr id="1" name=""/>
-        <p:cNvGrpSpPr/>
-        <p:nvPr/>
-      </p:nvGrpSpPr>
-      <p:grpSpPr>
-        <a:xfrm>
-          <a:off x="0" y="0"/>
-          <a:ext cx="0" cy="0"/>
-          <a:chOff x="0" y="0"/>
-          <a:chExt cx="0" cy="0"/>
-        </a:xfrm>
-      </p:grpSpPr>
-      <p:sp>
-        <p:nvSpPr>
-          <p:cNvPr id="8" name="Title 7">
-            <a:extLst>
-              <a:ext uri="{FF2B5EF4-FFF2-40B4-BE49-F238E27FC236}">
-                <a16:creationId xmlns:a16="http://schemas.microsoft.com/office/drawing/2014/main" id="{A8F77100-4B74-5BB2-6BC2-978BF012A130}"/>
-              </a:ext>
-            </a:extLst>
-          </p:cNvPr>
-          <p:cNvSpPr>
-            <a:spLocks noGrp="1"/>
-          </p:cNvSpPr>
-          <p:nvPr>
-            <p:ph type="title"/>
-          </p:nvPr>
-        </p:nvSpPr>
-        <p:spPr/>
-        <p:txBody>
-          <a:bodyPr/>
-          <a:lstStyle/>
-          <a:p>
-            <a:r>
-              <a:rPr lang="en-CA" dirty="0"/>
-              <a:t>Outro</a:t>
-            </a:r>
-          </a:p>
-        </p:txBody>
-      </p:sp>
-      <p:sp>
-        <p:nvSpPr>
-          <p:cNvPr id="9" name="Text Placeholder 8">
-            <a:extLst>
-              <a:ext uri="{FF2B5EF4-FFF2-40B4-BE49-F238E27FC236}">
-                <a16:creationId xmlns:a16="http://schemas.microsoft.com/office/drawing/2014/main" id="{59FD6452-0D5F-894F-F226-2D1A8594D355}"/>
-              </a:ext>
-            </a:extLst>
-          </p:cNvPr>
-          <p:cNvSpPr>
-            <a:spLocks noGrp="1"/>
-          </p:cNvSpPr>
-          <p:nvPr>
-            <p:ph type="body" idx="1"/>
-          </p:nvPr>
-        </p:nvSpPr>
-        <p:spPr/>
-        <p:txBody>
-          <a:bodyPr/>
-          <a:lstStyle/>
-          <a:p>
-            <a:endParaRPr lang="en-CA"/>
-          </a:p>
-        </p:txBody>
-      </p:sp>
-      <p:sp>
-        <p:nvSpPr>
-          <p:cNvPr id="5" name="Footer Placeholder 4">
-            <a:extLst>
-              <a:ext uri="{FF2B5EF4-FFF2-40B4-BE49-F238E27FC236}">
-                <a16:creationId xmlns:a16="http://schemas.microsoft.com/office/drawing/2014/main" id="{B5165ADB-E9E8-EB47-9242-24962F7A9F0C}"/>
-              </a:ext>
-            </a:extLst>
-          </p:cNvPr>
-          <p:cNvSpPr>
-            <a:spLocks noGrp="1"/>
-          </p:cNvSpPr>
-          <p:nvPr>
-            <p:ph type="ftr" sz="quarter" idx="11"/>
-          </p:nvPr>
-        </p:nvSpPr>
-        <p:spPr/>
-        <p:txBody>
-          <a:bodyPr/>
-          <a:lstStyle/>
-          <a:p>
-            <a:r>
-              <a:rPr lang="en-US"/>
-              <a:t>Len Popp – https://lenp.net/presentations/</a:t>
-            </a:r>
-            <a:endParaRPr lang="en-US" dirty="0"/>
-          </a:p>
-        </p:txBody>
-      </p:sp>
-      <p:sp>
-        <p:nvSpPr>
-          <p:cNvPr id="6" name="Date Placeholder 5">
-            <a:extLst>
-              <a:ext uri="{FF2B5EF4-FFF2-40B4-BE49-F238E27FC236}">
-                <a16:creationId xmlns:a16="http://schemas.microsoft.com/office/drawing/2014/main" id="{40D73181-EC0C-3630-8FD4-5D78A0DFC990}"/>
-              </a:ext>
-            </a:extLst>
-          </p:cNvPr>
-          <p:cNvSpPr>
-            <a:spLocks noGrp="1"/>
-          </p:cNvSpPr>
-          <p:nvPr>
-            <p:ph type="dt" sz="half" idx="10"/>
-          </p:nvPr>
-        </p:nvSpPr>
-        <p:spPr/>
-        <p:txBody>
-          <a:bodyPr/>
-          <a:lstStyle/>
-          <a:p>
-            <a:r>
-              <a:rPr lang="en-US"/>
-              <a:t>2024-08-20</a:t>
-            </a:r>
-            <a:endParaRPr lang="en-US" dirty="0"/>
-          </a:p>
-        </p:txBody>
-      </p:sp>
-      <p:sp>
-        <p:nvSpPr>
-          <p:cNvPr id="7" name="Slide Number Placeholder 6">
-            <a:extLst>
-              <a:ext uri="{FF2B5EF4-FFF2-40B4-BE49-F238E27FC236}">
-                <a16:creationId xmlns:a16="http://schemas.microsoft.com/office/drawing/2014/main" id="{AA09307F-4F5E-B20D-3D2E-E689E01DCAE6}"/>
-              </a:ext>
-            </a:extLst>
-          </p:cNvPr>
-          <p:cNvSpPr>
-            <a:spLocks noGrp="1"/>
-          </p:cNvSpPr>
-          <p:nvPr>
-            <p:ph type="sldNum" sz="quarter" idx="12"/>
-          </p:nvPr>
-        </p:nvSpPr>
-        <p:spPr/>
-        <p:txBody>
-          <a:bodyPr/>
-          <a:lstStyle/>
-          <a:p>
-            <a:fld id="{6D22F896-40B5-4ADD-8801-0D06FADFA095}" type="slidenum">
-              <a:rPr lang="en-US" smtClean="0"/>
-              <a:t>20</a:t>
-            </a:fld>
-            <a:endParaRPr lang="en-US" dirty="0"/>
-          </a:p>
-        </p:txBody>
-      </p:sp>
-    </p:spTree>
-    <p:extLst>
-      <p:ext uri="{BB962C8B-B14F-4D97-AF65-F5344CB8AC3E}">
-        <p14:creationId xmlns:p14="http://schemas.microsoft.com/office/powerpoint/2010/main" val="907805041"/>
-      </p:ext>
-    </p:extLst>
-  </p:cSld>
-  <p:clrMapOvr>
-    <a:masterClrMapping/>
-  </p:clrMapOvr>
-  <mc:AlternateContent xmlns:mc="http://schemas.openxmlformats.org/markup-compatibility/2006" xmlns:p14="http://schemas.microsoft.com/office/powerpoint/2010/main">
-    <mc:Choice Requires="p14">
-      <p:transition p14:dur="250">
-        <p:fade/>
-      </p:transition>
-    </mc:Choice>
-    <mc:Fallback xmlns="">
-      <p:transition>
-        <p:fade/>
-      </p:transition>
-    </mc:Fallback>
-  </mc:AlternateContent>
-</p:sld>
-</file>
-
-<file path=ppt/slides/slide21.xml><?xml version="1.0" encoding="utf-8"?>
-<p:sld xmlns:a="http://schemas.openxmlformats.org/drawingml/2006/main" xmlns:r="http://schemas.openxmlformats.org/officeDocument/2006/relationships" xmlns:p="http://schemas.openxmlformats.org/presentationml/2006/main">
-  <p:cSld>
-    <p:spTree>
-      <p:nvGrpSpPr>
-        <p:cNvPr id="1" name=""/>
-        <p:cNvGrpSpPr/>
-        <p:nvPr/>
-      </p:nvGrpSpPr>
-      <p:grpSpPr>
-        <a:xfrm>
-          <a:off x="0" y="0"/>
-          <a:ext cx="0" cy="0"/>
-          <a:chOff x="0" y="0"/>
-          <a:chExt cx="0" cy="0"/>
-        </a:xfrm>
-      </p:grpSpPr>
-      <p:sp>
-        <p:nvSpPr>
-          <p:cNvPr id="2" name="Title 1">
-            <a:extLst>
-              <a:ext uri="{FF2B5EF4-FFF2-40B4-BE49-F238E27FC236}">
-                <a16:creationId xmlns:a16="http://schemas.microsoft.com/office/drawing/2014/main" id="{32A48A7E-BC29-465B-FC06-A3AC6274523B}"/>
-              </a:ext>
-            </a:extLst>
-          </p:cNvPr>
-          <p:cNvSpPr>
-            <a:spLocks noGrp="1"/>
-          </p:cNvSpPr>
-          <p:nvPr>
-            <p:ph type="title"/>
-          </p:nvPr>
-        </p:nvSpPr>
-        <p:spPr/>
-        <p:txBody>
-          <a:bodyPr/>
-          <a:lstStyle/>
-          <a:p>
-            <a:r>
-              <a:rPr lang="en-CA" dirty="0"/>
-              <a:t>What I Like</a:t>
-            </a:r>
-          </a:p>
-        </p:txBody>
-      </p:sp>
-      <p:sp>
-        <p:nvSpPr>
-          <p:cNvPr id="3" name="Content Placeholder 2">
-            <a:extLst>
-              <a:ext uri="{FF2B5EF4-FFF2-40B4-BE49-F238E27FC236}">
-                <a16:creationId xmlns:a16="http://schemas.microsoft.com/office/drawing/2014/main" id="{B0D34702-20FB-67A3-547C-1A2F93D2702D}"/>
-              </a:ext>
-            </a:extLst>
-          </p:cNvPr>
-          <p:cNvSpPr>
-            <a:spLocks noGrp="1"/>
-          </p:cNvSpPr>
-          <p:nvPr>
-            <p:ph idx="1"/>
-          </p:nvPr>
-        </p:nvSpPr>
-        <p:spPr/>
-        <p:txBody>
-          <a:bodyPr/>
-          <a:lstStyle/>
-          <a:p>
-            <a:r>
-              <a:rPr lang="en-CA" dirty="0"/>
-              <a:t>Tasks are modular, independent</a:t>
-            </a:r>
-          </a:p>
-          <a:p>
-            <a:pPr lvl="1"/>
-            <a:r>
-              <a:rPr lang="en-CA" dirty="0"/>
-              <a:t>Good code organization</a:t>
-            </a:r>
-          </a:p>
-          <a:p>
-            <a:pPr lvl="1"/>
-            <a:r>
-              <a:rPr lang="en-CA" dirty="0"/>
-              <a:t>Easy to add and remove tasks (debugging etc.)</a:t>
-            </a:r>
-          </a:p>
-          <a:p>
-            <a:r>
-              <a:rPr lang="en-CA" dirty="0"/>
-              <a:t>Each task has its own repetition interval</a:t>
-            </a:r>
-          </a:p>
-          <a:p>
-            <a:r>
-              <a:rPr lang="en-CA" dirty="0"/>
-              <a:t>Low overhead</a:t>
-            </a:r>
-          </a:p>
-          <a:p>
-            <a:pPr lvl="1"/>
-            <a:r>
-              <a:rPr lang="en-CA" dirty="0"/>
-              <a:t>No heap memory allocation</a:t>
-            </a:r>
-          </a:p>
-          <a:p>
-            <a:pPr lvl="1"/>
-            <a:r>
-              <a:rPr lang="en-CA" dirty="0"/>
-              <a:t>A few bytes per task compared to inline code</a:t>
-            </a:r>
-          </a:p>
-        </p:txBody>
-      </p:sp>
-      <p:sp>
-        <p:nvSpPr>
-          <p:cNvPr id="4" name="Footer Placeholder 3">
-            <a:extLst>
-              <a:ext uri="{FF2B5EF4-FFF2-40B4-BE49-F238E27FC236}">
-                <a16:creationId xmlns:a16="http://schemas.microsoft.com/office/drawing/2014/main" id="{CF89E2D9-75CE-3645-3487-1C89021FA007}"/>
-              </a:ext>
-            </a:extLst>
-          </p:cNvPr>
-          <p:cNvSpPr>
-            <a:spLocks noGrp="1"/>
-          </p:cNvSpPr>
-          <p:nvPr>
-            <p:ph type="ftr" sz="quarter" idx="11"/>
-          </p:nvPr>
-        </p:nvSpPr>
-        <p:spPr/>
-        <p:txBody>
-          <a:bodyPr/>
-          <a:lstStyle/>
-          <a:p>
-            <a:r>
-              <a:rPr lang="en-US"/>
-              <a:t>Len Popp – https://lenp.net/presentations/</a:t>
-            </a:r>
-            <a:endParaRPr lang="en-US" dirty="0"/>
-          </a:p>
-        </p:txBody>
-      </p:sp>
-      <p:sp>
-        <p:nvSpPr>
-          <p:cNvPr id="5" name="Date Placeholder 4">
-            <a:extLst>
-              <a:ext uri="{FF2B5EF4-FFF2-40B4-BE49-F238E27FC236}">
-                <a16:creationId xmlns:a16="http://schemas.microsoft.com/office/drawing/2014/main" id="{D10A8B81-EDE9-1258-00C1-CC20CB93ABCF}"/>
-              </a:ext>
-            </a:extLst>
-          </p:cNvPr>
-          <p:cNvSpPr>
-            <a:spLocks noGrp="1"/>
-          </p:cNvSpPr>
-          <p:nvPr>
-            <p:ph type="dt" sz="half" idx="10"/>
-          </p:nvPr>
-        </p:nvSpPr>
-        <p:spPr/>
-        <p:txBody>
-          <a:bodyPr/>
-          <a:lstStyle/>
-          <a:p>
-            <a:r>
-              <a:rPr lang="en-US"/>
-              <a:t>2024-08-20</a:t>
-            </a:r>
-            <a:endParaRPr lang="en-US" dirty="0"/>
-          </a:p>
-        </p:txBody>
-      </p:sp>
-      <p:sp>
-        <p:nvSpPr>
-          <p:cNvPr id="6" name="Slide Number Placeholder 5">
-            <a:extLst>
-              <a:ext uri="{FF2B5EF4-FFF2-40B4-BE49-F238E27FC236}">
-                <a16:creationId xmlns:a16="http://schemas.microsoft.com/office/drawing/2014/main" id="{77471136-EC22-FA4B-1C78-F2D031E9E9F3}"/>
-              </a:ext>
-            </a:extLst>
-          </p:cNvPr>
-          <p:cNvSpPr>
-            <a:spLocks noGrp="1"/>
-          </p:cNvSpPr>
-          <p:nvPr>
-            <p:ph type="sldNum" sz="quarter" idx="12"/>
-          </p:nvPr>
-        </p:nvSpPr>
-        <p:spPr/>
-        <p:txBody>
-          <a:bodyPr/>
-          <a:lstStyle/>
-          <a:p>
-            <a:fld id="{6D22F896-40B5-4ADD-8801-0D06FADFA095}" type="slidenum">
-              <a:rPr lang="en-US" smtClean="0"/>
-              <a:t>21</a:t>
-            </a:fld>
-            <a:endParaRPr lang="en-US" dirty="0"/>
-          </a:p>
-        </p:txBody>
-      </p:sp>
-    </p:spTree>
-    <p:extLst>
-      <p:ext uri="{BB962C8B-B14F-4D97-AF65-F5344CB8AC3E}">
-        <p14:creationId xmlns:p14="http://schemas.microsoft.com/office/powerpoint/2010/main" val="3703935561"/>
-      </p:ext>
-    </p:extLst>
-  </p:cSld>
-  <p:clrMapOvr>
-    <a:masterClrMapping/>
-  </p:clrMapOvr>
-  <mc:AlternateContent xmlns:mc="http://schemas.openxmlformats.org/markup-compatibility/2006" xmlns:p14="http://schemas.microsoft.com/office/powerpoint/2010/main">
-    <mc:Choice Requires="p14">
-      <p:transition p14:dur="250">
-        <p:fade/>
-      </p:transition>
-    </mc:Choice>
-    <mc:Fallback xmlns="">
-      <p:transition>
-        <p:fade/>
-      </p:transition>
-    </mc:Fallback>
-  </mc:AlternateContent>
-</p:sld>
-</file>
-
-<file path=ppt/slides/slide22.xml><?xml version="1.0" encoding="utf-8"?>
-<p:sld xmlns:a="http://schemas.openxmlformats.org/drawingml/2006/main" xmlns:r="http://schemas.openxmlformats.org/officeDocument/2006/relationships" xmlns:p="http://schemas.openxmlformats.org/presentationml/2006/main">
-  <p:cSld>
-    <p:spTree>
-      <p:nvGrpSpPr>
-        <p:cNvPr id="1" name=""/>
-        <p:cNvGrpSpPr/>
-        <p:nvPr/>
-      </p:nvGrpSpPr>
-      <p:grpSpPr>
-        <a:xfrm>
-          <a:off x="0" y="0"/>
-          <a:ext cx="0" cy="0"/>
-          <a:chOff x="0" y="0"/>
-          <a:chExt cx="0" cy="0"/>
-        </a:xfrm>
-      </p:grpSpPr>
-      <p:sp>
-        <p:nvSpPr>
-          <p:cNvPr id="2" name="Title 1">
-            <a:extLst>
-              <a:ext uri="{FF2B5EF4-FFF2-40B4-BE49-F238E27FC236}">
-                <a16:creationId xmlns:a16="http://schemas.microsoft.com/office/drawing/2014/main" id="{5DD4A42A-0402-F083-7699-81AD5FCBB873}"/>
-              </a:ext>
-            </a:extLst>
-          </p:cNvPr>
-          <p:cNvSpPr>
-            <a:spLocks noGrp="1"/>
-          </p:cNvSpPr>
-          <p:nvPr>
-            <p:ph type="title"/>
-          </p:nvPr>
-        </p:nvSpPr>
-        <p:spPr/>
-        <p:txBody>
-          <a:bodyPr/>
-          <a:lstStyle/>
-          <a:p>
-            <a:r>
-              <a:rPr lang="en-CA" dirty="0"/>
-              <a:t>What I don’t Like</a:t>
-            </a:r>
-          </a:p>
-        </p:txBody>
-      </p:sp>
-      <p:sp>
-        <p:nvSpPr>
-          <p:cNvPr id="3" name="Content Placeholder 2">
-            <a:extLst>
-              <a:ext uri="{FF2B5EF4-FFF2-40B4-BE49-F238E27FC236}">
-                <a16:creationId xmlns:a16="http://schemas.microsoft.com/office/drawing/2014/main" id="{7385DD49-5087-D539-82DC-7BE8223D191D}"/>
-              </a:ext>
-            </a:extLst>
-          </p:cNvPr>
-          <p:cNvSpPr>
-            <a:spLocks noGrp="1"/>
-          </p:cNvSpPr>
-          <p:nvPr>
-            <p:ph idx="1"/>
-          </p:nvPr>
-        </p:nvSpPr>
-        <p:spPr/>
-        <p:txBody>
-          <a:bodyPr/>
-          <a:lstStyle/>
-          <a:p>
-            <a:r>
-              <a:rPr lang="en-CA" dirty="0"/>
-              <a:t>Not suitable for tasks with hard real-time constraints</a:t>
-            </a:r>
-          </a:p>
-          <a:p>
-            <a:pPr lvl="1"/>
-            <a:r>
-              <a:rPr lang="en-CA" dirty="0"/>
-              <a:t>A long-running task blocks other tasks from running</a:t>
-            </a:r>
-          </a:p>
-        </p:txBody>
-      </p:sp>
-      <p:sp>
-        <p:nvSpPr>
-          <p:cNvPr id="4" name="Footer Placeholder 3">
-            <a:extLst>
-              <a:ext uri="{FF2B5EF4-FFF2-40B4-BE49-F238E27FC236}">
-                <a16:creationId xmlns:a16="http://schemas.microsoft.com/office/drawing/2014/main" id="{A8107D08-4DAE-3E84-1D04-EE4BBACC9076}"/>
-              </a:ext>
-            </a:extLst>
-          </p:cNvPr>
-          <p:cNvSpPr>
-            <a:spLocks noGrp="1"/>
-          </p:cNvSpPr>
-          <p:nvPr>
-            <p:ph type="ftr" sz="quarter" idx="11"/>
-          </p:nvPr>
-        </p:nvSpPr>
-        <p:spPr/>
-        <p:txBody>
-          <a:bodyPr/>
-          <a:lstStyle/>
-          <a:p>
-            <a:r>
-              <a:rPr lang="en-US"/>
-              <a:t>Len Popp – https://lenp.net/presentations/</a:t>
-            </a:r>
-            <a:endParaRPr lang="en-US" dirty="0"/>
-          </a:p>
-        </p:txBody>
-      </p:sp>
-      <p:sp>
-        <p:nvSpPr>
-          <p:cNvPr id="5" name="Date Placeholder 4">
-            <a:extLst>
-              <a:ext uri="{FF2B5EF4-FFF2-40B4-BE49-F238E27FC236}">
-                <a16:creationId xmlns:a16="http://schemas.microsoft.com/office/drawing/2014/main" id="{54BAC8CA-86AA-520C-E92B-FCD384A3D7CA}"/>
-              </a:ext>
-            </a:extLst>
-          </p:cNvPr>
-          <p:cNvSpPr>
-            <a:spLocks noGrp="1"/>
-          </p:cNvSpPr>
-          <p:nvPr>
-            <p:ph type="dt" sz="half" idx="10"/>
-          </p:nvPr>
-        </p:nvSpPr>
-        <p:spPr/>
-        <p:txBody>
-          <a:bodyPr/>
-          <a:lstStyle/>
-          <a:p>
-            <a:r>
-              <a:rPr lang="en-US"/>
-              <a:t>2024-08-20</a:t>
-            </a:r>
-            <a:endParaRPr lang="en-US" dirty="0"/>
-          </a:p>
-        </p:txBody>
-      </p:sp>
-      <p:sp>
-        <p:nvSpPr>
-          <p:cNvPr id="6" name="Slide Number Placeholder 5">
-            <a:extLst>
-              <a:ext uri="{FF2B5EF4-FFF2-40B4-BE49-F238E27FC236}">
-                <a16:creationId xmlns:a16="http://schemas.microsoft.com/office/drawing/2014/main" id="{97A2A12F-11C2-8677-A934-6889892DAEEE}"/>
-              </a:ext>
-            </a:extLst>
-          </p:cNvPr>
-          <p:cNvSpPr>
-            <a:spLocks noGrp="1"/>
-          </p:cNvSpPr>
-          <p:nvPr>
-            <p:ph type="sldNum" sz="quarter" idx="12"/>
-          </p:nvPr>
-        </p:nvSpPr>
-        <p:spPr/>
-        <p:txBody>
-          <a:bodyPr/>
-          <a:lstStyle/>
-          <a:p>
-            <a:fld id="{6D22F896-40B5-4ADD-8801-0D06FADFA095}" type="slidenum">
-              <a:rPr lang="en-US" smtClean="0"/>
-              <a:t>22</a:t>
-            </a:fld>
-            <a:endParaRPr lang="en-US" dirty="0"/>
-          </a:p>
-        </p:txBody>
-      </p:sp>
-    </p:spTree>
-    <p:extLst>
-      <p:ext uri="{BB962C8B-B14F-4D97-AF65-F5344CB8AC3E}">
-        <p14:creationId xmlns:p14="http://schemas.microsoft.com/office/powerpoint/2010/main" val="3970087317"/>
-      </p:ext>
-    </p:extLst>
-  </p:cSld>
-  <p:clrMapOvr>
-    <a:masterClrMapping/>
-  </p:clrMapOvr>
-  <mc:AlternateContent xmlns:mc="http://schemas.openxmlformats.org/markup-compatibility/2006" xmlns:p14="http://schemas.microsoft.com/office/powerpoint/2010/main">
-    <mc:Choice Requires="p14">
-      <p:transition p14:dur="250">
-        <p:fade/>
-      </p:transition>
-    </mc:Choice>
-    <mc:Fallback xmlns="">
-      <p:transition>
-        <p:fade/>
-      </p:transition>
-    </mc:Fallback>
-  </mc:AlternateContent>
-</p:sld>
-</file>
-
-<file path=ppt/slides/slide23.xml><?xml version="1.0" encoding="utf-8"?>
-<p:sld xmlns:a="http://schemas.openxmlformats.org/drawingml/2006/main" xmlns:r="http://schemas.openxmlformats.org/officeDocument/2006/relationships" xmlns:p="http://schemas.openxmlformats.org/presentationml/2006/main" showMasterPhAnim="0">
-  <p:cSld>
-    <p:spTree>
-      <p:nvGrpSpPr>
-        <p:cNvPr id="1" name=""/>
-        <p:cNvGrpSpPr/>
-        <p:nvPr/>
-      </p:nvGrpSpPr>
-      <p:grpSpPr>
-        <a:xfrm>
-          <a:off x="0" y="0"/>
-          <a:ext cx="0" cy="0"/>
-          <a:chOff x="0" y="0"/>
-          <a:chExt cx="0" cy="0"/>
-        </a:xfrm>
-      </p:grpSpPr>
-      <p:sp>
-        <p:nvSpPr>
-          <p:cNvPr id="8" name="Title 7">
-            <a:extLst>
-              <a:ext uri="{FF2B5EF4-FFF2-40B4-BE49-F238E27FC236}">
-                <a16:creationId xmlns:a16="http://schemas.microsoft.com/office/drawing/2014/main" id="{8B8B4D7B-DFFE-D8A3-D206-642E04464D45}"/>
-              </a:ext>
-            </a:extLst>
-          </p:cNvPr>
-          <p:cNvSpPr>
-            <a:spLocks noGrp="1"/>
-          </p:cNvSpPr>
-          <p:nvPr>
-            <p:ph type="title"/>
-          </p:nvPr>
-        </p:nvSpPr>
-        <p:spPr/>
-        <p:txBody>
-          <a:bodyPr/>
-          <a:lstStyle/>
-          <a:p>
-            <a:r>
-              <a:rPr lang="en-CA" dirty="0"/>
-              <a:t>download</a:t>
-            </a:r>
-          </a:p>
-        </p:txBody>
-      </p:sp>
-      <p:sp>
-        <p:nvSpPr>
-          <p:cNvPr id="9" name="Content Placeholder 8">
-            <a:extLst>
-              <a:ext uri="{FF2B5EF4-FFF2-40B4-BE49-F238E27FC236}">
-                <a16:creationId xmlns:a16="http://schemas.microsoft.com/office/drawing/2014/main" id="{0D557348-FA08-6300-4146-565E2E736392}"/>
-              </a:ext>
-            </a:extLst>
-          </p:cNvPr>
-          <p:cNvSpPr>
-            <a:spLocks noGrp="1"/>
-          </p:cNvSpPr>
-          <p:nvPr>
-            <p:ph idx="1"/>
-          </p:nvPr>
-        </p:nvSpPr>
-        <p:spPr/>
-        <p:txBody>
-          <a:bodyPr/>
-          <a:lstStyle/>
-          <a:p>
-            <a:pPr marL="0" indent="0">
-              <a:buNone/>
-            </a:pPr>
-            <a:r>
-              <a:rPr lang="en-CA" dirty="0">
-                <a:hlinkClick r:id="rId3"/>
-              </a:rPr>
-              <a:t>https://github.com/Len42/TaskDemo-RP2040</a:t>
-            </a:r>
-            <a:endParaRPr lang="en-CA" dirty="0"/>
-          </a:p>
-        </p:txBody>
-      </p:sp>
-      <p:sp>
-        <p:nvSpPr>
-          <p:cNvPr id="5" name="Footer Placeholder 4">
-            <a:extLst>
-              <a:ext uri="{FF2B5EF4-FFF2-40B4-BE49-F238E27FC236}">
-                <a16:creationId xmlns:a16="http://schemas.microsoft.com/office/drawing/2014/main" id="{9DADBFF5-4959-0707-C18F-89FB1CAE4555}"/>
-              </a:ext>
-            </a:extLst>
-          </p:cNvPr>
-          <p:cNvSpPr>
-            <a:spLocks noGrp="1"/>
-          </p:cNvSpPr>
-          <p:nvPr>
-            <p:ph type="ftr" sz="quarter" idx="11"/>
-          </p:nvPr>
-        </p:nvSpPr>
-        <p:spPr/>
-        <p:txBody>
-          <a:bodyPr/>
-          <a:lstStyle/>
-          <a:p>
-            <a:r>
-              <a:rPr lang="en-US"/>
-              <a:t>Len Popp – https://lenp.net/presentations/</a:t>
-            </a:r>
-            <a:endParaRPr lang="en-US" dirty="0"/>
-          </a:p>
-        </p:txBody>
-      </p:sp>
-      <p:sp>
-        <p:nvSpPr>
-          <p:cNvPr id="6" name="Date Placeholder 5">
-            <a:extLst>
-              <a:ext uri="{FF2B5EF4-FFF2-40B4-BE49-F238E27FC236}">
-                <a16:creationId xmlns:a16="http://schemas.microsoft.com/office/drawing/2014/main" id="{70045BBB-3FC4-2747-7F45-DA46A83073C3}"/>
-              </a:ext>
-            </a:extLst>
-          </p:cNvPr>
-          <p:cNvSpPr>
-            <a:spLocks noGrp="1"/>
-          </p:cNvSpPr>
-          <p:nvPr>
-            <p:ph type="dt" sz="half" idx="10"/>
-          </p:nvPr>
-        </p:nvSpPr>
-        <p:spPr/>
-        <p:txBody>
-          <a:bodyPr/>
-          <a:lstStyle/>
-          <a:p>
-            <a:r>
-              <a:rPr lang="en-US"/>
-              <a:t>2024-08-20</a:t>
-            </a:r>
-            <a:endParaRPr lang="en-US" dirty="0"/>
-          </a:p>
-        </p:txBody>
-      </p:sp>
-      <p:sp>
-        <p:nvSpPr>
-          <p:cNvPr id="7" name="Slide Number Placeholder 6">
-            <a:extLst>
-              <a:ext uri="{FF2B5EF4-FFF2-40B4-BE49-F238E27FC236}">
-                <a16:creationId xmlns:a16="http://schemas.microsoft.com/office/drawing/2014/main" id="{82F5B19A-6385-A325-FB2D-9E4A6856B9CF}"/>
-              </a:ext>
-            </a:extLst>
-          </p:cNvPr>
-          <p:cNvSpPr>
-            <a:spLocks noGrp="1"/>
-          </p:cNvSpPr>
-          <p:nvPr>
-            <p:ph type="sldNum" sz="quarter" idx="12"/>
-          </p:nvPr>
-        </p:nvSpPr>
-        <p:spPr/>
-        <p:txBody>
-          <a:bodyPr/>
-          <a:lstStyle/>
-          <a:p>
-            <a:fld id="{6D22F896-40B5-4ADD-8801-0D06FADFA095}" type="slidenum">
-              <a:rPr lang="en-US" smtClean="0"/>
-              <a:t>23</a:t>
-            </a:fld>
-            <a:endParaRPr lang="en-US" dirty="0"/>
-          </a:p>
-        </p:txBody>
-      </p:sp>
-    </p:spTree>
-    <p:extLst>
-      <p:ext uri="{BB962C8B-B14F-4D97-AF65-F5344CB8AC3E}">
-        <p14:creationId xmlns:p14="http://schemas.microsoft.com/office/powerpoint/2010/main" val="145137111"/>
-      </p:ext>
-    </p:extLst>
-  </p:cSld>
-  <p:clrMapOvr>
-    <a:masterClrMapping/>
-  </p:clrMapOvr>
-  <mc:AlternateContent xmlns:mc="http://schemas.openxmlformats.org/markup-compatibility/2006" xmlns:p14="http://schemas.microsoft.com/office/powerpoint/2010/main">
-    <mc:Choice Requires="p14">
-      <p:transition p14:dur="250">
-        <p:fade/>
-      </p:transition>
-    </mc:Choice>
-    <mc:Fallback xmlns="">
-      <p:transition>
-        <p:fade/>
-      </p:transition>
-    </mc:Fallback>
-  </mc:AlternateContent>
-</p:sld>
-</file>
-
-<file path=ppt/slides/slide24.xml><?xml version="1.0" encoding="utf-8"?>
-<p:sld xmlns:a="http://schemas.openxmlformats.org/drawingml/2006/main" xmlns:r="http://schemas.openxmlformats.org/officeDocument/2006/relationships" xmlns:p="http://schemas.openxmlformats.org/presentationml/2006/main">
-  <p:cSld>
-    <p:spTree>
-      <p:nvGrpSpPr>
-        <p:cNvPr id="1" name=""/>
-        <p:cNvGrpSpPr/>
-        <p:nvPr/>
-      </p:nvGrpSpPr>
-      <p:grpSpPr>
-        <a:xfrm>
-          <a:off x="0" y="0"/>
-          <a:ext cx="0" cy="0"/>
-          <a:chOff x="0" y="0"/>
-          <a:chExt cx="0" cy="0"/>
-        </a:xfrm>
-      </p:grpSpPr>
-      <p:sp>
-        <p:nvSpPr>
-          <p:cNvPr id="2" name="Title 1">
-            <a:extLst>
-              <a:ext uri="{FF2B5EF4-FFF2-40B4-BE49-F238E27FC236}">
-                <a16:creationId xmlns:a16="http://schemas.microsoft.com/office/drawing/2014/main" id="{F4AA7313-34AF-F069-5C32-8389196A61D3}"/>
-              </a:ext>
-            </a:extLst>
-          </p:cNvPr>
-          <p:cNvSpPr>
-            <a:spLocks noGrp="1"/>
-          </p:cNvSpPr>
-          <p:nvPr>
-            <p:ph type="ctrTitle"/>
-          </p:nvPr>
-        </p:nvSpPr>
-        <p:spPr/>
-        <p:txBody>
-          <a:bodyPr/>
-          <a:lstStyle/>
-          <a:p>
-            <a:r>
-              <a:rPr lang="en-CA" dirty="0"/>
-              <a:t>FIN</a:t>
-            </a:r>
-          </a:p>
-        </p:txBody>
-      </p:sp>
-      <p:sp>
-        <p:nvSpPr>
-          <p:cNvPr id="3" name="Text Placeholder 2">
-            <a:extLst>
-              <a:ext uri="{FF2B5EF4-FFF2-40B4-BE49-F238E27FC236}">
-                <a16:creationId xmlns:a16="http://schemas.microsoft.com/office/drawing/2014/main" id="{88687802-149B-A2A4-AB86-B6866177F1D6}"/>
-              </a:ext>
-            </a:extLst>
-          </p:cNvPr>
-          <p:cNvSpPr>
-            <a:spLocks noGrp="1"/>
-          </p:cNvSpPr>
-          <p:nvPr>
-            <p:ph type="subTitle" idx="1"/>
-          </p:nvPr>
-        </p:nvSpPr>
-        <p:spPr/>
-        <p:txBody>
-          <a:bodyPr/>
-          <a:lstStyle/>
-          <a:p>
-            <a:r>
-              <a:rPr lang="en-CA" dirty="0"/>
-              <a:t>Questions?</a:t>
-            </a:r>
-          </a:p>
-        </p:txBody>
-      </p:sp>
-      <p:sp>
-        <p:nvSpPr>
-          <p:cNvPr id="4" name="Footer Placeholder 3">
-            <a:extLst>
-              <a:ext uri="{FF2B5EF4-FFF2-40B4-BE49-F238E27FC236}">
-                <a16:creationId xmlns:a16="http://schemas.microsoft.com/office/drawing/2014/main" id="{21D729C1-3806-030B-AFB7-CB40EB5A8DE7}"/>
-              </a:ext>
-            </a:extLst>
-          </p:cNvPr>
-          <p:cNvSpPr>
-            <a:spLocks noGrp="1"/>
-          </p:cNvSpPr>
-          <p:nvPr>
-            <p:ph type="ftr" sz="quarter" idx="11"/>
-          </p:nvPr>
-        </p:nvSpPr>
-        <p:spPr/>
-        <p:txBody>
-          <a:bodyPr/>
-          <a:lstStyle/>
-          <a:p>
-            <a:r>
-              <a:rPr lang="en-US"/>
-              <a:t>Len Popp – https://lenp.net/presentations/</a:t>
-            </a:r>
-            <a:endParaRPr lang="en-US" dirty="0"/>
-          </a:p>
-        </p:txBody>
-      </p:sp>
-      <p:sp>
-        <p:nvSpPr>
-          <p:cNvPr id="5" name="Date Placeholder 4">
-            <a:extLst>
-              <a:ext uri="{FF2B5EF4-FFF2-40B4-BE49-F238E27FC236}">
-                <a16:creationId xmlns:a16="http://schemas.microsoft.com/office/drawing/2014/main" id="{BF00B4BA-A06B-7715-2C24-E8A23CA19B99}"/>
-              </a:ext>
-            </a:extLst>
-          </p:cNvPr>
-          <p:cNvSpPr>
-            <a:spLocks noGrp="1"/>
-          </p:cNvSpPr>
-          <p:nvPr>
-            <p:ph type="dt" sz="half" idx="10"/>
-          </p:nvPr>
-        </p:nvSpPr>
-        <p:spPr/>
-        <p:txBody>
-          <a:bodyPr/>
-          <a:lstStyle/>
-          <a:p>
-            <a:r>
-              <a:rPr lang="en-US"/>
-              <a:t>2024-08-20</a:t>
-            </a:r>
-            <a:endParaRPr lang="en-US" dirty="0"/>
-          </a:p>
-        </p:txBody>
-      </p:sp>
-      <p:sp>
-        <p:nvSpPr>
-          <p:cNvPr id="6" name="Slide Number Placeholder 5">
-            <a:extLst>
-              <a:ext uri="{FF2B5EF4-FFF2-40B4-BE49-F238E27FC236}">
-                <a16:creationId xmlns:a16="http://schemas.microsoft.com/office/drawing/2014/main" id="{E0B220F7-D9C6-83E7-BAEF-97AFCC6FD834}"/>
-              </a:ext>
-            </a:extLst>
-          </p:cNvPr>
-          <p:cNvSpPr>
-            <a:spLocks noGrp="1"/>
-          </p:cNvSpPr>
-          <p:nvPr>
-            <p:ph type="sldNum" sz="quarter" idx="12"/>
-          </p:nvPr>
-        </p:nvSpPr>
-        <p:spPr/>
-        <p:txBody>
-          <a:bodyPr/>
-          <a:lstStyle/>
-          <a:p>
-            <a:fld id="{6D22F896-40B5-4ADD-8801-0D06FADFA095}" type="slidenum">
-              <a:rPr lang="en-US" smtClean="0"/>
-              <a:pPr/>
-              <a:t>24</a:t>
-            </a:fld>
-            <a:endParaRPr lang="en-US" dirty="0"/>
-          </a:p>
-        </p:txBody>
-      </p:sp>
-    </p:spTree>
-    <p:extLst>
-      <p:ext uri="{BB962C8B-B14F-4D97-AF65-F5344CB8AC3E}">
-        <p14:creationId xmlns:p14="http://schemas.microsoft.com/office/powerpoint/2010/main" val="4164895864"/>
-      </p:ext>
-    </p:extLst>
-  </p:cSld>
-  <p:clrMapOvr>
-    <a:masterClrMapping/>
-  </p:clrMapOvr>
-  <mc:AlternateContent xmlns:mc="http://schemas.openxmlformats.org/markup-compatibility/2006" xmlns:p14="http://schemas.microsoft.com/office/powerpoint/2010/main">
-    <mc:Choice Requires="p14">
-      <p:transition p14:dur="250">
-        <p:fade/>
-      </p:transition>
-    </mc:Choice>
-    <mc:Fallback xmlns="">
-      <p:transition>
-        <p:fade/>
-      </p:transition>
-    </mc:Fallback>
-  </mc:AlternateContent>
 </p:sld>
 </file>
 
@@ -30699,7 +28452,7 @@
           <a:p>
             <a:r>
               <a:rPr lang="en-US"/>
-              <a:t>2024-08-20</a:t>
+              <a:t>2024-10-08</a:t>
             </a:r>
             <a:endParaRPr lang="en-US" dirty="0"/>
           </a:p>
@@ -30964,7 +28717,7 @@
           <a:p>
             <a:r>
               <a:rPr lang="en-US"/>
-              <a:t>2024-08-20</a:t>
+              <a:t>2024-10-08</a:t>
             </a:r>
             <a:endParaRPr lang="en-US" dirty="0"/>
           </a:p>
@@ -31156,7 +28909,7 @@
           <a:p>
             <a:r>
               <a:rPr lang="en-US"/>
-              <a:t>2024-08-20</a:t>
+              <a:t>2024-10-08</a:t>
             </a:r>
             <a:endParaRPr lang="en-US" dirty="0"/>
           </a:p>
@@ -31387,7 +29140,7 @@
           <a:p>
             <a:r>
               <a:rPr lang="en-US"/>
-              <a:t>2024-08-20</a:t>
+              <a:t>2024-10-08</a:t>
             </a:r>
             <a:endParaRPr lang="en-US" dirty="0"/>
           </a:p>
@@ -31709,7 +29462,7 @@
           <a:p>
             <a:r>
               <a:rPr lang="en-US"/>
-              <a:t>2024-08-20</a:t>
+              <a:t>2024-10-08</a:t>
             </a:r>
             <a:endParaRPr lang="en-US" dirty="0"/>
           </a:p>
@@ -32559,7 +30312,7 @@
           <a:p>
             <a:r>
               <a:rPr lang="en-US"/>
-              <a:t>2024-08-20</a:t>
+              <a:t>2024-10-08</a:t>
             </a:r>
             <a:endParaRPr lang="en-US" dirty="0"/>
           </a:p>
@@ -33175,7 +30928,7 @@
           <a:p>
             <a:r>
               <a:rPr lang="en-US"/>
-              <a:t>2024-08-20</a:t>
+              <a:t>2024-10-08</a:t>
             </a:r>
             <a:endParaRPr lang="en-US" dirty="0"/>
           </a:p>

--- a/TaskScheduler/TaskScheduler.pptx
+++ b/TaskScheduler/TaskScheduler.pptx
@@ -5,7 +5,7 @@
     <p:sldMasterId id="2147483669" r:id="rId1"/>
   </p:sldMasterIdLst>
   <p:notesMasterIdLst>
-    <p:notesMasterId r:id="rId25"/>
+    <p:notesMasterId r:id="rId26"/>
   </p:notesMasterIdLst>
   <p:sldIdLst>
     <p:sldId id="256" r:id="rId2"/>
@@ -31,6 +31,7 @@
     <p:sldId id="280" r:id="rId22"/>
     <p:sldId id="264" r:id="rId23"/>
     <p:sldId id="261" r:id="rId24"/>
+    <p:sldId id="285" r:id="rId25"/>
   </p:sldIdLst>
   <p:sldSz cx="12192000" cy="6858000"/>
   <p:notesSz cx="6858000" cy="9144000"/>
@@ -3964,7 +3965,7 @@
           <a:noFill/>
           <a:extLst>
             <a:ext uri="{909E8E84-426E-40dd-AFC4-6F175D3DCCD1}">
-              <a14:hiddenFill xmlns:a14="http://schemas.microsoft.com/office/drawing/2010/main" xmlns="">
+              <a14:hiddenFill xmlns="" xmlns:a14="http://schemas.microsoft.com/office/drawing/2010/main">
                 <a:solidFill>
                   <a:srgbClr val="FFFFFF"/>
                 </a:solidFill>
@@ -4030,7 +4031,7 @@
             </a:ln>
             <a:extLst>
               <a:ext uri="{91240B29-F687-4f45-9708-019B960494DF}">
-                <a14:hiddenLine xmlns:a14="http://schemas.microsoft.com/office/drawing/2010/main" xmlns="" w="9525">
+                <a14:hiddenLine xmlns="" xmlns:a14="http://schemas.microsoft.com/office/drawing/2010/main" w="9525">
                   <a:solidFill>
                     <a:srgbClr val="000000"/>
                   </a:solidFill>
@@ -4120,7 +4121,7 @@
             </a:ln>
             <a:extLst>
               <a:ext uri="{91240B29-F687-4f45-9708-019B960494DF}">
-                <a14:hiddenLine xmlns:a14="http://schemas.microsoft.com/office/drawing/2010/main" xmlns="" w="9525">
+                <a14:hiddenLine xmlns="" xmlns:a14="http://schemas.microsoft.com/office/drawing/2010/main" w="9525">
                   <a:solidFill>
                     <a:srgbClr val="000000"/>
                   </a:solidFill>
@@ -4210,7 +4211,7 @@
             </a:ln>
             <a:extLst>
               <a:ext uri="{91240B29-F687-4f45-9708-019B960494DF}">
-                <a14:hiddenLine xmlns:a14="http://schemas.microsoft.com/office/drawing/2010/main" xmlns="" w="9525">
+                <a14:hiddenLine xmlns="" xmlns:a14="http://schemas.microsoft.com/office/drawing/2010/main" w="9525">
                   <a:solidFill>
                     <a:srgbClr val="000000"/>
                   </a:solidFill>
@@ -4244,7 +4245,7 @@
             </a:ln>
             <a:extLst>
               <a:ext uri="{91240B29-F687-4f45-9708-019B960494DF}">
-                <a14:hiddenLine xmlns:a14="http://schemas.microsoft.com/office/drawing/2010/main" xmlns="" w="9525">
+                <a14:hiddenLine xmlns="" xmlns:a14="http://schemas.microsoft.com/office/drawing/2010/main" w="9525">
                   <a:solidFill>
                     <a:srgbClr val="000000"/>
                   </a:solidFill>
@@ -4334,7 +4335,7 @@
             </a:ln>
             <a:extLst>
               <a:ext uri="{91240B29-F687-4f45-9708-019B960494DF}">
-                <a14:hiddenLine xmlns:a14="http://schemas.microsoft.com/office/drawing/2010/main" xmlns="" w="9525">
+                <a14:hiddenLine xmlns="" xmlns:a14="http://schemas.microsoft.com/office/drawing/2010/main" w="9525">
                   <a:solidFill>
                     <a:srgbClr val="000000"/>
                   </a:solidFill>
@@ -4396,7 +4397,7 @@
             </a:ln>
             <a:extLst>
               <a:ext uri="{91240B29-F687-4f45-9708-019B960494DF}">
-                <a14:hiddenLine xmlns:a14="http://schemas.microsoft.com/office/drawing/2010/main" xmlns="" w="9525">
+                <a14:hiddenLine xmlns="" xmlns:a14="http://schemas.microsoft.com/office/drawing/2010/main" w="9525">
                   <a:solidFill>
                     <a:srgbClr val="000000"/>
                   </a:solidFill>
@@ -4458,7 +4459,7 @@
             </a:ln>
             <a:extLst>
               <a:ext uri="{91240B29-F687-4f45-9708-019B960494DF}">
-                <a14:hiddenLine xmlns:a14="http://schemas.microsoft.com/office/drawing/2010/main" xmlns="" w="9525">
+                <a14:hiddenLine xmlns="" xmlns:a14="http://schemas.microsoft.com/office/drawing/2010/main" w="9525">
                   <a:solidFill>
                     <a:srgbClr val="000000"/>
                   </a:solidFill>
@@ -4548,7 +4549,7 @@
             </a:ln>
             <a:extLst>
               <a:ext uri="{91240B29-F687-4f45-9708-019B960494DF}">
-                <a14:hiddenLine xmlns:a14="http://schemas.microsoft.com/office/drawing/2010/main" xmlns="" w="9525">
+                <a14:hiddenLine xmlns="" xmlns:a14="http://schemas.microsoft.com/office/drawing/2010/main" w="9525">
                   <a:solidFill>
                     <a:srgbClr val="000000"/>
                   </a:solidFill>
@@ -4610,7 +4611,7 @@
             </a:ln>
             <a:extLst>
               <a:ext uri="{91240B29-F687-4f45-9708-019B960494DF}">
-                <a14:hiddenLine xmlns:a14="http://schemas.microsoft.com/office/drawing/2010/main" xmlns="" w="9525">
+                <a14:hiddenLine xmlns="" xmlns:a14="http://schemas.microsoft.com/office/drawing/2010/main" w="9525">
                   <a:solidFill>
                     <a:srgbClr val="000000"/>
                   </a:solidFill>
@@ -4672,7 +4673,7 @@
             </a:ln>
             <a:extLst>
               <a:ext uri="{91240B29-F687-4f45-9708-019B960494DF}">
-                <a14:hiddenLine xmlns:a14="http://schemas.microsoft.com/office/drawing/2010/main" xmlns="" w="9525">
+                <a14:hiddenLine xmlns="" xmlns:a14="http://schemas.microsoft.com/office/drawing/2010/main" w="9525">
                   <a:solidFill>
                     <a:srgbClr val="000000"/>
                   </a:solidFill>
@@ -4762,7 +4763,7 @@
             </a:ln>
             <a:extLst>
               <a:ext uri="{91240B29-F687-4f45-9708-019B960494DF}">
-                <a14:hiddenLine xmlns:a14="http://schemas.microsoft.com/office/drawing/2010/main" xmlns="" w="9525">
+                <a14:hiddenLine xmlns="" xmlns:a14="http://schemas.microsoft.com/office/drawing/2010/main" w="9525">
                   <a:solidFill>
                     <a:srgbClr val="000000"/>
                   </a:solidFill>
@@ -4852,7 +4853,7 @@
             </a:ln>
             <a:extLst>
               <a:ext uri="{91240B29-F687-4f45-9708-019B960494DF}">
-                <a14:hiddenLine xmlns:a14="http://schemas.microsoft.com/office/drawing/2010/main" xmlns="" w="9525">
+                <a14:hiddenLine xmlns="" xmlns:a14="http://schemas.microsoft.com/office/drawing/2010/main" w="9525">
                   <a:solidFill>
                     <a:srgbClr val="000000"/>
                   </a:solidFill>
@@ -4914,7 +4915,7 @@
             </a:ln>
             <a:extLst>
               <a:ext uri="{91240B29-F687-4f45-9708-019B960494DF}">
-                <a14:hiddenLine xmlns:a14="http://schemas.microsoft.com/office/drawing/2010/main" xmlns="" w="9525">
+                <a14:hiddenLine xmlns="" xmlns:a14="http://schemas.microsoft.com/office/drawing/2010/main" w="9525">
                   <a:solidFill>
                     <a:srgbClr val="000000"/>
                   </a:solidFill>
@@ -5024,7 +5025,7 @@
             </a:ln>
             <a:extLst>
               <a:ext uri="{91240B29-F687-4f45-9708-019B960494DF}">
-                <a14:hiddenLine xmlns:a14="http://schemas.microsoft.com/office/drawing/2010/main" xmlns="" w="9525">
+                <a14:hiddenLine xmlns="" xmlns:a14="http://schemas.microsoft.com/office/drawing/2010/main" w="9525">
                   <a:solidFill>
                     <a:srgbClr val="000000"/>
                   </a:solidFill>
@@ -5086,7 +5087,7 @@
             </a:ln>
             <a:extLst>
               <a:ext uri="{91240B29-F687-4f45-9708-019B960494DF}">
-                <a14:hiddenLine xmlns:a14="http://schemas.microsoft.com/office/drawing/2010/main" xmlns="" w="9525">
+                <a14:hiddenLine xmlns="" xmlns:a14="http://schemas.microsoft.com/office/drawing/2010/main" w="9525">
                   <a:solidFill>
                     <a:srgbClr val="000000"/>
                   </a:solidFill>
@@ -5176,7 +5177,7 @@
             </a:ln>
             <a:extLst>
               <a:ext uri="{91240B29-F687-4f45-9708-019B960494DF}">
-                <a14:hiddenLine xmlns:a14="http://schemas.microsoft.com/office/drawing/2010/main" xmlns="" w="9525">
+                <a14:hiddenLine xmlns="" xmlns:a14="http://schemas.microsoft.com/office/drawing/2010/main" w="9525">
                   <a:solidFill>
                     <a:srgbClr val="000000"/>
                   </a:solidFill>
@@ -5266,7 +5267,7 @@
             </a:ln>
             <a:extLst>
               <a:ext uri="{91240B29-F687-4f45-9708-019B960494DF}">
-                <a14:hiddenLine xmlns:a14="http://schemas.microsoft.com/office/drawing/2010/main" xmlns="" w="9525">
+                <a14:hiddenLine xmlns="" xmlns:a14="http://schemas.microsoft.com/office/drawing/2010/main" w="9525">
                   <a:solidFill>
                     <a:srgbClr val="000000"/>
                   </a:solidFill>
@@ -5328,7 +5329,7 @@
             </a:ln>
             <a:extLst>
               <a:ext uri="{91240B29-F687-4f45-9708-019B960494DF}">
-                <a14:hiddenLine xmlns:a14="http://schemas.microsoft.com/office/drawing/2010/main" xmlns="" w="9525">
+                <a14:hiddenLine xmlns="" xmlns:a14="http://schemas.microsoft.com/office/drawing/2010/main" w="9525">
                   <a:solidFill>
                     <a:srgbClr val="000000"/>
                   </a:solidFill>
@@ -5418,7 +5419,7 @@
             </a:ln>
             <a:extLst>
               <a:ext uri="{91240B29-F687-4f45-9708-019B960494DF}">
-                <a14:hiddenLine xmlns:a14="http://schemas.microsoft.com/office/drawing/2010/main" xmlns="" w="9525">
+                <a14:hiddenLine xmlns="" xmlns:a14="http://schemas.microsoft.com/office/drawing/2010/main" w="9525">
                   <a:solidFill>
                     <a:srgbClr val="000000"/>
                   </a:solidFill>
@@ -5508,7 +5509,7 @@
             </a:ln>
             <a:extLst>
               <a:ext uri="{91240B29-F687-4f45-9708-019B960494DF}">
-                <a14:hiddenLine xmlns:a14="http://schemas.microsoft.com/office/drawing/2010/main" xmlns="" w="9525">
+                <a14:hiddenLine xmlns="" xmlns:a14="http://schemas.microsoft.com/office/drawing/2010/main" w="9525">
                   <a:solidFill>
                     <a:srgbClr val="000000"/>
                   </a:solidFill>
@@ -5564,7 +5565,7 @@
             </a:ln>
             <a:extLst>
               <a:ext uri="{91240B29-F687-4f45-9708-019B960494DF}">
-                <a14:hiddenLine xmlns:a14="http://schemas.microsoft.com/office/drawing/2010/main" xmlns="" w="9525">
+                <a14:hiddenLine xmlns="" xmlns:a14="http://schemas.microsoft.com/office/drawing/2010/main" w="9525">
                   <a:solidFill>
                     <a:srgbClr val="000000"/>
                   </a:solidFill>
@@ -5654,7 +5655,7 @@
             </a:ln>
             <a:extLst>
               <a:ext uri="{91240B29-F687-4f45-9708-019B960494DF}">
-                <a14:hiddenLine xmlns:a14="http://schemas.microsoft.com/office/drawing/2010/main" xmlns="" w="9525">
+                <a14:hiddenLine xmlns="" xmlns:a14="http://schemas.microsoft.com/office/drawing/2010/main" w="9525">
                   <a:solidFill>
                     <a:srgbClr val="000000"/>
                   </a:solidFill>
@@ -5710,7 +5711,7 @@
             </a:ln>
             <a:extLst>
               <a:ext uri="{91240B29-F687-4f45-9708-019B960494DF}">
-                <a14:hiddenLine xmlns:a14="http://schemas.microsoft.com/office/drawing/2010/main" xmlns="" w="9525">
+                <a14:hiddenLine xmlns="" xmlns:a14="http://schemas.microsoft.com/office/drawing/2010/main" w="9525">
                   <a:solidFill>
                     <a:srgbClr val="000000"/>
                   </a:solidFill>
@@ -5800,7 +5801,7 @@
             </a:ln>
             <a:extLst>
               <a:ext uri="{91240B29-F687-4f45-9708-019B960494DF}">
-                <a14:hiddenLine xmlns:a14="http://schemas.microsoft.com/office/drawing/2010/main" xmlns="" w="9525">
+                <a14:hiddenLine xmlns="" xmlns:a14="http://schemas.microsoft.com/office/drawing/2010/main" w="9525">
                   <a:solidFill>
                     <a:srgbClr val="000000"/>
                   </a:solidFill>
@@ -5868,7 +5869,7 @@
             </a:ln>
             <a:extLst>
               <a:ext uri="{91240B29-F687-4f45-9708-019B960494DF}">
-                <a14:hiddenLine xmlns:a14="http://schemas.microsoft.com/office/drawing/2010/main" xmlns="" w="9525">
+                <a14:hiddenLine xmlns="" xmlns:a14="http://schemas.microsoft.com/office/drawing/2010/main" w="9525">
                   <a:solidFill>
                     <a:srgbClr val="000000"/>
                   </a:solidFill>
@@ -5958,7 +5959,7 @@
             </a:ln>
             <a:extLst>
               <a:ext uri="{91240B29-F687-4f45-9708-019B960494DF}">
-                <a14:hiddenLine xmlns:a14="http://schemas.microsoft.com/office/drawing/2010/main" xmlns="" w="9525">
+                <a14:hiddenLine xmlns="" xmlns:a14="http://schemas.microsoft.com/office/drawing/2010/main" w="9525">
                   <a:solidFill>
                     <a:srgbClr val="000000"/>
                   </a:solidFill>
@@ -6026,7 +6027,7 @@
             </a:ln>
             <a:extLst>
               <a:ext uri="{91240B29-F687-4f45-9708-019B960494DF}">
-                <a14:hiddenLine xmlns:a14="http://schemas.microsoft.com/office/drawing/2010/main" xmlns="" w="9525">
+                <a14:hiddenLine xmlns="" xmlns:a14="http://schemas.microsoft.com/office/drawing/2010/main" w="9525">
                   <a:solidFill>
                     <a:srgbClr val="000000"/>
                   </a:solidFill>
@@ -6116,7 +6117,7 @@
             </a:ln>
             <a:extLst>
               <a:ext uri="{91240B29-F687-4f45-9708-019B960494DF}">
-                <a14:hiddenLine xmlns:a14="http://schemas.microsoft.com/office/drawing/2010/main" xmlns="" w="9525">
+                <a14:hiddenLine xmlns="" xmlns:a14="http://schemas.microsoft.com/office/drawing/2010/main" w="9525">
                   <a:solidFill>
                     <a:srgbClr val="000000"/>
                   </a:solidFill>
@@ -6150,7 +6151,7 @@
             </a:ln>
             <a:extLst>
               <a:ext uri="{91240B29-F687-4f45-9708-019B960494DF}">
-                <a14:hiddenLine xmlns:a14="http://schemas.microsoft.com/office/drawing/2010/main" xmlns="" w="9525">
+                <a14:hiddenLine xmlns="" xmlns:a14="http://schemas.microsoft.com/office/drawing/2010/main" w="9525">
                   <a:solidFill>
                     <a:srgbClr val="000000"/>
                   </a:solidFill>
@@ -6240,7 +6241,7 @@
             </a:ln>
             <a:extLst>
               <a:ext uri="{91240B29-F687-4f45-9708-019B960494DF}">
-                <a14:hiddenLine xmlns:a14="http://schemas.microsoft.com/office/drawing/2010/main" xmlns="" w="9525">
+                <a14:hiddenLine xmlns="" xmlns:a14="http://schemas.microsoft.com/office/drawing/2010/main" w="9525">
                   <a:solidFill>
                     <a:srgbClr val="000000"/>
                   </a:solidFill>
@@ -6302,7 +6303,7 @@
             </a:ln>
             <a:extLst>
               <a:ext uri="{91240B29-F687-4f45-9708-019B960494DF}">
-                <a14:hiddenLine xmlns:a14="http://schemas.microsoft.com/office/drawing/2010/main" xmlns="" w="9525">
+                <a14:hiddenLine xmlns="" xmlns:a14="http://schemas.microsoft.com/office/drawing/2010/main" w="9525">
                   <a:solidFill>
                     <a:srgbClr val="000000"/>
                   </a:solidFill>
@@ -6364,7 +6365,7 @@
             </a:ln>
             <a:extLst>
               <a:ext uri="{91240B29-F687-4f45-9708-019B960494DF}">
-                <a14:hiddenLine xmlns:a14="http://schemas.microsoft.com/office/drawing/2010/main" xmlns="" w="9525">
+                <a14:hiddenLine xmlns="" xmlns:a14="http://schemas.microsoft.com/office/drawing/2010/main" w="9525">
                   <a:solidFill>
                     <a:srgbClr val="000000"/>
                   </a:solidFill>
@@ -6454,7 +6455,7 @@
             </a:ln>
             <a:extLst>
               <a:ext uri="{91240B29-F687-4f45-9708-019B960494DF}">
-                <a14:hiddenLine xmlns:a14="http://schemas.microsoft.com/office/drawing/2010/main" xmlns="" w="9525">
+                <a14:hiddenLine xmlns="" xmlns:a14="http://schemas.microsoft.com/office/drawing/2010/main" w="9525">
                   <a:solidFill>
                     <a:srgbClr val="000000"/>
                   </a:solidFill>
@@ -6522,7 +6523,7 @@
             </a:ln>
             <a:extLst>
               <a:ext uri="{91240B29-F687-4f45-9708-019B960494DF}">
-                <a14:hiddenLine xmlns:a14="http://schemas.microsoft.com/office/drawing/2010/main" xmlns="" w="9525">
+                <a14:hiddenLine xmlns="" xmlns:a14="http://schemas.microsoft.com/office/drawing/2010/main" w="9525">
                   <a:solidFill>
                     <a:srgbClr val="000000"/>
                   </a:solidFill>
@@ -6584,7 +6585,7 @@
             </a:ln>
             <a:extLst>
               <a:ext uri="{91240B29-F687-4f45-9708-019B960494DF}">
-                <a14:hiddenLine xmlns:a14="http://schemas.microsoft.com/office/drawing/2010/main" xmlns="" w="9525">
+                <a14:hiddenLine xmlns="" xmlns:a14="http://schemas.microsoft.com/office/drawing/2010/main" w="9525">
                   <a:solidFill>
                     <a:srgbClr val="000000"/>
                   </a:solidFill>
@@ -6674,7 +6675,7 @@
             </a:ln>
             <a:extLst>
               <a:ext uri="{91240B29-F687-4f45-9708-019B960494DF}">
-                <a14:hiddenLine xmlns:a14="http://schemas.microsoft.com/office/drawing/2010/main" xmlns="" w="9525">
+                <a14:hiddenLine xmlns="" xmlns:a14="http://schemas.microsoft.com/office/drawing/2010/main" w="9525">
                   <a:solidFill>
                     <a:srgbClr val="000000"/>
                   </a:solidFill>
@@ -6736,7 +6737,7 @@
             </a:ln>
             <a:extLst>
               <a:ext uri="{91240B29-F687-4f45-9708-019B960494DF}">
-                <a14:hiddenLine xmlns:a14="http://schemas.microsoft.com/office/drawing/2010/main" xmlns="" w="9525">
+                <a14:hiddenLine xmlns="" xmlns:a14="http://schemas.microsoft.com/office/drawing/2010/main" w="9525">
                   <a:solidFill>
                     <a:srgbClr val="000000"/>
                   </a:solidFill>
@@ -6826,7 +6827,7 @@
             </a:ln>
             <a:extLst>
               <a:ext uri="{91240B29-F687-4f45-9708-019B960494DF}">
-                <a14:hiddenLine xmlns:a14="http://schemas.microsoft.com/office/drawing/2010/main" xmlns="" w="9525">
+                <a14:hiddenLine xmlns="" xmlns:a14="http://schemas.microsoft.com/office/drawing/2010/main" w="9525">
                   <a:solidFill>
                     <a:srgbClr val="000000"/>
                   </a:solidFill>
@@ -6888,7 +6889,7 @@
             </a:ln>
             <a:extLst>
               <a:ext uri="{91240B29-F687-4f45-9708-019B960494DF}">
-                <a14:hiddenLine xmlns:a14="http://schemas.microsoft.com/office/drawing/2010/main" xmlns="" w="9525">
+                <a14:hiddenLine xmlns="" xmlns:a14="http://schemas.microsoft.com/office/drawing/2010/main" w="9525">
                   <a:solidFill>
                     <a:srgbClr val="000000"/>
                   </a:solidFill>
@@ -6978,7 +6979,7 @@
             </a:ln>
             <a:extLst>
               <a:ext uri="{91240B29-F687-4f45-9708-019B960494DF}">
-                <a14:hiddenLine xmlns:a14="http://schemas.microsoft.com/office/drawing/2010/main" xmlns="" w="9525">
+                <a14:hiddenLine xmlns="" xmlns:a14="http://schemas.microsoft.com/office/drawing/2010/main" w="9525">
                   <a:solidFill>
                     <a:srgbClr val="000000"/>
                   </a:solidFill>
@@ -7012,7 +7013,7 @@
             </a:ln>
             <a:extLst>
               <a:ext uri="{91240B29-F687-4f45-9708-019B960494DF}">
-                <a14:hiddenLine xmlns:a14="http://schemas.microsoft.com/office/drawing/2010/main" xmlns="" w="9525">
+                <a14:hiddenLine xmlns="" xmlns:a14="http://schemas.microsoft.com/office/drawing/2010/main" w="9525">
                   <a:solidFill>
                     <a:srgbClr val="000000"/>
                   </a:solidFill>
@@ -7077,7 +7078,7 @@
             </a:ln>
             <a:extLst>
               <a:ext uri="{91240B29-F687-4f45-9708-019B960494DF}">
-                <a14:hiddenLine xmlns:a14="http://schemas.microsoft.com/office/drawing/2010/main" xmlns="" w="9525">
+                <a14:hiddenLine xmlns="" xmlns:a14="http://schemas.microsoft.com/office/drawing/2010/main" w="9525">
                   <a:solidFill>
                     <a:srgbClr val="000000"/>
                   </a:solidFill>
@@ -7167,7 +7168,7 @@
             </a:ln>
             <a:extLst>
               <a:ext uri="{91240B29-F687-4f45-9708-019B960494DF}">
-                <a14:hiddenLine xmlns:a14="http://schemas.microsoft.com/office/drawing/2010/main" xmlns="" w="9525">
+                <a14:hiddenLine xmlns="" xmlns:a14="http://schemas.microsoft.com/office/drawing/2010/main" w="9525">
                   <a:solidFill>
                     <a:srgbClr val="000000"/>
                   </a:solidFill>
@@ -7229,7 +7230,7 @@
             </a:ln>
             <a:extLst>
               <a:ext uri="{91240B29-F687-4f45-9708-019B960494DF}">
-                <a14:hiddenLine xmlns:a14="http://schemas.microsoft.com/office/drawing/2010/main" xmlns="" w="9525">
+                <a14:hiddenLine xmlns="" xmlns:a14="http://schemas.microsoft.com/office/drawing/2010/main" w="9525">
                   <a:solidFill>
                     <a:srgbClr val="000000"/>
                   </a:solidFill>
@@ -7319,7 +7320,7 @@
             </a:ln>
             <a:extLst>
               <a:ext uri="{91240B29-F687-4f45-9708-019B960494DF}">
-                <a14:hiddenLine xmlns:a14="http://schemas.microsoft.com/office/drawing/2010/main" xmlns="" w="9525">
+                <a14:hiddenLine xmlns="" xmlns:a14="http://schemas.microsoft.com/office/drawing/2010/main" w="9525">
                   <a:solidFill>
                     <a:srgbClr val="000000"/>
                   </a:solidFill>
@@ -7409,7 +7410,7 @@
             </a:ln>
             <a:extLst>
               <a:ext uri="{91240B29-F687-4f45-9708-019B960494DF}">
-                <a14:hiddenLine xmlns:a14="http://schemas.microsoft.com/office/drawing/2010/main" xmlns="" w="9525">
+                <a14:hiddenLine xmlns="" xmlns:a14="http://schemas.microsoft.com/office/drawing/2010/main" w="9525">
                   <a:solidFill>
                     <a:srgbClr val="000000"/>
                   </a:solidFill>
@@ -7474,7 +7475,7 @@
             </a:ln>
             <a:extLst>
               <a:ext uri="{91240B29-F687-4f45-9708-019B960494DF}">
-                <a14:hiddenLine xmlns:a14="http://schemas.microsoft.com/office/drawing/2010/main" xmlns="" w="9525">
+                <a14:hiddenLine xmlns="" xmlns:a14="http://schemas.microsoft.com/office/drawing/2010/main" w="9525">
                   <a:solidFill>
                     <a:srgbClr val="000000"/>
                   </a:solidFill>
@@ -7536,7 +7537,7 @@
             </a:ln>
             <a:extLst>
               <a:ext uri="{91240B29-F687-4f45-9708-019B960494DF}">
-                <a14:hiddenLine xmlns:a14="http://schemas.microsoft.com/office/drawing/2010/main" xmlns="" w="9525">
+                <a14:hiddenLine xmlns="" xmlns:a14="http://schemas.microsoft.com/office/drawing/2010/main" w="9525">
                   <a:solidFill>
                     <a:srgbClr val="000000"/>
                   </a:solidFill>
@@ -7626,7 +7627,7 @@
             </a:ln>
             <a:extLst>
               <a:ext uri="{91240B29-F687-4f45-9708-019B960494DF}">
-                <a14:hiddenLine xmlns:a14="http://schemas.microsoft.com/office/drawing/2010/main" xmlns="" w="9525">
+                <a14:hiddenLine xmlns="" xmlns:a14="http://schemas.microsoft.com/office/drawing/2010/main" w="9525">
                   <a:solidFill>
                     <a:srgbClr val="000000"/>
                   </a:solidFill>
@@ -7716,7 +7717,7 @@
             </a:ln>
             <a:extLst>
               <a:ext uri="{91240B29-F687-4f45-9708-019B960494DF}">
-                <a14:hiddenLine xmlns:a14="http://schemas.microsoft.com/office/drawing/2010/main" xmlns="" w="9525">
+                <a14:hiddenLine xmlns="" xmlns:a14="http://schemas.microsoft.com/office/drawing/2010/main" w="9525">
                   <a:solidFill>
                     <a:srgbClr val="000000"/>
                   </a:solidFill>
@@ -7778,7 +7779,7 @@
             </a:ln>
             <a:extLst>
               <a:ext uri="{91240B29-F687-4f45-9708-019B960494DF}">
-                <a14:hiddenLine xmlns:a14="http://schemas.microsoft.com/office/drawing/2010/main" xmlns="" w="9525">
+                <a14:hiddenLine xmlns="" xmlns:a14="http://schemas.microsoft.com/office/drawing/2010/main" w="9525">
                   <a:solidFill>
                     <a:srgbClr val="000000"/>
                   </a:solidFill>
@@ -7898,7 +7899,7 @@
             </a:ln>
             <a:extLst>
               <a:ext uri="{91240B29-F687-4f45-9708-019B960494DF}">
-                <a14:hiddenLine xmlns:a14="http://schemas.microsoft.com/office/drawing/2010/main" xmlns="" w="9525">
+                <a14:hiddenLine xmlns="" xmlns:a14="http://schemas.microsoft.com/office/drawing/2010/main" w="9525">
                   <a:solidFill>
                     <a:srgbClr val="000000"/>
                   </a:solidFill>
@@ -7966,7 +7967,7 @@
             </a:ln>
             <a:extLst>
               <a:ext uri="{91240B29-F687-4f45-9708-019B960494DF}">
-                <a14:hiddenLine xmlns:a14="http://schemas.microsoft.com/office/drawing/2010/main" xmlns="" w="9525">
+                <a14:hiddenLine xmlns="" xmlns:a14="http://schemas.microsoft.com/office/drawing/2010/main" w="9525">
                   <a:solidFill>
                     <a:srgbClr val="000000"/>
                   </a:solidFill>
@@ -8056,7 +8057,7 @@
             </a:ln>
             <a:extLst>
               <a:ext uri="{91240B29-F687-4f45-9708-019B960494DF}">
-                <a14:hiddenLine xmlns:a14="http://schemas.microsoft.com/office/drawing/2010/main" xmlns="" w="9525">
+                <a14:hiddenLine xmlns="" xmlns:a14="http://schemas.microsoft.com/office/drawing/2010/main" w="9525">
                   <a:solidFill>
                     <a:srgbClr val="000000"/>
                   </a:solidFill>
@@ -13982,7 +13983,7 @@
           <a:noFill/>
           <a:extLst>
             <a:ext uri="{909E8E84-426E-40dd-AFC4-6F175D3DCCD1}">
-              <a14:hiddenFill xmlns:a14="http://schemas.microsoft.com/office/drawing/2010/main" xmlns="">
+              <a14:hiddenFill xmlns="" xmlns:a14="http://schemas.microsoft.com/office/drawing/2010/main">
                 <a:solidFill>
                   <a:srgbClr val="FFFFFF"/>
                 </a:solidFill>
@@ -14062,7 +14063,7 @@
               </a:ln>
               <a:extLst>
                 <a:ext uri="{91240B29-F687-4f45-9708-019B960494DF}">
-                  <a14:hiddenLine xmlns:a14="http://schemas.microsoft.com/office/drawing/2010/main" xmlns="" w="9525">
+                  <a14:hiddenLine xmlns="" xmlns:a14="http://schemas.microsoft.com/office/drawing/2010/main" w="9525">
                     <a:solidFill>
                       <a:srgbClr val="000000"/>
                     </a:solidFill>
@@ -14152,7 +14153,7 @@
               </a:ln>
               <a:extLst>
                 <a:ext uri="{91240B29-F687-4f45-9708-019B960494DF}">
-                  <a14:hiddenLine xmlns:a14="http://schemas.microsoft.com/office/drawing/2010/main" xmlns="" w="9525">
+                  <a14:hiddenLine xmlns="" xmlns:a14="http://schemas.microsoft.com/office/drawing/2010/main" w="9525">
                     <a:solidFill>
                       <a:srgbClr val="000000"/>
                     </a:solidFill>
@@ -14242,7 +14243,7 @@
               </a:ln>
               <a:extLst>
                 <a:ext uri="{91240B29-F687-4f45-9708-019B960494DF}">
-                  <a14:hiddenLine xmlns:a14="http://schemas.microsoft.com/office/drawing/2010/main" xmlns="" w="9525">
+                  <a14:hiddenLine xmlns="" xmlns:a14="http://schemas.microsoft.com/office/drawing/2010/main" w="9525">
                     <a:solidFill>
                       <a:srgbClr val="000000"/>
                     </a:solidFill>
@@ -14304,7 +14305,7 @@
               </a:ln>
               <a:extLst>
                 <a:ext uri="{91240B29-F687-4f45-9708-019B960494DF}">
-                  <a14:hiddenLine xmlns:a14="http://schemas.microsoft.com/office/drawing/2010/main" xmlns="" w="9525">
+                  <a14:hiddenLine xmlns="" xmlns:a14="http://schemas.microsoft.com/office/drawing/2010/main" w="9525">
                     <a:solidFill>
                       <a:srgbClr val="000000"/>
                     </a:solidFill>
@@ -14394,7 +14395,7 @@
               </a:ln>
               <a:extLst>
                 <a:ext uri="{91240B29-F687-4f45-9708-019B960494DF}">
-                  <a14:hiddenLine xmlns:a14="http://schemas.microsoft.com/office/drawing/2010/main" xmlns="" w="9525">
+                  <a14:hiddenLine xmlns="" xmlns:a14="http://schemas.microsoft.com/office/drawing/2010/main" w="9525">
                     <a:solidFill>
                       <a:srgbClr val="000000"/>
                     </a:solidFill>
@@ -14456,7 +14457,7 @@
               </a:ln>
               <a:extLst>
                 <a:ext uri="{91240B29-F687-4f45-9708-019B960494DF}">
-                  <a14:hiddenLine xmlns:a14="http://schemas.microsoft.com/office/drawing/2010/main" xmlns="" w="9525">
+                  <a14:hiddenLine xmlns="" xmlns:a14="http://schemas.microsoft.com/office/drawing/2010/main" w="9525">
                     <a:solidFill>
                       <a:srgbClr val="000000"/>
                     </a:solidFill>
@@ -14518,7 +14519,7 @@
               </a:ln>
               <a:extLst>
                 <a:ext uri="{91240B29-F687-4f45-9708-019B960494DF}">
-                  <a14:hiddenLine xmlns:a14="http://schemas.microsoft.com/office/drawing/2010/main" xmlns="" w="9525">
+                  <a14:hiddenLine xmlns="" xmlns:a14="http://schemas.microsoft.com/office/drawing/2010/main" w="9525">
                     <a:solidFill>
                       <a:srgbClr val="000000"/>
                     </a:solidFill>
@@ -14608,7 +14609,7 @@
               </a:ln>
               <a:extLst>
                 <a:ext uri="{91240B29-F687-4f45-9708-019B960494DF}">
-                  <a14:hiddenLine xmlns:a14="http://schemas.microsoft.com/office/drawing/2010/main" xmlns="" w="9525">
+                  <a14:hiddenLine xmlns="" xmlns:a14="http://schemas.microsoft.com/office/drawing/2010/main" w="9525">
                     <a:solidFill>
                       <a:srgbClr val="000000"/>
                     </a:solidFill>
@@ -14698,7 +14699,7 @@
               </a:ln>
               <a:extLst>
                 <a:ext uri="{91240B29-F687-4f45-9708-019B960494DF}">
-                  <a14:hiddenLine xmlns:a14="http://schemas.microsoft.com/office/drawing/2010/main" xmlns="" w="9525">
+                  <a14:hiddenLine xmlns="" xmlns:a14="http://schemas.microsoft.com/office/drawing/2010/main" w="9525">
                     <a:solidFill>
                       <a:srgbClr val="000000"/>
                     </a:solidFill>
@@ -14760,7 +14761,7 @@
               </a:ln>
               <a:extLst>
                 <a:ext uri="{91240B29-F687-4f45-9708-019B960494DF}">
-                  <a14:hiddenLine xmlns:a14="http://schemas.microsoft.com/office/drawing/2010/main" xmlns="" w="9525">
+                  <a14:hiddenLine xmlns="" xmlns:a14="http://schemas.microsoft.com/office/drawing/2010/main" w="9525">
                     <a:solidFill>
                       <a:srgbClr val="000000"/>
                     </a:solidFill>
@@ -14870,7 +14871,7 @@
               </a:ln>
               <a:extLst>
                 <a:ext uri="{91240B29-F687-4f45-9708-019B960494DF}">
-                  <a14:hiddenLine xmlns:a14="http://schemas.microsoft.com/office/drawing/2010/main" xmlns="" w="9525">
+                  <a14:hiddenLine xmlns="" xmlns:a14="http://schemas.microsoft.com/office/drawing/2010/main" w="9525">
                     <a:solidFill>
                       <a:srgbClr val="000000"/>
                     </a:solidFill>
@@ -14954,7 +14955,7 @@
               </a:ln>
               <a:extLst>
                 <a:ext uri="{91240B29-F687-4f45-9708-019B960494DF}">
-                  <a14:hiddenLine xmlns:a14="http://schemas.microsoft.com/office/drawing/2010/main" xmlns="" w="9525">
+                  <a14:hiddenLine xmlns="" xmlns:a14="http://schemas.microsoft.com/office/drawing/2010/main" w="9525">
                     <a:solidFill>
                       <a:srgbClr val="000000"/>
                     </a:solidFill>
@@ -15016,7 +15017,7 @@
               </a:ln>
               <a:extLst>
                 <a:ext uri="{91240B29-F687-4f45-9708-019B960494DF}">
-                  <a14:hiddenLine xmlns:a14="http://schemas.microsoft.com/office/drawing/2010/main" xmlns="" w="9525">
+                  <a14:hiddenLine xmlns="" xmlns:a14="http://schemas.microsoft.com/office/drawing/2010/main" w="9525">
                     <a:solidFill>
                       <a:srgbClr val="000000"/>
                     </a:solidFill>
@@ -15078,7 +15079,7 @@
               </a:ln>
               <a:extLst>
                 <a:ext uri="{91240B29-F687-4f45-9708-019B960494DF}">
-                  <a14:hiddenLine xmlns:a14="http://schemas.microsoft.com/office/drawing/2010/main" xmlns="" w="9525">
+                  <a14:hiddenLine xmlns="" xmlns:a14="http://schemas.microsoft.com/office/drawing/2010/main" w="9525">
                     <a:solidFill>
                       <a:srgbClr val="000000"/>
                     </a:solidFill>
@@ -15168,7 +15169,7 @@
               </a:ln>
               <a:extLst>
                 <a:ext uri="{91240B29-F687-4f45-9708-019B960494DF}">
-                  <a14:hiddenLine xmlns:a14="http://schemas.microsoft.com/office/drawing/2010/main" xmlns="" w="9525">
+                  <a14:hiddenLine xmlns="" xmlns:a14="http://schemas.microsoft.com/office/drawing/2010/main" w="9525">
                     <a:solidFill>
                       <a:srgbClr val="000000"/>
                     </a:solidFill>
@@ -15202,7 +15203,7 @@
               </a:ln>
               <a:extLst>
                 <a:ext uri="{91240B29-F687-4f45-9708-019B960494DF}">
-                  <a14:hiddenLine xmlns:a14="http://schemas.microsoft.com/office/drawing/2010/main" xmlns="" w="9525">
+                  <a14:hiddenLine xmlns="" xmlns:a14="http://schemas.microsoft.com/office/drawing/2010/main" w="9525">
                     <a:solidFill>
                       <a:srgbClr val="000000"/>
                     </a:solidFill>
@@ -15267,7 +15268,7 @@
               </a:ln>
               <a:extLst>
                 <a:ext uri="{91240B29-F687-4f45-9708-019B960494DF}">
-                  <a14:hiddenLine xmlns:a14="http://schemas.microsoft.com/office/drawing/2010/main" xmlns="" w="9525">
+                  <a14:hiddenLine xmlns="" xmlns:a14="http://schemas.microsoft.com/office/drawing/2010/main" w="9525">
                     <a:solidFill>
                       <a:srgbClr val="000000"/>
                     </a:solidFill>
@@ -15357,7 +15358,7 @@
               </a:ln>
               <a:extLst>
                 <a:ext uri="{91240B29-F687-4f45-9708-019B960494DF}">
-                  <a14:hiddenLine xmlns:a14="http://schemas.microsoft.com/office/drawing/2010/main" xmlns="" w="9525">
+                  <a14:hiddenLine xmlns="" xmlns:a14="http://schemas.microsoft.com/office/drawing/2010/main" w="9525">
                     <a:solidFill>
                       <a:srgbClr val="000000"/>
                     </a:solidFill>
@@ -15419,7 +15420,7 @@
               </a:ln>
               <a:extLst>
                 <a:ext uri="{91240B29-F687-4f45-9708-019B960494DF}">
-                  <a14:hiddenLine xmlns:a14="http://schemas.microsoft.com/office/drawing/2010/main" xmlns="" w="9525">
+                  <a14:hiddenLine xmlns="" xmlns:a14="http://schemas.microsoft.com/office/drawing/2010/main" w="9525">
                     <a:solidFill>
                       <a:srgbClr val="000000"/>
                     </a:solidFill>
@@ -15509,7 +15510,7 @@
               </a:ln>
               <a:extLst>
                 <a:ext uri="{91240B29-F687-4f45-9708-019B960494DF}">
-                  <a14:hiddenLine xmlns:a14="http://schemas.microsoft.com/office/drawing/2010/main" xmlns="" w="9525">
+                  <a14:hiddenLine xmlns="" xmlns:a14="http://schemas.microsoft.com/office/drawing/2010/main" w="9525">
                     <a:solidFill>
                       <a:srgbClr val="000000"/>
                     </a:solidFill>
@@ -15574,7 +15575,7 @@
               </a:ln>
               <a:extLst>
                 <a:ext uri="{91240B29-F687-4f45-9708-019B960494DF}">
-                  <a14:hiddenLine xmlns:a14="http://schemas.microsoft.com/office/drawing/2010/main" xmlns="" w="9525">
+                  <a14:hiddenLine xmlns="" xmlns:a14="http://schemas.microsoft.com/office/drawing/2010/main" w="9525">
                     <a:solidFill>
                       <a:srgbClr val="000000"/>
                     </a:solidFill>
@@ -15636,7 +15637,7 @@
               </a:ln>
               <a:extLst>
                 <a:ext uri="{91240B29-F687-4f45-9708-019B960494DF}">
-                  <a14:hiddenLine xmlns:a14="http://schemas.microsoft.com/office/drawing/2010/main" xmlns="" w="9525">
+                  <a14:hiddenLine xmlns="" xmlns:a14="http://schemas.microsoft.com/office/drawing/2010/main" w="9525">
                     <a:solidFill>
                       <a:srgbClr val="000000"/>
                     </a:solidFill>
@@ -15726,7 +15727,7 @@
               </a:ln>
               <a:extLst>
                 <a:ext uri="{91240B29-F687-4f45-9708-019B960494DF}">
-                  <a14:hiddenLine xmlns:a14="http://schemas.microsoft.com/office/drawing/2010/main" xmlns="" w="9525">
+                  <a14:hiddenLine xmlns="" xmlns:a14="http://schemas.microsoft.com/office/drawing/2010/main" w="9525">
                     <a:solidFill>
                       <a:srgbClr val="000000"/>
                     </a:solidFill>
@@ -15816,7 +15817,7 @@
               </a:ln>
               <a:extLst>
                 <a:ext uri="{91240B29-F687-4f45-9708-019B960494DF}">
-                  <a14:hiddenLine xmlns:a14="http://schemas.microsoft.com/office/drawing/2010/main" xmlns="" w="9525">
+                  <a14:hiddenLine xmlns="" xmlns:a14="http://schemas.microsoft.com/office/drawing/2010/main" w="9525">
                     <a:solidFill>
                       <a:srgbClr val="000000"/>
                     </a:solidFill>
@@ -15881,7 +15882,7 @@
               </a:ln>
               <a:extLst>
                 <a:ext uri="{91240B29-F687-4f45-9708-019B960494DF}">
-                  <a14:hiddenLine xmlns:a14="http://schemas.microsoft.com/office/drawing/2010/main" xmlns="" w="9525">
+                  <a14:hiddenLine xmlns="" xmlns:a14="http://schemas.microsoft.com/office/drawing/2010/main" w="9525">
                     <a:solidFill>
                       <a:srgbClr val="000000"/>
                     </a:solidFill>
@@ -16001,7 +16002,7 @@
               </a:ln>
               <a:extLst>
                 <a:ext uri="{91240B29-F687-4f45-9708-019B960494DF}">
-                  <a14:hiddenLine xmlns:a14="http://schemas.microsoft.com/office/drawing/2010/main" xmlns="" w="9525">
+                  <a14:hiddenLine xmlns="" xmlns:a14="http://schemas.microsoft.com/office/drawing/2010/main" w="9525">
                     <a:solidFill>
                       <a:srgbClr val="000000"/>
                     </a:solidFill>
@@ -16099,7 +16100,7 @@
               </a:ln>
               <a:extLst>
                 <a:ext uri="{91240B29-F687-4f45-9708-019B960494DF}">
-                  <a14:hiddenLine xmlns:a14="http://schemas.microsoft.com/office/drawing/2010/main" xmlns="" w="9525">
+                  <a14:hiddenLine xmlns="" xmlns:a14="http://schemas.microsoft.com/office/drawing/2010/main" w="9525">
                     <a:solidFill>
                       <a:srgbClr val="000000"/>
                     </a:solidFill>
@@ -16214,7 +16215,7 @@
               </a:ln>
               <a:extLst>
                 <a:ext uri="{91240B29-F687-4f45-9708-019B960494DF}">
-                  <a14:hiddenLine xmlns:a14="http://schemas.microsoft.com/office/drawing/2010/main" xmlns="" w="9525">
+                  <a14:hiddenLine xmlns="" xmlns:a14="http://schemas.microsoft.com/office/drawing/2010/main" w="9525">
                     <a:solidFill>
                       <a:srgbClr val="000000"/>
                     </a:solidFill>
@@ -16304,7 +16305,7 @@
               </a:ln>
               <a:extLst>
                 <a:ext uri="{91240B29-F687-4f45-9708-019B960494DF}">
-                  <a14:hiddenLine xmlns:a14="http://schemas.microsoft.com/office/drawing/2010/main" xmlns="" w="9525">
+                  <a14:hiddenLine xmlns="" xmlns:a14="http://schemas.microsoft.com/office/drawing/2010/main" w="9525">
                     <a:solidFill>
                       <a:srgbClr val="000000"/>
                     </a:solidFill>
@@ -16369,7 +16370,7 @@
               </a:ln>
               <a:extLst>
                 <a:ext uri="{91240B29-F687-4f45-9708-019B960494DF}">
-                  <a14:hiddenLine xmlns:a14="http://schemas.microsoft.com/office/drawing/2010/main" xmlns="" w="9525">
+                  <a14:hiddenLine xmlns="" xmlns:a14="http://schemas.microsoft.com/office/drawing/2010/main" w="9525">
                     <a:solidFill>
                       <a:srgbClr val="000000"/>
                     </a:solidFill>
@@ -16459,7 +16460,7 @@
               </a:ln>
               <a:extLst>
                 <a:ext uri="{91240B29-F687-4f45-9708-019B960494DF}">
-                  <a14:hiddenLine xmlns:a14="http://schemas.microsoft.com/office/drawing/2010/main" xmlns="" w="9525">
+                  <a14:hiddenLine xmlns="" xmlns:a14="http://schemas.microsoft.com/office/drawing/2010/main" w="9525">
                     <a:solidFill>
                       <a:srgbClr val="000000"/>
                     </a:solidFill>
@@ -16527,7 +16528,7 @@
               </a:ln>
               <a:extLst>
                 <a:ext uri="{91240B29-F687-4f45-9708-019B960494DF}">
-                  <a14:hiddenLine xmlns:a14="http://schemas.microsoft.com/office/drawing/2010/main" xmlns="" w="9525">
+                  <a14:hiddenLine xmlns="" xmlns:a14="http://schemas.microsoft.com/office/drawing/2010/main" w="9525">
                     <a:solidFill>
                       <a:srgbClr val="000000"/>
                     </a:solidFill>
@@ -16617,7 +16618,7 @@
               </a:ln>
               <a:extLst>
                 <a:ext uri="{91240B29-F687-4f45-9708-019B960494DF}">
-                  <a14:hiddenLine xmlns:a14="http://schemas.microsoft.com/office/drawing/2010/main" xmlns="" w="9525">
+                  <a14:hiddenLine xmlns="" xmlns:a14="http://schemas.microsoft.com/office/drawing/2010/main" w="9525">
                     <a:solidFill>
                       <a:srgbClr val="000000"/>
                     </a:solidFill>
@@ -16685,7 +16686,7 @@
               </a:ln>
               <a:extLst>
                 <a:ext uri="{91240B29-F687-4f45-9708-019B960494DF}">
-                  <a14:hiddenLine xmlns:a14="http://schemas.microsoft.com/office/drawing/2010/main" xmlns="" w="9525">
+                  <a14:hiddenLine xmlns="" xmlns:a14="http://schemas.microsoft.com/office/drawing/2010/main" w="9525">
                     <a:solidFill>
                       <a:srgbClr val="000000"/>
                     </a:solidFill>
@@ -16775,7 +16776,7 @@
               </a:ln>
               <a:extLst>
                 <a:ext uri="{91240B29-F687-4f45-9708-019B960494DF}">
-                  <a14:hiddenLine xmlns:a14="http://schemas.microsoft.com/office/drawing/2010/main" xmlns="" w="9525">
+                  <a14:hiddenLine xmlns="" xmlns:a14="http://schemas.microsoft.com/office/drawing/2010/main" w="9525">
                     <a:solidFill>
                       <a:srgbClr val="000000"/>
                     </a:solidFill>
@@ -16809,7 +16810,7 @@
               </a:ln>
               <a:extLst>
                 <a:ext uri="{91240B29-F687-4f45-9708-019B960494DF}">
-                  <a14:hiddenLine xmlns:a14="http://schemas.microsoft.com/office/drawing/2010/main" xmlns="" w="9525">
+                  <a14:hiddenLine xmlns="" xmlns:a14="http://schemas.microsoft.com/office/drawing/2010/main" w="9525">
                     <a:solidFill>
                       <a:srgbClr val="000000"/>
                     </a:solidFill>
@@ -28340,6 +28341,188 @@
 </p:sld>
 </file>
 
+<file path=ppt/slides/slide24.xml><?xml version="1.0" encoding="utf-8"?>
+<p:sld xmlns:a="http://schemas.openxmlformats.org/drawingml/2006/main" xmlns:r="http://schemas.openxmlformats.org/officeDocument/2006/relationships" xmlns:p="http://schemas.openxmlformats.org/presentationml/2006/main">
+  <p:cSld>
+    <p:spTree>
+      <p:nvGrpSpPr>
+        <p:cNvPr id="1" name=""/>
+        <p:cNvGrpSpPr/>
+        <p:nvPr/>
+      </p:nvGrpSpPr>
+      <p:grpSpPr>
+        <a:xfrm>
+          <a:off x="0" y="0"/>
+          <a:ext cx="0" cy="0"/>
+          <a:chOff x="0" y="0"/>
+          <a:chExt cx="0" cy="0"/>
+        </a:xfrm>
+      </p:grpSpPr>
+      <p:sp>
+        <p:nvSpPr>
+          <p:cNvPr id="7" name="Title 6">
+            <a:extLst>
+              <a:ext uri="{FF2B5EF4-FFF2-40B4-BE49-F238E27FC236}">
+                <a16:creationId xmlns:a16="http://schemas.microsoft.com/office/drawing/2014/main" id="{DF95DD07-AC43-C93A-5442-958656924C5A}"/>
+              </a:ext>
+            </a:extLst>
+          </p:cNvPr>
+          <p:cNvSpPr>
+            <a:spLocks noGrp="1"/>
+          </p:cNvSpPr>
+          <p:nvPr>
+            <p:ph type="title"/>
+          </p:nvPr>
+        </p:nvSpPr>
+        <p:spPr/>
+        <p:txBody>
+          <a:bodyPr/>
+          <a:lstStyle/>
+          <a:p>
+            <a:r>
+              <a:rPr lang="en-CA" dirty="0"/>
+              <a:t>Appendix A – Compile-Time Polymorphism</a:t>
+            </a:r>
+          </a:p>
+        </p:txBody>
+      </p:sp>
+      <p:sp>
+        <p:nvSpPr>
+          <p:cNvPr id="8" name="Text Placeholder 7">
+            <a:extLst>
+              <a:ext uri="{FF2B5EF4-FFF2-40B4-BE49-F238E27FC236}">
+                <a16:creationId xmlns:a16="http://schemas.microsoft.com/office/drawing/2014/main" id="{AAC46AF1-8D2C-591F-E86B-03A185F53EAA}"/>
+              </a:ext>
+            </a:extLst>
+          </p:cNvPr>
+          <p:cNvSpPr>
+            <a:spLocks noGrp="1"/>
+          </p:cNvSpPr>
+          <p:nvPr>
+            <p:ph type="body" idx="1"/>
+          </p:nvPr>
+        </p:nvSpPr>
+        <p:spPr/>
+        <p:txBody>
+          <a:bodyPr/>
+          <a:lstStyle/>
+          <a:p>
+            <a:endParaRPr lang="en-CA"/>
+          </a:p>
+        </p:txBody>
+      </p:sp>
+      <p:sp>
+        <p:nvSpPr>
+          <p:cNvPr id="4" name="Footer Placeholder 3">
+            <a:extLst>
+              <a:ext uri="{FF2B5EF4-FFF2-40B4-BE49-F238E27FC236}">
+                <a16:creationId xmlns:a16="http://schemas.microsoft.com/office/drawing/2014/main" id="{7A51B8FA-32B8-F994-8FBE-4CE93B4E14E9}"/>
+              </a:ext>
+            </a:extLst>
+          </p:cNvPr>
+          <p:cNvSpPr>
+            <a:spLocks noGrp="1"/>
+          </p:cNvSpPr>
+          <p:nvPr>
+            <p:ph type="ftr" sz="quarter" idx="11"/>
+          </p:nvPr>
+        </p:nvSpPr>
+        <p:spPr/>
+        <p:txBody>
+          <a:bodyPr/>
+          <a:lstStyle/>
+          <a:p>
+            <a:r>
+              <a:rPr lang="en-US"/>
+              <a:t>Len Popp – https://lenp.net/presentations/</a:t>
+            </a:r>
+            <a:endParaRPr lang="en-US" dirty="0"/>
+          </a:p>
+        </p:txBody>
+      </p:sp>
+      <p:sp>
+        <p:nvSpPr>
+          <p:cNvPr id="5" name="Date Placeholder 4">
+            <a:extLst>
+              <a:ext uri="{FF2B5EF4-FFF2-40B4-BE49-F238E27FC236}">
+                <a16:creationId xmlns:a16="http://schemas.microsoft.com/office/drawing/2014/main" id="{70EBA136-DF7D-957D-3D9F-1D0E479C695C}"/>
+              </a:ext>
+            </a:extLst>
+          </p:cNvPr>
+          <p:cNvSpPr>
+            <a:spLocks noGrp="1"/>
+          </p:cNvSpPr>
+          <p:nvPr>
+            <p:ph type="dt" sz="half" idx="10"/>
+          </p:nvPr>
+        </p:nvSpPr>
+        <p:spPr/>
+        <p:txBody>
+          <a:bodyPr/>
+          <a:lstStyle/>
+          <a:p>
+            <a:r>
+              <a:rPr lang="en-US"/>
+              <a:t>2024-10-08</a:t>
+            </a:r>
+            <a:endParaRPr lang="en-US" dirty="0"/>
+          </a:p>
+        </p:txBody>
+      </p:sp>
+      <p:sp>
+        <p:nvSpPr>
+          <p:cNvPr id="6" name="Slide Number Placeholder 5">
+            <a:extLst>
+              <a:ext uri="{FF2B5EF4-FFF2-40B4-BE49-F238E27FC236}">
+                <a16:creationId xmlns:a16="http://schemas.microsoft.com/office/drawing/2014/main" id="{7D82D720-29D4-C112-68F8-B6F3A5F1A068}"/>
+              </a:ext>
+            </a:extLst>
+          </p:cNvPr>
+          <p:cNvSpPr>
+            <a:spLocks noGrp="1"/>
+          </p:cNvSpPr>
+          <p:nvPr>
+            <p:ph type="sldNum" sz="quarter" idx="12"/>
+          </p:nvPr>
+        </p:nvSpPr>
+        <p:spPr/>
+        <p:txBody>
+          <a:bodyPr/>
+          <a:lstStyle/>
+          <a:p>
+            <a:fld id="{6D22F896-40B5-4ADD-8801-0D06FADFA095}" type="slidenum">
+              <a:rPr lang="en-US" smtClean="0"/>
+              <a:t>24</a:t>
+            </a:fld>
+            <a:endParaRPr lang="en-US" dirty="0"/>
+          </a:p>
+        </p:txBody>
+      </p:sp>
+    </p:spTree>
+    <p:extLst>
+      <p:ext uri="{BB962C8B-B14F-4D97-AF65-F5344CB8AC3E}">
+        <p14:creationId xmlns:p14="http://schemas.microsoft.com/office/powerpoint/2010/main" val="1060605695"/>
+      </p:ext>
+    </p:extLst>
+  </p:cSld>
+  <p:clrMapOvr>
+    <a:masterClrMapping/>
+  </p:clrMapOvr>
+  <mc:AlternateContent xmlns:mc="http://schemas.openxmlformats.org/markup-compatibility/2006" xmlns:p14="http://schemas.microsoft.com/office/powerpoint/2010/main">
+    <mc:Choice Requires="p14">
+      <p:transition p14:dur="250">
+        <p:fade/>
+      </p:transition>
+    </mc:Choice>
+    <mc:Fallback xmlns="">
+      <p:transition>
+        <p:fade/>
+      </p:transition>
+    </mc:Fallback>
+  </mc:AlternateContent>
+</p:sld>
+</file>
+
 <file path=ppt/slides/slide3.xml><?xml version="1.0" encoding="utf-8"?>
 <p:sld xmlns:a="http://schemas.openxmlformats.org/drawingml/2006/main" xmlns:r="http://schemas.openxmlformats.org/officeDocument/2006/relationships" xmlns:p="http://schemas.openxmlformats.org/presentationml/2006/main">
   <p:cSld>

--- a/TaskScheduler/TaskScheduler.pptx
+++ b/TaskScheduler/TaskScheduler.pptx
@@ -1010,7 +1010,7 @@
           <a:p>
             <a:fld id="{857CC94D-E614-4874-A919-F25B27309A09}" type="datetimeFigureOut">
               <a:rPr lang="en-CA" smtClean="0"/>
-              <a:t>2024-10-08</a:t>
+              <a:t>2024-10-24</a:t>
             </a:fld>
             <a:endParaRPr lang="en-CA"/>
           </a:p>
@@ -3965,7 +3965,7 @@
           <a:noFill/>
           <a:extLst>
             <a:ext uri="{909E8E84-426E-40dd-AFC4-6F175D3DCCD1}">
-              <a14:hiddenFill xmlns="" xmlns:a14="http://schemas.microsoft.com/office/drawing/2010/main">
+              <a14:hiddenFill xmlns:a14="http://schemas.microsoft.com/office/drawing/2010/main" xmlns="">
                 <a:solidFill>
                   <a:srgbClr val="FFFFFF"/>
                 </a:solidFill>
@@ -4031,7 +4031,7 @@
             </a:ln>
             <a:extLst>
               <a:ext uri="{91240B29-F687-4f45-9708-019B960494DF}">
-                <a14:hiddenLine xmlns="" xmlns:a14="http://schemas.microsoft.com/office/drawing/2010/main" w="9525">
+                <a14:hiddenLine xmlns:a14="http://schemas.microsoft.com/office/drawing/2010/main" xmlns="" w="9525">
                   <a:solidFill>
                     <a:srgbClr val="000000"/>
                   </a:solidFill>
@@ -4121,7 +4121,7 @@
             </a:ln>
             <a:extLst>
               <a:ext uri="{91240B29-F687-4f45-9708-019B960494DF}">
-                <a14:hiddenLine xmlns="" xmlns:a14="http://schemas.microsoft.com/office/drawing/2010/main" w="9525">
+                <a14:hiddenLine xmlns:a14="http://schemas.microsoft.com/office/drawing/2010/main" xmlns="" w="9525">
                   <a:solidFill>
                     <a:srgbClr val="000000"/>
                   </a:solidFill>
@@ -4211,7 +4211,7 @@
             </a:ln>
             <a:extLst>
               <a:ext uri="{91240B29-F687-4f45-9708-019B960494DF}">
-                <a14:hiddenLine xmlns="" xmlns:a14="http://schemas.microsoft.com/office/drawing/2010/main" w="9525">
+                <a14:hiddenLine xmlns:a14="http://schemas.microsoft.com/office/drawing/2010/main" xmlns="" w="9525">
                   <a:solidFill>
                     <a:srgbClr val="000000"/>
                   </a:solidFill>
@@ -4245,7 +4245,7 @@
             </a:ln>
             <a:extLst>
               <a:ext uri="{91240B29-F687-4f45-9708-019B960494DF}">
-                <a14:hiddenLine xmlns="" xmlns:a14="http://schemas.microsoft.com/office/drawing/2010/main" w="9525">
+                <a14:hiddenLine xmlns:a14="http://schemas.microsoft.com/office/drawing/2010/main" xmlns="" w="9525">
                   <a:solidFill>
                     <a:srgbClr val="000000"/>
                   </a:solidFill>
@@ -4335,7 +4335,7 @@
             </a:ln>
             <a:extLst>
               <a:ext uri="{91240B29-F687-4f45-9708-019B960494DF}">
-                <a14:hiddenLine xmlns="" xmlns:a14="http://schemas.microsoft.com/office/drawing/2010/main" w="9525">
+                <a14:hiddenLine xmlns:a14="http://schemas.microsoft.com/office/drawing/2010/main" xmlns="" w="9525">
                   <a:solidFill>
                     <a:srgbClr val="000000"/>
                   </a:solidFill>
@@ -4397,7 +4397,7 @@
             </a:ln>
             <a:extLst>
               <a:ext uri="{91240B29-F687-4f45-9708-019B960494DF}">
-                <a14:hiddenLine xmlns="" xmlns:a14="http://schemas.microsoft.com/office/drawing/2010/main" w="9525">
+                <a14:hiddenLine xmlns:a14="http://schemas.microsoft.com/office/drawing/2010/main" xmlns="" w="9525">
                   <a:solidFill>
                     <a:srgbClr val="000000"/>
                   </a:solidFill>
@@ -4459,7 +4459,7 @@
             </a:ln>
             <a:extLst>
               <a:ext uri="{91240B29-F687-4f45-9708-019B960494DF}">
-                <a14:hiddenLine xmlns="" xmlns:a14="http://schemas.microsoft.com/office/drawing/2010/main" w="9525">
+                <a14:hiddenLine xmlns:a14="http://schemas.microsoft.com/office/drawing/2010/main" xmlns="" w="9525">
                   <a:solidFill>
                     <a:srgbClr val="000000"/>
                   </a:solidFill>
@@ -4549,7 +4549,7 @@
             </a:ln>
             <a:extLst>
               <a:ext uri="{91240B29-F687-4f45-9708-019B960494DF}">
-                <a14:hiddenLine xmlns="" xmlns:a14="http://schemas.microsoft.com/office/drawing/2010/main" w="9525">
+                <a14:hiddenLine xmlns:a14="http://schemas.microsoft.com/office/drawing/2010/main" xmlns="" w="9525">
                   <a:solidFill>
                     <a:srgbClr val="000000"/>
                   </a:solidFill>
@@ -4611,7 +4611,7 @@
             </a:ln>
             <a:extLst>
               <a:ext uri="{91240B29-F687-4f45-9708-019B960494DF}">
-                <a14:hiddenLine xmlns="" xmlns:a14="http://schemas.microsoft.com/office/drawing/2010/main" w="9525">
+                <a14:hiddenLine xmlns:a14="http://schemas.microsoft.com/office/drawing/2010/main" xmlns="" w="9525">
                   <a:solidFill>
                     <a:srgbClr val="000000"/>
                   </a:solidFill>
@@ -4673,7 +4673,7 @@
             </a:ln>
             <a:extLst>
               <a:ext uri="{91240B29-F687-4f45-9708-019B960494DF}">
-                <a14:hiddenLine xmlns="" xmlns:a14="http://schemas.microsoft.com/office/drawing/2010/main" w="9525">
+                <a14:hiddenLine xmlns:a14="http://schemas.microsoft.com/office/drawing/2010/main" xmlns="" w="9525">
                   <a:solidFill>
                     <a:srgbClr val="000000"/>
                   </a:solidFill>
@@ -4763,7 +4763,7 @@
             </a:ln>
             <a:extLst>
               <a:ext uri="{91240B29-F687-4f45-9708-019B960494DF}">
-                <a14:hiddenLine xmlns="" xmlns:a14="http://schemas.microsoft.com/office/drawing/2010/main" w="9525">
+                <a14:hiddenLine xmlns:a14="http://schemas.microsoft.com/office/drawing/2010/main" xmlns="" w="9525">
                   <a:solidFill>
                     <a:srgbClr val="000000"/>
                   </a:solidFill>
@@ -4853,7 +4853,7 @@
             </a:ln>
             <a:extLst>
               <a:ext uri="{91240B29-F687-4f45-9708-019B960494DF}">
-                <a14:hiddenLine xmlns="" xmlns:a14="http://schemas.microsoft.com/office/drawing/2010/main" w="9525">
+                <a14:hiddenLine xmlns:a14="http://schemas.microsoft.com/office/drawing/2010/main" xmlns="" w="9525">
                   <a:solidFill>
                     <a:srgbClr val="000000"/>
                   </a:solidFill>
@@ -4915,7 +4915,7 @@
             </a:ln>
             <a:extLst>
               <a:ext uri="{91240B29-F687-4f45-9708-019B960494DF}">
-                <a14:hiddenLine xmlns="" xmlns:a14="http://schemas.microsoft.com/office/drawing/2010/main" w="9525">
+                <a14:hiddenLine xmlns:a14="http://schemas.microsoft.com/office/drawing/2010/main" xmlns="" w="9525">
                   <a:solidFill>
                     <a:srgbClr val="000000"/>
                   </a:solidFill>
@@ -5025,7 +5025,7 @@
             </a:ln>
             <a:extLst>
               <a:ext uri="{91240B29-F687-4f45-9708-019B960494DF}">
-                <a14:hiddenLine xmlns="" xmlns:a14="http://schemas.microsoft.com/office/drawing/2010/main" w="9525">
+                <a14:hiddenLine xmlns:a14="http://schemas.microsoft.com/office/drawing/2010/main" xmlns="" w="9525">
                   <a:solidFill>
                     <a:srgbClr val="000000"/>
                   </a:solidFill>
@@ -5087,7 +5087,7 @@
             </a:ln>
             <a:extLst>
               <a:ext uri="{91240B29-F687-4f45-9708-019B960494DF}">
-                <a14:hiddenLine xmlns="" xmlns:a14="http://schemas.microsoft.com/office/drawing/2010/main" w="9525">
+                <a14:hiddenLine xmlns:a14="http://schemas.microsoft.com/office/drawing/2010/main" xmlns="" w="9525">
                   <a:solidFill>
                     <a:srgbClr val="000000"/>
                   </a:solidFill>
@@ -5177,7 +5177,7 @@
             </a:ln>
             <a:extLst>
               <a:ext uri="{91240B29-F687-4f45-9708-019B960494DF}">
-                <a14:hiddenLine xmlns="" xmlns:a14="http://schemas.microsoft.com/office/drawing/2010/main" w="9525">
+                <a14:hiddenLine xmlns:a14="http://schemas.microsoft.com/office/drawing/2010/main" xmlns="" w="9525">
                   <a:solidFill>
                     <a:srgbClr val="000000"/>
                   </a:solidFill>
@@ -5267,7 +5267,7 @@
             </a:ln>
             <a:extLst>
               <a:ext uri="{91240B29-F687-4f45-9708-019B960494DF}">
-                <a14:hiddenLine xmlns="" xmlns:a14="http://schemas.microsoft.com/office/drawing/2010/main" w="9525">
+                <a14:hiddenLine xmlns:a14="http://schemas.microsoft.com/office/drawing/2010/main" xmlns="" w="9525">
                   <a:solidFill>
                     <a:srgbClr val="000000"/>
                   </a:solidFill>
@@ -5329,7 +5329,7 @@
             </a:ln>
             <a:extLst>
               <a:ext uri="{91240B29-F687-4f45-9708-019B960494DF}">
-                <a14:hiddenLine xmlns="" xmlns:a14="http://schemas.microsoft.com/office/drawing/2010/main" w="9525">
+                <a14:hiddenLine xmlns:a14="http://schemas.microsoft.com/office/drawing/2010/main" xmlns="" w="9525">
                   <a:solidFill>
                     <a:srgbClr val="000000"/>
                   </a:solidFill>
@@ -5419,7 +5419,7 @@
             </a:ln>
             <a:extLst>
               <a:ext uri="{91240B29-F687-4f45-9708-019B960494DF}">
-                <a14:hiddenLine xmlns="" xmlns:a14="http://schemas.microsoft.com/office/drawing/2010/main" w="9525">
+                <a14:hiddenLine xmlns:a14="http://schemas.microsoft.com/office/drawing/2010/main" xmlns="" w="9525">
                   <a:solidFill>
                     <a:srgbClr val="000000"/>
                   </a:solidFill>
@@ -5509,7 +5509,7 @@
             </a:ln>
             <a:extLst>
               <a:ext uri="{91240B29-F687-4f45-9708-019B960494DF}">
-                <a14:hiddenLine xmlns="" xmlns:a14="http://schemas.microsoft.com/office/drawing/2010/main" w="9525">
+                <a14:hiddenLine xmlns:a14="http://schemas.microsoft.com/office/drawing/2010/main" xmlns="" w="9525">
                   <a:solidFill>
                     <a:srgbClr val="000000"/>
                   </a:solidFill>
@@ -5565,7 +5565,7 @@
             </a:ln>
             <a:extLst>
               <a:ext uri="{91240B29-F687-4f45-9708-019B960494DF}">
-                <a14:hiddenLine xmlns="" xmlns:a14="http://schemas.microsoft.com/office/drawing/2010/main" w="9525">
+                <a14:hiddenLine xmlns:a14="http://schemas.microsoft.com/office/drawing/2010/main" xmlns="" w="9525">
                   <a:solidFill>
                     <a:srgbClr val="000000"/>
                   </a:solidFill>
@@ -5655,7 +5655,7 @@
             </a:ln>
             <a:extLst>
               <a:ext uri="{91240B29-F687-4f45-9708-019B960494DF}">
-                <a14:hiddenLine xmlns="" xmlns:a14="http://schemas.microsoft.com/office/drawing/2010/main" w="9525">
+                <a14:hiddenLine xmlns:a14="http://schemas.microsoft.com/office/drawing/2010/main" xmlns="" w="9525">
                   <a:solidFill>
                     <a:srgbClr val="000000"/>
                   </a:solidFill>
@@ -5711,7 +5711,7 @@
             </a:ln>
             <a:extLst>
               <a:ext uri="{91240B29-F687-4f45-9708-019B960494DF}">
-                <a14:hiddenLine xmlns="" xmlns:a14="http://schemas.microsoft.com/office/drawing/2010/main" w="9525">
+                <a14:hiddenLine xmlns:a14="http://schemas.microsoft.com/office/drawing/2010/main" xmlns="" w="9525">
                   <a:solidFill>
                     <a:srgbClr val="000000"/>
                   </a:solidFill>
@@ -5801,7 +5801,7 @@
             </a:ln>
             <a:extLst>
               <a:ext uri="{91240B29-F687-4f45-9708-019B960494DF}">
-                <a14:hiddenLine xmlns="" xmlns:a14="http://schemas.microsoft.com/office/drawing/2010/main" w="9525">
+                <a14:hiddenLine xmlns:a14="http://schemas.microsoft.com/office/drawing/2010/main" xmlns="" w="9525">
                   <a:solidFill>
                     <a:srgbClr val="000000"/>
                   </a:solidFill>
@@ -5869,7 +5869,7 @@
             </a:ln>
             <a:extLst>
               <a:ext uri="{91240B29-F687-4f45-9708-019B960494DF}">
-                <a14:hiddenLine xmlns="" xmlns:a14="http://schemas.microsoft.com/office/drawing/2010/main" w="9525">
+                <a14:hiddenLine xmlns:a14="http://schemas.microsoft.com/office/drawing/2010/main" xmlns="" w="9525">
                   <a:solidFill>
                     <a:srgbClr val="000000"/>
                   </a:solidFill>
@@ -5959,7 +5959,7 @@
             </a:ln>
             <a:extLst>
               <a:ext uri="{91240B29-F687-4f45-9708-019B960494DF}">
-                <a14:hiddenLine xmlns="" xmlns:a14="http://schemas.microsoft.com/office/drawing/2010/main" w="9525">
+                <a14:hiddenLine xmlns:a14="http://schemas.microsoft.com/office/drawing/2010/main" xmlns="" w="9525">
                   <a:solidFill>
                     <a:srgbClr val="000000"/>
                   </a:solidFill>
@@ -6027,7 +6027,7 @@
             </a:ln>
             <a:extLst>
               <a:ext uri="{91240B29-F687-4f45-9708-019B960494DF}">
-                <a14:hiddenLine xmlns="" xmlns:a14="http://schemas.microsoft.com/office/drawing/2010/main" w="9525">
+                <a14:hiddenLine xmlns:a14="http://schemas.microsoft.com/office/drawing/2010/main" xmlns="" w="9525">
                   <a:solidFill>
                     <a:srgbClr val="000000"/>
                   </a:solidFill>
@@ -6117,7 +6117,7 @@
             </a:ln>
             <a:extLst>
               <a:ext uri="{91240B29-F687-4f45-9708-019B960494DF}">
-                <a14:hiddenLine xmlns="" xmlns:a14="http://schemas.microsoft.com/office/drawing/2010/main" w="9525">
+                <a14:hiddenLine xmlns:a14="http://schemas.microsoft.com/office/drawing/2010/main" xmlns="" w="9525">
                   <a:solidFill>
                     <a:srgbClr val="000000"/>
                   </a:solidFill>
@@ -6151,7 +6151,7 @@
             </a:ln>
             <a:extLst>
               <a:ext uri="{91240B29-F687-4f45-9708-019B960494DF}">
-                <a14:hiddenLine xmlns="" xmlns:a14="http://schemas.microsoft.com/office/drawing/2010/main" w="9525">
+                <a14:hiddenLine xmlns:a14="http://schemas.microsoft.com/office/drawing/2010/main" xmlns="" w="9525">
                   <a:solidFill>
                     <a:srgbClr val="000000"/>
                   </a:solidFill>
@@ -6241,7 +6241,7 @@
             </a:ln>
             <a:extLst>
               <a:ext uri="{91240B29-F687-4f45-9708-019B960494DF}">
-                <a14:hiddenLine xmlns="" xmlns:a14="http://schemas.microsoft.com/office/drawing/2010/main" w="9525">
+                <a14:hiddenLine xmlns:a14="http://schemas.microsoft.com/office/drawing/2010/main" xmlns="" w="9525">
                   <a:solidFill>
                     <a:srgbClr val="000000"/>
                   </a:solidFill>
@@ -6303,7 +6303,7 @@
             </a:ln>
             <a:extLst>
               <a:ext uri="{91240B29-F687-4f45-9708-019B960494DF}">
-                <a14:hiddenLine xmlns="" xmlns:a14="http://schemas.microsoft.com/office/drawing/2010/main" w="9525">
+                <a14:hiddenLine xmlns:a14="http://schemas.microsoft.com/office/drawing/2010/main" xmlns="" w="9525">
                   <a:solidFill>
                     <a:srgbClr val="000000"/>
                   </a:solidFill>
@@ -6365,7 +6365,7 @@
             </a:ln>
             <a:extLst>
               <a:ext uri="{91240B29-F687-4f45-9708-019B960494DF}">
-                <a14:hiddenLine xmlns="" xmlns:a14="http://schemas.microsoft.com/office/drawing/2010/main" w="9525">
+                <a14:hiddenLine xmlns:a14="http://schemas.microsoft.com/office/drawing/2010/main" xmlns="" w="9525">
                   <a:solidFill>
                     <a:srgbClr val="000000"/>
                   </a:solidFill>
@@ -6455,7 +6455,7 @@
             </a:ln>
             <a:extLst>
               <a:ext uri="{91240B29-F687-4f45-9708-019B960494DF}">
-                <a14:hiddenLine xmlns="" xmlns:a14="http://schemas.microsoft.com/office/drawing/2010/main" w="9525">
+                <a14:hiddenLine xmlns:a14="http://schemas.microsoft.com/office/drawing/2010/main" xmlns="" w="9525">
                   <a:solidFill>
                     <a:srgbClr val="000000"/>
                   </a:solidFill>
@@ -6523,7 +6523,7 @@
             </a:ln>
             <a:extLst>
               <a:ext uri="{91240B29-F687-4f45-9708-019B960494DF}">
-                <a14:hiddenLine xmlns="" xmlns:a14="http://schemas.microsoft.com/office/drawing/2010/main" w="9525">
+                <a14:hiddenLine xmlns:a14="http://schemas.microsoft.com/office/drawing/2010/main" xmlns="" w="9525">
                   <a:solidFill>
                     <a:srgbClr val="000000"/>
                   </a:solidFill>
@@ -6585,7 +6585,7 @@
             </a:ln>
             <a:extLst>
               <a:ext uri="{91240B29-F687-4f45-9708-019B960494DF}">
-                <a14:hiddenLine xmlns="" xmlns:a14="http://schemas.microsoft.com/office/drawing/2010/main" w="9525">
+                <a14:hiddenLine xmlns:a14="http://schemas.microsoft.com/office/drawing/2010/main" xmlns="" w="9525">
                   <a:solidFill>
                     <a:srgbClr val="000000"/>
                   </a:solidFill>
@@ -6675,7 +6675,7 @@
             </a:ln>
             <a:extLst>
               <a:ext uri="{91240B29-F687-4f45-9708-019B960494DF}">
-                <a14:hiddenLine xmlns="" xmlns:a14="http://schemas.microsoft.com/office/drawing/2010/main" w="9525">
+                <a14:hiddenLine xmlns:a14="http://schemas.microsoft.com/office/drawing/2010/main" xmlns="" w="9525">
                   <a:solidFill>
                     <a:srgbClr val="000000"/>
                   </a:solidFill>
@@ -6737,7 +6737,7 @@
             </a:ln>
             <a:extLst>
               <a:ext uri="{91240B29-F687-4f45-9708-019B960494DF}">
-                <a14:hiddenLine xmlns="" xmlns:a14="http://schemas.microsoft.com/office/drawing/2010/main" w="9525">
+                <a14:hiddenLine xmlns:a14="http://schemas.microsoft.com/office/drawing/2010/main" xmlns="" w="9525">
                   <a:solidFill>
                     <a:srgbClr val="000000"/>
                   </a:solidFill>
@@ -6827,7 +6827,7 @@
             </a:ln>
             <a:extLst>
               <a:ext uri="{91240B29-F687-4f45-9708-019B960494DF}">
-                <a14:hiddenLine xmlns="" xmlns:a14="http://schemas.microsoft.com/office/drawing/2010/main" w="9525">
+                <a14:hiddenLine xmlns:a14="http://schemas.microsoft.com/office/drawing/2010/main" xmlns="" w="9525">
                   <a:solidFill>
                     <a:srgbClr val="000000"/>
                   </a:solidFill>
@@ -6889,7 +6889,7 @@
             </a:ln>
             <a:extLst>
               <a:ext uri="{91240B29-F687-4f45-9708-019B960494DF}">
-                <a14:hiddenLine xmlns="" xmlns:a14="http://schemas.microsoft.com/office/drawing/2010/main" w="9525">
+                <a14:hiddenLine xmlns:a14="http://schemas.microsoft.com/office/drawing/2010/main" xmlns="" w="9525">
                   <a:solidFill>
                     <a:srgbClr val="000000"/>
                   </a:solidFill>
@@ -6979,7 +6979,7 @@
             </a:ln>
             <a:extLst>
               <a:ext uri="{91240B29-F687-4f45-9708-019B960494DF}">
-                <a14:hiddenLine xmlns="" xmlns:a14="http://schemas.microsoft.com/office/drawing/2010/main" w="9525">
+                <a14:hiddenLine xmlns:a14="http://schemas.microsoft.com/office/drawing/2010/main" xmlns="" w="9525">
                   <a:solidFill>
                     <a:srgbClr val="000000"/>
                   </a:solidFill>
@@ -7013,7 +7013,7 @@
             </a:ln>
             <a:extLst>
               <a:ext uri="{91240B29-F687-4f45-9708-019B960494DF}">
-                <a14:hiddenLine xmlns="" xmlns:a14="http://schemas.microsoft.com/office/drawing/2010/main" w="9525">
+                <a14:hiddenLine xmlns:a14="http://schemas.microsoft.com/office/drawing/2010/main" xmlns="" w="9525">
                   <a:solidFill>
                     <a:srgbClr val="000000"/>
                   </a:solidFill>
@@ -7078,7 +7078,7 @@
             </a:ln>
             <a:extLst>
               <a:ext uri="{91240B29-F687-4f45-9708-019B960494DF}">
-                <a14:hiddenLine xmlns="" xmlns:a14="http://schemas.microsoft.com/office/drawing/2010/main" w="9525">
+                <a14:hiddenLine xmlns:a14="http://schemas.microsoft.com/office/drawing/2010/main" xmlns="" w="9525">
                   <a:solidFill>
                     <a:srgbClr val="000000"/>
                   </a:solidFill>
@@ -7168,7 +7168,7 @@
             </a:ln>
             <a:extLst>
               <a:ext uri="{91240B29-F687-4f45-9708-019B960494DF}">
-                <a14:hiddenLine xmlns="" xmlns:a14="http://schemas.microsoft.com/office/drawing/2010/main" w="9525">
+                <a14:hiddenLine xmlns:a14="http://schemas.microsoft.com/office/drawing/2010/main" xmlns="" w="9525">
                   <a:solidFill>
                     <a:srgbClr val="000000"/>
                   </a:solidFill>
@@ -7230,7 +7230,7 @@
             </a:ln>
             <a:extLst>
               <a:ext uri="{91240B29-F687-4f45-9708-019B960494DF}">
-                <a14:hiddenLine xmlns="" xmlns:a14="http://schemas.microsoft.com/office/drawing/2010/main" w="9525">
+                <a14:hiddenLine xmlns:a14="http://schemas.microsoft.com/office/drawing/2010/main" xmlns="" w="9525">
                   <a:solidFill>
                     <a:srgbClr val="000000"/>
                   </a:solidFill>
@@ -7320,7 +7320,7 @@
             </a:ln>
             <a:extLst>
               <a:ext uri="{91240B29-F687-4f45-9708-019B960494DF}">
-                <a14:hiddenLine xmlns="" xmlns:a14="http://schemas.microsoft.com/office/drawing/2010/main" w="9525">
+                <a14:hiddenLine xmlns:a14="http://schemas.microsoft.com/office/drawing/2010/main" xmlns="" w="9525">
                   <a:solidFill>
                     <a:srgbClr val="000000"/>
                   </a:solidFill>
@@ -7410,7 +7410,7 @@
             </a:ln>
             <a:extLst>
               <a:ext uri="{91240B29-F687-4f45-9708-019B960494DF}">
-                <a14:hiddenLine xmlns="" xmlns:a14="http://schemas.microsoft.com/office/drawing/2010/main" w="9525">
+                <a14:hiddenLine xmlns:a14="http://schemas.microsoft.com/office/drawing/2010/main" xmlns="" w="9525">
                   <a:solidFill>
                     <a:srgbClr val="000000"/>
                   </a:solidFill>
@@ -7475,7 +7475,7 @@
             </a:ln>
             <a:extLst>
               <a:ext uri="{91240B29-F687-4f45-9708-019B960494DF}">
-                <a14:hiddenLine xmlns="" xmlns:a14="http://schemas.microsoft.com/office/drawing/2010/main" w="9525">
+                <a14:hiddenLine xmlns:a14="http://schemas.microsoft.com/office/drawing/2010/main" xmlns="" w="9525">
                   <a:solidFill>
                     <a:srgbClr val="000000"/>
                   </a:solidFill>
@@ -7537,7 +7537,7 @@
             </a:ln>
             <a:extLst>
               <a:ext uri="{91240B29-F687-4f45-9708-019B960494DF}">
-                <a14:hiddenLine xmlns="" xmlns:a14="http://schemas.microsoft.com/office/drawing/2010/main" w="9525">
+                <a14:hiddenLine xmlns:a14="http://schemas.microsoft.com/office/drawing/2010/main" xmlns="" w="9525">
                   <a:solidFill>
                     <a:srgbClr val="000000"/>
                   </a:solidFill>
@@ -7627,7 +7627,7 @@
             </a:ln>
             <a:extLst>
               <a:ext uri="{91240B29-F687-4f45-9708-019B960494DF}">
-                <a14:hiddenLine xmlns="" xmlns:a14="http://schemas.microsoft.com/office/drawing/2010/main" w="9525">
+                <a14:hiddenLine xmlns:a14="http://schemas.microsoft.com/office/drawing/2010/main" xmlns="" w="9525">
                   <a:solidFill>
                     <a:srgbClr val="000000"/>
                   </a:solidFill>
@@ -7717,7 +7717,7 @@
             </a:ln>
             <a:extLst>
               <a:ext uri="{91240B29-F687-4f45-9708-019B960494DF}">
-                <a14:hiddenLine xmlns="" xmlns:a14="http://schemas.microsoft.com/office/drawing/2010/main" w="9525">
+                <a14:hiddenLine xmlns:a14="http://schemas.microsoft.com/office/drawing/2010/main" xmlns="" w="9525">
                   <a:solidFill>
                     <a:srgbClr val="000000"/>
                   </a:solidFill>
@@ -7779,7 +7779,7 @@
             </a:ln>
             <a:extLst>
               <a:ext uri="{91240B29-F687-4f45-9708-019B960494DF}">
-                <a14:hiddenLine xmlns="" xmlns:a14="http://schemas.microsoft.com/office/drawing/2010/main" w="9525">
+                <a14:hiddenLine xmlns:a14="http://schemas.microsoft.com/office/drawing/2010/main" xmlns="" w="9525">
                   <a:solidFill>
                     <a:srgbClr val="000000"/>
                   </a:solidFill>
@@ -7899,7 +7899,7 @@
             </a:ln>
             <a:extLst>
               <a:ext uri="{91240B29-F687-4f45-9708-019B960494DF}">
-                <a14:hiddenLine xmlns="" xmlns:a14="http://schemas.microsoft.com/office/drawing/2010/main" w="9525">
+                <a14:hiddenLine xmlns:a14="http://schemas.microsoft.com/office/drawing/2010/main" xmlns="" w="9525">
                   <a:solidFill>
                     <a:srgbClr val="000000"/>
                   </a:solidFill>
@@ -7967,7 +7967,7 @@
             </a:ln>
             <a:extLst>
               <a:ext uri="{91240B29-F687-4f45-9708-019B960494DF}">
-                <a14:hiddenLine xmlns="" xmlns:a14="http://schemas.microsoft.com/office/drawing/2010/main" w="9525">
+                <a14:hiddenLine xmlns:a14="http://schemas.microsoft.com/office/drawing/2010/main" xmlns="" w="9525">
                   <a:solidFill>
                     <a:srgbClr val="000000"/>
                   </a:solidFill>
@@ -8057,7 +8057,7 @@
             </a:ln>
             <a:extLst>
               <a:ext uri="{91240B29-F687-4f45-9708-019B960494DF}">
-                <a14:hiddenLine xmlns="" xmlns:a14="http://schemas.microsoft.com/office/drawing/2010/main" w="9525">
+                <a14:hiddenLine xmlns:a14="http://schemas.microsoft.com/office/drawing/2010/main" xmlns="" w="9525">
                   <a:solidFill>
                     <a:srgbClr val="000000"/>
                   </a:solidFill>
@@ -13983,7 +13983,7 @@
           <a:noFill/>
           <a:extLst>
             <a:ext uri="{909E8E84-426E-40dd-AFC4-6F175D3DCCD1}">
-              <a14:hiddenFill xmlns="" xmlns:a14="http://schemas.microsoft.com/office/drawing/2010/main">
+              <a14:hiddenFill xmlns:a14="http://schemas.microsoft.com/office/drawing/2010/main" xmlns="">
                 <a:solidFill>
                   <a:srgbClr val="FFFFFF"/>
                 </a:solidFill>
@@ -14063,7 +14063,7 @@
               </a:ln>
               <a:extLst>
                 <a:ext uri="{91240B29-F687-4f45-9708-019B960494DF}">
-                  <a14:hiddenLine xmlns="" xmlns:a14="http://schemas.microsoft.com/office/drawing/2010/main" w="9525">
+                  <a14:hiddenLine xmlns:a14="http://schemas.microsoft.com/office/drawing/2010/main" xmlns="" w="9525">
                     <a:solidFill>
                       <a:srgbClr val="000000"/>
                     </a:solidFill>
@@ -14153,7 +14153,7 @@
               </a:ln>
               <a:extLst>
                 <a:ext uri="{91240B29-F687-4f45-9708-019B960494DF}">
-                  <a14:hiddenLine xmlns="" xmlns:a14="http://schemas.microsoft.com/office/drawing/2010/main" w="9525">
+                  <a14:hiddenLine xmlns:a14="http://schemas.microsoft.com/office/drawing/2010/main" xmlns="" w="9525">
                     <a:solidFill>
                       <a:srgbClr val="000000"/>
                     </a:solidFill>
@@ -14243,7 +14243,7 @@
               </a:ln>
               <a:extLst>
                 <a:ext uri="{91240B29-F687-4f45-9708-019B960494DF}">
-                  <a14:hiddenLine xmlns="" xmlns:a14="http://schemas.microsoft.com/office/drawing/2010/main" w="9525">
+                  <a14:hiddenLine xmlns:a14="http://schemas.microsoft.com/office/drawing/2010/main" xmlns="" w="9525">
                     <a:solidFill>
                       <a:srgbClr val="000000"/>
                     </a:solidFill>
@@ -14305,7 +14305,7 @@
               </a:ln>
               <a:extLst>
                 <a:ext uri="{91240B29-F687-4f45-9708-019B960494DF}">
-                  <a14:hiddenLine xmlns="" xmlns:a14="http://schemas.microsoft.com/office/drawing/2010/main" w="9525">
+                  <a14:hiddenLine xmlns:a14="http://schemas.microsoft.com/office/drawing/2010/main" xmlns="" w="9525">
                     <a:solidFill>
                       <a:srgbClr val="000000"/>
                     </a:solidFill>
@@ -14395,7 +14395,7 @@
               </a:ln>
               <a:extLst>
                 <a:ext uri="{91240B29-F687-4f45-9708-019B960494DF}">
-                  <a14:hiddenLine xmlns="" xmlns:a14="http://schemas.microsoft.com/office/drawing/2010/main" w="9525">
+                  <a14:hiddenLine xmlns:a14="http://schemas.microsoft.com/office/drawing/2010/main" xmlns="" w="9525">
                     <a:solidFill>
                       <a:srgbClr val="000000"/>
                     </a:solidFill>
@@ -14457,7 +14457,7 @@
               </a:ln>
               <a:extLst>
                 <a:ext uri="{91240B29-F687-4f45-9708-019B960494DF}">
-                  <a14:hiddenLine xmlns="" xmlns:a14="http://schemas.microsoft.com/office/drawing/2010/main" w="9525">
+                  <a14:hiddenLine xmlns:a14="http://schemas.microsoft.com/office/drawing/2010/main" xmlns="" w="9525">
                     <a:solidFill>
                       <a:srgbClr val="000000"/>
                     </a:solidFill>
@@ -14519,7 +14519,7 @@
               </a:ln>
               <a:extLst>
                 <a:ext uri="{91240B29-F687-4f45-9708-019B960494DF}">
-                  <a14:hiddenLine xmlns="" xmlns:a14="http://schemas.microsoft.com/office/drawing/2010/main" w="9525">
+                  <a14:hiddenLine xmlns:a14="http://schemas.microsoft.com/office/drawing/2010/main" xmlns="" w="9525">
                     <a:solidFill>
                       <a:srgbClr val="000000"/>
                     </a:solidFill>
@@ -14609,7 +14609,7 @@
               </a:ln>
               <a:extLst>
                 <a:ext uri="{91240B29-F687-4f45-9708-019B960494DF}">
-                  <a14:hiddenLine xmlns="" xmlns:a14="http://schemas.microsoft.com/office/drawing/2010/main" w="9525">
+                  <a14:hiddenLine xmlns:a14="http://schemas.microsoft.com/office/drawing/2010/main" xmlns="" w="9525">
                     <a:solidFill>
                       <a:srgbClr val="000000"/>
                     </a:solidFill>
@@ -14699,7 +14699,7 @@
               </a:ln>
               <a:extLst>
                 <a:ext uri="{91240B29-F687-4f45-9708-019B960494DF}">
-                  <a14:hiddenLine xmlns="" xmlns:a14="http://schemas.microsoft.com/office/drawing/2010/main" w="9525">
+                  <a14:hiddenLine xmlns:a14="http://schemas.microsoft.com/office/drawing/2010/main" xmlns="" w="9525">
                     <a:solidFill>
                       <a:srgbClr val="000000"/>
                     </a:solidFill>
@@ -14761,7 +14761,7 @@
               </a:ln>
               <a:extLst>
                 <a:ext uri="{91240B29-F687-4f45-9708-019B960494DF}">
-                  <a14:hiddenLine xmlns="" xmlns:a14="http://schemas.microsoft.com/office/drawing/2010/main" w="9525">
+                  <a14:hiddenLine xmlns:a14="http://schemas.microsoft.com/office/drawing/2010/main" xmlns="" w="9525">
                     <a:solidFill>
                       <a:srgbClr val="000000"/>
                     </a:solidFill>
@@ -14871,7 +14871,7 @@
               </a:ln>
               <a:extLst>
                 <a:ext uri="{91240B29-F687-4f45-9708-019B960494DF}">
-                  <a14:hiddenLine xmlns="" xmlns:a14="http://schemas.microsoft.com/office/drawing/2010/main" w="9525">
+                  <a14:hiddenLine xmlns:a14="http://schemas.microsoft.com/office/drawing/2010/main" xmlns="" w="9525">
                     <a:solidFill>
                       <a:srgbClr val="000000"/>
                     </a:solidFill>
@@ -14955,7 +14955,7 @@
               </a:ln>
               <a:extLst>
                 <a:ext uri="{91240B29-F687-4f45-9708-019B960494DF}">
-                  <a14:hiddenLine xmlns="" xmlns:a14="http://schemas.microsoft.com/office/drawing/2010/main" w="9525">
+                  <a14:hiddenLine xmlns:a14="http://schemas.microsoft.com/office/drawing/2010/main" xmlns="" w="9525">
                     <a:solidFill>
                       <a:srgbClr val="000000"/>
                     </a:solidFill>
@@ -15017,7 +15017,7 @@
               </a:ln>
               <a:extLst>
                 <a:ext uri="{91240B29-F687-4f45-9708-019B960494DF}">
-                  <a14:hiddenLine xmlns="" xmlns:a14="http://schemas.microsoft.com/office/drawing/2010/main" w="9525">
+                  <a14:hiddenLine xmlns:a14="http://schemas.microsoft.com/office/drawing/2010/main" xmlns="" w="9525">
                     <a:solidFill>
                       <a:srgbClr val="000000"/>
                     </a:solidFill>
@@ -15079,7 +15079,7 @@
               </a:ln>
               <a:extLst>
                 <a:ext uri="{91240B29-F687-4f45-9708-019B960494DF}">
-                  <a14:hiddenLine xmlns="" xmlns:a14="http://schemas.microsoft.com/office/drawing/2010/main" w="9525">
+                  <a14:hiddenLine xmlns:a14="http://schemas.microsoft.com/office/drawing/2010/main" xmlns="" w="9525">
                     <a:solidFill>
                       <a:srgbClr val="000000"/>
                     </a:solidFill>
@@ -15169,7 +15169,7 @@
               </a:ln>
               <a:extLst>
                 <a:ext uri="{91240B29-F687-4f45-9708-019B960494DF}">
-                  <a14:hiddenLine xmlns="" xmlns:a14="http://schemas.microsoft.com/office/drawing/2010/main" w="9525">
+                  <a14:hiddenLine xmlns:a14="http://schemas.microsoft.com/office/drawing/2010/main" xmlns="" w="9525">
                     <a:solidFill>
                       <a:srgbClr val="000000"/>
                     </a:solidFill>
@@ -15203,7 +15203,7 @@
               </a:ln>
               <a:extLst>
                 <a:ext uri="{91240B29-F687-4f45-9708-019B960494DF}">
-                  <a14:hiddenLine xmlns="" xmlns:a14="http://schemas.microsoft.com/office/drawing/2010/main" w="9525">
+                  <a14:hiddenLine xmlns:a14="http://schemas.microsoft.com/office/drawing/2010/main" xmlns="" w="9525">
                     <a:solidFill>
                       <a:srgbClr val="000000"/>
                     </a:solidFill>
@@ -15268,7 +15268,7 @@
               </a:ln>
               <a:extLst>
                 <a:ext uri="{91240B29-F687-4f45-9708-019B960494DF}">
-                  <a14:hiddenLine xmlns="" xmlns:a14="http://schemas.microsoft.com/office/drawing/2010/main" w="9525">
+                  <a14:hiddenLine xmlns:a14="http://schemas.microsoft.com/office/drawing/2010/main" xmlns="" w="9525">
                     <a:solidFill>
                       <a:srgbClr val="000000"/>
                     </a:solidFill>
@@ -15358,7 +15358,7 @@
               </a:ln>
               <a:extLst>
                 <a:ext uri="{91240B29-F687-4f45-9708-019B960494DF}">
-                  <a14:hiddenLine xmlns="" xmlns:a14="http://schemas.microsoft.com/office/drawing/2010/main" w="9525">
+                  <a14:hiddenLine xmlns:a14="http://schemas.microsoft.com/office/drawing/2010/main" xmlns="" w="9525">
                     <a:solidFill>
                       <a:srgbClr val="000000"/>
                     </a:solidFill>
@@ -15420,7 +15420,7 @@
               </a:ln>
               <a:extLst>
                 <a:ext uri="{91240B29-F687-4f45-9708-019B960494DF}">
-                  <a14:hiddenLine xmlns="" xmlns:a14="http://schemas.microsoft.com/office/drawing/2010/main" w="9525">
+                  <a14:hiddenLine xmlns:a14="http://schemas.microsoft.com/office/drawing/2010/main" xmlns="" w="9525">
                     <a:solidFill>
                       <a:srgbClr val="000000"/>
                     </a:solidFill>
@@ -15510,7 +15510,7 @@
               </a:ln>
               <a:extLst>
                 <a:ext uri="{91240B29-F687-4f45-9708-019B960494DF}">
-                  <a14:hiddenLine xmlns="" xmlns:a14="http://schemas.microsoft.com/office/drawing/2010/main" w="9525">
+                  <a14:hiddenLine xmlns:a14="http://schemas.microsoft.com/office/drawing/2010/main" xmlns="" w="9525">
                     <a:solidFill>
                       <a:srgbClr val="000000"/>
                     </a:solidFill>
@@ -15575,7 +15575,7 @@
               </a:ln>
               <a:extLst>
                 <a:ext uri="{91240B29-F687-4f45-9708-019B960494DF}">
-                  <a14:hiddenLine xmlns="" xmlns:a14="http://schemas.microsoft.com/office/drawing/2010/main" w="9525">
+                  <a14:hiddenLine xmlns:a14="http://schemas.microsoft.com/office/drawing/2010/main" xmlns="" w="9525">
                     <a:solidFill>
                       <a:srgbClr val="000000"/>
                     </a:solidFill>
@@ -15637,7 +15637,7 @@
               </a:ln>
               <a:extLst>
                 <a:ext uri="{91240B29-F687-4f45-9708-019B960494DF}">
-                  <a14:hiddenLine xmlns="" xmlns:a14="http://schemas.microsoft.com/office/drawing/2010/main" w="9525">
+                  <a14:hiddenLine xmlns:a14="http://schemas.microsoft.com/office/drawing/2010/main" xmlns="" w="9525">
                     <a:solidFill>
                       <a:srgbClr val="000000"/>
                     </a:solidFill>
@@ -15727,7 +15727,7 @@
               </a:ln>
               <a:extLst>
                 <a:ext uri="{91240B29-F687-4f45-9708-019B960494DF}">
-                  <a14:hiddenLine xmlns="" xmlns:a14="http://schemas.microsoft.com/office/drawing/2010/main" w="9525">
+                  <a14:hiddenLine xmlns:a14="http://schemas.microsoft.com/office/drawing/2010/main" xmlns="" w="9525">
                     <a:solidFill>
                       <a:srgbClr val="000000"/>
                     </a:solidFill>
@@ -15817,7 +15817,7 @@
               </a:ln>
               <a:extLst>
                 <a:ext uri="{91240B29-F687-4f45-9708-019B960494DF}">
-                  <a14:hiddenLine xmlns="" xmlns:a14="http://schemas.microsoft.com/office/drawing/2010/main" w="9525">
+                  <a14:hiddenLine xmlns:a14="http://schemas.microsoft.com/office/drawing/2010/main" xmlns="" w="9525">
                     <a:solidFill>
                       <a:srgbClr val="000000"/>
                     </a:solidFill>
@@ -15882,7 +15882,7 @@
               </a:ln>
               <a:extLst>
                 <a:ext uri="{91240B29-F687-4f45-9708-019B960494DF}">
-                  <a14:hiddenLine xmlns="" xmlns:a14="http://schemas.microsoft.com/office/drawing/2010/main" w="9525">
+                  <a14:hiddenLine xmlns:a14="http://schemas.microsoft.com/office/drawing/2010/main" xmlns="" w="9525">
                     <a:solidFill>
                       <a:srgbClr val="000000"/>
                     </a:solidFill>
@@ -16002,7 +16002,7 @@
               </a:ln>
               <a:extLst>
                 <a:ext uri="{91240B29-F687-4f45-9708-019B960494DF}">
-                  <a14:hiddenLine xmlns="" xmlns:a14="http://schemas.microsoft.com/office/drawing/2010/main" w="9525">
+                  <a14:hiddenLine xmlns:a14="http://schemas.microsoft.com/office/drawing/2010/main" xmlns="" w="9525">
                     <a:solidFill>
                       <a:srgbClr val="000000"/>
                     </a:solidFill>
@@ -16100,7 +16100,7 @@
               </a:ln>
               <a:extLst>
                 <a:ext uri="{91240B29-F687-4f45-9708-019B960494DF}">
-                  <a14:hiddenLine xmlns="" xmlns:a14="http://schemas.microsoft.com/office/drawing/2010/main" w="9525">
+                  <a14:hiddenLine xmlns:a14="http://schemas.microsoft.com/office/drawing/2010/main" xmlns="" w="9525">
                     <a:solidFill>
                       <a:srgbClr val="000000"/>
                     </a:solidFill>
@@ -16215,7 +16215,7 @@
               </a:ln>
               <a:extLst>
                 <a:ext uri="{91240B29-F687-4f45-9708-019B960494DF}">
-                  <a14:hiddenLine xmlns="" xmlns:a14="http://schemas.microsoft.com/office/drawing/2010/main" w="9525">
+                  <a14:hiddenLine xmlns:a14="http://schemas.microsoft.com/office/drawing/2010/main" xmlns="" w="9525">
                     <a:solidFill>
                       <a:srgbClr val="000000"/>
                     </a:solidFill>
@@ -16305,7 +16305,7 @@
               </a:ln>
               <a:extLst>
                 <a:ext uri="{91240B29-F687-4f45-9708-019B960494DF}">
-                  <a14:hiddenLine xmlns="" xmlns:a14="http://schemas.microsoft.com/office/drawing/2010/main" w="9525">
+                  <a14:hiddenLine xmlns:a14="http://schemas.microsoft.com/office/drawing/2010/main" xmlns="" w="9525">
                     <a:solidFill>
                       <a:srgbClr val="000000"/>
                     </a:solidFill>
@@ -16370,7 +16370,7 @@
               </a:ln>
               <a:extLst>
                 <a:ext uri="{91240B29-F687-4f45-9708-019B960494DF}">
-                  <a14:hiddenLine xmlns="" xmlns:a14="http://schemas.microsoft.com/office/drawing/2010/main" w="9525">
+                  <a14:hiddenLine xmlns:a14="http://schemas.microsoft.com/office/drawing/2010/main" xmlns="" w="9525">
                     <a:solidFill>
                       <a:srgbClr val="000000"/>
                     </a:solidFill>
@@ -16460,7 +16460,7 @@
               </a:ln>
               <a:extLst>
                 <a:ext uri="{91240B29-F687-4f45-9708-019B960494DF}">
-                  <a14:hiddenLine xmlns="" xmlns:a14="http://schemas.microsoft.com/office/drawing/2010/main" w="9525">
+                  <a14:hiddenLine xmlns:a14="http://schemas.microsoft.com/office/drawing/2010/main" xmlns="" w="9525">
                     <a:solidFill>
                       <a:srgbClr val="000000"/>
                     </a:solidFill>
@@ -16528,7 +16528,7 @@
               </a:ln>
               <a:extLst>
                 <a:ext uri="{91240B29-F687-4f45-9708-019B960494DF}">
-                  <a14:hiddenLine xmlns="" xmlns:a14="http://schemas.microsoft.com/office/drawing/2010/main" w="9525">
+                  <a14:hiddenLine xmlns:a14="http://schemas.microsoft.com/office/drawing/2010/main" xmlns="" w="9525">
                     <a:solidFill>
                       <a:srgbClr val="000000"/>
                     </a:solidFill>
@@ -16618,7 +16618,7 @@
               </a:ln>
               <a:extLst>
                 <a:ext uri="{91240B29-F687-4f45-9708-019B960494DF}">
-                  <a14:hiddenLine xmlns="" xmlns:a14="http://schemas.microsoft.com/office/drawing/2010/main" w="9525">
+                  <a14:hiddenLine xmlns:a14="http://schemas.microsoft.com/office/drawing/2010/main" xmlns="" w="9525">
                     <a:solidFill>
                       <a:srgbClr val="000000"/>
                     </a:solidFill>
@@ -16686,7 +16686,7 @@
               </a:ln>
               <a:extLst>
                 <a:ext uri="{91240B29-F687-4f45-9708-019B960494DF}">
-                  <a14:hiddenLine xmlns="" xmlns:a14="http://schemas.microsoft.com/office/drawing/2010/main" w="9525">
+                  <a14:hiddenLine xmlns:a14="http://schemas.microsoft.com/office/drawing/2010/main" xmlns="" w="9525">
                     <a:solidFill>
                       <a:srgbClr val="000000"/>
                     </a:solidFill>
@@ -16776,7 +16776,7 @@
               </a:ln>
               <a:extLst>
                 <a:ext uri="{91240B29-F687-4f45-9708-019B960494DF}">
-                  <a14:hiddenLine xmlns="" xmlns:a14="http://schemas.microsoft.com/office/drawing/2010/main" w="9525">
+                  <a14:hiddenLine xmlns:a14="http://schemas.microsoft.com/office/drawing/2010/main" xmlns="" w="9525">
                     <a:solidFill>
                       <a:srgbClr val="000000"/>
                     </a:solidFill>
@@ -16810,7 +16810,7 @@
               </a:ln>
               <a:extLst>
                 <a:ext uri="{91240B29-F687-4f45-9708-019B960494DF}">
-                  <a14:hiddenLine xmlns="" xmlns:a14="http://schemas.microsoft.com/office/drawing/2010/main" w="9525">
+                  <a14:hiddenLine xmlns:a14="http://schemas.microsoft.com/office/drawing/2010/main" xmlns="" w="9525">
                     <a:solidFill>
                       <a:srgbClr val="000000"/>
                     </a:solidFill>
@@ -25576,7 +25576,7 @@
                 </a:highlight>
                 <a:latin typeface="Hack" panose="020B0609030202020204" pitchFamily="49" charset="0"/>
               </a:rPr>
-              <a:t>void</a:t>
+              <a:t>static</a:t>
             </a:r>
             <a:r>
               <a:rPr lang="en-CA" b="0" dirty="0">
@@ -25592,6 +25592,32 @@
               <a:t> </a:t>
             </a:r>
             <a:r>
+              <a:rPr lang="en-CA" b="0" dirty="0">
+                <a:solidFill>
+                  <a:srgbClr val="0000FF"/>
+                </a:solidFill>
+                <a:effectLst/>
+                <a:highlight>
+                  <a:srgbClr val="FFFFFF"/>
+                </a:highlight>
+                <a:latin typeface="Hack" panose="020B0609030202020204" pitchFamily="49" charset="0"/>
+              </a:rPr>
+              <a:t>void</a:t>
+            </a:r>
+            <a:r>
+              <a:rPr lang="en-CA" b="0" dirty="0">
+                <a:solidFill>
+                  <a:srgbClr val="000000"/>
+                </a:solidFill>
+                <a:effectLst/>
+                <a:highlight>
+                  <a:srgbClr val="FFFFFF"/>
+                </a:highlight>
+                <a:latin typeface="Hack" panose="020B0609030202020204" pitchFamily="49" charset="0"/>
+              </a:rPr>
+              <a:t> </a:t>
+            </a:r>
+            <a:r>
               <a:rPr lang="en-CA" b="0" dirty="0" err="1">
                 <a:solidFill>
                   <a:srgbClr val="000000"/>
@@ -25605,7 +25631,7 @@
               <a:t>initAll</a:t>
             </a:r>
             <a:r>
-              <a:rPr lang="en-CA" b="0" dirty="0">
+              <a:rPr lang="en-CA" b="0">
                 <a:solidFill>
                   <a:srgbClr val="000000"/>
                 </a:solidFill>
@@ -25615,20 +25641,7 @@
                 </a:highlight>
                 <a:latin typeface="Hack" panose="020B0609030202020204" pitchFamily="49" charset="0"/>
               </a:rPr>
-              <a:t>() </a:t>
-            </a:r>
-            <a:r>
-              <a:rPr lang="en-CA" b="0" dirty="0">
-                <a:solidFill>
-                  <a:srgbClr val="0000FF"/>
-                </a:solidFill>
-                <a:effectLst/>
-                <a:highlight>
-                  <a:srgbClr val="FFFFFF"/>
-                </a:highlight>
-                <a:latin typeface="Hack" panose="020B0609030202020204" pitchFamily="49" charset="0"/>
-              </a:rPr>
-              <a:t>const</a:t>
+              <a:t>()</a:t>
             </a:r>
             <a:endParaRPr lang="en-CA" dirty="0">
               <a:solidFill>
@@ -25773,7 +25786,7 @@
                 </a:highlight>
                 <a:latin typeface="Hack" panose="020B0609030202020204" pitchFamily="49" charset="0"/>
               </a:rPr>
-              <a:t>void</a:t>
+              <a:t>static void</a:t>
             </a:r>
             <a:r>
               <a:rPr lang="en-CA" b="0" dirty="0">
@@ -25812,20 +25825,7 @@
                 </a:highlight>
                 <a:latin typeface="Hack" panose="020B0609030202020204" pitchFamily="49" charset="0"/>
               </a:rPr>
-              <a:t>() </a:t>
-            </a:r>
-            <a:r>
-              <a:rPr lang="en-CA" b="0" dirty="0">
-                <a:solidFill>
-                  <a:srgbClr val="0000FF"/>
-                </a:solidFill>
-                <a:effectLst/>
-                <a:highlight>
-                  <a:srgbClr val="FFFFFF"/>
-                </a:highlight>
-                <a:latin typeface="Hack" panose="020B0609030202020204" pitchFamily="49" charset="0"/>
-              </a:rPr>
-              <a:t>const</a:t>
+              <a:t>()</a:t>
             </a:r>
             <a:endParaRPr lang="en-CA" dirty="0">
               <a:solidFill>

--- a/TaskScheduler/TaskScheduler.pptx
+++ b/TaskScheduler/TaskScheduler.pptx
@@ -1411,13 +1411,8 @@
             </a:pPr>
             <a:r>
               <a:rPr lang="en-US" sz="1200" dirty="0"/>
-              <a:t>Time: approx. </a:t>
-            </a:r>
-            <a:r>
-              <a:rPr lang="en-US" sz="1200"/>
-              <a:t>20-25 mins</a:t>
-            </a:r>
-            <a:endParaRPr lang="en-US" sz="1200" dirty="0"/>
+              <a:t>Time: approx. 20-25 mins</a:t>
+            </a:r>
           </a:p>
         </p:txBody>
       </p:sp>
@@ -1602,10 +1597,7 @@
               <a:tabLst/>
               <a:defRPr/>
             </a:pPr>
-            <a:r>
-              <a:rPr lang="en-CA" dirty="0"/>
-              <a:t>Clock/timer for elapsed time: Any microcontroller has this</a:t>
-            </a:r>
+            <a:endParaRPr lang="en-CA" dirty="0"/>
           </a:p>
         </p:txBody>
       </p:sp>
@@ -1857,38 +1849,8 @@
           <a:bodyPr/>
           <a:lstStyle/>
           <a:p>
-            <a:pPr marL="171450" lvl="0" indent="-171450">
-              <a:buFont typeface="Arial" panose="020B0604020202020204" pitchFamily="34" charset="0"/>
-              <a:buChar char="•"/>
-            </a:pPr>
-            <a:r>
-              <a:rPr lang="en-CA" dirty="0"/>
-              <a:t>This is the main() code running on the demo board.</a:t>
-            </a:r>
-          </a:p>
-          <a:p>
-            <a:pPr marL="628650" lvl="1" indent="-171450">
-              <a:buFont typeface="Arial" panose="020B0604020202020204" pitchFamily="34" charset="0"/>
-              <a:buChar char="•"/>
-            </a:pPr>
-            <a:r>
-              <a:rPr lang="en-CA" dirty="0" err="1"/>
-              <a:t>TaskList</a:t>
-            </a:r>
-            <a:r>
-              <a:rPr lang="en-CA" dirty="0"/>
-              <a:t> is defined at compile time</a:t>
-            </a:r>
-          </a:p>
-          <a:p>
-            <a:pPr marL="628650" lvl="1" indent="-171450">
-              <a:buFont typeface="Arial" panose="020B0604020202020204" pitchFamily="34" charset="0"/>
-              <a:buChar char="•"/>
-            </a:pPr>
-            <a:r>
-              <a:rPr lang="en-CA" dirty="0"/>
-              <a:t>Hence the funny brackets &lt;&gt;</a:t>
-            </a:r>
+            <a:pPr lvl="0"/>
+            <a:endParaRPr lang="en-CA" dirty="0"/>
           </a:p>
         </p:txBody>
       </p:sp>
@@ -1972,270 +1934,7 @@
           <a:bodyPr/>
           <a:lstStyle/>
           <a:p>
-            <a:pPr marL="171450" indent="-171450">
-              <a:buFont typeface="Arial" panose="020B0604020202020204" pitchFamily="34" charset="0"/>
-              <a:buChar char="•"/>
-            </a:pPr>
-            <a:r>
-              <a:rPr lang="en-CA" dirty="0"/>
-              <a:t>This is one of the tasks running on the demo board</a:t>
-            </a:r>
-          </a:p>
-          <a:p>
-            <a:pPr marL="171450" marR="0" lvl="0" indent="-171450" algn="l" defTabSz="914400" rtl="0" eaLnBrk="1" fontAlgn="auto" latinLnBrk="0" hangingPunct="1">
-              <a:lnSpc>
-                <a:spcPct val="100000"/>
-              </a:lnSpc>
-              <a:spcBef>
-                <a:spcPts val="0"/>
-              </a:spcBef>
-              <a:spcAft>
-                <a:spcPts val="0"/>
-              </a:spcAft>
-              <a:buClrTx/>
-              <a:buSzTx/>
-              <a:buFont typeface="Arial" panose="020B0604020202020204" pitchFamily="34" charset="0"/>
-              <a:buChar char="•"/>
-              <a:tabLst/>
-              <a:defRPr/>
-            </a:pPr>
-            <a:r>
-              <a:rPr lang="en-CA" dirty="0"/>
-              <a:t>Implements 3 virtual functions:</a:t>
-            </a:r>
-          </a:p>
-          <a:p>
-            <a:pPr marL="628650" lvl="1" indent="-171450">
-              <a:buFont typeface="Arial" panose="020B0604020202020204" pitchFamily="34" charset="0"/>
-              <a:buChar char="•"/>
-            </a:pPr>
-            <a:r>
-              <a:rPr lang="en-CA" dirty="0" err="1"/>
-              <a:t>intervalMicros</a:t>
-            </a:r>
-            <a:r>
-              <a:rPr lang="en-CA" dirty="0"/>
-              <a:t>() specifies how often the task should run</a:t>
-            </a:r>
-          </a:p>
-          <a:p>
-            <a:pPr marL="628650" lvl="1" indent="-171450">
-              <a:buFont typeface="Arial" panose="020B0604020202020204" pitchFamily="34" charset="0"/>
-              <a:buChar char="•"/>
-            </a:pPr>
-            <a:r>
-              <a:rPr lang="en-CA" dirty="0" err="1"/>
-              <a:t>init</a:t>
-            </a:r>
-            <a:r>
-              <a:rPr lang="en-CA" dirty="0"/>
-              <a:t>() is called once at startup</a:t>
-            </a:r>
-          </a:p>
-          <a:p>
-            <a:pPr marL="628650" lvl="1" indent="-171450">
-              <a:buFont typeface="Arial" panose="020B0604020202020204" pitchFamily="34" charset="0"/>
-              <a:buChar char="•"/>
-            </a:pPr>
-            <a:r>
-              <a:rPr lang="en-CA" dirty="0"/>
-              <a:t>execute() is called as required – must be a short snippet of work</a:t>
-            </a:r>
-          </a:p>
-          <a:p>
-            <a:pPr marL="171450" marR="0" lvl="0" indent="-171450" algn="l" defTabSz="914400" rtl="0" eaLnBrk="1" fontAlgn="auto" latinLnBrk="0" hangingPunct="1">
-              <a:lnSpc>
-                <a:spcPct val="100000"/>
-              </a:lnSpc>
-              <a:spcBef>
-                <a:spcPts val="0"/>
-              </a:spcBef>
-              <a:spcAft>
-                <a:spcPts val="0"/>
-              </a:spcAft>
-              <a:buClrTx/>
-              <a:buSzTx/>
-              <a:buFont typeface="Arial" panose="020B0604020202020204" pitchFamily="34" charset="0"/>
-              <a:buChar char="•"/>
-              <a:tabLst/>
-              <a:defRPr/>
-            </a:pPr>
-            <a:r>
-              <a:rPr lang="en-CA" dirty="0"/>
-              <a:t>Not necessary to declare an instance of </a:t>
-            </a:r>
-            <a:r>
-              <a:rPr lang="en-CA" sz="1050" dirty="0">
-                <a:solidFill>
-                  <a:schemeClr val="bg2"/>
-                </a:solidFill>
-                <a:highlight>
-                  <a:srgbClr val="FFFFFF"/>
-                </a:highlight>
-                <a:latin typeface="Hack" panose="020B0609030202020204" pitchFamily="49" charset="0"/>
-                <a:ea typeface="Hack" panose="020B0609030202020204" pitchFamily="49" charset="0"/>
-                <a:cs typeface="Hack" panose="020B0609030202020204" pitchFamily="49" charset="0"/>
-              </a:rPr>
-              <a:t>the Task</a:t>
-            </a:r>
-          </a:p>
-          <a:p>
-            <a:pPr marL="628650" marR="0" lvl="1" indent="-171450" algn="l" defTabSz="914400" rtl="0" eaLnBrk="1" fontAlgn="auto" latinLnBrk="0" hangingPunct="1">
-              <a:lnSpc>
-                <a:spcPct val="100000"/>
-              </a:lnSpc>
-              <a:spcBef>
-                <a:spcPts val="0"/>
-              </a:spcBef>
-              <a:spcAft>
-                <a:spcPts val="0"/>
-              </a:spcAft>
-              <a:buClrTx/>
-              <a:buSzTx/>
-              <a:buFont typeface="Arial" panose="020B0604020202020204" pitchFamily="34" charset="0"/>
-              <a:buChar char="•"/>
-              <a:tabLst/>
-              <a:defRPr/>
-            </a:pPr>
-            <a:r>
-              <a:rPr lang="en-CA" sz="1050" dirty="0">
-                <a:solidFill>
-                  <a:schemeClr val="bg2"/>
-                </a:solidFill>
-                <a:highlight>
-                  <a:srgbClr val="FFFFFF"/>
-                </a:highlight>
-                <a:latin typeface="Hack" panose="020B0609030202020204" pitchFamily="49" charset="0"/>
-                <a:ea typeface="Hack" panose="020B0609030202020204" pitchFamily="49" charset="0"/>
-                <a:cs typeface="Hack" panose="020B0609030202020204" pitchFamily="49" charset="0"/>
-              </a:rPr>
-              <a:t>This was one of the drivers for me to create the crazy template code to be shown later</a:t>
-            </a:r>
-          </a:p>
-          <a:p>
-            <a:pPr marL="628650" marR="0" lvl="1" indent="-171450" algn="l" defTabSz="914400" rtl="0" eaLnBrk="1" fontAlgn="auto" latinLnBrk="0" hangingPunct="1">
-              <a:lnSpc>
-                <a:spcPct val="100000"/>
-              </a:lnSpc>
-              <a:spcBef>
-                <a:spcPts val="0"/>
-              </a:spcBef>
-              <a:spcAft>
-                <a:spcPts val="0"/>
-              </a:spcAft>
-              <a:buClrTx/>
-              <a:buSzTx/>
-              <a:buFont typeface="Arial" panose="020B0604020202020204" pitchFamily="34" charset="0"/>
-              <a:buChar char="•"/>
-              <a:tabLst/>
-              <a:defRPr/>
-            </a:pPr>
-            <a:r>
-              <a:rPr lang="en-CA" sz="1050" dirty="0">
-                <a:solidFill>
-                  <a:schemeClr val="bg2"/>
-                </a:solidFill>
-                <a:highlight>
-                  <a:srgbClr val="FFFFFF"/>
-                </a:highlight>
-                <a:latin typeface="Hack" panose="020B0609030202020204" pitchFamily="49" charset="0"/>
-                <a:ea typeface="Hack" panose="020B0609030202020204" pitchFamily="49" charset="0"/>
-                <a:cs typeface="Hack" panose="020B0609030202020204" pitchFamily="49" charset="0"/>
-              </a:rPr>
-              <a:t>I don’t like having to define/declare things in 2 places – annoying and error prone</a:t>
-            </a:r>
-          </a:p>
-          <a:p>
-            <a:pPr marL="171450" indent="-171450">
-              <a:buFont typeface="Arial" panose="020B0604020202020204" pitchFamily="34" charset="0"/>
-              <a:buChar char="•"/>
-            </a:pPr>
-            <a:r>
-              <a:rPr lang="en-CA" i="1" dirty="0"/>
-              <a:t>Note: Brief aside about virtual functions</a:t>
-            </a:r>
-          </a:p>
-          <a:p>
-            <a:pPr marL="628650" lvl="1" indent="-171450">
-              <a:buFont typeface="Arial" panose="020B0604020202020204" pitchFamily="34" charset="0"/>
-              <a:buChar char="•"/>
-            </a:pPr>
-            <a:r>
-              <a:rPr lang="en-CA" i="0" dirty="0"/>
-              <a:t>Small overhead calling a virtual function – </a:t>
-            </a:r>
-            <a:r>
-              <a:rPr lang="en-CA" i="0" dirty="0" err="1"/>
-              <a:t>vtbl</a:t>
-            </a:r>
-            <a:r>
-              <a:rPr lang="en-CA" i="0" dirty="0"/>
-              <a:t> in memory, 1 memory access per call in this implementation</a:t>
-            </a:r>
-          </a:p>
-          <a:p>
-            <a:pPr marL="628650" lvl="1" indent="-171450">
-              <a:buFont typeface="Arial" panose="020B0604020202020204" pitchFamily="34" charset="0"/>
-              <a:buChar char="•"/>
-            </a:pPr>
-            <a:r>
-              <a:rPr lang="en-CA" i="0" dirty="0"/>
-              <a:t>But since there is one static instance of </a:t>
-            </a:r>
-            <a:r>
-              <a:rPr lang="en-CA" i="0" dirty="0" err="1"/>
-              <a:t>LedBlinkTask</a:t>
-            </a:r>
-            <a:r>
-              <a:rPr lang="en-CA" i="0" dirty="0"/>
-              <a:t>, the compiler can figure out which virtual function to call</a:t>
-            </a:r>
-          </a:p>
-          <a:p>
-            <a:pPr marL="628650" lvl="1" indent="-171450">
-              <a:buFont typeface="Arial" panose="020B0604020202020204" pitchFamily="34" charset="0"/>
-              <a:buChar char="•"/>
-            </a:pPr>
-            <a:r>
-              <a:rPr lang="en-CA" i="1" dirty="0"/>
-              <a:t>Sometimes</a:t>
-            </a:r>
-            <a:r>
-              <a:rPr lang="en-CA" i="0" dirty="0"/>
-              <a:t> </a:t>
-            </a:r>
-            <a:r>
-              <a:rPr lang="en-CA" i="0" dirty="0" err="1"/>
-              <a:t>gcc</a:t>
-            </a:r>
-            <a:r>
-              <a:rPr lang="en-CA" i="0" dirty="0"/>
-              <a:t> optimizes to call the function directly or pull it inline</a:t>
-            </a:r>
-          </a:p>
-          <a:p>
-            <a:pPr marL="628650" lvl="1" indent="-171450">
-              <a:buFont typeface="Arial" panose="020B0604020202020204" pitchFamily="34" charset="0"/>
-              <a:buChar char="•"/>
-            </a:pPr>
-            <a:r>
-              <a:rPr lang="en-CA" i="0" dirty="0"/>
-              <a:t>There’s still some overhead so it can be helpful to use </a:t>
-            </a:r>
-            <a:r>
-              <a:rPr lang="en-CA" dirty="0"/>
-              <a:t>compile-time polymorphism instead</a:t>
-            </a:r>
-          </a:p>
-          <a:p>
-            <a:pPr marL="628650" lvl="1" indent="-171450">
-              <a:buFont typeface="Arial" panose="020B0604020202020204" pitchFamily="34" charset="0"/>
-              <a:buChar char="•"/>
-            </a:pPr>
-            <a:r>
-              <a:rPr lang="en-CA" i="1" dirty="0"/>
-              <a:t>Discuss that later</a:t>
-            </a:r>
+            <a:endParaRPr lang="en-CA" i="1" dirty="0"/>
           </a:p>
         </p:txBody>
       </p:sp>
@@ -2403,24 +2102,7 @@
           <a:bodyPr/>
           <a:lstStyle/>
           <a:p>
-            <a:pPr marL="171450" indent="-171450">
-              <a:buFont typeface="Arial" panose="020B0604020202020204" pitchFamily="34" charset="0"/>
-              <a:buChar char="•"/>
-            </a:pPr>
-            <a:r>
-              <a:rPr lang="en-CA" dirty="0"/>
-              <a:t>tick() is implemented with Pi Pico SDK functions &amp; types</a:t>
-            </a:r>
-          </a:p>
-          <a:p>
-            <a:pPr marL="171450" indent="-171450">
-              <a:buFont typeface="Arial" panose="020B0604020202020204" pitchFamily="34" charset="0"/>
-              <a:buChar char="•"/>
-            </a:pPr>
-            <a:r>
-              <a:rPr lang="en-CA" dirty="0"/>
-              <a:t>Can work on any other microcontroller, coded appropriately</a:t>
-            </a:r>
+            <a:endParaRPr lang="en-CA" dirty="0"/>
           </a:p>
         </p:txBody>
       </p:sp>
@@ -2504,52 +2186,7 @@
           <a:bodyPr/>
           <a:lstStyle/>
           <a:p>
-            <a:pPr marL="171450" indent="-171450">
-              <a:buFont typeface="Arial" panose="020B0604020202020204" pitchFamily="34" charset="0"/>
-              <a:buChar char="•"/>
-            </a:pPr>
-            <a:r>
-              <a:rPr lang="en-CA" dirty="0" err="1"/>
-              <a:t>TaskList</a:t>
-            </a:r>
-            <a:r>
-              <a:rPr lang="en-CA" dirty="0"/>
-              <a:t> is the template that was used in main.cpp</a:t>
-            </a:r>
-          </a:p>
-          <a:p>
-            <a:pPr marL="171450" indent="-171450">
-              <a:buFont typeface="Arial" panose="020B0604020202020204" pitchFamily="34" charset="0"/>
-              <a:buChar char="•"/>
-            </a:pPr>
-            <a:r>
-              <a:rPr lang="en-CA" dirty="0"/>
-              <a:t>Variadic template – parameter pack</a:t>
-            </a:r>
-          </a:p>
-          <a:p>
-            <a:pPr marL="171450" indent="-171450">
-              <a:buFont typeface="Arial" panose="020B0604020202020204" pitchFamily="34" charset="0"/>
-              <a:buChar char="•"/>
-            </a:pPr>
-            <a:r>
-              <a:rPr lang="en-CA" dirty="0"/>
-              <a:t>Fold expression (C++17) iterates over the template parameters</a:t>
-            </a:r>
-          </a:p>
-          <a:p>
-            <a:pPr marL="171450" indent="-171450">
-              <a:buFont typeface="Arial" panose="020B0604020202020204" pitchFamily="34" charset="0"/>
-              <a:buChar char="•"/>
-            </a:pPr>
-            <a:r>
-              <a:rPr lang="en-CA" dirty="0" err="1"/>
-              <a:t>taskInstance</a:t>
-            </a:r>
-            <a:r>
-              <a:rPr lang="en-CA" dirty="0"/>
-              <a:t>&lt;&gt; is a variable template declaring one instance of any Task class</a:t>
-            </a:r>
+            <a:endParaRPr lang="en-CA" dirty="0"/>
           </a:p>
         </p:txBody>
       </p:sp>
@@ -2717,96 +2354,6 @@
           <a:bodyPr/>
           <a:lstStyle/>
           <a:p>
-            <a:pPr marL="171450" marR="0" lvl="0" indent="-171450" algn="l" defTabSz="914400" rtl="0" eaLnBrk="1" fontAlgn="auto" latinLnBrk="0" hangingPunct="1">
-              <a:lnSpc>
-                <a:spcPct val="100000"/>
-              </a:lnSpc>
-              <a:spcBef>
-                <a:spcPts val="0"/>
-              </a:spcBef>
-              <a:spcAft>
-                <a:spcPts val="0"/>
-              </a:spcAft>
-              <a:buClrTx/>
-              <a:buSzTx/>
-              <a:buFont typeface="Arial" panose="020B0604020202020204" pitchFamily="34" charset="0"/>
-              <a:buChar char="•"/>
-              <a:tabLst/>
-              <a:defRPr/>
-            </a:pPr>
-            <a:r>
-              <a:rPr lang="en-CA" dirty="0"/>
-              <a:t>I worked at </a:t>
-            </a:r>
-            <a:r>
-              <a:rPr lang="en-CA" dirty="0" err="1"/>
-              <a:t>ImageWare</a:t>
-            </a:r>
-            <a:r>
-              <a:rPr lang="en-CA" dirty="0"/>
-              <a:t> Systems for a long time</a:t>
-            </a:r>
-          </a:p>
-          <a:p>
-            <a:pPr marL="171450" marR="0" lvl="0" indent="-171450" algn="l" defTabSz="914400" rtl="0" eaLnBrk="1" fontAlgn="auto" latinLnBrk="0" hangingPunct="1">
-              <a:lnSpc>
-                <a:spcPct val="100000"/>
-              </a:lnSpc>
-              <a:spcBef>
-                <a:spcPts val="0"/>
-              </a:spcBef>
-              <a:spcAft>
-                <a:spcPts val="0"/>
-              </a:spcAft>
-              <a:buClrTx/>
-              <a:buSzTx/>
-              <a:buFont typeface="Arial" panose="020B0604020202020204" pitchFamily="34" charset="0"/>
-              <a:buChar char="•"/>
-              <a:tabLst/>
-              <a:defRPr/>
-            </a:pPr>
-            <a:r>
-              <a:rPr lang="en-CA"/>
-              <a:t>This talk is </a:t>
-            </a:r>
-            <a:r>
-              <a:rPr lang="en-CA" dirty="0"/>
-              <a:t>based on my hobby projects – I don’t have </a:t>
-            </a:r>
-            <a:r>
-              <a:rPr lang="en-CA" i="1" dirty="0"/>
-              <a:t>professional</a:t>
-            </a:r>
-            <a:r>
-              <a:rPr lang="en-CA" i="0" dirty="0"/>
-              <a:t> experience in embedded systems programming</a:t>
-            </a:r>
-          </a:p>
-          <a:p>
-            <a:pPr marL="171450" marR="0" lvl="0" indent="-171450" algn="l" defTabSz="914400" rtl="0" eaLnBrk="1" fontAlgn="auto" latinLnBrk="0" hangingPunct="1">
-              <a:lnSpc>
-                <a:spcPct val="100000"/>
-              </a:lnSpc>
-              <a:spcBef>
-                <a:spcPts val="0"/>
-              </a:spcBef>
-              <a:spcAft>
-                <a:spcPts val="0"/>
-              </a:spcAft>
-              <a:buClrTx/>
-              <a:buSzTx/>
-              <a:buFont typeface="Arial" panose="020B0604020202020204" pitchFamily="34" charset="0"/>
-              <a:buChar char="•"/>
-              <a:tabLst/>
-              <a:defRPr/>
-            </a:pPr>
-            <a:r>
-              <a:rPr lang="en-CA" i="0" dirty="0"/>
-              <a:t>Web site: https://lenp.net/</a:t>
-            </a:r>
-            <a:endParaRPr lang="en-CA" dirty="0"/>
-          </a:p>
-          <a:p>
             <a:endParaRPr lang="en-CA" dirty="0"/>
           </a:p>
         </p:txBody>
@@ -3193,6 +2740,90 @@
 </p:notes>
 </file>
 
+<file path=ppt/notesSlides/notesSlide24.xml><?xml version="1.0" encoding="utf-8"?>
+<p:notes xmlns:a="http://schemas.openxmlformats.org/drawingml/2006/main" xmlns:r="http://schemas.openxmlformats.org/officeDocument/2006/relationships" xmlns:p="http://schemas.openxmlformats.org/presentationml/2006/main">
+  <p:cSld>
+    <p:spTree>
+      <p:nvGrpSpPr>
+        <p:cNvPr id="1" name=""/>
+        <p:cNvGrpSpPr/>
+        <p:nvPr/>
+      </p:nvGrpSpPr>
+      <p:grpSpPr>
+        <a:xfrm>
+          <a:off x="0" y="0"/>
+          <a:ext cx="0" cy="0"/>
+          <a:chOff x="0" y="0"/>
+          <a:chExt cx="0" cy="0"/>
+        </a:xfrm>
+      </p:grpSpPr>
+      <p:sp>
+        <p:nvSpPr>
+          <p:cNvPr id="2" name="Slide Image Placeholder 1"/>
+          <p:cNvSpPr>
+            <a:spLocks noGrp="1" noRot="1" noChangeAspect="1"/>
+          </p:cNvSpPr>
+          <p:nvPr>
+            <p:ph type="sldImg"/>
+          </p:nvPr>
+        </p:nvSpPr>
+        <p:spPr/>
+      </p:sp>
+      <p:sp>
+        <p:nvSpPr>
+          <p:cNvPr id="3" name="Notes Placeholder 2"/>
+          <p:cNvSpPr>
+            <a:spLocks noGrp="1"/>
+          </p:cNvSpPr>
+          <p:nvPr>
+            <p:ph type="body" idx="1"/>
+          </p:nvPr>
+        </p:nvSpPr>
+        <p:spPr/>
+        <p:txBody>
+          <a:bodyPr/>
+          <a:lstStyle/>
+          <a:p>
+            <a:endParaRPr lang="en-CA"/>
+          </a:p>
+        </p:txBody>
+      </p:sp>
+      <p:sp>
+        <p:nvSpPr>
+          <p:cNvPr id="4" name="Slide Number Placeholder 3"/>
+          <p:cNvSpPr>
+            <a:spLocks noGrp="1"/>
+          </p:cNvSpPr>
+          <p:nvPr>
+            <p:ph type="sldNum" sz="quarter" idx="5"/>
+          </p:nvPr>
+        </p:nvSpPr>
+        <p:spPr/>
+        <p:txBody>
+          <a:bodyPr/>
+          <a:lstStyle/>
+          <a:p>
+            <a:fld id="{A2E8EC5D-AF6A-40C0-9969-DE3CD2E745D4}" type="slidenum">
+              <a:rPr lang="en-CA" smtClean="0"/>
+              <a:t>24</a:t>
+            </a:fld>
+            <a:endParaRPr lang="en-CA"/>
+          </a:p>
+        </p:txBody>
+      </p:sp>
+    </p:spTree>
+    <p:extLst>
+      <p:ext uri="{BB962C8B-B14F-4D97-AF65-F5344CB8AC3E}">
+        <p14:creationId xmlns:p14="http://schemas.microsoft.com/office/powerpoint/2010/main" val="1490183838"/>
+      </p:ext>
+    </p:extLst>
+  </p:cSld>
+  <p:clrMapOvr>
+    <a:masterClrMapping/>
+  </p:clrMapOvr>
+</p:notes>
+</file>
+
 <file path=ppt/notesSlides/notesSlide3.xml><?xml version="1.0" encoding="utf-8"?>
 <p:notes xmlns:a="http://schemas.openxmlformats.org/drawingml/2006/main" xmlns:r="http://schemas.openxmlformats.org/officeDocument/2006/relationships" xmlns:p="http://schemas.openxmlformats.org/presentationml/2006/main">
   <p:cSld>
@@ -3237,10 +2868,7 @@
           <a:bodyPr/>
           <a:lstStyle/>
           <a:p>
-            <a:r>
-              <a:rPr lang="en-CA" dirty="0"/>
-              <a:t>Feel free to ask questions</a:t>
-            </a:r>
+            <a:endParaRPr lang="en-CA" dirty="0"/>
           </a:p>
         </p:txBody>
       </p:sp>
@@ -3324,34 +2952,7 @@
           <a:bodyPr/>
           <a:lstStyle/>
           <a:p>
-            <a:pPr marL="171450" indent="-171450">
-              <a:buFont typeface="Arial" panose="020B0604020202020204" pitchFamily="34" charset="0"/>
-              <a:buChar char="•"/>
-            </a:pPr>
-            <a:r>
-              <a:rPr lang="en-CA" dirty="0"/>
-              <a:t>Warning / promise: Not sure which it is</a:t>
-            </a:r>
-          </a:p>
-          <a:p>
-            <a:pPr marL="171450" indent="-171450">
-              <a:buFont typeface="Arial" panose="020B0604020202020204" pitchFamily="34" charset="0"/>
-              <a:buChar char="•"/>
-            </a:pPr>
-            <a:r>
-              <a:rPr lang="en-CA" dirty="0"/>
-              <a:t>Will be showing some modern C++</a:t>
-            </a:r>
-          </a:p>
-          <a:p>
-            <a:pPr marL="171450" indent="-171450">
-              <a:buFont typeface="Arial" panose="020B0604020202020204" pitchFamily="34" charset="0"/>
-              <a:buChar char="•"/>
-            </a:pPr>
-            <a:r>
-              <a:rPr lang="en-CA" dirty="0"/>
-              <a:t>Looks strange to someone like me</a:t>
-            </a:r>
+            <a:endParaRPr lang="en-CA" dirty="0"/>
           </a:p>
         </p:txBody>
       </p:sp>
@@ -3519,7 +3120,7 @@
           <a:bodyPr/>
           <a:lstStyle/>
           <a:p>
-            <a:pPr marL="171450" marR="0" lvl="0" indent="-171450" algn="l" defTabSz="914400" rtl="0" eaLnBrk="1" fontAlgn="auto" latinLnBrk="0" hangingPunct="1">
+            <a:pPr marR="0" lvl="0" algn="l" defTabSz="914400" rtl="0" eaLnBrk="1" fontAlgn="auto" latinLnBrk="0" hangingPunct="1">
               <a:lnSpc>
                 <a:spcPct val="100000"/>
               </a:lnSpc>
@@ -3531,72 +3132,10 @@
               </a:spcAft>
               <a:buClrTx/>
               <a:buSzTx/>
-              <a:buFont typeface="Arial" panose="020B0604020202020204" pitchFamily="34" charset="0"/>
-              <a:buChar char="•"/>
               <a:tabLst/>
               <a:defRPr/>
             </a:pPr>
-            <a:r>
-              <a:rPr lang="en-CA" dirty="0"/>
-              <a:t>Embedded microcontroller in a device</a:t>
-            </a:r>
-          </a:p>
-          <a:p>
-            <a:pPr marL="171450" marR="0" lvl="0" indent="-171450" algn="l" defTabSz="914400" rtl="0" eaLnBrk="1" fontAlgn="auto" latinLnBrk="0" hangingPunct="1">
-              <a:lnSpc>
-                <a:spcPct val="100000"/>
-              </a:lnSpc>
-              <a:spcBef>
-                <a:spcPts val="0"/>
-              </a:spcBef>
-              <a:spcAft>
-                <a:spcPts val="0"/>
-              </a:spcAft>
-              <a:buClrTx/>
-              <a:buSzTx/>
-              <a:buFont typeface="Arial" panose="020B0604020202020204" pitchFamily="34" charset="0"/>
-              <a:buChar char="•"/>
-              <a:tabLst/>
-              <a:defRPr/>
-            </a:pPr>
-            <a:r>
-              <a:rPr lang="en-CA" dirty="0"/>
-              <a:t>...</a:t>
-            </a:r>
-          </a:p>
-          <a:p>
-            <a:pPr marL="171450" marR="0" lvl="0" indent="-171450" algn="l" defTabSz="914400" rtl="0" eaLnBrk="1" fontAlgn="auto" latinLnBrk="0" hangingPunct="1">
-              <a:lnSpc>
-                <a:spcPct val="100000"/>
-              </a:lnSpc>
-              <a:spcBef>
-                <a:spcPts val="0"/>
-              </a:spcBef>
-              <a:spcAft>
-                <a:spcPts val="0"/>
-              </a:spcAft>
-              <a:buClrTx/>
-              <a:buSzTx/>
-              <a:buFont typeface="Arial" panose="020B0604020202020204" pitchFamily="34" charset="0"/>
-              <a:buChar char="•"/>
-              <a:tabLst/>
-              <a:defRPr/>
-            </a:pPr>
-            <a:r>
-              <a:rPr lang="en-CA" dirty="0"/>
-              <a:t>Want a simple task scheduler</a:t>
-            </a:r>
-          </a:p>
-          <a:p>
-            <a:pPr marL="628650" lvl="1" indent="-171450">
-              <a:buFont typeface="Arial" panose="020B0604020202020204" pitchFamily="34" charset="0"/>
-              <a:buChar char="•"/>
-              <a:defRPr/>
-            </a:pPr>
-            <a:r>
-              <a:rPr lang="en-CA" dirty="0"/>
-              <a:t>In lieu of a proper OS, this is the kernel of a kernel</a:t>
-            </a:r>
+            <a:endParaRPr lang="en-CA" dirty="0"/>
           </a:p>
         </p:txBody>
       </p:sp>
@@ -3680,10 +3219,7 @@
           <a:bodyPr/>
           <a:lstStyle/>
           <a:p>
-            <a:r>
-              <a:rPr lang="en-CA" dirty="0"/>
-              <a:t>Module from a modular synthesizer, which I made, that does digital audio synthesis</a:t>
-            </a:r>
+            <a:endParaRPr lang="en-CA" dirty="0"/>
           </a:p>
         </p:txBody>
       </p:sp>
@@ -3965,7 +3501,7 @@
           <a:noFill/>
           <a:extLst>
             <a:ext uri="{909E8E84-426E-40dd-AFC4-6F175D3DCCD1}">
-              <a14:hiddenFill xmlns:a14="http://schemas.microsoft.com/office/drawing/2010/main" xmlns="">
+              <a14:hiddenFill xmlns="" xmlns:a14="http://schemas.microsoft.com/office/drawing/2010/main">
                 <a:solidFill>
                   <a:srgbClr val="FFFFFF"/>
                 </a:solidFill>
@@ -4031,7 +3567,7 @@
             </a:ln>
             <a:extLst>
               <a:ext uri="{91240B29-F687-4f45-9708-019B960494DF}">
-                <a14:hiddenLine xmlns:a14="http://schemas.microsoft.com/office/drawing/2010/main" xmlns="" w="9525">
+                <a14:hiddenLine xmlns="" xmlns:a14="http://schemas.microsoft.com/office/drawing/2010/main" w="9525">
                   <a:solidFill>
                     <a:srgbClr val="000000"/>
                   </a:solidFill>
@@ -4121,7 +3657,7 @@
             </a:ln>
             <a:extLst>
               <a:ext uri="{91240B29-F687-4f45-9708-019B960494DF}">
-                <a14:hiddenLine xmlns:a14="http://schemas.microsoft.com/office/drawing/2010/main" xmlns="" w="9525">
+                <a14:hiddenLine xmlns="" xmlns:a14="http://schemas.microsoft.com/office/drawing/2010/main" w="9525">
                   <a:solidFill>
                     <a:srgbClr val="000000"/>
                   </a:solidFill>
@@ -4211,7 +3747,7 @@
             </a:ln>
             <a:extLst>
               <a:ext uri="{91240B29-F687-4f45-9708-019B960494DF}">
-                <a14:hiddenLine xmlns:a14="http://schemas.microsoft.com/office/drawing/2010/main" xmlns="" w="9525">
+                <a14:hiddenLine xmlns="" xmlns:a14="http://schemas.microsoft.com/office/drawing/2010/main" w="9525">
                   <a:solidFill>
                     <a:srgbClr val="000000"/>
                   </a:solidFill>
@@ -4245,7 +3781,7 @@
             </a:ln>
             <a:extLst>
               <a:ext uri="{91240B29-F687-4f45-9708-019B960494DF}">
-                <a14:hiddenLine xmlns:a14="http://schemas.microsoft.com/office/drawing/2010/main" xmlns="" w="9525">
+                <a14:hiddenLine xmlns="" xmlns:a14="http://schemas.microsoft.com/office/drawing/2010/main" w="9525">
                   <a:solidFill>
                     <a:srgbClr val="000000"/>
                   </a:solidFill>
@@ -4335,7 +3871,7 @@
             </a:ln>
             <a:extLst>
               <a:ext uri="{91240B29-F687-4f45-9708-019B960494DF}">
-                <a14:hiddenLine xmlns:a14="http://schemas.microsoft.com/office/drawing/2010/main" xmlns="" w="9525">
+                <a14:hiddenLine xmlns="" xmlns:a14="http://schemas.microsoft.com/office/drawing/2010/main" w="9525">
                   <a:solidFill>
                     <a:srgbClr val="000000"/>
                   </a:solidFill>
@@ -4397,7 +3933,7 @@
             </a:ln>
             <a:extLst>
               <a:ext uri="{91240B29-F687-4f45-9708-019B960494DF}">
-                <a14:hiddenLine xmlns:a14="http://schemas.microsoft.com/office/drawing/2010/main" xmlns="" w="9525">
+                <a14:hiddenLine xmlns="" xmlns:a14="http://schemas.microsoft.com/office/drawing/2010/main" w="9525">
                   <a:solidFill>
                     <a:srgbClr val="000000"/>
                   </a:solidFill>
@@ -4459,7 +3995,7 @@
             </a:ln>
             <a:extLst>
               <a:ext uri="{91240B29-F687-4f45-9708-019B960494DF}">
-                <a14:hiddenLine xmlns:a14="http://schemas.microsoft.com/office/drawing/2010/main" xmlns="" w="9525">
+                <a14:hiddenLine xmlns="" xmlns:a14="http://schemas.microsoft.com/office/drawing/2010/main" w="9525">
                   <a:solidFill>
                     <a:srgbClr val="000000"/>
                   </a:solidFill>
@@ -4549,7 +4085,7 @@
             </a:ln>
             <a:extLst>
               <a:ext uri="{91240B29-F687-4f45-9708-019B960494DF}">
-                <a14:hiddenLine xmlns:a14="http://schemas.microsoft.com/office/drawing/2010/main" xmlns="" w="9525">
+                <a14:hiddenLine xmlns="" xmlns:a14="http://schemas.microsoft.com/office/drawing/2010/main" w="9525">
                   <a:solidFill>
                     <a:srgbClr val="000000"/>
                   </a:solidFill>
@@ -4611,7 +4147,7 @@
             </a:ln>
             <a:extLst>
               <a:ext uri="{91240B29-F687-4f45-9708-019B960494DF}">
-                <a14:hiddenLine xmlns:a14="http://schemas.microsoft.com/office/drawing/2010/main" xmlns="" w="9525">
+                <a14:hiddenLine xmlns="" xmlns:a14="http://schemas.microsoft.com/office/drawing/2010/main" w="9525">
                   <a:solidFill>
                     <a:srgbClr val="000000"/>
                   </a:solidFill>
@@ -4673,7 +4209,7 @@
             </a:ln>
             <a:extLst>
               <a:ext uri="{91240B29-F687-4f45-9708-019B960494DF}">
-                <a14:hiddenLine xmlns:a14="http://schemas.microsoft.com/office/drawing/2010/main" xmlns="" w="9525">
+                <a14:hiddenLine xmlns="" xmlns:a14="http://schemas.microsoft.com/office/drawing/2010/main" w="9525">
                   <a:solidFill>
                     <a:srgbClr val="000000"/>
                   </a:solidFill>
@@ -4763,7 +4299,7 @@
             </a:ln>
             <a:extLst>
               <a:ext uri="{91240B29-F687-4f45-9708-019B960494DF}">
-                <a14:hiddenLine xmlns:a14="http://schemas.microsoft.com/office/drawing/2010/main" xmlns="" w="9525">
+                <a14:hiddenLine xmlns="" xmlns:a14="http://schemas.microsoft.com/office/drawing/2010/main" w="9525">
                   <a:solidFill>
                     <a:srgbClr val="000000"/>
                   </a:solidFill>
@@ -4853,7 +4389,7 @@
             </a:ln>
             <a:extLst>
               <a:ext uri="{91240B29-F687-4f45-9708-019B960494DF}">
-                <a14:hiddenLine xmlns:a14="http://schemas.microsoft.com/office/drawing/2010/main" xmlns="" w="9525">
+                <a14:hiddenLine xmlns="" xmlns:a14="http://schemas.microsoft.com/office/drawing/2010/main" w="9525">
                   <a:solidFill>
                     <a:srgbClr val="000000"/>
                   </a:solidFill>
@@ -4915,7 +4451,7 @@
             </a:ln>
             <a:extLst>
               <a:ext uri="{91240B29-F687-4f45-9708-019B960494DF}">
-                <a14:hiddenLine xmlns:a14="http://schemas.microsoft.com/office/drawing/2010/main" xmlns="" w="9525">
+                <a14:hiddenLine xmlns="" xmlns:a14="http://schemas.microsoft.com/office/drawing/2010/main" w="9525">
                   <a:solidFill>
                     <a:srgbClr val="000000"/>
                   </a:solidFill>
@@ -5025,7 +4561,7 @@
             </a:ln>
             <a:extLst>
               <a:ext uri="{91240B29-F687-4f45-9708-019B960494DF}">
-                <a14:hiddenLine xmlns:a14="http://schemas.microsoft.com/office/drawing/2010/main" xmlns="" w="9525">
+                <a14:hiddenLine xmlns="" xmlns:a14="http://schemas.microsoft.com/office/drawing/2010/main" w="9525">
                   <a:solidFill>
                     <a:srgbClr val="000000"/>
                   </a:solidFill>
@@ -5087,7 +4623,7 @@
             </a:ln>
             <a:extLst>
               <a:ext uri="{91240B29-F687-4f45-9708-019B960494DF}">
-                <a14:hiddenLine xmlns:a14="http://schemas.microsoft.com/office/drawing/2010/main" xmlns="" w="9525">
+                <a14:hiddenLine xmlns="" xmlns:a14="http://schemas.microsoft.com/office/drawing/2010/main" w="9525">
                   <a:solidFill>
                     <a:srgbClr val="000000"/>
                   </a:solidFill>
@@ -5177,7 +4713,7 @@
             </a:ln>
             <a:extLst>
               <a:ext uri="{91240B29-F687-4f45-9708-019B960494DF}">
-                <a14:hiddenLine xmlns:a14="http://schemas.microsoft.com/office/drawing/2010/main" xmlns="" w="9525">
+                <a14:hiddenLine xmlns="" xmlns:a14="http://schemas.microsoft.com/office/drawing/2010/main" w="9525">
                   <a:solidFill>
                     <a:srgbClr val="000000"/>
                   </a:solidFill>
@@ -5267,7 +4803,7 @@
             </a:ln>
             <a:extLst>
               <a:ext uri="{91240B29-F687-4f45-9708-019B960494DF}">
-                <a14:hiddenLine xmlns:a14="http://schemas.microsoft.com/office/drawing/2010/main" xmlns="" w="9525">
+                <a14:hiddenLine xmlns="" xmlns:a14="http://schemas.microsoft.com/office/drawing/2010/main" w="9525">
                   <a:solidFill>
                     <a:srgbClr val="000000"/>
                   </a:solidFill>
@@ -5329,7 +4865,7 @@
             </a:ln>
             <a:extLst>
               <a:ext uri="{91240B29-F687-4f45-9708-019B960494DF}">
-                <a14:hiddenLine xmlns:a14="http://schemas.microsoft.com/office/drawing/2010/main" xmlns="" w="9525">
+                <a14:hiddenLine xmlns="" xmlns:a14="http://schemas.microsoft.com/office/drawing/2010/main" w="9525">
                   <a:solidFill>
                     <a:srgbClr val="000000"/>
                   </a:solidFill>
@@ -5419,7 +4955,7 @@
             </a:ln>
             <a:extLst>
               <a:ext uri="{91240B29-F687-4f45-9708-019B960494DF}">
-                <a14:hiddenLine xmlns:a14="http://schemas.microsoft.com/office/drawing/2010/main" xmlns="" w="9525">
+                <a14:hiddenLine xmlns="" xmlns:a14="http://schemas.microsoft.com/office/drawing/2010/main" w="9525">
                   <a:solidFill>
                     <a:srgbClr val="000000"/>
                   </a:solidFill>
@@ -5509,7 +5045,7 @@
             </a:ln>
             <a:extLst>
               <a:ext uri="{91240B29-F687-4f45-9708-019B960494DF}">
-                <a14:hiddenLine xmlns:a14="http://schemas.microsoft.com/office/drawing/2010/main" xmlns="" w="9525">
+                <a14:hiddenLine xmlns="" xmlns:a14="http://schemas.microsoft.com/office/drawing/2010/main" w="9525">
                   <a:solidFill>
                     <a:srgbClr val="000000"/>
                   </a:solidFill>
@@ -5565,7 +5101,7 @@
             </a:ln>
             <a:extLst>
               <a:ext uri="{91240B29-F687-4f45-9708-019B960494DF}">
-                <a14:hiddenLine xmlns:a14="http://schemas.microsoft.com/office/drawing/2010/main" xmlns="" w="9525">
+                <a14:hiddenLine xmlns="" xmlns:a14="http://schemas.microsoft.com/office/drawing/2010/main" w="9525">
                   <a:solidFill>
                     <a:srgbClr val="000000"/>
                   </a:solidFill>
@@ -5655,7 +5191,7 @@
             </a:ln>
             <a:extLst>
               <a:ext uri="{91240B29-F687-4f45-9708-019B960494DF}">
-                <a14:hiddenLine xmlns:a14="http://schemas.microsoft.com/office/drawing/2010/main" xmlns="" w="9525">
+                <a14:hiddenLine xmlns="" xmlns:a14="http://schemas.microsoft.com/office/drawing/2010/main" w="9525">
                   <a:solidFill>
                     <a:srgbClr val="000000"/>
                   </a:solidFill>
@@ -5711,7 +5247,7 @@
             </a:ln>
             <a:extLst>
               <a:ext uri="{91240B29-F687-4f45-9708-019B960494DF}">
-                <a14:hiddenLine xmlns:a14="http://schemas.microsoft.com/office/drawing/2010/main" xmlns="" w="9525">
+                <a14:hiddenLine xmlns="" xmlns:a14="http://schemas.microsoft.com/office/drawing/2010/main" w="9525">
                   <a:solidFill>
                     <a:srgbClr val="000000"/>
                   </a:solidFill>
@@ -5801,7 +5337,7 @@
             </a:ln>
             <a:extLst>
               <a:ext uri="{91240B29-F687-4f45-9708-019B960494DF}">
-                <a14:hiddenLine xmlns:a14="http://schemas.microsoft.com/office/drawing/2010/main" xmlns="" w="9525">
+                <a14:hiddenLine xmlns="" xmlns:a14="http://schemas.microsoft.com/office/drawing/2010/main" w="9525">
                   <a:solidFill>
                     <a:srgbClr val="000000"/>
                   </a:solidFill>
@@ -5869,7 +5405,7 @@
             </a:ln>
             <a:extLst>
               <a:ext uri="{91240B29-F687-4f45-9708-019B960494DF}">
-                <a14:hiddenLine xmlns:a14="http://schemas.microsoft.com/office/drawing/2010/main" xmlns="" w="9525">
+                <a14:hiddenLine xmlns="" xmlns:a14="http://schemas.microsoft.com/office/drawing/2010/main" w="9525">
                   <a:solidFill>
                     <a:srgbClr val="000000"/>
                   </a:solidFill>
@@ -5959,7 +5495,7 @@
             </a:ln>
             <a:extLst>
               <a:ext uri="{91240B29-F687-4f45-9708-019B960494DF}">
-                <a14:hiddenLine xmlns:a14="http://schemas.microsoft.com/office/drawing/2010/main" xmlns="" w="9525">
+                <a14:hiddenLine xmlns="" xmlns:a14="http://schemas.microsoft.com/office/drawing/2010/main" w="9525">
                   <a:solidFill>
                     <a:srgbClr val="000000"/>
                   </a:solidFill>
@@ -6027,7 +5563,7 @@
             </a:ln>
             <a:extLst>
               <a:ext uri="{91240B29-F687-4f45-9708-019B960494DF}">
-                <a14:hiddenLine xmlns:a14="http://schemas.microsoft.com/office/drawing/2010/main" xmlns="" w="9525">
+                <a14:hiddenLine xmlns="" xmlns:a14="http://schemas.microsoft.com/office/drawing/2010/main" w="9525">
                   <a:solidFill>
                     <a:srgbClr val="000000"/>
                   </a:solidFill>
@@ -6117,7 +5653,7 @@
             </a:ln>
             <a:extLst>
               <a:ext uri="{91240B29-F687-4f45-9708-019B960494DF}">
-                <a14:hiddenLine xmlns:a14="http://schemas.microsoft.com/office/drawing/2010/main" xmlns="" w="9525">
+                <a14:hiddenLine xmlns="" xmlns:a14="http://schemas.microsoft.com/office/drawing/2010/main" w="9525">
                   <a:solidFill>
                     <a:srgbClr val="000000"/>
                   </a:solidFill>
@@ -6151,7 +5687,7 @@
             </a:ln>
             <a:extLst>
               <a:ext uri="{91240B29-F687-4f45-9708-019B960494DF}">
-                <a14:hiddenLine xmlns:a14="http://schemas.microsoft.com/office/drawing/2010/main" xmlns="" w="9525">
+                <a14:hiddenLine xmlns="" xmlns:a14="http://schemas.microsoft.com/office/drawing/2010/main" w="9525">
                   <a:solidFill>
                     <a:srgbClr val="000000"/>
                   </a:solidFill>
@@ -6241,7 +5777,7 @@
             </a:ln>
             <a:extLst>
               <a:ext uri="{91240B29-F687-4f45-9708-019B960494DF}">
-                <a14:hiddenLine xmlns:a14="http://schemas.microsoft.com/office/drawing/2010/main" xmlns="" w="9525">
+                <a14:hiddenLine xmlns="" xmlns:a14="http://schemas.microsoft.com/office/drawing/2010/main" w="9525">
                   <a:solidFill>
                     <a:srgbClr val="000000"/>
                   </a:solidFill>
@@ -6303,7 +5839,7 @@
             </a:ln>
             <a:extLst>
               <a:ext uri="{91240B29-F687-4f45-9708-019B960494DF}">
-                <a14:hiddenLine xmlns:a14="http://schemas.microsoft.com/office/drawing/2010/main" xmlns="" w="9525">
+                <a14:hiddenLine xmlns="" xmlns:a14="http://schemas.microsoft.com/office/drawing/2010/main" w="9525">
                   <a:solidFill>
                     <a:srgbClr val="000000"/>
                   </a:solidFill>
@@ -6365,7 +5901,7 @@
             </a:ln>
             <a:extLst>
               <a:ext uri="{91240B29-F687-4f45-9708-019B960494DF}">
-                <a14:hiddenLine xmlns:a14="http://schemas.microsoft.com/office/drawing/2010/main" xmlns="" w="9525">
+                <a14:hiddenLine xmlns="" xmlns:a14="http://schemas.microsoft.com/office/drawing/2010/main" w="9525">
                   <a:solidFill>
                     <a:srgbClr val="000000"/>
                   </a:solidFill>
@@ -6455,7 +5991,7 @@
             </a:ln>
             <a:extLst>
               <a:ext uri="{91240B29-F687-4f45-9708-019B960494DF}">
-                <a14:hiddenLine xmlns:a14="http://schemas.microsoft.com/office/drawing/2010/main" xmlns="" w="9525">
+                <a14:hiddenLine xmlns="" xmlns:a14="http://schemas.microsoft.com/office/drawing/2010/main" w="9525">
                   <a:solidFill>
                     <a:srgbClr val="000000"/>
                   </a:solidFill>
@@ -6523,7 +6059,7 @@
             </a:ln>
             <a:extLst>
               <a:ext uri="{91240B29-F687-4f45-9708-019B960494DF}">
-                <a14:hiddenLine xmlns:a14="http://schemas.microsoft.com/office/drawing/2010/main" xmlns="" w="9525">
+                <a14:hiddenLine xmlns="" xmlns:a14="http://schemas.microsoft.com/office/drawing/2010/main" w="9525">
                   <a:solidFill>
                     <a:srgbClr val="000000"/>
                   </a:solidFill>
@@ -6585,7 +6121,7 @@
             </a:ln>
             <a:extLst>
               <a:ext uri="{91240B29-F687-4f45-9708-019B960494DF}">
-                <a14:hiddenLine xmlns:a14="http://schemas.microsoft.com/office/drawing/2010/main" xmlns="" w="9525">
+                <a14:hiddenLine xmlns="" xmlns:a14="http://schemas.microsoft.com/office/drawing/2010/main" w="9525">
                   <a:solidFill>
                     <a:srgbClr val="000000"/>
                   </a:solidFill>
@@ -6675,7 +6211,7 @@
             </a:ln>
             <a:extLst>
               <a:ext uri="{91240B29-F687-4f45-9708-019B960494DF}">
-                <a14:hiddenLine xmlns:a14="http://schemas.microsoft.com/office/drawing/2010/main" xmlns="" w="9525">
+                <a14:hiddenLine xmlns="" xmlns:a14="http://schemas.microsoft.com/office/drawing/2010/main" w="9525">
                   <a:solidFill>
                     <a:srgbClr val="000000"/>
                   </a:solidFill>
@@ -6737,7 +6273,7 @@
             </a:ln>
             <a:extLst>
               <a:ext uri="{91240B29-F687-4f45-9708-019B960494DF}">
-                <a14:hiddenLine xmlns:a14="http://schemas.microsoft.com/office/drawing/2010/main" xmlns="" w="9525">
+                <a14:hiddenLine xmlns="" xmlns:a14="http://schemas.microsoft.com/office/drawing/2010/main" w="9525">
                   <a:solidFill>
                     <a:srgbClr val="000000"/>
                   </a:solidFill>
@@ -6827,7 +6363,7 @@
             </a:ln>
             <a:extLst>
               <a:ext uri="{91240B29-F687-4f45-9708-019B960494DF}">
-                <a14:hiddenLine xmlns:a14="http://schemas.microsoft.com/office/drawing/2010/main" xmlns="" w="9525">
+                <a14:hiddenLine xmlns="" xmlns:a14="http://schemas.microsoft.com/office/drawing/2010/main" w="9525">
                   <a:solidFill>
                     <a:srgbClr val="000000"/>
                   </a:solidFill>
@@ -6889,7 +6425,7 @@
             </a:ln>
             <a:extLst>
               <a:ext uri="{91240B29-F687-4f45-9708-019B960494DF}">
-                <a14:hiddenLine xmlns:a14="http://schemas.microsoft.com/office/drawing/2010/main" xmlns="" w="9525">
+                <a14:hiddenLine xmlns="" xmlns:a14="http://schemas.microsoft.com/office/drawing/2010/main" w="9525">
                   <a:solidFill>
                     <a:srgbClr val="000000"/>
                   </a:solidFill>
@@ -6979,7 +6515,7 @@
             </a:ln>
             <a:extLst>
               <a:ext uri="{91240B29-F687-4f45-9708-019B960494DF}">
-                <a14:hiddenLine xmlns:a14="http://schemas.microsoft.com/office/drawing/2010/main" xmlns="" w="9525">
+                <a14:hiddenLine xmlns="" xmlns:a14="http://schemas.microsoft.com/office/drawing/2010/main" w="9525">
                   <a:solidFill>
                     <a:srgbClr val="000000"/>
                   </a:solidFill>
@@ -7013,7 +6549,7 @@
             </a:ln>
             <a:extLst>
               <a:ext uri="{91240B29-F687-4f45-9708-019B960494DF}">
-                <a14:hiddenLine xmlns:a14="http://schemas.microsoft.com/office/drawing/2010/main" xmlns="" w="9525">
+                <a14:hiddenLine xmlns="" xmlns:a14="http://schemas.microsoft.com/office/drawing/2010/main" w="9525">
                   <a:solidFill>
                     <a:srgbClr val="000000"/>
                   </a:solidFill>
@@ -7078,7 +6614,7 @@
             </a:ln>
             <a:extLst>
               <a:ext uri="{91240B29-F687-4f45-9708-019B960494DF}">
-                <a14:hiddenLine xmlns:a14="http://schemas.microsoft.com/office/drawing/2010/main" xmlns="" w="9525">
+                <a14:hiddenLine xmlns="" xmlns:a14="http://schemas.microsoft.com/office/drawing/2010/main" w="9525">
                   <a:solidFill>
                     <a:srgbClr val="000000"/>
                   </a:solidFill>
@@ -7168,7 +6704,7 @@
             </a:ln>
             <a:extLst>
               <a:ext uri="{91240B29-F687-4f45-9708-019B960494DF}">
-                <a14:hiddenLine xmlns:a14="http://schemas.microsoft.com/office/drawing/2010/main" xmlns="" w="9525">
+                <a14:hiddenLine xmlns="" xmlns:a14="http://schemas.microsoft.com/office/drawing/2010/main" w="9525">
                   <a:solidFill>
                     <a:srgbClr val="000000"/>
                   </a:solidFill>
@@ -7230,7 +6766,7 @@
             </a:ln>
             <a:extLst>
               <a:ext uri="{91240B29-F687-4f45-9708-019B960494DF}">
-                <a14:hiddenLine xmlns:a14="http://schemas.microsoft.com/office/drawing/2010/main" xmlns="" w="9525">
+                <a14:hiddenLine xmlns="" xmlns:a14="http://schemas.microsoft.com/office/drawing/2010/main" w="9525">
                   <a:solidFill>
                     <a:srgbClr val="000000"/>
                   </a:solidFill>
@@ -7320,7 +6856,7 @@
             </a:ln>
             <a:extLst>
               <a:ext uri="{91240B29-F687-4f45-9708-019B960494DF}">
-                <a14:hiddenLine xmlns:a14="http://schemas.microsoft.com/office/drawing/2010/main" xmlns="" w="9525">
+                <a14:hiddenLine xmlns="" xmlns:a14="http://schemas.microsoft.com/office/drawing/2010/main" w="9525">
                   <a:solidFill>
                     <a:srgbClr val="000000"/>
                   </a:solidFill>
@@ -7410,7 +6946,7 @@
             </a:ln>
             <a:extLst>
               <a:ext uri="{91240B29-F687-4f45-9708-019B960494DF}">
-                <a14:hiddenLine xmlns:a14="http://schemas.microsoft.com/office/drawing/2010/main" xmlns="" w="9525">
+                <a14:hiddenLine xmlns="" xmlns:a14="http://schemas.microsoft.com/office/drawing/2010/main" w="9525">
                   <a:solidFill>
                     <a:srgbClr val="000000"/>
                   </a:solidFill>
@@ -7475,7 +7011,7 @@
             </a:ln>
             <a:extLst>
               <a:ext uri="{91240B29-F687-4f45-9708-019B960494DF}">
-                <a14:hiddenLine xmlns:a14="http://schemas.microsoft.com/office/drawing/2010/main" xmlns="" w="9525">
+                <a14:hiddenLine xmlns="" xmlns:a14="http://schemas.microsoft.com/office/drawing/2010/main" w="9525">
                   <a:solidFill>
                     <a:srgbClr val="000000"/>
                   </a:solidFill>
@@ -7537,7 +7073,7 @@
             </a:ln>
             <a:extLst>
               <a:ext uri="{91240B29-F687-4f45-9708-019B960494DF}">
-                <a14:hiddenLine xmlns:a14="http://schemas.microsoft.com/office/drawing/2010/main" xmlns="" w="9525">
+                <a14:hiddenLine xmlns="" xmlns:a14="http://schemas.microsoft.com/office/drawing/2010/main" w="9525">
                   <a:solidFill>
                     <a:srgbClr val="000000"/>
                   </a:solidFill>
@@ -7627,7 +7163,7 @@
             </a:ln>
             <a:extLst>
               <a:ext uri="{91240B29-F687-4f45-9708-019B960494DF}">
-                <a14:hiddenLine xmlns:a14="http://schemas.microsoft.com/office/drawing/2010/main" xmlns="" w="9525">
+                <a14:hiddenLine xmlns="" xmlns:a14="http://schemas.microsoft.com/office/drawing/2010/main" w="9525">
                   <a:solidFill>
                     <a:srgbClr val="000000"/>
                   </a:solidFill>
@@ -7717,7 +7253,7 @@
             </a:ln>
             <a:extLst>
               <a:ext uri="{91240B29-F687-4f45-9708-019B960494DF}">
-                <a14:hiddenLine xmlns:a14="http://schemas.microsoft.com/office/drawing/2010/main" xmlns="" w="9525">
+                <a14:hiddenLine xmlns="" xmlns:a14="http://schemas.microsoft.com/office/drawing/2010/main" w="9525">
                   <a:solidFill>
                     <a:srgbClr val="000000"/>
                   </a:solidFill>
@@ -7779,7 +7315,7 @@
             </a:ln>
             <a:extLst>
               <a:ext uri="{91240B29-F687-4f45-9708-019B960494DF}">
-                <a14:hiddenLine xmlns:a14="http://schemas.microsoft.com/office/drawing/2010/main" xmlns="" w="9525">
+                <a14:hiddenLine xmlns="" xmlns:a14="http://schemas.microsoft.com/office/drawing/2010/main" w="9525">
                   <a:solidFill>
                     <a:srgbClr val="000000"/>
                   </a:solidFill>
@@ -7899,7 +7435,7 @@
             </a:ln>
             <a:extLst>
               <a:ext uri="{91240B29-F687-4f45-9708-019B960494DF}">
-                <a14:hiddenLine xmlns:a14="http://schemas.microsoft.com/office/drawing/2010/main" xmlns="" w="9525">
+                <a14:hiddenLine xmlns="" xmlns:a14="http://schemas.microsoft.com/office/drawing/2010/main" w="9525">
                   <a:solidFill>
                     <a:srgbClr val="000000"/>
                   </a:solidFill>
@@ -7967,7 +7503,7 @@
             </a:ln>
             <a:extLst>
               <a:ext uri="{91240B29-F687-4f45-9708-019B960494DF}">
-                <a14:hiddenLine xmlns:a14="http://schemas.microsoft.com/office/drawing/2010/main" xmlns="" w="9525">
+                <a14:hiddenLine xmlns="" xmlns:a14="http://schemas.microsoft.com/office/drawing/2010/main" w="9525">
                   <a:solidFill>
                     <a:srgbClr val="000000"/>
                   </a:solidFill>
@@ -8057,7 +7593,7 @@
             </a:ln>
             <a:extLst>
               <a:ext uri="{91240B29-F687-4f45-9708-019B960494DF}">
-                <a14:hiddenLine xmlns:a14="http://schemas.microsoft.com/office/drawing/2010/main" xmlns="" w="9525">
+                <a14:hiddenLine xmlns="" xmlns:a14="http://schemas.microsoft.com/office/drawing/2010/main" w="9525">
                   <a:solidFill>
                     <a:srgbClr val="000000"/>
                   </a:solidFill>
@@ -13983,7 +13519,7 @@
           <a:noFill/>
           <a:extLst>
             <a:ext uri="{909E8E84-426E-40dd-AFC4-6F175D3DCCD1}">
-              <a14:hiddenFill xmlns:a14="http://schemas.microsoft.com/office/drawing/2010/main" xmlns="">
+              <a14:hiddenFill xmlns="" xmlns:a14="http://schemas.microsoft.com/office/drawing/2010/main">
                 <a:solidFill>
                   <a:srgbClr val="FFFFFF"/>
                 </a:solidFill>
@@ -14063,7 +13599,7 @@
               </a:ln>
               <a:extLst>
                 <a:ext uri="{91240B29-F687-4f45-9708-019B960494DF}">
-                  <a14:hiddenLine xmlns:a14="http://schemas.microsoft.com/office/drawing/2010/main" xmlns="" w="9525">
+                  <a14:hiddenLine xmlns="" xmlns:a14="http://schemas.microsoft.com/office/drawing/2010/main" w="9525">
                     <a:solidFill>
                       <a:srgbClr val="000000"/>
                     </a:solidFill>
@@ -14153,7 +13689,7 @@
               </a:ln>
               <a:extLst>
                 <a:ext uri="{91240B29-F687-4f45-9708-019B960494DF}">
-                  <a14:hiddenLine xmlns:a14="http://schemas.microsoft.com/office/drawing/2010/main" xmlns="" w="9525">
+                  <a14:hiddenLine xmlns="" xmlns:a14="http://schemas.microsoft.com/office/drawing/2010/main" w="9525">
                     <a:solidFill>
                       <a:srgbClr val="000000"/>
                     </a:solidFill>
@@ -14243,7 +13779,7 @@
               </a:ln>
               <a:extLst>
                 <a:ext uri="{91240B29-F687-4f45-9708-019B960494DF}">
-                  <a14:hiddenLine xmlns:a14="http://schemas.microsoft.com/office/drawing/2010/main" xmlns="" w="9525">
+                  <a14:hiddenLine xmlns="" xmlns:a14="http://schemas.microsoft.com/office/drawing/2010/main" w="9525">
                     <a:solidFill>
                       <a:srgbClr val="000000"/>
                     </a:solidFill>
@@ -14305,7 +13841,7 @@
               </a:ln>
               <a:extLst>
                 <a:ext uri="{91240B29-F687-4f45-9708-019B960494DF}">
-                  <a14:hiddenLine xmlns:a14="http://schemas.microsoft.com/office/drawing/2010/main" xmlns="" w="9525">
+                  <a14:hiddenLine xmlns="" xmlns:a14="http://schemas.microsoft.com/office/drawing/2010/main" w="9525">
                     <a:solidFill>
                       <a:srgbClr val="000000"/>
                     </a:solidFill>
@@ -14395,7 +13931,7 @@
               </a:ln>
               <a:extLst>
                 <a:ext uri="{91240B29-F687-4f45-9708-019B960494DF}">
-                  <a14:hiddenLine xmlns:a14="http://schemas.microsoft.com/office/drawing/2010/main" xmlns="" w="9525">
+                  <a14:hiddenLine xmlns="" xmlns:a14="http://schemas.microsoft.com/office/drawing/2010/main" w="9525">
                     <a:solidFill>
                       <a:srgbClr val="000000"/>
                     </a:solidFill>
@@ -14457,7 +13993,7 @@
               </a:ln>
               <a:extLst>
                 <a:ext uri="{91240B29-F687-4f45-9708-019B960494DF}">
-                  <a14:hiddenLine xmlns:a14="http://schemas.microsoft.com/office/drawing/2010/main" xmlns="" w="9525">
+                  <a14:hiddenLine xmlns="" xmlns:a14="http://schemas.microsoft.com/office/drawing/2010/main" w="9525">
                     <a:solidFill>
                       <a:srgbClr val="000000"/>
                     </a:solidFill>
@@ -14519,7 +14055,7 @@
               </a:ln>
               <a:extLst>
                 <a:ext uri="{91240B29-F687-4f45-9708-019B960494DF}">
-                  <a14:hiddenLine xmlns:a14="http://schemas.microsoft.com/office/drawing/2010/main" xmlns="" w="9525">
+                  <a14:hiddenLine xmlns="" xmlns:a14="http://schemas.microsoft.com/office/drawing/2010/main" w="9525">
                     <a:solidFill>
                       <a:srgbClr val="000000"/>
                     </a:solidFill>
@@ -14609,7 +14145,7 @@
               </a:ln>
               <a:extLst>
                 <a:ext uri="{91240B29-F687-4f45-9708-019B960494DF}">
-                  <a14:hiddenLine xmlns:a14="http://schemas.microsoft.com/office/drawing/2010/main" xmlns="" w="9525">
+                  <a14:hiddenLine xmlns="" xmlns:a14="http://schemas.microsoft.com/office/drawing/2010/main" w="9525">
                     <a:solidFill>
                       <a:srgbClr val="000000"/>
                     </a:solidFill>
@@ -14699,7 +14235,7 @@
               </a:ln>
               <a:extLst>
                 <a:ext uri="{91240B29-F687-4f45-9708-019B960494DF}">
-                  <a14:hiddenLine xmlns:a14="http://schemas.microsoft.com/office/drawing/2010/main" xmlns="" w="9525">
+                  <a14:hiddenLine xmlns="" xmlns:a14="http://schemas.microsoft.com/office/drawing/2010/main" w="9525">
                     <a:solidFill>
                       <a:srgbClr val="000000"/>
                     </a:solidFill>
@@ -14761,7 +14297,7 @@
               </a:ln>
               <a:extLst>
                 <a:ext uri="{91240B29-F687-4f45-9708-019B960494DF}">
-                  <a14:hiddenLine xmlns:a14="http://schemas.microsoft.com/office/drawing/2010/main" xmlns="" w="9525">
+                  <a14:hiddenLine xmlns="" xmlns:a14="http://schemas.microsoft.com/office/drawing/2010/main" w="9525">
                     <a:solidFill>
                       <a:srgbClr val="000000"/>
                     </a:solidFill>
@@ -14871,7 +14407,7 @@
               </a:ln>
               <a:extLst>
                 <a:ext uri="{91240B29-F687-4f45-9708-019B960494DF}">
-                  <a14:hiddenLine xmlns:a14="http://schemas.microsoft.com/office/drawing/2010/main" xmlns="" w="9525">
+                  <a14:hiddenLine xmlns="" xmlns:a14="http://schemas.microsoft.com/office/drawing/2010/main" w="9525">
                     <a:solidFill>
                       <a:srgbClr val="000000"/>
                     </a:solidFill>
@@ -14955,7 +14491,7 @@
               </a:ln>
               <a:extLst>
                 <a:ext uri="{91240B29-F687-4f45-9708-019B960494DF}">
-                  <a14:hiddenLine xmlns:a14="http://schemas.microsoft.com/office/drawing/2010/main" xmlns="" w="9525">
+                  <a14:hiddenLine xmlns="" xmlns:a14="http://schemas.microsoft.com/office/drawing/2010/main" w="9525">
                     <a:solidFill>
                       <a:srgbClr val="000000"/>
                     </a:solidFill>
@@ -15017,7 +14553,7 @@
               </a:ln>
               <a:extLst>
                 <a:ext uri="{91240B29-F687-4f45-9708-019B960494DF}">
-                  <a14:hiddenLine xmlns:a14="http://schemas.microsoft.com/office/drawing/2010/main" xmlns="" w="9525">
+                  <a14:hiddenLine xmlns="" xmlns:a14="http://schemas.microsoft.com/office/drawing/2010/main" w="9525">
                     <a:solidFill>
                       <a:srgbClr val="000000"/>
                     </a:solidFill>
@@ -15079,7 +14615,7 @@
               </a:ln>
               <a:extLst>
                 <a:ext uri="{91240B29-F687-4f45-9708-019B960494DF}">
-                  <a14:hiddenLine xmlns:a14="http://schemas.microsoft.com/office/drawing/2010/main" xmlns="" w="9525">
+                  <a14:hiddenLine xmlns="" xmlns:a14="http://schemas.microsoft.com/office/drawing/2010/main" w="9525">
                     <a:solidFill>
                       <a:srgbClr val="000000"/>
                     </a:solidFill>
@@ -15169,7 +14705,7 @@
               </a:ln>
               <a:extLst>
                 <a:ext uri="{91240B29-F687-4f45-9708-019B960494DF}">
-                  <a14:hiddenLine xmlns:a14="http://schemas.microsoft.com/office/drawing/2010/main" xmlns="" w="9525">
+                  <a14:hiddenLine xmlns="" xmlns:a14="http://schemas.microsoft.com/office/drawing/2010/main" w="9525">
                     <a:solidFill>
                       <a:srgbClr val="000000"/>
                     </a:solidFill>
@@ -15203,7 +14739,7 @@
               </a:ln>
               <a:extLst>
                 <a:ext uri="{91240B29-F687-4f45-9708-019B960494DF}">
-                  <a14:hiddenLine xmlns:a14="http://schemas.microsoft.com/office/drawing/2010/main" xmlns="" w="9525">
+                  <a14:hiddenLine xmlns="" xmlns:a14="http://schemas.microsoft.com/office/drawing/2010/main" w="9525">
                     <a:solidFill>
                       <a:srgbClr val="000000"/>
                     </a:solidFill>
@@ -15268,7 +14804,7 @@
               </a:ln>
               <a:extLst>
                 <a:ext uri="{91240B29-F687-4f45-9708-019B960494DF}">
-                  <a14:hiddenLine xmlns:a14="http://schemas.microsoft.com/office/drawing/2010/main" xmlns="" w="9525">
+                  <a14:hiddenLine xmlns="" xmlns:a14="http://schemas.microsoft.com/office/drawing/2010/main" w="9525">
                     <a:solidFill>
                       <a:srgbClr val="000000"/>
                     </a:solidFill>
@@ -15358,7 +14894,7 @@
               </a:ln>
               <a:extLst>
                 <a:ext uri="{91240B29-F687-4f45-9708-019B960494DF}">
-                  <a14:hiddenLine xmlns:a14="http://schemas.microsoft.com/office/drawing/2010/main" xmlns="" w="9525">
+                  <a14:hiddenLine xmlns="" xmlns:a14="http://schemas.microsoft.com/office/drawing/2010/main" w="9525">
                     <a:solidFill>
                       <a:srgbClr val="000000"/>
                     </a:solidFill>
@@ -15420,7 +14956,7 @@
               </a:ln>
               <a:extLst>
                 <a:ext uri="{91240B29-F687-4f45-9708-019B960494DF}">
-                  <a14:hiddenLine xmlns:a14="http://schemas.microsoft.com/office/drawing/2010/main" xmlns="" w="9525">
+                  <a14:hiddenLine xmlns="" xmlns:a14="http://schemas.microsoft.com/office/drawing/2010/main" w="9525">
                     <a:solidFill>
                       <a:srgbClr val="000000"/>
                     </a:solidFill>
@@ -15510,7 +15046,7 @@
               </a:ln>
               <a:extLst>
                 <a:ext uri="{91240B29-F687-4f45-9708-019B960494DF}">
-                  <a14:hiddenLine xmlns:a14="http://schemas.microsoft.com/office/drawing/2010/main" xmlns="" w="9525">
+                  <a14:hiddenLine xmlns="" xmlns:a14="http://schemas.microsoft.com/office/drawing/2010/main" w="9525">
                     <a:solidFill>
                       <a:srgbClr val="000000"/>
                     </a:solidFill>
@@ -15575,7 +15111,7 @@
               </a:ln>
               <a:extLst>
                 <a:ext uri="{91240B29-F687-4f45-9708-019B960494DF}">
-                  <a14:hiddenLine xmlns:a14="http://schemas.microsoft.com/office/drawing/2010/main" xmlns="" w="9525">
+                  <a14:hiddenLine xmlns="" xmlns:a14="http://schemas.microsoft.com/office/drawing/2010/main" w="9525">
                     <a:solidFill>
                       <a:srgbClr val="000000"/>
                     </a:solidFill>
@@ -15637,7 +15173,7 @@
               </a:ln>
               <a:extLst>
                 <a:ext uri="{91240B29-F687-4f45-9708-019B960494DF}">
-                  <a14:hiddenLine xmlns:a14="http://schemas.microsoft.com/office/drawing/2010/main" xmlns="" w="9525">
+                  <a14:hiddenLine xmlns="" xmlns:a14="http://schemas.microsoft.com/office/drawing/2010/main" w="9525">
                     <a:solidFill>
                       <a:srgbClr val="000000"/>
                     </a:solidFill>
@@ -15727,7 +15263,7 @@
               </a:ln>
               <a:extLst>
                 <a:ext uri="{91240B29-F687-4f45-9708-019B960494DF}">
-                  <a14:hiddenLine xmlns:a14="http://schemas.microsoft.com/office/drawing/2010/main" xmlns="" w="9525">
+                  <a14:hiddenLine xmlns="" xmlns:a14="http://schemas.microsoft.com/office/drawing/2010/main" w="9525">
                     <a:solidFill>
                       <a:srgbClr val="000000"/>
                     </a:solidFill>
@@ -15817,7 +15353,7 @@
               </a:ln>
               <a:extLst>
                 <a:ext uri="{91240B29-F687-4f45-9708-019B960494DF}">
-                  <a14:hiddenLine xmlns:a14="http://schemas.microsoft.com/office/drawing/2010/main" xmlns="" w="9525">
+                  <a14:hiddenLine xmlns="" xmlns:a14="http://schemas.microsoft.com/office/drawing/2010/main" w="9525">
                     <a:solidFill>
                       <a:srgbClr val="000000"/>
                     </a:solidFill>
@@ -15882,7 +15418,7 @@
               </a:ln>
               <a:extLst>
                 <a:ext uri="{91240B29-F687-4f45-9708-019B960494DF}">
-                  <a14:hiddenLine xmlns:a14="http://schemas.microsoft.com/office/drawing/2010/main" xmlns="" w="9525">
+                  <a14:hiddenLine xmlns="" xmlns:a14="http://schemas.microsoft.com/office/drawing/2010/main" w="9525">
                     <a:solidFill>
                       <a:srgbClr val="000000"/>
                     </a:solidFill>
@@ -16002,7 +15538,7 @@
               </a:ln>
               <a:extLst>
                 <a:ext uri="{91240B29-F687-4f45-9708-019B960494DF}">
-                  <a14:hiddenLine xmlns:a14="http://schemas.microsoft.com/office/drawing/2010/main" xmlns="" w="9525">
+                  <a14:hiddenLine xmlns="" xmlns:a14="http://schemas.microsoft.com/office/drawing/2010/main" w="9525">
                     <a:solidFill>
                       <a:srgbClr val="000000"/>
                     </a:solidFill>
@@ -16100,7 +15636,7 @@
               </a:ln>
               <a:extLst>
                 <a:ext uri="{91240B29-F687-4f45-9708-019B960494DF}">
-                  <a14:hiddenLine xmlns:a14="http://schemas.microsoft.com/office/drawing/2010/main" xmlns="" w="9525">
+                  <a14:hiddenLine xmlns="" xmlns:a14="http://schemas.microsoft.com/office/drawing/2010/main" w="9525">
                     <a:solidFill>
                       <a:srgbClr val="000000"/>
                     </a:solidFill>
@@ -16215,7 +15751,7 @@
               </a:ln>
               <a:extLst>
                 <a:ext uri="{91240B29-F687-4f45-9708-019B960494DF}">
-                  <a14:hiddenLine xmlns:a14="http://schemas.microsoft.com/office/drawing/2010/main" xmlns="" w="9525">
+                  <a14:hiddenLine xmlns="" xmlns:a14="http://schemas.microsoft.com/office/drawing/2010/main" w="9525">
                     <a:solidFill>
                       <a:srgbClr val="000000"/>
                     </a:solidFill>
@@ -16305,7 +15841,7 @@
               </a:ln>
               <a:extLst>
                 <a:ext uri="{91240B29-F687-4f45-9708-019B960494DF}">
-                  <a14:hiddenLine xmlns:a14="http://schemas.microsoft.com/office/drawing/2010/main" xmlns="" w="9525">
+                  <a14:hiddenLine xmlns="" xmlns:a14="http://schemas.microsoft.com/office/drawing/2010/main" w="9525">
                     <a:solidFill>
                       <a:srgbClr val="000000"/>
                     </a:solidFill>
@@ -16370,7 +15906,7 @@
               </a:ln>
               <a:extLst>
                 <a:ext uri="{91240B29-F687-4f45-9708-019B960494DF}">
-                  <a14:hiddenLine xmlns:a14="http://schemas.microsoft.com/office/drawing/2010/main" xmlns="" w="9525">
+                  <a14:hiddenLine xmlns="" xmlns:a14="http://schemas.microsoft.com/office/drawing/2010/main" w="9525">
                     <a:solidFill>
                       <a:srgbClr val="000000"/>
                     </a:solidFill>
@@ -16460,7 +15996,7 @@
               </a:ln>
               <a:extLst>
                 <a:ext uri="{91240B29-F687-4f45-9708-019B960494DF}">
-                  <a14:hiddenLine xmlns:a14="http://schemas.microsoft.com/office/drawing/2010/main" xmlns="" w="9525">
+                  <a14:hiddenLine xmlns="" xmlns:a14="http://schemas.microsoft.com/office/drawing/2010/main" w="9525">
                     <a:solidFill>
                       <a:srgbClr val="000000"/>
                     </a:solidFill>
@@ -16528,7 +16064,7 @@
               </a:ln>
               <a:extLst>
                 <a:ext uri="{91240B29-F687-4f45-9708-019B960494DF}">
-                  <a14:hiddenLine xmlns:a14="http://schemas.microsoft.com/office/drawing/2010/main" xmlns="" w="9525">
+                  <a14:hiddenLine xmlns="" xmlns:a14="http://schemas.microsoft.com/office/drawing/2010/main" w="9525">
                     <a:solidFill>
                       <a:srgbClr val="000000"/>
                     </a:solidFill>
@@ -16618,7 +16154,7 @@
               </a:ln>
               <a:extLst>
                 <a:ext uri="{91240B29-F687-4f45-9708-019B960494DF}">
-                  <a14:hiddenLine xmlns:a14="http://schemas.microsoft.com/office/drawing/2010/main" xmlns="" w="9525">
+                  <a14:hiddenLine xmlns="" xmlns:a14="http://schemas.microsoft.com/office/drawing/2010/main" w="9525">
                     <a:solidFill>
                       <a:srgbClr val="000000"/>
                     </a:solidFill>
@@ -16686,7 +16222,7 @@
               </a:ln>
               <a:extLst>
                 <a:ext uri="{91240B29-F687-4f45-9708-019B960494DF}">
-                  <a14:hiddenLine xmlns:a14="http://schemas.microsoft.com/office/drawing/2010/main" xmlns="" w="9525">
+                  <a14:hiddenLine xmlns="" xmlns:a14="http://schemas.microsoft.com/office/drawing/2010/main" w="9525">
                     <a:solidFill>
                       <a:srgbClr val="000000"/>
                     </a:solidFill>
@@ -16776,7 +16312,7 @@
               </a:ln>
               <a:extLst>
                 <a:ext uri="{91240B29-F687-4f45-9708-019B960494DF}">
-                  <a14:hiddenLine xmlns:a14="http://schemas.microsoft.com/office/drawing/2010/main" xmlns="" w="9525">
+                  <a14:hiddenLine xmlns="" xmlns:a14="http://schemas.microsoft.com/office/drawing/2010/main" w="9525">
                     <a:solidFill>
                       <a:srgbClr val="000000"/>
                     </a:solidFill>
@@ -16810,7 +16346,7 @@
               </a:ln>
               <a:extLst>
                 <a:ext uri="{91240B29-F687-4f45-9708-019B960494DF}">
-                  <a14:hiddenLine xmlns:a14="http://schemas.microsoft.com/office/drawing/2010/main" xmlns="" w="9525">
+                  <a14:hiddenLine xmlns="" xmlns:a14="http://schemas.microsoft.com/office/drawing/2010/main" w="9525">
                     <a:solidFill>
                       <a:srgbClr val="000000"/>
                     </a:solidFill>
